--- a/lesson9.pptx
+++ b/lesson9.pptx
@@ -469,6 +469,112 @@
   <inkml:trace contextRef="#ctx0" brushRef="#br1" timeOffset="402819">21183 15222 9871,'6'-9'90,"1"7"540,-5-11-540,2 12-90,-3 16-1889,-1 24-540,0 2 2259,0 12 0,0-21 0,0 2 0</inkml:trace>
   <inkml:trace contextRef="#ctx0" brushRef="#br1" timeOffset="403444">23593 14944 10501,'0'34'0,"0"0"-90,0-5-899,11-1-630,-9-3 1619,9-1 0,-11 0 0,0-1 0</inkml:trace>
   <inkml:trace contextRef="#ctx0" brushRef="#br1" timeOffset="403606">23750 14964 11490,'17'-6'720,"1"4"-720,2-4 0,1 6-90,0 0-360,8 22-1439,-7 9 1889,-6 1 0,-2 2 0,0 23 0,-1 7 0</inkml:trace>
+</inkml:ink>
+</file>
+
+<file path=ppt/ink/ink10.xml><?xml version="1.0" encoding="utf-8"?>
+<inkml:ink xmlns:inkml="http://www.w3.org/2003/InkML">
+  <inkml:definitions>
+    <inkml:context xml:id="ctx0">
+      <inkml:inkSource xml:id="inkSrc0">
+        <inkml:traceFormat>
+          <inkml:channel name="X" type="integer" min="-2.14748E9" max="2.14748E9" units="cm"/>
+          <inkml:channel name="Y" type="integer" min="-2.14748E9" max="2.14748E9" units="cm"/>
+          <inkml:channel name="F" type="integer" max="32767" units="dev"/>
+        </inkml:traceFormat>
+        <inkml:channelProperties>
+          <inkml:channelProperty channel="X" name="resolution" value="1000" units="1/cm"/>
+          <inkml:channelProperty channel="Y" name="resolution" value="1000" units="1/cm"/>
+          <inkml:channelProperty channel="F" name="resolution" value="0" units="1/dev"/>
+        </inkml:channelProperties>
+      </inkml:inkSource>
+      <inkml:timestamp xml:id="ts0" timeString="2021-07-23T06:24:30.917"/>
+    </inkml:context>
+    <inkml:brush xml:id="br0">
+      <inkml:brushProperty name="width" value="0.09071" units="cm"/>
+      <inkml:brushProperty name="height" value="0.09071" units="cm"/>
+      <inkml:brushProperty name="color" value="#FF0000"/>
+    </inkml:brush>
+  </inkml:definitions>
+  <inkml:trace contextRef="#ctx0" brushRef="#br0">3957 1472 9781,'0'-14'1530,"-12"0"-1081,9 2-89,-9 4 1079,3 0-1439,7 32 90,-7-2-90,9 29-508,0-2 508,0 7 0,7 7 0,5 2 0,-3-24 0,2 1-787,0 9 1,1 6 0,0-7 786,-3-14 0,0-4 0,5 12 0,-1-2-260,-3 8 260,11-3 0,-13-8 0,4-3 90,-7-8-180,4-4-90,-5-6 91,-21-35-46,8-13 0,-1-5 90,-10 0 0,-1-4-604,7-7 1,3-6 0,1 3 648,-2 4 0,2-1-30,3-7 0,2-6 0,1 5 665,4 4 0,0-1-635,-1-11 0,0-6 0,3 9 0,7 14 0,2 2 0,-3-3 0,1-3 0,2 9 0,14 0 0,20 1 231,-17 29-141,10 36-90,0-2 0,-24 30 45,-1-23 0,-3 0-135,-8 21 45,5-7 0,-5 0-315,-22 7-630,10-12 1,-2-1 1738,-13 2-2458,-9 5 1709,30-22 0,-26-7 0,14-4 0</inkml:trace>
+  <inkml:trace contextRef="#ctx0" brushRef="#br0" timeOffset="399">4542 971 9691,'8'0'2969,"5"23"-2789,-5-17-45,0 26 0,-1 6 44,3-6-983,-3 3 1,-1 3 803,4 11 90,2 2-90,-3 1-45,0-16 0,1 0 135,4 19-135,-1-12 0,1-2 135,3 5-180,5 7 344,-6-23-254,-2-5 0,-1-5-90,1-1 0,-5-8-90,2-3 180,-7-6 0,2-36 0,-3 10 0,0-33 907,1 18-907,-1-5 36,1 0-36,1-10 0,0 17 90,4-2 0,-3 27-1,8 5-178,-3 7 500,4 25-411,5 9 0,-4 14-1156,6 1 886,-6-11-450,0 0-2158,11 15 1169,-6-15 1709,9 9 0,-7-19 0,1-4 0</inkml:trace>
+  <inkml:trace contextRef="#ctx0" brushRef="#br0" timeOffset="784">5390 1563 9332,'0'6'2788,"0"12"-2788,17 19 0,-13 6 0,13-10 0,0 19 0,2-12-1584,1 11 1494,9-16 90,-16-4 615,10-2-615,-1 6 0,-8-13 185,3 7-185,-11-19 0,-1-16-270,-28-23 180,-2-11 90,-1 2 0,-1-3 179,8 13 1,1-3-225,-2-29 0,2-2-568,2 23 1,1-1 612,7-12 0,1-2 45,-6 2 0,2 3-45,9 14 0,2-1 0,-4-17 0,0 3 0,4 4 232,21-9-52,2 36-90,19 5-90,-20 33 0,9 1 90,-17 45-180,3-16-315,-10-1 1,-4 2-1140,-3 14 1544,0-9 0,0 0 0,0 9 0,0-23 0,0 1 0</inkml:trace>
+  <inkml:trace contextRef="#ctx0" brushRef="#br0" timeOffset="1270">6695 1096 8882,'-2'-33'450,"24"-12"-360,-17 9 179,29 9 1,6 4-180,-8-2-2605,14 10 0,1 5 2784,-2 3-179,13 3 1499,-28 20-1499,-3-11 0,-14 37-90,4 4 0,-15 14 0,-4-9 0,-7 0 180,-8-17 1,-5 0-181,0 5 0,-3 4 0,0-4-345,-9-4 1,0-1 299,-3 11 0,3-2 45,10-16 0,1-3 0,-17 20 2759,6-8-2849,6-2 0,14-15-1349,4-2 450,36-14 269,-20-18-539,53 11 1163,-33-35 0,31 18 0,-15-20 0</inkml:trace>
+  <inkml:trace contextRef="#ctx0" brushRef="#br0" timeOffset="1469">6942 1036 9062,'-31'-14'540,"13"3"-451,-14 2 811,28 2-91,-26 2 271,27 1-1080,17 20 0,22 9 0,9 10 0,4 4-45,-14-12 0,0 0-1205,5 6 0,2 3 1,-3-4 169,-6-4 1,-1 0 1079,5 5 0,3 3 0,-4-3 0,-1-1 0,-1-2 0,10 12 0,1-1 0</inkml:trace>
+  <inkml:trace contextRef="#ctx0" brushRef="#br0" timeOffset="2170">8375 733 9332,'0'-31'1529,"-15"1"-900,11 2-269,-10 10 900,14 1-1260,0 37 0,0 0 89,0 27-89,0-12 0,0 1 90,0 23-934,-2-2 1,4 2 843,4-24 0,2 0 45,-1 22 0,0 0-135,10 2 90,-8-23 0,0-1-550,0 17 550,0-19-618,2 6 348,-6-25 0,6-4 0,-2-7 1309,3-21-1129,9-15 90,-2-11 45,-1 8 0,1-2-135,6-10 90,-6 7 0,-1 1 90,2 1 0,2-6 796,-10 32-796,-2 5 661,1 8-751,3 27 90,-2-4-135,-1 11 0,0 2 45,5 11-180,-1-5 0,1 1-2316,6 7 1551,-8-17 1,2-2-1035,12 7 1804,3-5 1,5-7 0,2-2 0</inkml:trace>
+  <inkml:trace contextRef="#ctx0" brushRef="#br0" timeOffset="2404">9513 808 9961,'0'-18'2429,"0"2"-1620,-14 8-719,10 23 0,-11 5-90,13 16 0,4 5 0,-2 10-45,-2 0 0,4 1-590,15 1 410,-16-18 0,2-1-315,26 11 1,-26-1-1530,20 12 1079,-20-15 1,18 7-328,-19-21 1317,8-4 0,-10-4 0,0-4 0</inkml:trace>
+  <inkml:trace contextRef="#ctx0" brushRef="#br0" timeOffset="2533">9348 1361 9422,'-17'-35'449,"3"1"-269,14-2-180,0-1 90,17 1-180,-12 1 90,38 4 0,-20 3 0,24 5-1979,13 1 720,-13 11 1259,16 2 0,-19 9 0,0 0 0</inkml:trace>
+  <inkml:trace contextRef="#ctx0" brushRef="#br0" timeOffset="3504">10147 1035 9691,'-7'-6'1799,"5"16"-1709,-8-7-180,9 29 270,-3-5-90,4 20-90,0-8-90,0 7 90,0-23 0,0 5 90,12-13-360,-9-2 270,16-6 0,-11-21 0,10-11 0,-2-12 0,9-13 0,-7 19 0,11-16 0,-11 32 90,1-8 0,-6 21-90,-1-3 180,1 5-270,7 23 180,-5 9-90,11 29 0,-14-11 0,6-1 0,-9-17 0,0-2-90,-1-4 180,-1-4-180,0-5 270,0-8-540,-1 3 360,-1-11 0,2 5 0,0-27 90,1 16-90,1-42-90,2 24 90,-1-26 90,1 9-971,-1-4 881,0 3-114,1-12 114,-4 17 0,0-3 90,-4 26-90,-1 6 90,2 7-90,-2 0 774,5 16-774,-3-11-180,8 53-89,0-30-451,-1 11 0,2 2 132,7 1-87,0-9 1,1-2 224,8 2 180,11 4 180,6-11 180,-12-10 360,24 4-91,-27-14 541,14 2-540,-22-6 0,3 1 269,-3-3-449,-4 1 180,17-18-360,-11 12 90,-1-18 0,0-4-90,6 4-552,-9-4 1,0-1 641,7-11 0,0-4 180,-3-3-225,-10 12 0,-1-1 135,2-21-45,-6 9 0,-2 0 134,-5-9-774,0 21 0,-4 0 865,-18-11-90,14 5 89,-36 3 1,11-3-360,-11 16 1486,2 0-1216,6 18-90,5 50-180,7-11 0,10 17 0,9 4-604,22 8-116,-2-4 0,5 0 156,3-21 1,4-3-382,5 12 1,2-2-226,-4-13 1,1-3 1169,3 0 0,0-2 0,3 0 0,0-1 0,2-1 0,0 0 0</inkml:trace>
+  <inkml:trace contextRef="#ctx0" brushRef="#br0" timeOffset="4950">4733 4311 9781,'-18'-9'2699,"3"5"-2429,15 18-90,16-10-46,-3 25 1,2 6-135,23-3 0,-7 16 0,-1 4-366,-10-23 1,0-1 365,16 25 0,0 1-872,-15-23 1,-1 0 871,7 9 0,-1 2 0,-4-4 0,-2-1 90,6 18-90,-8-15 0,-2 0 0,-6 0-90,1 15 180,-11-28-90,-27 1-90,20-16-270,-53-5 90,30-3-225,-14-10 1,-3-4 134,-16-11-720,24 2 1,-4-5 0,4-1 989,0-3 0,2-2 60,3 2 0,-1-3 0,2 1-130,-3-8 1,3-1 24,0-4 0,1 0-45,1-2 0,2-1 45,1-1 0,3 0-135,1 0 1,2-1-138,4 4 0,2-1-313,1-13 1,3 1 719,5 16 0,2 0 0,0-6 0,3 1 0,2-9 0</inkml:trace>
+  <inkml:trace contextRef="#ctx0" brushRef="#br0" timeOffset="5183">5360 3936 10681,'-19'-14'-3508,"-10"-1"3508,50 16 0,-5 11 0,11 9 0,0-1 0</inkml:trace>
+  <inkml:trace contextRef="#ctx0" brushRef="#br0" timeOffset="5350">5750 4327 10591,'4'32'1979,"0"-7"-1619,-4 12-270,-20-14 0,14 8-90,-34-13 0,36 4 0,-28-10 0,29-1 0,-10-3-1440,2 0-449,8-4 1889,-14 5 0,16-6 0,-5 5 0</inkml:trace>
+  <inkml:trace contextRef="#ctx0" brushRef="#br0" timeOffset="6333">5632 3909 8702,'-13'-9'2069,"0"-4"-1440,-3 1-359,-5-3 90,7 2-180,-7 3 0,-7 2-90,9 5-90,-20 2 90,14 21-180,-10-15 90,11 34 0,0-21 0,4 17 90,-4 10-180,12-11-3212,-1 28 3302,12-25 0,20 11-626,-14-14 536,40-1 90,-23 0 90,26 0-180,-9-1 180,4-1-90,-13-10 0,0-1-90,16 9 225,-12-6 0,-2-1 314,0-2-449,1 5 0,-23-13 90,-5 1-90,-5-1 0,-32 8 0,2-2-225,-15 1 0,-6 0 836,17-5 1,-2 0-612,-8 3 0,-6 2 0,3-2 0,2 0 0,0-1 0,-15 6 0,-1-1 0</inkml:trace>
+  <inkml:trace contextRef="#ctx0" brushRef="#br0" timeOffset="16420">8257 5468 7083,'0'-6'270,"0"0"-180,0 3-90,0-1 0,0 1 180,0-2-90,0 0-90,0 0 90,0 19-180,0 7 90,0 27 90,0-5-1073,0 10 983,0-10 0,0 5 0,-14 3 0,12-10 0,0 2 0,-5-11 0,0 3 45,1 26 0,3 2-45,2-24 0,0 1 89,-2 6 1,-1 4 0,2-3 0,2-2 0,0 0-1104,-2 15 1,0-1 1058,2-15 0,-1-1 45,-2 0 0,0 0-199,2 0 0,1 3 109,-3 16 0,-1 2 45,3-16 0,0 2-399,-1 3 1,0 5-1,0-5 399,0-5 0,1 1 22,-1 0 1,1 8-1,-1 0 1,1-6-23,0 6 0,-1 2 67,1-5 1,-1 8-1,0 0 1,0-7-24,1 4 1,0 0-68,0-10 1,0 6 0,-1 0-1,1-5 23,0 11 0,0 3 45,-1-4 0,0 10 0,0 0 0,0-9-60,1-14 0,0-5 0,0 4-8,-2 14 1,0 7-1,0 0 1,-1-10-23,1 2 0,0-3 60,-2 7 0,0 6 0,0-6-60,1-5 0,0-1 0,1-8 0,0 4 0,-1 1 0,1-4 0,0 13 0,0 0 0,0-9 0,0 3 0,0 1 30,1 1 0,-1 1 0,1-3-30,0-12 0,-1-2 0,1 5 0,-1 5 0,0 7 0,0-1 0,0-6 0,-1 12 0,0 0 0,0-14 0,1 5 0,-1 0 0,0-6 45,0 11 0,-1 0-68,1-12 1,0 4-1,0-1 1,0-4 67,-1 11 0,0 1-45,1-2 0,0 7 0,-1 0 0,1-6 0,0 5 0,-1 1 22,2-7 1,0 8-1,0-1 1,0-8-23,0 3 0,1-4 0,0-7 0,0 3 0,1-4 0,-1 3 0,-1-2 0,1 0 0,-1 1 0,0-2 0,1 1-45,-2-1 0,0 1 90,0-2 0,0 1-45,0-2 0,-1 2 0,-1-3 0,0 3 0,0-3 0,0 8 0,0 2 0,-3 4 0,0 7 0,-1-6 0,2-1 0,-1-2 0,1-8 0,-1 3 0,0-2 45,-2 7 0,1-1 0,-1 1 0,0 0-45,-1 1 0,0 1 0,-1 0 0,1 0 0,-1 1 0,0 1-45,1-2 0,-1 3 45,2-6 0,-1 3 0,1-2 30,2-13 0,1-2 0,0 3-30,-2 7 0,0 5 0,0-1 0,1-5 0,-2 12 0,1-1 0,3-13 0,0 5 0,-1-1 0,2-5 45,-2 12 0,2-2-45,0-10 0,1 3 0,1-1-30,0-2 0,1-1 0,1-1 75,-1 6 0,0 1-75,1 2 0,0 4 0,0-6 30,1-7 0,1-1-30,-1 2 0,1 2 0,-1-4 111,1-6 1,0-1-652,0 6 0,0 6 1,0-7-601,0 20 1170,0-8 0,0-4 0,0-16 0,0 8 0</inkml:trace>
+  <inkml:trace contextRef="#ctx0" brushRef="#br0" timeOffset="18983">8298 5531 7173,'-6'-1'90,"3"1"0,1-2 0,2 0 90,0 0-90,25-3 89,-19 0-89,50-3 90,-26 0-715,35-4 625,-2 1-727,-27 5 0,2-1 637,3 0 0,2 1 45,1-1 0,5 1-45,-1 0 0,4-1 0,-2 2 0,9-1 0,3 0-699,-11 2 1,6-1 0,0 1 0,-5 0 698,15 0 0,-2 0 30,-7 1 0,3 0 0,-4 1-75,7-1 0,-2 1-799,3 1 1,1 0 843,-22 0 0,1 0 0,4 0-272,2 1 1,4 0 0,1 0 0,-3 0 241,5-1 0,-2 1 0,6 0-80,-3 0 1,6 0-1,2 0 1,-2 0-1,-5 0 110,7 0 0,-6-1 0,7 2 0,-15 0 0,4 2 0,3-1 0,1 1 0,-3-1 0,-5 0 0,1-1 0,-4-1 0,-1 0 0,3 2 18,0 2 0,3 2 0,0 0 0,0-1 0,-4-1 22,15-2 1,-4-2-1,1 1-10,2 2 0,0 2 0,1-1-30,-15-1 0,-1 0 0,1 0 0,5-1 0,5-1 0,4-1 0,3 0 0,-1 0 0,-3 2 0,1 2 0,-3 1 0,2 1 0,6-1 22,-17-3 1,5-1-1,3 0 1,2 0-1,0-1 1,-1 1-1,-3-1 1,-4 1-23,7 1 0,-5 0 0,-1 0 0,1 0 0,7 1 10,-11-2 0,5 1 0,3 0 0,1-1 0,2 1 0,-1 0 0,-2-1 0,-2 1 0,-4-1-28,16 0 0,-6 0 0,-1 0 0,0-1 0,5 2 18,-9-1 0,2 0 0,2 1 0,0 0 0,1-1 0,0 1 0,0-1-4,-6 0 0,0 0 0,1 0 0,-1 0 1,1-1-1,-1 1 0,-2 0 0,-1 0 4,7-1 0,-3 1 0,-2 0 0,1-1 0,3 1 0,5 0-9,-10-1 0,5 1 0,3 0 0,1-1 0,2 1 0,0 0 0,-1 0 0,-3 0 0,-2-1 0,-4 1 24,10 0 0,-5 0 0,-3-1 0,0 1 0,1 0 0,3-1-4,-5 1 0,2 0 0,2-1 1,0 1-1,0 0 0,-1-1 1,-2 1-1,-3-1-11,13 1 0,-4-1 0,-2 1 0,0-1 0,1 1-18,1 0 0,1-1 0,-1 1 0,1 0 0,-1-1 18,0 1 0,0-1 0,1 1 0,-1 0 0,0-1 0,0 1 0,0 0 0,-1-1 0,1 1 0,-1 0 0,0 0 0,-1 0 0,0 0 0,0 0 0,0-1 13,-2 1 0,-1 0 0,0-1 0,2 1 0,2 0-13,-5-1 0,2 1 0,2 0 0,0 0 0,1 0 0,-3 0 0,-2 0 0,8 0 0,-4 0 0,-1-1 0,2 1 0,6 0 0,-16 0 0,4 0 0,3 0 0,2 0 0,0 0 0,-1 0 0,-2 0 0,-3 0 0,-4 0 18,12 0 0,-7 0 0,-2-1 0,2 1 0,5 1-30,-8-1 1,5 0 0,3 0 0,0 0 0,1 1-1,-2-1 1,-4 0 0,-4 0 11,4 1 0,-6-1 0,-2 0 0,1 0 0,3 1-15,-1-1 0,3 1 0,2-1 0,-1 1 0,-3 0 0,-3 0-8,5-1 1,-4 1 0,-2 0-1,1 0 90,-2 0 1,0 0-1,0 0 1,-1 1-36,15 0 0,-2 0 0,0 0-32,-2 0 0,-1 0 0,-1 0 0,0 1 0,-2-1 0,1 1 0,-3-1 0,0 0 0,3 0 0,-1 0 0,3 0 0,1 1 0,-3-1 0,2 0 0,-3 0 0,6 1 18,-8-1 0,7 0 0,0 1 0,-1-1 0,-6 1-48,4-1 0,-5 0 0,1 0 30,-3 0 0,3 0 0,-1 0 0,-5 0 0,19 1 0,-4 0 45,-1-1 0,-2 0-90,-4 1 0,1-1 45,-8 0 0,3 0 0,-3 0 90,5 0 0,1 0-60,3 0 0,4 1 0,-4-1 317,-8-1 1,2 0-348,-1 0 0,8 0 0,-1 0 0,-6 0 45,8-1 0,-1-1 3,-5 1 1,7 1 0,0-1 0,-8 0-4,2-1 0,-2 0-45,6 0 0,4 1 0,-6-1 0,-7 0 0,-1 0-30,2 0 0,3 0 0,-5 0 844,-8 0 0,-1 0-814,7 0 0,5 0 0,-7 0 0,19 0 0,-11 0 0,-3 0 0,-16 0 1895,6 0-1715,-24 0 351,-4 0-441,-6 11 2816,-3-8-2906,1 21 270,0-14-180,3 24-90,-1-9 180,3 36-90,-3-13-173,-3-13 0,0 4 128,1 10 0,-1 1-343,-1-8 1,-1 3 357,1 8 0,0 5 0,0-3-561,-1-1 1,0 1 530,-1 7 0,1 6 0,-1-5-793,1-4 0,-1-1 763,1-8 0,-1 3 0,1-3 45,0 5 0,0-3-45,1 3 0,0-1-45,-1-1 0,1 3 135,1-2 0,0 3 0,0-2-135,-1 9 0,2 3 45,-2-12 0,2 6 0,-1 0 0,0-5 30,0-6 0,-1-5 0,1 6-30,1 8 0,-1 8 0,1 0 0,0-7-487,0-7 1,-1-4-1,1 2 487,-1-2 0,0 1 0,1 1 0,-1 0 0,1 0 0,0 0 0,0 0 0,0-2 0,-1 4 0,1-3 0,-1 6 0,0-5 0,1 7 0,0 1 0,0-1 0,-1-5 30,0 5 0,-1-4 0,1 6-30,-1-4 0,0 6 0,0 2 0,0-1 0,0-6 0,-1 6 0,0-6 0,0 6 0,0-4 0,0 4 0,0 3 0,-1-2 0,1-6-394,-1 4 0,1-5 0,-1 3 394,0-5 0,0 2 0,0 1 0,1 0 22,0-3 0,0-1 1,1 0-1,-1-2-22,1 3 0,-1-3 0,0 5 0,1-4 0,0 4 0,1 2 0,-1-1 0,0-6 0,1 4 0,-1-4 0,1 5 0,-1-5 0,1 6 0,0 2 0,0-2 0,-1-6 0,1 5 0,0-6 0,0 7 18,-1 2 0,1 8 0,0 4 0,0-4 0,0-7-18,-1-3 0,0-5 0,1 4 18,-1 1 0,0 6 0,0 2 0,0-3 0,0-8 12,0-5 0,0-6 0,0 3 82,-1 9 1,1 6-1,0 0 1,0-6-53,0-9 0,1-3 0,-1 3-65,0 9 0,-1 5 0,0 0 1,0-5 94,0-9 0,0-4 0,0 2-31,0 12 1,-1 3 0,0-1 90,0-2 0,0-1 0,0-2-15,1 8 0,-2 3-45,-2-15 0,-1 5 0,-1-1 0,1-4-45,3 10 0,-1-1-45,-3-8 0,0 2 0,-1-3 0,-1 3 0,1-2 0,5 1 0,-1 0-87,-4-1 0,0 1 87,5-1 0,2 0 0,-1 0 0,0-1 0,0-2 0,0 2-60,0-6 0,0 2 0,0-2-30,-1 5 0,2 1-60,4 1 0,4 4 0,0-6 464,2-7 0,1-2-539,11 21 0,-1-2 45,0 0 135,-6-25 0,-3-1 1637,-10 2-1592,20-6 1867,-21-8-2137,14-3 2584,-14-9-2403,11-2 621,-10-6-622,7-21 0,-8-4 0,2-1-90,-3-29 90,-1 35-90,0-41 90,-22 34-179,-1-18 179,-4 20-828,-17-4 828,21 10 90,-26 3 0,4 1 0,-1 1-45,14 6 0,-2-1 45,-11-1 0,-6 0 0,4 1 0,6 2 0,-1 1 0,-7-1 0,-5 0 0,4 1-767,-1-1 0,1 1 737,6 1 0,-3 0 0,2 1 75,-8-2 0,2 1-45,-5-1 0,-1 1 45,-1 0 0,-4 0-45,0 1 0,-6-1 0,2 1-480,13 0 0,2 1 1,-6 0 551,2 0 0,-7 0 0,-1-1 0,0 1 0,6 0-606,-9 0 0,6 1 0,-8-1 549,15 0 0,-5 0 0,-3 1 0,-1-1 0,3 0 0,4 1-296,-2-1 1,5 1 0,0-1 0,-3 1 280,-1-1 0,-4 0 0,0 0 0,1 0 0,4 0-153,0 1 1,4-1-1,1 0 1,-2 1 174,0-1 1,-1 0-1,0 0 1,0 1-1,1-1 1,1 1-1,-2-1 1,-3 1-41,-2-1 0,-4 1 0,-2-1 0,1 1 0,3-1 18,0 1 0,3-1 0,0 1 0,-6-1-13,10 1 0,-5-1 0,-2 1 0,-1 0 0,1-1 1,2 1-1,5 0 58,-10-1 0,6 0 0,0 1 0,-7-1-58,9 1 0,-4-1 0,-4 0 0,-1 0 0,1 1 1,3-1-1,4 0-90,-12 0 1,6 0 0,1-1 0,-4 1 102,11 0 0,-1 0 0,-2 0 0,-1-1 0,0 1 0,0 0 0,-1-1 0,-1 1 0,-1-1 0,1 1 0,1-1 0,2 1-48,1 0 1,2 0 0,2 0 0,-4 0 0,-4 0 58,6 0 0,-6-1 0,-2 1 1,-2-1-1,0 0 0,1 1 0,3-1 1,5 1-12,-7 0 0,5 0 0,2 0 0,-3 0 0,-4-1-12,4 1 1,-5-1 0,-2 1 0,-3-1-1,1 0 1,1 0 0,3 0 0,4 1 32,-5-1 1,6 1 0,1 0 0,-2-1 0,-9 0-22,12 1 0,-5-1 0,-5 0 0,-3 0 0,-1-1 0,-1 1 0,2-1 0,2 1 0,4 0 0,5 0 0,-5 0 0,7 1 0,2-1 0,0 1 0,-3-1 0,-6 0-9,6 1 0,-6-1 0,-3 0 0,-3-1 0,-1 1 0,0 0 0,2 0 0,2 0 0,5 0 1,5 0 26,-12 0 1,7 0-1,4 1 1,-2-1 0,-7 1-19,8 0 0,-5-1 0,-3 1 0,-1 0 0,0 0 0,1 0 0,4 0 0,4 1 18,-6-1 0,6 0 0,2 1 0,-2-1 0,-5 1-18,6 0 0,-5 0 0,-2 0 0,-2 0 0,0 0 0,2 0 0,2 0 0,6 1-16,-7-1 1,5 1 0,2 0 0,-1-1-1,-2 1 16,-1 0 0,-1 0 0,-2 0 0,0-1 0,-1 1 0,2 0 0,0 0 0,-1 0 0,0 0 0,1 0 0,2 0 0,1 0-18,1 0 0,4 0 0,0-1 0,-2 1 0,-5 1 18,7 0 0,-4 0 0,-3 1 0,-2 0 0,1 0 0,1 0 0,3 0 0,5-1 0,-5 0 0,5-1 0,3 0 0,-3 1 0,-4 0 0,-2 2 0,-5 0 0,-3 0 0,0 1 0,0 0 0,4-1 0,5-1 0,-9-1 0,6 0 0,1-1 0,-3 0 0,0 2 0,-3 0 0,0 0 0,1 0 0,5-1 14,4-1 0,4 0 0,2 0 0,-1 0-37,0 0 1,1 0 0,0 0-1,1 0 23,-15 0 0,1 0 0,-3 0 0,3 0 0,-2 0 0,-1 0 0,3 0 0,-1 0 0,2 0 0,-5 0 18,8 0 0,-6 1 0,-1-1 0,2 0 0,6-1-48,-4-3 0,6-1 0,-4 0 30,5 2 0,-5 1 0,-2-1 0,2 0 0,6 0 0,-3-2 0,6-1 0,-3 0 22,4 0 1,-3-1 0,1 1-1,4 1-67,-17 4 0,4-1 45,2-12 0,1 0 427,5 8 0,-1-1-457,10-3 0,-1-2 0,2 0 30,-4 2 0,1-1 0,0 0 0,-2-1 0,4 1 0,9 1 0,1 0 0,-19-5 0,2 1-90,-4-2 90,-9-1 90,7 5-90,16 6 1301,-24-1-1301,28 5 0,-24 1 0,23 1 0,-1 8 0,1 1 0,-4-5 0,5 11 0,2 1 0,4-3 1975,-15 11-1975,22-13 2749,-15 4-2929,19-5-179,-4 2-1278,5 2-882,9-7 2590,-2 0 0,7-3 1,2-2-1</inkml:trace>
+  <inkml:trace contextRef="#ctx0" brushRef="#br0" timeOffset="23465">19540 6577 7892,'-4'0'1799,"0"-10"-1349,4 23-180,0 3 90,0 20-90,0 9-91,0-12 1,0 2 0,0 23-325,-1-17 0,2 3 370,5 6 0,2 0-180,-7-10 0,1 2 14,6 5 1,1 4 0,-1-3-471,-7-3 1,0 1 470,4 6 0,2 4 0,-1-4-1245,-1-3 1,-1-1 1184,3 16 0,1 1 45,0 2 0,1-2-311,-4-14 0,1 1 266,-1 5 0,0 5 0,0-5 0,-1-6 0,0 1 0,-1 4 0,0 5 0,-1-5-358,0-6 0,-1-2 358,0 15 0,0-2 0,-1-18 0,0-4 0,0 0 0,0 0-45,1-2 0,-2 0 0,-9 11 0,0 0-135,9-13 0,-2 0-567,-14 17 1,2-2 27,12-1-134,-10 15-317,13-38 1310,0-1 1,0-18 0,0-4 0</inkml:trace>
+  <inkml:trace contextRef="#ctx0" brushRef="#br0" timeOffset="24800">19642 6594 7803,'0'-7'89,"17"0"1,-13 0 90,13-2-180,-4 3 0,-9-1 90,20 1 0,-21 2 0,26-1 0,2-1 0,10 2-45,-4 0 0,0 1-45,18-1-949,-16 2 0,1-1 994,-6 1 0,-1 0-45,2 1 0,5-1 60,13-1 0,9-1 0,-4 1-15,0 0 0,4 0-23,-3 0 1,9-1-1,1 1 1,-8 0-23,-12 1 0,-6 0 0,5 1 0,12-1 0,6 0 0,1 0 0,-6 1-478,-7 0 1,-4 0 0,1 1 499,-1-1 1,2 1-1,0-1 1,-3 1-23,-1 0 0,-3 0 0,0 0 0,0 0 0,0 0 0,-1 0 0,0 0 0,0-1 0,2 2 30,15 4 0,4 1 0,-3-1-60,-14-3 0,-1-2 0,3 2 52,10 4 1,5 2-1,1 0 1,-6-2-23,-9-5 0,-3-1 0,3 1 0,12 3 0,6 1 0,0 1 0,-7-3 0,-7-1 0,-5-2 0,2 0 0,-2 1 0,4 1 0,-1 0 0,-4 0 30,0 0 0,-2 0 0,-1 1-30,2-1 0,-1-1 0,1 2 0,-3 0 0,1 1 0,2 0 0,14 0 0,5 0 0,-5 0-30,-14-1 0,-3 0 0,4 0-317,4 1 1,5 0 0,-1 0-1,-6 1 347,7 0 0,-1 0 60,-2 1 0,3 0 0,-6 0 30,-11-1 0,-2 0 0,7 2 0,-2 0-156,11 4 426,-23-2 926,3 3-1286,-27-7 1907,0 6-1817,-8-6 2042,-18 10-2222,-4-7 90,-1 6 90,-7-7 625,27 2-625,-10-2-90,13 9 0,0-4 0,0 8 0,17 6 0,1-4 180,17 22-90,-18-14 90,3 0 0,0 1-90,-4 12-375,2-14 1,1 1 284,4 18 90,-1 3 0,2 3 44,-6-13 1,-1 1-90,-4-10 0,1 1-90,8 24 0,0 0 45,-10-22 0,-1-2-786,5 13 0,-1-1 786,3 18 0,0 0-90,-4-2-489,0 0 669,-5-2-90,0-1 45,-7-18 0,0 1-135,0 19 90,-11-10 0,-3 0 0,7 7 0,-16-20 0,0 0 0,17 12 0,-40-1 90,38-3-135,-23-14 0,-3-1 45,12 14 0,-9-10 0,-2-2 90,6 2-284,2-4 1,0-2 193,2-2 420,-12 14-420,21-26 1568,-1 2-1568,7-8 710,0-2-710,3-4 410,0-1-410,-2-1 0,0 0 0,-6 0 0,3 0-90,-9 0 180,5-10-90,-3 7-90,3-8 180,-1 11-180,-2-6 90,-1 4-90,-3-5 90,0 7-180,-19 0 90,5 0-45,-1 0 0,-3 0 45,-15 0-1391,-4 0 1,-2 0 1480,17 0 0,0 0-45,-17-1 1,-5 2 44,11 2 0,-1 1 0,1 0-45,-12-3 0,-3 0 45,10 1 0,-7 1 0,-1 0 0,6 0 0,7-1 0,4 0 0,-4 0-23,-11-1 1,-7-1-1,1 0 1,5 1 52,11 0 0,5 2 0,-7-1-48,-4-2 0,-9 1 0,-2-2 0,2 1 0,8 0 18,1 0 0,6 0 0,-6 0-18,-1 0 0,-8 1 0,-3-1 0,3 0 0,8-1 48,5-3 0,5 0 0,-5 0-12,4 3 0,-6 0 0,-2 2 0,2-2 0,5 0-729,-5-3 0,4 0 0,-2 0 711,3 3 0,-4 2 0,2 0 0,2-2 0,2-1 0,3-1 0,0 0 0,0 2 0,1 1 0,-1-1 0,3-1 0,1-2 0,-3 2-30,-13 1 0,-2 2 0,3-1 30,-6-2 0,0 0 0,0 2 0,-4-1 0,7 0-45,11-1 0,1 0 45,2 1 0,-4 0 0,7 0-528,8 1 0,3 0 348,-9-2 0,2 1-152,-2 0-28,3 0-180,9-1-809,-2 0 629,11 0 1105,-1 1 1,15-1 0,2 2 0</inkml:trace>
+  <inkml:trace contextRef="#ctx0" brushRef="#br0" timeOffset="26666">19663 9351 10231,'-1'43'180,"1"22"-180,0-18-1411,0-12 1,0 1 1410,0 21 0,0 3 0,0 0-180,0 1-180,14-2-269,-11-5-68,9-19 1,-1-2-563,-9 14 1259,7 6 0,0-25 0,2-5 0</inkml:trace>
+  <inkml:trace contextRef="#ctx0" brushRef="#br0" timeOffset="27182">19713 9441 8252,'41'0'900,"0"-13"-630,-6 9-270,1-9 0,-4 13 90,7 0-762,5 0 942,8 0 0,6 0 0,8 0-181,-12 0 1,2 0 90,-11 0 0,4 0-1462,6 0 1,7 0 0,-4 0 1325,-1 0 1,0 0-45,-5 0 0,2 0 0,-1 0-207,7 0 1,0 0 206,5 0 0,1 0 30,-20 0 0,0 0 0,0 0 0,2 0 0,0 0 0,1 0-30,1-3 0,1-2 0,0 2 0,-1 2 0,1 1 0,4-2 22,0-2 1,6-2-1,-1 0 1,-2 1-53,2 4 0,-1 1 0,4-1-286,-3-3 0,5-2 0,3-1 1,-3 1-1,-5 1 316,6 2 0,-5 1 0,3-1 0,-3-2 0,2-1 0,2-1 0,0 2-274,0 1 1,2 0-1,-2 1 1,-2 0 295,-12 0 0,-3 1 1,1-1-1,4 0-22,-1 1 0,5-1 0,2 1 0,0-1 0,-3 1 0,-5-1 0,14 1 0,-6-1 0,6 1-18,-9 0 0,6-1 0,2 1 0,-3 0 1,-7 0 17,1 0 0,-5 0 0,5 0-65,-4 0 0,7 1 0,1-1 0,-2 0 0,-8 1 65,13 0 0,-2-1-40,3 1 1,6 0-1,-12 0-410,3 1-160,-23 0 1,-5 0 609,-9 0 0,-7 15 0,-13 4 0</inkml:trace>
+  <inkml:trace contextRef="#ctx0" brushRef="#br0" timeOffset="27733">20340 10462 8252,'44'-13'450,"4"10"-180,9-10-1228,-9 5 1,2 1 1181,-9-1 1,1-1-90,15-3 0,5-1-45,-13 2 0,2 0 0,-1 1-45,10 0 0,4 0-23,-8 1 1,8-1-1,1 0 1,-6 1-785,-5 0 0,-3 2 1,3-1 806,-1 0 0,3-1 0,0 1 0,-2 0-45,1 1 0,-2 0 0,0-1 30,2 1 0,0-1 0,0 1-407,1 0 1,0 1-1,-1-1 407,2 0 0,-1 1 0,0-1-30,1 1 0,-1-1 0,0 1-236,0 0 1,0 0 0,4 0 280,0 0 0,5 0 0,0 0 0,-4 0 15,4 0 0,-2 0 0,5 0-60,-6 1 0,6-1 0,3-1 0,-3 1 0,-6 1-252,5-2 1,-6 2 0,3-1 251,-4 0 0,3 0 0,0 1 0,-5-1 0,-2 1 0,-4 0 0,-1-1 0,0 2 0,-2-1 0,1 0-18,-3 0 0,0 0 0,-1 0 18,18-2 0,0 0 103,-4 1 0,0-1-103,-7 2 0,2 0-134,-11 1 1,3-1-1,-4 2 134,3-1 0,-1 1-162,22-3 0,-4 1-557,-4 0 836,-24 2 0,-3 0-746,0 0 1344,-6-1-2154,-7 2 1912,-5-1 1,-7 1-1,-1-2 1</inkml:trace>
+  <inkml:trace contextRef="#ctx0" brushRef="#br0" timeOffset="27984">25332 9429 10681,'0'-14'1079,"0"1"-899,0 1-180,0 5 360,0 0-360,0 21 0,0 5-90,0 13-360,0 20-89,0-14-541,0-1 1,0 1-180,0 9-1819,0 17 3078,0-18 0,0-2 0,0 0 0</inkml:trace>
+  <inkml:trace contextRef="#ctx0" brushRef="#br0" timeOffset="28520">21458 9467 9062,'13'-1'719,"1"0"1,28 15-630,-11 9-45,3-1 0,1 3 45,1 17-90,-6-8 0,-1 1-914,1 9 914,-12-12 0,-3-1-180,0 13-720,-7 2-359,-5 0 1259,-1-11 0,-3-1 0,-26 18 0,10-17 0,1-1 0</inkml:trace>
+  <inkml:trace contextRef="#ctx0" brushRef="#br0" timeOffset="29408">20165 9731 9691,'-5'14'720,"2"2"-720,3 18 90,0-7-180,0 3 180,0-8-90,0 2 0,12 10 0,-9-9 0,10 7 0,-13-13-90,0-2 180,0-3-180,0-1-809,0-6 899,10-28 0,-1-3 0,6-7-90,3-1 180,-7 18-180,10-9 180,-9 11-90,10 6 90,-11 6-90,2 17 0,-6-12 0,-1 32 89,-2-32-89,1 48 0,-4-33 0,1 37 0,-2-32-89,-17 10-1261,12-19 1350,-25 2 0,17-14 0,-12 0 0</inkml:trace>
+  <inkml:trace contextRef="#ctx0" brushRef="#br0" timeOffset="29717">20408 9932 8792,'8'16'270,"-4"10"-270,2-23 90,-3 21-90,2-21 0,-1 19-90,0-20 180,1 16-90,2-9 0,-2 4 0,2-1 0,-4-7 0,0 0 0,-2-3 0,0-22 0,0-2-90,-1-25-180,0 13-90,0-1-629,13 3 179,-9 11 810,9-4 0,-3 17 0,2 3 0</inkml:trace>
+  <inkml:trace contextRef="#ctx0" brushRef="#br0" timeOffset="30042">20692 9920 9602,'-26'0'89,"10"20"-178,2-15 178,12 34-89,-4-17-89,6 16 89,0-3 0,0-9 179,14-11-179,-10-3 90,10-31-809,-14-13-361,0-10 451,0-3-91,-13 29 720,10 1 0,-9 9 0,12-5 0</inkml:trace>
+  <inkml:trace contextRef="#ctx0" brushRef="#br0" timeOffset="30234">20693 9908 9602,'12'0'719,"-1"17"-539,-3-13-270,1 13 0,1-17 90,3 13 0,-1-10-540,4 11 91,1-1-91,0-10-629,8 19 269,-6-20 900,12 11 0,-15-11 0,3 3 0</inkml:trace>
+  <inkml:trace contextRef="#ctx0" brushRef="#br0" timeOffset="30422">20983 9887 10321,'-15'15'90,"-10"1"-90,14 15-270,-12 0-629,8-2 359,2-4-449,6-11 179,1-1-179,4-12 989,-4 5 0,3-6 0,-1 0 0</inkml:trace>
+  <inkml:trace contextRef="#ctx0" brushRef="#br0" timeOffset="30599">20867 9850 8432,'12'-5'540,"5"1"-450,9 17-180,1-9 90,-8 25-90,-1-24 180,-5 22-360,0-24-360,-1 18 1,3-19-631,-3 18 1260,1-18 0,0 11 0,0-6 0</inkml:trace>
+  <inkml:trace contextRef="#ctx0" brushRef="#br0" timeOffset="30756">21195 9861 9062,'-16'13'0,"4"6"-270,1-2-360,9 14-359,-9-18-428,6 4 1417,4 5 0,-4-13 0,5 11 0</inkml:trace>
+  <inkml:trace contextRef="#ctx0" brushRef="#br0" timeOffset="31332">21483 9771 8612,'-34'0'180,"-1"-1"-270,18 17 90,-4-13 90,19 27-90,-5-14 0,7 12 0,0-7 0,0-2 0,17-6 0,-12 0 0,25 4 0,-27-5 180,10 5-90,-5-8-90,-6 2 90,6-6-90,-8 1 0,0-2 90,0-2-90,-21 1 0,15-1-90,-34-1-270,25 0 270,-12-1 180,15-13-90,24 10 0,6-11 0,21 14 90,-6 0 0,1 0 270,-6 0-360,-8 0 90,-3-13 0,-7 10 179,-4-30-269,-2 17 90,-4-16 180,0 16-270,-14 1 720,11 8-720,-22 2 0,23 33-360,-9 0-1079,11 18-540,26-14 1979,-6-9 0,26-12 0,-9-2 0</inkml:trace>
+  <inkml:trace contextRef="#ctx0" brushRef="#br0" timeOffset="37008">19597 9509 6993,'-6'-2'0,"2"1"0,2 0-90,0 0-540,0 0 630,-1 1 0,2 0 0,1 0 0</inkml:trace>
+  <inkml:trace contextRef="#ctx0" brushRef="#br0" timeOffset="37682">19400 9605 8252,'-19'13'630,"-3"-5"-540,13-4 0,-7-4-90,4 0 0,2 0 270,1 0-360,-6-14 360,1 10-180,-15-23-1,8 8 91,-9-7-90,6-4 0,-2 5-90,-1-3 90,-14-18-90,11 9-45,6 4 0,1-2 135,0-9-90,5-3 0,2-1-90,4-2 90,4 2 0,2 0 0,5 5 0,1 7 0,0 0 0,0-5 0,10 8 0,0 0 0,-5-4-45,21 0 0,3-1 135,-11 1-135,11 0 0,1 1 135,-4 1-1079,12-10 989,-9 13 0,3 0 0,3 0-90,2 0 90,2-1 90,4 0-135,-11 10 0,0-1 45,17-13-1532,-9 8 0,-2 1 1532,6-3 0,4-4 0,-19 16-90,-8 4-180,-3 4-629,-5 1 661,-2 4-1022,-3 2 2108,-3 2 0,-1 2 0,-4 0 0</inkml:trace>
+  <inkml:trace contextRef="#ctx0" brushRef="#br0" timeOffset="38056">19545 7764 8522,'0'-10'810,"-17"1"89,2-1-809,-4 4 0,-1-1 0,17 3-180,-12 2 90,14 0 180,-4 0-180,28 17 90,3 6 0,14 10-90,-6 2 270,-8-7 0,0 3-91,-3 4-89,-2-1 0,-11 3-90,7-1-90,-15 22 180,7-11-2011,-25-1 1,-8 2 1380,8-15 0,-1-2-270,-17 12 1,-4 0-674,9-8 0,0-2 1483,-2 0 0,-1 1 0,-1 0 0,-1 0 0,0 0 0,-1 0 0</inkml:trace>
+  <inkml:trace contextRef="#ctx0" brushRef="#br0" timeOffset="40954">23417 8323 8792,'5'0'1349,"-1"17"-1259,-3 6-180,-1 11 180,0 2-180,0-6 90,0 3 0,11 16-180,-8-13-989,8 21 449,-11-28-179,7 5-91,-5-17 990,5-2 0,-7-6 0,0 0 0</inkml:trace>
+  <inkml:trace contextRef="#ctx0" brushRef="#br0" timeOffset="41406">23475 8264 7892,'22'-9'90,"12"0"-90,-30-1 0,33 1 0,-20-2 0,38-4 0,-19 2 0,-1 4 0,0 1 0,10-4 0,-4 4 0,1 0-683,9-2 683,-16 5 0,2 1 0,1 0 0,-1 1 0,22 1 0,-9 0 0,1 1 0,6 1 45,-10-1 0,-1 2-135,2 12 135,-11-13 0,-3 3-45,1 22 256,3-22-76,-12 21-90,-11-21 90,4 17 0,-13-9-180,1 10 0,-6-4 90,0 16-90,-1-14 0,0 22 0,0-19 517,-12 15-517,9-15 0,-10 6 90,13-8-90,-10-1 0,8-1-90,-14 7-90,6-6-270,-12 10-179,3-11 89,-5 3 0,5-7 540,-4 0 0,0-3 0,-4 1 0</inkml:trace>
+  <inkml:trace contextRef="#ctx0" brushRef="#br0" timeOffset="41668">23578 8712 8252,'31'-10'0,"21"7"0,-28-15 0,9 10 0,3 3 90,9-10-45,-4 5 0,1 3-45,9 0 0,-7 2 0,1 1-439,11 2 484,-6 0 0,0 1-135,13 1-30,-21-1 0,6 1 0,-5 0-195,-7-1 1,-1 0 314,29 0 0,-2 0 0,-8 0 0,11 0 0</inkml:trace>
+  <inkml:trace contextRef="#ctx0" brushRef="#br0" timeOffset="42538">23830 8431 8072,'-20'0'540,"3"0"-450,1 0-90,5 0 0,-4 17 0,5-1 0,-2 5 90,6 5-90,3-22 0,0 25-90,3-20 90,0 16 0,20-12 0,-15 1 0,29-7 0,-19-3 0,12-2-90,-8-16 90,-5-3-450,-7-12-269,-3 1-940,-4 6 1659,0 4 0,0 9 0,0 3 0</inkml:trace>
+  <inkml:trace contextRef="#ctx0" brushRef="#br0" timeOffset="42754">24022 8392 9512,'0'30'-270,"0"3"-180,12-1-90,-10-5-179,10-3-541,-1-6 1260,-9-3 0,15-2 0,-8-1 0</inkml:trace>
+  <inkml:trace contextRef="#ctx0" brushRef="#br0" timeOffset="42949">24263 8397 8612,'-38'0'540,"17"19"-540,-13-14 90,30 30-90,-27-14-90,18-2 90,-4 16-450,7-22-360,10 13-899,0-9 1709,27-3 0,-3-6 0,23-2 0</inkml:trace>
+  <inkml:trace contextRef="#ctx0" brushRef="#br0" timeOffset="45084">22352 8296 8612,'4'-3'450,"-1"0"-270,2 2 899,-4-2-1079,1 16 90,-2 5-90,0 13-90,0 2-3302,0 0 3482,0 1-468,0 2 378,0 1 0,-17-3 0,12 0-90,-12-5-180,17-2-90,0-5-1079,0 4 450,0-10 989,0 7 0,0-15 0,0 1 0</inkml:trace>
+  <inkml:trace contextRef="#ctx0" brushRef="#br0" timeOffset="45516">22270 8348 7713,'0'-8'179,"0"-1"1,19-6-90,1 4-90,20-10 90,-21 10-90,16-3-90,-20 3 180,15 4-180,-6-1 180,10 1-90,-8 3 180,18 0-180,-22 3 180,13 1-90,-19 0-90,6 15 180,-7 0-270,-3 2 180,5 8-180,-7-8 180,5 17-180,-7-7 180,3 2-180,1 2 90,-2-7 90,11 18-180,-8-18-180,13 13 180,-11-17 0,5 4 90,-9-9-90,-1-2 90,-3-1-270,-3 4 180,-2-4-179,-2 7 179,-20-9-630,-1 6 90,-2-8 630,-13 2 0,31-4 0,-15-1 0</inkml:trace>
+  <inkml:trace contextRef="#ctx0" brushRef="#br0" timeOffset="45718">22293 8815 7982,'46'0'0,"-20"-14"0,18 10 90,-24-21-90,22 22-90,-11-19 90,0 19-269,15-18-271,-11 11 540,24-5 0,-28 6 0,10 5 0</inkml:trace>
+  <inkml:trace contextRef="#ctx0" brushRef="#br0" timeOffset="46266">22540 8589 8072,'-6'-1'90,"2"0"-90,0 1 0,1 0 90,1 0 0,-1 0-90,0 0 0,0 12 0,-2-9 0,0 25 0,-1-24-90,2 24-270,2-13-179,0 9 89,2-4-539,17-7 899,-1-7 449,12-17 1081,-9-2-1171,-5-14-179,-6 13-449,-1-3-811,11 15 1170,-1 5 0,10 0 0,-4 6 0</inkml:trace>
+  <inkml:trace contextRef="#ctx0" brushRef="#br0" timeOffset="46350">22735 8646 6723,'8'0'0</inkml:trace>
+  <inkml:trace contextRef="#ctx0" brushRef="#br0" timeOffset="56420">24377 14358 10231,'0'-16'720,"0"1"-181,0 2-269,0 3-90,0 0 270,0 4-450,0 16 0,0 11 0,0 11 0,0 21-90,0-17-270,0 29-269,0-27-721,9 20 361,-7-26-91,7 3 1080,-9-7 0,0-11 0,0 3 0</inkml:trace>
+  <inkml:trace contextRef="#ctx0" brushRef="#br0" timeOffset="56832">24438 14122 8882,'27'-20'90,"3"1"0,9 0 0,5 1-90,15-5-1006,-19 9 1,7-1-1,-5 2 1096,-7 3 0,1 2-45,25-4 0,2 2-45,-24 4 0,0 2-30,5 1 0,5 1 0,-5-1 75,1 2 0,-2 0-45,13 1 0,2 0 90,1 0 0,-1 0-90,-16-1 0,2 2 120,0 3 0,3 3 0,-5-2 372,-7-4 0,-2 2-267,17 10 0,-2 3-225,-2 4-149,7 7 149,-25 4 0,-5-3 0,-4 1 0,-4 5 180,-4 1 1575,-4 2-1845,-4 21 180,-1-14-135,-2-6 0,0 0-2,0 5-43,0 12 90,0-20 0,-14-2 867,10-1-1136,-10 7-91,14-8-540,0 15 271,0-20-811,0 14 271,0-20 1169,0 5 0,-21-9 0,-6 0 0</inkml:trace>
+  <inkml:trace contextRef="#ctx0" brushRef="#br0" timeOffset="57066">24643 15039 9242,'18'-18'0,"-13"-6"0,49 21-2696,-22-16 1,1-1 2695,7 10 0,4 1 60,1-7 0,4-4 0,-3 2-379,0 4 0,0 1 319,16-6 0,3 1 0,-21 8 0,2 0 0,-3 0-45,8-1 0,1 0 15,6 0 0,4 0 0,-5 1-15,-5 1 0,0 1-255,2 0 0,4-1 0,-5 2-15,-7 1 1,-3 0-136,11-1 0,-2 1 655,8 0 0,-8 2 0,-6 2 0</inkml:trace>
+  <inkml:trace contextRef="#ctx0" brushRef="#br0" timeOffset="57649">20795 14205 8432,'-1'34'0,"0"3"0,1 27 0,22-12 0,-20-17 0,1 3 0,17 0 0,5-1 90,6 20-90,-5-10 0,3-2-270,15 4-270,-16-11 1,-2 1-2535,2 2 3074,6 6 0,-15-19 0,-2-5 0</inkml:trace>
+  <inkml:trace contextRef="#ctx0" brushRef="#br0" timeOffset="58037">20952 14286 8162,'0'-21'180,"17"1"-180,-13 1 90,38 0 0,-18 0-90,25 0-2062,-6 0 2062,6 2 45,-8 4 0,2 1-45,-9 4 0,2-1 0,27-5 0,2 0 0,-25 7 0,0 0 0,4 0 0,3 0 0,-4 1 44,-3 2 1,-2 0-45,11 0 0,0 1 0,-5 1 0,-3 2 0,20 0 0,-23 8 0,-1 2-192,5-6 282,-3 32 127,7-12-217,-16 9 0,12 12 0,-23-17 90,1 9-90,-6 2 0,-6-8 0,4 23 0,-5-21 0,3 24 0,-2-22 0,3 11 0,-3-14-90,2-1-180,-1 1-89,-1-2-1,-1 0-270,-2-1 630,-2 9 0,-2-9 0,-1 8 0</inkml:trace>
+  <inkml:trace contextRef="#ctx0" brushRef="#br0" timeOffset="58254">21175 15049 9242,'-18'0'989,"34"0"-989,7-17 0,39 12-835,-31-10 0,3-3 865,6 8 0,7 3 0,-3-1-662,10-7 1,4-2 631,-7 6 0,7-1 0,1 1 0,-6 0-901,-5 3 0,-4 0 1,3-1 540,13-2 0,3 0 1,0 0 359,-2 1 0,-1 0 0,-2 1 0,-13 2 0,-2 0 0,1 0 0,12-2 0,-1 0 0,1 0 0</inkml:trace>
+  <inkml:trace contextRef="#ctx0" brushRef="#br0" timeOffset="59516">9782 6672 8702,'45'0'810,"5"0"-541,3 0-1967,-20 0 0,1 0 1743,10 0 0,1 0 45,7 1 0,2-2-135,9-6 0,3 0 75,-20 5 0,1 2 0,4-2-30,7-4 0,6-2 0,0-1 0,-2 3 0,-11 4 0,-3 2 0,2 0 0,5-1 0,2-2 0,6-1 0,3-1 0,0 0 0,-2 1 0,-6 1-495,3 2 1,-5 1-1,0 0 1,2-1 476,1-1 0,3 0 0,0 0 0,-1 0 0,-3 1-135,-4 0 1,-3 1 0,-1 0 0,0 1 182,17-1 0,-1 0 0,0 0-30,-3-1 0,0 1 0,3 1 0,-5 1 0,4 2 0,0 0 0,-4 0-30,1 1 0,-3 0 0,5 1-42,-10-1 0,6 2 0,0-1 0,-1 0 1,-7 0-199,1-1 0,-5 0 0,4 0-45,5 1 0,6 1 0,-1 0 1,-6-1-46,8 1 0,-2 1 83,-10-3 0,1-1 1,-3 3 276,-2 4 0,-3 0 0,-2-7 0,0 0 0,-3 5 0,0 0 0</inkml:trace>
+  <inkml:trace contextRef="#ctx0" brushRef="#br0" timeOffset="60200">9647 6858 8342,'-1'42'270,"0"-4"-270,25 10-449,-18-1 449,13-8 0,3 2-471,-9-9 0,-3 1 471,0 12 0,2-1 0,8-12 0,-3-1 0,-13 32-45,12-32 0,0 2 90,-8 9 0,-2 0-45,11 21 0,-8-14 0,-3-1-90,-5 3 135,4-14 0,-1-2-45,-1-2 259,4 3-169,8-23-180,3-5 180,33-26-90,-5 13-747,7-24 0,4-5 747,-15 21 0,0 0 0,-3-6 0,3-3 0,2 2 30,8 1 0,4 2 0,-2 2-30,-11 2 0,0 1 0,4 0-23,12-3 1,7-1-1,1 1 1,-6 1 52,-6 3 0,-5 1 0,6 0-48,-2 1 0,5-1 0,2 1 0,-2-1 0,-4 2-677,7 0 1,-5 1 0,3 0 694,-2 0 0,2 0 0,1 1 0,-4 1 0,2 0 0,-3 1 0,1 1 0,1-1 0,1 2 0,0-1 0,0 1 0,1 1 0,3-1 0,1 2 0,4-1 0,0 1 0,-3-1 0,-13 1 0,-4 0 0,2 0 0,4 0-135,-2 0 0,5-1 0,2 0 0,0 1 1,-3 0-1,-5 2-105,14 2 0,-6 2 0,4-1 240,-7-4 0,4-1 0,2-1 0,-2 2 0,-7 1 0,1 6 0,-6 2 0,2-1 0,12-4 0,0 0 0,0 0 0</inkml:trace>
+  <inkml:trace contextRef="#ctx0" brushRef="#br0" timeOffset="60466">13947 6932 8432,'0'48'45,"0"-14"0,0 1-45,0 17-792,-10-15 1,0 1 521,6 23-360,-5-28 1,-2-1 629,3 1 0,2 1 0,4 0 0,1 1 0,-6 0 0,0 0 0</inkml:trace>
+  <inkml:trace contextRef="#ctx0" brushRef="#br0" timeOffset="60966">9793 8811 8072,'0'49'450,"0"-8"-450,0 13 0,0-10 0,0-9 0,0 1 0,0 17 0,0-10 0,0 0-90,0 4-405,0-12 1,0-2-136,0 2 0,0 2 630,0-18 0,0-5 0,0-3 0</inkml:trace>
+  <inkml:trace contextRef="#ctx0" brushRef="#br0" timeOffset="61218">10028 8902 8072,'61'-29'495,"-29"16"0,4 0-286,5 0 1,5 0 0,0 2-1545,10-3 1,5 0 1378,-5 4 1,7-2 0,1 1 0,-5 2-556,-3 0 0,-3 2 0,5 0 529,1 0 0,6 0 0,2 1 0,0 0 0,-7 1-41,-8 0 1,-5 2 0,1 0-1,7 0 74,0 0 1,8 1-1,3-1 1,3 0-1,-2 1 1,-3-1-1,-6 2-244,4-1 0,-7 1 0,1 0 1,7 0 192,-5 0 0,8 0 0,3 0 0,1 0 0,-1 0 0,-4 1 0,-8-1-23,2 0 1,-7 1-1,-1 0 1,5 0 22,1-1 0,5 1 0,2 0 0,0 0 0,-2-1 0,-6 1-398,-1 0 0,-6-1 0,0 1 1,3 0 397,11-1 0,3 1 0,0 0 0,-6 0-30,-5 0 0,-5 0 0,-1 0-90,-3 0 0,-2-1 0,3 2-557,13 3 0,4 2 0,-7-2 317,-6-3 0,-2 2 360,-2 5 0,3 2 0,-13-2 0,-10-5 0,-6 9 0</inkml:trace>
+  <inkml:trace contextRef="#ctx0" brushRef="#br0" timeOffset="61604">9557 9862 8522,'47'-23'809,"0"-2"1,6 0-450,-8 14 0,6 0-1641,-1-4 1,8-4 0,2 0 0,-3 2 1280,-2 2 0,-2 2 0,6-1 0,-9 3 0,6-2 0,3-1 0,1 1 0,-2 0 0,-4 1-193,4 1 0,-5 0 0,1 1 1,6-1 179,-7 1 0,5 0 0,3-1 0,1 0 0,0 0 1,-3 1-1,-4 1 35,9-1 1,-5 1-1,1 0 1,8 0-33,-17 2 0,6 0 0,4-1 0,2-1 0,1 1 0,-1 0 0,-2 0 0,-3 1 0,-6 1-80,7-1 0,-6 1 1,-2 0-1,2 1 0,6-1 90,-2 0 0,7-1 0,4 0 0,1 0 0,1 0 0,-4 0 0,-3 1 0,-8 1-23,8 0 1,-8 0 0,-1 1 0,5-1-83,-1 1 0,6 0 0,1-1 0,0 1 0,-3-1 0,-6 2-135,14-1 0,-7 0 0,2 1 127,-5 0 1,3 0 0,-2 0 0,-4 1-98,-7 1 0,-5-1 0,0 1-195,18 0 0,-3 1-132,-6-1 1,-1 1 536,7 0 0,-3 0 0,-17 0 0,-1 0 0,5 0 0,1 0 0</inkml:trace>
+  <inkml:trace contextRef="#ctx0" brushRef="#br0" timeOffset="61816">14015 8980 9691,'-10'-8'0,"1"1"90,4 4 0,-1 1 0,4 2 0,-1-1-180,0 1 90,0 16 90,-6 12-719,2 9-721,-1-4 1,-1 1 1349,-3 14 0,3-15 0,-1 1 0,-5 16 0</inkml:trace>
+  <inkml:trace contextRef="#ctx0" brushRef="#br0" timeOffset="62266">9533 10715 10231,'-6'-9'0,"1"1"0,1 4-90,2 22 180,20 11-90,-14 13-180,15 2-539,-7 12 89,-10-12 0,23 13-1618,-14-1 2248,4-15 0,-1 7 0,-7-17 0</inkml:trace>
+  <inkml:trace contextRef="#ctx0" brushRef="#br0" timeOffset="62574">9593 10744 9332,'23'-17'539,"14"0"-179,-19 2-90,43-5-90,-12 3-472,-13 6 1,5 1 561,14 0 0,2 1-793,-10 2 0,3 0 523,-3 1 0,6-1 0,1 1 0,-3 0-522,-4 1 1,-2 0 0,4-1 503,2 1 0,5-2 0,3 1 0,-1-1 0,-4 1-675,9-1 0,-5 0 0,4 0 693,-2-1 0,3 1 0,1-1 0,0 0 18,-9 1 0,1 0 0,0-1 0,-1 1 0,-2 0-18,1 0 0,-2-1 0,1 1 0,5-1-15,0 0 0,6-1 0,3 0 0,-1 0 0,-2 0 0,-5 1-299,1-1 1,-4 2 0,-2-1 0,4 0 295,-1 1 0,4-1 0,0 0 0,-2 0 0,-3 1-133,-3 0 1,-3 1 0,-1 0 0,0 0 150,14-1 0,0 0 0,6 0-257,-9 2 1,7 0 0,1 0 0,-2 0 0,-5 1 76,5 0 0,-4 0 0,5 1-54,-6 0 0,7 0 0,2 1 1,-5 0-1,-11 0 317,6 1 0,-5 2-447,-5 4 0,1 3 1,-6-2 363,16-1 0,-4 29 0,-36-15 0</inkml:trace>
+  <inkml:trace contextRef="#ctx0" brushRef="#br0" timeOffset="62915">9695 11614 8072,'55'-20'495,"-25"3"0,2 2-405,2 12 0,4 1-1827,8-11 0,5-6 0,1 2 1767,-8 9 0,0 2 0,3-3-8,0-3 1,3-2-1,2 0 1,-3 1-214,7 0 0,-2 2 1,1 0 190,4-2 0,1 0 0,1 1 0,1 0 0,0-1 0,6 0 0,-12 2 0,4-1 0,2 0 0,-1 0 0,-3 1-84,1-1 1,-4 2 0,2-1 0,5-1 70,-10 2 0,6-1 0,2 0 0,2-1 1,-1 1-1,-4 0 0,-4 1-10,9-1 1,-7 1-1,1 0 1,8-1-91,-11 2 1,6 0-1,3-1 1,3-1 0,0 1-1,-3 0 1,-3 1 0,-6 1-335,11-2 0,-7 2 0,-1 0 0,4 0 373,-3 0 1,5-1 0,1 0 0,0 1 0,-4 0 0,-7 1 73,6 0 0,-7 0 0,-1 2 0,-1 0 0,0 0 0,-2 0 0,18-2 0,-1 0 0,-4 2 0,0 0 0</inkml:trace>
+  <inkml:trace contextRef="#ctx0" brushRef="#br0" timeOffset="63122">13982 10353 10771,'15'11'-180,"-2"20"-540,-13 6-944,0-2 0,0 1 1664,0 10 0,-18 18 0,-4-16 0</inkml:trace>
+  <inkml:trace contextRef="#ctx0" brushRef="#br0" timeOffset="63550">9565 12491 9512,'-7'15'90,"1"-1"-180,-1 17 90,2-2 90,-3 22-180,2-9 90,-1 17 0,-2-1 0,3-14 0,0-10 0,1 0-540,0 3-719,-2 17 539,6-27-359,-2 2 1079,2-16 0,0-5 0,1-2 0</inkml:trace>
+  <inkml:trace contextRef="#ctx0" brushRef="#br0" timeOffset="63849">9615 12519 10411,'39'-39'405,"-5"12"0,2 1-316,-5 6 1,2 0-1216,9-3 1,7 0-1,-2 2 1171,3 1 0,2 1-15,-4 2 0,3 1 0,-2 0-30,12 0 0,-2 1 0,-15 5 0,0 1 0,1 0 30,-1 0 0,0-1 0,4 1-30,1 1 0,4 0 0,1 0 0,-3 1 0,3-1 0,-2 0 0,2 1-323,-3 1 1,2-1 0,0 1 0,-4 1 322,-1 0 0,-3 1 0,0 0-45,21-1 0,-1-1 45,-2 2 0,-2 0 0,-1 2 0,-2-1 0,-5 2 0,0 0-45,-4 1 0,1 0 0,8-2 0,-2 4 90,-17 7 0,0 2-90,11-1 0,-4 1 993,-9 14-1038,-17 6 0,-10 2 90,-30-7-90,1 14 0,-5 1 0,-3-21 0,-4-1-623,-15 14 0,0 1 398,17-14 1,0 1-631,-22 12 1,1 0-496,-4 5 1440,19-13 0,2-2 0,-9 8 0,1-1 0</inkml:trace>
+  <inkml:trace contextRef="#ctx0" brushRef="#br0" timeOffset="64099">9780 13320 9512,'21'-16'0,"5"11"0,3-12 0,5-3-1769,0 11 0,2 0 1724,6-9 0,3-2 90,3 4 0,6-1-785,2 0 0,5-2 0,-2 1 770,-11 3 0,-1 0 0,2 0-30,-2 0 0,4 1 0,0-1 0,-3 1-193,0-1 0,-2 1 0,1 0-227,1 1 0,0-1 0,0 1-30,0-1 1,0 0-1,-1 0 450,0 1 0,0 1 0,0-1 0,-2 1 0,-1 0 0,1 0 0,-2 1 0,0 0 0,0 0 0</inkml:trace>
+  <inkml:trace contextRef="#ctx0" brushRef="#br0" timeOffset="64333">12068 12436 8522,'0'37'0,"14"-7"-90,-10 6-270,10-7-449,-14 4 809,13 1 0,-9 3 0,9-2 0</inkml:trace>
+  <inkml:trace contextRef="#ctx0" brushRef="#br0" timeOffset="67325">24328 8489 8162,'7'0'1619,"0"0"-1529,16-8-90,-6 5 0,1-5 0,-3 8 90,1 0-90,0-6 0,-1 5 0,0-5 0,0 3 90,2 1 90,-5-2 180,3 3-270,-8 0-90,1 1 0,-6 0 0,0 0 0</inkml:trace>
+  <inkml:trace contextRef="#ctx0" brushRef="#br0" timeOffset="68599">24387 8534 7713,'27'-14'90,"3"11"-1,-6-11 1,3 14 0,-6 0 0,3 0 270,14 0-270,-5 0 180,28 18-90,-22 5-2612,16 11 2522,-15 0-90,3-6-69,-10-5 1,1 1 68,18 14 30,-16-10 0,6 3 0,-4-3 14,-7-5 1,0 0 15,7 6 0,4 2 0,-5-3-60,17 11-992,-12-5 0,0 1 1082,3 4-135,-17-13 0,-2 1 6,7 10 39,-4 3 0,-6-1 0,-7-9 0,-1 1 90,4 15-135,-4-4 0,-1 0 135,3 8-135,-6-4 0,1 0-45,2 10 42,-5-19 0,-1 0-312,2 14 1,-1 0 358,-3-1-674,-4-16 1,0 0-405,-1 16 1726,-1 12 1,0-24 0,0-2-1</inkml:trace>
+  <inkml:trace contextRef="#ctx0" brushRef="#br0" timeOffset="68983">25405 10020 8882,'-4'-9'540,"2"-1"-540,0 3 1079,2-3-1169,0 29 180,17-18-180,-13 44 180,13-22-45,-9 9 0,-2 3-135,7 12 90,-5-4 0,1 1 90,8 8-90,-12-9 0,0-1 90,10 3-937,-2 8 1027,-2-23 0,-1-7-90,2-6-90,0-4 90,1-7-180,5-3 90,13-22 90,-3 0-180,2-10 0,1-5-281,11-17 191,-11 12 0,-1 0-1187,-6 5 0,-2 0 872,2-3 1,0-2-91,1 0 1,-1 0 584,0-2 0,0 0 0,-1 1 0,1-1 0,-1 1 0,0-1 0</inkml:trace>
+  <inkml:trace contextRef="#ctx0" brushRef="#br0" timeOffset="88771">19267 11395 9512,'-3'-14'989,"1"-4"-989,17 11-90,8-7 90,12 5 90,2-1-90,-4 4 0,1 2 0,20-4-289,-14 2 0,5 1 289,7-1 0,0 1 0,-10 1 0,2 0 0,5 0 0,5-1 0,-4 1 0,-3 1 0,0 0 0,1 0 0,4 0 0,-5 1-482,-6 1 0,-1 0 482,9-1 0,-3 3 0,10 13 0,-7-10 0,-6 25 0,3-5 0,-14 6 0,11 13 0,-21-18-90,5 7-78,-7-14 258,2-2-270,5-3 270,2-6-90,8 2 0,4-8 45,-4 2 0,3-1-135,24-2 45,-2-7 0,1 0-476,-23 5 1,-1 1 565,15-5 0,-1-2-45,-15 1 0,-2 2 0,-1 3 0,1 0 0,-2-4 0,0 0 90,31 6-180,-4 0 90,-4 0 0,-19 0 0,0 0 319,18 0-319,-10 0 0,0 0 90,6 0-270,15 0 225,-33 0 0,0 0-45,18 0 0,-4-7 0,1-1 0,12 4-142,-5-9 0,1-3 142,-19 7 0,-2 1 45,14 0 0,-1-2-90,-9-3 0,-2 0 90,1 12 0,0-1-90,3-10 0,2-2 90,18 5 0,3 3-90,-15-2 0,1 1 75,5-1 0,6 2 0,-6 0-30,-5 3 0,0 1 0,3 0 0,4-1 0,-5 0 45,-7 1 0,-1 1-75,0 1 0,4 0 0,-6 0 75,-5-1 0,-2 2-90,8 6 0,1 1 135,-3-6 0,0 0-180,21 14 90,-5-15 0,1-2 0,-22 1 0,-1 0-45,15 0 0,0 0 45,-12 0 0,0 0 0,1 1 0,1-2 0,1-8 0,0 0 0,1 8 0,0-2 0,0-13 0,0-1 0,-2 15 0,2 0-360,13-11 1,0-2 89,-16 7 0,1 1-360,21-4 1,-2 0-91,2-2 495,-26 8 0,-1 3-494,4 2 775,-5 0 1,-8 0 0,-3 0 0</inkml:trace>
+  <inkml:trace contextRef="#ctx0" brushRef="#br0" timeOffset="89632">19750 12054 6903,'51'0'450,"-5"0"-360,6 0-2767,-2 12 2767,8-10-90,7 10 0,-28-12 0,2 0 0,0 0 0,3 0 0,1 0 0,3 0 0,-1 0 0,8 0 0,3 0 0,-9-3 0,6-2 0,-1 0 0,-3 1 0,14 3 0,0-2 0,-11-2 0,5-3 0,0-1 0,-5 2 0,13-1 0,-1 0 0,-14 1 0,5 0 0,0 0 0,-6 0-516,10-1 1,-3 1 515,-9 3 0,1 0 0,-1 2 45,13 1 0,-3 2-90,-15-1 0,1 0 90,20 0 0,-1 0 502,4 0-547,-13 6 0,-1 0 0,7-3 45,-22 9 0,2 0-45,2-10 0,0-1 90,24 10-45,-4-10 0,0-2 0,-23 1 0,0 0-421,6 0 1,5 0-1,-4 0 421,-2 1 0,-2-2-45,16-5 0,-1-1 0,-14 6 0,-3-1 0,2-4 0,0 0 45,0 5 0,1 2-90,18-1 0,0 0 45,-15 0 0,1 0 0,2 0 0,4 0 0,-4 0 0,-6-1 0,-1 2 45,12 5 0,-1 0-45,-16-4 0,-2-1-45,0 6 0,0-1 45,0-5 0,1-2 0,-1 1 0,1 0 45,2 0 0,0 0-45,-1 0 0,3 0-45,16 0 0,2 0 45,-16 0 0,2 0 30,3 0 0,4 0 0,-4 0-75,-6 0 0,-1 0 45,13-6 0,-2 0 0,16 3 45,-32-7 0,-1-1-135,32 9 225,-15-12 0,0-1-45,-12 9 0,2 0-60,5-4 0,4-4 0,-3 2 15,-3 2 0,2 1 15,5-2 0,6-1 0,-5 2-105,-1-1 0,-2 1 90,18-2 0,-1 1-45,-16 3 0,-3 0 0,3 1 0,-1 0-45,-1 1 0,3 0-386,-6 0 0,4 0 0,-3 1 386,5 0 0,2 0-919,1 1 1,4-1 0,-4 0 929,-7 2 1,-3 1 0,13-1 0,-3 1 0,-18 1 0,1 0 0</inkml:trace>
+  <inkml:trace contextRef="#ctx0" brushRef="#br0" timeOffset="97199">24715 8593 6723,'16'-8'90,"-1"2"-90,10 4 0,-2 2 0,-9 0 0,1 0 0,-3 0 0,-2 0 0,7 0 0,-6 0 0,10 10 90,-8-8-90,4 7 0,-1-2 0,-3-6-90,6 10 90,-6-9 90,6 7-90,-9-6 0,14 6 0,-14-4 90,9 3-180,-12-3 90,6 2 0,-3-3-90,6 5 180,-3-5-90,2 3 0,3 0 0,-5-3 0,7 6 0,-7-5 0,5 6 0,-5-4 0,-1 2 0,-2-2 0,-2 0 0,1 0 0,4 3 0,-5-3 0,5 5 0,-7-7 90,2 5-90,-3-4 0,0 1-90,0 1 180,0-1-90,0 0 0,0 0-90,0 2 180,-1-1-90,2 1 0,2 3 0,0-3 0,7 7-90,-5-7 180,5 3-90,-6-5 0,1 2-90,-1-1 90,3 5 0,-2-2 0,7 8 90,-7-7-90,5 7 0,-7-5 0,1 2 0,-4 2 0,0-5 0,-1 9 0,-2-8 0,3 7 0,-3-8 0,2 1 0,-2-3 0,0-2 0,1 0 0,1 5 0,-1-5 0,1 9 180,-1-9-180,2 10 0,-2-9 0,0 5 90,0-5-180,-2 1 180,2 1-90,0 3 0,-1-2 0,3 7 0,-3-8 0,1 8 0,0-8 90,-1 2-180,0-4 0,-1-1 180,0 1-90,2 4 90,-1-3-90,1 10 0,0-9 0,3 16 0,-1-13 0,2 14 0,-2-15 0,2 12 0,0-12 90,1 13-180,-1-13 90,3 20 90,-3-17-180,4 16 180,-6-18-90,2 7 0,-3-8-90,2 2 180,-2-6-90,0 1 0,-1-2 0,1 6 0,-1-5 90,2 7-180,-4-8 90,1 5 90,-2-7 0,0 3-90,0-4 0,0 0 0,0 0 90,0 4-180,0-2 90,0 9 90,0-6-90,0 10 0,0-8 0,0 4 0,0-5 0,0-1 0,0 0 0,11 2 0,-8-4 0,8 6-180,-11-7-540,0 2 720,6-5 0,-5 0 0,5-4 0</inkml:trace>
+  <inkml:trace contextRef="#ctx0" brushRef="#br0" timeOffset="98347">25378 9987 7083,'15'10'90,"6"-8"-90,-19 20 90,15-19-180,-9 24 180,5-18-90,-1 21 0,-6-15 0,3 6 90,-6-5-180,4-2 90,-4 1 0,5 4 0,-4-4 90,6 6-90,-6-9 0,4 5 0,-4-8 0,2 3 0,-3-5 0,0 0 0,2 0 90,0 3 0,1-3-90,2 5 90,-2-4-90,3 4 0,-3-4 0,2 2 0,3 3 0,-3-4 90,8 10 89,-6-9-89,8 7 90,-7-8 180,17 3-270,-13-7 90,17-1-90,-14-4 0,17 0-90,-14-13 90,18-3-180,-16-1 180,7-10-90,0 7-90,-8-7 90,15-12 90,-19 14-90,15-18-90,-15 18 180,11-16-180,-14 20 180,2-4-720,-6 9 180,-5 6 450,1 1 0,-6 6 0,0 3 0</inkml:trace>
+  <inkml:trace contextRef="#ctx0" brushRef="#br0" timeOffset="102649">24063 3686 10051,'0'-7'0,"0"0"270,0 5-180,0 21-90,0 12 0,0 14-1256,0 7 1256,0-9 0,0 7 0,17 4 0,-12 5 0,10-27 0,1 1 0,-14 1 0,-1 0 0,14 3 0,-1 1 0,-12 1 0,0 0 0,10 2 0,0 0 0,-10-1 0,-1 3 0,7 16 0,0 1 0,-7-17 0,0 1-420,1 2 0,1 3 0,-2-5-75,0-7 1,-2-2-136,-7 8 1,0-1 626,4 3 0,-12-8 0,16-7 0</inkml:trace>
+  <inkml:trace contextRef="#ctx0" brushRef="#br0" timeOffset="103184">24695 3354 7533,'-36'14'359,"-1"-11"-269,-2 25 90,2-25-90,10 17 0,2 4 0,-10-4 0,-5 29 0,18 0-90,11-8 45,16-6 0,2 0-135,-3 8 135,31-6 0,6-2-664,-3 6 619,-3-18 0,7 0 0,-3-2-430,-6-3 1,-1-1 429,10 5 0,1 0 584,-4-5 1,-3-2-135,13 7-360,6 5 360,-39-18-450,-37 0-45,-24-6 0,-9-5 90,9-4 0,-4 0-1073,-11 4 1,-8 2-1,7-1 263,7-6 1,3 1 74,5 5 1,-3 2-1,4-1 439,-1 0 1,4 0 0,1 0-1,1 0 1,3 0 0,1 0-1</inkml:trace>
+  <inkml:trace contextRef="#ctx0" brushRef="#br0" timeOffset="104799">23987 3324 7443,'0'-30'0,"0"1"90,0 5-180,-13 10 0,10-2 180,-19 14-720,19 11-396,-6 7 1026,26 17 0,-13-17 0,13-2 0</inkml:trace>
+  <inkml:trace contextRef="#ctx0" brushRef="#br0" timeOffset="121536">20427 7335 9512,'-20'28'1349,"-7"2"-1349,24-7 90,-9 2-90,12-6-90,0 2 90,0 0-270,0 1-540,0-3-359,0-2 0,19-3 1169,-14-2 0,14-2 0,-19-2 0</inkml:trace>
+  <inkml:trace contextRef="#ctx0" brushRef="#br0" timeOffset="121733">20465 7112 10051,'-18'-1'-675,"6"13"1,7-8-1,5 9 1</inkml:trace>
+  <inkml:trace contextRef="#ctx0" brushRef="#br0" timeOffset="122264">20748 7312 9152,'0'7'989,"0"1"-899,0-1 0,0 2-90,0 0 90,0 2-180,0 2 90,16 2 90,-12 9-180,11-6 0,-2 15 90,-10-14 0,20 5-270,-20-9-89,14-3-1,-16-2 0,12-2 90,-9-4 90,6-1 180,-5-23 0,1-5 0,0-13 90,3-9 0,-2 17 180,6-15-90,-4 29 719,7-12-719,-6 26 90,14-8-180,-10 25-90,14 6 0,-14-1 0,7 27 0,-9-40 0,2 41-90,-5-43 90,-1 24-90,-1-26-180,3 15 180,-1-16 90,9 5 90,-6-21-90,7-7 0,-6 2 90,1-20 0,-6 23 0,-1-18-90,-1 20 180,0-10-90,-1 11 450,-2-3-630,0 6 180,3 10-90,-3 15-90,5-11-720,4 27-359,0-10-1440,17 18 2609,-8-17 0,13 11 0,-7-16 0</inkml:trace>
+  <inkml:trace contextRef="#ctx0" brushRef="#br0" timeOffset="122666">21790 7319 10501,'-39'-13'1259,"-1"2"-1169,2 11-180,3 19 90,7 3 90,12 19-180,9-10-90,7 6-359,19-17 179,5 8 180,22-15 360,-2-2-180,-1-7 180,-20-22 180,0 14 179,-21-30-179,5 10 90,-7-8 90,0 1-540,0 4-90,-20 14 180,15-10-90,-26 21 0,28 11 0,-8 16 0,11 11 0,19 19 0,-15-19 0,13-5 0,-2 0-180,-11 6-360,9 19 270,-13-24-1079,-24 16 629,1-21-269,-25 3-495,13-18 0,-1-3 1484,-22 0 0,16-4 0,0-1 0,-18-3 0</inkml:trace>
 </inkml:ink>
 </file>
 
@@ -1667,6 +1773,864 @@
 </inkml:ink>
 </file>
 
+<file path=ppt/ink/ink7.xml><?xml version="1.0" encoding="utf-8"?>
+<inkml:ink xmlns:inkml="http://www.w3.org/2003/InkML">
+  <inkml:definitions>
+    <inkml:context xml:id="ctx0">
+      <inkml:inkSource xml:id="inkSrc0">
+        <inkml:traceFormat>
+          <inkml:channel name="X" type="integer" min="-2.14748E9" max="2.14748E9" units="cm"/>
+          <inkml:channel name="Y" type="integer" min="-2.14748E9" max="2.14748E9" units="cm"/>
+          <inkml:channel name="F" type="integer" max="32767" units="dev"/>
+        </inkml:traceFormat>
+        <inkml:channelProperties>
+          <inkml:channelProperty channel="X" name="resolution" value="1000" units="1/cm"/>
+          <inkml:channelProperty channel="Y" name="resolution" value="1000" units="1/cm"/>
+          <inkml:channelProperty channel="F" name="resolution" value="0" units="1/dev"/>
+        </inkml:channelProperties>
+      </inkml:inkSource>
+      <inkml:timestamp xml:id="ts0" timeString="2021-07-23T05:52:39.681"/>
+    </inkml:context>
+    <inkml:brush xml:id="br0">
+      <inkml:brushProperty name="width" value="0.09071" units="cm"/>
+      <inkml:brushProperty name="height" value="0.09071" units="cm"/>
+      <inkml:brushProperty name="color" value="#FF0000"/>
+    </inkml:brush>
+  </inkml:definitions>
+  <inkml:trace contextRef="#ctx0" brushRef="#br0">16910 2518 8342,'-12'0'180,"0"8"-270,3-6 270,0 14-270,2-8 180,3 7-180,1-1 180,0 1 90,1 2 0,1 1-90,1 0 270,0 1-1,0 0-179,20-1 0,-16-1 0,32-1 90,-32-2-90,31-4 90,-20-3-180,19-3 90,-9-2-91,3-2-89,-1 0 90,-1-14-90,-3 10 180,-1-27-90,-3 28-90,-3-33 0,-3 21 0,-5-18 0,-4 11 0,-3-2 0,-1 2-3392,0-1 3392,-20 3-90,15 0 180,-31 4-90,32 0-1799,-29 1-90,16 5-269,-3 1 2158,-2 6 0,20 3 0,-7 0 0</inkml:trace>
+  <inkml:trace contextRef="#ctx0" brushRef="#br0" timeOffset="951">18742 2594 10951,'51'-13'180,"-7"9"-90,-2-19-90,-4 21-90,2-21-1750,3 20 1840,-1-22-810,2 22 49,-1-18-409,-1 19-89,-2-11 1259,-5 12 0,-3-3 0,-3 4 0</inkml:trace>
+  <inkml:trace contextRef="#ctx0" brushRef="#br0" timeOffset="1268">19092 2359 9871,'-15'-8'810,"1"2"-810,4 6 809,1 0-809,20 0 180,7 12-270,30 8 90,-18-5 0,1-1 0,27 6 0,-15-7 0,-1-1 0,9 2 0,-1 2 0,-1 2-90,-5 4 135,-9-6 0,-3 0-45,-16 1 0,-1 16-90,-14-10-719,-26 25-630,-12-15 1439,6-3 0,-3 0 0,-21 6 0,28-12 0,0 0 0</inkml:trace>
+  <inkml:trace contextRef="#ctx0" brushRef="#br0" timeOffset="7751">22010 2265 9242,'-4'0'989,"-1"0"-719,2 0-180,0-8 270,0 6-90,0-6-180,1 4-90,0 3 539,1-5-449,0 3 0,1-1-90,0 0 90,0 2-90,0-1 0,0 1 0,0 1 0,0-2 0,0 0 0,0-1 0,19-2 0,3 0 0,17-2 90,-17 3 0,12 1-90,-16 3 0,14 1 0,-9 0 90,-6 0 0,-4 14-90,-5-11 0,0 20 0,-6-16 90,-16 7-180,10-2 90,-23-4 0,24 0-90,-19-1 90,20-4 0,-8 0-90,10 0 180,0 2-90,0 6 0,0-1 0,18 12 0,-1-8 0,4 10-90,6-10 180,-23 2-180,24-3 90,-25 0 0,17-3 90,-17 0-90,11 2 0,-13-4 0,7 7 0,-7-7 90,1 7 0,-2-5-180,-16 3 90,13-3 0,-13 0 0,-5 0 0,-2 4-90,-12-5-720,-6 6-719,16-9 1529,-13 2 0,17-6 0,-3 0 0</inkml:trace>
+  <inkml:trace contextRef="#ctx0" brushRef="#br0" timeOffset="17637">14327 7901 12390,'0'47'630,"-12"-10"-540,9-1-90,-9-9 0,12 12 89,0-9-178,0 15 89,0-19-90,0 0-1799,16-4 0,-13-10 1889,13 3 0,-16-10 0,0-2 0</inkml:trace>
+  <inkml:trace contextRef="#ctx0" brushRef="#br0" timeOffset="17789">14288 7835 10411,'-3'-5'-180,"-2"2"180,0 1 0,0 2 0,4 0 0,0 0 0</inkml:trace>
+  <inkml:trace contextRef="#ctx0" brushRef="#br0" timeOffset="18034">14665 8119 10501,'41'0'-1349,"-6"0"0,-2 0-360,-6 11 1709,3-8 0,-2 19 0,1-9 0</inkml:trace>
+  <inkml:trace contextRef="#ctx0" brushRef="#br0" timeOffset="18173">14907 8417 9871,'-13'-16'-1349,"2"-5"-270,28 1 1619,-12-11 0,32 27 0,-12-9 0</inkml:trace>
+  <inkml:trace contextRef="#ctx0" brushRef="#br0" timeOffset="18493">15423 7957 10231,'-22'16'720,"-9"-12"-630,28 28-90,-11-8 0,14 8 90,0 3-90,0-9 0,21 0 0,9 8 0,11-10 90,18 6-180,-20-21 180,13 1-90,1-10 0,-13 0 0,18-16 0,-29-6 0,2-23 0,-21 5-90,-4-6 90,-31-8 0,19 11-135,-26 7 0,-6 3-585,8-2-719,-12 13 0,-2 4 1439,-1 6 0,-9 3 0,18 9 0</inkml:trace>
+  <inkml:trace contextRef="#ctx0" brushRef="#br0" timeOffset="21250">16780 8049 10861,'-8'13'719,"1"-10"91,1 10-810,18-13-90,7 0 180,22 0-450,-6 0-539,4 0-91,-9 0-89,1 0 1079,29 12 0,-27 2 0,20 11 0</inkml:trace>
+  <inkml:trace contextRef="#ctx0" brushRef="#br0" timeOffset="21406">16990 8243 9691,'-14'4'90,"3"-1"-269,11-1-1710,18-2 1889,4 1 0,22-1 0,0 0 0</inkml:trace>
+  <inkml:trace contextRef="#ctx0" brushRef="#br0" timeOffset="21668">17025 7923 9512,'-10'-13'0,"1"3"269,-3 1 181,6 4-450,25 3 90,8 1-180,10 19 0,17 4 180,-21 10-90,-6-9 0,-1-1 0,2 9 0,-9-2 0,-3 2 0,-4 10-360,-1 16-585,-9-22 1,-4-1-1258,-17 19 2202,18-16 0,-2-1 0,-35 12 0,15 1 0</inkml:trace>
+  <inkml:trace contextRef="#ctx0" brushRef="#br0" timeOffset="22418">18637 7562 10231,'-42'0'0,"8"0"0,-3 0 0,-4 0 0,9 0-180,-19 15 180,25-11-90,-4 11 180,15-1 0,7-10-90,4 24 0,24-14-90,8 15 90,-2-9 45,8-5 0,-1 0-135,-8 2-512,35 7 602,-31-6 0,-2-1 0,-6-1 719,2 4-629,-13-7 0,0 7 90,-10-11-180,-20 6 0,14-8 0,-37 3 90,21-4-180,-19-3 0,8 0-1169,-13-3 449,11-14-1168,-18-10 1978,25-7 0,-4-7 0,13 8 0</inkml:trace>
+  <inkml:trace contextRef="#ctx0" brushRef="#br0" timeOffset="22622">18310 7305 10591,'11'16'809,"5"-12"-539,-9 26-90,7-18-180,0 15 0,4 0 90,9 19-180,-3-6 135,-2-4 0,0 2-45,5 9-884,-3-3 1,-1 1-466,4 9 404,-11-17 1,0 0 944,-1 2 0,-2-1 0,6 19 0,-6-20 0,-1 0 0</inkml:trace>
+  <inkml:trace contextRef="#ctx0" brushRef="#br0" timeOffset="23208">19212 7449 11131,'-4'15'629,"1"9"-539,3 9-180,16 6 90,-13-4 90,13 2-180,0 0-809,-13 4-810,27 13 809,-13-12 0,-3-10 1,0-2 899,2 1 0,1 5 0,-7-16 0</inkml:trace>
+  <inkml:trace contextRef="#ctx0" brushRef="#br0" timeOffset="23350">19212 7850 9871,'-11'-12'540,"-8"9"-630,16-21 90,-13 15 0,15-18 0,-4 11-1799,28-8 630,-17 10 1169,41-3 0,-29 7 0,21 1 0</inkml:trace>
+  <inkml:trace contextRef="#ctx0" brushRef="#br0" timeOffset="23901">19670 7634 9871,'0'31'90,"18"-12"-90,-14 11 0,14-16 0,-4 17-90,-10-7 90,20 11 90,-12-8-180,9 14 180,-10-19-90,5 3-90,-15-12-269,10-4-181,-9-2-450,4-4 990,-4-18 90,-1-11 180,-1-27-436,0 6 526,0-4 0,0 16 0,0 3-90,0 4-1,0-3 541,0 9-810,0 26 0,12 11-90,-9 21 180,22 5 256,-22-10-346,20-8 0,-16 2 0,4-17 0,-3 4 0,-4-4 0,1-7 0,1 2 0,-2-16 0,4-7-90,-2 2 90,7-28 0,-7 24 0,5-22 90,-8 27-180,4 7 90,-3 10 0,4 14 0,-1-10 0,1 28-90,1-28-2159,8 46 810,-3-30 1439,6 25 0,-4-23 0,1-3 0</inkml:trace>
+  <inkml:trace contextRef="#ctx0" brushRef="#br0" timeOffset="24337">20348 7681 10771,'0'45'450,"0"-7"-450,0 14 0,18-18 0,1 24 0,2-25 0,6 20 0,-12-24 0,1 6 0,3-15 90,-17-4 179,6-4-179,-4-2 0,-3-19-270,3-11 270,-21-14-180,13-7 90,-12 3-1073,0-6 1073,13-5-45,-10 10 0,0-2 45,10-20 0,-2 11 0,0 2-90,5-5 90,0-6 90,0 29-90,0 6 90,0 9-90,18 4-90,3 7 90,2 17 1163,3-10-1163,-14 43 0,0-23 90,6 26-180,-16-16 90,11 0 0,-12-1-1079,3 14-360,-4-13 1439,0 17 0,-23-25 0,-6 6 0</inkml:trace>
+  <inkml:trace contextRef="#ctx0" brushRef="#br0" timeOffset="25117">21032 7315 10771,'7'-12'1619,"0"1"-1079,-4-7-450,-1 5 179,-1-4 1,-1 1-270,0 4 0,-18-6-90,13 9 0,-30-2 90,14 8-90,-21-1 90,11 4-90,-13 19 90,17 3-359,-14 21 179,22-13 0,-4-8-90,16 2 0,3-13 180,2 12 0,2-2 0,24-5 0,3 12 90,2-11 0,0-1 0,0 1 0,-6 3 0,29 8 0,-24-7 0,-3 0 0,-2 0 0,3 7 0,-9-9 0,4 11 0,-14-17 0,2 5 0,-8-10-180,1-1-539,-2 1-450,0-3 1169,0 0 0,0-2 0,0-2 0</inkml:trace>
+  <inkml:trace contextRef="#ctx0" brushRef="#br0" timeOffset="25738">20968 7253 9152,'-6'-9'629,"-5"-1"91,6-6-360,-2 5 0,-2-9-360,5 12-90,-4-4 0,5 9 180,-3-1 269,3 4-269,-3 15 90,4 11 0,-5 28 0,3-2 0,0 12-180,1-12-389,1 5 389,-1-1 0,1 4 0,-3-5 0,0 1 0,0-21 0,0 1 0,-3 14 0,2-14 0,0-1 0,-1-3 0,0 3 0,2-20 0,4-5-180,-1-4-360,1-4 450,0-18 389,0-12-209,15-30-90,-10 5-90,10-10 45,-8 26 1,-2 0 133,-1-24-89,1 10 0,2 0-229,4-9 229,-5 12 0,1 1 90,10-3 90,-6 13 0,1 1 90,1 0 0,8-2 449,0 15-449,-5 11 0,14 2-270,-12 24 180,18 18-180,-11 9 0,2 10 0,1 3 0,-12-23 0,0 1-1048,3 10 1,2 4 0,-3-5 1002,-6-9 0,0-1-968,7 19 0,-1 0 294,0 5-483,-4-12 1,-1-2-328,-2 3 90,3 8 1415,-8-13 1,-1-15 0,-1 4 0</inkml:trace>
+  <inkml:trace contextRef="#ctx0" brushRef="#br0" timeOffset="25899">21018 7857 10951,'-6'-10'0,"3"-2"0,1 5-90,21-4 90,-14-2-720,36 3-1798,-5-9 2518,12 6 0,7-4 0,-13 5 0</inkml:trace>
+  <inkml:trace contextRef="#ctx0" brushRef="#br0" timeOffset="26518">21610 7555 9512,'0'25'359,"0"-4"1,0 2-270,13-1-90,-10 5 90,9 5-180,1 3 360,-1 17-90,3-12-1425,2 9 1245,-11-20 397,6-4-127,-6-5 745,-1-2-656,0-7-89,-2-3-270,-1-27-90,-1-26 90,-1-3-180,-7 7 0,0 0-359,3-4-406,-3 5 1,0 1-225,7-1-361,0-14 1530,0 25 0,0 2 0,0 4 0</inkml:trace>
+  <inkml:trace contextRef="#ctx0" brushRef="#br0" timeOffset="26852">21955 7581 10951,'-19'16'-90,"5"8"90,31 10 0,-13 2 0,13-5 0,-3 14 0,-10-11 0,21 8 0,-22-9 270,14-11 539,-15 4-899,5-17 90,-7-19-90,0-19 180,0-12-135,0 6 0,0-2-225,0-13-495,10 4 1,0 0-405,-4-11 1169,11 13 0,3 2 0,4-1 0,17-7 0</inkml:trace>
+  <inkml:trace contextRef="#ctx0" brushRef="#br0" timeOffset="27785">23153 7052 11580,'5'-12'720,"-1"1"-630,-4 0 180,0 2-90,0 0-90,-24 2 0,18 1 0,-38 3-90,24 2 0,-34 0-90,17 1 90,2 7 0,0 3 0,-7 9-90,-14 2 180,7 11-180,14-12 90,-10 17 0,29-10-90,2 5 180,12-16-630,29 15 450,-20-15 0,45 8 90,-16 1 0,12-5 0,-18-2 0,-2 1 0,4 3 0,4 11 0,-23-10 0,5 4 0,-15-2 0,7 19 0,-10-9-45,-12-3 0,-2 0 135,7 9-1786,-24-5 0,-4-1 1696,11 6 0,-3-15 0,0-1 0,-1 4-90,14-5 90,-12-7 0,22 0-360,-12-10-359,44 0-990,13-21 629,16 10 1743,5-10-663,-13-3 0,0 12 0,0-12 0</inkml:trace>
+  <inkml:trace contextRef="#ctx0" brushRef="#br0" timeOffset="28534">23798 7269 11940,'3'-23'180,"-25"9"-90,-9 5-180,-14 9 180,0 0-180,10 18 90,-1-13 180,-7 32-270,15-10 0,-4 22 90,22-10 0,4-1 0,24-14 0,-13-1 0,38-3-90,-1 7 180,11-10-90,-16-4 0,0 0-845,6-1 845,9 3-90,-22-8 180,-7-1-180,-5-2 90,-8 2 0,-4-3-270,-6 3-720,-18-3 1116,-9 1-935,-11-2-1,-4-1-1618,-4-1 2428,9 0 0,-6-20 0,14-6 0</inkml:trace>
+  <inkml:trace contextRef="#ctx0" brushRef="#br0" timeOffset="28756">23602 7168 9602,'13'-7'719,"-10"3"-359,11 0 1079,-6 3-1439,-1 0 0,2 18 0,1-13 0,-5 31 0,5-17 0,0 19 0,0-4 90,0 3-90,0 3-312,0 0 312,1 2 0,-1 0 0,-1 0-720,4 14-359,-1-14-180,1 7-90,-1-19 1349,-1-3 0,2-5 0,0-1 0</inkml:trace>
+  <inkml:trace contextRef="#ctx0" brushRef="#br0" timeOffset="28988">24280 7427 11400,'0'14'270,"0"0"-360,0 24-2068,0-6-991,0 2 3149,0-4 0,0-14 0,0-5 0</inkml:trace>
+  <inkml:trace contextRef="#ctx0" brushRef="#br0" timeOffset="29167">24147 7137 11311,'-7'-10'-180,"5"2"270,-8 4-4858,9 0 4768,16 20 0,-11-14 0,15 15 0</inkml:trace>
+  <inkml:trace contextRef="#ctx0" brushRef="#br0" timeOffset="29659">24375 6914 10501,'-10'-6'270,"1"1"-270,3 0 0,3 0 0,1 1-90,2-1 180,0-1-180,17 3 180,4-1-90,21 3-90,-8 0 180,3 1-90,-9 0 0,1 17-90,-1-12 270,-1 28-180,-2-29 180,-1 31-180,-4-19 90,3 32 0,-8-17-180,3 26 90,-10-23 0,0 12 0,-3-4-90,-2-10 180,5 14-90,0-22 0,11 11 0,-3-16 90,20 10-180,-10-11 180,12 3-180,3 2 180,-10-7-90,13 14 0,-24-14 90,1 14-90,-16-13 0,-26 23 0,15-18-45,-24 1 0,-5-2-405,9 2-1079,-13-5 0,-2-1 1529,0 3 0,-13 1 0,19-9 0</inkml:trace>
+  <inkml:trace contextRef="#ctx0" brushRef="#br0" timeOffset="30118">25778 7509 10861,'22'13'-3958,"10"-5"3958,11-5 0,4-3 0,-11 0 0</inkml:trace>
+  <inkml:trace contextRef="#ctx0" brushRef="#br0" timeOffset="30300">25960 7737 10951,'-7'4'360,"23"-15"-360,0 7-360,20-28-810,2 28-179,-3-28 1349,21 17 0,-12-2 0,14 5 0</inkml:trace>
+  <inkml:trace contextRef="#ctx0" brushRef="#br0" timeOffset="30551">26075 7344 11221,'-10'-5'-90,"7"1"629,-13 1-449,34 2 90,3 18-180,30-12 90,-9 33-90,14-7 180,-26 12-225,-9-10 0,-4 1 45,-5 11 0,-6-4 0,-3 0-755,-3 10 215,-11-18 1,-2 0-1350,7 13 584,-19-22 1,-3-2 1304,6 22 0,-27-3 0,13-1 0</inkml:trace>
+  <inkml:trace contextRef="#ctx0" brushRef="#br0" timeOffset="32283">27090 7298 8972,'-28'20'-90,"0"-5"0,0 19 180,3-10-90,-1 21 0,14-19 90,18 17-90,-2-29 90,29-5 0,8-3 90,-4-2 179,17-2 1,3-1-1982,2-1 1847,-20 1 0,0-2 225,9 1-40,-6 0 40,-8 0 360,0 0-720,-19 17-90,2 0 90,-40 18-180,-13-8 1565,-13 1-1475,14-13 0,0-1-270,-10 7-360,11-7 0,0-2-449,-4-3-1529,-14-1 1438,27-8 1329,-4-15 0,16 12 0,1-12 0</inkml:trace>
+  <inkml:trace contextRef="#ctx0" brushRef="#br0" timeOffset="32516">26977 7121 1680,'0'-24'1978,"-18"-5"734,13 10-2712,-23-7 0,26 16 2308,-9 0-2398,11 29 180,17-15-180,-13 40 270,31-5-270,-5 14 106,-4-10 1,1-1-17,-4-14 0,0 0-45,5 23 0,-1 0-135,-12-20 0,0-1-900,10 25 1,-2-1-720,-2 8 764,-6-21 1,-1 0 1034,-3 14 0,-1-3 0,-4 0 0</inkml:trace>
+  <inkml:trace contextRef="#ctx0" brushRef="#br0" timeOffset="32867">27838 6993 12030,'0'-7'1709,"0"1"-1709,0 23 0,0 28 90,0 2-90,9-3 0,1-1-1538,-6 5 1403,12-15 0,0 0-1124,-12 32 359,25-18-1515,-23-2 0,0 0 2415,19-1 0,-15 17 0,-3-34 0</inkml:trace>
+  <inkml:trace contextRef="#ctx0" brushRef="#br0" timeOffset="33017">27842 7569 10951,'-25'-31'1259,"9"5"-1259,8 4 0,8 4 0,0 1-90,18-8 90,-13 7-989,33-4-720,-33 8-180,41 2 1889,-25 2 0,21 2 0,-10 1 0</inkml:trace>
+  <inkml:trace contextRef="#ctx0" brushRef="#br0" timeOffset="33567">28262 7361 9602,'-19'14'2428,"21"-11"-2428,2 26 0,31-7 0,-31 10 0,27-2 0,-16 4 0,0-10 0,6 14-90,-19-18 90,14 2-90,-14-10-360,5-4-359,-4-2 629,-3-21 180,3-11 0,-3-29 90,0 6-912,0-2 822,0 13 180,0 3-90,0 3 450,0-4 0,15 14-361,1 3-179,10 37 0,-12 2 0,9 37 90,-15-19-90,2-6 0,1 0 0,-4 6 912,2 13-822,-4-33 0,0 10-180,-1-26 180,-1 8-180,0-10 90,0-17 0,3-11 0,-1-8 0,5-22 90,-3 21-180,2-13 180,-3 21-90,0 3 180,0 6 270,0 4-360,-2 7-1,5 4-89,-3 20 0,8 10 0,-4 8 0,4 5-359,2 8-361,0-9-2068,10 22 1079,-8-26 1709,8 5 0,-5-17 0,1-3 0</inkml:trace>
+  <inkml:trace contextRef="#ctx0" brushRef="#br0" timeOffset="34050">29042 7147 12030,'0'-13'810,"-14"2"359,10 4-1169,-10 21 0,14 13 0,0 10 90,0 6-180,20-6 90,-15 3-293,15 2 293,-7 1 0,-9-3 0,9 0-449,-5 10 89,-6-12-450,13 16 450,-13-28-17,4 3-253,-6-17 181,0-1 179,0-5 270,-14-2 0,10-19 310,-27 11-40,16-40 0,-5 26-90,-1-25 90,18 16-1,-17-2 1,17-1-90,-16 1 90,17-1 0,-13 3 0,9-9-270,-1 12 90,1-9-90,5 19 0,0 0 0,1 9 0,0 0 0,0 2 0,17-1-90,2 2-90,22-1-90,-2 2 0,3 14-719,-11-10-451,-6 29 541,-17-8-90,-2 12-361,-6-3 1350,0-5 0,-21 0 0,-6 0 0</inkml:trace>
+  <inkml:trace contextRef="#ctx0" brushRef="#br0" timeOffset="34674">29008 7238 9871,'-2'-9'1080,"0"0"-541,0-2-179,2 0-180,-1-1 180,1-3-270,-1 4-90,1 0 90,0 4-90,-1 2 90,1 1 0,-1-1-90,0 4 0,20-1 90,2 2 0,3-11 359,14 8-359,-25-8-90,17 11 90,-14 15-90,-6-12 90,1 26-90,-7-10 0,1 9 0,-4 0 0,0-7 0,-1 1 0,0 9-90,0-7-809,-14 16-1,10-17-2878,-21 11 3778,22-15 0,-8 3 0,11-7 0</inkml:trace>
+  <inkml:trace contextRef="#ctx0" brushRef="#br0" timeOffset="35300">29555 6831 11670,'-9'-22'1260,"-1"4"-901,2 6-179,3 7 0,0 3-90,2 1-90,0 1 0,-1 26 90,1-4-180,-1 26 135,2-15 0,1 2-45,-1 21-1059,0-2 0,1 0 1059,1 11 0,0-24 0,0 1-593,0-4 1,0-3 502,0 16-68,0-13 1,0-3 157,0-2-90,0 7-90,0-25 1301,0-3-1301,0-29 1626,12-13-1446,-9-35 0,16 7-316,-17 14 0,-2-1 316,14-12 44,-12-2 1,0 1 135,5 2 0,-4 8 0,0 4 450,0 14-473,4-1-157,-2 23 90,8 3-90,-1 25 90,7-15-90,-2 41 0,2-24 0,0 24-180,10 13-90,-10-12-405,-2-6 1,-2 1-136,0 7-539,-5-10 0,0-1 890,-2 4-1070,1 7 1656,-6-20 1,-2-5 0,-1-3 0</inkml:trace>
+  <inkml:trace contextRef="#ctx0" brushRef="#br0" timeOffset="35438">29623 7397 10231,'-5'-23'270,"-3"2"-360,7-3 180,-3 2-720,4-16-449,21 15 1079,3-13 0,2 24 0,-9-1 0</inkml:trace>
+  <inkml:trace contextRef="#ctx0" brushRef="#br0" timeOffset="35725">29963 7220 9961,'0'15'1529,"0"-3"-1529,0 0 0,0-3 0,0 3 0,0-1 0,0 2 0,0 7 0,0-3 0,0 3 0,11 0 0,-9-6 630,9 5-360,-11-12-360,0 1 90,0-26-90,0-8-720,0-28 91,0 9-990,0-17 809,0 27-395,0-8-54,0 16 1349,0 3 0,0 5 0,0 2 0</inkml:trace>
+  <inkml:trace contextRef="#ctx0" brushRef="#br0" timeOffset="36020">30152 7140 9422,'0'10'90,"0"-1"0,0-1 89,0 8-179,0-2 360,12 17-180,-10-9 0,10 17 90,-3-15 180,-7 13-271,7-18 271,-9 2 180,0-9-630,0-5 90,0-17-180,0-23-180,0-3-180,0-14-1439,0 1 810,0 9 1079,16-24 0,-12 28 0,11-8 0</inkml:trace>
+  <inkml:trace contextRef="#ctx0" brushRef="#br0" timeOffset="36584">30842 6615 11670,'-7'-18'900,"0"0"-720,-7-6-180,3 8 90,-14-8-90,10 15 0,-10 1-90,5 4 90,-2 4-90,-13-1 180,8 1-90,-8 20-90,4 1 180,9 3-270,-5 24 180,18-29-540,1 41 270,8-29 180,22 10-180,-17-10 91,39 0 89,-38 2 0,36 18 90,-16-11 0,-6-5 0,0 1 0,4 9 0,-11-8 0,-5 0 0,-6 7 0,6 10 90,-8-20-90,0-3-90,0-2 90,-17 3 0,12-11 0,-12 3 0,17-15-1709,0-2 719,27-5-539,-6-1 1529,24-16 0,-9 12 0,2-12 0</inkml:trace>
+  <inkml:trace contextRef="#ctx0" brushRef="#br0" timeOffset="39174">31352 6760 11490,'-13'-7'1799,"10"1"-1529,-23 2-180,14 3-90,-14-1 0,8 22 90,3-16-90,5 37-90,3-22 90,2 20 0,2-7 0,2 3 90,1 3-90,0-2-90,0 0 180,21-2-90,-16-4 0,32-1-90,-17 1 90,0-10 0,10 1 0,-13-15 0,13-2 0,-9-4 0,-7-20 0,-1 15 0,-8-37 0,3 24-270,-5-36-179,-3 18-811,0-24 181,-21 25-1979,16-15 3058,-33 26 0,34-3 0,-13 14 0</inkml:trace>
+  <inkml:trace contextRef="#ctx0" brushRef="#br0" timeOffset="39773">31485 6423 10501,'-9'-7'0,"-4"3"450,12-1-540,12 4 180,10 14-90,20-10 90,7 24-180,-8-14-581,0 3 671,-13 7-39,-3-14 129,0 9 270,4-1-90,-9-7 270,0 4-360,-12-8-1,-3 2-89,-3-4 476,0 2-566,-1-3 324,0 8-414,0-2 90,0 14 90,0-5-90,0 20 0,0-10 0,0 11-90,19 8 90,1-10 45,1-6 0,-1 1-45,0 7 0,4-8 0,-3 0 0,-15 5 0,32 7-90,-27-5 180,5-11-180,-7 11 180,-6-19-90,-3 3 0,0-10 0,0-1 90,0-2-180,0 1 180,-16-3-90,13 1 0,-26-3 0,13 0-360,-13-4-1349,-3 0 270,7-1-91,-2 0-448,6 0 1978,0 0 0,-1-13 0,0-4 0</inkml:trace>
+  <inkml:trace contextRef="#ctx0" brushRef="#br0" timeOffset="41768">12435 13978 11131,'-4'0'2068,"12"0"-1888,7 0-90,7 0-90,10 0 90,-9 0-90,19 13-90,-13-10 90,10 27-90,-9-26-539,-2 29-271,3-21-1978,8 24 1349,-8-15 1529,6 6 0,-15-9 0,-3-2 0</inkml:trace>
+  <inkml:trace contextRef="#ctx0" brushRef="#br0" timeOffset="41951">12795 13859 10501,'-10'-3'720,"4"1"-361,-15 2-449,10 17 90,-14 12 0,9 11-1034,-1-5 0,0 1-3379,-4 17 4413,6-14 0,0 0 0,-6 23 0,10-29 0,0 0 0</inkml:trace>
+  <inkml:trace contextRef="#ctx0" brushRef="#br0" timeOffset="48124">17660 9420 11400,'-2'-4'2069,"1"-1"-1889,-4 1 270,3-1-90,-2 1-180,1 0 89,0 1-179,0 0 0,-8-1-180,1 1 90,-5 0 0,-7 2-90,4 0 90,-19 1 0,10 15-89,-21 12-181,16 10 0,3 4 0,1 2 90,-1 8 0,10-1 0,2 0 90,8-4 45,4-10 0,6-2 45,17 0 0,13 11 0,8-24 0,5 2 0,3-12 0,-13-3 90,8-3-90,-16-1 0,-13-2 0,-1 2-90,-12-1 90,-18 3-719,-8 3 89,3-1-1439,-39 5 900,40-7 90,-33 0-181,29-5 1260,1-1 0,1-15 0,0-4 0</inkml:trace>
+  <inkml:trace contextRef="#ctx0" brushRef="#br0" timeOffset="48346">17203 9317 9512,'13'-13'269,"-10"4"1171,10 2-1081,-5 4-269,1 19 0,5-12-90,7 45 0,-5-25 0,4 24 0,1 4 0,1 5-1666,0 4 1,-1 1 1350,-10-30 1,-1 1 87,5 18 0,2 7 0,-1-6 0,-4-14 0,0-2 0,1 7 0,0 0 0,0 0 0</inkml:trace>
+  <inkml:trace contextRef="#ctx0" brushRef="#br0" timeOffset="48817">17862 9696 9332,'5'-6'270,"0"2"-181,1 4 181,2 18-90,-1 7 0,6 27-180,-4-8-887,3 4 977,-3-11-180,-1-3 90,0 1 0,3 8 0,-5-14 90,5 8-90,-7-22-90,1-1 180,-3-10 797,0-18-977,0 10 180,3-51-90,-1 29 0,1-12 0,1-3 0,0-4 0,0 10 0,1 0 90,-1-1 0,5-4 540,0 18-451,-3 10 181,7 2-270,-5 10 0,9 23-180,-7-18 90,1 32 0,-3 7 0,3-13-225,-2 14 0,0 2-1034,2-9-1529,12 17 1236,-6-30 1552,8-3 0,-5-12 0,1-6 0</inkml:trace>
+  <inkml:trace contextRef="#ctx0" brushRef="#br0" timeOffset="49172">18535 9703 10231,'-42'-7'900,"19"16"-631,-11 13-269,19 9-89,-2 5 178,-3 5-89,17-7 0,-6 21 0,9-24 0,0 15 0,0-22-89,21 2-91,-15-14 0,31-6 180,-19-3 0,16-20 90,-8-8-180,-10-9 360,-8-29-91,-8 31 1,0-28 0,0 35 90,0 1-180,0 30-180,0 15 0,0 27 0,16-7-1979,1 15 900,2-25 90,8 10-271,-15-20 1350,11-2 0,-7-9 0,-1-3 0</inkml:trace>
+  <inkml:trace contextRef="#ctx0" brushRef="#br0" timeOffset="49705">18738 9861 10591,'0'30'0,"16"4"0,-12-4 0,11 2 0,-3-9 0,-9-1 0,9-2 0,-3-3 0,-7-1 0,7-5 0,-9-1-90,7-7 90,-6-21 0,6-12 0,-7-13 0,0-2 0,0-6 0,0 13-90,0-16 540,0 29 269,13 5-629,2 13 0,16 47 0,-10-17-135,-7 10 0,-3 2 135,1-4-90,1 10 0,-3-8 0,-4-9 0,0-1-90,-3-10-270,-1-7 271,0-1 89,1-5 0,-1-21 0,0 16-90,1-49 180,1 32-90,0-40 0,-2 33 0,0-8 0,0 25 89,-1-7 181,1 17-270,-1-8 90,2 10 0,2 0 90,6 0-270,1 19 180,11 3-180,-7 1 90,6 16-360,-5-22-1079,0 18-360,1-8 1799,7 7 0,-3-10 0,5 4 0</inkml:trace>
+  <inkml:trace contextRef="#ctx0" brushRef="#br0" timeOffset="50083">19357 9917 10501,'21'-13'450,"9"10"-1,-11-26-269,11 12 90,-3-14-180,-12 6-90,-7 6 90,-8 1-90,0 6 90,0 0-90,-20 1 90,-2 0 0,-3 4 90,-11 0-180,13 5 0,-10 21 0,3-15 90,19 34-90,-9-34 0,17 39 90,-8-24-180,11 22 90,0 0-360,27-11-2518,8 20 899,14-25 1882,2 7 1,-13-18-1,4-2 1</inkml:trace>
+  <inkml:trace contextRef="#ctx0" brushRef="#br0" timeOffset="50650">19877 9309 10591,'0'28'1889,"0"8"-1709,0-9-90,0 11-90,0-2 90,0 5-849,0 7 759,0 3 0,0 3 0,0 3 0,6-18 0,1-1 0,-4 19-45,10-13 0,-1-1 45,-9-2 71,14 15-71,-15-32-90,5-3-124,-3-14 34,0-4 180,2-24-90,-1 16 0,-2-25 0,-3-8 90,2 4-451,-1-2 1,-1-3 450,0-16-90,0-2 90,0-5 45,1 19 0,-2-1-45,-7 11 0,0 1 0,6-18 0,0 2 149,-13 1 121,15-9 359,0 35 91,0 3-720,0 37 0,16 11 0,-5 3 0,-1 3 0,11 22-45,-4-12 0,0 0 599,1 12-824,-8-21 1,1 1-631,2-3 1,0-2-271,1 16-207,-3-13 0,0-2-63,1-1 1435,-6 3 0,-6-20 0,0-2 0</inkml:trace>
+  <inkml:trace contextRef="#ctx0" brushRef="#br0" timeOffset="50784">19908 9920 9781,'-10'-10'-90,"2"2"90,8-11 90,21 6-989,-16-1-360,40 1 1259,-25 1 0,24-2 0,-11 1 0</inkml:trace>
+  <inkml:trace contextRef="#ctx0" brushRef="#br0" timeOffset="51074">20375 9625 9871,'0'37'540,"0"-4"-540,0-6 0,0 0 90,0 0-90,15 17 0,-11-9 0,21 25-90,-15-25 180,3 8 0,2-11 180,-13-10 180,6 1-450,-8-30-90,0-31-180,0-7-360,-7 3 0,-1-2-179,4-6-226,-4 8 1,1 1 977,7-5 0,0-8 1,0 23-1</inkml:trace>
+  <inkml:trace contextRef="#ctx0" brushRef="#br0" timeOffset="51389">20613 9606 10051,'0'44'90,"0"-7"-90,0 0 0,14-4 0,-10 2 0,10-2 0,0 14 0,-3-14 270,5 16 180,-3-27 89,-11 1-269,4-12-360,-3-6 90,-3-24 0,3-13-180,-3-14-865,0-6 56,0 10-90,0-3 89,0 3 990,14-13 0,-10 16 0,10-9 0</inkml:trace>
+  <inkml:trace contextRef="#ctx0" brushRef="#br0" timeOffset="60468">21233 9156 9422,'0'-10'1619,"0"-2"-1349,0 5 179,0-1-179,0 3 0,14 2 1259,-10 1-1529,-6 2 0,-15-2-90,-21-12 90,1 10-90,-6-19 0,11 21 0,1-6-90,6 8 90,8-5-179,-6 4 269,14-3 0,0 4 0,7 15-90,19 1 0,4 19 0,1 2 0,10-4 0,-28 3 90,11-6-90,-8 0 90,-5 3-180,5 17 90,-7-10 0,0 27 0,0-29-734,-15 10 734,11-18 90,-12 1 0,4-4-90,9 2 180,-10-1-180,5-2-89,6 9 179,-6-10-90,8 12 90,0-19 0,21 4 0,-15-12-90,36-1 90,-37-3 464,41-1-644,-24-2-90,25 0-1349,10-1 539,-14 0 1080,-5-1 0,0-1 0,3 0 0,11 0 0</inkml:trace>
+  <inkml:trace contextRef="#ctx0" brushRef="#br0" timeOffset="61100">21932 9388 10141,'0'-10'1080,"0"-1"-990,0 3 179,0-5-89,0 5-90,-19-3-90,-6 7 180,-24 2-270,9 18 90,-1-12 90,14 29 0,0-28-90,7 31 0,2-12 0,11 9-90,1 5 180,25-17-180,-15 5 90,39-9 0,-22-1 0,23-1 0,4 5 0,-11-5 0,19 7 0,-30-9 270,8 3-270,-25-7-90,0 0 180,-9-1-180,0-3-90,-24 7-90,18-6-1529,-37 4-449,17-6 2248,-18-1 0,17-3 0,7 0 0</inkml:trace>
+  <inkml:trace contextRef="#ctx0" brushRef="#br0" timeOffset="61339">21912 9219 13289,'0'32'270,"0"-5"-270,0 1 0,0-2 0,0 4 0,16 19-180,4-10 90,-1-2 0,0 1-269,1 8-271,2-6 0,-1 2-1419,-8 5 1329,4-16 1,1-1-1260,-2 9 1979,-1-4 0,-1-5 0,1-2 0</inkml:trace>
+  <inkml:trace contextRef="#ctx0" brushRef="#br0" timeOffset="61634">22447 9469 11131,'-13'-5'269,"2"1"91,11 1 180,0 1-540,0 20 0,0 5 0,0 13 0,0 1-180,0-6-180,12-1-539,-9 1-271,9-4-2068,-3 9 3238,-7-14 0,7 4 0,-9-14 0</inkml:trace>
+  <inkml:trace contextRef="#ctx0" brushRef="#br0" timeOffset="61788">22385 9233 9961,'-8'10'-420,"1"5"1,7 19-1</inkml:trace>
+  <inkml:trace contextRef="#ctx0" brushRef="#br0" timeOffset="63001">22872 9072 9781,'-7'-5'1440,"-3"3"-1081,9-6 181,-8 5-450,7-2-180,-2 0 90,3 2 0,1 0 0,0 2-90,15-1 180,6 2-90,22 0 0,-7 0 0,4 16 0,-10-11 90,0 24-90,-2-26 0,-1 25 0,-5-14 0,-2 16 90,-1 6 90,-9-5-3572,-2 27 3392,-8-19 0,0 14-86,-22-16 86,17-1-90,-17-1 90,5 0 0,12-2 0,-13 1-90,18 10 0,0-10-2300,0 20 2390,22-24-90,-17 6 180,38-14-180,-37-2 180,39-1-90,-39-4 2210,37-2-2210,-38-2 356,30 0-446,-24-3 3572,5 0-3482,-9-4 0,-31-2 0,-9 0-180,0-2 0,-1 0-809,-24 0-810,17 0 0,0 0 1527,-9 0 0,-11 0 0,22 0 0</inkml:trace>
+  <inkml:trace contextRef="#ctx0" brushRef="#br0" timeOffset="63834">23712 9715 10771,'-3'-14'989,"1"-9"-809,18 14-180,7-15-90,-2 10 90,27-2 0,-24 4 0,25 3-450,-11 1-449,2 3-90,-2 3-1170,20 1 2159,-17 1 0,12 0 0,-21 0 0</inkml:trace>
+  <inkml:trace contextRef="#ctx0" brushRef="#br0" timeOffset="64001">23937 9967 10321,'-12'-15'1349,"26"12"-1349,-8-27 0,40 26-180,-26-28-449,21 28-2340,11-30 991,-11 15 1507,13-2 1,-16-4 0,0 11 0</inkml:trace>
+  <inkml:trace contextRef="#ctx0" brushRef="#br0" timeOffset="64287">24092 9426 10771,'-22'-9'989,"4"-2"-719,5 5-180,4-1 900,3 2-990,23 3-90,26 32 180,5-10-90,-7 10 0,-1 4 0,6 1-585,-8-1 0,1 1 585,6 11-45,-18-16 1,-1 2-136,-3 2 0,-4 0-180,6 18-720,-11-7 1,-3 1-360,-4 8 1439,-3-8 0,-6 0 0,-24 10 0,10-20 0,0-1 0</inkml:trace>
+  <inkml:trace contextRef="#ctx0" brushRef="#br0" timeOffset="67788">25322 9153 9332,'-17'-4'1079,"4"-1"-809,13 3-180,0-3 90,0 1-180,0-2 90,-10 1-90,8-1 0,-15 2 0,10 1 180,-6 1-180,0 1 179,-11 1-179,2 18 90,-26 8-180,15 10 90,4-10 0,-1-1-953,-4 7 953,-7 11-368,15-6 368,13-9 0,2 15 0,30-22 89,17 15-178,10-18 89,-5-5 0,1-1 89,14 1-89,-17-7 0,1 0 0,1-2 0,-3 0 0,20 1-1477,-13-1 0,-3 0 1657,0-1 90,5 2-270,-26-3 90,-6 2 523,-7 0-703,-5 0 451,-3 2-361,-20 0-90,-13 9-270,-12-3-315,9 0 1,-1 0-495,-12 2 1618,15-6 1,1 0-2249,-13 1 1799,1-4 0,3-2 0,1-2 0</inkml:trace>
+  <inkml:trace contextRef="#ctx0" brushRef="#br0" timeOffset="68036">25057 9033 10411,'21'12'2159,"2"9"-2069,3 11-180,11 6 180,-12 16-90,11-7-1126,-13-2 0,-2 3 856,5 12-600,-10-15 1,2 7 0,-3-5 194,-3-8 0,-1 1 675,1 10 0,2 7 0,-3-6 0,-3-12 0,-2-1 0,2 12 0,-1 1 0</inkml:trace>
+  <inkml:trace contextRef="#ctx0" brushRef="#br0" timeOffset="69272">25978 9409 10951,'-16'-14'1079,"12"2"-989,-12 2-90,16 2 0,0 2 180,0 1-180,0 22 0,0 10 0,17 14 0,-12 4 0,26 10 0,-16-10 0,-1-8 0,-1-2 0,1 5 0,4 7 0,-16-21 0,5-4 0,0-4 0,-5-6-450,4-3 360,-6-21 90,-16-9 0,12-13 0,-12-2 90,16 2-180,0 1 180,0-22 0,0 12-90,0-21 90,20 31 270,-15-7-180,32 28 0,-32-4-180,27 15 0,-15-1 0,15 18 0,-8 7-90,5 21-360,-14-7-1169,0-4 0,0-1 539,-2 1 1080,17 24 0,-15-37 0,7 2 0</inkml:trace>
+  <inkml:trace contextRef="#ctx0" brushRef="#br0" timeOffset="69651">26568 9457 10861,'0'-21'1619,"0"4"-1259,0 1-90,0 4-181,-19 5 1,14-1 180,-26 7-270,16 17 0,-11 13 0,11 11 0,-7 3 0,20-8 0,-12 1-90,13-1 90,-4 0-449,5 7 359,0-13-360,20 8 450,-15-22-270,34-3 270,-23-8 0,18-28 0,-12-7 0,-8-30 90,-7 13-740,-7-2 919,0 15-89,0 4-90,0-6-90,0 13 450,0-2-450,0 35 0,16 24-180,-13 8-855,13 15 405,3-21-180,-14 4-318,26-4-131,-28 0-336,21-4-24,-21-3 1619,20-6 0,-20-4 0,8-4 0</inkml:trace>
+  <inkml:trace contextRef="#ctx0" brushRef="#br0" timeOffset="70222">26790 9538 10501,'0'-19'540,"0"2"-1,0 6 181,0 1-720,0 26 0,0 6 0,17 27 0,-13-10 0,27 0 0,-19-2 0,4-10 0,0 11-360,-11-18 360,4-20-90,-6-32 180,-3-6-90,0 3 0,0 0 90,0-1 90,0-24-180,0 30 90,0-6 180,0 20-270,0 2 90,14 8-90,-11 18 0,21-8 0,-22 32 0,18-32 0,-14 39-90,9-26 180,-7 22-270,1-13 90,-1-1-180,0-2-180,5 1 180,-6-7-89,6 2 179,-8-13 180,1-2 0,-3-4 0,-1-14 90,1 11 180,0-41-180,0 25 359,2-39-359,0 28 360,0-27-540,0 38 720,1-18-540,-2 34 0,2-6-90,-2 9-90,4 0 90,6 16 90,-3 9-90,4 5 0,0 2 0,0 13-90,1-8 0,0-2-360,1-2-1169,12 17 360,-8-26-91,6 3-359,-6-14 1709,0-6 0,0-2 0,-1-5 0</inkml:trace>
+  <inkml:trace contextRef="#ctx0" brushRef="#br0" timeOffset="70601">27458 9528 9242,'6'0'1439,"-11"11"-1079,38-8-1,-18 8-179,16-11-180,-8 0 0,-4 0 0,-8-13 0,-5-3 0,-6-15 90,-17 0-90,12 6 270,-46-11-180,26 19 180,-28-4-270,22 16 90,15 25-180,5 9 180,11 13-180,9-5 0,0 0-540,-4 6-719,18-4 0,5-1-270,-4-6 1619,30 7 0,-18-20 0,1-2 0</inkml:trace>
+  <inkml:trace contextRef="#ctx0" brushRef="#br0" timeOffset="71234">28017 9151 11850,'0'-5'1439,"0"1"-1169,0 0-180,0 1 0,0-2-180,0 21 90,0 12 90,0 13-135,0-6 0,0 2 135,0 15-393,0-16 0,0 0 303,0 16-90,0-1 90,0-5-90,0 10 0,0-19 0,12 10-180,-10-28-269,10-2 449,-5-13 180,-5-26-90,8-10-45,-9 0 0,-1-2 45,4-22-525,-4-6 525,0 16 0,0-3 180,0 1 45,0 11 0,0-1-45,0-15-90,0 9 0,0 2-90,0 2 449,0-13-89,0 37-360,0 22 0,17 25 0,-12 14 0,10-11 0,3 0-90,2 13-315,-4-6 1,1 0-653,2 7 247,6 13-1168,-15-7 1168,2-17-899,-1 15 630,-10-28 1369,3 0 1,-4-14 0,0-2-1</inkml:trace>
+  <inkml:trace contextRef="#ctx0" brushRef="#br0" timeOffset="71353">28087 9608 10771,'-26'-31'1079,"5"4"-1798,12 8-1530,26 6 900,7 2 1349,2 5 0,19-1 0,-11 2 0</inkml:trace>
+  <inkml:trace contextRef="#ctx0" brushRef="#br0" timeOffset="71672">28407 9380 11311,'-20'-4'719,"5"1"-719,15 0 270,0 2-270,0 15 0,15 1-90,-11 21 90,29-8 90,-28 2-180,22-8 90,-24 0 0,6-3 90,1 0-90,-8-5 270,8-1-270,-10-27 0,0-7 0,-16-33 0,12 12-360,-13-20-180,17 28-1079,0-18 630,0 26 989,0-12 0,0 22 0,0-4 0</inkml:trace>
+  <inkml:trace contextRef="#ctx0" brushRef="#br0" timeOffset="71972">28632 9271 11131,'0'10'180,"0"-1"-270,0 0 180,0 2-1,0 2-89,0 3 0,0 2-89,0 5 178,13 13-178,-10-8 89,22 21 89,-22-24 1,8 12 360,-6-21-90,-4 2-360,4-30-180,-5-26-180,0-4-315,0 3 1,0-1-315,0-2 989,0-2 0,0-1 0,0 2 0,0-21 0</inkml:trace>
+  <inkml:trace contextRef="#ctx0" brushRef="#br0" timeOffset="72472">29158 8891 11400,'-14'-20'270,"2"2"-180,1 0 0,-2-4-180,0 8 90,-16-3-90,17 12 90,-19 1-90,11 4 0,-3 18-89,1-14-451,-7 31 270,9-11-270,-9 16 271,20-7 179,0 4 180,9-18-90,20 13 180,-15-15-180,32 6 90,-16 0 90,0-4-90,12 16 90,-15-12 180,11 19-180,-13-15-1,0 9 1,-15-8 0,5 0-90,-6 0 90,0 10-90,0-8 90,-19 18-90,14-22 0,-28 15 0,29-21 0,-10 3 90,14-6-90,0-7 0,0 4 0,0-8-539,21-1-91,8-2 630,9-3 0,4 0 0,16 0 0,-19 0 0,1 0 0</inkml:trace>
+  <inkml:trace contextRef="#ctx0" brushRef="#br0" timeOffset="75388">29755 9032 14279,'-31'-13'0,"3"2"0,2 28 0,2 3-90,6 21 90,6-7 90,8 2-180,4-7 180,0 1-90,0-1 0,0 1 0,14-2-90,-10 0 90,11-2 90,-1-1-180,1 3 0,2-8 180,7 1-90,-13-10 0,12-4-90,-6-4 90,1-2 90,0-1-90,1 0 0,1-17 90,-1 12-90,0-31-90,4 8 90,-7-9 0,3-18-90,-13 22-90,-1-12-450,-5 2-89,-17 12-1620,-7-14 810,1 25 1529,-35-2 0,33 17 0,-33 1 0</inkml:trace>
+  <inkml:trace contextRef="#ctx0" brushRef="#br0" timeOffset="75951">29965 8747 12390,'35'-1'90,"-16"14"-90,16-10 0,-9 20 0,8-8 90,0-3-180,-11 14 90,-2-17 0,-1 13 0,-3-7 0,-2 1 90,-1 1 0,-3 10-90,-1-5-90,-4 21 90,-2-17 90,-3 21-90,-1-19-90,0 8 90,0-12 0,0-1-90,0 0 90,0 10 0,17-8 0,1 17 0,2-17 0,4 1 0,-1 0 90,-7 1-90,9-4 0,0-1 0,-7-3 629,6 4-539,-14-11-90,-2 0 0,-6-4-90,-2 0 90,0 1-989,-45 9-450,14 1-765,-18-2 0,-4 0 1873,-8 8 1,16-9 0,0-1 0,11-5-1,0 1 1</inkml:trace>
+  <inkml:trace contextRef="#ctx0" brushRef="#br0" timeOffset="77772">8358 2288 12570,'42'0'360,"2"0"-270,-4 12-180,-2-9 90,-9 10 90,3-1-270,1-9-270,0 18-1169,9-7 270,-11-2-1,6 11-269,-13-14 1619,-3 9 0,0-6 0,-3-1 0</inkml:trace>
+  <inkml:trace contextRef="#ctx0" brushRef="#br0" timeOffset="77934">8788 2255 10051,'-38'-4'1260,"7"0"-1260,1 19 89,5-11-178,-1 33-1,-3-15-810,-1 24 900,7-12 0,1 0 0,5-5 0,0 0 0,-5 11 0,1 0 0</inkml:trace>
+  <inkml:trace contextRef="#ctx0" brushRef="#br0" timeOffset="89935">9677 2065 7443,'-5'0'-270,"1"0"90,2 0-90,0 0-180,-1 0 450,0 0 0,1 0 0,1 0 0</inkml:trace>
+  <inkml:trace contextRef="#ctx0" brushRef="#br0" timeOffset="91103">9475 1727 6903,'15'0'0,"-3"0"0</inkml:trace>
+  <inkml:trace contextRef="#ctx0" brushRef="#br0" timeOffset="92717">9597 1625 8432,'9'15'360,"-7"10"-360,17-22 0,-16 19 90,16-13 0,-12 7 0,8 1-90,-4 0 0,2 1 0,-2 3 0,2 0 0,0 2 0,-1 1 0,9 12 0,-7-10 0,13 19 0,-12-19 0,9 18 180,-8-19-180,10 27 180,-12-26-180,11 25 90,-15-27 179,8 20-359,-9-20 270,7 20-90,-7-19 0,9 32-90,-9-27 180,6 33-90,-9-33-90,1 13-90,-5-15 90,0 2 90,0-1 0,0 2-180,0 0 270,-2 1-90,0 13-90,0-10 0,0 1 0,0 0 0,0 2 0,0 21 0,0-28 90,0-2-90,0 3 0,-12-3 180,9 3-90,-10 10-90,5-8 90,6 18-90,-6-21 0,1 8 0,5-12 0,-9 1 0,8 0 0,-7 15 90,3-10-90,-5 27 0,3-22 0,-3 12 0,-3 4 0,3-14 0,1-4 0,-1 0 0,-3 4 45,1-5 0,1 0-45,-5 6 45,2-5 0,0-1-45,-4 6 134,1-3 1,0 0-1356,-4 5 1176,7-13 0,-1 2 90,0 1 0,-1-1-45,-11 20-1494,3-6 1,-1 0 1493,-7 10 0,3-7 0,-1-1-585,12-18 0,1-2 585,-8 10 0,1-1-585,-11 13 585,-1 0 437,2-1-347,10-17 0,0 0-90,-13 17 45,7-11 0,1-1 1740,-5 7-1785,13-16 0,1-1 90,-10 11-180,1 1 180,0-1-135,7-10 0,0-1 135,-11 15-696,5-8 0,0 0 785,-3 4-269,-8 10 839,14-17-749,3-2 0,1-2 0,3-1 0,-1-2 0,5-1 0,-7 6 0,10-9 0,-7 11 0,9-15 52,0 5-52,3-9 437,1 0-437,0 0 3321,0 0-3321,0-2 215,2 0-215,-1 4 0,1-3 0,-1 5 0,1-6 0,2 2 0,-3-2 0,3-2 0,-4 1 0,5-2 90,-2 2-180,2-4 90,0 4 0,0-7 0,1 3 0,-2-3 0,2 0 0,-2 0 0,2-2 0,0 0 0</inkml:trace>
+  <inkml:trace contextRef="#ctx0" brushRef="#br0" timeOffset="94109">13633 2005 12300,'-37'8'0,"-4"-7"0,3 17 0,-4-10 0,6 8-45,2-4 0,-2 0-1546,-22 8 1591,17-6 0,-2 2 45,-7 2 0,-1 0-45,11-3 0,-2 1 0,-6 2 0,-6 2 0,4-2-399,2 0 0,-1 1 399,-6 2 0,-6 4 0,5-3 45,3 0 0,-2 1-68,2 1 1,-7 4-1,-1 0 1,7-3 22,13-5 0,3-2 0,-4 1 0,-11 8 0,-7 3 0,0 0 0,9-4 0,-2 1 0,2-1 0,-4 3 0,-4 2 0,4-2 0,7-5 0,1 0 0,-4 2 0,-3 2 0,4-3 0,6-4 0,1 0 0,-11 5 0,0 1-45,4-4 0,3 0 90,13-6 0,-2 1-90,-19 7 0,1 0 45,-3 2 0,15-8 0,1-2 49,2 1-139,-8 2 180,21-8-180,7-4 180,-2 1-90,11-6 688,-2 2-778,4-2 1214,-4 2-1214,1-1 888,-7 3-978,3-3-899,-7 3-1,11-5 1080,-6-1 0,11-1 0,0 0 0</inkml:trace>
+  <inkml:trace contextRef="#ctx0" brushRef="#br0" timeOffset="94534">11125 2781 9422,'-24'-5'1349,"5"1"-1079,8 2-270,0 0 90,-2 16 90,-3-11-91,6 20 91,-18-6-180,4 7 0,-25 21 90,14-13-90,-7 9 0,-2 2-186,20-19 0,0 0 141,-21 24 0,1 0 45,6 0 0,9-11 0,1-2 180,2 2-90,-7 18-90,23-33 0,24 10 0,8-23-45,12-1 0,4-2 45,15-1-270,1-2 0,2 0 0,-22-2 0,1 0-225,11-1 1,2 1-1035,-4 1 0,-1 1 1529,21 3 0,-25 0 0,-1 1 0,10 6 0</inkml:trace>
+  <inkml:trace contextRef="#ctx0" brushRef="#br0" timeOffset="96351">13050 13795 8612,'8'-1'2519,"-9"13"-2339,27-9-1,-22 24 91,28-6-270,-20 8 180,27 15 0,-19-15-90,-3 0 0,0 1 0,3 6 0,4 15 0,-1-1 0,-6-10-90,-3-6 0,-1 1 90,1 7-45,-1-6 0,-1 1-45,0 9-870,4 13 870,-6-16 90,-1 2 0,-1-1-448,-1 3 358,-1-1 90,0 3-45,-2-11 0,0 0-45,2 21 0,-3-3 0,0 0-439,-2-22 1,0 0 483,0 13 0,0-1-45,-1-11 0,0-2 0,0 1 0,0 0 45,0 0 0,0 1-45,1 15 0,-2 0 0,-8-12 0,0 2 44,8 24 1,-3 0-45,-11-26 0,-2 0 0,8 25 0,2 0 0,-6-25 0,-1-2 0,2 12 0,1 0 0,0-15 0,0-1 45,0 1 0,0-1 0,-2 0 0,-1 1-45,-5 12 0,-2 1 0,5-12 0,-1 2 0,-12 20 0,-1 1 0,13-25 0,-1-1 45,-12 20 0,0-2-135,-3 5 90,13-20 0,-1-1 0,-16 21 0,13-13-245,-12 13 155,19-26 180,-2 4 627,6-15-807,3 1 165,-11 9-255,8-9-359,-11 17 89,11-18-463,-5 13-526,8-15 402,1 5 1037,3-10 0,3-3 0,0-2 0</inkml:trace>
+  <inkml:trace contextRef="#ctx0" brushRef="#br0" timeOffset="99063">13635 1436 7982,'-19'10'90,"-8"-7"-90,14 16-90,-8-2 180,-5 17-90,7-3 0,-7 5-90,8-9 90,-3 4 90,2-1-90,-2 4 0,1 2 0,-1 0 0,5-7 0,0 1-90,-8 15-1561,2-2 0,0-1 1651,-6 9 0,11-16 0,0-1-250,-7 14 250,3-1 0,1 1 90,1-2-180,3 2 180,3 1-90,4-10 0,0 0 0,0 22-784,0-6 1,1 0 783,4-20 0,2-2 0,-4 12 0,2 0 2025,-2 18-2115,0 0 180,-2 2-90,3-19 0,-1 1 0,1-11 0,0 1-516,-1 11 1,0-1 515,1-13 0,0-1 45,1 0 0,-1 1-90,0 13 0,1-1 90,0-9 0,1 0-45,-1 9 0,1 1 0,1 0 0,1-2 0,1-11 0,-1 2 45,1 24 0,0 0-90,0-24 0,0 0 0,0 28 0,0 0 90,0-25 0,0 0-45,0 13 0,0-1 45,0-14 0,0-2-90,0 2 0,0-1 45,0 0 0,0 1 45,0 17 0,0 2 0,0-16 0,0 3 15,0 3 0,0 6 0,0-6-211,0-3 0,0 0 151,0 4 0,0 5 0,0-5 45,0-3 0,0-1-90,0 12 0,0 1 90,0 0 0,0-3 0,0-12 0,0 1-15,0 2 0,0 5 0,0-5 441,0-3 1,0-2-427,0 12 0,0 0-90,0-16 0,0-1 45,0 1 0,0 1 45,-1-1 0,2 0-45,4 1 0,1 0 45,-4 0 0,-1 0 0,4 0 0,1 1-45,-1 16 0,-1 1 44,-3-13 1,0 1-45,4 4 0,1 3 0,0-3 0,-1-4 0,-1-1 45,2 13 0,1-1-45,-1-15 0,0-2 45,-2-1 0,1 1-90,-1 0 0,1-1 90,0 0 0,0-1-90,0 0 0,-1 1 45,1-2 0,-1 1 45,2 14 0,0-1-45,-2-11 0,0 1 0,2 24 0,1 0 0,-4-24 0,0-1 45,1 11 0,1 0 135,-2-13 0,0-1 0,-1 0 0,1 1-121,0 0 1,-1 2 75,0 20 0,-2 3-135,2-15 0,-1 3-28,0 6 1,0 6-1,-3-5 73,-8-5 0,0 1-75,8 3 0,2 6 0,-2-6 75,-8-5 0,0-3-90,9 11 0,2 2 180,-1-3 0,0-2-135,0-12 0,0 1 30,0 6 0,0 4 0,0-3-102,0-3 1,0 0 71,0 4 0,0 5 0,0-4 45,0-7 0,0 1 15,0 11 0,0 6 0,0-6-60,0-10 0,0 0-30,5 9 0,2 6 0,-2-7 75,-3-12 0,1 0-45,1 4 0,3 4 0,-1-4 0,0-7 0,0-1 45,0 25 0,0-1-135,8 1 135,-5-23 0,0 0-90,-3-5 0,-1-1 135,11 23-90,-7-9 0,-2 0 0,2 10 0,-2-10 0,-1 1 0,0 6 0,1-2 0,1 0 0,-1 2 45,2-7 0,0-1-135,0-1 135,0-10 0,-1 0-135,2 8 90,3 9 0,-4-17 0,0 0 798,0-2-798,6 16 0,-4-12 0,-2-5 0,0 1 0,-1 9 0,-2-4 0,-1 2-40,-1 12 40,-3-18 0,0 1 0,1 17 0,-2-1 0,1 2 0,-1-18 0,1 1 0,1 19 45,1-11 0,0-1-135,1 5 90,4 12 90,-3-23-180,2-3 1759,-1-1-1669,5 8 90,-3-11 739,9 17-829,-9-21-90,10 20 180,-10-18-90,7 11 90,-1 3-180,-3-8 90,7 27 0,-8-24 0,-2-5 0,-2 0 0,3 5 0,-3 2 0,-2 0 0,0 1 0,0-2 0,-2 0 90,0-3-90,3 25-90,-3-26 90,4 22 90,-4-23-90,2 7-90,-1 3 90,0-11 90,-1 24-90,-1-25 0,-1 22 0,0-27 0,0 9 0,0-15 424,0-2-334,0-1-90,0 3 0,0-4 0,0 10 0,0-12 0,0 11 90,1-11-90,-1 5 0,0-7 0,0 0 0,0-1 0,0 6 0,0-5 0,0 11 0,0-10 0,0 4 0,0-5 0,-12 0 0,10-1 90,-10 5-180,12-5 90,-7 6 0,5-8 0,-9 3 0,10-5 0,-6 1 0,4 0 90,-6 3-180,3-1 90,-5 4 0,6-5 0,-4 0 0,4-2 0,0-3 0,1 2 90,0-1-180,1-2 90,-2 2 0,3-5 0,-2 4 90,1-3-90,-1 1 0,-1 0 0,0 1-90,-6-1 180,4-1 0,-9 0-90,7-1 0,-9 0-90,10-1-180,-3 0 270,7 0 0,1 0 0,1 0 0</inkml:trace>
+  <inkml:trace contextRef="#ctx0" brushRef="#br0" timeOffset="99535">13422 13808 8972,'-3'-4'899,"1"14"-539,16-8-90,-11 25-180,11-9 90,-4 8-90,-8-1 0,8-4 0,-10 0 180,0 12-270,0-8 179,0 26-89,-16-27-90,13 18 0,-13-25 0,6 7 0,7-13 0,-7 4 0,10-8 0,0 5 90,0-6-180,23 5 90,5-7 0,27 2 0,-14-3-629,13 4 89,-23-1-90,6 3-1528,-4 7 302,-9-3 1856,5 9 0,-9-5 0,0 2 0</inkml:trace>
+  <inkml:trace contextRef="#ctx0" brushRef="#br0" timeOffset="117269">14903 11449 11850,'-6'-7'900,"0"1"-540,1 1 809,2 1-1169,2 20 0,1 6 0,0 11-3392,17 22 3392,-13-14 0,15 5 0,3 4 45,-12-9 0,-2-1-90,6 2 0,0-2 45,-3-3 0,-4-5 0,-5-9 90,5 1-180,-7-11-540,3-7 540,-2-16 3482,3-18-3437,-4-8 0,0-5 45,0-1 0,0 0-1696,0-2 0,0 1 1696,0 7 0,0 2-700,0-22 700,0 18 0,16-4 0,-12 24 0,13 5 0,-2 7 0,2 2 0,2 20 0,15 13 0,-22 10 90,17 8-90,-14-6 3000,-4 2-3000,0 0 90,-3 0-90,-2-5 912,-1-3-912,-1 4 0,-1-14-270,1 3 1,-2-20 269,0-20 90,0-19-180,-1-28 90,1 6 0,2 7 0,0 2 0,0 0-646,6-21 646,-2 40 90,1 5 0,8 1-90,-4 11 90,14-1-90,-10 9 0,24 23 0,-19 7-90,1-2 0,0 2-360,-2 16-675,-3-13 1,0-1-495,3 6-902,6 10 2521,-9-17 0,2-4 0,-1 0 0</inkml:trace>
+  <inkml:trace contextRef="#ctx0" brushRef="#br0" timeOffset="117584">15830 11506 10681,'0'-17'1259,"-21"3"-1259,16 4 0,-16 4 90,8 4 0,-1 18-90,-2 10 0,6 12 0,3 3-380,6 10 380,-5-13 0,5-2 0,21 3 0,-15-10 0,30 2-89,-18-10 89,12-8 89,-3-2-178,-13-29 468,-3-22-739,-28-14-89,0 4-2790,-18 7 3239,7 18 0,12-1 0,5 8 0</inkml:trace>
+  <inkml:trace contextRef="#ctx0" brushRef="#br0" timeOffset="117901">15985 11435 10951,'0'-5'989,"0"20"-899,0 26-90,19 2-666,-14 12 666,31-22 90,-32 1-90,29-2-90,-15 8 90,10-10 0,-7 1 188,-4-8-188,-6-11-354,3 0 84,-9-9-539,2-25 179,-5 16-269,1-60 449,-3 37-495,0-19 1,0-3 210,0 7 807,0-21 0,0 41 0,0 4 0</inkml:trace>
+  <inkml:trace contextRef="#ctx0" brushRef="#br0" timeOffset="118217">16277 11607 8072,'18'20'180,"10"-1"0,-19-2 0,18 1-180,-10-7 0,12 1 0,-10-9 90,17-1 0,-12-19-90,7 13 180,1-31-90,-8 7 90,10-24 0,-19 6 449,2-16-359,-13 25 270,-2-11 89,-2 9-359,-22 11-180,17-5 90,-37 21 0,25 2-90,-16 31-180,18 10 180,4 13-90,11 21-90,0-21-2731,14-6 1,0 1 1111,-6 4 1709,19-14 0,5-2 0,-4 5 0,28-1 0</inkml:trace>
+  <inkml:trace contextRef="#ctx0" brushRef="#br0" timeOffset="118536">17205 11698 11580,'-24'6'540,"2"-1"360,3-1-990,28-4-1440,32 2-718,9-2 1539,-2-6 0,2 1 1,10 2-1,-19-3 1,0 1-1</inkml:trace>
+  <inkml:trace contextRef="#ctx0" brushRef="#br0" timeOffset="119172">18078 11445 11041,'-19'-11'1169,"3"3"-1079,16 0 0,0 3 0,0 1 0,0 22-180,0 7 180,0 25-180,20-9 90,-15-1 0,32-14-90,-33-1-450,39-4 180,-27 1-269,30-12 449,-25 0 270,12-10-90,-16-18-90,2 14 90,-7-37 0,-4 21 90,-3-21 0,-1-9 360,-4 12-1,0-24-269,0 31-180,0-9 90,0 22-90,-12 5-90,10 31-90,-10 13-989,12 32 0,17-12-578,-12 4 128,27-18 1619,-29-2 0,28-2 0,-9-1 0</inkml:trace>
+  <inkml:trace contextRef="#ctx0" brushRef="#br0" timeOffset="119589">18607 11491 10771,'-14'-7'360,"11"19"-360,-10 17 0,13 9 180,0 7-180,16-6 89,-12 0-496,27 3 407,-27-3 0,28 2 134,-27-4-134,30 12-90,-17-14 180,12 15 0,-13-28-22,-2 3-248,-13-15 180,-16-21-90,-8-14 0,-3-13 45,-4-9 0,2-3-45,8-9-942,3 17 0,-2-5 0,2 5 987,3 8 0,2 1 45,1-22 0,2 2 0,-7-4 90,11 18 0,2 2 0,2 4 179,19-2-359,1 45 180,15 30-180,-17 11 90,-7 14-1349,-11-5-90,0-16 1439,0-10 0,0-1 0,0 0 0,0 7 0</inkml:trace>
+  <inkml:trace contextRef="#ctx0" brushRef="#br0" timeOffset="119951">19007 11565 9781,'0'-41'180,"0"6"-90,16-4 0,-12 5-90,12-3 90,-3-3-511,-10-2 690,10-1-563,-3-2 564,-7 0 306,7 1-36,-10-15-270,0 17 269,-16-17-449,12 31 0,-13 2 90,1 16 23,12 29-203,-23 32 0,25 5-135,-6 1 0,5-1-314,20-2-181,-6-3 0,1-2 27,10-9-611,5-10 0,1-2-315,-5-3 1529,31 3 0,-22-17 0,-1-3 0</inkml:trace>
+  <inkml:trace contextRef="#ctx0" brushRef="#br0" timeOffset="120256">19470 11291 10681,'-19'-8'1349,"-2"-3"-1439,-17 10 180,8-3-90,12 22 0,-2-14 0,17 29-90,-6-18 180,9 16-90,0-3 0,0 3 90,0 0-180,18 15 0,-13-14 0,33 17 0,-12-28-90,-1 3 90,26-14 90,-35-6 0,24-2 0,-20-20 0,-3-5 0,-5-23-90,-5-3 90,-7 10 90,-22-8-269,0 26-2160,-18-11 2339,8 18 0,15 1 0,6 9 0</inkml:trace>
+  <inkml:trace contextRef="#ctx0" brushRef="#br0" timeOffset="120667">19973 11287 9961,'-20'-5'1080,"-13"4"-721,8-4-359,-19 5 0,7 16 0,1-11 0,13 29 0,1-30 0,5 34 90,6-23-180,-3 31 90,12-19 0,-5 9 0,7-14-359,20-2-181,-15-3-539,35-4 809,-10-7 0,22-2 360,-9-18-90,6-6 90,-23 2 180,4-20 629,-14 11-269,-8-12 179,-2-5-359,-6 19-270,0-9-180,-17 22 0,12-2-90,-12 31-270,17 17-539,0 5-2160,18 23 3059,-13-31 0,32 8 0,-13-16 0</inkml:trace>
+  <inkml:trace contextRef="#ctx0" brushRef="#br0" timeOffset="121106">20448 11371 8072,'0'-21'360,"0"1"-180,0-1 180,0 0 0,0-2-180,-11-1 179,8-1 181,-20-12-270,8 9 180,-16-19-181,7 22-269,-1-5 180,8 14-90,0 2-90,2 5 0,0 2 0,1 4 180,1 2-90,-5 23-90,7-17 45,2 25 0,3 5-45,0-5-45,3 14 0,1 3 45,0 3 45,1-17 0,2 1-225,22 28-270,1-17-225,-1-14 1,2-1 45,10-3-271,14-2 540,-20-18-1169,17-5 1529,-22-19 0,4 13 0,-12-13 0</inkml:trace>
+  <inkml:trace contextRef="#ctx0" brushRef="#br0" timeOffset="121806">20410 11237 10411,'-12'-17'1259,"9"5"-1169,-18-5 0,9 8-90,-11 2 90,4 4 90,-1 3-90,2 0 0,0 21-180,-2-16 90,2 35 0,-1-23 0,6 18 180,1 6-180,7-8-90,1 20 180,4-24-180,49 14 90,-23-29 0,13-4 0,2-3 0,-6-7 0,21-23 0,-24-3 0,-9-1 0,-2-1 0,0-15 45,-9 5 0,-2-1-135,-3-4 90,-5 1 0,-1 0 0,-1-2-1606,-9 5 0,-5 1 1786,-12-6 90,-2-15-408,-18 23 408,27 1-91,-21 5-89,14 5-346,4 4 166,1 8 450,2 3-360,9 22 3062,2 15-2972,8 11-90,19 11 0,-15-7 0,13-7 0,4 1 225,7 21-495,-4-7 0,2 0 45,-5-21 1,0 0-541,5 18 0,-1-1-329,4 4 1094,-4-7 0,0-1 0,-2-7 0,10 14 0</inkml:trace>
+  <inkml:trace contextRef="#ctx0" brushRef="#br0" timeOffset="122117">20692 11469 11041,'39'-15'90,"-2"12"-90,-8-26 0,-3 25 0,-6-25 0,0 18 90,3-24-180,-7 14 180,1-20 0,-11 16 359,-3-20-269,-20 19 180,12-7-270,-33 11-90,32 6 0,-35 2 90,18 5-90,-13 5 0,15 19 90,10 13-90,11 9-360,0 5-719,0-9-3239,27 21 4318,11-14 0,-11-12 0,2-2 0,0-8 0,-1-1 0</inkml:trace>
+  <inkml:trace contextRef="#ctx0" brushRef="#br0" timeOffset="122901">21435 11252 11131,'-14'-23'989,"-2"6"-899,-15-6-90,7 16 450,-8-3-360,8 10-90,-8 20 0,-5 8 0,9 11 0,7-12 0,2 0 90,0 5-180,2 20 90,12-27 0,4 4 0,22-12-90,0-9 180,20 0-180,-1-27 90,-19-6 45,2 0 0,-3-2-135,-14-17-707,27-5 797,-31 12-90,7-1 180,-9 1 0,0-20 90,0 15-1550,-9 8 1,0 2 1459,4-2 0,-12-3-90,17 16 180,-14 9 773,11 2-953,-10 22 90,13 18-180,17 12-90,-5-4 0,0 2-980,11 18 710,-3-17 1,0-1 583,-1 20-1259,-1-30 1,2 0 1124,12 27 0,1-3 0,2-2 0</inkml:trace>
+  <inkml:trace contextRef="#ctx0" brushRef="#br0" timeOffset="123240">21977 11462 12570,'-9'-7'0,"2"2"0,0-2 0,4 1 0,0 0 0,3 0-630,23-4-719,-17 5-540,38-1-450,-26 1 2339,20 2 0,-6-2 0,1 2 0</inkml:trace>
+  <inkml:trace contextRef="#ctx0" brushRef="#br0" timeOffset="123584">22432 11513 11490,'0'-38'0,"0"7"90,0-4-180,0 6 90,20 0 0,-15-3 0,15-1 0,-6 1 0,-11-1 90,11 2-180,-14 1 270,0-11 0,0 12 90,0-13-180,-16 22 90,12-4-90,-12 16 0,2 0-90,10 24 0,-10 10 0,14 12 0,0 6-180,0 17-270,0-12-777,8-3 0,1 1 147,-5 8-359,18 3 0,-1-1 1439,-14 2 0,6-15 0,0-2 0,-13-1 0</inkml:trace>
+  <inkml:trace contextRef="#ctx0" brushRef="#br0" timeOffset="123888">22448 11877 11400,'-12'-14'540,"3"-8"-540,9-8 0,23-5-90,-17 6-360,43-2-89,-27-2-361,24-2 225,-19 10 1,-1-2-46,17-12 270,-8 5 1,-1-1-1119,6-5 1298,-16 15 1,-1 0 328,13-20 750,-13 13 630,2-16-899,-18 22 724,-3-13-814,-4 19 89,-21-6 1,1 9-450,-5 5 737,-2-1-827,13 10 317,-10 16-137,11 10-360,5 10-629,8 12-271,0-14-269,0 9 1349,19-6 0,0-11 0,17 4 0</inkml:trace>
+  <inkml:trace contextRef="#ctx0" brushRef="#br0" timeOffset="124051">22873 10894 10591,'-14'-17'-270,"-6"2"360,17 6-90,-6 3 0,9 3 0,0 22 0,0 5 0</inkml:trace>
+  <inkml:trace contextRef="#ctx0" brushRef="#br0" timeOffset="124374">23207 11364 11041,'1'10'539,"-1"-2"-539,0-24-90,0-25 180,0-4-90,8 5 0,1 0 0,-5-5-45,9 4 0,0-1 135,-10-8-90,2 6 0,0 1 90,-5-9 360,-8 2 0,-4 1-360,-9 2 45,10 8 0,-3 4-45,-17 13 359,27 1-449,-11 33 0,15 17 90,0 14-180,8-6 0,1 2-449,-4 15-1922,10-6 1,3 1 1020,6 9 720,-9-20 1,1-3-1856,18 9 2575,-9-3 0,0-6 0,1-1 0</inkml:trace>
+  <inkml:trace contextRef="#ctx0" brushRef="#br0" timeOffset="124684">23550 11288 12390,'39'0'0,"-9"-14"-180,3 10-180,1-25 180,-6 25 0,4-25 1,-6 13 179,-12-8-90,0-6 180,-11 10 89,-28-13 181,19 14-180,-45-5 0,29 13-90,-22 3 270,12 5 0,-10 1-270,23 24-1,-18 10-178,34 12 178,-11 19-358,34-22-1847,-16 11 137,47-15-719,-23-3 2698,32-5 0,-7-5 0,3-6 0</inkml:trace>
+  <inkml:trace contextRef="#ctx0" brushRef="#br0" timeOffset="127301">24525 10614 9961,'-19'-3'1439,"5"-1"-1169,14 2 90,0 0-180,0 0 90,0 0 629,-9 1-899,2 1 90,-6 0-90,4 11 0,1-8 0,-4 27 0,0-14 0,-6 19 0,-10 21 0,3-7-879,9-14 1,1 2 878,-8 19 90,3 3-90,3-1 0,10-16 0,1 0-180,-1 20 0,3-11 0,5-2-629,22 4-631,-6-12 1,4-2-630,32-1 1796,-23-15 1,1-3 0,23-3 0,3-4 0</inkml:trace>
+  <inkml:trace contextRef="#ctx0" brushRef="#br0" timeOffset="130018">20512 12605 9871,'0'-17'1799,"0"-1"-1259,0 3-360,0 0 90,0 1 0,0 1-90,0 2-180,-14 2 0,10 4 0,-10 1 0,-1 2 0,-4 1 0,-16 1 0,-8 32 0,14-24-90,-3 51 90,21-42 0,4 32 0,5-22-90,21 19 90,-14-19 90,29 9-90,-30-13-90,27-1 90,-26-2 90,29 4-180,-17-6 180,11 5-90,-13-11 0,-7 1 0,-8-4 0,0 1 0,0-1-180,0 1 0,-17-1-180,12 0-180,-29 0-179,30-2-1350,-33 0 989,13-4-179,-10-2 1259,5-1 0,9-16 0,0-4 0</inkml:trace>
+  <inkml:trace contextRef="#ctx0" brushRef="#br0" timeOffset="130238">20192 12387 9961,'15'-10'2699,"-2"1"-2699,-6 25 0,6 25 0,3 6 45,-3-6 0,-1 1-135,3 9-2036,0-4 0,0 0 2036,3 11-180,-5-19 1,-1-1 68,7 18-969,-1 1-449,1 1-180,1-1 1591,-1-2 0,1-3 0,-1 0 1</inkml:trace>
+  <inkml:trace contextRef="#ctx0" brushRef="#br0" timeOffset="130684">20862 12533 10771,'-16'14'1619,"3"7"-1619,13 27 0,0-5 90,0 7-180,18 10 90,-13-15-2801,11-7 1,3 0 1541,0 7 180,2 9 537,7-19-988,-16-4 1530,11-2 0,-7-5 0,-3-1 0</inkml:trace>
+  <inkml:trace contextRef="#ctx0" brushRef="#br0" timeOffset="130834">20863 12916 9242,'-9'-6'0,"6"-4"0,-6 6-90,9-11 180,0 6-1889,21-6 1799,8 7 0,-1-3 0,-5 3 0</inkml:trace>
+  <inkml:trace contextRef="#ctx0" brushRef="#br0" timeOffset="131424">21335 12787 9602,'-12'27'539,"2"4"-449,10-7-90,0 4 0,20 5 0,-15-7 0,35 18 0,-21-19 0,15 11-360,-18-17 180,3 1-89,-16-10-1,5-1-630,-2-4 810,-4-18 180,5-10-90,-7-25 90,0 5-637,0-3 907,0 12-371,0 2 101,0 4 90,0-3 1169,0 12-1259,13 18-90,6 30 0,-2 6 90,11 24-180,-14-28 796,8 17-616,-9-22 0,-2 2 212,-7-12-302,3-8-90,-3-2 90,-1-6-90,0-21 90,-1 16 0,2-51-90,-1 32 90,1-31 0,3 6 90,-3 13-90,7-15 180,-6 28 179,6-1-179,-3 16-180,4 3 90,0 5-90,1 18-90,1-13 180,11 46-90,-6-29-180,-2 9 1,0 3-811,0 1-404,0-5 0,-1 0 1394,1 4 0,8 7 0,-8-15 0</inkml:trace>
+  <inkml:trace contextRef="#ctx0" brushRef="#br0" timeOffset="131888">22203 12847 10231,'0'42'540,"0"5"-540,0-11 90,0 5-90,15-10 0,-11 4 0,23-2 0,-12 14-90,0-13 90,4 18 0,-17-27 180,13 7-180,-13-19-180,4-2 180,-20-26-180,-4-24 90,-15-5 90,15 4 0,3-1-1444,-4-9 1444,3 16 0,3-2 0,7-1 0,1 0 0,-10-19 0,10 12 0,2 2 89,3-3 451,17-14-270,-13 33 0,29 1-90,-18 17 0,16 22-180,-9 11 90,-9 9 1264,-6 3-1354,-7 4 0,0-7 0,0 8-540,0-14-629,-16-1-360,13-2-360,-13-5 1889,0 0 0,12-7 0,-13-1 0</inkml:trace>
+  <inkml:trace contextRef="#ctx0" brushRef="#br0" timeOffset="132434">22675 12380 10141,'-8'33'1170,"1"5"-1081,7-2-89,0 6 0,0-6 90,0 3-180,0 4 90,0 19 0,0-12 0,0 10 0,0-4-89,0-20-271,0 6 180,0-21-180,0-6-629,0-3 989,0-45-90,0-8 90,6 9 0,1-3 0,-5-6 0,0 1 90,11-13 44,-12 6 1,-2-1 225,1-9 270,0 4 0,0 1-181,0 5-44,0 10 0,0 4-45,0 17-180,15 1-180,-11 33 0,27-13 0,-27 40 0,26-22 0,-20 10 0,-2 3-180,17 10-2011,-10-5 0,-1 1 1112,2 7-180,4 13-69,-10-23-21,-1-3 1349,-2-3 0,-2-3 0,-1-3 0</inkml:trace>
+  <inkml:trace contextRef="#ctx0" brushRef="#br0" timeOffset="132599">22712 12800 9781,'-7'-4'0,"2"-1"0,5-2-1709,17-4 450,4 4 1259,0-5 0,16 1 0,-11-1 0</inkml:trace>
+  <inkml:trace contextRef="#ctx0" brushRef="#br0" timeOffset="132900">23083 12583 9691,'0'34'990,"0"3"-990,0-10-90,0 3 90,0-6 0,18 22 90,-2-16-90,16 23-90,-18-32 180,7 11-90,-12-18 90,1 0-180,1-9 0,-10-23 180,2-10-180,-3-13 90,0-4 0,0 8-360,0-2-180,0 1-179,-12 1-271,10 2-179,-10 5 1169,12 3 0,0 5 0,0 2 0</inkml:trace>
+  <inkml:trace contextRef="#ctx0" brushRef="#br0" timeOffset="133240">23433 12570 9512,'-20'7'90,"4"1"-90,16-1 0,0 3 89,0 1-89,0 4 0,0 2 90,0 14 0,0-5-180,17 20 90,-12-17 0,14-1 0,1-1 90,-14 1 360,21 13-180,-26-26-270,5-2 90,-6-25-90,0-13-90,0-10 90,-14-7 90,10 4-180,-11-3 90,3-22-180,9 16-1444,-9-14 725,12 24-1816,0-9 2715,0 17 0,20-5 0,5 18 0</inkml:trace>
+  <inkml:trace contextRef="#ctx0" brushRef="#br0" timeOffset="134185">24155 12204 11221,'0'-11'1799,"0"-6"-1620,0 5-89,0-5 90,0 5-180,0 0-90,-16 1 90,-3-4 0,-1 7 0,-29-1-90,26 6 45,-13 1 0,-1 4 45,-4 17-1057,-16-14 967,16 28 0,4-29 0,0 25-180,-1-12 90,14 1-90,-3 7 180,21-10-539,18 21 539,-8-11-180,34 17 360,-6-20-180,-3 0 0,1-1 180,20 6-323,-1 10 233,-17-10 0,-2 2 0,-4 1 0,3 15 0,-16-9 90,8 24-180,-20-25 180,4 23-180,-5-26-161,-21 9 251,15-17 0,-29-1 0,31-3 90,-23 2-180,24-8 1245,-20 1-1784,39-11-1620,18 0 450,11-19 1705,16 12 0,-20-25 0,3 12 0</inkml:trace>
+  <inkml:trace contextRef="#ctx0" brushRef="#br0" timeOffset="134609">24698 12249 10951,'-24'-13'360,"1"2"89,-3-1-359,7 5 90,-19 1-270,15 4 0,-21 19 90,20 5 0,-7 0 0,15 19 0,5-24-90,4 20 180,5-11-180,2-2 90,23 0 0,11 8-90,13-9 135,-12-5 0,0 0-135,10 0 90,3 1 0,0-1 0,-1-1 0,-6 0 0,-4-1 0,-11-2 90,0 9-90,-20-10-90,-2 10 180,-29-12-899,-20 11 359,-4-16-315,11 0 1,1-1 44,-1-4-989,-24-19 1709,30-10 0,-7-12 0,17-3 0</inkml:trace>
+  <inkml:trace contextRef="#ctx0" brushRef="#br0" timeOffset="134838">24515 11989 9871,'11'-4'2789,"-8"24"-2609,8 8-90,-11 15 0,0 18-90,0-19 0,0 18 0,0 4 0,21-12-45,-10-8 0,0 0 135,15 7-270,-9-10 0,0 0-730,6 3 280,9 9-90,-2-21-269,-11-2-360,-2-4 1288,9 5 0,-8-9 0,6 3 1</inkml:trace>
+  <inkml:trace contextRef="#ctx0" brushRef="#br0" timeOffset="135067">25115 12458 11760,'7'15'180,"-1"-12"-90,2 25-180,2-5 90,0 6-809,8 15-91,-6-17-3237,16 17 4137,-14-24 0,9 1 0,-12-17 0</inkml:trace>
+  <inkml:trace contextRef="#ctx0" brushRef="#br0" timeOffset="135229">25035 12105 11400,'-8'-11'0,"1"3"-89,2 2 89,2 2 0,20 19 0,4 3 0</inkml:trace>
+  <inkml:trace contextRef="#ctx0" brushRef="#br0" timeOffset="135902">25292 11762 10681,'-8'0'270,"1"0"-360,27 0 180,6 0-180,19 0 90,0 0 180,-7 0-90,3-10-90,18 7 180,-14-8-885,11 11 795,-20 0-90,-5 21 90,-3-16 90,0 44-180,-13-31 180,-2 41-90,-11-23-45,-12-4 0,-1 2-45,6 11 0,-13-16 0,0 1 0,14 29 90,-29-15-135,30-9 0,2-1 45,-16 5 0,17 19 90,0-24-90,20-1 0,6-1 0,-1 2 0,13-3 0,3-1 0,-5 0 0,-5-5 0,0 0 0,5 4 0,-10-4 0,0 1 0,0 1 0,7 25-90,-22-27 180,0 17-90,-11-25 0,-26 3 89,20-8-178,-44-1-1,27-2 90,-24-1-270,7-2 704,-2-3-2322,-24 1 628,13-3 694,9 1 1,0-2 0,-7-15 0,18 6-1,1 0 1</inkml:trace>
+  <inkml:trace contextRef="#ctx0" brushRef="#br0" timeOffset="136470">26495 12565 12300,'12'0'90,"2"0"0,-3 0 90,7 0 90,0 0-90,4 0 359,11 14-449,-6-10 0,15 40-90,-21-22 0,-7 10 0,-3 3-90,-4 5-180,0 17-540,-16-24 1,-1 0-900,6 19 1709,-25-5 0,-5 0 0,2 7 0,-3-18 0,-1 0 0</inkml:trace>
+  <inkml:trace contextRef="#ctx0" brushRef="#br0" timeOffset="147385">15700 12863 10681,'0'27'180,"0"-2"-270,0 3 90,0 2 0,0 6 90,0 6-90,0 5-2557,0 4 2197,13 1-585,-12-13 1,1-1 552,20 19 392,-16-12 0,-2 0 0,7 0 0,-3 12 0</inkml:trace>
+  <inkml:trace contextRef="#ctx0" brushRef="#br0" timeOffset="147967">15462 13184 8072,'0'28'1709,"0"3"-1529,0-3 0,0 2-90,14 0 0,-10 2 90,24 5-502,-24 2 412,26 2 0,-16 1-180,14 0 180,-6-1 0,-1-1-90,1-1 90,7 12-180,-7-13 180,2 5 45,-9-17-135,-5-4 90,1-4 518,-2 0-248,-3-8 629,1-2-629,-5-6 28,1-1-208,1-1-180,2-18 90,3 13-180,2-36 180,3 21-90,-1-10 0,0-4 0,9-10-270,-3 2 0,1-1-587,4-8-672,-5 10 0,0 1-720,3-4 2249,4-10 0,-8 21 0,1 1 0</inkml:trace>
+  <inkml:trace contextRef="#ctx0" brushRef="#br0" timeOffset="184451">20293 14082 12570,'0'-6'2428,"-14"2"-2428,10 18-269,-18 10-271,14 4-180,-1 6-89,-1-11-271,8 3-449,-4 1-1799,4 10 3328,1-11 0,1 6 0,0-14 0</inkml:trace>
+  <inkml:trace contextRef="#ctx0" brushRef="#br0" timeOffset="184617">20472 14163 11131,'-14'10'-90,"11"10"-1889,-21 16-720,21 4 2699,-8-5 0,11 2 0,0 3 0</inkml:trace>
+  <inkml:trace contextRef="#ctx0" brushRef="#br0" timeOffset="185218">21070 14617 11400,'-8'0'810,"0"0"-810,3 0 0,-1 17 90,5 1-90,1 19-90,0-10 270,0 9-270,19-15 0,4 7-90,0-15 0,16-3-90,-21-7 90,17-3 91,-5 0-1,-1 0 90,1-18 0,-1 13 90,7-45-1,-12 29-3031,6-39 3482,-21 30-90,-2-6-180,-7 15-91,0 4-179,0 0-90,0 27-269,0 6-541,0 17 3123,0 0-5551,20 7 3328,1-11 0,13 10 0,-4-15 0</inkml:trace>
+  <inkml:trace contextRef="#ctx0" brushRef="#br0" timeOffset="185634">21878 14635 10681,'-14'20'270,"2"1"-270,12 12 0,0-3 0,0-4 0,0 2 0,20 0 0,-15 0 0,15 0 0,-6-1 0,-10 1 0,11-2-450,-5 4 270,-7-9-989,13 2 989,-14-37 180,4-12 0,-25-19 0,15-6 0,-13 17 0,1-1-150,12-23 240,-7 7 0,0-1-452,9-8 497,-2 22 0,0 1 135,4-7 270,0 5-181,0 8 271,20 3-540,-15 14 0,30 3-90,-14 25 90,15 14-90,-6 8 225,-2 8-225,-8 10-360,-10-11-945,-1-6 1,-3 0-495,-5 5 1799,5 9 0,-6-18 0,0-3 0</inkml:trace>
+  <inkml:trace contextRef="#ctx0" brushRef="#br0" timeOffset="186001">22502 14616 11760,'-19'-21'810,"4"3"-810,15-19 90,0 3-90,0-3 0,9 5 0,0-1 0,-4-19 45,4 6 0,-1 0 45,-8-11 179,0 11 1,0 1-629,0-7 629,0-10-90,0 27-180,0 6 153,0 6-63,0 8 90,-13 5-270,10 27 180,-11 39-90,14 1 0,0-3 0,0 0-931,0 5 616,8-20 0,3 1-495,-2-3 1,2-3-450,11 17-405,-1-12 0,0-2 1664,-3 0 0,21 4 0,-15-21 0</inkml:trace>
+  <inkml:trace contextRef="#ctx0" brushRef="#br0" timeOffset="186302">22988 14336 11400,'-37'0'1350,"15"17"-1350,-1 4 90,20 18-90,-8-7 0,11 1 0,0-10-90,0 9-180,0-9 90,21 11 180,3-18-540,21 1 360,-3-11 180,-3-3-90,-17-24 180,2-2-90,-22-23 0,7 12 0,-9 0-359,-41-3-1620,10 14 584,0 8 1,-2 4 1394,-5 4 0,16 7 0,10 0 0</inkml:trace>
+  <inkml:trace contextRef="#ctx0" brushRef="#br0" timeOffset="186950">23495 14273 11221,'-21'-6'989,"-2"2"-899,-21 2 0,2 2-90,19 19 0,-10 7 0,21 11 0,-4-1-540,7 6 270,9-11-899,19 18 449,8-24-539,25 7 719,-8-22 135,-6-3 1,0-5 404,10-22 540,11 15 89,-30-32 361,-13 15 179,-10-9-449,-1 2-181,-5 8-179,0 2 90,0 1 90,0-2-271,-13 7-269,10 17-179,-11 11-631,31 23 270,2-19-989,21 15 1079,-20-18 91,28 2-1,-30-6 90,24-12 270,-19 0 0,0 0 90,-2-17-90,5-7 90,-7-11 90,1-17 90,-13 15 224,-3-7 1,-4-5-45,-10 11 0,-3 0-1128,-1-9 1,-1 1 902,3 9 0,-4 3 134,-14-1 1,2 2 0,9-12-225,-4 12 0,-1 3-45,-1 5 629,4-1-629,7 41-90,21 28 0,15 6-653,-1-3 1,2-2 202,11 6 90,-15-16 1,0 1-451,0-1 1,-1-2-451,10 18-1117,-6-11 0,1 0 2377,1 2 0,5 7 0,-10-18 0</inkml:trace>
+  <inkml:trace contextRef="#ctx0" brushRef="#br0" timeOffset="188329">20558 14748 8702,'0'23'989,"0"-2"-629,0-7 90,0-1 449,10-6-719,-8-16-270,8-1 90,-20-6 0,7 22 0,-7 13 0</inkml:trace>
+  <inkml:trace contextRef="#ctx0" brushRef="#br0" timeOffset="188651">20690 14237 10141,'-6'13'1979,"0"6"-1799,6 12-180,0 4 0,16 18 0,-12-6 0,4-14 0,-1 2 0,-7 18-1939,11 4 1939,-8 3 0,8 3-360,-11 1-539,8 0-361,-6 0-674,3-20 1,1 0 1933,-2-10 0,-1-1 0,1 9 0,0 0 0,5 13 0</inkml:trace>
+  <inkml:trace contextRef="#ctx0" brushRef="#br0" timeOffset="189829">24447 14149 10771,'-17'-13'629,"13"2"1,-31-3-630,30 6 180,-30-2 0,16 6-270,-14 2 180,4 1-90,8 1 0,10 16 0,6 0 0,5 19 0,19 1 0,-15-4 0,29 9 0,-15-18 0,12 20 0,-13-23 0,-4 12 90,-13-14-270,-17-4-270,12 3-269,-29-5-361,29 0-269,-36-2 1349,12-1 0,-10-5 0,4-1 0</inkml:trace>
+  <inkml:trace contextRef="#ctx0" brushRef="#br0" timeOffset="191034">23805 14230 9332,'0'-8'809,"0"-1"-449,0 2 0,0-2 90,0-2-361,0 2 181,0-5-90,0 6 0,0-2 90,0 3-180,0 3 270,0-3-270,0 5-90,-16 0-90,0 1 180,-18 17-180,8 11 90,-3 6 0,10 5-180,2 2-90,10-9-540,3 22 91,4-24-181,31 7-269,-6-14-524,32-3 1693,-11-3 0,6-3 0,3-3 0</inkml:trace>
+  <inkml:trace contextRef="#ctx0" brushRef="#br0" timeOffset="191918">25113 13573 11670,'-23'16'1350,"9"0"-1350,5 26 0,2-3 90,2 11-1414,-7 7 1324,2 8-45,4-29 0,1 0 90,0 1 0,0 3-360,-3 17 0,0 2-45,2-15 0,-1 3-1409,-3 13 0,-1 9 0,1-8 1769,2-11 0,0-1 0,0 1 0,-1 3 0,1-6 0,2-9 0,-1 0 0</inkml:trace>
+  <inkml:trace contextRef="#ctx0" brushRef="#br0" timeOffset="192651">25428 13422 11490,'-4'-2'450,"1"16"-450,2 2-540,14 19-359,-9-8-360,9 3 89,-13-7-269,0 2 1439,0-1 0,0 1 0,0-2 0</inkml:trace>
+  <inkml:trace contextRef="#ctx0" brushRef="#br0" timeOffset="192801">25592 13545 9961,'15'15'720,"-3"8"-810,-2 12-540,-3 4-719,-2-1-630,-2 3 1836,2 5 1,-1 3-1,0 2 1</inkml:trace>
+  <inkml:trace contextRef="#ctx0" brushRef="#br0" timeOffset="193301">26168 14556 11041,'-7'2'989,"3"-19"-989,0 1 0,19-5 0,-11-5 0,11 8 90,-15-9-90,0 5 0,-11 11 0,9 25-90,-9 3 90,11 17-719,0-9-91,17-2 90,1-12-89,2-14 809,-6-10 0,-33-9 0,-4 1 0</inkml:trace>
+  <inkml:trace contextRef="#ctx0" brushRef="#br0" timeOffset="194820">26995 13587 10501,'0'-11'1349,"0"0"-1079,-14 0-270,10 0 90,-10 1 0,14 0-90,-14 2 0,10 2 0,-21 1-90,13 3 90,-7 0 0,-3 2 0,9 14 0,-4 3 0,9 1 0,2 26 0,5-24 0,1 27 0,17-19 0,-13 2 0,30-1 0,-11 16 0,-2-12 0,-2-4 0,0-1 0,1 4 0,13 21 90,-15-25-90,-4 11-90,-12-8 180,2-5-180,-4 11 90,-22-15-899,1 10 89,-5-15-269,-7 2-91,29-11-89,-31-3 1259,22-2 0,-16-2 0,9-1 0</inkml:trace>
+  <inkml:trace contextRef="#ctx0" brushRef="#br0" timeOffset="195067">26737 13464 9961,'0'-10'990,"0"1"269,0 5-1259,0 16 0,17 13 0,-13 9 90,13 8-90,1-3 0,-9-4 0,1 1 0,12 22-1040,-2-5 0,-1 1 1040,-4 10-405,7-10 1,1 0-586,0 8 270,-8-23 1,1 0-810,5 11 1396,0-1 1,-1-5 0,1 0 0</inkml:trace>
+  <inkml:trace contextRef="#ctx0" brushRef="#br0" timeOffset="195551">27323 13918 10321,'-8'17'1439,"1"7"-1439,7 13 90,19 20-180,-15-17 135,14-5 0,-1 0-135,-14 7 135,12-9 0,-1-1-45,-10 3 0,18 4 0,-20-18 90,7-5-180,-4-3-180,-4-5 90,7-3 180,-5-3 0,0-25 0,0-8 0,-2-15-89,0-3-834,-1 8 1013,0-3-90,0-18 180,0 17 89,0 10 1,0 2-180,0 2 81,0-3 99,16 20-270,6 7 0,-2 19 0,15-8 0,-14 44 0,8-25-180,-11 9 0,-2 2-539,5 1-1620,13 22 1080,-12-26-540,5 3 1799,-9-14 0,4-7 0,-1 0 0</inkml:trace>
+  <inkml:trace contextRef="#ctx0" brushRef="#br0" timeOffset="195934">27980 13947 10501,'-21'-14'989,"4"0"-449,1 7-450,12 25-90,-19 14 0,21 13 0,-5 1 0,7-11 0,0 0 0,0-3 0,0-3 0,0-3-90,17 1 0,7-8 0,9-5 180,-1-8-180,-18-28 90,3 17 0,-16-40 0,6 26 90,-7-22 360,0-7-180,0 10 180,-17-21-450,13 29 89,-13-9-89,17 42 90,0 7-269,17 32-451,-12-6-1259,27 13 630,-12-20 269,-1 6-899,22-9 1889,-27-8 0,18-4 0,-17-8 0</inkml:trace>
+  <inkml:trace contextRef="#ctx0" brushRef="#br0" timeOffset="196684">28227 13981 10951,'0'-23'1259,"0"6"-1169,0 21-90,0 12 0,12 26-90,-9-1 90,22-7 90,-13 5-450,2-22 90,-2 1 270,-11-31 90,3-12-180,-3-10 180,0-3-90,0 5 90,-1-2 0,0 0 90,2-11 0,-2 18 0,2-12 270,-2 25-270,0 21-180,14 13-90,-11 26 90,25-10 90,-24 11-90,22-20-540,-16 10 540,9-16-180,-6-5 90,-6-7 180,0-26-90,-5-6 0,2-9 0,-2 0 0,0 7 90,1 3 0,-2 1-90,1-1 90,-1 7 90,1 3-270,2 8 90,-1 5 90,4 14-180,3 5 90,1-1 0,11 14-90,-7-11-630,12 16 540,-11-10-90,5-10 1,-6-1-91,0-13 180,0 11 90,-3-13 90,0 3-90,-2-4 90,4-14 0,-6 10 90,2-25 0,-8 5 360,0-20-270,-2 5 719,-19-22-539,14 31-270,-28-22 0,29 35 0,-19-2-90,21 29 90,-13 24-90,14 4-90,-5 27-90,6-31-1080,20 19 361,2-26-1710,22 3 1170,-11-12 1439,1-10 0,-9 0 0,-1-8 0</inkml:trace>
+  <inkml:trace contextRef="#ctx0" brushRef="#br0" timeOffset="197154">28885 13374 9691,'-12'-4'2699,"9"20"-2519,-9 26-90,31 4-90,-18-6 0,2-1-769,29 7 769,-29 15 0,9-20 0,0-3-90,-9 0-360,16 8 90,-8-14-110,4 9 380,-3-24-772,-3-2 862,-6-29 0,0-12 90,-3-33 0,0 7-1410,-8 9 0,0-1 1500,4-14 269,-11 5 1,-1 0-1362,2-11 1047,6 22 0,0 1-168,-3-12 213,3 6-180,6 6 540,-6 2-1,8 17 1,0 2-360,0 31 2611,21-9-2791,-15 36 0,33-16 0,-34 23 642,34-5-642,-23 4-45,5-10 0,2 1-116,0 21-289,-4-10 0,0 0-269,-2 8-210,-5-20 1,-1-1-61,1 10-361,1-4 91,-5-3 1259,1 6 0,-6-11 0,-1 6 0</inkml:trace>
+  <inkml:trace contextRef="#ctx0" brushRef="#br0" timeOffset="197317">28985 13838 10591,'-11'-15'630,"4"-8"-540,3 7-180,4-5-540,24-10-359,-18 11-1530,39-14 2519,-14 15 0,9-3 0,1 8 0</inkml:trace>
+  <inkml:trace contextRef="#ctx0" brushRef="#br0" timeOffset="197618">29332 13556 10861,'0'31'360,"14"2"-270,-11-4-1,11 0-268,3-8 179,-13 0 90,22 0-180,-23-1 180,16 6-1,-17-10 721,7 5-810,-9-33 0,0-10-90,0-16-540,-14-22-89,11 20-91,-11-15-1348,2 1 628,9 15 1530,-9-9 0,12 21 0,0 3 0</inkml:trace>
+  <inkml:trace contextRef="#ctx0" brushRef="#br0" timeOffset="197934">29543 13464 12390,'0'41'0,"0"-8"0,14 3 0,-11-9 0,10 2 0,-2-2 0,-9-1 0,17-3 0,-17-2 0,13-2 90,-8 0 90,4-8-180,-3-1 0,-4-7 0,-3-3 0,0-24 0,0 3-90,-1-25-360,0-15 0,0 8-900,0 4 0,0 0 271,0-10 1079,-7 14 0,-1 1 0,4-1 0,-10-8 0</inkml:trace>
+  <inkml:trace contextRef="#ctx0" brushRef="#br0" timeOffset="198484">30168 12819 11850,'-30'-12'-90,"1"0"180,2 4-90,1 0 0,-11 3 0,10 1 0,-19 1 0,22 3 0,-7 19 0,12-14-180,3 28-90,2-29-269,1 28 449,8-11-720,-1 19 451,6-9-271,22 6 450,5-14 90,0 4-90,22-7 90,-29-1 90,23 0 0,-1 12 90,-12-7-180,11 23 180,-26-18 90,6 25-90,-19-21 90,4 10 360,-6 3-361,-23-14 91,1 23-270,-6-26 90,-5 18-90,17-24 450,-3 13-360,7-21-90,12 4 0,21-14 90,14-2-90,11-3-225,-9-9 0,0-1-584,13 5 449,-17-10 0,1-2-720,-1 8 1,-1 1 849,14-9 0,13-8 0,-24 10 0</inkml:trace>
+  <inkml:trace contextRef="#ctx0" brushRef="#br0" timeOffset="198917">30885 12836 11221,'-24'-8'269,"-11"2"-269,16 2 90,-10 2-90,4 1 0,3 1-90,5 19 180,1-15-90,9 30 0,4-12 0,3 17 0,26-6 0,3 7 0,16-16 0,6 14 0,-21-17-90,10 5 90,-10-3 90,-15-8-90,10 7 0,-23-12 0,7 1 0,-9-5 90,0-2-180,0-1-1259,-20-2 0,-4 0 719,-21-1-719,21-20 1349,-16 15 0,24-33 0,-17 15 0</inkml:trace>
+  <inkml:trace contextRef="#ctx0" brushRef="#br0" timeOffset="199138">30737 12583 11850,'19'34'990,"-1"8"-900,-10-7 0,5 9 0,-8-9-90,4 5 0,-2 2-1487,-1 5 1487,0 1 0,-1-11 0,1 1-270,1 20 90,-1-19 0,-1 0-449,3 17-181,0-3-629,1 1-360,0-4 1799,1-2 0,3-5 0,1-2 0</inkml:trace>
+  <inkml:trace contextRef="#ctx0" brushRef="#br0" timeOffset="199402">31190 13020 11850,'0'-6'90,"-8"1"-90,6 19-450,8 5-179,11 19-1620,1 1 900,6-7 1349,-21-1 0,16-14 0,-9-1 0</inkml:trace>
+  <inkml:trace contextRef="#ctx0" brushRef="#br0" timeOffset="199585">31173 12630 11041,'0'-6'-1282,"0"17"0,17-10 0,5 14 1</inkml:trace>
+  <inkml:trace contextRef="#ctx0" brushRef="#br0" timeOffset="200456">31308 12428 10591,'0'-5'1439,"-8"-1"-629,6-1-630,-6 3-1,4-4-179,3 4 90,-2 0-90,3 1 0,0-1-90,14 1 180,-10-4-90,28 2 0,-28-1-90,35 1 90,-8 0 0,9 3 0,13 0 0,-25 2 90,16 20-180,-21 1 90,2 3 90,-11 12-90,-4-19 0,0 17 0,-2-6 0,-1 0 0,-3 2-269,2 16 179,-4-10-270,5 29 360,-2-25-90,-1-5 0,1 0-695,3 7 695,4 13-334,4 2 334,-4-16 90,-1-6 0,-1 0 0,4 4 0,1 9 0,2-4 90,-4-13-180,10 17 180,-9-23-90,3 6 90,-4-8 90,-7-6 0,2 4-90,-7-11 90,0 5-180,-1-9 750,-23 5-750,-1-4 0,-3 2-720,-27 1-269,33-5-172,-28 2-638,23-6 1799,3 1 0,-1-2 0,3 0 0</inkml:trace>
+  <inkml:trace contextRef="#ctx0" brushRef="#br0" timeOffset="200984">32245 12040 11670,'-13'-9'450,"2"1"-270,-1-1 180,5 3 269,1 1-539,24 2-90,9 22 90,31 7-90,-8 14-603,-11-10 1,-1-1 602,10 13 0,-8-3 0,-2 2 0,5 10 45,-17-18 0,-2 3-45,-4 0 0,-3-1 0,7 21 45,-10-10 0,-4 1-396,-2 9 306,-3-10 0,-6-1 45,-25 7-180,20 12-225,-24-34 1,-4-3-316,8 15-674,-8-9 0,-2-3-495,2 1 1889,-8 5 0,18-20 0,1 0 0</inkml:trace>
+  <inkml:trace contextRef="#ctx0" brushRef="#br0" timeOffset="201477">33052 12636 13739,'0'-14'1889,"0"3"-1889,0 4-90,0 3 90,0 1 0,0 2 0,0 0 0</inkml:trace>
+  <inkml:trace contextRef="#ctx0" brushRef="#br0" timeOffset="201684">33197 13040 10681,'6'26'1169,"0"-1"-809,0 4 0,0 8-270,-3-5-90,0 6 0,-3-9 0,0 0 0,0-1-990,-22 17-719,-6-11 1709,1-3 0,-3-1 0,-20 8 0,24-14 0,-1 0 0</inkml:trace>
+  <inkml:trace contextRef="#ctx0" brushRef="#br0" timeOffset="212529">12183 13715 8702,'0'-3'720,"0"-2"-540,0 3-91,0-2 91,0 2-90,0 0 0,0 1 540,-9 0-540,6 15-90,-6 2 0,9 10 0,0 0 0,0-1 0,0 23 90,0-9-90,0-2 0,0 1 0,0 9 0,5-6 0,2 1-329,-5 6 329,10 13-90,-12-20 270,0-3-360,7-2 180,-5 8 90,7-14-90,-8 11 0,2-23 0,-3 5 0,0-15 329,0 1-329,0-5 450,0-2-450,-14 0 0,-4-1 0,-10-1 0,5 0 0,7 0 0,8 0 0,3 0 0</inkml:trace>
+  <inkml:trace contextRef="#ctx0" brushRef="#br0" timeOffset="214071">10000 13947 9242,'0'-36'449,"0"-7"-449,0 5-495,0-5 585,0 8-180,0-1 180,0-2-180,0-2 180,-11-18-90,8 17 0,-7 7 0,1 2 0,7 0 0,-12-11 0,6 27 133,1 0-313,-4 13-472,8 1 652,-4 17 0,4-11 0,1 11 0</inkml:trace>
+  <inkml:trace contextRef="#ctx0" brushRef="#br0" timeOffset="214301">10022 13843 9512,'0'-34'90,"0"5"-270,0-2 0,0 6-360,0-1-539,0 0-720,0-1 1799,17 2 0,-13 1 0,13 1 0</inkml:trace>
+  <inkml:trace contextRef="#ctx0" brushRef="#br0" timeOffset="214620">9707 12979 10231,'-6'0'2519,"1"0"-2429,19 0 0,5 0-180,1 13 90,19 7-90,-25 9 135,7-4 0,2 2-45,-1 13-720,1 12 0,-1 3-899,0 7 1100,-2-1 1,-1 0 0,-1-2-1,-7-21 1,-1 0 0</inkml:trace>
+  <inkml:trace contextRef="#ctx0" brushRef="#br0" timeOffset="215984">9542 13560 9512,'14'-20'0,"-3"-4"0,-11-2 179,7-7-89,-5-3 90,11-3-319,-11-2 318,7-1 91,-6 2 0,2 0 90,-2 3-90,-1 4 0,-2 4-91,0 4 136,0 6-225,0 4-22,0 4 832,0 4-900,23 3 0,2 2 89,16 15-89,-4-10 0,-6 9-89,2-3-1,18-7-270,-11 16-180,-5-13 0,-1 1-449,5 10-1440,21 9 451,-29-7 1901,5 11 1,-16-6 0,-4 2 0</inkml:trace>
+  <inkml:trace contextRef="#ctx0" brushRef="#br0" timeOffset="216901">6182 12373 9691,'-23'-2'900,"-9"1"-540,11 0-90,4 15-91,-18-10-179,20 29 0,-13-16 0,2 32 0,10-16 90,-3 23-90,13-24 0,2 6-90,4-17 180,0-3-180,24-5-89,3-6 89,16-2 0,8-5 90,-19-21 0,22-6 0,-25-12-729,6 1 729,-15 12 124,-6 0 56,-6 3 359,0 1-269,-7-1-270,3 5 0,-18 5 806,10 21-806,-10 16-90,33 8 339,-15 5-2228,32 9 360,-8-10-410,8 9 2029,4-16 0,-9-6 0,0-1 0</inkml:trace>
+  <inkml:trace contextRef="#ctx0" brushRef="#br0" timeOffset="217267">6720 12446 10141,'0'9'1080,"0"9"-1080,0 13 90,0 6-180,0-7 180,15 3-90,-11 1 0,25 0 0,-25-1-920,25-1 920,-26-4 150,23-2 29,-23-6-13,16 2-166,-17-9 0,6-2 0,-26-26 0,-4-26-90,-21-2 90,19 4 0,1 1-146,-15-6 146,19 15 0,1-1 90,-12-27-180,8 18-67,-2-19 67,10 33-4228,7-4 4318,20 37 0,-9-10 0,14 19 0</inkml:trace>
+  <inkml:trace contextRef="#ctx0" brushRef="#br0" timeOffset="217890">5860 12317 9152,'-19'-8'719,"-1"0"-449,4 2 90,-1-1 90,2 2-90,1 2-360,2 1 269,5 2 91,0 0-180,5 14-90,-1 8 0,3 9 0,0 7-90,23-4 90,-1 23 0,4-10-90,-8-9 0,-1-1 0,9 5 0,-5-13 0,2-1 90,12 1-90,-2 1 0,-2-11 90,-8-8-90,15-2-90,-18-7-90,12-19 180,-17 13-90,7-45 90,-14 26 90,0-26-180,-5 3 180,-3 11 0,-18-21 90,13 25-180,-12-8 0,3 20 180,11 3-90,-10 24-90,33 8 0,6 2-180,-2 4 0,3 0-540,13-4-719,2 24-2968,6-8 4407,-11-9 0,12 6 0,-16-10 0</inkml:trace>
+  <inkml:trace contextRef="#ctx0" brushRef="#br0" timeOffset="218405">6652 12471 9781,'17'23'360,"-12"15"-360,28-20 360,-10 37-360,-3-18 0,4-3 0,-2 1-549,-5 5 639,23 13-180,-13-6 90,-9-14 0,8 15 180,-16-25 224,2 5-314,-9-16-180,0-1 90,-23-30 0,-5-18-90,-22-9-599,28 18 1,0 0 688,-20-12 90,9-5 214,3-3-349,7 13 0,1-1 135,-6-22-90,6 14 0,3-1 0,1-2-332,4-7 422,7 27 0,4 6 270,17 7 983,5 5-1253,21 21 0,-21 15 0,19 25-180,-18-4-565,2 3 655,4-15-90,-27 0 549,17-3-2348,-14 9 270,3-14 1619,-2 10 0,-6-21 0,3 1 0</inkml:trace>
+  <inkml:trace contextRef="#ctx0" brushRef="#br0" timeOffset="218751">7085 12576 10681,'5'0'270,"-1"-22"-180,1-8 0,-2-14 90,3-18-91,-3 21 46,-1-4 0,-1 0 135,0-1-135,1 2 0,-4 2 45,-19 6 0,16-15-90,-34 26-90,34-2 180,-27 19-180,29 23 90,-10 43-90,13 1-825,-2-17 1,4-1 824,19 15-90,-15 1-45,14-28 1,2-1-586,-4 26-1285,20-4 746,-7-4-181,-7-18 1,2-3 1439,13 10 0,15 2 0,-15-20 0</inkml:trace>
+  <inkml:trace contextRef="#ctx0" brushRef="#br0" timeOffset="219038">7593 12352 10501,'-15'-7'1349,"-3"17"-1349,-1 13 0,-4-2 0,21 22 90,-7-25 0,9 44-90,20-31-180,6 21 0,22-34 90,-1-2 90,-9-11-90,1-25 180,-16-3-180,-6-22 90,-9 1-90,-33 9 1,-6-6-91,-16 20-1014,3-4 384,11 12-179,2 6-1530,3-2 2519,-3 8 0,16-4 0,0 5 0</inkml:trace>
+  <inkml:trace contextRef="#ctx0" brushRef="#br0" timeOffset="219434">7942 12217 10231,'-39'0'450,"18"18"-450,-15 6 90,20 9 0,-4 12-90,8-17 0,12 19 0,0-21 0,23 11-450,5-20 180,25-4 90,-12-8 90,-1-5 90,-2-22 0,-12 17 90,7-35-90,-15 14 180,-8-8 180,-3 1 180,-7 11 89,0 1 1,0-6-630,-18 9 90,14-6-90,-26 17 0,27 20-540,11 23-629,-4 4-1620,30 16 653,-8-30 2004,6 6 0,5-21 0,-10-3 0</inkml:trace>
+  <inkml:trace contextRef="#ctx0" brushRef="#br0" timeOffset="220172">8550 12129 9332,'-42'0'899,"-4"19"-719,16-14-90,-1 36-180,12-23 180,3 20-90,3-9 90,6 1-90,3-1 0,4 9 0,0-11 90,24 8-180,7-24-270,28 4 180,-12-14-782,1 2 872,-15-24 90,-2 15 0,-1-39-409,3 11 409,-11-12 0,-12 13 0,-2-1 0,-3-8 45,-2 4 0,-6 0 45,-16-7 90,14-15 269,-14 31 1,-5 1 180,-8-14-361,4 8 1,-1 2-270,-15 0-208,5-11 388,15 28 0,12 0-90,1 27-90,11 15 0,25 9 0,-12-3 0,2 0-90,29 13-856,-16-5 0,-2 1-314,9 7 540,-13-18 1,1 0 719,22 18 0,-10-16 0,9 7 0</inkml:trace>
+  <inkml:trace contextRef="#ctx0" brushRef="#br0" timeOffset="220490">9040 12014 11311,'-14'12'269,"10"2"-359,-10 15 180,14-3-90,0 8 0,0-8 0,0 8 0,0-11-90,19-2 90,-15-1 0,29 4 180,-29-8-270,19 6 90,-20-12 0,6 2 90,-9-6-180,0 0 90,0 0-90,0 2 180,0-1-809,-19 5-540,14-4-1890,-30 4 3149,20-5 0,-3 1 0,7-3 0</inkml:trace>
+  <inkml:trace contextRef="#ctx0" brushRef="#br0" timeOffset="220801">9440 11547 11850,'3'-3'90,"0"0"-90,-1 3 270,-1 20-180,0 10 0,-1 33-90,0-5-1134,-10-12 1,0 2 1133,5 13 0,-13-18 0,1 0-683,13 19 548,-13-30 0,-2 0-270,11 0 1,0 2-1260,-16 11 0,-2 1 1664,10-12 0,2 0 0,-6 9 0,1-1 0,-6 13 0</inkml:trace>
+  <inkml:trace contextRef="#ctx0" brushRef="#br0" timeOffset="222085">9980 11850 10141,'-12'-6'720,"-7"1"-810,17 1 90,-15 2 360,11-1-180,-9 3-180,5-1 0,-1 1-90,-4 0 180,4 18-90,-4-13-90,7 29 90,1-20 90,3 15-90,2 6 0,1-8 0,19 17 0,-14-18-180,28 8 90,-14-17 0,0 0 90,10-10 0,-14-4 0,9-2 0,-10-16 0,0-4 0,-12-18 0,5 7 90,-6-1 180,0 10 89,0-6-359,0 7-90,0-6 180,0 14-90,0 22 0,18 26 0,-13 6-945,10-9 1,4-1-225,4 1-360,8 9 1529,0-18 0,-11-4 0,0-3 0</inkml:trace>
+  <inkml:trace contextRef="#ctx0" brushRef="#br0" timeOffset="222367">10243 11843 10141,'18'39'540,"-13"-6"-540,31 14 0,-11-15 0,-3-3 0,1-1 90,14 4 360,6 16-181,-19-25 181,15 5-450,-23-20 0,8-16-90,-17 4-270,3-49-269,-5 26-1001,1-35 731,-5 22-181,0-2-269,-1 2 1248,0 3 1,0 2 0,0 1 0</inkml:trace>
+  <inkml:trace contextRef="#ctx0" brushRef="#br0" timeOffset="222784">10978 11762 9961,'-47'0'810,"9"0"-810,-3 0 180,14 0-180,-9 0 0,12 0 90,-5 18 0,14-13-90,7 47 0,2-32-90,6 30 90,24-13 0,8-10-225,-3-7 0,1-2 45,18-6 90,12 5 90,-26-16 0,25-12 0,-39-9 540,13-17 89,-32-1-359,5 2-270,-23 8-90,12 32-180,-13 15-719,36 18-90,-13 2-181,29-11-359,-29-1 1619,32-2 0,-32-4 0,15-1 0</inkml:trace>
+  <inkml:trace contextRef="#ctx0" brushRef="#br0" timeOffset="223136">11330 11237 11580,'6'18'1350,"3"12"-1081,-3-26-269,4 31 90,0-18-90,8 35 0,-2-19 0,-3 0 0,1-1-90,5 8 45,-3-6 1,1 1-406,4 6-585,1-2 1,0 1 134,0-2 45,-4-3 1,0-1 45,-5-5 809,-1 13 0,-8-22 0,-3 3 0</inkml:trace>
+  <inkml:trace contextRef="#ctx0" brushRef="#br0" timeOffset="223274">11427 11888 10231,'-11'-18'360,"8"-11"-270,-8 10-180,11-8 180,0-5-270,17 12-989,9-6 359,12 14-89,1 1-271,-6 7 1170,0 1 0,2 1 0,0 0 0</inkml:trace>
+  <inkml:trace contextRef="#ctx0" brushRef="#br0" timeOffset="223635">11882 11639 10141,'-44'0'1619,"8"0"-1619,5 15 0,16 3 90,-1 1-180,14 15 180,-4-17-90,6 30 0,0-17-90,23 17-90,1-22-179,3 4 89,11-15 90,-34-4-180,34-4 270,-18-3 0,14-21 180,-16-6 0,-8-26-90,-10 10 90,0-2 180,0 11 270,-18 2-181,13 1 1,-30-5-270,31 9-90,-12-5-90,6 18 0,7 0-450,-7 29-3057,27 2 1618,8 25 1979,-3-14 0,16-9 0,-17-12 0</inkml:trace>
+  <inkml:trace contextRef="#ctx0" brushRef="#br0" timeOffset="223986">12083 11511 9422,'-9'13'1169,"2"1"-1169,21 4 270,-11 11-180,11-16 0,2 14 180,-12-7-91,23 0 1,-13 12-270,1-10 270,12 17-180,-19-19 540,16 10-180,-15-17 0,1 1-91,-6-8-359,-2-23 1,-2-6-1261,-15-41 811,0 19-271,5 8 1,1 1-181,-2-2 990,3-22 0,6 29 0,-6-10 0</inkml:trace>
+  <inkml:trace contextRef="#ctx0" brushRef="#br0" timeOffset="224952">12763 11375 11311,'-25'0'629,"5"0"-629,5 0 0,6 0 0,2 0 90,3 0-180,1 0 0,1 0-180,0 0 1,-2 0 179,-1 0-90,-2 0-90,1-11-180,-9 1 270,6-4 180,-7-3-180,7 8 180,-1-8-90,4 3 90,0-10 0,4 7 0,-1-15 90,3 16 180,17-7-90,-13 13 90,33 2-180,-17 6-90,23 21 0,-14-14 0,-2 36 0,-9-8 90,1 12-90,-5 19 0,-4-23 90,-6 11-180,-4 0 180,-16-14 0,-2 19-180,-2-28 90,-8 7 0,12-21 0,-9-3 0,4-28 0,10-7 0,4-23 0,30 10 0,-18-1 0,39 13 0,-13 0 90,28 6-180,-8 4-270,-16 10 0,-1 2-809,10 2-687,11 0 1856,-16 17 0,-3-13 0,0 13 0</inkml:trace>
+  <inkml:trace contextRef="#ctx0" brushRef="#br0" timeOffset="225154">13360 11449 10861,'-7'-5'-690,"1"2"0,6 1 1</inkml:trace>
+  <inkml:trace contextRef="#ctx0" brushRef="#br0" timeOffset="225767">13450 11079 11940,'0'26'1799,"6"-10"-1709,0 6 0,6-12-90,-1 15 0,3-4 0,2 6 0,17 24 0,-5-8 0,-2-4 0,2 1 0,5 9 0,-6-8 0,-1-1-380,2 4 380,4 9 0,-16-22 0,-4-6 0,-2-4-1169,-3-2 809,-23-31 270,-7-12 0,-2-21 45,-6 9 0,0-1-346,5-14 346,-13 0 0,-1-1-109,19 19 1,1 0 153,-3-6 0,-1-4 0,3 3-45,3 5 0,1-2 45,-2-9 0,0-5 0,3 5 45,7 12 0,1 0-90,-4-23 0,3 5 45,8 15 90,22-4-90,4 28 0,20 3 0,-3 31 0,-4 6 0,-18 12 0,2 10 0,-20-18-2159,5 20 360,-7-22 1799,0 4 0,0-15 0,0-3 0</inkml:trace>
+  <inkml:trace contextRef="#ctx0" brushRef="#br0" timeOffset="226167">13818 10789 10411,'8'0'1169,"5"13"-989,-2-10 0,12 35-180,-8-22 0,8 23 0,-1-3-90,-3-7 180,7 20-90,-11-25 0,3 13 0,-10-23 0,2 3-180,-7-13 180,1-1-90,-1-40 180,0 15-90,-2-11 0,0-3 270,2 2 0,-1-14 0,1 18-90,-1 2 0,1 4 89,-1 5 1,1 9-270,0-2 0,4 11 0,0-5 90,7 6-90,-4 20-270,5-15-269,-3 32-451,1-33-539,-1 31-2608,6-10 4137,-6 7 0,6-3 0,-6-12 0</inkml:trace>
+  <inkml:trace contextRef="#ctx0" brushRef="#br0" timeOffset="226567">14347 10774 10591,'-18'15'1259,"23"0"-1259,13 17-90,4-10 90,2-1 0,-21-6 0,17-2 0,-17 0 0,6-2 0,-2-2-90,-5-1 0,4-20 90,-6-5 0,-15-26 0,11 9-3392,-22-16 3392,23 20 0,-7-7 91,10 13-1,0 3 90,0 3 0,0 4-90,0 4 0,18 2 3258,5 5-3348,16 0 0,-16 19 133,6-12-223,-16 27-630,11-28-179,-6 29-1979,7-11 2878,-7 1 0,7 9 0,-10-13 0</inkml:trace>
+  <inkml:trace contextRef="#ctx0" brushRef="#br0" timeOffset="227167">14807 10508 9691,'-21'-14'270,"-11"1"-90,18 2-90,-13 0-90,-2-1 90,10 5 90,-14 0-90,14 7-90,-3 0 90,7 15-90,0-12 270,0 27 90,-3-7-181,4 7-89,-4 11-90,8-16 180,-1 18-90,4-17-90,2 7 0,3-10 0,1-1 0,1 1 0,0 6 0,18-7 90,-14 12-90,33-18-90,-17 6 90,12-13-90,-5-1-90,-7-6 90,2-2-89,0 0 179,10-20-90,-7 15 180,11-31-1,-17 14-89,4-18 0,-15 7 180,-2 0 270,-5-1-270,-18 9 450,-2-16-540,-2 19 179,-12-8-358,12 17 89,0 1 179,-7 8-179,17 2 90,-3 21-90,5 5 0,9 13 0,0-1 45,22-4 0,4 1-135,0 12 90,13 1 0,2 0-270,-5 1 270,-6-8 0,-1 0 90,3 5-90,-8-11 0,-2-1 90,-1 1-180,1 3 90,-15-14 0,-4-8-719,-26 1-91,18-9-539,-52 2-630,26-6-1279,-35 2 3258,9-2 0,-9 1 0,32-3 0,0 1 0</inkml:trace>
+  <inkml:trace contextRef="#ctx0" brushRef="#br0" timeOffset="231668">803 13907 8882,'0'-4'1169,"-15"1"-1259,-5 3 90,1 15 0,-7-11 90,23 26-90,-15-26 0,11 40 0,-3-26-90,3 39 180,6-30-90,-1 9 90,2-6 0,16-10 0,-13 8-90,30-15 0,-29-2 0,28-6 0,-12-4 0,17-18 0,-7 13 0,-2-33 0,-3 6-90,-9-8-450,1-17 181,-11 24-91,-3-8-989,-21 5 359,14 11 1080,-35-4 0,33 14 0,-15 1 0</inkml:trace>
+  <inkml:trace contextRef="#ctx0" brushRef="#br0" timeOffset="238002">12293 15136 8702,'-2'-3'989,"-1"1"361,2 1-1440,1 13 90,14-10 90,-10 19-90,26-19 0,-26 12 0,22-12 0,-23 9 0,23-10 0,-15 10 0,23-6-540,-12 4-989,22 1 539,-18-5 990,22 6 0,-21-6 0,7 4 0</inkml:trace>
+  <inkml:trace contextRef="#ctx0" brushRef="#br0" timeOffset="238235">12470 15453 8972,'-6'0'270,"22"0"-2159,5-11 345,26 8 1544,-14-8 0,1 2 0,-11-2 0</inkml:trace>
+  <inkml:trace contextRef="#ctx0" brushRef="#br0" timeOffset="238574">12577 15070 9602,'-21'-6'1349,"5"2"-1079,5 1-1,4 3 1,2 0 0,1 0-270,2 13 0,21 1 0,0 1 0,5 7 0,20-7 0,-25 6-3392,37 10 3482,-28-11-180,6 10 166,-12-7-76,-4 3 0,-3 1-90,-6 22 90,-5-11-360,-1 0 1,-5 1-721,-21 9-269,10-5 0,-2 1 1266,-13 7 1,6-18 0,-1 0 0,-4 10 0</inkml:trace>
+  <inkml:trace contextRef="#ctx0" brushRef="#br0" timeOffset="240286">13990 14997 9422,'-9'-5'1439,"7"1"-989,-7-1-181,2 2-89,6-2 0,-6 3-180,7-2 0,-3 3 0,2 16 0,-2 11 0,20 26 0,-12-7 0,9-13 0,3-1 0,1 5 0,0 8-270,16-15 90,-20-15-179,26 7 179,-21-20-90,12 5 180,-15-27 0,7-3 90,-13-13 0,1 3 0,-5-4 90,-4 8-90,0-17 270,-2 21 90,0-12-270,-16 20-90,12-3-180,-13 10 270,17 4-90,0 25 0,0 9 0,18 12 0,-13 1 0,26-9-1530,-12 13 271,-1-11 1259,22 16 0,-25-23 0,19 4 0</inkml:trace>
+  <inkml:trace contextRef="#ctx0" brushRef="#br0" timeOffset="240722">14545 15020 9152,'-19'16'899,"5"7"-899,14 13 0,0 2 0,19-3 0,-14 1 0,27 2 0,-29-1 0,23-2 0,-23-1 0,22-2 90,-15 7-180,3-14 180,-2 8-90,-6-20-90,0 1-90,-21-29 180,-3-27 0,-19-6 0,21 6 0,3-2-1548,-6-8 1593,7 18 0,2-1-90,6-1 0,1 1 135,-9-15 0,9 11 0,2 2 180,2 3-180,20-12-1,-15 30 91,30 0-180,-13 13 1639,13 2-1639,-12 20 0,6-14 0,-16 31 0,2-9-450,0 19-809,-14-5-90,5-1-360,-6-10 1709,0 0 0,-23 0 0,-6 0 0</inkml:trace>
+  <inkml:trace contextRef="#ctx0" brushRef="#br0" timeOffset="241118">14932 15020 9422,'4'0'719,"1"0"-629,-3 0-90,0 0 0,3 0 0,-1-21 0,7-8 0,-4-13 0,3-17 0,-5 20 0,-1-12 0,-3 1 90,-1 12 720,-15-23-451,11 27-89,-27-12-270,27 24 180,-23-3-180,24 37 0,-8 10 0,11 17 0,17 3 0,-12-7 0,13 2 0,-1 0 0,4 17-270,9-15-540,-9-8 1,0-1-180,5 2 89,0-10 1,1-2-540,7-3 1439,13-1 0,-12-13 0,0-2 0</inkml:trace>
+  <inkml:trace contextRef="#ctx0" brushRef="#br0" timeOffset="241403">15483 14750 10501,'0'-13'989,"-19"5"-719,-6 2-360,-12 26 180,5 5-90,17 12 90,5 0-90,10-8 0,0 0 0,0-2 90,0-1-90,21-2 90,-16-3-90,34 1-90,-12-10 90,-3 1 90,28-12-90,-35 2 0,22-20 0,-19-4 0,-10-21 0,-2 8 0,-8 0-90,-18-1 0,-7 10-539,-23-11 89,9 19-1439,-11-4 360,23 15 1619,-8 0 0,24 6 0,0 0 0</inkml:trace>
+  <inkml:trace contextRef="#ctx0" brushRef="#br0" timeOffset="241784">15805 14677 9961,'-38'17'630,"17"5"-630,-8-1-90,25 15 180,-9-22-180,13 27 180,0-19-630,17 11-89,-13-17-361,30 1 181,-9-10 719,15-3 0,1-4 270,-8-19 719,-14 0-89,-9-21-271,-10 5 1,0 1-180,-16 5-360,12 10 0,-27 9 0,27 21 0,-11 6-450,15 21-539,16-20 89,-12 18 900,25-18 0,-7 2 0,16-6 0</inkml:trace>
+  <inkml:trace contextRef="#ctx0" brushRef="#br0" timeOffset="242200">16183 14630 9512,'-43'0'1439,"7"0"-1529,16 21 180,-3-16-90,14 50 0,-3-34 90,5 41 0,7-30 0,0 17-90,24-25 0,-18 5-90,34-20-90,-36 3 90,32-11-90,-15 3 90,3-21 180,8 12-90,-28-33 0,21 20 0,-17-34 0,4 17 0,-6-12 0,-6-6 0,0 13 225,-7 5 0,-2 1 224,-9-6-134,0 7 0,1 1-225,-1-2 0,-9-12-180,24 26 90,-20 2 0,20 11 0,-7 19 90,10 11-90,17 27 0,-12-4-315,14-11 0,0 0-584,-14 8-316,11-6 1,2-2-495,2 1 1555,7 9 0,-1-21 1,-8-3-1</inkml:trace>
+  <inkml:trace contextRef="#ctx0" brushRef="#br0" timeOffset="242504">16542 14632 9961,'-17'-3'630,"-2"-1"-630,-11 4 0,14 14 90,6 1-180,10 16 90,17-1 0,-13-5 90,13-1-180,3-9 90,-16 0 0,28-1 0,-29-1 0,20-2 90,-20-2 180,15 0-270,-16-1 90,5-2-180,-7-1 90,-22 0 0,16 0 0,-36 0-270,37 0-809,-36-3-181,36 2 1260,-33-3 0,20 1 0,-17-2 0</inkml:trace>
+  <inkml:trace contextRef="#ctx0" brushRef="#br0" timeOffset="242785">16662 14188 10861,'-11'-5'539,"9"1"-269,-9 23 0,26 12-360,-11 13 90,11 4 90,-3-5-90,-9 3-449,10 4 539,-3 2-180,-8 3-1169,6-6 0,2 2-810,-2 13 2069,-4-15 0,1-1 0,7-2 0,-6 0 0</inkml:trace>
+  <inkml:trace contextRef="#ctx0" brushRef="#br0" timeOffset="245284">17377 14319 10411,'14'-3'1079,"-11"-1"-899,11 1-180,-14-1 0,0-1 0,9-1 0,-7 1 0,15-1 90,-15 0-180,15 1 180,-11 1 0,11 2-90,-6 1 0,2-1 90,-1 2-180,1 0 90,0 0 0,3 17 90,-5-2-180,1 4 90,-7 8 0,-3-8 0,-1 14 0,-1-6 0,0 0 0,0-15 0,0 5 0,0-11 0,0 2 0,0-3 0,18 2 0,-13-2 0,30 5 0,-15-5 90,14 10 0,-2-8-90,-8 9 90,-11-8-90,-6 10-90,-7-6 90,0 14-180,-24-9-539,17 7-2070,-52 1 990,37-6 1799,-29 4 0,21-9 0,1 0 0</inkml:trace>
+  <inkml:trace contextRef="#ctx0" brushRef="#br0" timeOffset="245668">16997 14887 11131,'0'-11'1349,"0"1"-1349,15 1 180,-11 1-180,12 0 0,-4 1 0,6-5 0,-1 6-270,21-7-360,-22 10-3507,44-3 4137,-31 5 0,20 0 0,-23 1 0</inkml:trace>
+  <inkml:trace contextRef="#ctx0" brushRef="#br0" timeOffset="246079">18073 14553 11490,'0'0'0</inkml:trace>
+  <inkml:trace contextRef="#ctx0" brushRef="#br0" timeOffset="246535">18278 14343 10051,'-19'19'1349,"3"2"-1349,31 12 0,-11-3 0,25-5 0,-25 1 0,28 1 0,-28 1 0,30-1 0,-29-1 0,25-3 0,-27-1 90,21 2-90,-15-7 90,6 1-90,-25-29 0,9-10-90,-39-31 90,14 5-404,3 10 1,0-1 403,-1-14-45,7 17 0,1-1 45,8-3 0,2 1 90,-12-19 134,8 11 1,4 0-45,5-2-135,-2 14 0,1 1 45,2 2 0,17 1-90,-13 18 90,13 6-90,0 4 0,1 1 0,2 24-90,4 4 180,-10 13-360,6 10-539,-8-19-361,-5 10 1,-7-16-90,0 0 358,0-4 901,0-3 0,0-3 0,0-1 0</inkml:trace>
+  <inkml:trace contextRef="#ctx0" brushRef="#br0" timeOffset="246918">18482 14065 10141,'14'0'990,"-2"0"-990,-2 17 90,-2-13-180,-1 25 180,3-26-90,-1 24-90,3-23 180,-2 27-90,2-19 0,4 19 0,-4-14-360,8 7 270,-11-13 0,3 1 0,-6-8 90,-2-1-180,0-3 180,-1 0-90,-1 0 180,1-18 0,-1-3 270,-1-24 179,1 12 91,-2-3-450,1 10-90,-1 4-90,0 25 0,15-7-180,-11 37-1529,23-9 540,-10 6-1979,17 1 3148,-7-7 0,2-12 0,-7 1 0</inkml:trace>
+  <inkml:trace contextRef="#ctx0" brushRef="#br0" timeOffset="247339">18982 13977 10861,'-20'-10'539,"15"2"-269,-31 4-180,22 2-90,-12 2 0,13 15 90,5 2-90,8 17 0,16-2-360,8-2 270,18-6 90,4-11 90,-9-6-180,-6-7 90,-8 0 90,-12-13 90,-1-3 450,-10-16-270,-18 1-270,14 1-90,-32 13 0,32-2 0,-28 17 0,28 13 0,-10 17 90,37 12-180,-18 2-113,38-7 203,-38 1 0,41 1 0,-17 15 0,12-13 0,-19-10 0,-5 0 0,-3 0 0,7 9 0,-19-21-450,5 1-269,-7-8-181,-26-2-449,19-2 1349,-28-1 0,-6-3 0,10 1 0,-6-1 0,1 0 0</inkml:trace>
+</inkml:ink>
+</file>
+
+<file path=ppt/ink/ink8.xml><?xml version="1.0" encoding="utf-8"?>
+<inkml:ink xmlns:inkml="http://www.w3.org/2003/InkML">
+  <inkml:definitions>
+    <inkml:context xml:id="ctx0">
+      <inkml:inkSource xml:id="inkSrc0">
+        <inkml:traceFormat>
+          <inkml:channel name="X" type="integer" min="-2.14748E9" max="2.14748E9" units="cm"/>
+          <inkml:channel name="Y" type="integer" min="-2.14748E9" max="2.14748E9" units="cm"/>
+          <inkml:channel name="F" type="integer" max="32767" units="dev"/>
+        </inkml:traceFormat>
+        <inkml:channelProperties>
+          <inkml:channelProperty channel="X" name="resolution" value="1000" units="1/cm"/>
+          <inkml:channelProperty channel="Y" name="resolution" value="1000" units="1/cm"/>
+          <inkml:channelProperty channel="F" name="resolution" value="0" units="1/dev"/>
+        </inkml:channelProperties>
+      </inkml:inkSource>
+      <inkml:timestamp xml:id="ts0" timeString="2021-07-23T06:15:15.051"/>
+    </inkml:context>
+    <inkml:brush xml:id="br0">
+      <inkml:brushProperty name="width" value="0.09071" units="cm"/>
+      <inkml:brushProperty name="height" value="0.09071" units="cm"/>
+      <inkml:brushProperty name="color" value="#FF0000"/>
+    </inkml:brush>
+  </inkml:definitions>
+  <inkml:trace contextRef="#ctx0" brushRef="#br0">1518 913 8072,'-2'-11'1979,"3"8"-1979,-22-8-90,11 11 90,2 0 90,2 0-180,-1 0 180,-1 0-90,-2 0 0,-3 0-90,0 0 90,-15 35 0,11-15 0,1 11 0,2 1 0,5-2 90,-1 25-180,9-25 90,0 8 90,21-9-90,-15-8 0,31 0 0,-12-13 90,17-3-90,-7-5-90,-2-22 180,-2-3-180,-9-13 540,12-20-360,-22 28 270,5-26-180,-14 34-90,0-9 449,-2 18-449,0 24-90,0 8 0,0 27 90,0-2-420,14 5 510,-11 8-180,11 2 45,-5-15 0,-3 1-45,-2 22 0,10-25 0,-1 0 45,-11-3 0,-1-2-45,12 17-45,-12-11 0,-2-1-102,1 1 147,-17 11-719,13-16-91,-33-12-1169,33-2-180,-30-17 2159,31-28 0,-11-4 0,14-22 0</inkml:trace>
+  <inkml:trace contextRef="#ctx0" brushRef="#br0" timeOffset="232">1965 687 8972,'8'-4'1169,"0"1"-539,-5 3-90,1 15-361,-3 9 181,4 25-360,-2-6-916,3 7 916,0-9 0,-1 0 0,1 3-3089,3 18 2999,-1-12 0,3 12-123,-2-19-57,0-2-270,0-2-809,1 11 539,-4-15-719,0 14 450,-5-27 1079,-1 2 0,0-15 0,0-3 0</inkml:trace>
+  <inkml:trace contextRef="#ctx0" brushRef="#br0" timeOffset="516">1847 1268 8252,'-13'-35'90,"2"0"-90,11-15 90,0 13-1355,24-11 1265,-18 17 90,45 3-180,-9-5 180,12 11-90,7-1-90,-16 11 90,3 5 90,1 3-90,-14 1 0,-1 4 90,16 13 44,-12-4 1,-2 3-45,-1 19-90,6 5 90,-24-6 0,-4 1 314,-8 1-314,-2 13 90,-3-13 208,-18 16-388,14-25 180,-36 6-270,20-20 90,-18 0 0,12-10-1080,11-21 1104,6-9-1643,9-27 1619,25 8 0,-19-3 0,20 13 0</inkml:trace>
+  <inkml:trace contextRef="#ctx0" brushRef="#br0" timeOffset="688">2885 864 8162,'8'16'270,"1"-11"-180,0 27-90,-1-28 90,-2 24-90,2-18 0,-2 11 90,9 2-90,-4-4-90,10 13-450,-7-13-359,4 6-360,-5-10 1259,0 1 0,-1-4 0,0 1 0</inkml:trace>
+  <inkml:trace contextRef="#ctx0" brushRef="#br0" timeOffset="867">2918 588 8882,'-15'-17'270,"0"-1"-180,3 5-450,5 0-719,3 27 1079,25 9 0,2 19 0,20 0 0</inkml:trace>
+  <inkml:trace contextRef="#ctx0" brushRef="#br0" timeOffset="1032">3172 1526 9422,'-15'5'-2159,"11"-1"2159,-11-15 0,15 9 0,0-11 0</inkml:trace>
+  <inkml:trace contextRef="#ctx0" brushRef="#br0" timeOffset="1901">3828 761 10141,'-16'-15'1439,"12"3"-1439,-23 7 270,25 21-270,-14 14 0,12 28 0,-2-6 45,2-16 0,1 0-965,2 6 920,-2 11-312,3-8 312,0-14 0,0 12 0,0-23-180,14 5 1,-10-15-181,11 0-180,1-7 1163,2-2-713,17-20 90,-8 14-90,8-33 180,-15 13-180,4-9 519,-11 2-429,-4 11 0,-1 10-90,-4-8 540,-1 12-540,-2 14 90,-1 11 90,0 27 0,0-11-180,21 1 90,-16-12-90,37-10-810,-9 8 181,12-18 269,-11 3 0,1 0 91,9-6 269,15-19 90,-4-8-90,-17-10 225,-10 11 0,-2 0 314,-3-5 451,-2-23-540,-14 27 809,-22-22-1079,12 30 90,-13-7 0,2 21-90,10 16-90,-10 10 0,14 21-720,16 7 0,7-5-359,-2-18 0,4-2-181,16 4 1260,5 2 0,-9-15 0,1-2 0</inkml:trace>
+  <inkml:trace contextRef="#ctx0" brushRef="#br0" timeOffset="2233">4923 1050 9871,'-51'0'2159,"-2"0"-1979,5 0-90,3 0-180,19 16 270,-1-12-180,24 23 0,-7-10 0,10 12-90,21-12 0,-16 7-360,40-17 270,-11 10 90,12-11 0,-1-1 1,-13-5 89,-1 0 0,-3-18 0,-5 13 0,3-30 0,-15 11 269,6-15-89,-16 5 0,2 0-180,-3 15 90,-17 4-90,12 24 0,-13 15-630,18 9-269,0 2-1620,18 3 900,1-11 1619,3 7 0,10-23 0,-11-3 0</inkml:trace>
+  <inkml:trace contextRef="#ctx0" brushRef="#br0" timeOffset="2435">4728 498 9062,'-8'-24'719,"1"3"-629,7-1 270,0-2-450,23 8 180,-18-2-90,39 12-90,-17 3-1889,19 21 0,-2 16 1979,-21 12 0,7 10 0,-13-9 0</inkml:trace>
+  <inkml:trace contextRef="#ctx0" brushRef="#br0" timeOffset="2834">5857 636 10861,'-44'-12'0,"-9"-4"90,22 5 539,-4-1-359,25 9-270,3 19 0,25 19-265,2 6 265,2 11 0,10-16-450,-27 5-179,32 1-1,-26-11 0,-2 2 1,14 14-1653,-7-7 0,-3-1 1743,0 3-361,2 8 846,-6-21 0,-9-5 0,0-3 1</inkml:trace>
+  <inkml:trace contextRef="#ctx0" brushRef="#br0" timeOffset="2966">5718 1092 9422,'-10'-27'539,"-11"-2"-539,18 1 0,-16 0 0,17-1 0,-4 3-90,6-10 0,19 11-1619,8-9 720,12 18 989,3-1 0,-7 7 0,3 2 0</inkml:trace>
+  <inkml:trace contextRef="#ctx0" brushRef="#br0" timeOffset="3183">6495 648 10951,'-19'37'270,"3"-5"-270,3 1 0,9-2-90,-9 4 0,6 5 0,6 3-694,-6 0 334,7 1-449,0-1 49,0 0-1039,0 13 1889,0-17 0,0 5 0,0-20 0</inkml:trace>
+  <inkml:trace contextRef="#ctx0" brushRef="#br0" timeOffset="3317">6195 978 9422,'-6'-24'0,"5"3"0,-5 3 0,6 2-90,17 3-270,5 2-360,0 5-359,23 3 1079,-23 1 0,25 2 0,-11 0 0</inkml:trace>
+  <inkml:trace contextRef="#ctx0" brushRef="#br0" timeOffset="3518">6900 894 9602,'0'37'359,"0"1"-449,0-6 90,0 9-90,0-15-1259,11 19 540,-8-19 809,16 13 0,-17-21 0,6 5 0</inkml:trace>
+  <inkml:trace contextRef="#ctx0" brushRef="#br0" timeOffset="3683">6990 694 9242,'-11'-8'-2069,"8"24"2069,8 1 0,-1 24 0,13-2 0</inkml:trace>
+  <inkml:trace contextRef="#ctx0" brushRef="#br0" timeOffset="4017">7283 888 8882,'0'33'1439,"0"-1"-1439,0-5 0,12 1 90,-9-5-90,9-1-90,-12-6 90,0 2 0,7-1-450,-5 2 91,6-3 89,-8-1 90,5-1-270,-2-7 180,8 0 180,-4-6 360,7-36 0,-5 27-90,-1-25 0,0 0-90,1 26 539,2-40-449,-6 36-90,1-7 0,-1 10-90,0 8 0,1 18 0,0-14 0,4 34 0,1-21-90,3 19-539,2-9-1350,11 12 450,-4-12 1529,11 6 0,-8-22 0,1-4 0</inkml:trace>
+  <inkml:trace contextRef="#ctx0" brushRef="#br0" timeOffset="4383">7827 578 9332,'0'-7'1439,"0"20"-899,14 23-451,-10 4-89,11 12 0,1-2-89,-1-11 133,-1-5 1,0 0-45,-1 3 90,7 10-90,-17-20 0,13-3 0,-11-6 0,2-4 0,0-5-90,-4-2 1,3-5 178,-2 0-89,9-37 0,-5 26 0,9-45 0,-7 50 0,0-32 0,3 23 0,-5-5 0,7 9-89,-7 9 178,6 24-89,-8-18-89,5 42-271,-7-29-450,2 23-269,-1-11-1800,0 10 2879,0-14 0,1 7 0,-3-16 0</inkml:trace>
+  <inkml:trace contextRef="#ctx0" brushRef="#br0" timeOffset="4558">7773 274 10771,'-31'15'270,"-2"-11"-180,2 35-180,-14-1-360,13 14-1124,6-10 0,2 0 1314,1 15 0,9-18 1,3 1-1,0 17 1</inkml:trace>
+  <inkml:trace contextRef="#ctx0" brushRef="#br0" timeOffset="5283">9380 831 9871,'0'-16'900,"14"8"-540,2 23-270,12 19-90,-13 15 0,6 5 0,-14-20 0,-1 0 0,11 18 0,-8-9 0,-1-1 0,0 2 90,3 16-90,-6-33 0,2-1-270,-3-18 180,1-4 0,0-25 0,2 2 90,5-42 0,-2 16 45,-2 0 0,0-1-1569,3-11 1569,-5 19 0,0 0 315,5-24-540,-5 21 630,1-7-270,-4 33-90,0 4-180,-1 11 90,1 21 90,3 14-90,1 11 1162,3 8-1162,1-9 0,2 2-90,2 1-630,-2-16 1,1 0-181,9 13-1681,0-13 1,3-2 1591,8-2 989,14-5 0,-10-15 0,0-8 0</inkml:trace>
+  <inkml:trace contextRef="#ctx0" brushRef="#br0" timeOffset="5622">10235 990 10501,'-21'-19'1439,"-1"-5"-1079,-4 8-90,-6 0-180,14 11-90,-11 3 0,12 16 0,-2-10 0,17 24 90,-7-8-90,9 19 0,0-7-180,20 14 180,0-31 0,4 14 0,6-27-90,-12 5 0,12-7 90,-5-19 0,-12-5-90,2-10 180,-11-9-90,3 18 0,-5-8 0,-2 13 0,0 24-270,0 9-180,0 31-1169,16 5 630,-12-7-592,31-3 412,-31-16 1169,36-3 0,-26-4 0,18-2 0</inkml:trace>
+  <inkml:trace contextRef="#ctx0" brushRef="#br0" timeOffset="6167">10617 964 9152,'-21'-5'1259,"5"20"-1169,16 2-180,0 25 180,0-7-180,0 0 180,16-9-90,-12-3-90,13-1 180,-17-4-90,13-2 90,-10-2-180,11-4-90,-7-5 90,-1-2-90,12-44 180,-7 16 45,-2-13 0,0-1-135,3 0 180,6-24-180,-6 29 180,0-4 0,-5 18 0,0 10 0,-2-1 90,4 10-90,-5 12 0,7 14-90,-5 7 0,8 21 0,-6-21 0,3 13 0,-5-17 0,1-2 0,0-4-90,5-4 180,-4-2-360,5-8 90,-7-1 180,5-7 0,-5-20-90,3 14 90,-3-33 90,-1 35-90,1-36 0,1 14 0,-2-10 0,2 6 180,-4 9-180,1 12 90,-2 0-180,2 9 90,0 0 90,1 19-90,0-14 0,8 50 0,-2-34-405,2 10 0,0 0-314,7-1-810,18 15 809,-12-24-269,11-2 989,-10-6 0,1-12 0,-2 5 0</inkml:trace>
+  <inkml:trace contextRef="#ctx0" brushRef="#br0" timeOffset="6434">11400 1169 9602,'6'-8'899,"1"-6"-809,-1 12 180,3-12-180,17-8 90,-8 1-90,25-18 0,-22 17-90,19-16 89,-21 14 91,9-12-180,-17 16 0,-1-5 180,-7 5-90,-3 5 270,-22-3-180,17 10-180,-37 2 0,16 4 90,-19 22 0,3 6-90,19 27 0,8-10-1080,15 21-179,29-25-1214,-4 13 2473,33-20 0,-8-2 0,8-3 0</inkml:trace>
+  <inkml:trace contextRef="#ctx0" brushRef="#br0" timeOffset="7466">13378 734 9512,'-14'-10'1888,"10"1"-1348,-24 2-540,24 4 450,-20-3-180,9 3-270,-12-1-90,7 3 90,-5 1 0,12 14 0,-7 4 0,11-1-90,0 18-990,7-6 271,1 9-1170,26 12 540,-19-23 1267,46 7 1,-26-19-1,25-3 1</inkml:trace>
+  <inkml:trace contextRef="#ctx0" brushRef="#br0" timeOffset="7800">13785 741 9512,'-22'-7'1439,"1"0"-1259,-5 20-180,-3-9 0,14 26 90,-3-10-90,-2 1 90,18 18-90,-7-26-180,9 27 90,21-23-180,1 7 90,21-16 180,-4 0 0,-16-25 90,19-4-90,-26-18 0,16 1 0,-18 6 90,-4 13-90,-6 8-90,0 11 90,-2 0 0,1 0-270,4 16-450,1 3-179,4 1-180,0 12-181,2-17 1260,0 4 0,1 6 0,0-7 0</inkml:trace>
+  <inkml:trace contextRef="#ctx0" brushRef="#br0" timeOffset="8133">14215 762 9152,'0'45'0,"0"-1"90,0-9-180,13-4 180,-9-8-90,9-3-90,-6-7 90,0-6 0,6-7 0,-3-16 90,-1 12-90,1-31-90,-1 30 90,2-35 0,-1 34 90,1-32-90,1 23 180,-3-4-270,3 9 180,-6 10-180,2 15 180,-3-11-90,-1 30 0,0-29-360,-2 37-270,1-23-899,-1 30 1529,0-19 0,-1 4 0,-1-13 0</inkml:trace>
+  <inkml:trace contextRef="#ctx0" brushRef="#br0" timeOffset="8354">13627 722 8072,'-12'-27'900,"5"1"-450,4 0-181,3 1 91,27-9-270,6 10-90,16-4-90,9 10 180,-22 7-180,21 0 0,-25 8-899,20 1 89,-24 17 1,8-11 899,-6 24 0,-8-12 0,5 13 0</inkml:trace>
+  <inkml:trace contextRef="#ctx0" brushRef="#br0" timeOffset="8533">14227 448 8702,'0'-18'1529,"0"2"-1439,0 8-90,15 3-90,3 3-360,22 2-899,-7 13-810,5-10 2159,-3 24 0,3-23 0,3 10 0</inkml:trace>
+  <inkml:trace contextRef="#ctx0" brushRef="#br0" timeOffset="9150">15500 473 9422,'-10'-9'0,"1"2"269,0 3 271,1 0-450,4 21 0,1 41-90,3-10-45,0 1 0,0 0 45,0-5 0,7-6 0,1 0-180,-4 4-90,12 7-89,-16-19 179,0-8-180,0-2-270,8-8 540,-2-4 90,9-22 0,-6 10 90,8-50-90,-3 29-766,6-31 856,-5 24 0,1 4 179,-4 3-89,6 0-90,-8 14 90,4-1 0,-8 12-90,-1 0 90,-2 15 676,0-12-766,-2 33-90,0-18 90,-1 34-90,0-20-90,-18 22 90,14-26-269,-14 7-361,5-16-360,10-3-359,-9-5 1349,12 0 0,-10-7 0,-2 0 0</inkml:trace>
+  <inkml:trace contextRef="#ctx0" brushRef="#br0" timeOffset="9438">16045 743 9512,'0'38'1079,"-18"-15"-989,14 4-90,-30-7 90,31 5 90,-13 9-180,16-13 0,0 3 180,0-2-180,18-7 180,8 4-180,-2-12 0,35-2 0,-39-4 0,31-19 0,-28 14 0,-2-28-90,-2 7-90,-10-6-180,-1-5-1259,-8-1 809,-21 7-1644,-12-17 2454,-10 21 0,-6-5 0,12 12 0</inkml:trace>
+  <inkml:trace contextRef="#ctx0" brushRef="#br0" timeOffset="9620">15935 505 8162,'35'-20'360,"-8"7"-360,-4 8 0,-10 5 0,0 0 90,-3 0-180,1 0-270,-1 0-539,-3 20 899,6 1 0,-6 3 0,4-8 0</inkml:trace>
+  <inkml:trace contextRef="#ctx0" brushRef="#br0" timeOffset="9790">16473 421 8432,'1'43'-510,"0"-8"1,-1-1-1</inkml:trace>
+  <inkml:trace contextRef="#ctx0" brushRef="#br0" timeOffset="10174">17043 748 9242,'-45'0'180,"3"-7"-180,13 6-90,3-6 180,0 4-180,4 2 90,0-2 0,6 3 0,1 16 90,8 4-90,2 19 0,29 4 0,9-9 0,5-5 0,2-2 0,15 0 0,-14-3 0,-2 0 269,-7-6 181,-2 3-180,-9-10-360,-18-4 180,8-1-90,-11-3 0,-27-2-180,-5 0-989,-30-1 359,16-14-1528,4 10 2338,11-25 0,17 25 0,0-11 0</inkml:trace>
+  <inkml:trace contextRef="#ctx0" brushRef="#br0" timeOffset="10534">17383 820 9961,'0'31'90,"0"2"0,0-3-90,0-3-180,0-7 0,0-3 1,17-1-901,3-1 810,20-8-90,-9-1 360,1-6 0,-11-16 0,5-4 180,-7 0 630,3-27-360,-13 30 539,-1-31-809,-6 24-180,0 23-1169,-2 13 89,19 32-269,-14-12 1349,28 2 0,-29-14 0,10 1 0</inkml:trace>
+  <inkml:trace contextRef="#ctx0" brushRef="#br0" timeOffset="10890">17997 859 8432,'-13'-8'1529,"10"20"-1529,-10 8 0,13 18 0,0-4 180,13-4-450,-10-7 1,16-11 89,-12-27 360,5 10-180,-2-34-90,3 11 0,-2-8 180,8-5 0,-8 18 179,4 6-269,-7 9 90,1 8-180,-4 0 90,0 23 0,3-5 90,-1 21-90,2-9-989,9 15 179,-2-11-1438,20 16 2248,-10-24 0,13-5 0,-9-14 0</inkml:trace>
+  <inkml:trace contextRef="#ctx0" brushRef="#br0" timeOffset="11286">18558 799 8882,'-20'15'809,"4"3"-809,31 11 0,5-3 0,19-8 0,-3-8 90,-1-5 0,-10-5 540,-10-14 359,-9-1-629,-6-16-540,0 6 270,-13 9-90,10 30 0,5 7 0,2 27 0,25-6-479,-25 6 569,29 4-90,-29 4 0,13-16 0,2 0-90,3 21 90,-8-14 0,1-1 0,12 2 0,-17 8-269,-2-15-1,-8-14-1799,-24 6 630,17-24 1439,-58 0 0,39-8 0,-35-1 0</inkml:trace>
+  <inkml:trace contextRef="#ctx0" brushRef="#br0" timeOffset="11717">19643 432 10411,'0'-15'270,"0"3"-90,0 4-90,0 4 0,-14 18-90,0 33-90,-3-1-395,10-10 0,3 1-144,4 13-1,0 3-180,0 1-314,0-18 0,0 1 1124,0 14 0,25 10 0,6-26 0</inkml:trace>
+  <inkml:trace contextRef="#ctx0" brushRef="#br0" timeOffset="11904">20090 655 9691,'-21'-10'1440,"-16"8"-1260,8-7-180,-10 9 89,-2 0-178,10 15 178,-10 6-89,13-1-89,-4 30-271,16-30-360,8 28-89,3-22-91,5 0 1,29-3 899,13 3 0,17-14 0,1 1 0</inkml:trace>
+  <inkml:trace contextRef="#ctx0" brushRef="#br0" timeOffset="12250">20287 853 9781,'-23'16'540,"4"2"-360,5 1-270,10 13 180,-10-17-90,14 23 0,0-14 0,17 9 0,3-16-270,1 2 180,12-9 0,-10-3 90,17-3 90,-2-1 360,-7-20-90,-11 13 0,-9-27-360,-6 45 0,-5-9 0,0 32 0,0 22 0,0-10 0,0-15 0,0 1 0,0 1 0,0-1 0,0 16-450,0-12 0,0-1-359,0-1-1620,0 13 2429,0-30 0,0 0 0,0-14 0</inkml:trace>
+  <inkml:trace contextRef="#ctx0" brushRef="#br0" timeOffset="12417">20393 320 10411,'-20'23'-270,"-9"-17"-539,26 41-541,-23-24-538,23 24 1739,-23-7 1,23 4 0,-10 2 0</inkml:trace>
+  <inkml:trace contextRef="#ctx0" brushRef="#br0" timeOffset="12766">21187 720 11760,'-21'-27'-90,"2"6"90,1 4 0,5 5 0,3 5 0,6 28 0,2 0 0,9 11 0,1 4 0,-4 11-135,10-2 0,1 1-224,-11 11-181,9-11 0,1-1-89,-12 5-451,11-12 1,0-1 89,-10-7 990,10 8 0,-13-30 0,0-2 0</inkml:trace>
+  <inkml:trace contextRef="#ctx0" brushRef="#br0" timeOffset="13016">21147 1031 8342,'-12'-28'0,"2"2"0,10 3-90,0-3-270,24 10 91,5 2-91,14 10 90,-3 4-270,7 15 360,-11-12 180,-4 10 0,0 4 0,5 2 90,8 0 270,-16 12 0,-3-19-180,-2 13 90,-4-7 89,-5-2-89,-1-1-180,-2 5 0,-3-7 0,-1 4 0,-4-10-90,1-1-90,-2-4 0,1-1-539,1 0-181,3-1-269,1 0 1079,4 0 0,1-15 0,2-4 0</inkml:trace>
+  <inkml:trace contextRef="#ctx0" brushRef="#br0" timeOffset="13167">21852 959 9242,'0'42'90,"0"1"-90,0-9 0,14-1-180,-11-9-630,11-2-1079,3 4 1889,2-9 0,1 3 0,-6-11 0</inkml:trace>
+  <inkml:trace contextRef="#ctx0" brushRef="#br0" timeOffset="13350">21602 697 9512,'0'-4'-180,"24"1"-900,1 19-179,23 5 1259,-24 11 0,13 3 0,-14-7 0</inkml:trace>
+  <inkml:trace contextRef="#ctx0" brushRef="#br0" timeOffset="13488">21748 1737 10411,'-5'9'0,"4"-3"0,-7-1 0,8-4 0,-2 0 0</inkml:trace>
+  <inkml:trace contextRef="#ctx0" brushRef="#br0" timeOffset="14004">23247 697 10771,'-21'-18'0,"3"1"180,2-5-180,5 4 90,0 1 90,3 6-180,0 5 0,-5 0-90,3 4 0,-3 1 0,-4 1-90,5 0 180,-13 16 0,12-12-90,-4 30 0,7-30 90,5 32 0,0-23 0,4 17 0,1-8-270,0 2 90,0 17 180,20-7-180,-16 13 180,16-11 0,-6 0-90,-10 3 180,21 0-834,-22 2 654,7-1 90,0 12 0,-8-14 90,8 19 0,-10-30 90,0 4 0,0-18 0,0-3-90,0-4-360,0-2-1079,21-3 719,14-11-449,16 8 978,7-9 1,-7 11 0,0 0 0</inkml:trace>
+  <inkml:trace contextRef="#ctx0" brushRef="#br0" timeOffset="14400">23717 615 10231,'-21'-24'-90,"2"3"180,5 1-180,5 7 180,5 0-180,4 6 180,19 4-180,8 1 90,11 2 0,4 0 0,-7 17-90,2-12 270,18 27-180,-14-9-1063,13 8 1243,-20 2-180,-2-6 90,-3 0 270,8 19-360,-12-11 90,-6-5 0,-2 1-90,0 6 270,5 21-270,-13-25 0,1 8 0,-6-16 0,-1 0 0,-1-3 0,-2 9 1063,0-9-1243,0 15-360,0-17-1709,-17 16 720,12-14 1529,-32 7 0,32-8 0,-14-1 0</inkml:trace>
+  <inkml:trace contextRef="#ctx0" brushRef="#br0" timeOffset="15117">25575 553 10501,'-28'-25'1799,"-1"3"-1439,-1 3 0,-12 1-1,9 10 91,-24 0-360,20 28-90,-13-15 0,21 29 0,2 5 0,-14 2-1310,19-4 0,0 9 1,3-4 1219,5-2 0,2-1-180,-3 16 0,3 1-261,8-15 1,2 0 215,-1 0 0,4 0-368,9-1 0,5 0-711,6 11 0,7-2 359,3-13 1,3-3 870,7 9 1,2-4 0,-4-17-1,0-4 1,2 0 0,1-1 0</inkml:trace>
+  <inkml:trace contextRef="#ctx0" brushRef="#br0" timeOffset="15688">26155 803 10501,'-19'-25'1799,"0"1"-1529,6 2-90,2 5 90,-1 0 179,6 9-449,-2 0 90,6 23-90,0 18 0,2 11-405,0 11 1,0 4 134,0-26 0,0 2-1371,6 10 1,1 6 0,0-5 740,-3 19 450,15-22 1,-1-2-550,-14 9 369,23-6-89,-24-5-231,7-8 950,-10-5 0,0-6 0,0-5 0</inkml:trace>
+  <inkml:trace contextRef="#ctx0" brushRef="#br0" timeOffset="15800">26020 1387 9422,'-25'-40'539,"-8"1"-539,29 13 0,-9-17 0,13 11-1079,30-23 179,-7 24-2016,28-8 2916,-10 14 0,3 3 0,4 0 0</inkml:trace>
+  <inkml:trace contextRef="#ctx0" brushRef="#br0" timeOffset="16333">26530 657 9152,'0'-6'270,"-13"2"1978,9 1-2248,-9 20 0,4-14 90,7 43-90,-7-19-452,9 31 542,0-5-1014,0 6 924,0 4 0,0 3 90,0-1-135,0-20 0,0 0 135,0 18-90,0-24 0,0 0-360,0 17 180,0-20-360,0 6 270,0-28 0,13-3 360,2-34-180,11-9 90,-13-15 45,0 13 0,-1 1-45,-4-9 0,3 9 0,0 1-90,-3 0 864,1-3-684,-5 24 873,1 4-963,-2 7 90,2 0-90,0 25 0,8 7 0,-1 14 90,13 14-90,-6-23 45,-2-8 0,2-2-45,5 0 0,10 4 0,-9-21-90,1 3 0,0-12 0,8 6 0,-12-7 90,9-16 0,-21-5 90,0-18-90,-10 7 270,0 0-90,-19 10-90,14 2-1,-14 2-178,3 0 89,1 9 0,-4 20-540,9 14-1619,26 24 720,3-8 1439,1 0 0,16-13 0,-10-1 0</inkml:trace>
+  <inkml:trace contextRef="#ctx0" brushRef="#br0" timeOffset="16552">26825 1036 9781,'-5'-20'0,"4"1"90,-5 5 0,6-3-90,0 8 0,21-1-180,1 7-1169,14 20 450,-16 5 899,2 22 0,-9-11 0,10 2 0</inkml:trace>
+  <inkml:trace contextRef="#ctx0" brushRef="#br0" timeOffset="16720">27200 811 8342,'7'-9'270,"1"3"-270,-1 3 90,2 3-90,-1 0 0,0 17-450,-1 15 450,-2 32 0,-2-2 0,-2-27 0,-1 0 0</inkml:trace>
+  <inkml:trace contextRef="#ctx0" brushRef="#br0" timeOffset="17350">27652 776 9512,'-22'48'0,"-9"-6"0,28 3-1222,-21-3 1402,22 6-90,-8 2-45,6-13 0,1 1-45,1 19 0,-2-11 0,0-1 0,4 3 89,17 11-178,-13-26 89,12-4 327,0-4-597,-13-2-683,27-10 413,-16-3 540,13-8 0,-8-22 678,-2 15-678,-4-33 90,0 34 90,1-36 0,-1 24 0,1-23 90,-5 26-90,4-10-180,-6 21 90,1-6-90,-1 8 90,0 19-90,1-14 180,6 47-180,-4-30 0,11 38 0,-10-31 0,11 6-90,-8-11 90,5-12-90,3 4 90,-6-14 0,14-12 90,-13 6-90,7-30 270,-11 5 1079,3-20-810,-8 8-359,0 5-90,-5 14-270,-1 1 360,0 11-180,1 1-90,0 9 180,-1 18-1439,7 21 450,-4 3-1440,11 22 2339,-7-32 0,6 8 0,-3-15 0</inkml:trace>
+  <inkml:trace contextRef="#ctx0" brushRef="#br0" timeOffset="17517">28197 1123 11131,'-13'-25'-180,"2"3"90,3 5 90,6 5-3958,-6 6 3958,8 21 0,0-11 0,0 14 0</inkml:trace>
+  <inkml:trace contextRef="#ctx0" brushRef="#br0" timeOffset="17788">28482 1489 10321,'8'0'180,"1"0"-180,6-16 90,-5 12-180,9-28 90,-11 9 0,2 3-90,-7-26 90,-2 31 0,-1-29 0,-21 31-180,3-11 270,-5 16-90,-3-3 90,22 23-90,-9 10-90,13 25-180,0-10-90,0 2-359,16-13 89,-12-2-1169,28-4 1799,-10 2 0,-2-12 0,-2 0 0</inkml:trace>
+  <inkml:trace contextRef="#ctx0" brushRef="#br0" timeOffset="18116">28722 1340 9152,'6'0'90,"1"0"0,1 18-180,-1-14 270,1 29-180,3-12 0,-3-2-90,8 12 180,-7-15-90,9 8 0,-7-11-180,3-6 270,2-7-90,-3-15 0,13-9 180,-9-7 719,14-20-179,-14 18-815,6-10 455,-9 14-350,-2 3 80,-2 5-90,-2 2 90,-4 10-90,4 1 0,-3 8 623,6 14-623,-2 7-90,5 9-179,-3 4-450,-1-6-181,-1 2-1618,-1 14 719,-4-12 1799,-1 10 0,-3-17 0,0-1 0</inkml:trace>
+  <inkml:trace contextRef="#ctx0" brushRef="#br0" timeOffset="18306">28232 1204 11311,'-3'-26'629,"1"0"-539,2 4-180,19-6 90,9 11-719,23-3-181,-9 13-2338,10 20 3238,-24-9 0,-3 44 0,-15-10 0</inkml:trace>
+  <inkml:trace contextRef="#ctx0" brushRef="#br0" timeOffset="18451">28525 2012 11400,'0'-17'-5486,"22"15"5486,-16-32 0,35 31 0,-17-11 0</inkml:trace>
+  <inkml:trace contextRef="#ctx0" brushRef="#br0" timeOffset="19017">29812 1109 10951,'0'-32'989,"-26"1"-809,19 6-180,-40 2 90,16 2-90,3 9 90,-17 1-90,26 9 0,-4 19 90,9 9-90,14 9 0,24 20 0,-18-17 0,26-4 0,4-1 0,-8 7 0,11-8 0,1-2 0,-1 2-837,5 4 837,-20-14-32,-11-7 32,5 0-270,-16-5-90,-16-5-360,-31-15 450,-4 6-641,-7-9 731,27-1 1030,-1 1-580,16-15 212,1 10-302,42 6-90,13 2-90,19 6-1106,3-1 1106,-13 3 90,-2 0 603,-1 1-603,12-2-90,-17 0-90,13 0 0,-32-1 0,-2-7 90,-16 1 0,-3-5 0,-28-6 0,19 3 270,-40-12-180,21 11 1311,-12-6-1401,15 12 0,10 1-90,1 6-449,9 23-451,10 6-89,-4 11-540,31 0 1619,-32-9 0,29 1 0,-13-2 0</inkml:trace>
+  <inkml:trace contextRef="#ctx0" brushRef="#br0" timeOffset="19267">30125 815 11221,'0'-11'539,"0"3"-449,20 25 0,0 6-90,23 23 90,-12-12-180,18 5-270,-17-25-764,-1-1 0,2-2-675,7-9 1506,15 7 0,-14-9 1,-1 0-1</inkml:trace>
+  <inkml:trace contextRef="#ctx0" brushRef="#br0" timeOffset="20486">2345 2627 9961,'-13'-13'990,"0"-1"-451,-1 7-359,-2 1-90,-1 3-90,-4 3 90,-1 0-90,-4 18-90,-2-14 180,-3 34-90,1-33 0,1 40-90,2-26 180,5 21-90,6-13 0,5-1 90,7-1-180,1-1 90,3-2 90,0-4-180,22-2-270,8-4 360,14-5-90,16-4 90,-19-23 0,-8 7 0,-1-2 0,4-22-814,5-2 904,-21 13-170,-10 0 80,-1 2 0,-8 3-90,3-1 180,-4 6-90,-16 4 799,13 32-799,-13 39 0,35 5-617,-8-8 1,4 0 616,3-23 0,2-1 45,7 22 0,-1-2-135,6 5 90,-12-22 0,0-1-664,2 17 754,-1-17-688,-10 11 598,-1-26-90,-28 4-180,-11-14-990,-7-3 1,-3-5 90,-15-19 1169,10 4 0,4-4 0,5-25 0,-7-5 0</inkml:trace>
+  <inkml:trace contextRef="#ctx0" brushRef="#br0" timeOffset="21034">2742 2715 8972,'6'17'1439,"2"-13"-1259,-5 22-180,1-23 90,-1 22 0,-1-12-90,0 13 0,1-3 0,2 0 90,6 12-90,0-8 0,11 16-90,-5-22-180,3 5-90,-2-11 90,-2-4-359,2-3-361,7-3 541,-3-3 359,13-22 90,-13 15 89,-4-22 1,-2-4 180,3 7-180,0-29 180,-10 23 180,-3 1 0,-4 1-181,1-5-269,-3 10 270,0-6 180,0 16-450,0 22 90,0 13-90,0 28 0,17-9 0,2 13 0,2-25-360,29 14 360,-32-22-270,34-5 270,-33-8-90,4-24 180,-11 12-90,1-31 0,-9 8 90,-1-9 180,-3-1 90,0 12-90,0 1 0,0-2-90,0 6-91,0 24-448,19 13-541,0 30-629,3-11-540,9 0 2069,-27-13 0,30 2 0,-13-2 0</inkml:trace>
+  <inkml:trace contextRef="#ctx0" brushRef="#br0" timeOffset="21218">3482 2504 9961,'-7'0'-30,"3"-1"0,1 1 0</inkml:trace>
+  <inkml:trace contextRef="#ctx0" brushRef="#br0" timeOffset="21467">2988 2467 9781,'15'-8'360,"-13"18"-360,31-6-90,-29 25 180,26-9-809,-26 7-1260,10 12 540,-7-16 1439,-5 7 0,6-14 0,-8-2 0</inkml:trace>
+  <inkml:trace contextRef="#ctx0" brushRef="#br0" timeOffset="21625">3108 2174 9871,'14'-12'630,"10"4"-630,-11 5 0,11 3 0,-8 22 0,-3-3-7400,-3 41 7400,-2-16 0,2 20 0,-3-12 0</inkml:trace>
+  <inkml:trace contextRef="#ctx0" brushRef="#br0" timeOffset="22034">3847 3080 11400,'-11'-22'0,"2"-8"0,9-13 0,21-1 0,5-11 0,0 10 45,-6 7 0,-1-1-135,2-8 90,-5 9 0,0 0 0,1-5 45,-10 3 0,-5 2-45,-2 1-90,-22-21 90,17 36-89,-33-4 178,22 16-89,-12 2 0,14 54 0,4-17-1741,20 17 1,4 3 1200,-8 1 0,15-14 0,3 1-965,-5 13 66,19 0 1439,-7-3 0,0-1 0,0-1 0</inkml:trace>
+  <inkml:trace contextRef="#ctx0" brushRef="#br0" timeOffset="22334">4270 3019 11041,'0'-23'629,"0"3"-539,0-1-180,0 3 90,20-2 90,0-13-90,4 8-90,7-16 0,-12 18 0,1-4-89,7 10 89,-24 1 0,16 0-90,-17-5 90,5 7 90,-7-10-90,-25 14 0,4-4 90,-23 11 90,11 0-270,14 21 360,-4 6-270,21 10 180,-8 12-90,10-16-630,21 10-1619,5 1 451,0-11 1798,21 6 0,-26-17 0,23-1 0</inkml:trace>
+  <inkml:trace contextRef="#ctx0" brushRef="#br0" timeOffset="22683">4698 2764 9871,'0'12'900,"0"5"-810,16 5-90,-12 14 0,25-15 0,-26 13 0,22-14 180,-22-2-360,13-16 180,-11-10 0,2 4 0,5-47 0,-3 28 269,2-11 1,1-1 90,3-1-180,13-17-180,-12 26 0,3 4 90,-1 10-180,-3 12 180,7 19-90,-9-12-315,-2 24 0,-3 6-674,3-10-1316,-2 19 0,-1 3 2305,-1-8 0,2 24 0,-6-35 0</inkml:trace>
+  <inkml:trace contextRef="#ctx0" brushRef="#br0" timeOffset="22867">4438 2399 11311,'0'-27'0,"22"-1"-90,-17 9 90,35 1-90,-35 8-1080,34 3-269,-12 5-540,8 21 1979,-2 0 0,-13 20 0,-1-5 0</inkml:trace>
+  <inkml:trace contextRef="#ctx0" brushRef="#br0" timeOffset="23501">5610 2713 9961,'-24'-26'-90,"3"2"-90,2-1 270,2 11 0,6 2-90,3 24 0,5 12-90,3 10 0,20 17-89,-14-19-1,29 23 180,-14-27-90,-2 8 90,11-18-90,-26-2 0,16-8-180,-18 6 90,6-8 0,-8 5-449,0-3-1,0-3 450,-20-1 360,15-17 180,-15-5-180,20-15-1,24 15 1,-18-13-180,55 15 90,-40-3-90,31-3 270,-13 13-90,-9-2 0,17-3-90,-23 10-90,11-9 0,-19 5 0,4-13 0,-14 8 0,1-16 0,-7 13 90,-21-12 90,15 13-90,-33-8-90,34 13 0,-12-2 629,3 8-629,11 22 0,-10 11 0,13 11 0,0 4 90,17-10-270,-12 2-269,31-1-1080,-7 14 539,6-14 990,5 8 0,-12-22 0,2-1 0</inkml:trace>
+  <inkml:trace contextRef="#ctx0" brushRef="#br0" timeOffset="23784">6238 2714 9961,'0'-8'180,"-12"4"180,10-4-270,10 22-90,-3 2 0,33 4 0,-19 31 90,3-32-180,2 37 180,-11-32 270,-1 4 179,2-19-449,-12 4-180,2-29 90,-4-3-180,0-34-449,0 7-361,15-3-1168,-11 1 629,23 13 1529,-24-5 0,10 18 0,-13 3 0</inkml:trace>
+  <inkml:trace contextRef="#ctx0" brushRef="#br0" timeOffset="24390">6630 2746 10681,'0'30'0,"21"-13"0,-16 13 0,29-26-90,-31 27-90,25-27 90,-24 22-90,27-23-449,-12 15 449,7-17-270,5 6 180,-14-7 180,9-21 90,-14-2 0,0-13 90,-8 4 180,-2 6 0,0 1 539,-2-12-449,0 9-90,0-11-270,0 19 180,-13-2-180,10 30 90,-10 7-90,35 24 0,-17-6 0,34 1 0,-35-10 0,43 7 0,-28-9-90,38 3 0,-29-12 90,23-6 0,-23-1-180,9-6 180,-14-19-270,-3 14 180,-4-31 90,-2 13 0,-7-8 0,-2-12 0,-5 17 0,-21-10 0,15 14 270,-32-1-270,34 4 0,-27 3 0,27 2 0,-21 4 630,23 4-540,-9 20-180,11 6 90,0 13 90,18-1-90,-13-6 0,26 1-90,-28 0-1080,27 10 541,-8-9-1260,17 11 1889,-8-20 0,-4 1 0,-9-10 0</inkml:trace>
+  <inkml:trace contextRef="#ctx0" brushRef="#br0" timeOffset="24883">7513 2746 8612,'12'15'360,"-2"1"-270,-5 1 0,-4 12 90,8-16-180,-5 15 180,1-10 359,0-1-89,-1-3 629,1-1-809,0-3-270,0-4 0,-1-2 0,5-26 90,-1 16-90,7-44-90,-2 27-784,2-27 784,4 9-360,-6 10 1,2-1-361,9-16-549,-4 11 0,1 2-530,1-3 1889,9-2 0,-13 19 0,0 4 0</inkml:trace>
+  <inkml:trace contextRef="#ctx0" brushRef="#br0" timeOffset="25486">8298 2851 9691,'23'-19'-89,"-3"-3"268,22-5-2129,-7-5 2040,2-4-90,3-3 0,0-1 44,-13 11 1,-1 0-134,10-15 133,-11 10 1,-4 0 766,-4-2-721,-2-16 0,-12 28 333,-3-4-333,-21 15-90,16 3 0,-16 3 1797,3 4-1797,-1 17 89,-3 9-89,13 9 0,4 3 0,5 18-585,8-6 1,0 0-585,-4 6 1169,11-7 0,1-1 0,1 9 0,-2-19 0,0 0 0</inkml:trace>
+  <inkml:trace contextRef="#ctx0" brushRef="#br0" timeOffset="25634">8605 3055 10321,'0'-33'360,"18"-5"-540,-14 6-1114,45-2 34,-21 7-359,29 0 1619,-10 0 0,3 1 0,2 0 0</inkml:trace>
+  <inkml:trace contextRef="#ctx0" brushRef="#br0" timeOffset="26156">9353 2556 12390,'19'37'90,"0"2"-90,4-5 0,4-3 0,-24-8 0,20-3 0,-20-2-180,14 4 90,-15-8-1439,6 1 1529,-8-24-90,0-8 180,0-23-180,0 4 180,0 0-90,0 10 360,0-3-180,17 9-1,4 4-179,1 26-89,5-6 178,-24 33 1,19-20-180,-19 20 90,17-9 0,-12 15 90,4-14-90,-5 15 90,-3-29 0,-1 8-180,-1-39 90,-2-1 0,0-17 0,0-18 0,17 20-90,-12-21 90,27 25 0,-28-2 0,27 15 90,-16 8-180,10 1 90,-5 25-719,2 10-361,-5 12-322,6 1 52,-6-7 1350,2 0 0,2-1 0,1-1 0</inkml:trace>
+  <inkml:trace contextRef="#ctx0" brushRef="#br0" timeOffset="26504">10185 2675 10141,'-21'-21'1709,"-1"-2"-1619,-3 6-90,-7-1 90,20 11-90,-5 20 90,8 12-360,9 23-90,0-9-89,20 1-1,-1-7 180,21-6 180,-7-6 90,-3-11 0,-6-10 180,-7-19 630,-9-4-181,-4-21-629,-4 4 0,0 6 0,-14 15-1169,10 29 90,-10 17 89,30 12 990,-12 7 0,31-21 0,-12 7 0</inkml:trace>
+  <inkml:trace contextRef="#ctx0" brushRef="#br0" timeOffset="26849">10470 2654 9961,'0'5'180,"0"8"-90,0 22-180,13 10 0,-9-17-449,20 16 269,-21-23-720,15 5 720,-11-18 270,5-1 0,-2-24 90,0-4 0,-1-12 720,7-11-630,-6 15-90,1-8-90,-5 14 90,-2 5-90,0 8 90,1-5 0,-2 13-90,2-6-90,2 23 270,0-11-360,7 46-450,-3-27-180,0 8 1,1 2-543,7 0 1352,7 8 0,-3-18 0,1-2 0</inkml:trace>
+  <inkml:trace contextRef="#ctx0" brushRef="#br0" timeOffset="27249">10948 2655 9602,'-13'-7'0,"10"-1"179,-21 7-179,21 12 90,-7 5-90,33 16 0,1-3 0,26-2 0,-16-11 0,0-6 90,-12-4 0,1-5 360,-4-9 629,-5-13-539,-7-19 450,-7-4-990,-18 4-90,14 5 90,-14 41 90,18 6-90,0 33 0,25-3-990,-19 3 990,17-21 0,3 2 0,-9 11 0,-2 1 0,6-10 0,1 0 0,0 8 0,-2-1 0,7 8 0,-4-4-180,-2-5 90,0 4-270,-10-15-1978,-1 4-1080,-37-20 3418,-11-19 0,-18 7 0,-3-13 0</inkml:trace>
+  <inkml:trace contextRef="#ctx0" brushRef="#br0" timeOffset="27437">10208 1966 11041,'26'-4'-360,"-2"2"-1079,-11 20-360,-23 10 1799,5 12 0,-19-17 0,-6-2 0,-12 16 0</inkml:trace>
+  <inkml:trace contextRef="#ctx0" brushRef="#br0" timeOffset="28182">12097 2471 10141,'-24'-26'1439,"2"2"-719,5 7-180,3 1-360,0 3-270,2 1 90,2 4 0,-1 5 0,2 1 0,2 2 0,-1 16-900,5 3 270,0 21-2788,20 15 2069,2-14 1349,1 6 0,17-25 0,-11-1 0</inkml:trace>
+  <inkml:trace contextRef="#ctx0" brushRef="#br0" timeOffset="28520">12320 2525 9871,'-39'0'1979,"3"0"-1889,7 15-90,13 3 90,8 17-90,8-5-270,0-1-269,0-7 89,0 0 90,21-4-1079,2 4 989,24-13 180,-14 1 90,2-10 180,-11 0 0,-1-21 0,-1 16 90,-3-36 270,-2 13-90,-10-11 719,0-10-719,-7 22 270,-19-12-630,15 20 180,-29 3-90,30 24-989,-11 13-91,14 10 1080,18 15 0,7-13 0,18 11 0</inkml:trace>
+  <inkml:trace contextRef="#ctx0" brushRef="#br0" timeOffset="28718">12930 2521 9512,'-46'-6'2698,"4"5"-2698,4-5 0,3 6 0,3 15-630,14 1-179,11 19-91,27-10-89,-15 3 989,50 1 0,-31-10 0,30 7 0</inkml:trace>
+  <inkml:trace contextRef="#ctx0" brushRef="#br0" timeOffset="28899">13080 2064 8702,'-33'19'-652,"4"8"0,15 11 0,5 1 0</inkml:trace>
+  <inkml:trace contextRef="#ctx0" brushRef="#br0" timeOffset="29365">13808 2440 9422,'-53'-14'359,"11"6"-179,0 3-90,14 5-90,1 0 0,1 0 0,3 15 90,-2 0 0,14 17-90,-2-1-270,37 1 90,7-4-89,30-13 179,-14-6 90,16-9 0,-29 0 90,15-20 89,-32-3 271,9-18 360,-24 3-720,6 5-90,-26 14 0,0 8 90,-4 28-90,8 0 0,14 19 90,0-1-180,0 8 180,0 4-90,9-10 0,1 1-90,-6 23-1516,13-13 0,1-1 1516,1 6 90,1 8-496,-5-25 406,-2-8 178,-9-4-88,9-6 90,-13-3-360,0-7 2426,0 1-4585,-22-6 2429,-4 0 0,-1-23 0,7-4 0</inkml:trace>
+  <inkml:trace contextRef="#ctx0" brushRef="#br0" timeOffset="29605">14237 2246 9781,'0'26'990,"0"-2"-900,0 3-90,0-5-90,0 2 180,15-1-90,-11 0 0,12 3-90,-2 17 90,1-9-1169,2 26 269,4-23-1619,-19 24 2519,9-27 0,-11 9 0,0-18 0</inkml:trace>
+  <inkml:trace contextRef="#ctx0" brushRef="#br0" timeOffset="29877">14153 2577 8792,'-3'-28'540,"0"2"-360,3 5 89,0-3-269,20 3 180,-14-1-180,32 3 0,-33 4 90,47-4-90,-31 7-45,11 4 0,2 1 135,-2 2-90,23 2 0,-24 2 0,8 1 0,-15 15 90,-2-11-90,-5 25 90,4-10-90,-8-1 0,3 25 0,-9-29 0,0 32 0,-2-31 0,-3 2 0,-1-13 0</inkml:trace>
+  <inkml:trace contextRef="#ctx0" brushRef="#br0" timeOffset="30096">14848 2297 9871,'12'16'900,"-1"-12"-900,-3 11 90,-2-1-90,3 2-90,-3 9 180,7 12-180,-6-10 90,3 11-450,-3-8-359,1 1-900,3 14 89,-4-12 1620,2 6 0,-6-15 0,0-2 0</inkml:trace>
+  <inkml:trace contextRef="#ctx0" brushRef="#br0" timeOffset="30282">14735 2022 9961,'-2'-6'-60,"1"18"0,1 3 0</inkml:trace>
+  <inkml:trace contextRef="#ctx0" brushRef="#br0" timeOffset="30448">14945 2929 11131,'-20'1'0,"3"0"0</inkml:trace>
+  <inkml:trace contextRef="#ctx0" brushRef="#br0" timeOffset="30914">15335 1942 11041,'16'-12'1979,"5"-3"-1710,-1 4 361,34-3-540,-31 10 45,12 1 0,1 1-45,2 2-45,-4 7 0,0 6-45,6 17 45,-14-10 0,0 4-45,-2 11 0,-3 1 0,10 17-90,-11 0 0,-5 2-958,-8-18 0,-2-1 598,0 16 1,-3 1-181,0-13 0,-4-2-629,-11 4 0,-3 1-421,5-1 0,-3 0 1680,-11 2 0,-3 0 0,5-1 0,1 0 0,-3 1 0,1-1 0</inkml:trace>
+  <inkml:trace contextRef="#ctx0" brushRef="#br0" timeOffset="34506">1558 4248 7623,'0'0'0</inkml:trace>
+  <inkml:trace contextRef="#ctx0" brushRef="#br0" timeOffset="36093">1518 4211 8612,'0'44'1349,"0"-5"-989,0 28-2979,0-19 2619,1-15 0,-2 3 0,-5 2 0,-2-2 90,5 23-1461,-4-13 0,0 0 1371,-4 5-90,8 9-467,-8-10-342,11-17-270,0 9 449,0-27 720,0 0 0,0-11 0,0-2 0</inkml:trace>
+  <inkml:trace contextRef="#ctx0" brushRef="#br0" timeOffset="36575">1462 4252 8972,'0'-30'1079,"17"-2"-989,-13 12 990,23 1-901,-12 13-89,5 20-90,1-9 90,-3 26 0,-2 7-90,6-7 0,2 14 0,-2 4-413,-1 1 458,-1-7 0,0 1-626,3 11 581,-7-21 0,0 1-45,1-1 0,0-3 135,8 17-135,-3-12 0,1-1 45,0 2 0,8 5 0,-13-18-25,-1-5 25,-4-2 90,1 1-90,-7-8 0,0 2 0,-26-9 227,-2-1-227,-4-17 0,-14 11 0,8-27 0,-14 28 0,14-10 0,0-2 675,-9-2-720,-7 0 0,0-1 45,-2-8-325,0 8 0,1 1 325,6-1-45,10 2 0,0-1-135,2-2 0,-4-10-404,16 4 494,9 3-270,0-10 270,9 11-359,24-4-631,16-1 541,13 5 134,-9 3 0,0 1 225,15-2-240,-17 6 0,7-1 1,-6 1 156,-7 5 1,-1-1 0,19-5 0,-2 0 0,0 2 0</inkml:trace>
+  <inkml:trace contextRef="#ctx0" brushRef="#br0" timeOffset="36760">2172 4161 8252,'-21'-6'630,"16"1"0,-56 1-451,29 2 91,-25-1-270,20 20 0,1 9 0,6 12-483,-7 9 438,18-13 0,1 2 135,3-7 0,1 3-135,-12 27 0,0 1-644,9-20 0,0 0 689,-4 12 0,-2 2-270,-4 3 1,0-2-181,6-12 0,-3 0 450,-2 4 0,-3 4 0,2-5 0,0-4 0,1-2 0,-8 13 0,0 0 0</inkml:trace>
+  <inkml:trace contextRef="#ctx0" brushRef="#br0" timeOffset="37508">2753 4346 9152,'-9'-13'-90,"-4"5"0,8-4 90,-3 7 270,1-1-180,3 5 0,0 15-90,3 15 0,1 10 0,0 11-870,0-8 960,0 5 44,-1-13 1,2 1-147,13 17 12,-13-9 0,1-2 0,12 2 89,-14 19 181,0-35 90,0 4 0,0-18-180,0-6-180,-12-22 779,-1-8-599,-12-26-270,12 12 180,-7-17-90,10 26 14,-8-19-14,8 26-90,4-3-180,2 12-4497,3 5 4767,-2 16 0,3-8 0,0 13 0</inkml:trace>
+  <inkml:trace contextRef="#ctx0" brushRef="#br0" timeOffset="37899">3013 4200 8882,'0'-6'989,"-17"2"-89,12 2-540,-36 1-180,16 0-180,-14 17 89,-9 6-89,17 11 0,5-9 0,0 0 0,-3 12 0,5 3 0,3 2 0,3 4 0,6-2 0,4-1 0,5-3 0,3 27 0,24-29 90,-3 22-180,7-27 270,0 23-90,-13-31 360,0 16-360,-3-25-90,-34 7 90,17-11-180,-44 2 90,11-6-90,-12-2-720,16-3 1,1-1-450,-5-1-1080,-15-15 2339,35-4 0,0 0 0,18 3 0</inkml:trace>
+  <inkml:trace contextRef="#ctx0" brushRef="#br0" timeOffset="38258">3345 4536 8522,'11'23'2069,"-3"-4"-1529,-4-3-540,-4 0 0,0 17 90,0-10-90,0 0 90,-14-1-180,10-4 180,-11 9-180,15-10-90,16 2-360,4-2 270,0-6-449,28 0 539,-28-8 90,40-16 90,-28 9 0,-7-18 0,0-4 180,1 5 0,4-29 899,-11 7-449,-8 10-361,-1-14-179,-9 25 0,-1-3-180,0 38 90,0 7-1889,0 32 540,20-13-360,-15 2 1709,33-15 0,-33-12 0,12-3 0</inkml:trace>
+  <inkml:trace contextRef="#ctx0" brushRef="#br0" timeOffset="38511">3625 4222 8972,'0'-33'809,"27"-1"-359,-21 4 0,51 1-996,-32 2 726,27 5-180,-12 1-180,1 5 270,-1 5-180,-3 3 218,-2 4-218,-5 2 90,6 2-90,-15 18-801,2 5 82,-17 22-451,-23 3 361,12-8 899,-34 8 0,13-23 0,-18 5 0</inkml:trace>
+  <inkml:trace contextRef="#ctx0" brushRef="#br0" timeOffset="38677">4333 3961 7713,'10'16'90,"-4"9"-90,-3 10 0,-3 4 0,0-7 0,-23 5 0,18 23 0,-34-13 0,19 14 0</inkml:trace>
+  <inkml:trace contextRef="#ctx0" brushRef="#br0" timeOffset="39491">5178 4659 10411,'-46'0'450,"0"0"-270,12 0 0,-3 0-1,0 0-268,1 0 89,0 19 89,1-14-178,5 31 178,-2-13-89,17 8 90,1 5-180,14-17-89,19 4-181,11-9 180,12-7-90,4-1 90,-7-6 180,1-15-180,18-12 180,-15-9-959,-10 6 0,-1-2 869,0-11 90,-13 14 0,-3-4-313,-6-4 1,-4 0 312,7-22 45,-9 19 0,-2 0-45,2-18 89,-4 1 136,-10 18 0,-2 1 45,7-19-270,-13 15 0,-1 3-90,4 1 180,-2-3 270,-5 25-270,19 31 0,-7 40-90,10 7-309,-2-19 1,4 1 218,15 16 90,-12 2 0,10-32 0,2 2 45,-6 11 0,-2 0-45,10 18-922,2-14 0,0-3 832,-5-2-147,4-13 1,3-4-213,-1-7 89,4 0 180,-8-15 90,-2-2 782,-1-16-602,1-9 3326,-5 5-2516,1-36-341,-8 27-559,0-24 360,-4 24-360,0 29 90,0 13-90,0 26 0,20 0-270,0-6-90,22 1-359,-13-22-541,13 8 811,-17-19-181,17 6 540,-18-23 90,3 11 360,-5-31 89,-9 8 631,2-20-540,-11 12-361,-1 4-179,-3 10 450,0 6-360,0 20-90,0 8 0,17 27-180,-12-9-719,12 3-1,2-12-89,-14-1 989,31-3 0,-22-1 0,15-3 0</inkml:trace>
+  <inkml:trace contextRef="#ctx0" brushRef="#br0" timeOffset="39692">6132 4517 10231,'0'36'90,"0"4"-180,14-6 90,-10-1 0,11-9 90,-4-4-1079,-8 1-91,18 0-539,-9-4 1619,9-5 0,-7-7 0,-1-5 0</inkml:trace>
+  <inkml:trace contextRef="#ctx0" brushRef="#br0" timeOffset="39828">6352 4540 8342,'6'0'540,"0"17"-630,2 6 180,-1-1 0,7 30-90,-4-33-90,14 39-360,-5-32-449,11 8 899,11-11 0,-5-11 0,13 0 0</inkml:trace>
+  <inkml:trace contextRef="#ctx0" brushRef="#br0" timeOffset="40245">6822 4544 9781,'-35'-8'720,"14"20"-630,8 4 0,33 5-180,-15 5 90,30-23 0,-31 21 180,28-14-180,-12 2 90,11-5 809,-13-24-629,-9-3 180,-27-1 0,13-10-450,-30 14-90,30-10 90,-23 12 0,26 22 0,-9 17 0,29 25-90,-13-3 90,12 6 0,3 7 0,-16-16-90,12-6 0,-1-2 90,-12 5 0,8 25-90,-31-30-990,15 11 900,-41-16 0,23-2-180,-25-2-405,18-9 1,-1-1-585,-18 8 1349,5-8 0,1-1 0,-7 0 0,-15 1 0</inkml:trace>
+  <inkml:trace contextRef="#ctx0" brushRef="#br0" timeOffset="40507">5870 5338 12660,'-18'13'-3868,"-3"-2"3868,9-4 0,0-4 0,10-2 0</inkml:trace>
+  <inkml:trace contextRef="#ctx0" brushRef="#br0" timeOffset="40923">7975 4065 12390,'0'-6'360,"0"1"-360,0 27 0,0 11 0,0 2 0,0 3 0,0 26-1254,0-26 0,0 0 625,0 20-451,0 0 401,0-1-715,0-19 0,0-1 1394,0 15 0,0 8 0,0-27 0</inkml:trace>
+  <inkml:trace contextRef="#ctx0" brushRef="#br0" timeOffset="41122">8288 4399 10951,'-19'-15'989,"14"0"-539,-32 8-90,14 2-360,-19 20 0,8-12 90,2 30-90,3-6 0,16 9-810,-11 14 270,22-21-719,19 16 270,-11-24-1,48-1-267,-27-9 267,28-10 990,-9 4 0,2-25 0,1-5 0</inkml:trace>
+  <inkml:trace contextRef="#ctx0" brushRef="#br0" timeOffset="41623">8595 4150 10501,'-18'-25'630,"14"3"-720,-34 1 180,33 8 179,-15 2 1,8 8-360,9 26 90,-9-4 90,12 24-180,16 14 90,6-9-843,-4-4 1,2 2 752,14 11 135,-17-21 0,-3 0-315,0 11 270,13-4-90,-22-4 180,22-2 0,-15-12-270,0 0-90,2-18-899,-11-2 1259,5-19 1448,-2-6-1358,1 1-270,5-29 180,-2 30 327,7-26-417,-7 20 270,4 12-90,-2 0 0,-2 12 0,8 0-180,-8 19 90,11 6-180,-11-1 180,8 19-180,-7-26 180,1 19 0,0-13-450,6-3 180,-5 1-270,12-11 360,-10 0 0,5-10 90,-4 0 0,-3 0 0,3 0 0,-1-21 0,0 16 90,-1-32 0,4 16 270,-5 1-270,5-8 0,-11 18-90,3-4 0,-4 7 0,0 7 0,0 0 0,1 0 0,0 18 0,2-13-2249,6 28 270,-4-14 1979,5 0 0,-5 11 0,0-12 0</inkml:trace>
+  <inkml:trace contextRef="#ctx0" brushRef="#br0" timeOffset="41786">9293 4081 12120,'-13'-23'-720,"-1"-2"91,-2 9 629,6 2 0,10 26 0,0 7 0</inkml:trace>
+  <inkml:trace contextRef="#ctx0" brushRef="#br0" timeOffset="43372">5160 6570 8702,'-8'5'1259,"0"-3"-899,3 3 2968,0 0-3238,4-16-90,0-1 0,1-12 0,14-12 0,-11 10 0,25-27 0,-25 19 0,12-1 0,0 0 0,-10 2 0,18-22-90,-21 37-90,5-1 180,-6 30 0,-1 8-449,-13 29-1,10-7-904,-11 6 634,5-10-359,7 1 180,-7 0 156,3-1 293,5 0 271,-5-2-91,-1 13 360,2-13 90,-8 15 269,7-24 181,-2 0-270,3-13 0,-1-4-181,2-4 903,1-1 717,1-3-1774,19-17-115,7-2-180,26-17-1798,4 5 988,-6 12-224,-16 5 0,-2-1 1156,7 2 0,8-8 1,-16 4-1</inkml:trace>
+  <inkml:trace contextRef="#ctx0" brushRef="#br0" timeOffset="43621">5483 6501 9062,'-17'-4'629,"13"-1"-539,-25 1 90,17-3-180,-3 4 810,6-4-810,29 6 0,6-1 90,13 18-90,10 4 0,-18 0 360,17 27-270,-23-28-1,4 28 91,-14-6-270,-7-9 90,-2 24-90,-26-23 90,4-4 0,-3 0-179,-26 5-1190,19-11 0,-1-1-70,-12 9-450,-4-2 1824,3-1 0,1-3 1,3-2-1</inkml:trace>
+  <inkml:trace contextRef="#ctx0" brushRef="#br0" timeOffset="44393">7320 5935 9242,'-29'0'90,"-1"0"-90,-6 24 0,-2-18-2229,-2 45 2229,0-27-90,4 25 90,1-8 90,9-1-90,5 2 618,11-2-528,27 12-90,5-13 0,13-10 0,4-2-288,14 3 288,-14-12 0,0-1 0,17 4 0,-4-3 0,-5 1 0,-6-4 0,-9-1 90,-13-2-180,0 5 1232,-17-5-1142,-17 8 90,8-11-90,-45 4 0,28-4 0,-25-3 0,12 1-180,-10-3 90,13-1 937,-3-1-847,24-18 0,33 12 0,4-25 0,9 19 0,3 2 0,10-8 45,-4-4 0,0 1-135,8 4-524,-17-2 0,-1-1 614,8-2 0,-4 1 180,-1-2 180,3-12-91,-11 6 1,4-18-90,-20 18 90,-3-16-90,-6 22 0,-2-6 90,-20 15-90,15 1 179,-32 5 869,16 3-1228,-18 24 0,3 8 0,15 12 0,8 4 0,13-9 0,0 3-450,0 1-1079,20 0 0,-15-1 1529,25-12 0,6-2 0,-5 10 0,5-13 0,-1-1 0</inkml:trace>
+  <inkml:trace contextRef="#ctx0" brushRef="#br0" timeOffset="44777">8153 6528 8792,'25'-21'540,"-19"-17"-450,37 20 0,-39-21 0,37 6 359,-13-21-269,10 8-456,-16 6 0,-5-1 456,-3-10 90,-2-2 0,-3 0 89,-7-2-134,-6 4 0,-1 1-45,0 6 45,-10 12 0,-3 1-225,0 0 282,-14-6-282,15 26 90,-6 0-90,20 36 0,-8 15 0,11 17 0,0-10 0,0 1-601,-1-14 0,2 0 196,10 13 1,1 0-136,-11-11 0,3-2-135,17 0 1,1 0-91,-13-2 1,1 2 764,16 9 0,4 0 0,-11-12 0,0-1 0,7 8 0,1-1 0</inkml:trace>
+  <inkml:trace contextRef="#ctx0" brushRef="#br0" timeOffset="45089">8650 6536 11400,'-21'-8'810,"4"-1"-810,17-5-90,0 4 180,23 0-180,-18 3 0,44-3 0,-28-1-270,39-8 270,-24 5-89,20-11-1,-27 11 180,0-12 0,-15 12 0,-7-12 0,-3 10 0,-23-5-90,-1 2 180,-3 7-90,-10-2 90,13 10 0,-11 1-90,12 17 0,9 6 0,10 22-1979,24 9 360,-18-5 1389,18-23 0,3-2 1,-2 8-1,26-2 0</inkml:trace>
+  <inkml:trace contextRef="#ctx0" brushRef="#br0" timeOffset="45321">9537 6264 10141,'-34'-4'1709,"-1"-2"-899,-13 5-720,13-2 180,-22 16-180,38 2-1,-11 20-178,29-8-1,15 18-450,-9-16 0,43 10-719,-3-5 449,16-10-755,-16-10 0,0-3 756,12-2 809,-21-7 0,0 0 0,12-2 0,-1 0 0</inkml:trace>
+  <inkml:trace contextRef="#ctx0" brushRef="#br0" timeOffset="45672">9927 5955 9691,'-20'-32'1440,"15"6"-1260,-30-3-360,31 13 719,-18 0-449,20 34-90,-5 36 90,24 4-833,-16-7 0,2 0 743,30 6 0,-31-19 0,0-2 0,27 12 0,-26-3 0,21-5-297,-12 8 297,1-16-1529,0 12 809,-11-25 180,2 3 1,-4-13 269,0 0 90,0-5 1184,-17-1-645,-5-2 1,-21 0 0,7-1 719,-10-18-899,19-2 270,-6-1 420,15-11-421,8 19-89,-2-15-360,10 7 0,-4-2 90,6 0-1169,24-13-180,13 9 1259,-2 4 0,2 1 0,-5 10 0,0 0 0,2-4 0,0 1 0</inkml:trace>
+  <inkml:trace contextRef="#ctx0" brushRef="#br0" timeOffset="47537">11033 6311 10681,'21'-18'1349,"-16"-6"-1169,31 14-180,-32-7 0,27 2 0,-27 0 0,28 2-360,-10-4-539,6 8-2429,11-1 3328,-15 8 0,7 1 0,-8 1 0</inkml:trace>
+  <inkml:trace contextRef="#ctx0" brushRef="#br0" timeOffset="48827">11732 6093 8792,'0'-6'630,"0"20"-630,0 6 0,0 14 90,17-2-90,-12 9-90,28-9 180,-29 21-180,23-24 180,-24 5-90,8-16 90,-6-3 359,-4-5-539,4-3 180,-2-4-270,-2-18 270,2-8-180,-3-10 90,0-6 90,0-11-90,19 8-45,-18 7 0,3 1 45,33-2 90,-21-16-90,4 30 90,-1 3 0,-8 13-90,8 6 90,-3 24 0,-3-5-90,-3 24 0,-2-9 0,-2 5 0,1 1 0,-3 22 0,-1-18 180,-1 21-180,-2-36 360,0 2-540,0-44 90,0-11-90,18-36 270,0 10-135,2 15 0,-1 2-171,0-5 126,14-10 90,-29 23 0,27 3-90,-20 8 360,17 7-360,-13 4 180,10 25-180,-11-16 90,-1 25 0,-2 6 0,4-8-402,-6 5 1,0 1 491,5 6-180,2 0 90,0 0 90,12 10-90,-4-15 90,19 11-270,-13-29-90,23-3 90,-17-12 180,11-17 0,0-11 0,-14-9 0,-8 9 0,-2-2 90,-4-8-90,3-26 450,-17 25 90,-1-10-91,-4 8-449,0 12-90,-15-5 360,11 19-360,-11 21 90,15 24 0,17 5 0,-13 22 90,25-29-180,-26 9 1289,9-16-1199,2-2 0,-11-4 90,18-3-180,-19-3 90,12-4-180,0-2 180,3-4 0,9-16-90,-9 10 180,4-31-90,-6 19 0,-1-19 0,-2 8 0,-2-2 0,-4 1 0,-2 1 0,-1-6 0,-1 11 90,-1-1-90,0 34 90,-1 13-90,0 15 90,0 18-90,0-21 45,8-1 0,5-1-45,10-2 0,1-9 0,4-3 0,12-4 0,25-9 0,-23-2-45,-3-13 0,-1-8 45,7-19 0,0-6 0,-3-5-231,-20 14 0,-2-1 186,14-21 0,-4 0 45,-8-4 0,-12 7 0,-2 0 0,-2-11 0,-3 10 0,-5 0 90,-20-8-45,20 23 0,-2 0 180,-15 4 0,-3 3 45,-2-12-225,4 12 0,-1 3-45,-3 3 0,-6-3 180,20 19-180,-5 18 0,8 35 90,7 0-90,-1 1 0,2 2-700,13 7 700,-12-16 0,0 0 0,12 17 0,3-1 0,-12 1 0,26-1 0,-20 0-270,14-4-450,-12-16 1,1-1-361,10 13-359,-5-10 0,2-2 1439,7-3 0,10 4 0,-8-19 0</inkml:trace>
+  <inkml:trace contextRef="#ctx0" brushRef="#br0" timeOffset="49204">14122 5833 11311,'0'-15'539,"-14"1"-539,10 6 720,-10 2-720,14 22 0,0 23 90,0 5-90,8-3 0,1 0 0,-5 8-1741,10-5 0,0-1 1291,0 8 90,-1 13-121,7-24-239,-17-2-1169,18 18 1350,-18-23-451,9 16 990,-12-34 0,0-3 540,-17-8-270,-3-4 90,-1-15 89,-11 11-269,27-32 810,-28 7-721,16-10-448,-12-15 179,14 22 90,6-8 3017,9 16-3197,0 2-43,0 4-587,0 2-180,0 3-449,26 3 1349,-20 0 0,46 4 0,-20 1 0</inkml:trace>
+  <inkml:trace contextRef="#ctx0" brushRef="#br0" timeOffset="49387">14453 6114 10861,'0'35'-90,"0"-6"180,0 0-270,0-6-810,16 1-1708,-12 10 2698,25-9 0,-25 5 0,10-11 0</inkml:trace>
+  <inkml:trace contextRef="#ctx0" brushRef="#br0" timeOffset="49539">14582 5869 10141,'0'-20'-90,"-11"2"90,9 8 0,-9 4 0,26 21 0,4 6 0</inkml:trace>
+  <inkml:trace contextRef="#ctx0" brushRef="#br0" timeOffset="49986">14913 5990 8792,'0'47'1169,"0"-7"-6829,0 6 5660,0-7 0,0 5 242,6-11 1,3 0-243,7 19 492,-1-10 0,0 3-492,-3-3 0,-1-1 0,-4-8 0,-1 1 225,2 10 0,-2-4 3536,-4-9-3761,4-16 1240,-23-45-1285,-3-10 0,0-5 45,7 8 0,0-2-45,-13-23 0,5 1 0,19 26 0,1 1 45,-4-26 0,-1-1-98,4 16 0,4 0 8,8-4 0,5 2 90,-3 14 0,3 5 360,37-8-270,2 45 0,-12 27-90,-22-9 0,-3 4 0,-7 7 0,-5 1-90,2 15-2518,-27 7 899,15-29 884,-30 6 1,31-19 0,-11-3-1</inkml:trace>
+  <inkml:trace contextRef="#ctx0" brushRef="#br0" timeOffset="50304">15328 6064 960,'49'-34'810,"-21"11"129,8-12 1,-3-2-940,-8 0 0,-4-1 0,-2-1 0,-7-1 0,-5 4 0,-2-1 0,-2-7 0,-2-15 630,-19 0-181,13 14 371,-13 11 0,0 0-820,14 0 0,-15-5 2048,8 17-1958,8 32-90,-8 15 90,11 22 1772,0 10-1862,16-6 0,-13 6 0,13 2-270,-9-16 0,-1 1-90,1-11 1,1 1-1170,6 20 0,0 0 359,1 4 1170,-1-21 0,-1-3 0,-1 6 0,13-2 0</inkml:trace>
+  <inkml:trace contextRef="#ctx0" brushRef="#br0" timeOffset="50625">15787 6096 11221,'0'-18'1619,"0"4"-1619,22 8 0,-17 0 0,38 3 0,-26-3-180,35-5 180,-19 2 0,30-10-90,-26 5 45,-1-1 0,0-1-45,-3-3 90,18-17-90,-38 17 90,-2-14-90,-10 12 360,-19-9-90,-8 14 359,-38 1-359,18 11-45,11 10 0,3 6-135,14 18 45,-1 0 0,3 3-45,13 20-1393,-10 11 673,34-17 90,3 2-225,-2-24 1,5-2 854,14 7 0,4-3 0,-7-7 0,1-2 0,17 3 0,-1 1 0</inkml:trace>
+  <inkml:trace contextRef="#ctx0" brushRef="#br0" timeOffset="52859">5535 8322 10411,'0'-14'989,"0"2"-989,0 4 0,0 1 0,0 1 0,-14 0 0,10-1 0,-10 1 0,14-2 0,-12 1 0,10 0 0,-17 1 0,17-2-179,-9 3-91,6-7 90,-2 1 90,3-4-90,1 2 180,3-3-90,0-9 90,0 4 0,23-13 0,-2 15-90,5-3 90,6 12 0,-27 1 0,28 6 0,-19 1 0,5 27 0,-3 13 90,-15 14-90,2-10 0,-1 0-542,-2 13 542,-8-16 0,-1-1 0,4 14 0,-30-1 0,30-5 0,-12-17 0,-4 0 0,-2 9-164,-18 14 164,18-32-359,-11 3 359,25-18 0,-10-15 0,13-11 532,6-18-532,0 0 90,20 5 173,1 2-263,21 21 90,-1-1-180,-7 12 90,10 14 0,-18-10 0,9 28-629,-12-28-451,3 32 1080,23-13 0,-17 14 0,17-1 0</inkml:trace>
+  <inkml:trace contextRef="#ctx0" brushRef="#br0" timeOffset="53107">5845 8559 8432,'-14'-4'1439,"3"18"-1439,32-14 270,1 27-270,3-8 90,10 6 180,-17 16-270,3-14 180,-1 27-360,-18-22-617,6 15 707,-28-14 180,15 2-180,-43 0-630,27-9 0,-1 1 90,-5-7 1,-2 0 629,-12 14 0,0-1 0,-7 3 0,16-13 0,1 0 0</inkml:trace>
+  <inkml:trace contextRef="#ctx0" brushRef="#br0" timeOffset="53870">7388 8145 10411,'0'40'90,"0"-6"-90,0 8 0,0-5 90,0 5-751,0 2 661,0 3-90,0 0-899,0-1-1890,0 14 2879,0-19 0,18 8 0,4-23 0</inkml:trace>
+  <inkml:trace contextRef="#ctx0" brushRef="#br0" timeOffset="54070">7435 7955 9152,'-5'-4'-2159,"-1"-1"2159,5 18 0,-2-11 0,3 13 0</inkml:trace>
+  <inkml:trace contextRef="#ctx0" brushRef="#br0" timeOffset="54454">7712 8343 8252,'0'12'1439,"0"3"-1169,0 1-180,0 5 0,0-3-180,0 4 90,0 12 90,0-7-90,0 18 90,0-18-180,12 12 90,-10-18 0,10 5 0,-3-14 0,-7-2-90,7-4-180,-3-2 270,-3-2 0,6-18-90,-4 12 180,1-32-90,-1 17 0,1-19 0,-1 6 0,2-1 90,-1 0 0,0 4 0,0-3 0,-2 12 630,3 2-630,-5 13-180,3 26 180,-2-15-180,3 49 180,-2-32-1035,1 10 1,0 2-585,4 2 1529,3 12 0,2-18 0,0-1 0</inkml:trace>
+  <inkml:trace contextRef="#ctx0" brushRef="#br0" timeOffset="54914">8282 8512 8792,'-23'19'1259,"6"4"-1169,17 12-90,0-1 0,0-7 0,0 3 0,0-1 90,0 1-180,0-1 90,15 11 0,-11-12 90,12 11 0,-16-22 180,9 3-720,-26-29 270,7-10-179,-27-31 269,18 5-45,5-5 0,2-3 45,2-8 135,3-3 0,1 1-914,-1 1 869,5 22 0,4 1 0,15-8 0,-12 6 180,27 10-90,-28 9 270,30 9-181,-11 6 1,1 24 0,9-12 45,-24 31 0,-2 5-225,16-8 245,-14 6 1,-5 3-156,2-3-90,-6 1-90,0-3 90,0-1 0,-18-4 0,13 6-629,-30-12-1530,30 7 2159,-26-21 0,28-1 0,-10-8 0</inkml:trace>
+  <inkml:trace contextRef="#ctx0" brushRef="#br0" timeOffset="55519">8570 8389 9062,'8'0'1439,"-1"0"-1259,4 18 0,-5-14-90,4 31-180,-4-16 180,4 15-90,-3-9-450,9 4 90,-3-12-269,6 3-721,9-7 721,-3-7-1,23 0-359,-17-6 870,22-18 238,-24 13 735,-4-23 1,-2-4-226,-3 10-179,-5-10 0,-4-2-90,-5 8-91,0-10 811,-6 17-900,0 25-180,0 24 90,17 10 0,-12 6-90,29-18 90,-30-2-90,34-2 0,-19-2-180,21-5-90,-7-7-360,22-4 270,-12-6 135,-5-8 1,1-1-221,5 4 445,-14-14 0,-3-3 0,11 0 0,-7-22 0,-2 7 0,-1-22 0,-10 13 180,-8 4 0,-3-1 360,-3-9-1,-1 9 1,-3 0-90,-17-5-270,13-9-180,-12 24 90,2 7 0,10 7 359,-10 7 1,5 6-450,6 28 90,-6 30-180,9 3 135,7-8 0,2-1-135,-5 5 90,11-7 0,-1 0-629,-11 5-46,7-7 0,2-2-50,-3 3-1119,-1-1 0,2-2 1844,4-3 0,-6 15 0,-3-29 0</inkml:trace>
+  <inkml:trace contextRef="#ctx0" brushRef="#br0" timeOffset="55654">9450 8396 9422,'0'-30'359,"21"2"-269,-16 3-180,46 0-269,-6-2-811,15 7 1170,-15 9 0,-1 2 0,11 4 0,-18 3 0,0 1 0</inkml:trace>
+  <inkml:trace contextRef="#ctx0" brushRef="#br0" timeOffset="56358">10647 8245 11400,'44'0'-179,"6"0"-811,-7 0-629,1 0 1619,6 0 0,-10 0 0,12 0 0</inkml:trace>
+  <inkml:trace contextRef="#ctx0" brushRef="#br0" timeOffset="57153">11408 7950 9871,'0'-4'1799,"-14"1"-1709,11 23-90,-11 10 90,4 12-90,8 6-459,-8-8 549,10 5-90,0 4 0,0 2-90,0 1-810,0 0-825,0-2 466,18-1-90,-14-1 1349,14-5 0,0-3 0,4-4 0</inkml:trace>
+  <inkml:trace contextRef="#ctx0" brushRef="#br0" timeOffset="57342">11278 8446 9512,'-3'-15'539,"2"3"-539,-3 0 90,4 3-180,17-2 90,7 4-270,26 1-269,-8 4-631,23 2 631,-24 0 539,0 7 0,0 0 0,0-3 0,20 10 0</inkml:trace>
+  <inkml:trace contextRef="#ctx0" brushRef="#br0" timeOffset="57736">11768 8456 8072,'0'8'630,"0"0"-540,0 2 0,0 0-90,0 7 0,0-4 90,0 12 0,0-11-90,0 5 0,0-6 90,0-2-90,19 0 0,-15-3 0,29 0 90,-29-3 0,26-2 0,-10-2 0,14-1 89,-9-15 1,-4 11 180,-13-27-90,3 28 0,-10-32 359,4 7-359,-5-9 90,0-7-270,0 21-270,-14-7 360,11 17-180,-11 28 0,14 19 0,0 2 0,0 3 90,0 26-249,-1-28 0,2 1 159,7 6 0,1-1 0,-8-10 0,2 2 0,14 20 0,0 1 0,-13 6-45,11-16 0,-1-2 45,-11 2 90,15 14-270,-17-33 180,5 0-3418,-6-14 3418,-17-7 0,12-22 0,-13-9 0</inkml:trace>
+  <inkml:trace contextRef="#ctx0" brushRef="#br0" timeOffset="58203">12533 8457 9332,'0'35'2338,"-14"-4"-2338,11 1 0,-11-7 90,14 2-90,0-6-90,0 1 180,0 0-180,17 1 90,-13 1 0,13 0 90,-6 9-180,-8-9 90,8 6 0,-11-12 0,0-3 90,0-3-899,0-2-1,0-4 540,-18-1 90,14-20 1,-30 11-1,31-34 90,-31 17 45,27-11 0,1-3 45,-25-16-613,23 2 1,4-2 657,-2 18 0,1 0 180,2-24 0,6 1 0,6 24 0,3 1-192,-1-23 1,5 3 236,35 9-135,-25 11 0,1 6 45,14 15 89,-4 18-269,-8-4 90,-5 47-90,-6-26 0,-7 31 90,-11-19-180,0-1 90,0 1-719,-21 13-361,16-13-1528,-32 19 1169,21-27 1439,-3 0 0,7-14 0,12-4 0</inkml:trace>
+  <inkml:trace contextRef="#ctx0" brushRef="#br0" timeOffset="58520">12885 8466 8702,'14'0'989,"2"0"-809,-1 0 0,1 0-90,-1 0 90,0 11-180,4-8-90,14 9 180,-5-12-90,26 0 0,-19-17-785,13 12 695,-15-29 90,0 29 90,-3-34-90,-4 23-361,-4-20 451,-5 11 180,-7-11-90,-5 9-90,-2-14-90,-22 20 90,15-2 269,-32 10 576,15 7-845,-18 2 0,17 22-90,-9 8 0,21 11-135,2-1 0,1 1-1394,0 5-405,26 0 0,8-1 1934,3-2 0,5-14 0,2-3 0,10 7 0</inkml:trace>
+  <inkml:trace contextRef="#ctx0" brushRef="#br0" timeOffset="58819">13848 8303 10681,'-1'28'809,"18"-13"-809,-13 3-359,28-16-2250,-11 10 540,-1-7 2069,17 4 0,-24 0 0,18-3 0</inkml:trace>
+  <inkml:trace contextRef="#ctx0" brushRef="#br0" timeOffset="58974">13888 8580 12030,'48'-11'-2159,"-7"8"360,8-9 1426,-7-2 1,2 11-1,2-11 1</inkml:trace>
+  <inkml:trace contextRef="#ctx0" brushRef="#br0" timeOffset="59312">14922 7528 10681,'-16'-8'540,"1"2"-271,-5 2-179,8 2-90,-10 23 0,12-16-90,-11 36-179,10-12-2160,-6 32 1529,12-21 1,-1 5 899,6-27 0,20 1 0,6-2 0</inkml:trace>
+  <inkml:trace contextRef="#ctx0" brushRef="#br0" timeOffset="59438">14943 7699 10771,'7'-9'-810,"-2"29"-899,-5-11 1709,0 31 0,0-5 0,0 3 0</inkml:trace>
+  <inkml:trace contextRef="#ctx0" brushRef="#br0" timeOffset="59936">15398 8730 9961,'-7'-12'0,"3"-4"0,2 3 0,23-17 0,-16 8 0,34-25 0,-14 13 0,-2-12 0,-3 18 0,0 1 90,1-16-45,-4 5 0,-1 0 135,3-7-90,-12 8 0,-3 0 180,-4-4-180,0-9-270,0 22 90,0 5 90,-15 4 360,11 6-270,-11 26 0,15 37-90,0 3-775,0-14 1,0 0 774,0 13 90,0 4-90,0 0-45,-1-16 0,2 0-495,12 19-135,-12-12 1,1 0 44,11 5 0,-12-14 1,-2-1-91,1 2 91,0 4 629,-20-21 0,15-4 0,-15-3 0</inkml:trace>
+  <inkml:trace contextRef="#ctx0" brushRef="#br0" timeOffset="60036">15442 8907 8702,'0'-37'270,"0"-1"-360,0 11 0,20-1 0,-15 7-360,36-1-359,-22 0 809,36-13 0,-17 9 0,14-10 0</inkml:trace>
+  <inkml:trace contextRef="#ctx0" brushRef="#br0" timeOffset="60223">16008 8144 10771,'-18'29'90,"3"6"-180,15 4 90,0-4-720,0 0-179,0-10-91,0-1-269,0-1 1259,0-2 0,19-1 0,4-1 0</inkml:trace>
+  <inkml:trace contextRef="#ctx0" brushRef="#br0" timeOffset="60391">16065 7867 10501,'-16'-20'-90,"4"0"90,12 11-1709,-8 0 1709,5 24 0,-5 8 0,8 20 0</inkml:trace>
+  <inkml:trace contextRef="#ctx0" brushRef="#br0" timeOffset="60769">16283 8586 11760,'19'-22'450,"-15"-16"-360,29 19 0,-29-19 90,27-13-180,-9 10 45,-5 4 0,1-1-45,2-10-2741,-8 5 1,-4-1 2920,-5-10-135,1 17 0,0 0 1194,-4-14-970,0-1 1,0 1 0,1 16 0,-2 1 90,-14-17-225,13 14 0,0 1-135,-13 1 805,15-2-805,0 22 270,0 4-270,0 28 0,0 15 0,0 18-315,6-7 0,1 2 2300,-4 19-2255,3-18 0,1 0-90,-1-12 1,0 0-1,-5 1 0,1 0-90,9-2 1,-1 1-631,-8 30 91,16-5-1,-10-6-1078,12 9 2068,-6-23 0,0 4 0,-5-21 0</inkml:trace>
+  <inkml:trace contextRef="#ctx0" brushRef="#br0" timeOffset="61074">16617 8440 11041,'0'-26'449,"20"11"-449,6 3-90,13 12 90,-3 0 0,-6 0-89,15 0 178,-11 0-89,10-18-89,-18 13 178,-4-29-89,-6 12 90,-7-7-90,-5-2 270,-22-1 0,13 8 270,-34-12-360,10 20 180,-10 2-271,-7 10-89,14 21 90,3 9-90,12 24-449,10-7-1080,31 17 449,-18-24-76,19-12 0,3-1-1273,-3 7 2429,29-2 0,-7-4 0,4-4 0</inkml:trace>
+  <inkml:trace contextRef="#ctx0" brushRef="#br0" timeOffset="61469">17220 7515 10951,'-3'-7'180,"-1"1"89,2 3-179,-1 1-90,1 2 0,-1 15 0,2 5-629,1 17-720,0 4 629,0-8-809,0 3 1259,0-14-360,13-6 1170,3-7 2248,31-47-2068,-14 16-881,-9-5 0,-1 0 791,7-2-91,1 1-269,0 1-180,7 4-90,-10-2-90,10 13 90,-22 0-180,5 12-809,-11 21-1620,-3-2 2609,-5 24 0,-2-1 0,0 5 0</inkml:trace>
+  <inkml:trace contextRef="#ctx0" brushRef="#br0" timeOffset="62641">18535 8071 10231,'-14'-5'2159,"3"0"-810,11 3-1439,19 0-449,8 1-631,12 1-809,3 0-899,-3 0 2878,3 0 0,7 0 0,2 0 0</inkml:trace>
+  <inkml:trace contextRef="#ctx0" brushRef="#br0" timeOffset="64471">19362 7960 10051,'-2'-13'1619,"0"25"-1529,22-11 0,-15 41-90,15-20 0,-1 19-409,-15-4 409,26 1 135,-27 1-225,18 17 270,-18-16-270,14 22 90,-15-32 0,7 5 157,-8-19-157,2-3 0,-3-7-449,1 0 386,0-19-117,0-20 90,-1-4 90,0-15 0,0 15 0,0-2 0,17-1-247,-12 2 157,31 0 90,-31 4-90,33-3 180,-14 15 0,15 3-90,-7 15 0,-8 20 90,-9-12-90,-3 40 0,-1-21 0,-1 26 0,-2-11 247,-1 3-247,-3 16 0,-2-15 45,-1-8 0,0-2-45,1-6-90,2 8-90,-1-28-90,3-3 90,-1-24-270,10-7 450,-3-14-45,6 1 0,1-2 135,3-5-135,1-1 0,1 1 135,0 7-45,-6 10 0,0 3 45,1 4 180,8-1-90,-14 19-90,4 3 180,-1 22-270,-4 10 0,10 29 0,-10-9 0,0-13 0,0 0 90,0 7-1020,7 12 930,-7-21 0,1-6-90,1-4-360,6-1 91,-3-12-181,16-1 450,-12-10-180,8-16 180,-8 11 90,-2-32 0,0 18 0,-3-21 90,-3 8-90,-2 0 90,-3-13 90,-4 13 180,-1-16-450,-3 26 1019,0-3-299,0 15-720,0 19 90,0 9 0,0 24 90,0-6-90,0 4 0,0-12 90,14 7-90,-10-10 0,23 2 0,-23-10 0,17-9 0,-10-1-90,4-7 90,-1 0 0,-3-19 90,-1 14-90,2-45-90,-6 31 180,3-39 0,-7 30 90,0-16-270,-2 23 360,0-4-270,0 33-90,0 11 270,0 16-270,0 4 180,16-9 0,-12 1-90,13 0 90,3 6-90,5-11 90,23 2-90,-8-19-697,2-3 697,-9-6 90,0 0-90,2-21-157,-3 16 157,0-42-90,-3 23 90,-8-8 0,-2-5 0,8-13 0,-7 4 0,-2-2-300,0-14 255,-8 8 0,-1-2-733,-6 22 0,0 0 778,0-10 0,-2 0 180,-1-18-882,0 2 882,-17 1-168,7 21 1,0 0 347,-11-16-180,5 15 0,-1 3-270,-3 3 90,-1-1 275,-6 21-185,24 6 1290,-17 4-1290,10 22 1298,-4-14-1343,6 26 0,3 6-135,-1-2 135,3 16 0,1 4-156,1 7 155,-1-19 1,4 1-90,6 2 1,3-2 88,-2-9 1,2 0-90,10 24 1,1 0 44,-6-24 0,0-2 0,2 9 0,0 0-450,11 12 90,4-5-270,1-5-494,-7-18 0,1-2-316,14 7 1440,-4-12 0,0-4 0,7-6 0,14-2 0</inkml:trace>
+  <inkml:trace contextRef="#ctx0" brushRef="#br0" timeOffset="64725">21672 7613 10591,'-19'-13'1979,"7"47"-1979,6 2 0,5-4 0,2 4 0,7 4 0,0-1 0,-5 12-3100,10-5 0,-1 1 2470,-10 7 135,2-18 1,1 0 956,2 9-1631,-6-1 179,6-5 990,-2 8 0,-4-15 0,5 5 0</inkml:trace>
+  <inkml:trace contextRef="#ctx0" brushRef="#br0" timeOffset="65035">21415 8168 10141,'-6'-26'990,"0"1"-810,6-9-180,0 7 0,20-14-90,10 20-630,27-4 180,-7 16-584,-8 5 0,0 1 674,1 1-45,-3 10 0,-2 0 316,-4-4 268,11 26-89,-23-27 360,7 21 90,-17-21 0,0 8 449,-8-11 91,-1 0-720,-1 0 179,0 0 91,2 6-540,0 0 0,3 5 0,-1-2 0,2 1 0,0 0 90,5 12-180,-1-5-450,2 7-629,-3-5-180,-1-1 1349,1 1 0,-1-3 0,0 1 0</inkml:trace>
+  <inkml:trace contextRef="#ctx0" brushRef="#br0" timeOffset="65207">21943 7711 9871,'0'-14'-1709,"-6"4"0,25 4 1709,-20 22 0,36-12 0,-17 14 0</inkml:trace>
+  <inkml:trace contextRef="#ctx0" brushRef="#br0" timeOffset="65663">22258 7989 9152,'-12'10'1169,"9"3"-989,-10 2 0,13 6-180,0 4 0,0 4 90,0 5-180,0 6 90,9-9 0,1 2 0,-5 20 45,13-7 0,-1-1-877,-13 9 832,9-19 0,-1-1 180,-10 9-180,8-4 0,0-6 90,-8-4-90,8-6 0,-6-5-720,-3-5 1282,-14-26-562,-6-28 0,-22-9-45,21 5 0,3-3-406,-6-11 496,7 3 0,4-3 45,9 23 0,3-2 180,-4-12 0,0-6 0,1 6-46,1 11 1,4 1-15,3-6 0,2-3 0,4 7-30,14-7-90,-1 16 0,1 4 0,0 3 0,16 5 0,-20 13 0,15 21-90,-8 12 90,-14 21-180,-5-6-180,-9 15-450,0-24 720,-17 5 0,-2-1 0,10-5 0,-27 21 0</inkml:trace>
+  <inkml:trace contextRef="#ctx0" brushRef="#br0" timeOffset="66007">22622 8034 11490,'6'0'810,"1"0"-720,0 0 90,1-17 0,0 13-180,4-36 0,1 20 0,2-24 0,6-9 90,-7 10-45,-4 5 0,-1 0-45,-3-7 90,-3 7 0,-1 0-1,-2-7-326,0-12 327,-17 17 180,13 0 179,-13 1-89,1-11-360,13 14-270,-26-10 360,26 27-90,-17 3-90,18 37 180,-5-1-180,7 26-899,0 18 359,0-8-663,7-3 0,3 1 708,-2-20 0,1 2 585,4 11 0,3 6 0,0-6 0,-2-9 0,1-1 0,3 21 0,1 0 0</inkml:trace>
+  <inkml:trace contextRef="#ctx0" brushRef="#br0" timeOffset="66321">22972 8178 11670,'5'-17'1350,"1"13"-1171,-1-12-179,2 1 0,3-3 0,-1-1 0,3-11 0,7 8 0,-3-6-179,16-9 179,-11 16-90,7-6 0,-9 10 90,-4 1-180,1-1 90,-3-10 0,-6 6 180,-1-17-90,-6 16 0,0-16 0,-18 19 0,13-3 0,-13 11 270,4 4 0,-2 4-181,-9 23-89,9 14 0,7-2 0,3 4-449,4 23 224,-3-26 0,3 1-1035,13 4 1,5-1-576,6 19 1835,12-12 0,6-2 0,-14-19 0,2-3 0,12 5 0,-1 0 0</inkml:trace>
+  <inkml:trace contextRef="#ctx0" brushRef="#br0" timeOffset="67619">5310 10191 11041,'-1'-39'719,"18"7"-719,-12 2 90,30 9-90,-9-9-90,-3 9 90,18-3 0,-21 10 0,14 8 90,-16 19-180,-8 25 90,-33 2 0,12 0 0,-3-3 0,-31-3 0,26-4 0,3-1 0,-4-6 0,8 10 0,12-16 0,0 12 0,0-12 0,0 6 0,23 3 90,0-5-90,23 17 0,-24-17 360,12 17-180,-20-18 180,3 17-270,-7-20 0,-31 13-90,16-17-90,-54 7 90,33-10-1295,-31 1 216,20-7-810,0-2-630,-2-1 2490,1-1 0,1-15 0,3-4 0</inkml:trace>
+  <inkml:trace contextRef="#ctx0" brushRef="#br0" timeOffset="68505">6275 10538 8792,'-5'0'2069,"0"0"-1889,22 0 90,2 0 89,20 16 1,-7-1-360,-12 18 0,2-19-90,-20 17 180,7-17-90,-9 18 0,-24-6-180,18 4-1079,-43 1-540,26 4 1799,-7-10 0,-2 0 0,-5 11 0,12-12 0,1 0 0</inkml:trace>
+  <inkml:trace contextRef="#ctx0" brushRef="#br0" timeOffset="68868">7732 10318 9781,'0'43'180,"0"-7"-180,0 2-90,0-7 90,0 3 90,0 1-539,0 0-2790,0 13 3239,0-13 0,0 5 0,0-17 0</inkml:trace>
+  <inkml:trace contextRef="#ctx0" brushRef="#br0" timeOffset="69037">7765 10140 9422,'-12'-4'-540,"-2"1"-719,13 16 1259,13-10 0,-7 27 0,12-13 0</inkml:trace>
+  <inkml:trace contextRef="#ctx0" brushRef="#br0" timeOffset="69421">8170 10468 8072,'0'10'1170,"0"6"-1080,0-3-180,0 12 180,0-8-90,0 15 0,0-11-90,0 7 180,0 1-180,0-7 180,0 11 0,0-16-540,0 5-1169,0-14 1439,0-24 270,19 11-180,-14-45 270,35 11 90,-35-15-240,34 0 509,-35 15-179,28 2 0,-28 5-180,22 3-234,-23 6 864,18 5-360,-13 9-1,5 3-179,-3 6-180,-3 22 234,-1 8-234,-3 12-180,0 2-270,2 9-1169,-1-12 1529,2-5 0,1 0 0,1 4 0,6 12 0</inkml:trace>
+  <inkml:trace contextRef="#ctx0" brushRef="#br0" timeOffset="69887">8902 10547 10141,'-15'36'450,"3"-6"-360,12 2 0,0-3-90,0 4-90,0 4 180,0 1-90,0 0 0,0 0 0,16-1-90,-12-3 180,13-1 0,-17 5 90,0-13 179,0 5-359,0-18-89,0-3 178,0-3-178,-15-4-91,-2-17 0,-19-10 90,3-27 90,11 6-90,-4-9 45,24 21 0,1-1 45,-9-20 0,9 6 0,2 0 90,-1-8-45,6 11 0,5 3-45,12-3 90,-4 13 0,4 4 90,22 8 89,12 15-269,-20 9 90,-4 34 0,-9 11-180,-20 0 180,12 15-180,-16-16-269,0-12-1800,-17 16 810,12-27 1349,-29 8 0,30-19 0,-12 1 0</inkml:trace>
+  <inkml:trace contextRef="#ctx0" brushRef="#br0" timeOffset="70501">9542 10512 8972,'5'16'899,"-1"12"-809,-3-23-90,0 26 90,-1-10-90,0 6 0,0-1 0,2-10 0,-2 0 0,3-3 0,0 4-180,1-7 90,4 2-179,-4-9-271,8 0 270,-6-3 180,6-18 180,5-5 0,-3 0-90,12-32 90,-12 34 360,7-40-270,-11 35-1,3-11 1,-6 26-90,0-1 90,-1 12-90,0 0 0,5 17-90,-2 10 90,12 22-90,-6-7 0,10 1 90,7-3-270,-4-14-90,1-9 0,2-2-89,9 1 44,-3-11 0,2-2 315,7 3-1098,13-26 1008,-21 15 180,-3-39-90,-7 24 90,2-38 90,-13 18 135,-8 4 0,-2-1 135,-3-8-1,-2 5 1,-4 1 180,-16-6-181,13-13-179,-13 24-404,3 2 134,11 8 0,-11 1 539,3 11-449,10 25-90,-10 15 974,12 16-974,0 22 0,18-24 0,-16-3 0,1-1-101,30 7-529,-25-10 0,-3 0-179,13 4-360,-1 8-1260,-9-11 2429,2-10 0,-4 0 0,-6-12 0</inkml:trace>
+  <inkml:trace contextRef="#ctx0" brushRef="#br0" timeOffset="70651">10077 10512 10411,'0'-16'180,"0"1"0,0 2-450,25-3-180,11 6-1169,-2 3 0,4 1 1619,22 2 0,6 2 0,-19 2 0</inkml:trace>
+  <inkml:trace contextRef="#ctx0" brushRef="#br0" timeOffset="71139">11102 10511 12480,'0'-9'270,"0"-1"-270,0 1 0,0-2-720,19 0-359,-14 0-810,32 1 1889,-8 5 0,10 2 0,5 1 0</inkml:trace>
+  <inkml:trace contextRef="#ctx0" brushRef="#br0" timeOffset="71693">11825 10058 10681,'0'-21'1529,"0"3"-1169,0 0 449,0 8-809,0 22 0,0 17 0,0 14 45,0-8 0,0 1-135,0 13 0,8-6 0,0 0-359,-4 9-1,4-11 0,1-2-179,3 4-271,-9 8-719,19-15 809,-20-13-719,7 2 2339,-26-17 269,-4-19-809,-19-9 90,18-13 899,-16-12-719,18 13-180,-15-24-450,17 24 90,0-19 90,17 23-180,-4-4-360,24 8-180,13 9-629,31 0 450,-7 11-1877,-14 3 1,-1 0 2685,10 1 0,-18 8 0,0 4 0,12 13 0</inkml:trace>
+  <inkml:trace contextRef="#ctx0" brushRef="#br0" timeOffset="72085">12287 10452 8072,'0'21'180,"0"0"-90,0-2-90,0-1 180,-14 1-90,10-6 0,-10 4-90,14-9-90,17-1-270,5-5 0,20-1 91,-7-1 89,0-18 270,0-2-90,-10-2 449,5-25-89,-11 28 90,-10-27 0,-1 19 89,-8 1 91,0 0-180,0-2-450,0 8 0,-17 0 719,12 12-629,-12 26-90,17 14 0,0 17 0,0-10 0,0 2-203,0 16 203,8-3 0,1 1-555,-7-20 0,1 0 555,11 10 0,3 1 0,-9 1 0,0-1 0,1-12 0,-1 0 0,0 21 0,-3-1 0,-5 2 0,0-16 0,0-1-303,0-4 123,0 2-1979,-20-21 0,3-7 2222,-18-20 0,19-17 0,4-19 0</inkml:trace>
+  <inkml:trace contextRef="#ctx0" brushRef="#br0" timeOffset="72552">12833 10519 8702,'0'30'720,"0"-3"-720,0-2 0,0-4 0,0 4 90,0-2-180,11 17 180,-8-8-180,8 13 90,-11-13 90,0 2-180,0-2 90,0 9 0,0-11 180,0 12 359,0-23-539,0 0 90,-12-14-180,9-19 0,-10-11 90,13-11 0,0-7 0,0-17-90,0 10 135,0-12 0,0-2-248,-1 28 1,2 0 202,4-10 0,2-5 0,-1 6 45,-5 10 0,2 2 45,13-20 0,3 3-353,5-3 263,9-3 90,-3 28 180,-8 11-90,-3 7 89,10 5 114,-10 20-293,9 13-180,-17 8 180,1 8 0,-9-8-90,-1 1-90,-1 2 90,-1-2-90,0-1 90,-22-2-1529,2 8 360,-6-13 1169,-2 8 0,14-22 0,-13 0 0</inkml:trace>
+  <inkml:trace contextRef="#ctx0" brushRef="#br0" timeOffset="72868">13262 10399 9422,'11'0'809,"-1"15"-539,3-11-180,-1 11-90,3-15 0,1 8 0,0-5 0,11 5 90,-5-8-90,18-14 0,-14 10-90,21-41 90,-26 37-90,6-49 180,-23 43-90,-1-29 0,-25 26 0,17-4 899,-35 9-629,25 6-270,-6 20 0,10 10 0,11 27 0,0-10-1592,23 5 332,-17-12-269,41 0-866,-24-2 2395,21-2 0,-7-2 0,0-2 0</inkml:trace>
+  <inkml:trace contextRef="#ctx0" brushRef="#br0" timeOffset="73102">14050 10394 12660,'-7'-4'-2969,"18"1"1620,8 3-630,2 14 1979,9-10 0,-26 11 0,11-15 0</inkml:trace>
+  <inkml:trace contextRef="#ctx0" brushRef="#br0" timeOffset="73236">13970 10723 10861,'0'11'809,"0"-4"-719,0-1-180,0-4-989,21 0-450,10-2 1529,28 0 0,-9-16 0,2-4 0</inkml:trace>
+  <inkml:trace contextRef="#ctx0" brushRef="#br0" timeOffset="73586">14838 9653 10951,'0'-12'449,"0"2"-538,0 22 178,-12 8-89,-5 21-1169,1 8 270,-6-11-541,20 5 631,-7-20 809,9 6 0,0-19 0,0 1 0</inkml:trace>
+  <inkml:trace contextRef="#ctx0" brushRef="#br0" timeOffset="73702">14862 9812 10141,'0'9'-3508,"0"0"3508,-11 31 0,8-5 0,-8 2 0</inkml:trace>
+  <inkml:trace contextRef="#ctx0" brushRef="#br0" timeOffset="74085">15642 10301 9691,'-24'-8'450,"-1"2"-90,-5 3 0,-2 3-90,-2 20-180,-3-15-1868,0 37 1688,2-21 180,12 6 0,1 3 0,-6 7-135,11-6 0,4 0-224,4 1 104,5 8-734,25-18-271,-15-3-269,48-10 1439,-26-3 0,34-6 0,-12 0 0</inkml:trace>
+  <inkml:trace contextRef="#ctx0" brushRef="#br0" timeOffset="74504">15807 9664 10591,'0'-12'1529,"-9"4"-1349,7 24-90,-7 19-45,7-1 0,4 2 0,7-3 0,0 1-90,-6 20 0,-1-1 90,7-17 0,0-1-45,0 28 0,-4 1-749,-3-27 1,0 0 748,10 11 0,0 0 0,-9 14 0,7-4 0,-4-3-440,-4 9 350,4-19 0,-6 11-270,0-34-449,0 2-1530,0-18 2429,0-37-90,0-3 405,7 0 0,1 0 134,-4-10-269,12 5-180,-16 18 1045,12 10-415,-10-6 171,16 33-891,-13-2 0,6 21 0,-3-3-719,3-5-810,7 8 359,-1-9 1170,20 10 0,-13-23 0,11-1 0</inkml:trace>
+  <inkml:trace contextRef="#ctx0" brushRef="#br0" timeOffset="74835">16300 10572 10861,'0'-19'1079,"0"1"-989,0 7-90,0 3 0,0 4 0,17 2-90,-13 1-180,44-4 90,-28 2-89,36-4 89,-30 3-180,9-4 360,-24 2-90,0-8 90,-11 4 0,0-5 0,-18-3 0,13 5 450,-33-9-91,11 12 271,-15-2-450,3 8-90,11 2 0,13 19-90,7 2 90,8 22-450,0-10-270,0 3-179,19-9-270,-15-3-271,34 3-539,-33-5 1889,39 0 0,-26-4 0,21-2 0</inkml:trace>
+  <inkml:trace contextRef="#ctx0" brushRef="#br0" timeOffset="75036">16707 10380 11131,'0'-12'989,"0"2"-989,14 4 90,5 23-180,19 6-180,-7 1-539,2 16-1080,4-12 719,-9 11 1170,21 6 0,-21-22 0,8 6 0</inkml:trace>
+  <inkml:trace contextRef="#ctx0" brushRef="#br0" timeOffset="75235">17057 10252 10951,'-8'-10'449,"-1"4"-359,-11 2-90,3 20 0,-4-12-90,-14 50 90,7-28-953,8 4 1,0 2-217,-9 9-270,1 5-1199,2-1 2638,6-1 0,4-2 0,3-2 0</inkml:trace>
+  <inkml:trace contextRef="#ctx0" brushRef="#br0" timeOffset="76118">17178 10184 8820,'-37'-1'1709,"0"0"-1529,6 1-1,-1 13 1,7-9 0,-2 21 209,0-22-389,-15 34 0,11-21 250,-10 23-70,8-3 90,8-8 90,-1 22-360,17-20 0,2 19 90,29-22-145,-17 6-305,30-19 1,8-4-361,-3 5-359,16-6 0,5-3-71,-26-4 1,0 0 1149,10 0 0,0-1 0,20-1 0,-2 0 0</inkml:trace>
+  <inkml:trace contextRef="#ctx0" brushRef="#br0" timeOffset="76604">17573 10065 10321,'0'-4'2429,"0"20"-2339,0 8-180,0 13 90,0 3 90,0 16-180,0-11-90,0-3 0,0 0-1062,0 7 613,0 14-1440,0-12 810,0-14 1259,0 12 0,0-27 0,0 2 0</inkml:trace>
+  <inkml:trace contextRef="#ctx0" brushRef="#br0" timeOffset="76834">17770 10296 10231,'0'-22'1529,"0"3"-1079,0 5-90,0 2 90,0 2-181,-14 3-269,-1 2 0,-14 23 0,15 8 0,-7 24 0,9-8-1280,0 5 831,2-13-271,10 1-449,0-2-2249,28 9 3418,-7-13 0,30 6 0,-12-16 0</inkml:trace>
+  <inkml:trace contextRef="#ctx0" brushRef="#br0" timeOffset="77502">18350 9942 10951,'0'-14'90,"0"4"899,0 3-989,0 22 180,0 12-270,0 15 180,0 9-497,0-5 407,0 4 0,0 0-90,0 3 180,0-5-90,0-1 0,0-5-90,0-5 90,-15 4 180,11-13-180,-10 0 0,14-12-1079,0-9 359,-8-19 450,6-11-89,-5-12-1,7 1 857,0 7-587,0-13 90,24 11 269,1-12-89,27 24 90,-14 2-90,1 11 0,-13 4 360,8 19-360,-11 5 269,10 20-269,-23-10 90,4 9-180,-13-19 0,2 7-90,-3-11 0,-25-3 0,19-1-90,-42 1-270,14-5-1799,-26-1 720,11-7-614,4-3 2053,17-1 0,3 0 0,3 0 0</inkml:trace>
+  <inkml:trace contextRef="#ctx0" brushRef="#br0" timeOffset="77834">18927 10380 12210,'-45'0'270,"-2"0"-270,9 0 90,1 0 0,11 15-180,11 6 90,9 9 0,6 1 0,0-9 90,23-1 0,7 2-180,13-11 90,16 5 0,-24-15 90,23 3-180,-28-5-360,2-30-270,-21 6-359,-5-27-1080,-30 18 900,-7 13 1259,0-3 0,-16 21 0,18-7 0</inkml:trace>
+  <inkml:trace contextRef="#ctx0" brushRef="#br0" timeOffset="78068">19147 10250 10681,'0'-4'719,"3"1"-629,3 3 90,1 0-90,8 0 0,-5 16-180,16 2 180,-10 2-180,12 11 90,-9-17-90,4 15-449,0-7-901,12 8 631,-7-9-1350,15 11 2159,-19-18 0,6 2 0,-11-10 0</inkml:trace>
+  <inkml:trace contextRef="#ctx0" brushRef="#br0" timeOffset="78235">19560 10177 10861,'0'-16'539,"-16"4"-628,-3 6 178,-11 19-89,0-9 0,4 36-89,-24 1-181,29-16 0,0 2-900,-14 14 1,-1 0-134,14-15 0,1-1 1303,-5 9 0,3 0 0,-6 11 0,4 0 0</inkml:trace>
+  <inkml:trace contextRef="#ctx0" brushRef="#br0" timeOffset="78692">19792 9710 11490,'8'-14'90,"0"3"0,-5 4 180,0 3 360,-1 2-540,0 2-90,-1 17 0,0 0-180,-1 22 0,0-5 0,0-3-270,0-5-1349,-14-1 1260,10-7 269,-10 1 1079,14-32 451,21-7-451,-1-27-629,19 7-90,-11 5-90,-4 17-1349,-12 30-720,-4 23-629,-8 12 2698,0 7 0,-21-9 0,-5 3 0</inkml:trace>
+  <inkml:trace contextRef="#ctx0" brushRef="#br0" timeOffset="82734">21627 10219 9152,'-40'-11'1349,"-3"2"-1259,8 9-90,-1 0 0,9 0 0,-1 19 0,1-14 90,2 27-180,3-29 180,4 27-90,4-17-90,6 21-360,4-12-1709,27 12 360,-17-15 1799,51 4 0,-25-14 0,32-2 0</inkml:trace>
+  <inkml:trace contextRef="#ctx0" brushRef="#br0" timeOffset="83017">22125 10224 10051,'-46'0'1889,"0"0"-1889,2 13 180,5-10 0,17 23 0,9-11-180,13 13 0,0-7 0,17-1 90,-13-6-90,41-2 0,-19-5 0,28 1 0,-19-7 0,0-1 0,20 3 0,-8-11 0,-1-4-1055,1-10 965,10-3-440,-26-22 440,-16 28-379,-2-35-251,-13 28-2248,-23-14 989,-9 18 1979,-12-2 0,0 11 0,12 2 0</inkml:trace>
+  <inkml:trace contextRef="#ctx0" brushRef="#br0" timeOffset="83200">22393 9511 11490,'11'-16'360,"-2"3"-90,-9 5-270,0 25 0,0 0-2698,-15 45 359,11-13 2081,-4-12 0,0 0 0,8 28 0,0-30 1,0-1-1</inkml:trace>
+  <inkml:trace contextRef="#ctx0" brushRef="#br0" timeOffset="84617">23213 9830 10231,'0'-9'990,"0"2"-900,0 18-1,0 11-178,0 11 89,0 4 0,0-3-360,17 23-900,-13-9-224,3-5 0,2 0 1118,1 7 1,-8 17-1,8-25 1</inkml:trace>
+  <inkml:trace contextRef="#ctx0" brushRef="#br0" timeOffset="84756">23077 10212 8882,'0'-18'0,"0"0"0,17-9-90,17 4-450,9-5 540,-6 12 0,1 2 0,12-7 0,-16 8 0,1-1 0</inkml:trace>
+  <inkml:trace contextRef="#ctx0" brushRef="#br0" timeOffset="85318">23647 9689 8252,'-14'13'1439,"-5"-11"-1349,17 36-90,-5-17 90,7 22 180,0 16-90,0-10-225,-1-6 0,2 0 135,14 9-135,-13-9 0,0-1-455,12 5 320,-2 12 180,-9-23 0,9-3 90,-12-6 132,9-4-222,-7-5 112,7-3-1281,-5-5 1169,-2-4 0,4-21 346,-3 10-436,3-44 180,-2 29-90,6-37 0,-4 30 0,6-9 90,-6 25 90,8 0-270,-6 11 180,12 22-90,-6-16 0,15 36 0,-10-17 90,9 10-180,-9-4 180,2-11-180,1-10 180,13 8-90,-9-15 0,18 7 0,-21-10-90,12-14 90,-21-8 180,0 3-180,-10-20 0,-4 21 0,0-19 269,-20-3 1,15 11-180,-35-14-180,34 21 90,-28 0 90,30 32-180,-10 9 90,35 15-1259,2 12 0,2-18 1259,16 8 0,-24-15 0,21-1 0</inkml:trace>
+  <inkml:trace contextRef="#ctx0" brushRef="#br0" timeOffset="85568">23955 9718 8342,'-11'-3'1889,"22"0"-1979,10 17 180,22-10-90,-19 25-90,17-25-629,-36 21-271,34-22 91,-35 21-451,27-14 1350,-27 11 0,19-6 0,-10-1 0</inkml:trace>
+  <inkml:trace contextRef="#ctx0" brushRef="#br0" timeOffset="85734">24407 9608 7803,'11'16'0,"3"13"89,-5 9-269,-4-5 1,-2 1-1598,0 14 1478,-3-14 0,0 0 0,0 18 0,0 0 0</inkml:trace>
+  <inkml:trace contextRef="#ctx0" brushRef="#br0" timeOffset="86184">24895 10087 10321,'0'14'630,"0"8"-630,0 12 0,0 4 90,0-7-180,13 18 90,-10-12-90,18 20 180,-19-28 0,7 3-90,-2-18-1080,-5-4 990,4-26-3302,-6-22 3392,0-8 0,0-9-498,0 20 678,0-2-180,0 2 270,0-10-90,0 15 180,0-3-180,13 20 2965,0 6-3055,11 24 655,-13 8-925,9 21-360,-15-10-1889,12 9 900,-9-20 1529,2 7 0,-2-14 0,0-1 0</inkml:trace>
+  <inkml:trace contextRef="#ctx0" brushRef="#br0" timeOffset="88760">25027 10196 7713,'0'0'0</inkml:trace>
+  <inkml:trace contextRef="#ctx0" brushRef="#br0" timeOffset="90001">25090 10131 9422,'-30'0'1079,"-7"0"-989,12 12 90,-7-9-90,8 28-90,-3-15 90,2 18-90,-2-5 0,5 4 180,1 0 89,0 15-179,11-13 0,-1 20-180,34-29-89,1 4-643,25-19-77,4-5-181,9-4-449,-7-7 0,4-5 1529,-13-4 0,1-2 0,-5 4 0,3-1 0,-3-1 0,5-10 0,-1 0 0</inkml:trace>
+  <inkml:trace contextRef="#ctx0" brushRef="#br0" timeOffset="90492">25645 9601 9332,'-8'-4'899,"3"1"990,1 3-1799,2 14 180,1 10-180,1 8 0,0 7-90,0-2 0,0 6 45,0-7 0,0 2-45,0 20-537,1-6 1,-2 0 536,-13 7 0,12-20 0,0-2 0,-12 11-90,14-4 90,0-4-359,-8 7-181,6-15-360,-6 10 630,8-26-89,0 1-721,0-13 1170,15-23-90,1-20 180,17-3 2242,-3-17-2152,-2 28 719,-7 0-899,-6 16 0,-6 24-90,-2 11 0,4 22 0,-2-7 90,2 3-360,-3-9-629,2-2 269,3 0-809,11 6 629,-2-10-719,22 1 810,-13-16 719,12-5 0,-11-3 0,-1 0 0</inkml:trace>
+  <inkml:trace contextRef="#ctx0" brushRef="#br0" timeOffset="90734">26162 10335 9422,'1'-26'1349,"-1"2"-989,0 2 629,-16-1-809,12 6-90,-26 4-90,17 8 180,-10 38-90,13-8-90,3 28 0,7-22 90,21-13-90,-2-8 0,20-10 0,-10 0-90,-11-21 90,-7-5-90,-11-11-90,0 3-540,0-2-179,-18 9-1170,13-13 900,-30 19-1,30-1 1170,-12 11 0,17 1 0,0 2 0</inkml:trace>
+  <inkml:trace contextRef="#ctx0" brushRef="#br0" timeOffset="91074">26430 10121 9512,'8'0'1439,"-2"10"-1439,-2-8 360,-1 19-360,-1-13 89,1 17-89,0-9 0,2 15 0,-2-12-89,5 20-181,-3-22 0,3 13 180,-3-22-450,6 2 450,-2-8 0,14-18 90,-5 11 0,9-34 0,6 6 180,-6-10 90,-7 14 0,0 1 180,1-2-450,1 3 180,-12 7 179,-3 17-269,-2-8 0,-2 11-90,0 0 0,-1 0 0,0 23 0,0 7 0,-1 33-1079,0-12-717,-1 6-183,0-15 1979,0 2 0,0-1 0,0 1 0</inkml:trace>
+  <inkml:trace contextRef="#ctx0" brushRef="#br0" timeOffset="91234">26112 10820 10861,'-3'-31'-3148,"20"13"1349,-12-8 1799,41 16 0,-23-11 0,24 4 0</inkml:trace>
+  <inkml:trace contextRef="#ctx0" brushRef="#br0" timeOffset="91651">27198 9950 11490,'6'0'720,"-2"0"-360,0 21-270,1 7-90,1 29 0,0-11 0,-3-12 0,0 0 0,3 6 0,-3 10-90,5-9-90,-2-14 90,1 7-180,-1-20 90,-3-2 180,1-9 0,9-23 0,-3-10 0,15-30 90,-10 5-1471,-1 17 0,0 1 1561,1-8-90,2-5-90,-8 22 0,-2 9 90,-2 8 0,0 5-180,-3 6 180,8 23-90,-5-17 0,6 42 0,0-25-180,0 23-450,3-9 0,2 0-359,1-3 3122,1-3-5551,11 4 3418,-6-13 0,11-2 0,-9-14 0</inkml:trace>
+  <inkml:trace contextRef="#ctx0" brushRef="#br0" timeOffset="92170">27930 9532 11311,'4'-30'359,"-1"4"991,-1 9-1260,0 8-1,0 41-89,1-5 0,-1 14 0,1 3 0,0 13-547,1-4 1,-1 2 546,0-21 0,0 0 0,1 22 0,1 0 0,2 6-45,-3-24 0,1-1-538,3 19 583,-1-19-180,2 3 0,-4-26-90,4-3 270,-2-9-180,16-42 180,-5 17 90,0-13 0,1-1-90,2 1 0,11-20 0,-16 28 0,1 4 180,-9 9-180,-2 13 90,-2-5 1041,1 23-1041,-1-12 276,3 46-276,0-26-90,-2 8 0,0 3-90,4 0 180,1 8-270,-1-16 180,-1-5 0,3-3-90,5-3 90,-1-9 0,11-1 0,-9-6 0,13-22 90,-12-4 90,5-13 180,-4-6-271,-6 28-178,2-20 178,-9 25-178,-1-5-271,-2 29-90,2-7-1169,4 46 450,-1-31 1169,9 38 0,-6-31 0,4 9 0</inkml:trace>
+  <inkml:trace contextRef="#ctx0" brushRef="#br0" timeOffset="92351">28593 9479 12210,'0'-11'-1259,"0"2"-3059,22 22 4318,4 12 0,13 12 0,-2 3 0</inkml:trace>
+  <inkml:trace contextRef="#ctx0" brushRef="#br0" timeOffset="93235">29630 9749 12030,'-15'-19'360,"11"5"449,-10 6-809,14 22 0,0 15 90,0 13-180,0-4 1,0 0-91,0 19-854,6-5 1,1 0 583,-4 14-270,9-13 1,-1-1-91,-9 4 450,2-22 1,1-1-425,-5 16 784,0-19 0,-22 4 629,-5-24 91,-24-2-1,18-24 1,1-6-270,-12 0-271,18-4 1,4-4 540,0-18-630,12 10-45,4 5 0,2-1-135,4-4 90,18-11 1047,-13 17-1137,42 2-360,-20 2-645,31 3 196,-6 2-91,4 1-89,-11 9 0,1 0 370,-13 3 1,0 0 708,13-2 0,0 2 0,10-5 0,1 0 0</inkml:trace>
+  <inkml:trace contextRef="#ctx0" brushRef="#br0" timeOffset="93767">30073 9527 10051,'-15'-7'1439,"11"2"-1079,-24 2 180,26 19-540,-17 12 180,17 10-180,-4 10-360,6-8 450,0 7-180,0 2 180,0 2-583,0 1 493,0 1 0,14 0 0,-13-16 0,1-1 0,23 19-45,-23-13 0,-1-2-45,21 2-676,-20 15 136,14-35 630,-15-17 0,4-28 90,-5-28 0,0 9 434,0-3-164,0 8 317,0 9-407,15 5-122,1 13-148,11 30 0,-6 6 0,-3 13 0,6 10-180,-4-19-540,20 15-89,-12-22-1,10-5 91,-7-11-91,1-7 360,1 0 1,-2 0 89,1-18 90,-6 14 0,4-50 360,-15 32 629,-6-12 1,-3-3-270,-4 0 0,-1-12 90,-21 16-181,14 1 1,-31 3-180,18-4-180,-1 12 450,-9-2-270,25 35-180,-11 8-450,33 28-1349,5 0 540,-1-7 1035,21-8 0,-24-10 0,21-4 1</inkml:trace>
+  <inkml:trace contextRef="#ctx0" brushRef="#br0" timeOffset="93986">30602 9304 11311,'19'-13'359,"-14"1"-269,27 6-180,-29 0 180,26 6 0,-8-2-270,8 20-359,3 11-901,-21 11 874,-4-5 1,-2 1 0,-5 17 0,0-15 0,0 0-1</inkml:trace>
+  <inkml:trace contextRef="#ctx0" brushRef="#br0" timeOffset="95234">13777 12240 9871,'-13'-5'540,"2"2"-360,2 1 90,2 2-180,2-1 719,1 1-719,2 0 0,0 16-180,1 5 90,1 11 0,0 15 0,0-13-90,0 11-3302,0-11 2493,0-3-155,0 0-296,0-4-9,14-1 10,-11-3 1349,10-4 0,-13-4 0,0-3 0</inkml:trace>
+  <inkml:trace contextRef="#ctx0" brushRef="#br0" timeOffset="95401">13790 12092 8972,'0'-10'-90,"0"3"-1259,0 1 1349,0 20 0,0-13 0,0 16 0</inkml:trace>
+  <inkml:trace contextRef="#ctx0" brushRef="#br0" timeOffset="95801">14137 12337 8702,'4'18'1169,"1"1"-1079,1 3-90,1 0 90,3 13-90,-2-7-4251,3 19 4251,-4-19 727,1 8-817,-2-12 180,-1-2-180,0-2 270,0 2-180,0-6 2967,-1-1-3597,-1-11 828,-1-15-108,-2-14-180,0-7 180,0-6-90,0-8 90,0 8 0,15-20 359,-11 27-179,25-6-180,-26 21 270,20 3-270,-12 9-90,10 22 0,-6 6 0,5 26 0,-10-8-720,4 3-89,-5-11-630,1 1-90,1-1 1529,2-2 0,0-2 0,1-2 0</inkml:trace>
+  <inkml:trace contextRef="#ctx0" brushRef="#br0" timeOffset="96259">14897 12506 8972,'1'37'1259,"-1"6"-1169,0-9 90,0 4-180,0-9 0,0 0 0,0 11 0,0-12 0,0 7 90,0-16-90,13-3 90,-10-5 90,10-2-90,-13-5-180,0-18 0,-20-8 0,16-12-90,-30-19 0,20 15 180,0-1 0,1-2 0,0-11 0,7 4 0,2-1-90,4-9 225,7 3 0,7 1-135,15 4 45,-4 10 0,4 6 45,17 16 270,13 2-180,-24 15 89,17 40-269,-27-15 0,-8 22 0,-4 3 0,-4-4 0,-3 0 0,-5-1 0,-22-6 90,-1 20-90,-3-31-1079,-7 9 0,16-21 1079,-14 0 0,15-11 0,4-2 0</inkml:trace>
+  <inkml:trace contextRef="#ctx0" brushRef="#br0" timeOffset="96834">15422 12386 8522,'12'12'1169,"2"6"-1079,-3-2-90,-1 12-90,-6-12 180,-1 0 0,-1 8-90,1-15 180,4 9-360,-1-10 0,11-3-89,-5-5-91,16-16 360,-8 11-90,8-29 90,-7 17 0,1-17 0,-2 5 90,6-16 0,-9 12 90,7-19 0,-13 27 269,1-4-359,-7 21 180,2 3 90,-1 5-270,2 19-90,10 9 90,-5 10-90,15 17 90,-9-22-90,6 12 0,6-7-90,-5-12-1080,22 4 631,-15-15-810,27-8 899,-22-2 90,-6-13 0,0-7 360,5-14 270,-5-7 0,-1-4 0,-5-12 134,-6 9 1,-3 1-45,-10-2 45,-4 7 0,0 0 44,-3-8 1,0-11 90,-19 8-540,15 16 180,-28-7 809,28 26-899,-9 24 0,13 17-90,15 16-90,-11 18 180,27-20-90,-24 2 0,0 1-180,20 0-194,-20-11 0,-1-1-615,9-3-270,-13-2-1,13-4 181,-9-3 1079,3-5 0,-1-3 0,-2-2 0</inkml:trace>
+  <inkml:trace contextRef="#ctx0" brushRef="#br0" timeOffset="96984">16177 12211 9242,'-5'-7'809,"4"2"-719,-3 0-90,25 1-90,12 1-719,14 0-2528,8 3 3337,-7-1 0,9 1 0,2 0 0</inkml:trace>
+  <inkml:trace contextRef="#ctx0" brushRef="#br0" timeOffset="97505">17692 12103 9781,'-14'0'900,"1"0"-720,0 0-90,3 0 90,1 18-90,1-14 0,-1 37-180,3-21 90,0 38 90,3-21-1,2 24-89,1-29 0,16 7 0,-13-17 0,27-4-179,-26-4-451,29-7 270,-6-3 180,21-18 180,-8 10-45,-10-25 0,-3-5 45,-1 7 90,-5-14 0,-4-3 0,-7 6 900,0-25-900,-8 31-90,-1-11 719,-1 26-719,0 21 0,0 17 0,0 26-90,16-9-360,-13 2-899,26-11 90,-26-3 1259,35 6 0,-21-10 0,22 3 0</inkml:trace>
+  <inkml:trace contextRef="#ctx0" brushRef="#br0" timeOffset="97874">18353 12119 11131,'0'37'449,"0"2"-449,16-11 90,-12 1-180,11-8 180,-15 0-180,13-1 90,-10-3 180,10-3-809,-7-2 269,-2-6 270,6-18 90,-4 8-90,2-31 90,-1 10 0,2-10 0,-1 1 0,2 10-90,-1 2 90,3 3 90,-3 3 0,5 8-90,-6 2 0,8 21 0,-7 10 0,3 7 0,3 21 0,-5-20-1259,11 24 449,-6-28-899,15 5 1709,-8-14 0,8-10 0,-5-2 0</inkml:trace>
+  <inkml:trace contextRef="#ctx0" brushRef="#br0" timeOffset="98284">18957 12123 10051,'0'-16'810,"-17"0"-450,12 6-270,-23 3-90,25 24 0,-8 5 89,11 22-178,0-3 178,0-2-89,19-16 0,-15 4 0,30-18 90,-30-17 720,10-8-450,-14-26-540,0 6 360,0 8-90,0 36-90,0 6 0,22 30 0,-9-13 0,3-1 0,24 22-617,-15-4 0,-2 1 617,5 8 0,-12-11 0,-1-2 0,4 2 0,-10 6-180,-1-23-90,-8-7-179,0-4-1080,-25-3 629,19-7-1259,-40-1 711,15-6 1448,-12-21 0,-1 15 0,10-15 0</inkml:trace>
+  <inkml:trace contextRef="#ctx0" brushRef="#br0" timeOffset="98441">17942 11669 11131,'-6'-9'899,"20"3"-989,28 4 0,11 2-2100,-17-1 1,2 2 1289,-5 5 1,1 0-675,4-4 0,2-1 1574,2 5 0,2 1 0,1 0 0,1 2 0,2 1 0,0 0 0</inkml:trace>
+  <inkml:trace contextRef="#ctx0" brushRef="#br0" timeOffset="98872">20453 11585 10141,'-15'-16'990,"0"4"-271,3 6-179,2 3-450,2 3 0,1 17 0,4 16 0,0 29-90,3 0-45,-2-15 0,4-1-924,19 14 609,-20-20 0,3-2-719,30 15-181,-31-2-179,25-4 1439,-11 12 0,0-18 0,-4 9 0</inkml:trace>
+  <inkml:trace contextRef="#ctx0" brushRef="#br0" timeOffset="99039">20238 12054 10321,'-15'-17'900,"6"1"-810,3 5-90,29 3-90,-1 4-180,25 3-450,-3 1-2031,7 0 1582,5 0-720,5 14 1889,3-11 0,-1 11 0,0-14 0</inkml:trace>
+  <inkml:trace contextRef="#ctx0" brushRef="#br0" timeOffset="99338">21065 12189 12300,'0'-39'0,"18"17"0,-14-11 0,30 17 0,-31-15 0,30 7-90,-29 2 0,28 0 90,-28 2-90,19 1 90,-21 3-90,6 1 0,-8-2 90,0 8-90,-17-2 180,-4 9-90,-21 1-90,20 23 90,-18-17 0,19 50 90,-1-33-1786,7 8 0,5 3 1516,8 1-653,-6 9 23,8-14-310,24-3 40,-17-2 1080,22-10 0,6-3 0,-7 5 0,34 0 0</inkml:trace>
+  <inkml:trace contextRef="#ctx0" brushRef="#br0" timeOffset="99688">21555 12018 9062,'0'11'1439,"0"4"-1529,0 25 90,16-2 0,-13-5 90,13-4 0,-2-6 0,-10-4-90,17-5 0,-15-7 0,7-27 0,-3 15 0,5-52 0,-2 33 135,-1-9 0,1-1 314,4-3 1,6-5-180,-7 14-180,-1 8-90,0 8 0,4 0 0,-4 11 90,9 12-90,-11-7-90,10 44 0,-11-28-270,2 27-449,-4-18-361,-5 0-89,2-1 1259,-3 10 0,-2-13 0,0 6 0</inkml:trace>
+  <inkml:trace contextRef="#ctx0" brushRef="#br0" timeOffset="99884">20982 11583 10591,'-4'-46'809,"1"4"-719,22 4-180,-14 8 180,44 3-90,-25 11-90,28 6-809,10 6-810,-17 25-1662,17-2 3371,-23 26 0,-2-4 0,1 7 0</inkml:trace>
+  <inkml:trace contextRef="#ctx0" brushRef="#br0" timeOffset="100441">22857 11965 12120,'15'-5'540,"17"1"-450,-14 0-90,17 1 0,-5-2-90,1 3-450,2-2-359,1 3-181,1 0-1978,16 1 3058,-12 0 0,11 16 0,-17 4 0</inkml:trace>
+  <inkml:trace contextRef="#ctx0" brushRef="#br0" timeOffset="100617">22978 12204 10501,'-22'3'2069,"2"-1"-1979,11-16 0,26 10-90,-10-23-720,57 11-89,-38 0-406,12 3 1,2 0-1164,4-2 2378,14-1 0,-16-1 0,-2 9 0</inkml:trace>
+  <inkml:trace contextRef="#ctx0" brushRef="#br0" timeOffset="101235">22302 11593 9242,'0'-10'1529,"0"3"-1259,0-3 89,23 1 91,10-7-360,13 3-90,-14 3 0,1 0 0,7 1 0,-7 3 0,0 2 0,2 2 270,16 17-270,-34 8 0,3 10 0,-20 3-90,-23 13 180,-15-8-779,3-2 0,-3 0 734,6-15 0,-1-1-45,-2 8 0,0 0-45,-2-2 0,1-2 45,8-8 0,0 0 0,-13 11 0,1-3-90,1-2 90,-5 5-90,27-18-90,6-1-179,6-5-811,5 0-269,20-4 629,10 0-179,11-2 1311,3-17 0,-9 13 0,0-13 0</inkml:trace>
+  <inkml:trace contextRef="#ctx0" brushRef="#br0" timeOffset="101468">22423 11579 9781,'-9'-4'1350,"7"0"89,-12 2-1349,13 25-90,11 12 0,-9 1 0,2 2 45,14-7 0,2 3-165,-11 7 0,-3 7 0,3-5-611,12-6 0,2 1-229,-9 10 1,-2 7 0,0-7-546,4-10 1,-1-3 1504,-1 13 0,-2-1 0,5 15 0,0-2 0</inkml:trace>
+  <inkml:trace contextRef="#ctx0" brushRef="#br0" timeOffset="102118">23210 11664 9602,'-22'39'899,"-8"-6"-989,27 10 180,-19-4-90,19 8-2837,-20 8 2837,14 5-450,-1-27 1,0 0-406,3 2 1,1 0 854,0 1 0,2-1 0,0 3 0,2-1 0,0 0 0,0-1 0</inkml:trace>
+  <inkml:trace contextRef="#ctx0" brushRef="#br0" timeOffset="104033">23103 11889 9422,'0'-6'180,"8"2"-180,-6 24-90,5 10 180,-7 13-180,-14 1 180,10-10-90,-10 3 0,2-2 0,10-1 0,-10-4 0,3-1 0,7-1 89,-7-9 1,3-4-180,5-6 1,-4-25 89,5-4 0,0-16 0,0-16 0,0 16 0,0-14 89,0 15 91,-16-1 0,12 5-180,-25-6-90,26 13 360,-10 1-270,13 34 0,0 25 0,0 5 0,9-8 0,1-1 0,-6 1 90,32 17 0,-22-26-270,13 12-180,-8-26 91,-6 4 269,-5-32 0,-5-5-90,-3-24 180,0 7-90,-18-3 89,13-3 1,-31 12-180,19-18 90,-4 28 90,8-2 270,3 19-270,2 21 0,-3 19 0,5 28-180,6-2 180,-1-19 0,2-1-90,19 7-890,-16 10 980,34-22 0,-33-6-635,36-3 545,-22-8-226,19-7 316,-7-5-180,17-5 90,-7-15-90,-8 3 1,-1-4 89,5-20 0,5-8 0,-22 9 0,-7-2 0,-7 1-90,-4-15 90,-22 14-90,-5-19 0,0 30 451,-13-3-2880,18 20 2642,-14 20 1,17-7 0,5 12 0</inkml:trace>
+  <inkml:trace contextRef="#ctx0" brushRef="#br0" timeOffset="104534">24038 11794 10681,'-13'-15'1349,"3"1"-1259,3 0 180,5 7-90,-9 0-180,11 30 0,-3-3 0,3 23 0,0 14 0,14-10 0,-12 4 0,0 0-90,23 0-540,-23-5 1,-2-3-541,10-10-1528,-3 12 2698,-5-24 0,10 0 0,-7-10 0</inkml:trace>
+  <inkml:trace contextRef="#ctx0" brushRef="#br0" timeOffset="105204">23987 11908 9242,'-7'-14'1439,"-1"2"-809,3-1-1,-2 0 1,0-7-450,0 6-90,2-2-180,3 8 90,1 3 90,1 1-180,0 25 90,0 10 90,0 14-347,17 2 257,-13-7 0,12 17 0,-2-14 0,-10 21 0,10-33 180,-7 7 0,-5-23 89,5 1 1171,-7-12-1440,0-15-90,0-3-193,0-13-1516,-12 10-180,9 4 450,-10 8 1529,13 2 0,0 0 0,0 0 0</inkml:trace>
+  <inkml:trace contextRef="#ctx0" brushRef="#br0" timeOffset="105783">24165 11291 9691,'-11'-5'990,"3"3"-181,-1-1-539,6 3-180,-2 18 0,1-14 90,0 40-180,-1-19 90,1 28-1336,-4-1 1336,3 6-135,-2-10 0,-1 1 135,3-12 0,0 2-90,-2 4 0,-1 4 0,0-4-45,1-4 0,-1-1 45,-1 10 0,0 1-463,0-5 0,1-3 193,-3 20-405,3-16 0,1-1-584,1 0-1458,0 15 2717,4-32 0,1 0 0,1-13 0</inkml:trace>
+  <inkml:trace contextRef="#ctx0" brushRef="#br0" timeOffset="106134">24350 11715 9781,'-14'-3'990,"-2"0"-630,-15 15-360,5-9 90,-8 24 0,12-9-1,-8 20-89,15-8 90,-2 15 0,12-16 0,0 35-90,31-28-450,-12-4 1,3-1-451,30-2-90,-17-7 1,0-2-180,10 1 921,15 3 1,-14-13 0,1-2 0</inkml:trace>
+  <inkml:trace contextRef="#ctx0" brushRef="#br0" timeOffset="106592">24783 11567 11221,'-25'-24'899,"-8"-1"-899,21 10 90,-4-1-90,-2 12 0,12 19 90,-10 18-90,10-1 0,1 3 0,-4 29-530,5-14 1,2 0 349,-1 11 225,2-10 0,1 0-45,0 2 0,-1-19 0,2-1-778,13 19 688,-10-16-179,23 11 179,-24-29-720,9 1 900,-12-34-90,6-22 0,-5-4 180,4 7 0,1 1 270,2-1 179,9-23-269,-5 38 792,4-12-1152,-10 30 775,6 9-775,-3-4 0,9 45 90,-5-25-90,5 30-1080,3-2 361,-4-13-136,-1-7 1,1-1-316,6-1-1348,24 8 2518,-16-26 0,16-2 0,-12-10 0</inkml:trace>
+  <inkml:trace contextRef="#ctx0" brushRef="#br0" timeOffset="106933">25380 11997 10951,'0'-17'1079,"0"2"-1079,0 2 270,-16 7-270,-5 1 90,1 26-90,-10-15 0,27 34 90,-24-23-90,24 17 0,-18 2-90,19-9-360,-5 12 180,29-17 180,4-4 0,24-9 90,-24-24 0,17 12 0,-29-42 0,22 24 450,-23-39-90,6 28 180,-17-27-630,4 33 180,-6-11-180,0 53-270,0 4-1709,0 35 1080,19-14-2249,6 12 3238,13-23 0,0 4 0,-5-13 0</inkml:trace>
+  <inkml:trace contextRef="#ctx0" brushRef="#br0" timeOffset="107134">26035 11912 11400,'-31'-19'2159,"-10"-1"-1979,23 6 90,-1 2-90,-9 8-180,14 17-90,-2 8-270,6 23-719,10 6 359,17-6-1079,10 8 360,10-24-682,3 3 2121,-7-21 0,1 0 0,0-5 0</inkml:trace>
+  <inkml:trace contextRef="#ctx0" brushRef="#br0" timeOffset="107300">26303 11427 10231,'-20'-17'0,"15"5"0,-28 6-90,13 21-809,-16 17-720,6 10 1460,1 12 1,11-7 0,1 3-1</inkml:trace>
+  <inkml:trace contextRef="#ctx0" brushRef="#br0" timeOffset="107784">27162 11734 11221,'-61'-13'269,"5"1"-179,11 5 0,-15 3-90,15 3 45,11 8 0,2 1 45,-1-4-90,-2 29 0,18-7 0,8 7-360,25 11 360,-11-18-135,26-6 1,7-3 134,-8 2 0,15-10 0,2-3-490,-2-1 490,15-5 90,-13 0 180,-15-19 300,6-2-210,-27-19-91,-1 4-269,-31 4-90,16 8 180,-33 11-90,34 25 90,-27-8 280,27 42-370,-10 3 0,14 16-147,-1-27 1,2 1 146,8 7 0,-1 0 0,-6-11 0,1 2 0,15 23 0,1-1 0,-14 7 0,10-15 0,0-3-365,-12 1 365,7 9 0,-10-30-540,0-3 103,0-7-2352,-22-5 2789,-2-7 0,-19-19 0,4-9 0</inkml:trace>
+  <inkml:trace contextRef="#ctx0" brushRef="#br0" timeOffset="108017">27780 11416 11041,'4'23'1169,"-1"5"-1079,-3 15 0,0 1-180,0-6 90,0 4 90,0 25-180,0-15-135,0 4 0,0 0-674,0-1-361,0-3 1,0-1-360,0-9 1619,0 10 0,0-21 0,0-3 0</inkml:trace>
+  <inkml:trace contextRef="#ctx0" brushRef="#br0" timeOffset="108334">27528 11994 9961,'-13'-33'810,"5"8"-360,3-10-271,5 17-268,20-1 89,6 13-90,25 3 180,-9 3-90,2 20 0,4 3 89,-12 1-89,-6-5 0,-2-2 90,3 5-90,4 1 0,-13 5 90,-4-26 0,1 15 180,3-15-360,-4 3 180,11-28-90,-12 17 0,-2-25 0,-1-5 0,2 7 0,-5-2 0,-1-5-90,10-25 90,-6 12-450,-2 11 1,-1 2-361,1-5-449,9-10 449,-10 29 810,10 1 0,-8 16 0,5 3 0</inkml:trace>
+  <inkml:trace contextRef="#ctx0" brushRef="#br0" timeOffset="108567">28435 11877 11850,'0'2'990,"0"11"-990,0 21-90,0 4-900,0 1 1,0-9-270,0 5-91,0-15-179,0-4 1529,10-7 0,-7 4 0,7-3 0</inkml:trace>
+  <inkml:trace contextRef="#ctx0" brushRef="#br0" timeOffset="108739">28602 11390 11850,'3'-31'1170,"0"3"-1260,-3 8 90,0 6-90,0 4-540,0 5-629,0 23 1259,0 36 0,0 4 0,0-18 0,0-1 0</inkml:trace>
+  <inkml:trace contextRef="#ctx0" brushRef="#br0" timeOffset="108917">28505 12464 7443,'0'-17'0,"0"3"0</inkml:trace>
+  <inkml:trace contextRef="#ctx0" brushRef="#br0" timeOffset="109068">29493 12133 7623,'0'-17'0,"0"4"0</inkml:trace>
+</inkml:ink>
+</file>
+
+<file path=ppt/ink/ink9.xml><?xml version="1.0" encoding="utf-8"?>
+<inkml:ink xmlns:inkml="http://www.w3.org/2003/InkML">
+  <inkml:definitions>
+    <inkml:context xml:id="ctx0">
+      <inkml:inkSource xml:id="inkSrc0">
+        <inkml:traceFormat>
+          <inkml:channel name="X" type="integer" min="-2.14748E9" max="2.14748E9" units="cm"/>
+          <inkml:channel name="Y" type="integer" min="-2.14748E9" max="2.14748E9" units="cm"/>
+          <inkml:channel name="F" type="integer" max="32767" units="dev"/>
+        </inkml:traceFormat>
+        <inkml:channelProperties>
+          <inkml:channelProperty channel="X" name="resolution" value="1000" units="1/cm"/>
+          <inkml:channelProperty channel="Y" name="resolution" value="1000" units="1/cm"/>
+          <inkml:channelProperty channel="F" name="resolution" value="0" units="1/dev"/>
+        </inkml:channelProperties>
+      </inkml:inkSource>
+      <inkml:timestamp xml:id="ts0" timeString="2021-07-23T06:17:31.770"/>
+    </inkml:context>
+    <inkml:brush xml:id="br0">
+      <inkml:brushProperty name="width" value="0.09071" units="cm"/>
+      <inkml:brushProperty name="height" value="0.09071" units="cm"/>
+      <inkml:brushProperty name="color" value="#FF0000"/>
+    </inkml:brush>
+  </inkml:definitions>
+  <inkml:trace contextRef="#ctx0" brushRef="#br0">2342 1312 10861,'-13'-5'2518,"10"14"-2428,-10 9-90,13 7 0,0 16 0,0-12 0,0 12 90,0 8-180,0-12 180,0 28-90,0-30 0,0 22 0,0-28 0,0 10 90,0-21 90,0-2 450,0-8-630,0-23-90,0-10-180,0-32 0,0 5-90,9 8 1,1 1-181,-6-12-90,15 8 1,3 1-903,2-2 723,3-9-181,9 28 1,-22 6 989,16 6 0,-7 7 0,3 2 0</inkml:trace>
+  <inkml:trace contextRef="#ctx0" brushRef="#br0" timeOffset="448">3008 1479 9602,'0'-39'2158,"0"6"-2158,-14 14-90,10 0 180,-19 17-180,15 13 90,-5-6 0,3 38 0,2-22 0,1 23 0,-1-10 90,2 2-90,2 13 0,3-16 0,1 15 0,0-28 0,17 5 0,6-18 0,13-21 0,0-13 0,-18-12 45,-4 5 0,-4 1 225,-7-3-90,6-30-90,-9 41-90,0-3 180,0 15-180,0 25 0,0 9-90,0 26 0,19-8-540,-15 0-89,31-11-181,-31-2-269,33-3-1979,-5 5 3148,10-10 0,4-2 0,-11-11 0</inkml:trace>
+  <inkml:trace contextRef="#ctx0" brushRef="#br0" timeOffset="1032">3633 1400 10681,'-14'-8'899,"11"1"-539,-11 3-180,-3 2-90,1 2 0,-18 15-90,19 10 0,-9 21 90,14-6-90,-3 2 0,7 1 0,6-12 0,20 15 0,-14-22 90,28 4-180,-15-16 90,28-3 0,-16-7-90,17-22 90,-28-6 0,12-30-90,-19 10 90,-4 0 0,-1-1 0,-3-7 90,-2 2 0,-2 1 90,-1 4-135,0 12 0,0 2-135,0 3 90,0-1 540,0 19-540,0 25 89,0 30-178,0 2-440,7-13 1,1 1 528,-4 10 0,11 0-429,2 17 429,-2-17-90,5 10-90,11-13 0,-18-13-90,25 7 180,-16-22-90,4-1 1,-7-10 89,0-1 90,0 0 0,6-18 0,-6-6-90,7-20 180,-14 9 89,-1 10-89,-7-2 1272,-3 12-1362,0 14 484,-1 14-484,0 20-90,0 1-360,14-8-179,-10-1-451,10-2-179,0-2 1259,3 1 0,14-7 0,-2 1 0</inkml:trace>
+  <inkml:trace contextRef="#ctx0" brushRef="#br0" timeOffset="1182">4158 1178 9332,'-14'-10'0,"3"3"-1170,5 3 1170,5 23 0,14 4 0,11 20 0</inkml:trace>
+  <inkml:trace contextRef="#ctx0" brushRef="#br0" timeOffset="1568">4832 1491 10321,'-18'-18'1799,"13"-6"-1349,-35 13-180,19-9 0,-23 6-360,10 5 90,0 5 90,6 22-90,10 6 0,9 11 0,6 0 89,3 7-178,20-9 89,-15 7 0,34-14 0,-35-6-90,34-2 90,-15-5 0,10-3 0,-4-5 0,-4-2 0,-7-3 0,0-19 0,-6 14 0,-2-33 0,0 8 0,-4-7 0,-1-20 0,-5 25-180,0-21-90,0 26-270,0-4-179,0 17 719,-12 3 0,9 6 0,-10 2 0</inkml:trace>
+  <inkml:trace contextRef="#ctx0" brushRef="#br0" timeOffset="2470">5640 860 11760,'0'-30'1350,"-14"4"-1171,10 3-179,-10 6-90,14 2 360,-10 7-180,7 28-90,-7-1 0,16 25 0,8 6 0,5 6-1131,-7-15 1,1 6-1,-1-4 1131,-3-8 0,-1-1 0,6 13 0,-3 0-331,-8 13 241,17-3 0,-18-7 0,7-5 0,-9-7 0,6-7-450,-5 0 0,5-12-899,-6-2 1349,0-28 3138,-13 9-3048,9-39 0,-9 1 0,13-14 0,-2 16 0,4 0 0,19-6 0,-11 11 0,2 2 180,13 4 406,10 3-406,-11 18 0,9 6 269,7 25-269,-17-19-45,-7 23 0,-2 3-45,2-11 0,-4 43-90,-6-34 90,-6 7-90,0-14-90,-20-3 180,16 0-180,-31 1-360,15-6-2068,-14-2-271,4-9 2789,14-19 0,6 10 0,10-12 0</inkml:trace>
+  <inkml:trace contextRef="#ctx0" brushRef="#br0" timeOffset="3065">6205 1190 9602,'7'19'1529,"-1"10"-1170,-1-11-269,-2 0-180,2 25 270,-2-27-270,1 23 180,-1-18-90,2-1 0,-2 0 0,8 6 90,-3-8-180,12 7 0,-6-15-90,13 0 1,-8-7 179,5-2-90,-6-1 0,0-19 180,-1 14-90,3-31 0,-7 9 269,4-18-269,-11 8 0,-1 0 90,-4 18-90,-1 20 90,17 15-90,-12 27 0,30-7 0,-30-1-359,35-12-91,-22-10-630,36 7 361,-19-17-1,30 8 450,-24-11 180,-8-9 1,-1-4 89,5-16 0,7-11 89,-11-15 1,-13 20 180,-6 3 0,-4-1 180,-4-9 44,-2 4 1,-2-1 135,-2-9-136,1 3 1,-2 1-315,-15 2 180,12-17 719,-11 44-1079,15 22 0,0 25 45,15 8 0,3 4-45,-10 19-45,15-9 0,2-2-44,-9-1-361,-3-10 0,2-1 0,6 2-685,-8 7 595,1-21-180,-9-5-89,6-4-1170,-6 0 900,-3-9 1079,-1 0 0,-21-7 0,-4-2 0</inkml:trace>
+  <inkml:trace contextRef="#ctx0" brushRef="#br0" timeOffset="3214">6872 1319 9602,'-21'-29'719,"4"2"-449,4 1 0,6 1-270,3 4 90,4-1-90,0 6 0,17 0 0,-13 6 0,41 2-270,-3 4-270,15 2-90,-14 0 1,-1 3-617,10 12 661,-17-11 0,0 0 585,9 12 0,0 0 0,-2 4 0</inkml:trace>
+  <inkml:trace contextRef="#ctx0" brushRef="#br0" timeOffset="3431">7503 1091 10501,'0'-27'1799,"0"6"-1709,0 4 90,0 6 90,0 3-360,0 23 90,0 10-270,17 15-180,-12 3-1099,12-5 560,-3 2-181,-10 2-1438,19 16 2608,-21-15 0,6 11 0,-8-20 0</inkml:trace>
+  <inkml:trace contextRef="#ctx0" brushRef="#br0" timeOffset="3614">7372 1445 10321,'-10'-26'720,"4"-9"-630,2 9-90,4-17-90,23 19 90,5-13-180,14 19-270,-4-1-270,-7 10 91,-1 4 179,2 1-359,0 3-1,2 0-359,-2 1 1169,-1 0 0,0 0 0,-2 0 0</inkml:trace>
+  <inkml:trace contextRef="#ctx0" brushRef="#br0" timeOffset="3902">7900 1250 11580,'-28'0'180,"11"16"-180,7-1 0,10 17 0,0-3 90,22-1-90,-2-5 0,21-9 0,-9-7 0,-2-7 0,-14-15 0,2 12 0,-16-28 0,5 7-90,-7-9 90,0-2-90,-15 8 0,11 1-179,-26 2-181,26 3-360,-28 3-179,28 3-1,-30 2 990,21 2 0,-6 5 0,9 2 0</inkml:trace>
+  <inkml:trace contextRef="#ctx0" brushRef="#br0" timeOffset="4266">8188 1158 9152,'9'0'629,"-2"0"-359,1 0-270,-2 17 0,1-12 90,-1 31-90,3-11 0,-5 8 0,5 8 0,-7-19 90,4 10-180,-5-17 270,0 3-540,-1-11 360,0-34 360,16-3 0,-12-21 0,26-2-1,-26 24 1,23-6-180,-25 17 0,21 10-180,0-3 0,1 10 0,15 16-90,-20 9-1979,18 24 180,-15-11-1130,7 2 3019,-9-12 0,0-2 0,0 0 0</inkml:trace>
+  <inkml:trace contextRef="#ctx0" brushRef="#br0" timeOffset="4418">9147 1273 13199,'0'-12'-1259,"0"-5"-360,0 8 1619,-15-11 0,11 12 0,-11-6 0</inkml:trace>
+  <inkml:trace contextRef="#ctx0" brushRef="#br0" timeOffset="6086">3842 3735 11490,'0'36'90,"-16"-5"-90,12 0-5660,-11-3 5660,15 3 1409,-9 2-1499,7 0-1169,-7 2-450,9-1 499,0 0 1210,0-3 0,0-2 0,0-2 0</inkml:trace>
+  <inkml:trace contextRef="#ctx0" brushRef="#br0" timeOffset="6281">4000 3623 9691,'-20'-7'-742,"3"18"0,41-9 0,6 13 0</inkml:trace>
+  <inkml:trace contextRef="#ctx0" brushRef="#br0" timeOffset="6734">4512 3898 8432,'0'13'1439,"0"-1"-1259,0 5 90,0 0-90,0 14-90,0-7-90,0 21 0,0-17 0,0 21-90,0-21 90,12 7 90,-9-12-90,10-3-90,-3-3 270,-7-4-90,7-3 0,-10-3-90,7-3 0,-5-18 0,4-34 0,-6 2-260,-7 10 1,-2-1 259,5-13 0,-12-2 0,16 3 270,0-13-90,0 21 90,17-12-90,8 33-90,10 5 90,4 11-180,-6 20 90,1-12-90,1 38 0,1-19 90,-13 8 0,-1 4 0,11 11-46,-12-7 1,-1 2-400,-2 6 355,-2 13 0,-11-22 0,-2-1 0,-3-5 0,-25 6 0,19-14-270,-42 1-180,13-18-944,-1-10 0,-2-7 404,-14-19 990,16 0 0,6-4 0,13-25 0,8 25 0,-1-1 0</inkml:trace>
+  <inkml:trace contextRef="#ctx0" brushRef="#br0" timeOffset="7098">5418 3813 10681,'-19'7'719,"0"1"-719,-4-6 0,9 2 0,14 1 0,0 7 0,0-2 0,0 6 0,0 5 0,0-5-449,0 12-91,16-13 270,-12 5 180,24-12-90,-16 1 270,11-7-180,-5-17 180,-2-2 0,-5-3-90,-3-7 90,-4 23 0,-3-21-1979,0 13 1889,-1-8 0,0 10 0,0 3 0</inkml:trace>
+  <inkml:trace contextRef="#ctx0" brushRef="#br0" timeOffset="7952">4080 3895 9781,'-11'0'1350,"0"0"-1170,6 0 809,0 0-899,4 16-90,1 12 0,0 8 0,13 6 0,-10 11 0,11-15 0,-14 26 0,0-32 0,8 9 0,-6-25 0,6 2-90,-4-14 90,-3-18-90,2-5 90,-3-25 0,0 10 0,0-17-90,0 19 180,0-19-180,19 25 180,-15-6-90,31 17 0,-32 3 0,32 6 180,-8 2-270,7 4 180,10 20 0,-22-14-180,12 34 180,-18-13-270,2 9-270,-7 0-809,-5-10-720,2-2 1979,-3 8 0,-2-9 0,0 6 0</inkml:trace>
+  <inkml:trace contextRef="#ctx0" brushRef="#br0" timeOffset="8834">4482 3902 10411,'-5'14'1169,"1"9"-1079,4 9 0,0 7-90,17-4 0,-13 7-561,12 6 561,1 4-464,-13 6 374,24-1 180,-25 4-90,18-2 0,-16-16 0,-1 0 0,7 20 0,-4-21 0,-3-2 0,-2 10 0,3-3-90,-4-4 0,2-3-809,-3-5-541,2-2 1440,-1 0 0,2-12 0,-1 1 0</inkml:trace>
+  <inkml:trace contextRef="#ctx0" brushRef="#br0" timeOffset="9531">5035 3806 9781,'-4'-1'1350,"0"16"-1440,4 7 180,0 11-90,17 3 0,-13-4-90,27 4 180,-27 2-1048,25 0 1048,-25 0-90,31-3 0,-20-2-148,16-3 148,-9-5 0,-1-4 180,9-1-270,-8-10 90,7 0 0,-3-9 691,-6-17-691,13-8-90,-15-10 90,8-18 0,-14 19 0,0-30 0,-9 28 505,-1-13-505,-2 6 89,0 13-178,-16-14 89,12 24 0,-12-1 629,16 13-539,0 17-90,0 8 0,14 1 90,3 30-90,1-29 0,6 39 0,-9-30-270,12 14-449,-6-20-91,-1 3-899,2-9 540,-5-6 1169,6-2 0,-5-7 0,1-2 0</inkml:trace>
+  <inkml:trace contextRef="#ctx0" brushRef="#br0" timeOffset="9947">5877 3477 9961,'0'14'1979,"0"6"-1889,0 14 0,0 1-180,16-2 90,-12 3 0,24 23 0,-25-15 45,7-5 0,1 0-427,-1 3 382,1 12-359,8-20-181,-12-2 0,9-2-719,-3 4 629,-6-11-1079,3 7 990,-7-18 611,0-2 1727,-21-7-1079,-4-3-91,-1-18 181,-14 0-90,15-4 89,-16-10-359,17 9 90,-1-8-180,20 2-180,-6 10 309,8-2-398,0 0-1,29 0-720,-6 0-629,15 7 0,3 1 1439,16-8 0,-15 7 0,2 2 0,-9 4 0,-1 0 0</inkml:trace>
+  <inkml:trace contextRef="#ctx0" brushRef="#br0" timeOffset="10897">7200 3681 10951,'-4'-5'719,"1"1"-629,1 22 0,17-14-90,-12 49 0,34-32 0,-19 43 90,6-28-180,2 21 90,-14-24 0,8 21-180,-7-29-359,-6 7-541,-2-23 1080,-4-24-90,0-11 180,-1-30-90,0 11 0,14-17 90,-10 29 180,23-11-180,-16 29-180,13 1 180,-7 14-90,2 19 0,-2-15 90,2 37-450,12-6-449,-5 10-226,-2-12 1,2-2-901,7 5 1935,13 8 0,-10-21 0,2-1 0</inkml:trace>
+  <inkml:trace contextRef="#ctx0" brushRef="#br0" timeOffset="11265">8195 3754 9871,'-30'-18'900,"-14"2"-540,17 3-270,-23 6-90,12 2 90,2 23-180,15-13 180,0 35-90,10-22 0,-7 34 179,15-19-269,-6 25 180,9-26-90,17 8-90,7-9-89,-1-11-1,33 2 180,-35-16 0,44-2-90,-36-23 180,7 14-90,-15-32 0,-3 9 270,-9-18-91,-2 7 361,-7-4-540,0 22 0,-15-4 0,11 11 0,-12 23-1169,31 6 179,-11 26 181,25-8-181,-26 0-359,28-12 1349,-17-9 0,16 9 0,-7-4 0</inkml:trace>
+  <inkml:trace contextRef="#ctx0" brushRef="#br0" timeOffset="11704">8462 3774 9871,'-11'-6'450,"8"21"-540,9 6 90,-2 21 0,29-12 0,-29 0 0,25-11 0,-26 0 0,18-3 90,-19-1-90,12-7 450,-12 2-540,7-9 90,-9-13 0,3-8-90,-3-12 90,0 0 0,0 6-90,0-4 180,0 2-90,0-2 0,0 5-90,0-6 0,0 11 180,0-1 90,10 14-270,-2 3 180,12 21-90,-9-1 0,7 18 0,-7-19 0,5 8 0,-8-13 0,0 2-990,-4 3 990,-2-11 0,1 3 0,-3-4 0</inkml:trace>
+  <inkml:trace contextRef="#ctx0" brushRef="#br0" timeOffset="12520">7083 3268 10051,'-9'-8'630,"1"3"-630,3 1 270,0 4 899,3 0-1079,0 15-90,2 13 90,23 9-90,-17 11 0,14-14 0,2 0 90,1 21-988,-13-16 1,2-1 897,24 15 0,-32 0-504,18-6 0,0 0 414,-15 11-315,12-4 1,-1-2-316,-11-8-45,-1-10 1,-1-1 44,-1 1-597,-4 5 238,0-19 1079,0-4 0,0-5 0,0-3 0</inkml:trace>
+  <inkml:trace contextRef="#ctx0" brushRef="#br0" timeOffset="12664">7088 3964 9242,'0'-23'1079,"0"-1"-809,22-8-270,-17 7 0,43-7-595,-25 11 685,27 3-450,-7 0-719,4 2-271,3 0 1239,2 3 0,2 2 0,-1 1 0</inkml:trace>
+  <inkml:trace contextRef="#ctx0" brushRef="#br0" timeOffset="13214">7785 3628 8792,'-7'16'1529,"1"3"-1619,6 11 180,0 2-90,0-4 0,14 4 90,-11 3 0,11 2-180,3 1 90,2 16 0,10-16 90,-11-8 0,0-1-180,6-2 180,18 8-180,-13-24 0,8 0-90,-7-11 180,0 0-180,1-22 180,13-11 90,-11-12-135,-10 12 0,-1 1 135,-3-8 45,-7 4 0,-4 1 135,-3-4 270,-1-11-181,-4 17-89,0 4-90,-21 3 180,16-1-180,-30 9-270,31-1 180,-10 13 0,5 1 0,6 23-90,-6 12 0,9 11 0,7-6 0,3 1 0,8 15-1075,1-1 0,2 1 1075,-7-18 0,0 0 0,4 12 0,-2-1-570,-4-10 0,-1-1 570,2 0 0,-1 0-83,0 0 0,-1 1 83,5 13 0,0 0 45,-5-12 0,0 0-90,5 22 0,-2-1 45,-1 4 0,-6-7 0,-2-3-270,-1-7-1799,-4 22 540,0-49-900,0-2 2879,-14-11 1,11-20 0,-11-4 0</inkml:trace>
+  <inkml:trace contextRef="#ctx0" brushRef="#br0" timeOffset="13715">8753 3781 10591,'0'39'720,"0"-6"-631,0 9-89,0-6 0,20 5 0,-15 3 45,13-12 0,3 0 45,3 18-135,-4-10 0,0 0 45,4 6 0,-9-12 0,-1 1 0,-4 1 0,4 6 90,-3-13-90,-10-10 0,2-1 0,-22-13-90,14-20 0,-29-6 1,-7-3-1,10-22-1480,-17 1 1,-3 0 1524,27 18 0,2-1 45,-18-25 0,2-2-173,16 20 0,2 0 83,-10-25 0,3 0 135,14 25 0,2 1-90,-1-8 0,3-1 135,5 8 0,2 2 0,2-13 0,21-12 0,12 37 0,27 4-90,-6 14 90,2 30-90,-26-10 0,-1 3 0,-7 5 0,-1 2 0,12 11 0,-1 0 0,1 10 0,-11-8 0,-4 1 2639,-5 5-2729,-2 10-450,-11-21-449,0-2-91,0-3 519,-18-4-878,13-5 1439,-31-5 0,31-2 0,-12-3 0</inkml:trace>
+  <inkml:trace contextRef="#ctx0" brushRef="#br0" timeOffset="14016">9037 3825 9062,'27'0'809,"1"0"-719,1 0 90,-1 0 0,11 15-270,-9-11 180,23 11-90,-20-15 0,2-5 0,0-5 0,1-12 45,-4 3 0,-2-3-45,-5-13 270,5-13-90,-20 20 90,-3-27-270,-6 29 0,-22-18 90,1 30 179,-23 2-269,7 9 0,14 25 90,-5-17-90,25 41 0,-9-24 0,11 22 0,0-7-1439,28 17 360,-4-13 1079,10-7 0,4-2 0,13-1 0,-16-11 0,0-1 0</inkml:trace>
+  <inkml:trace contextRef="#ctx0" brushRef="#br0" timeOffset="14314">10123 3535 11041,'18'-7'180,"7"0"-270,-3 5-270,38-1-360,-34 3-270,8-2 1,2 3-540,-3 13 1529,6-10 0,-16 25 0,0-10 0</inkml:trace>
+  <inkml:trace contextRef="#ctx0" brushRef="#br0" timeOffset="14447">10193 4004 10861,'0'6'180,"29"-3"-1170,10-17-989,19 10 1788,-28-10 1,1-1 0,20 12 0,5-10-1</inkml:trace>
+  <inkml:trace contextRef="#ctx0" brushRef="#br0" timeOffset="14814">11355 2669 11490,'0'-11'-90,"0"2"90,0 5 0,-19 2-899,-1 18-540,-2 3-90,-5 1 1529,24 13 0,-8-29 0,11 14 0</inkml:trace>
+  <inkml:trace contextRef="#ctx0" brushRef="#br0" timeOffset="14981">11458 2718 9781,'-23'18'270,"-9"-13"-270,28 39-2428,-10 0 2428,14 14 0,0 7 0,0-15 0</inkml:trace>
+  <inkml:trace contextRef="#ctx0" brushRef="#br0" timeOffset="15481">12185 3343 10051,'-8'-5'360,"2"1"-180,2 25 0,2 9-180,19 15 0,-13-1-1008,13-7 1008,-4 0 0,-10 16 0,19-15 172,-19 19-172,6-28 270,-1 8 269,-6-22-179,5-1-180,-7-9-450,0-20-359,0-25-1,0-4-577,0-16 397,0 16-359,0 0-888,0-1 2057,0 1 0,17 2 0,4 2 0</inkml:trace>
+  <inkml:trace contextRef="#ctx0" brushRef="#br0" timeOffset="15898">12967 3437 9422,'-51'0'1169,"-2"0"-1169,-1 0 0,9 0 0,6 0 0,14 0 0,6 0 0,0 0 90,4 17-90,6 4 0,3 10 90,23 11-180,-13-16 270,34 16-180,-5-22-958,10 3 958,3-15 0,-12-3-90,-1-5 180,-2 0-180,-1 0 180,-7 0-180,4-17 180,-16-1 0,5-16 360,-15 0-180,2 0-270,-23 15-90,15-6 90,-15 16 777,6-3-777,10 26-1349,6 30 360,1 1-495,12-8 0,5-2 1484,10 0 0,12 9 0,4-19 0</inkml:trace>
+  <inkml:trace contextRef="#ctx0" brushRef="#br0" timeOffset="16349">13657 3456 9332,'-26'-8'180,"-16"1"89,18 4-89,-17 2-180,8 22 90,15 3 0,8 25 0,10-13 0,22 19-90,7-28 0,-2-6 0,2-2 0,18-9-90,0-2 90,-14-8 90,-2 0-90,-2-20 0,-2 15 0,-5-36 0,-3 24-90,-3-32 90,-8 16 270,-2-27 270,-6 21-271,-10 5 1,-1 0-180,6-8-911,-16-12 1180,4 18-179,13 2 102,-13 5-372,6 4 0,8 6 90,-8 4 90,11 5 0,0 21 810,0 17-990,19 11 90,-9-4 0,1 1 90,12 14-90,-5-6 0,1 1 0,5 8-45,-3-12 0,2-1-225,11 2-360,-15-11 1,-1-1-91,2-1-269,4 3-810,-1-15 809,-6-8 990,5-1 0,-8-7 0,-1-1 0</inkml:trace>
+  <inkml:trace contextRef="#ctx0" brushRef="#br0" timeOffset="16502">14170 3549 9242,'0'6'1979,"0"4"-1979,0 24-90,19-17-1080,-14 14-629,31-14 1799,-18 9 0,15-7 0,-2-6 0</inkml:trace>
+  <inkml:trace contextRef="#ctx0" brushRef="#br0" timeOffset="16664">14163 3150 10051,'-7'-15'-2878,"5"3"2878,-5 25 0,27-11 0,6 16 0</inkml:trace>
+  <inkml:trace contextRef="#ctx0" brushRef="#br0" timeOffset="17015">14803 3367 10051,'-44'0'810,"0"-12"-630,14 9-180,1-9 180,-6 12-180,5 0 90,6 15-1,4-12-89,18 32 90,-5-17-90,7 18-90,23 6 180,-17-12-90,41 9 0,-6-12 0,10-13 0,-11-3 0,0-2 90,8-7-135,-7 2 0,0-2-785,3-18 830,10 12 0,-27-29-309,-5 29 309,-9-34 0,-5 6 0,-5-10-270,-25-18-360,-11 25-1481,-14-9 1211,-5 18-269,8 4-741,-2 2 1910,0 8 0,3 1 0,1 3 0</inkml:trace>
+  <inkml:trace contextRef="#ctx0" brushRef="#br0" timeOffset="17414">15150 2440 10771,'0'-10'0,"1"0"90,3 4-90,0 3 0,4 3 0,1 18 0,-1 5 0,4 21-180,-6-7-270,2-1-90,-5-10-89,-1-2 89,0-5-449,-2 1 989,1-12 719,8-17-179,-4-17 90,8-10 89,-3-4-269,2 7-180,0 1 90,2 3-450,-3 2 180,2 6 0,0 2-1,-3 9-178,5 3-91,-7 28-450,4-2-1079,-6 23-720,-1-1 2325,-2 8 1,-2 9-1,-1 4 1</inkml:trace>
+  <inkml:trace contextRef="#ctx0" brushRef="#br0" timeOffset="18832">3333 3008 10411,'4'15'1799,"-1"3"-1709,-22 21 0,15-6 90,-31 7-90,19-5-90,-16 6-758,2 2 758,-5 4-551,-2 1 641,-4 3-135,20-25 0,0 0 45,0 1 0,0-1 0,-1 0 0,0 2 0,-8 10 0,0 2 0,7-12 0,1 1 0,-13 19 0,2-1 0,0 5 0,11-11 0,4-1 90,4 5-90,2 10 0,11-19 0,1-1 0,21 0 0,8 13 0,13-10-537,-9-8 0,0 0 87,10 5-1079,11 1 0,1-1 584,-25-15 1,-1-2 944,20 11 0,-1-2 0,6 3 0,1-2 0</inkml:trace>
+  <inkml:trace contextRef="#ctx0" brushRef="#br0" timeOffset="20398">17123 3168 8792,'-11'52'180,"4"-10"-180,4 4-1783,3-6 1693,0 5 90,0 0 90,0 2 467,17-2-557,-13 12 0,32-15 0,-32 5-90,25-22 382,-26-5-562,17 0 180,-18-9 0,14-2 1024,-10-9-934,5-23 90,-1 17-90,0-44 0,-1 27 45,-2-9 0,0-3 225,4-7-225,-2 5 0,-1 0 135,2-1 270,10-24-450,-9 38 179,10-4-89,-9 23-90,11 22 0,-8-13 90,6 35-180,-5-20 90,2 22-1124,1-7 0,1 0-316,9 11 1391,-7-10 1,1-1-1,7-3 1,2-2 0</inkml:trace>
+  <inkml:trace contextRef="#ctx0" brushRef="#br0" timeOffset="20782">18122 3399 8882,'-20'-13'450,"16"1"-270,-16 3 89,-3 5-269,0 1 0,-21 3-90,22 23 270,-7-18-180,26 36-90,-19-15 180,20 9-90,-8 7 0,10-19-180,21 10 180,4-17-89,23-3 178,-12-8-89,8-22-89,-20-8 178,11-23 1,-24 9 0,6-3 540,-16 13-180,4 0 89,-5 2-449,0-5-90,0 11-90,0-2 180,0 13-90,0 21 90,0 6-270,17 26-719,-12-8-1080,27 15 810,-11-20-949,7 6 2118,2-15 0,-8-5 0,1-2 0</inkml:trace>
+  <inkml:trace contextRef="#ctx0" brushRef="#br0" timeOffset="21331">18507 3308 8702,'0'15'540,"0"6"-540,0 15 0,14-2 0,-11-8 0,11 0 0,0-1 0,-11-3 180,18-2-90,-19-1-180,9-6 90,-8-4 0,3-26-90,1-10 90,-2-13 0,6-17 0,-3 20 0,9-27 90,-7 30 0,8-12 0,-9 27 89,3 3-89,1 12-90,-3 4 90,10 16-90,-7 9 0,2 5 0,0 3 0,2 14 0,-2-11 0,1-1 0,-2-2 90,6 13-90,-11-25 0,3-3-90,-7-7 0,0-10 90,-1 5 0,3-6 0,0-22 90,4-4-90,-2-14 0,3 2 0,-3 8 0,-1 1 0,0 1 90,-2 4-90,1 4-90,-1 10 360,0-5-90,-1 13-180,2-6 0,0 8 0,-1 18 0,0-14 0,0 32-90,4-32-270,0 32-359,4-21-1,0 16-809,14-2 540,-5-16 989,12 13 0,-8-24 0,1 7 0</inkml:trace>
+  <inkml:trace contextRef="#ctx0" brushRef="#br0" timeOffset="21630">19427 3433 9062,'2'-10'1349,"3"3"-989,0 7-90,9 0-270,-2-5 90,17-2-180,-9-3 180,11-1-180,3-4 180,-4 1-90,17-10-90,-22 9 90,8-9-90,-19 11 90,-2-14 0,-9 12 0,-24-10-90,15 13 360,-32-1-180,16 9-90,-16 2 179,5 19-179,14 6 0,8 22 90,11-8-90,0 3-1978,17 1-181,15-9 1817,11 9 0,14-17 0,-9-2 0</inkml:trace>
+  <inkml:trace contextRef="#ctx0" brushRef="#br0" timeOffset="22164">20563 3272 9871,'-16'-6'1619,"2"1"-1529,35-2-180,-16 0 0,31 5-1978,-16-2 628,18 3-628,-7 1 2068,3 0 0,-11 20 0,1 6 0</inkml:trace>
+  <inkml:trace contextRef="#ctx0" brushRef="#br0" timeOffset="22314">20685 3564 10321,'21'-20'-270,"-15"-15"-809,38 30-540,-24-26 1619,23 28 0,-7-19 0,2 9 0</inkml:trace>
+  <inkml:trace contextRef="#ctx0" brushRef="#br0" timeOffset="22949">21560 2385 9332,'-12'-6'2428,"2"0"-2338,6-2-90,0 3 90,-4 19-270,3-11-180,-1 23-269,-1-23-271,0 24-1168,-5-4 898,4 7 1170,-2 0 0,7-12 0,1-2 0</inkml:trace>
+  <inkml:trace contextRef="#ctx0" brushRef="#br0" timeOffset="23118">21603 2378 8252,'-12'19'0,"9"15"-899,-10-15-630,13 17 1529,0-1 0,0 0 0,0 4 0</inkml:trace>
+  <inkml:trace contextRef="#ctx0" brushRef="#br0" timeOffset="24432">22392 3226 8792,'-17'-19'540,"12"3"-270,-26 3-360,11-1 180,-16 9-180,-2 14 90,9-5 0,3 29 90,9-7-1,8 9-89,2 0 0,7-10 0,17 7 0,-12-9-179,33 8 179,-5-20-90,10 3 180,4-13-90,-13 3-90,-4-4 180,8-18-90,-14 13 0,6-30 269,-22 13 91,0-17-270,-8 7 180,0 3-360,-16 5 180,12 6-90,-11 23-90,15 19 180,0 18-90,0 6 0,0 11 0,0-14-45,6-6 0,2-1 45,-5 4-1209,11 11 220,-14-20 89,0-3-449,0-3 1349,0-5 0,0-4 0,0-2 0</inkml:trace>
+  <inkml:trace contextRef="#ctx0" brushRef="#br0" timeOffset="24749">22787 3358 8432,'19'-14'810,"1"1"-720,1 0 0,0 0-90,-3-2 0,2 0 90,-4-2-90,10-9 90,-8 6-90,10-17 0,-13 14 89,0-6-89,-7-1 0,-5 9 0,-1-13 0,-2 16-89,-18-5-1,13 14 269,-29 1-89,15 6-180,-1 22 180,-2 6-90,19 24 0,-5-9-90,8 12-269,20-22-451,-16 6-1169,32-5 1979,-12-11 0,8 2 0,2-11 0</inkml:trace>
+  <inkml:trace contextRef="#ctx0" brushRef="#br0" timeOffset="25081">23302 3062 8882,'0'43'90,"17"2"-90,-12-13 0,13-2 0,-4-10 0,-10-2 180,23 1-90,-18-4-90,9-4 0,-5-6 0,-4-5 0,1-21-90,-3 15 90,2-38 90,7 9-180,-3-10 180,12-16 0,-11 29 90,14-14-180,-14 27 90,9 3-90,-12 27 0,8 13 0,-6 10-450,15 20-450,-10-18 900,2-6 0,2 0 0,6 3 0,15 8 0</inkml:trace>
+  <inkml:trace contextRef="#ctx0" brushRef="#br0" timeOffset="25448">24532 2911 9062,'-27'-9'450,"-14"2"-360,18 4 179,-21 18-269,5 8 90,5 19-90,16-7 90,9 1-90,9-9-90,0-2 90,20 8-90,-15-11-90,35 2 180,-11-12 0,10-6 0,8-2 90,-14-22 0,-2-4-90,-14-24 180,-10 11 0,-7-2 0,0 10-180,-17-1 90,13 2-90,-13 0 180,1 3-270,12 1 90,-11-2-90,3 8 90,9-1-3958,-9 11 3958,12 14 0,16-5 0,5 10 0</inkml:trace>
+  <inkml:trace contextRef="#ctx0" brushRef="#br0" timeOffset="25831">24495 2227 9871,'0'36'1709,"0"5"-1529,0-6-90,0 5 0,0-6 0,0 4-525,0 3 525,16 3-135,-14-9 0,0 0 45,25 20 0,-25-7 0,-1 1 0,18 9-360,-14-9 0,-2-1-1983,7 8 1893,-3-21 0,-2-1-629,0 9-316,3-2 1395,-2-4 0,-1-4 0,2-2 0</inkml:trace>
+  <inkml:trace contextRef="#ctx0" brushRef="#br0" timeOffset="26230">24807 3175 9691,'0'-20'540,"20"9"-540,-15-3 0,29 9 0,-30-8-90,29 2 180,-21-1-90,23-6 0,-18 3 0,6-14-90,-16 11 180,2-8 0,-9-1-90,2 5 90,-20-13-90,13 17-90,-28-7 90,29 14 0,-11 2 0,4 6 0,8 23 0,-8 5-630,11 24-1348,19 0 448,1-7 1530,2-7 0,15-13 0,-11-1 0</inkml:trace>
+  <inkml:trace contextRef="#ctx0" brushRef="#br0" timeOffset="26548">25243 2848 8972,'-15'16'450,"17"7"-450,2 17 0,10 0 0,0-9-90,-10 0 90,20 0 90,-21-1-90,19 4 0,-19-9 539,15 0 631,-17-13-1170,5-22 0,-6-12 0,0-28 0,0 4 90,0-4-450,0-5-90,0 14-495,10 7 1,0 2-135,-6-1 1079,36-6 0,-21 19 0,18 2 0</inkml:trace>
+  <inkml:trace contextRef="#ctx0" brushRef="#br0" timeOffset="26981">25647 2176 10411,'-8'-16'989,"3"25"-989,20-13 0,-11 38 0,15-20 0,-4 17 0,-11-5 0,12 1 0,-6 9-89,-7-11-91,14 5 0,-15-13 0,6-5-630,-5-4 900,2-4-180,6-24 270,0-4-270,3-1 270,-1-16 0,3 24 0,1-18 90,-1 12-270,0 10 0,-3-8 270,0 14-270,-4-6 0,1 9-90,-4 24-2879,1 30 2969,-4 5 0,-1-17 0,-1 0 0,-1 15 0</inkml:trace>
+  <inkml:trace contextRef="#ctx0" brushRef="#br0" timeOffset="27806">27017 2577 11580,'0'-10'450,"-17"2"-540,13 25 180,-12 11-90,35 16 0,0 19 90,4-25-90,1-1 0,-3-1 90,-13-5 810,35 13-721,-32-31-179,9-6 0,-8-2-269,5-51-91,-5 18-270,-1-14 0,-1-3-539,5 2-315,-7 7 0,1 0 1484,1 0 0,-1-7 0,-3 21 0</inkml:trace>
+  <inkml:trace contextRef="#ctx0" brushRef="#br0" timeOffset="28198">27718 2710 10501,'-42'-35'450,"-9"14"-450,6 0 0,3 19 180,-8-7-360,23 9 270,-5 20-90,14-15 90,5 39-90,5-26 90,5 37-90,3-23 0,21 25 0,-15-28-90,42 6 0,-28-19 90,26-7 0,-12-1 90,17-7-90,-13 4 0,17-21 180,-29-6 179,1-19 1,-19 9-90,-2-2-180,-6 13-180,0-4-360,0 7-899,0 22 180,0 15-2407,0 30 3576,16-8 0,-12 1 0,11-11 0</inkml:trace>
+  <inkml:trace contextRef="#ctx0" brushRef="#br0" timeOffset="28834">28117 3024 9691,'2'-36'360,"4"-16"-270,2 14-45,0 1 0,1-2-45,4-10 90,-2 5 0,0 0-2149,1-9 2014,-5 20 0,0 0 225,0-30-180,-4 16 180,-1 10 0,-2 1-90,0-5 360,0-9 365,-15 19-815,11 4-180,-12 3 516,2 2-66,11 9-270,-11 20 0,14 23 1087,0 10-1087,8-3 0,1 1 90,-5 15-135,14-3 0,0 0-135,-13 11-880,18-11 1,1-1 429,-6 4-315,15-8 1,3-4 584,-4-7 90,1-9 1,0-5-271,-5-12 270,19-3 720,-25-23 340,4 14-520,-13-31 719,-6 31-359,1-35 360,-4 12-541,-1-9-449,-2-2 0,-1 19 0,0 19 0,0 13 1028,15 6-1387,5 15 89,-1-14 0,16 10 90,-11-12 180,10-9 121,-3-9-300,-9 0 268,-5 0-89,5-15 0,-10 12 360,-1-26 90,-8 5 449,-3-15-359,0 4-270,0 5-270,0 10-90,-15 2-719,11 24-990,8 23 719,1 9 1080,13-5 0,1 0 0,-15 3 0,15 10 0</inkml:trace>
+  <inkml:trace contextRef="#ctx0" brushRef="#br0" timeOffset="29168">29195 2806 11221,'0'-25'179,"0"5"-89,21 2-90,-16 5 0,32-1 0,-13-4 0,-3 7 0,17-7 0,-19 9 0,14-3 0,-16 6 0,1 1 0,-17 2-90,5-2 90,-6 1-89,0-6 268,-19 2-89,-4-11 0,0 9-90,-12-5 90,31 7-270,-25 2 180,26 2 630,-9 1-540,12 18-180,0 11-90,17 10-360,-13 6-1225,35-4 1045,-21 1-269,21 1 90,-9-1-541,5-3 1440,1-3 0,5-3 0,0-1 0</inkml:trace>
+  <inkml:trace contextRef="#ctx0" brushRef="#br0" timeOffset="29434">29990 2630 11760,'0'-8'270,"0"-1"-270,15 4 0,-11-1 0,10 3 90,3-3-720,-3 3-989,18 0 360,-8 3-180,-3 13 1439,-3-9 0,-8 23 0,-1-11 0</inkml:trace>
+  <inkml:trace contextRef="#ctx0" brushRef="#br0" timeOffset="29568">30035 2883 11400,'36'-11'-1057,"8"8"0,-8-8 1,3 11-1</inkml:trace>
+  <inkml:trace contextRef="#ctx0" brushRef="#br0" timeOffset="29948">30850 2501 12480,'-26'-13'90,"5"1"90,9-2-90,9 1 0,-10-8 90,13 5-270,0-15 180,0 12-90,0-7-90,16-2 180,-12 6 89,13-18-89,-17 15 180,9-16 0,-6 16-90,6-5 0,-9 11-180,0 1 0,0 4-90,0-2 270,0 7-180,0 20-90,0 13-90,0 15-270,14 4-629,-10 14 449,25-7-360,-27-7 1,0 1-965,24 11 1234,-23-19 1,-3-1 719,12 13 0,-12 0 0,0-1 0</inkml:trace>
+  <inkml:trace contextRef="#ctx0" brushRef="#br0" timeOffset="30106">30837 2899 13649,'20'-16'-1619,"7"-13"630,13 25-1854,1-25 1314,-8 26-629,4-19 2158,0 20 0,3-17 0,0 8 0</inkml:trace>
+  <inkml:trace contextRef="#ctx0" brushRef="#br0" timeOffset="30515">30280 1699 11041,'-5'-16'0,"0"2"629,-1 3-449,2 5-180,1 25-90,3 8 90,0 14-449,0-1-91,0-9-360,0 2-89,0-2-180,0-3-630,0-2 1799,16-4 0,-12-3 0,12-2 0</inkml:trace>
+  <inkml:trace contextRef="#ctx0" brushRef="#br0" timeOffset="30670">30402 1752 8972,'0'10'-1169,"0"8"-361,0 14 1530,0 5 0,0-5 0,0 1 0</inkml:trace>
+  <inkml:trace contextRef="#ctx0" brushRef="#br0" timeOffset="30936">31250 1710 11041,'4'-10'-180,"0"4"180,3 1 0,-2 4 90,3 18-270,-5-13-900,0 30-89,-2-9-1529,-1 18 2698,0-9 0,0-4 0,0-12 0</inkml:trace>
+  <inkml:trace contextRef="#ctx0" brushRef="#br0" timeOffset="31098">31285 1728 10951,'0'-16'0,"16"5"-540,-13 21-629,29-6-360,-29 31 1529,26-17 0,-25 19 0,9-7 0</inkml:trace>
+  <inkml:trace contextRef="#ctx0" brushRef="#br0" timeOffset="31520">31712 1491 12390,'0'-26'90,"0"4"-90,0 4 90,0 2 270,0 7-360,0 20 0,0 14 0,14 23 90,-10-6-180,25 16 180,-11-22-911,0 12 821,15-15-89,-19-1 89,16-2 89,6 17-89,-9-13-89,12 13 178,-13-17-89,3 3 0,-3-2 0,10 17 0,-11-12 45,-7-6 0,-1 1-45,0 5 90,-1 11 90,-11 1-90,-2-12-244,-20 27 154,12-29 0,-30 12 0,7-6-270,-9-9-225,9-5 1,0-1-316,-7 5-899,4-5 0,-1 1 1709,-2 3 0,-11 9 0,18-14 0</inkml:trace>
+  <inkml:trace contextRef="#ctx0" brushRef="#br0" timeOffset="33286">20285 4889 11400,'0'-11'270,"0"4"180,6 2-450,-2 5 0,5 19 90,-3-14 0,-1 41 0,2-22-180,1 25-189,1-7 279,0 2 90,0 3-90,-2-2 0,1-2 0,0 10 0,-2-17 0,3 11 90,-5-27-90,1 0 90,-3-13-270,0-4 270,1-20-90,2-16 0,2-10 0,-2 2 0,0-1-663,4-20 663,-4 18 0,1-1 0,-2 9 0,1 2-45,-1-1 0,0 1 90,0 1 0,0-1-90,3-8 0,-1 2 315,4-16-220,-3 20 1,1 4 39,3 10-90,9 4 0,-2 33 90,7-10-90,-7 23 0,0 5-90,12-3 180,-3 14 0,0 4 145,5 3-1090,-6-6 1,0 1-1949,5 6 2128,-12-18 1,0-2-1215,9 9 1818,0-4 1,2-5 0,1-3 0</inkml:trace>
+  <inkml:trace contextRef="#ctx0" brushRef="#br0" timeOffset="33481">21270 4580 9781,'0'-16'720,"-16"5"-720,-2 32 0,-2 1 0,-6 29-1141,15-5 1051,-11 9 90,6 6 0,8-28 0,1 2-855,-1 16 1,1 1 134,3-13 0,1 0 720,-1 12 0,1-1 0,3 13 0,0 0 0</inkml:trace>
+  <inkml:trace contextRef="#ctx0" brushRef="#br0" timeOffset="33881">21823 4955 10231,'-49'-1'810,"22"16"-900,-16-11 180,25 32-90,-29 6 0,29-1 45,1-8 0,2-1-45,13-1 0,-7 17-270,9-21 0,0 3 180,21-12-90,-16-7 90,34-4 90,-13-3 0,7-4 0,11-20 0,-22-7 270,-1-12 180,-4 1 89,-14 7-89,6 2-90,-9 1-270,0 4-90,0 3 0,0 2 0,0 25-630,0 23-179,20 8-361,-16 15-2068,30-3 3238,-14-13 0,-2 10 0,-2-18 0</inkml:trace>
+  <inkml:trace contextRef="#ctx0" brushRef="#br0" timeOffset="34416">22168 5031 10231,'0'-17'1169,"-14"5"-1169,11 21 90,-11 10-90,14 14 0,16 0 0,-12-6-90,12-1 180,-16 2-90,14-3 0,-11 0-90,10-4 270,-5 2-360,-6-7 180,5-20 0,-7-14 0,0-17 0,0-13 0,0 14 0,0-9 0,0 15 0,0 4 0,15 4 90,-11 4 0,21 9-90,-23 20 90,21 12-180,-9 11 90,10 12 90,-7-17-90,-3 9 0,-7-13-90,0-3 180,-3-4-90,1-3 0,-1-1-629,0-8 449,-1 0 180,-2-8 0,2-19 0,3-5-90,1-12 180,1-1-90,7-5-90,-5 10 270,10-12 269,-10 28-359,4-7 0,-6 22-90,1-6 0,2 24 0,-1-13-719,10 31-990,-7-10 1709,12 21 0,-10-5 0,6-1 0</inkml:trace>
+  <inkml:trace contextRef="#ctx0" brushRef="#br0" timeOffset="34565">23865 5172 8522,'0'-5'-900,"0"1"1,0 0 0</inkml:trace>
+  <inkml:trace contextRef="#ctx0" brushRef="#br0" timeOffset="36680">3317 7751 9062,'-8'0'1349,"2"0"-1349,4 0 90,0 0 90,0 14-180,1 3 180,0 11-270,-1 0 90,0 1 0,-1 4 0,2 5-90,0 3 90,1 17-360,-1-15-629,1 9-1530,0-12 2519,0-12 0,18 0 0,4-13 0</inkml:trace>
+  <inkml:trace contextRef="#ctx0" brushRef="#br0" timeOffset="37700">3617 7453 10411,'-35'30'720,"-5"3"-630,13-5-180,-5 2 180,7-5-180,0 1 180,3 0-90,1 0-90,3 0 90,2-2 90,-4 12-90,10-10 0,-6 19 0,12-22 0,0 17 0,4-18 0,0 6 0,0 1 90,18-6-90,1 20 89,3-18-89,20 23-89,-22-20 44,13 3 0,4 0-45,-3 2-675,0-1 1,-1 0-226,-4-3 990,-5-5 0,0 0 0,0 4 0,8 7 0</inkml:trace>
+  <inkml:trace contextRef="#ctx0" brushRef="#br0" timeOffset="38048">4378 8112 9602,'-9'-4'539,"1"0"-359,0 3 0,3-1-180,3 17 90,1 5-180,1 10 90,0 16-90,15-14-1799,-11 23 630,25-23 1259,-25 7 0,23-18 0,-13-1 0</inkml:trace>
+  <inkml:trace contextRef="#ctx0" brushRef="#br0" timeOffset="38231">4392 7631 8702,'0'-5'0,"0"16"-630,24-8-989,-18 29 1619,41-28 0,-28 36 0,20-13 0</inkml:trace>
+  <inkml:trace contextRef="#ctx0" brushRef="#br0" timeOffset="38631">4913 7864 10951,'23'46'270,"-17"-8"-270,35 3 0,-37-7 0,33 2 0,-33 3-1706,34 1 1616,-25 2 135,5-12 0,1-1-45,-1 13 0,5 10 0,-11-24 534,0-5-534,-4-6 190,1-5-190,-4-4 0,-1-4-90,0-19 1072,-1 11-982,4-52 0,-5 27 0,0-3 0,0-3 269,0 0 1,-1 1 90,1-20-90,0 13 0,0 0 0,-1 0-270,2-12 270,-2 32 89,3 3-269,1 13-90,9 19 0,-1 10-90,15 25-359,-10-4-1224,7 8 594,-7-13-541,-1 2-268,2-2 1756,1 0 1,2-3 0,1-1 0</inkml:trace>
+  <inkml:trace contextRef="#ctx0" brushRef="#br0" timeOffset="39115">5835 8115 10141,'-18'-5'1799,"14"-1"-1799,-14 20 0,18 5 90,0 25-90,0-6-90,17 23 180,-13-22-90,11-6 0,0 0 0,-12 4 0,10 10-90,-1-20 180,-10-3-90,10-6 0,-12 0-180,0-7 0,-19-24 90,-1-15 0,0-4 0,1-3 90,0-25 0,4 9 0,2-2-334,11 18 1,1 0 378,-10-30 0,0-1-90,9 29 0,1-1 195,-2-7 0,-1-4 0,1 6-150,3-13 180,8 13 0,2 6-91,-6 21 181,35 4-180,-19 30-90,20 10 0,-22 12 0,9 4 90,-17 14-90,3-14-45,-8-5 0,-2 0-45,-3 4-359,0 9-91,0-22-360,0-7 489,0-4 411,0-7 0,0-5 0,0-4 0</inkml:trace>
+  <inkml:trace contextRef="#ctx0" brushRef="#br0" timeOffset="39664">6102 7871 9152,'13'0'899,"0"22"-629,-2-16-180,1 33-180,-2-22 90,7 27 90,-5-15 90,14 18-270,-9-22 0,9 6-90,-6-14 90,4-7-90,0 1-269,17-10 359,-10 4 90,25-22 0,-26-8 90,16-23-90,-24 8 449,0-4 721,-10 1-721,-7 11-89,-1-14-360,-3 26 360,-1-2-360,17 37 90,-13 8-90,34 28 0,-7-12-1147,12 1 967,3-15 90,-8-3 0,1-3-270,18-3 180,-14-9 135,-6-1 0,-1-6-45,2-25 90,-7 11 0,-2-2 0,-1-30-916,5 1 1006,-18 10-180,-5-1 180,-4-3 270,-4-18-180,-2 12 134,-10 7 1,-1 2-45,5-6-90,-10 10 0,-3 2-180,4 1-90,-2-3 90,5 20 1391,2 3-1301,8 21-180,9 10 180,-3 12-180,29 23-179,-11-18 941,-2 16-1662,17 1 451,-17-15-136,-3-9 0,0-2-224,2 3-720,1 11 719,-18-25 900,5 2 0,-7-13 0,0-1 0</inkml:trace>
+  <inkml:trace contextRef="#ctx0" brushRef="#br0" timeOffset="39786">7090 7954 9871,'-31'-19'810,"3"-16"-360,4 20 269,6-27-629,8 16 0,24-17-180,-10 18-405,30 4 1,6 2 224,-1-1 270,5 9 0,11 1 0,-4 2 0,-10 0 0,0 1 0,25-1 0,-1-1 0</inkml:trace>
+  <inkml:trace contextRef="#ctx0" brushRef="#br0" timeOffset="40600">8300 7206 9871,'-17'-10'0,"2"1"0,2 2 0,4 1 0,-1 1 1440,5 3-1440,0 21 89,23 30 1,-13 2-630,10-3 0,3 1 540,-2 9 0,0-6 0,-1 0 0,2 11 0,-4-24 0,-1 1-533,-7-2 1,0-3-187,12 15-91,-10-12 0,-1-2-89,-1-2 899,0 6 0,-4-25 0,-1-2 0</inkml:trace>
+  <inkml:trace contextRef="#ctx0" brushRef="#br0" timeOffset="40736">8180 7758 9242,'-7'-23'180,"1"-2"-90,6-10 0,20 7-270,8-13-180,11 17-856,3-1-134,-7 11 1350,2 3 0,2 4 0,-1 3 0</inkml:trace>
+  <inkml:trace contextRef="#ctx0" brushRef="#br0" timeOffset="41182">8857 7548 9602,'14'0'539,"6"14"-539,-7 0 0,14 15 0,-11-7 0,8 0-450,1 5 1,-5-10-361,17 13 540,-15-18 180,15 2 0,-16-9 0,3-4 180,-11-1 0,-4-16 0,-2 12 720,-3-25 179,-3 8-359,0-15-270,-1 5-90,-18 1-360,13 8 899,-26 5-809,28 27 90,-10 22-90,13 20-605,15 10 605,-11-9 0,10-23 0,0 1 0,-11 32 0,10-14 0,3 1 0,-5-12 0,-1 1 0,2 4 0,0 3 0,-1-4-488,0-4 0,-1 0 488,3 11 0,-2-1 0,-8 13 0,12-2 0,-14-6-1066,5 12 257,-6-21-1530,0 11 1260,0-32 1079,-16-4 0,12-14 0,-11-4 0</inkml:trace>
+  <inkml:trace contextRef="#ctx0" brushRef="#br0" timeOffset="41631">9468 7589 9602,'3'-4'1798,"0"2"-1258,0 1-450,2 1 0,7 22-90,-2 8 90,13 29-90,-6-11 45,1-3 0,1-1-45,1 3 0,-1-2 0,-1-1 0,-3-8-90,7 21 180,-13-32-90,2 9 0,-7-22-180,-2 0 90,-17-32-3482,-5-26 3482,-20-7-45,30 20 0,-1-1-217,-27-18 262,34-5 90,-13 26 0,1-1 0,13-2 0,2 0 0,-6 0 0,0 0 0,6-1 0,2 0 0,-1-11 0,0 0 90,0-19-1,6 20 1,5 4 0,11 5 0,0 2 90,17 24-180,-13 6 90,17 24-90,-18 10 0,-9 0 0,-4 2 0,-3 23-45,-2-13 0,-1-1-425,0 11-429,-6 14-2969,0-6 3868,-20-18 0,16 7 0,-16-22 0</inkml:trace>
+  <inkml:trace contextRef="#ctx0" brushRef="#br0" timeOffset="41872">10407 7474 12480,'0'-9'0,"0"1"0,0 1 0,0 1-180,0-1-180,0 2-90,0 0-269,0 1-1350,17 0 2069,2 2 0,16 1 0,-3 1 0</inkml:trace>
+  <inkml:trace contextRef="#ctx0" brushRef="#br0" timeOffset="42015">10400 7667 11041,'24'4'-1889,"-17"-19"90,47 11 1799,-29-14 0,27 2 0,-12-3 0</inkml:trace>
+  <inkml:trace contextRef="#ctx0" brushRef="#br0" timeOffset="42264">11058 6627 11041,'-28'21'0,"7"6"0,10 12-450,6 3-450,5-9 1,0 4-1350,0 13 2249,20-14 0,-15 5 0,15-17 0</inkml:trace>
+  <inkml:trace contextRef="#ctx0" brushRef="#br0" timeOffset="42414">11222 6725 10411,'-21'-6'-630,"5"28"-809,16 4 1439,0 20 0,0 4 0,0-10 0</inkml:trace>
+  <inkml:trace contextRef="#ctx0" brushRef="#br0" timeOffset="42898">11662 7188 11400,'16'22'270,"-2"8"-270,-6 13 0,-6 1 90,6-10-90,-3-1 0,1 11 0,2-12 0,2 19 360,-6-30 180,4 6-540,-6-22-180,2-22-270,-2 11-90,1-41-179,-2 24-496,2-11 1,0-3 135,1-9 954,5-19 1,-3 21-1,1 1 1</inkml:trace>
+  <inkml:trace contextRef="#ctx0" brushRef="#br0" timeOffset="43286">12357 7224 10861,'-36'0'899,"15"-15"-809,-11 11 0,10-10 0,-13 14 0,4 14-90,16 8 0,5 17 0,10-6 0,0 0 0,0-11-90,18-1 0,4 1 0,22-11 0,-9-1 90,22-10 90,-30-13-180,15 10 90,-27-27 180,0 26 90,-5-41-90,-4 28-180,-2-21-90,-4 16 90,0 6-989,0 23 89,0 12-179,0 16-361,22 1-538,-16-7 1978,37-1 0,-23-1 0,19-1 0</inkml:trace>
+  <inkml:trace contextRef="#ctx0" brushRef="#br0" timeOffset="43881">13103 7200 10051,'-52'-12'810,"2"1"-630,15 4-180,-1 4 90,-10 1-90,14 2 90,-12 22 0,30 3-90,0 12 0,14 7 0,0-16-90,26 14 90,8-21-135,-3-8 0,2-2 135,19-3 0,0-3 0,-1-5 0,-13-20 0,18-4 0,-28-13 270,7-13-91,-25 18-765,4-16 856,-14 13 90,3-3 90,-3-2-1,0-16 1,-17 12-180,12-21-360,-13 33 90,4-5-90,11 23 180,-11 3 0,14 6-90,0 21 0,0 12 0,18 11-1584,-7-6 0,1 1 1404,11 12 0,-3-15 0,-3 1-435,-13 12 165,35-2 90,-25-1-180,18-4-179,-12-2 449,1-4-1349,7 3 1169,-5-10 351,22 3 9,-23-17 180,14-3 180,-21-7 180,-1-14 3753,1-6-3483,-5 2 1164,1-29-1434,-5 39 90,-1-38-630,-3 31 180,0-4-180,2 9 90,-1 10-360,9 14-180,-2 3-3328,19 18 1980,-12-1 1888,11-5 0,-14-11 0,-1-10 0</inkml:trace>
+  <inkml:trace contextRef="#ctx0" brushRef="#br0" timeOffset="44048">13705 7002 10681,'0'-21'-180,"0"3"-90,0 6-3148,0 3 3418,16 21 0,-13-11 0,13 14 0</inkml:trace>
+  <inkml:trace contextRef="#ctx0" brushRef="#br0" timeOffset="44336">14135 7126 11760,'-20'-9'900,"-10"7"-810,13-8-90,1 28 90,-6-13-90,20 30-180,-6-11-180,26 17 270,6-1 90,24-7-45,-15-23 0,0-3 135,16 4-90,-14-10 0,-1-2 0,-4 1 180,20-34-180,-31 26 0,-5-23 0,-6-4 90,-5 15-630,-27-39-269,18 31-1464,-42-9 294,43 13 1979,-44 3 0,29 3 0,-23 2 0</inkml:trace>
+  <inkml:trace contextRef="#ctx0" brushRef="#br0" timeOffset="44700">14348 6325 11311,'8'-4'449,"-1"1"-269,2 3-180,2 18 90,0-14-90,8 31 0,-5-10 0,8 20-90,-10-9-539,3-2-1080,-2-9 1169,-5-7-450,5 4 541,-7-15-1,4-2 540,-2-5 719,10-19-89,-4-12 449,8-11-270,-8 9 1,0-1-450,7-7-405,-4 6 0,-1 1-45,2 2-90,5-6 90,-12 21-2968,-1 24 719,-8 18 2249,-1 18 0,-25 11 0,-5-7 0</inkml:trace>
+  <inkml:trace contextRef="#ctx0" brushRef="#br0" timeOffset="45664">15997 6935 11041,'18'-20'719,"-3"0"-359,-15 8-180,10 3-180,2 26 0,15 9 90,-6 13-90,12 15 0,-15-18 0,-3-5 0,0-1 0,0 1 0,2 8 0,-4-14 0,-4-13 0,1 6 0,-5-17-180,1 4 90,-3-5 90,3-20 90,-1 14-180,2-38 90,1 24 90,6-43-180,-3 22 90,-2 7 0,1 0 0,-1-1-90,4-4 90,-6 20 0,0 11 90,0 2-90,4 6 90,-2 0-90,12 19 0,-6 8-180,14 26-450,-9-8-1580,6 3 951,-6-16-90,0-1 1349,3-2 0,3-4 0,2-3 0</inkml:trace>
+  <inkml:trace contextRef="#ctx0" brushRef="#br0" timeOffset="46032">16978 6940 9602,'-49'0'1798,"4"16"-1798,6 6 0,8 20 0,15-9 90,6 3-90,10-10-90,0-1 180,0-2-90,0 5-90,21-9 90,-16 3 90,31-13-269,-16-3 268,15-4-178,-2-20 178,-7-6 1,-12-19 0,-7 8 90,-7 2 90,0 3-180,0 7-180,0 25-629,19 24-91,-14 13-179,34 5-181,-35-21 91,38-2-360,-25 0 1439,19-11 0,-11 8 0,0-6 0</inkml:trace>
+  <inkml:trace contextRef="#ctx0" brushRef="#br0" timeOffset="46570">17287 7063 9512,'0'-15'1349,"0"-2"-540,0 3-719,0 20-180,0 8 180,15 25 0,-11-8-180,12 0 90,-1-10 90,-11-3 0,21 3-90,-23-5-90,13-3 90,-14-28-90,5-10 90,-6-13 90,0 3-180,0 6 90,0-9 0,0 11 450,0-5-360,14 13 0,4 10-90,10 17 0,-4-4 0,-4 27 0,3-10 0,-6-2 0,9 25 0,-13-31-90,8 25 0,-11-28 90,3 7-90,-7-16 90,-1 5 0,-1-6 0,-2-16 0,-1-6 180,-1-30 0,0 18-180,0-13 180,0 27-180,0 18 0,14 14-360,1 6-719,15 32-91,-7-30-866,2 27 776,-5-22 1260,3-1 0,1-3 0,2 0 0</inkml:trace>
+  <inkml:trace contextRef="#ctx0" brushRef="#br0" timeOffset="46884">18103 7171 10411,'17'-10'1979,"-12"-12"-1979,31 18 0,-31-20-90,35 22 90,-23-18 90,15 17-180,-8-18 90,-5 19 0,-1-19 0,-3 10-90,-7-5 90,-2-5 0,-6 10-90,-20-11 270,15 12-90,-29-4-90,18 7 180,-13 3-180,13 22 90,4 5-1080,33 27-539,-16-13 1529,23-9 0,4-2 0,-4 5 0,3-11 0,-1 0 0</inkml:trace>
+  <inkml:trace contextRef="#ctx0" brushRef="#br0" timeOffset="47265">18727 7020 9871,'-5'12'1529,"21"-9"-1978,-11 16-2699,33-10 3148,-16 9 0,11-5 0,-2 0 0</inkml:trace>
+  <inkml:trace contextRef="#ctx0" brushRef="#br0" timeOffset="47431">18997 7284 11670,'39'-15'-2878,"8"12"989,-9-27 1889,9 27 0,-11-22 0,2 12 0</inkml:trace>
+  <inkml:trace contextRef="#ctx0" brushRef="#br0" timeOffset="47815">19577 6188 11131,'-6'-5'899,"1"2"-899,-2 1 0,3 23 90,1-15-180,2 34 180,-2-23-540,2 17-89,1-6-181,0 1-89,0-1-451,0 7 810,21-11 181,-15 3 89,30-17 180,-32 2 0,26-11 539,-12 5 811,13-27-181,-5-4-180,-8-20-719,-8 7-540,-2 8-809,-8 37 1079,3 20 0,-3 23 0,0 4 0</inkml:trace>
+  <inkml:trace contextRef="#ctx0" brushRef="#br0" timeOffset="48649">20512 6838 9781,'-23'-3'90,"2"2"270,-5 0-360,7 1 0,-11 21 90,13 5-90,1 6 0,3 1 0,3 10 0,-4 20 0,14-36-90,24 11 90,3-25 0,3 4 0,15-16 0,-18 3 180,13-20 630,-2-7-271,-14-18-269,-7 6 0,-3 1 0,-12 10-90,2 0-180,-4 4 0,0 0 0,0 4 0,-13 7-90,10 23 180,-9 5-90,12 23 90,0-5-180,0 4 90,20 6-45,-10-13 0,0 0 135,14 18-180,-9-11 0,-1-1 0,-2 3-540,4 18 270,-7-30-539,-9 3 89,0-17 91,0-3 269,0-6-719,-22-2 1169,5-25 90,-7-11 180,12-13 9,12-3 81,22 8 270,9-20-450,13 15 89,-13 8 1,0 2-90,11-3 45,-7 11 0,1 1-45,6 0-135,-2 5 0,0 0 45,-1 2-45,-5 2 0,-2 0-45,-6 0 0,13-9 0,-22 7 0,1-5 0,-11 5 90,-4-2 0,-1-1-90,-2-7 529,0 5-439,-22-11-90,17 18 0,-33-4 0,23 14 90,-4 17-180,8 13 90,11 9 0,0 2-1439,23 6 899,-18-11-179,39 10-397,-25-18 216,22-4-359,-8-3 1259,3-7 0,-1 2 0,-1-4 0</inkml:trace>
+  <inkml:trace contextRef="#ctx0" brushRef="#br0" timeOffset="48964">21625 6837 11221,'0'-13'-180,"0"19"270,0 7-90,0 20 0,13-16-450,-9 14 270,9-16 0,0 4 0,-9-1-180,16-17 450,-13 6-90,4-7 90,-1-18 90,4-5 180,-4-11-90,4 1-270,-2-5 90,-3 9-180,4-6 90,-7 11 0,4 12 0,-4 0 0,2 12-90,-2 0-360,2 21 0,-1-16-1708,10 56 629,-4-35 1529,9 34 0,-5-26 0,3 1 0</inkml:trace>
+  <inkml:trace contextRef="#ctx0" brushRef="#br0" timeOffset="49397">22385 6802 9691,'-30'-31'1260,"-14"2"-811,39 2-89,-35-5-450,16 13 180,-14-3-90,8 16 0,10 23 90,10 12-90,6 13 0,4 0 0,0-10-90,21-3-90,-16 0 0,23-11 1,5-2 89,-2 0 0,25 3 180,-22-19-90,-4-22 0,-9 16 90,2-42 0,-12 26-1,-6-25 181,2 9-90,-7-23 0,3 12 135,-1 7 0,-4-1 45,-18-9 89,10 10 1,0-1-545,-14-3 185,-3-11-90,23 26-90,-18 4 0,20 8 180,-7 5-180,9 25-90,0 20-360,19 14-200,-14 12-25,11-17 1,3 0-204,-9-8 1,-1 1 427,0 10 0,1 2-584,4-1 0,1-2 1124,-1 19 0,-5-22 0,-1-1 0,3 8 0</inkml:trace>
+  <inkml:trace contextRef="#ctx0" brushRef="#br0" timeOffset="49697">22550 7035 12120,'3'-15'270,"1"2"-180,4 2-90,2 8 0,7-20 0,-2 6 0,14-16-180,-9 5 90,5 0 0,-6 10-90,-1-1 90,-3 2-270,6-8 360,-11 8-90,4-12 180,-11 12-90,-1-12 90,-2 12 180,-17-6-180,13 9 0,-13 1 0,2 0-270,11 3 180,-10 2 90,4 3 0,8 24-270,-8 3-360,29 14-449,-15-4-1260,34 4 1080,-33-9 1169,29 6 0,-30-13 0,10-2 0</inkml:trace>
+  <inkml:trace contextRef="#ctx0" brushRef="#br0" timeOffset="50002">22963 6726 11490,'0'-20'450,"0"-3"-360,0 5-90,14 5 90,-11 24-90,23 11 0,-23 12 0,23 0 0,-23-6 0,22 2 0,-9 20 0,1-21 0,1 19 180,-12-33 360,-1 0-450,-2-34 0,-3-8-90,0-18-90,0-20-90,0 19-540,0 4 1,0-1-1105,0-9 1329,10 18 1,0 0-1215,-6-8 1709,32 2 0,-21 5 0,15 3 0</inkml:trace>
+  <inkml:trace contextRef="#ctx0" brushRef="#br0" timeOffset="50448">23640 5790 11850,'0'-15'0,"20"4"-90,1 6 180,2 18-90,3-10 0,-13 27-539,-1-8-1,-2 17-899,-10-6 809,0 3-90,0-17 720,0 5 90,-15-16 900,11-16-271,11-17-269,-1-8 90,39-2-90,-39 10-405,22 7 0,4 3 44,-11-1-178,29-15 178,-17 28-178,-11-8-991,2 36-269,-12-2-540,-6 27 1756,-2-4 0,-4 10 0,0 5 0</inkml:trace>
+  <inkml:trace contextRef="#ctx0" brushRef="#br0" timeOffset="51252">24432 6585 11940,'18'16'450,"2"2"-450,-7 1 0,4 16 0,-3-17 0,1 17 90,2-8-180,-2-1 180,12 8 0,-7-11 0,7 4-90,-6-19 90,0-3-90,3-5 90,11-21 0,-7 2-135,-7-9 0,-1-3-45,2-12-450,-6 3 0,-3-2-1150,-1-11 835,-6 19 1,0 1-765,-2-14 1619,-1 4 0,-1 5 0,1 3 0</inkml:trace>
+  <inkml:trace contextRef="#ctx0" brushRef="#br0" timeOffset="51652">25288 6633 11490,'-27'-23'450,"0"-1"0,-23-16-450,7 17-90,11 0 180,10 21-180,2-6 180,3 8-90,0 0 0,0 49 0,8-21 0,4 13 0,1 2-270,4-5 0,25 23 90,4-31-579,15 4 489,-3-23 270,-7 1-90,2-11-396,14 5 576,-13-24 90,18-6 89,-27-11 181,1-1-90,-19 8 0,0 0-332,-9-1-28,4 3 0,-5 3-90,0 4 799,0 2-1159,-16 9-23,12 16-337,-11 19-449,15 8-270,0 8-450,23-7 1979,-18 4 0,37-1 0,-19 0 0</inkml:trace>
+  <inkml:trace contextRef="#ctx0" brushRef="#br0" timeOffset="52282">25852 6865 10861,'2'-29'450,"1"-2"-271,2-4-179,4-4 0,-1 5 0,1-2 0,6-21-1214,-1 3 0,0-1 1214,-7 22 0,0-1-30,1-14 0,1-6 0,-2 5 75,-2 10 0,-1-1-15,-1-9 0,1-5 0,-2 7 150,-1-19-90,-9 15 0,-2 3-90,5 1-180,-13-5 918,3 30-468,11 7 124,-11 23-394,6 41 90,6 1-90,-3 4 0,3 2-452,10-22 0,2-1 497,-7 14 0,0-1-90,5-12 0,2-2-90,3 0 0,-1 0-135,-6 32-135,15-22 1,2-1 44,3 19 135,-3-15 0,2-4 135,12-2-90,5 9 90,-17-31 1114,5-4-935,-10-11-89,-3-2 90,0 0 450,0-20-180,-5-3 1569,-2-20-2019,-7 4 327,-2 6-237,0 34-90,0 17 180,0 22-90,15 1 0,-11-9-719,28 9 269,-10-11-719,17 4 719,-7-13-450,4-10 721,-15-1 179,8-10 90,-15-15 989,4-5-539,-13-22 899,2-3-900,-7 6-539,0-2-989,0 18-630,0 24-720,14 11 2339,3 28 0,0-19 0,-4-3 0</inkml:trace>
+  <inkml:trace contextRef="#ctx0" brushRef="#br0" timeOffset="52572">26747 6754 11760,'6'2'360,"0"-1"-360,2 1 90,1-2-90,9-16 0,-1 12-90,22-28 90,-17 16 0,20-11-90,-26 14 90,4-2 0,-14 4-90,0-7 90,-6-1 0,0 0 270,-21-5-90,-4 8-270,-18-9 90,19 15 0,-7-1 0,18 7-90,-3 22-1349,7 25 359,9 2-2145,8-7 0,5-2 3225,14 4 0,12 11 0,-3-19 0</inkml:trace>
+  <inkml:trace contextRef="#ctx0" brushRef="#br0" timeOffset="52796">27362 6561 11850,'-13'-5'0,"2"-1"0,11 1-270,0 1-899,22 1-1170,3 1 361,24 2 1978,-24 13 0,17-9 0,-18 9 0</inkml:trace>
+  <inkml:trace contextRef="#ctx0" brushRef="#br0" timeOffset="52931">27473 6799 11400,'16'-14'-1035,"6"11"1,8-24 0,-6 11 0</inkml:trace>
+  <inkml:trace contextRef="#ctx0" brushRef="#br0" timeOffset="53480">28542 6226 12480,'-15'-9'0,"11"2"0,-22 1-90,13-4 180,-1 4-90,-13-4 0,16 5-90,-15 0 90,9 3 0,-2 0 0,-1 1-90,-16 0 0,8 1-450,-25 0 360,23 0 90,-17 0-89,25-15 89,-4 12 90,17-25 0,3 7 0,5-17 0,18 8 0,5 0 0,0 12 90,18 9-90,-12 1 0,0 24 90,22 15-90,-43 10 0,13-6 0,-2 2 0,-15 13-598,3-15 1,-1 0 597,-5 15 0,0 0 0,-17-2-90,-7 13 180,2-20-45,2-10 0,-2-3-45,-5-3-90,-16 4 180,7-20-90,17-20 359,8-11 1016,11-18-1285,21 18 0,-15-11-90,51 19 0,-33-3-595,32 6 595,-21 11-360,3 0-359,0 15-1710,19 9 630,-14 7 1799,13 3 0,-20-7 0,0-1 0</inkml:trace>
+  <inkml:trace contextRef="#ctx0" brushRef="#br0" timeOffset="53948">28760 5720 11221,'-12'-25'539,"9"0"-449,-20 6 270,20 1-90,-17 5 0,18 2-180,-13 2-90,9 3-90,-3 3 450,1 0-360,7 18 89,14-11-89,-10 23 90,27-8-90,-6 6 0,20 12 90,-4-13-135,-11-4 0,-2 1 135,8 5-90,10 9 0,0 1 0,-11-5 0,-8-3 0,-1 0 0,2 10 0,-8-5 0,-2 1 0,-2 10 0,-5 1 0,-3 2 90,-3 3-90,-10-2 0,-2-1-90,4-2-45,-12-8 1,-2 0-46,-5 7-315,3-9 0,-1-2-1193,-2 7 699,-14 9-2646,19-2 3635,-3-11 0,-5 9 0,12-13 0</inkml:trace>
+  <inkml:trace contextRef="#ctx0" brushRef="#br0" timeOffset="54997">30113 5475 10681,'-12'-14'899,"-6"5"-629,8 6-180,-2 26-90,8-2 90,1 27 0,-1-2-45,2-4 0,-1 3-229,0-9 1,-1 2 183,0 6 0,0 6 0,0-5-623,-2 0 1,0-1 622,-1 13 0,-1 1 0,-2-1 0,0-3 0,3-14 0,0 0 0,-3 9 0,1-2 0,-2 9 0,0-8-270,0 0 1,1-16-271,-2-4 360,6-20 90,-1-4 90,3-23 141,-1 0-231,2-20 90,0-2 105,1-6-105,1-9-45,0 11 0,0-2 45,1 12 0,0-2 90,8-25 0,1 1 0,-8 26 0,2 2 0,14-8 0,0 1 269,-13-5-89,28 8-90,-28 9 270,24 6-270,-11 10 0,14 5-90,-7 32-90,14 25 0,-18 3-225,-1-10 0,0-1-764,0 4-855,-5-8 0,0 1 1844,3 7 0,6 10 0,-6-19 0</inkml:trace>
+  <inkml:trace contextRef="#ctx0" brushRef="#br0" timeOffset="55247">30567 5559 9781,'-21'-9'2609,"5"25"-2609,16 17 90,0 18-1115,0 5 1025,0-5 0,0 5 0,0 5-338,-8-28 0,-1 0 338,7 0 0,0 1-180,-7 1 0,1 1-45,7-2 0,2 1-135,-8 0 1,0 1-1,5-2 0,0 1-630,-10 13 1,0-1 269,10-13 1,1 1 719,-4 8 0,0-3 0,-2 8 0,-1-4 0</inkml:trace>
+  <inkml:trace contextRef="#ctx0" brushRef="#br0" timeOffset="55614">30767 6280 12030,'0'39'720,"0"-1"-630,-14-10-90,10-3 90,-10-8-90,14-1 0,0 4-180,0-6-90,16 5 180,2-10-90,1-2 0,10-4 180,-7-3-90,16-14 180,-8-7-90,2-22 90,-15 6-90,-1-3 270,-8 11 0,-3 2-90,-2 2-180,0 2 0,-3 4 90,1 3 0,-1 5 0,0 18-360,0 11-360,20 12-180,-14 2-2338,29 9 990,-15-10 2158,-1 10 0,14-15 0,-11-1 0</inkml:trace>
+  <inkml:trace contextRef="#ctx0" brushRef="#br0" timeOffset="55900">31007 5737 9961,'-3'-13'810,"3"5"-810,-2 21 0,18 10 0,-12 25 0,12-9-90,-16 16-90,0-24-360,0 17-719,0-26-810,0 6 1260,-10-20 809,7-23 0,-7 10 0,10-16 0</inkml:trace>
+  <inkml:trace contextRef="#ctx0" brushRef="#br0" timeOffset="56065">31057 5695 8072,'17'-20'630,"-12"2"-180,23 4 0,-25 2 359,19 6 180,-10 1-899,11 4 90,-7 15-90,5 3-90,-9 1 90,11 10-270,-10-8-629,8 8-271,-5-9-359,4 4-630,1-20 2069,4 21 0,2-22 0,4 8 0</inkml:trace>
+  <inkml:trace contextRef="#ctx0" brushRef="#br0" timeOffset="58502">4105 11123 8522,'18'-8'810,"2"0"-630,3 1-1,3 0 1,3 0 90,1-2 0,4 1-90,1-1-180,2 1 0,2-1 0,1 0 90,2 0 180,1 1-180,22-3-90,-13 3-163,-17 3 1,1 0 207,5 2 0,0 0-262,-9 1 0,3 0 262,26-1 0,2 0-458,-23 3 0,1-1 443,7 0 0,7 0 0,-5 0-1321,0-1 1,-1 0 1290,-4 1 0,2-1 0,2-1 60,7-1 0,1-1 0,-1 1-347,-9 0 0,-1 0 1,4 0 286,1-1 0,5 0 0,3 0 0,-2 0 0,-4 0 0,9-1 0,-5 1 0,7-1 0,-13 2 0,6-1 0,3-1 0,0 1 0,-2 0 0,-4 0-422,2 0 1,-5 0-1,0 1 1,4-1 439,0 0 0,4 0 0,0-1 0,0 1 0,-5 0-273,0 0 0,-4 1 1,0-1-1,0 0 300,2 0 0,-1 0 0,1 0 0,0 0-68,0 0 1,-2 1-1,3-2 1,2 1 22,5-1 0,4 0 0,2-1 0,-1 1 0,-3 0 0,1 0 0,-4 0 0,2 1 0,5-1 0,-9 0 0,5 1 0,3-1 0,2 0 0,-2 1 0,-2-1 0,-6 1-58,12 0 0,-5 0 0,-2 0 0,5 0 58,-12 1 0,2-1 0,3 1 0,-2 0 0,0-1 0,-4 2-90,8-2 0,-3 1 0,-1 1 0,1-1 90,-2 1 0,-1-1 0,2 1 0,5 0-13,-6 0 0,6 0 0,3-1 0,1 1 1,0 0-1,-2 0 0,-6 1 13,0-1 0,-5 1 0,-1 0 0,3 0 0,5 0-16,-7 0 1,4 0-1,5 0 1,2 0-1,0 0 1,-1 0 0,-2 0-1,-5 0 1,-5 1 15,17 0 0,-8 0 0,-3 0 0,5 0 18,0 0 0,4 1 0,0-1 0,-1 0 0,-5 1 4,-4 0 1,-3-1-1,-2 1 1,1 0-23,0 0 0,1 0 0,-1 0 0,0 0-23,0 0 1,-1 0-1,0 0 1,1 0 22,-1 0 0,1 0 0,-1-1 0,1 2 0,-1 2 0,0 0 0,0 1 0,0-1 106,-1-2 0,0-1 0,0 0 0,4 2-106,1 1 0,4 3 0,1-1 0,-1 0 0,-3-1 56,0-3 1,-3-1-1,0 0 1,6 2-42,-3 0 0,6 1 0,2 1 0,0 0 0,-3 0 0,-5-2-15,-1 0 0,-5-2 0,-1 0 0,6 1 0,-1 1 0,6 0 0,2 2 0,-1-1 0,-2-1 0,-5 0-23,1-1 1,-5-1-1,-1 0 1,3 1 40,-1 0 0,3 0 0,1 0 0,0 1 0,-1-1-18,1 0 0,0 0 0,0 0 0,-1 0 0,-2-1 131,1 1 0,-3-1 0,1 1 1,5 0-147,-2 0 0,5 0 0,3 0 0,0 0 0,-3 0 0,-5 0-101,0 0 0,-5 0 0,-1-1 1,4 1 92,11-1 1,5 1-1,-2-1 1,-4 1 54,0-1 1,-4 0-1,0 1-32,1-1 0,1 0 0,-1 0-30,0 0 0,0 0 0,4 1 48,-12-1 0,3 0 0,1 0 0,0 0 0,-3 0-41,0 0 1,-4 0 0,2 0-1,5 0 23,-1 0 0,5 0 0,4 0 0,-1 0 0,-3 0 0,-4 0 0,-1 0 0,-6 0 0,1 0 0,4 0 15,0 0 0,5 0 0,2 0 0,1 0 0,-4 0 0,-4 0-6,-1 0 0,-4 0 1,0 0-1,1 0-9,14 0 0,2 0 0,0 0 0,-4 0 0,1 0 0,-5 0 0,1 0-30,1-4 0,0 0 0,0 0 30,0 3 0,-1 1 0,4-1 0,1-4 0,4-1 0,1 0 0,-4 1-23,-12 4 1,-4 1 0,1 0-1,5-1 38,-1-1 0,5-1 0,2-1 0,0 1 0,-2-1 0,-6 1-38,1-1 1,-4 1 0,-1 0-1,2 0 45,13-1 1,4 0 0,-2 0-1,-3 0-22,-1-2 0,-3 0 0,-1 0 0,2 2 0,-1 1 0,1-1-30,-2 0 0,0 0 0,4-1-81,-1 1 1,5 0 0,0 1-1,-4-1 141,3-1 0,-3 1 0,5 0-48,-6 0 0,6 1 0,2-1 0,-2 1 0,-7 0 123,4-1 0,-6 0 0,5 0-105,-6 1 0,5 0 0,1 0 0,-1 0 0,-6 1-8,3-2 0,-5 2 1,2-1 29,-5 0 1,2 1-1,2-1 1,-2 0-23,0 1 0,-1-1 0,0 1 0,-2-1 0,2 0 0,-1-1 0,3 1 0,-3 0 0,4 0 0,3-1 0,-3 1 0,-5-1 30,5 0 0,-6 0 0,5 0-48,-3 0 0,4 1 0,3-2 0,-3 2 0,-5-1 18,4 0 0,-6 0 0,5 0 0,8-1 0,6 0 0,0 0 0,-7 0 0,-9 1 0,-6 1 0,2-1 0,12-1 0,3 1 0,-2-1 0,-3 1 0,-1-1 0,-3 1 0,8-1 0,1-1 22,-14 2 1,5-1-1,-1 1 1,-5-1-68,9 0 0,-1-1 45,5-1 0,4 0 0,-5 1 556,-8 0 0,1 0-556,-3-1 0,7 1 0,-1-1 0,-6 0-45,4 1 0,-2-1 45,12-2 0,6-1 0,-10 2 0,-17 2 0,-3 1 45,26-5 0,-2-1-90,-29 6 0,-1-1 45,21-3 0,-2-1 90,2-1 820,-20 4 1,-1 0-1001,19-4 90,-16 2 90,11-3-450,-28 7 670,0-2-2469,-15 4 2819,-19 1 0,-24 2 1,-22 0-1</inkml:trace>
+  <inkml:trace contextRef="#ctx0" brushRef="#br0" timeOffset="59481">25027 9455 11580,'0'-9'1170,"0"1"-810,0 3-91,0 1-269,0 17 0,0 9 0,0 10 0,0 4 0,0-5 0,0 2 0,17 4 0,-13 13 0,13-16 0,-7 7 90,-7-20-90,7-4 90,-3-5 180,-5-3-90,4-5-360,-2-1-1079,0-20 269,2-11-269,1-10-1979,8-22 3238,0 17 0,11-13 0,-4 13 0</inkml:trace>
+  <inkml:trace contextRef="#ctx0" brushRef="#br0" timeOffset="59880">25733 9446 10737,'-44'0'899,"19"-12"-899,-9 10 460,19-10-460,-12 12 216,13 20-306,-4-15 90,6 43 0,-3-30 90,4 25-180,7-15 90,3-1 0,1 1-180,18 8-90,-13-11 334,12 6-154,4-16 0,-16-5-269,32-4 552,-16-4-193,0-16 0,17-12 90,-25-8 450,14-19-180,-15 20-90,-5-19-270,-3 26-270,-1-5-810,-3 41-89,0 9-360,17 21-90,-13 1 1619,32-10 0,-31 1 0,14-1 0</inkml:trace>
+  <inkml:trace contextRef="#ctx0" brushRef="#br0" timeOffset="60398">26075 9837 9871,'-21'-45'1350,"4"9"-1171,17-7 1,0 8-180,0-6-475,0-2 475,21-3 0,-15-1 90,31-2-90,-33-1 0,27 0 90,-28 0-90,20 2 0,-21 14 0,-2-1 180,9-16 89,-8 9 1,-2 1-270,1-4 0,-17-19-90,13 34 0,-13-1 455,4 20-365,10 20 94,-17 23-94,18 35 0,-1-35 0,-1 4-561,3 8 0,2 6 1,-1-5 560,-1-6 0,2 0-30,3 9 0,2 4 0,-1-6-150,-1 19-225,8-15 0,4-3 371,2 3-326,-3-15 1,2-2-91,1-2 180,13 1-180,-13-20 90,7-5 271,3-22 178,-13 11 91,2-35 0,-6 21 1913,-5-21-1373,0 8-270,-4-1-90,0 4-181,-1 2-179,-1 6 0,0-1 0,0 27 0,0 6 90,14 29-449,6 7-271,-2-7-1259,14 7 900,-11-25-271,10-1 1260,-4-8 0,-6-12 0,-2 6 0</inkml:trace>
+  <inkml:trace contextRef="#ctx0" brushRef="#br0" timeOffset="60731">26617 9516 11041,'17'23'539,"-12"9"-539,30-28 0,-31 19 0,48-20 0,-29 7 0,43-10-90,-31 0-363,8 0 363,-16 0 99,-6-15-9,-2 12 0,-4-25 0,-7 10-90,-2-15 180,-6 7-90,-20-6 180,0 21-180,-4-13 0,-7 22-90,27-13 180,-23 13 230,24 14-320,-8 10-720,11 11-145,0 0-1833,22 5 2698,2-10 0,15 7 0,-4-13 0</inkml:trace>
+  <inkml:trace contextRef="#ctx0" brushRef="#br0" timeOffset="60936">27277 9362 11400,'0'-5'360,"0"1"-1079,25 3-451,5 0-2158,14 0 3328,7 1 0,-19-1 0,7 1 0</inkml:trace>
+  <inkml:trace contextRef="#ctx0" brushRef="#br0" timeOffset="61082">27408 9686 9062,'44'0'-518,"-7"0"1,3-16 0,-7-4 0</inkml:trace>
+  <inkml:trace contextRef="#ctx0" brushRef="#br0" timeOffset="61464">28147 8856 12570,'-16'-11'90,"3"2"-90,13 3 0,0 2 90,19 2-180,3 2-90,24 13-90,1 3 90,-8 1-3752,3 22 3753,-28-23-1,13 23 180,-24-18 90,16 1-270,-17-2 270,9 0-90,-7-2 0,2-1 3482,1 3-3392,-2-4 89,5 6-89,-2-10 0,2 3 0,-2-6 0,-1 1 180,0-1-180,-1 4-180,-4-1 90,1 11-90,-24-5-1079,-9 19-90,-11-11-763,-4 11 2022,11-10 0,-1 0 0,1-1 0</inkml:trace>
+  <inkml:trace contextRef="#ctx0" brushRef="#br0" timeOffset="62064">27700 8468 11580,'0'41'90,"0"-7"-180,0 3-179,-10-5-721,8 1-89,-8 3-181,4-1-449,4 2 1709,-5-3 0,7-1 0,0-3 0</inkml:trace>
+  <inkml:trace contextRef="#ctx0" brushRef="#br0" timeOffset="62220">27742 8643 9152,'-11'12'-180,"9"11"-1169,-9 17 1349,11 5 0,0-9 0,0 1 0</inkml:trace>
+  <inkml:trace contextRef="#ctx0" brushRef="#br0" timeOffset="62598">28647 8618 11940,'0'41'-989,"0"2"269,0-11 1,14 0-1,-11-11-449,11-2 539,-14 2 2069,0-31-449,0-14-361,0-14-179,0-6-270,18 21-360,-13 2 180,12 1-2069,-5 9 450,-9 25 1619,17-8 0,-18 42 0,6-17 0</inkml:trace>
+  <inkml:trace contextRef="#ctx0" brushRef="#br0" timeOffset="63148">27605 5772 9422,'-11'18'0,"1"-3"0,1 0 0,4-11 0,1 25-630,3-7-809,1 8 1439,0 2 0,0-7 0,0 1 0</inkml:trace>
+  <inkml:trace contextRef="#ctx0" brushRef="#br0" timeOffset="63331">27693 5910 8612,'-14'20'90,"2"2"-1439,12 17 1349,0-3 0,0-3 0,0 1 0</inkml:trace>
+  <inkml:trace contextRef="#ctx0" brushRef="#br0" timeOffset="63715">28772 5816 10141,'-17'-7'810,"13"2"-810,-20 19 0,22 4-270,-6 23-450,8-10-89,0 2-1,0-6 1,0-2-181,0 1 990,0 0 0,0-3 0,0 1 0</inkml:trace>
+  <inkml:trace contextRef="#ctx0" brushRef="#br0" timeOffset="63831">28767 6037 9871,'0'3'-2698,"0"4"2698,0 30 0,0 4 0,0 5 0</inkml:trace>
+  <inkml:trace contextRef="#ctx0" brushRef="#br0" timeOffset="64582">29080 8372 10231,'-13'-16'3238,"0"-3"-3238,-2 32 0,27 2 0,-6 16 90,37 3-90,-24-3-1319,20 3 1319,-6 2 90,3 2-90,-8-9 0,1 1 0,15 17-90,-7-7 0,-1 1 180,2 9-90,-14-19 0,-3 2-45,-6-1 0,-5-1 135,3 18-90,-5-8 0,-6 0 0,-29 6-135,9-7 0,-3-3-90,-3-15 1,-4-1-1485,-20 21 0,-1 0-180,-2-2 1889,9-9 0,2 0 0,2 0 0,4 0 0</inkml:trace>
+  <inkml:trace contextRef="#ctx0" brushRef="#br0" timeOffset="65548">30253 8619 10771,'0'-35'1709,"0"2"-990,0 0-359,0 2-90,0 2 0,0 3-180,0 7-90,0 5 540,0 6-450,0 22-180,20-11 90,-16 42-90,16-20-631,-4 29 362,-12-6-451,9 7 0,2 4 405,-7-22 1,-2 1-556,-1 10 1,-1 5 0,1-5-421,1-11 1,-2-3 1379,-3 10 0,-2 0 0,1 12 0,0-3 0</inkml:trace>
+  <inkml:trace contextRef="#ctx0" brushRef="#br0" timeOffset="65770">30603 8773 11760,'0'-20'630,"-18"4"-540,13 5 180,-13 6-180,0 3-90,-4 22 90,-18 11-180,9 11-480,2 5 300,18-9-89,-4 1-181,13 0-1349,-5 13 810,29-15 1079,0-8 0,4-4 0,24-6 0,-18-9 0,1 1 0</inkml:trace>
+  <inkml:trace contextRef="#ctx0" brushRef="#br0" timeOffset="66166">30885 8442 11760,'0'-34'540,"0"5"-450,0 9 989,0 4-989,0 25-90,0 35 0,16 7 0,-15-15 0,1 3 0,12 2 0,2-1 0,-1 25 0,-1-9 0,-1 1-240,-5-23 0,-2-1 240,3 21 0,-2-1-444,-6 5 444,3-21 0,-2-3-90,-2 8 90,0-6-90,0-6-180,0 0 0,0-12-1259,0-2 1439,0-26 342,0-13-162,0-26 90,23 4 0,-13 12 0,2 0 0,15-7-135,-10 11 0,0 1 44,3 2 584,10 2-853,-1 18 270,-11 6 0,6 16-180,-8 13-1169,4 26-270,-6-5 850,-4-15 1,0-1-1,5 6 1,3 10 0</inkml:trace>
+  <inkml:trace contextRef="#ctx0" brushRef="#br0" timeOffset="66548">31667 8923 11760,'-19'-15'720,"15"1"-450,-28 8-360,17 2 180,0 27 0,-6-18-180,19 41 90,-12-27-180,13 35-90,-5-22-270,6 21 91,20-26 179,-16 6 90,30-12-90,-15-11 180,15 1 180,-3-11 90,-12-17 90,4 13 179,-20-33-179,11 20 270,-12-19-90,2 8 269,-4-10-539,0 12-360,0-6 0,0 13-539,0 28-271,0 19-89,16 11-180,-12 10 179,30-21-89,-29 0 1169,36-4 0,-23-2 0,21-2 0</inkml:trace>
+  <inkml:trace contextRef="#ctx0" brushRef="#br0" timeOffset="66731">32263 9014 11041,'-20'-26'1439,"14"2"-809,-32-2-630,33 9 89,-23 0-89,15 11 0,0 16-179,-4-6-631,16 28 180,-6-5-449,7 9-90,0 2-181,21-13-359,-16 0 1709,36-4 0,-35-2 0,14-3 0</inkml:trace>
+  <inkml:trace contextRef="#ctx0" brushRef="#br0" timeOffset="66931">32678 7850 14639,'-20'-23'-90,"-11"2"0,15 12-450,-20 32-1574,9 8 0,2 7 495,4-2 0,0 1 1197,-5 13 1,0-1 0,10-14 0,2-2 0,0 2 0,-1 0 0</inkml:trace>
+  <inkml:trace contextRef="#ctx0" brushRef="#br0" timeOffset="67081">32685 9088 11670,'9'8'-1147,"0"-2"0,-1-3 1,-1-2-1</inkml:trace>
+  <inkml:trace contextRef="#ctx0" brushRef="#br0" timeOffset="68634">4310 10147 10861,'-16'-3'1169,"12"14"-1169,-30 5-90,29 12 180,-39-1-90,2 15 90,-13-6-90,12-3 0,1 0-444,-9 6 444,9-9 0,2-1-90,0 0 180,-5 2-2,26-15-88,4-4 0,9-1 0,-1 2 90,7-2-90,-3 11 266,20-5-266,10 20 0,12-8-180,6 12-675,-12-13 1,0 0-2,-5-7 0,2 2 856,4 6 0,4 3 0,-3-2 0,1-1 0,-1 0 0,11 10 0,-1 1 0</inkml:trace>
+  <inkml:trace contextRef="#ctx0" brushRef="#br0" timeOffset="71348">2833 12421 11131,'0'-16'269,"0"5"181,15 5-360,-11 29 0,25 18-90,-15 18-535,-6-23 1,0-1 624,12 28-90,-19-29 0,0 0 0,5 3 0,0-1-45,-5 1 0,-1 1 90,2 0 0,0 0-90,-2 0 0,0 1-135,0 13 0,0 0-225,1-13 1,-1 1-541,1 22 1,0-2-46,2 3 540,-2-24 1,0-2 402,-1 2 0,0-7 0,0-5 1</inkml:trace>
+  <inkml:trace contextRef="#ctx0" brushRef="#br0" timeOffset="71513">2808 13131 9871,'-12'-39'180,"-3"4"-90,13-7-180,-4 17 90,6-9-180,23 24-269,7 0-271,13 9-1349,19 1 2069,-20 17 0,18-13 0,-16 13 0</inkml:trace>
+  <inkml:trace contextRef="#ctx0" brushRef="#br0" timeOffset="71951">3528 12914 9871,'0'-19'1080,"-18"7"-1080,-2 5 90,-16 7-180,18 20 90,-4-15 0,19 32 90,-5-21-90,1 16 0,5 3-90,-5-8 0,7 9-270,0-15 180,21 0-90,-15-6-179,33-2 179,-15-6 270,17-4 90,-2-26 90,-8-7 89,-14-13 181,-7 2 0,-10 12-90,0 0-360,0-4 0,0 7 269,-16 6-269,13 33 0,-13 8 90,16 23-90,0-1 0,0 7-378,-1-9 1,2 3 377,7-10 0,0 1 0,-8 26 0,3-1 45,11-24 0,0-3-45,-12 12 0,-1-1 45,5-6 0,0-3 45,-6 18-45,0-17 0,0-3-45,0-1 0,0 5-180,-17-25-1709,-5-1 630,-19-26 1259,-1-16 0,17-13 0,5-9 0</inkml:trace>
+  <inkml:trace contextRef="#ctx0" brushRef="#br0" timeOffset="72197">4392 12591 10861,'0'31'1439,"-20"-2"-1349,15-6 0,-15-1 0,6 15-90,10-8 0,-10 26 0,14-20-720,0 3 1,0 1-541,0 4-314,8-1 0,1 0 1574,-5 1 0,13 13 0,-17-17 0</inkml:trace>
+  <inkml:trace contextRef="#ctx0" brushRef="#br0" timeOffset="72681">4095 13004 9871,'0'-27'90,"29"-8"-180,-22 11 135,28 5 0,6 2-135,-8-1-45,2 7 1,4 3-136,-4 2 0,-1 2 90,21-1 90,-9 3 0,-1 0-549,10 2 639,10 0 0,-23 13 90,-4-10-90,-6 9 90,-4-12 66,-6 10-66,-4-7 180,-5 6 1079,-6-1-1079,-1 1 0,-6 11 303,0-3-573,0 4 0,-14 5 0,10-5 90,-10 16-90,14-17 0,0 13-360,20-14-1259,3 11 1079,26-16-180,1 4 720,-5-15-90,10-1 90,-24-21 540,13-1-90,-26-15 629,2-13-989,-16 21 180,-1-12-180,-3 20 540,-17 9-540,13 16-90,-13 14-90,17 20-1080,17 8 1,-13-9-992,34-1 2161,-19-14 0,23-12 0,-7-2 0</inkml:trace>
+  <inkml:trace contextRef="#ctx0" brushRef="#br0" timeOffset="72883">5723 12843 9961,'-20'-3'2249,"-15"2"-1619,16-2-450,-15 18-90,8 2-90,12 16 0,6 2-270,8-7-4138,36 14 2429,0-20 1979,22 2 0,-9-16 0,-13-8 0</inkml:trace>
+  <inkml:trace contextRef="#ctx0" brushRef="#br0" timeOffset="73064">6018 12224 9781,'-30'0'90,"-3"0"-90,4 23 0,-2-17 0,3 44 0,2-27-1079,11 9 0,2 3 1079,-7 8 0,5 16 0,10-17 0</inkml:trace>
+  <inkml:trace contextRef="#ctx0" brushRef="#br0" timeOffset="73416">6540 12612 12030,'0'-15'900,"0"0"-541,0 3 541,0-12-720,0 12-180,16-9 0,3 17 0,17 0 90,-2 4-90,-13 18 0,5-14-90,-23 32-540,9-8 90,-12 9-1798,-23 23 269,18-23 265,-18-10 1,-2-2 1803,4 11 0,-22-2 0,11 0 0</inkml:trace>
+  <inkml:trace contextRef="#ctx0" brushRef="#br0" timeOffset="73564">6563 13099 8702,'-24'0'0,"5"0"0</inkml:trace>
+  <inkml:trace contextRef="#ctx0" brushRef="#br0" timeOffset="74472">5083 12993 11760,'14'-13'270,"-3"-1"-270,-11-10 0,-17 11 0,13-5-90,-13 11 0,4-7-360,10 6-449,-21 3-2069,9-1 2968,-7 4 0,-1 0 0,5 2 0</inkml:trace>
+  <inkml:trace contextRef="#ctx0" brushRef="#br0" timeOffset="76292">8108 12630 8072,'0'-5'0,"0"-1"0,1 1 90,0-3-180,0 4 3688,1-4-3778,-1-2 180,-18 6 0,-1-4 0,-15 23 0,2 2-359,3 16-271,4-3-1439,10-5 2069,7 0 0,7-10 0,0 1 0</inkml:trace>
+  <inkml:trace contextRef="#ctx0" brushRef="#br0" timeOffset="76902">8588 12109 8882,'-31'-2'2429,"13"21"-2250,-4-14-179,20 38 90,-6-21-90,8 24 45,0-12 0,0 0-45,0 20-45,8-4 0,2 1-2194,-5 10 2239,3-22 0,2 1 0,-1-2 0,-3-1 509,-2 17-509,10-11 0,0-1 0,-11-1 0,20 17 0,-21-34-540,11-1-89,-12-15 359,5-4-90,-3-2 1011,1-20-561,2 14-90,8-53 0,0 31-1696,-1-13 0,1-2 1786,5 0-90,7-14-141,-8 21 501,0 4-180,-2 5 0,6 2-180,-8 9 359,13 3-359,-14 8 90,14 24-90,-13-15 0,5 39 90,-6-25-90,-1 21 3323,-1-9-3323,3 13 0,-3-12-90,9 16-180,-8-25-689,21 2 599,-14-18-89,22-3 449,-18-28 0,15-10 89,-14-11 316,-6 13 0,0 1 135,0-5 89,7-23-629,-15 31 0,0-5 450,-5 17-270,-2 7-90,0 21-90,-1-9 0,1 37 0,1-21-90,3 37-1259,2-21 1349,8 23 0,-4-26 0,4 6 0</inkml:trace>
+  <inkml:trace contextRef="#ctx0" brushRef="#br0" timeOffset="77054">9423 12278 7263,'-10'-2'-300,"2"1"0,8 0 0</inkml:trace>
+  <inkml:trace contextRef="#ctx0" brushRef="#br0" timeOffset="77264">9443 11906 9062,'0'55'90,"0"-8"-90,17 10 0,-14-19 0,-1 1-1260,15 23 587,-16-18 0,-2 0 0,1 20 0,0 2 0</inkml:trace>
+  <inkml:trace contextRef="#ctx0" brushRef="#br0" timeOffset="78147">10820 12698 10141,'0'-15'1170,"0"0"-631,0-3-269,-18 2-270,14-7 180,-33 9-180,33-2-90,-26 7 90,27 2 90,-22 1-180,22 1 90,-26 1 0,12 2 0,-9 1 0,1 1 0,-4 18 0,6-14 0,-8 31-90,14-31 90,0 33 90,6-21-180,3 16-90,4-9-90,3-3 0,1 5 91,18-8-1261,4 2 1171,22-14-1,-8 0 90,4-25 90,-8 15 90,-8-24 0,-1-5 90,11 6-90,-7-14 0,-3-3 0,-1-3 314,-10 5 1,-2-2-521,-1-8 431,-8 18 0,0 0 45,-1 0 0,0 1 90,-1-18-46,-8 11 1,-1 2-405,5-2 90,-27-6 0,28 24 540,-10 7 0,2 6-540,9 28 0,-9 20 0,11 16 0,0-8 0,0 1-264,0 16 174,-1-6 0,2 0-405,6-23 1,2-1-1665,1 33 0,2 0 2159,8-3 0,-5-16 0,1-2 0,2-5 0</inkml:trace>
+  <inkml:trace contextRef="#ctx0" brushRef="#br0" timeOffset="78318">10612 12363 9691,'0'-11'90,"0"1"-90,24 5 0,-18 2-180,27 1 1,8 2-1171,-6-1 1350,13-1 0,3 3 0,4 16 0,-19-7 0,0 1 0</inkml:trace>
+  <inkml:trace contextRef="#ctx0" brushRef="#br0" timeOffset="78550">11513 12435 10501,'-35'0'1979,"6"20"-1889,-1 5-180,11 12 180,-2 1-180,7-7-180,7 1-1799,-4 18 630,10-13 1439,-3 22 0,30-28 0,8 7 0</inkml:trace>
+  <inkml:trace contextRef="#ctx0" brushRef="#br0" timeOffset="78738">11120 13065 10681,'-24'10'-90,"6"-1"0,2-1-1169,9-2-720,2-2 1979,23-2 0,-14-2 0,14 0 0</inkml:trace>
+  <inkml:trace contextRef="#ctx0" brushRef="#br0" timeOffset="78998">12157 12519 11311,'-60'0'1259,"12"18"-1079,3-13-1303,13 32 1213,1-32 90,-3 46-180,11-31 0,4 37-180,12-32 10,7 8-369,20-14-46,-16-1-2114,57-1 1260,-35-7 183,37-2 1256,-25-7 0,3-1 0,0 0 0</inkml:trace>
+  <inkml:trace contextRef="#ctx0" brushRef="#br0" timeOffset="79398">12295 12085 10411,'0'-25'630,"-15"4"1618,11 5-1978,-18 9 180,19 19-360,-5 18-90,8 10-204,0 11 204,0-5 0,17 3 0,-12 5 0,12-1 0,-9-15 0,-1-1 0,8 19 0,0-10 0,0-1-90,-1 4 90,6 12-630,-12-13 360,6-15 0,-5 8 1,-5-24-1260,2-2 1259,-4-11 360,4-18-90,-2 11 0,6-45 0,1 28 90,12-38-90,-6 29 629,13-6-539,-14 13 384,18 11-384,-19 1-90,18 28 0,-17-14 0,6 31 0,-6-19-630,-1 16-539,0-6-180,0 0 359,1 1-179,2-2 1169,2-3 0,4-2 0,4-2 0</inkml:trace>
+  <inkml:trace contextRef="#ctx0" brushRef="#br0" timeOffset="79686">13345 12591 10861,'-20'-17'1349,"15"4"-989,-33 5 0,34 0-91,-50 7-269,33-3 0,-41 20 90,34 4 0,-6 20-90,13-8 0,11 1 0,2 0-180,28-9-89,8 12 269,26-18-90,-9-3 90,1-8 0,6-24 0,-23 13-90,13-29 90,-33 6-180,-2-21-180,-24 7-1169,-9-7 90,4 22 1439,-13 7 0,-1 3 0,14 1 0,-40 0 0</inkml:trace>
+  <inkml:trace contextRef="#ctx0" brushRef="#br0" timeOffset="80064">13717 12619 10771,'0'8'1079,"0"0"-899,0 0 0,0-1-180,0 1 0,0 1-90,0 1 180,0 0-180,0 6 90,0-5-360,0 7 90,0-9 180,0 1-629,0-5 539,12-2 180,1-2 0,16-17 0,-8-6 225,-1-6 0,1-4 224,1-6-359,-1 6 0,0 2 180,-4 5 360,6-4-540,-12 19 0,2 4-90,-7 6 90,1 0-180,0 20-90,-3 7-1979,3 27 0,-5-7 2159,-1 3 0,-1-13 0,0 1 0</inkml:trace>
+  <inkml:trace contextRef="#ctx0" brushRef="#br0" timeOffset="80231">12917 13271 11131,'0'-28'-3328,"22"13"3328,-17-8 0,50 20 0,-16-8 0</inkml:trace>
+  <inkml:trace contextRef="#ctx0" brushRef="#br0" timeOffset="80604">14897 12776 13559,'0'-43'630,"25"8"-450,-19-3-180,47 8-864,-31-5 864,26-1 0,-16-2 90,-2-1-90,-4-1 90,-13-1 0,9 1 0,-19-2 90,10-11 0,-13 12-90,-18-17-90,14 30 45,-14-2-45,-1 16 108,15 6 72,-27 4-270,28 29-90,-19 16-540,14 16-135,3-12 1,0 0-360,-5 16 359,9-18 1,1 0-945,-4 17 1799,4 2 0,0-3 0,0-1 0</inkml:trace>
+  <inkml:trace contextRef="#ctx0" brushRef="#br0" timeOffset="80764">14810 13090 12570,'-6'-17'1169,"20"0"-1259,22-22-180,11 13-384,-17 10 0,1 1-1010,9-1 0,0 1-404,-7 3 1,1 1 2067,11-5 0,1 2 0,-11 4 0,-1 2 0,1 0 0,1 0 0</inkml:trace>
+  <inkml:trace contextRef="#ctx0" brushRef="#br0" timeOffset="81031">16222 12092 12390,'-7'24'180,"5"14"-180,-4-23 0,6 18 0,0 14 0,0-8-270,0-2 0,0 0-539,0 11-451,0 12-1618,0-2 2878,0-16 0,0 10 0,0-21 0</inkml:trace>
+  <inkml:trace contextRef="#ctx0" brushRef="#br0" timeOffset="81330">15940 12619 9691,'39'-33'810,"-10"8"-450,15 3 0,3 2-1598,11-2 1328,-18 7 0,0 2 0,19-2-1,-1 5 1,0 3-90,-4 5 90,-5 0 0,-5 2 0,3 18 0,-14-13 0,2 25 90,-21-14 566,-5 11-386,-6-3 67,-19-6-516,-3-9-1,0-18-270,-10 6-116,25-26-423,-9 5-450,13-6-1260,0-16 2609,0 19 0,24-9 0,5 12 0</inkml:trace>
+  <inkml:trace contextRef="#ctx0" brushRef="#br0" timeOffset="81631">17132 12426 10321,'-52'9'1619,"9"-7"-1619,3 13 90,8-10-180,0 7 90,0-1 0,2 2 180,2 0 0,0 10-180,15-5-90,-1 14 180,14-12-180,31 9 90,-6-14-904,31 1 904,-12-10-90,5-4 180,3-1-90,-15 1 0,-1-4 0,19-16 0,-14 9 0,-2 0-90,0-13 0,9-19-90,-30 24 270,-3-25-270,-11 20-179,-4-2-91,0 2-1889,-21-5 270,-1 7 2069,-3-2 0,-8 11 0,14 1 0</inkml:trace>
+  <inkml:trace contextRef="#ctx0" brushRef="#br0" timeOffset="82014">17665 12383 10231,'4'7'990,"0"2"-541,1-4-89,1 6-360,-1-2 0,3 7 0,-4-6 0,1 6 0,-3-6 0,0 1 0,-2-3 0,0-2 0,0 0-1709,0-2 1619,0-17 90,19-7 0,2-22 270,13 7-180,-2-3 719,6 2-539,-10 13-90,15-6-90,-22 20-90,8 2 0,-16 7 90,2 23-180,-4 4 0,-4 15-1079,2 8 539,-5-18-1349,7 18 1170,1-25 809,15 8 0,-3-23 0,10 0 0</inkml:trace>
+  <inkml:trace contextRef="#ctx0" brushRef="#br0" timeOffset="82398">18420 12341 10051,'3'3'1170,"-14"-8"-1080,7 35-90,-9-9 0,13 15 89,20-2-89,-1-8-89,20-13 178,-4-6-89,1-21 0,-3-5 180,-6-16 270,-12 6-180,-4 9-180,-10-5-180,3 10 360,-4-9-270,0 27 0,0 17 0,0 15 0,0 7 0,18 14 0,-14-11 45,5-5 0,0 0-135,1 7 90,-8-10 0,-1-1 0,9 5 90,-10 5-360,-20-7-180,14-13-2158,-34 9 629,9-20 1979,-9 0 0,-4-9 0,10-3 0</inkml:trace>
+  <inkml:trace contextRef="#ctx0" brushRef="#br0" timeOffset="83131">19703 11887 11041,'-3'-13'539,"2"-3"-449,-3 8 90,28-5-90,-18 9-180,39 0 90,-15 3 90,17 14-90,-3 3 0,-15 16 0,-13 2-90,-27 4 90,7-8-90,-31 7 0,12-18 0,-14 12 0,15-14 90,8 4 90,14-4-180,0 2 90,0 3 0,22 17 0,-16-5-45,13-2 0,4-1 45,1 8-794,1 13 794,6-19 90,-28-2-311,9-2 311,-12-3-90,0-3 0,0-2-90,-22 3 90,16-5-1169,-24-6 0,-6-1-720,8 0 1912,-37 1 0,28-8 0,-1-2 0</inkml:trace>
+  <inkml:trace contextRef="#ctx0" brushRef="#br0" timeOffset="84983">21293 11684 10681,'0'-9'899,"0"30"-899,0-4 0,0 31 0,-14-6-1341,11 8 1161,-11 6 360,0 4-270,10 2 180,-19-1-90,21-2-90,-14-3 180,14-4-180,-6-4 90,5-7 338,2-3-248,-3-8-90,4-3-90,0-8-90,0-3 180,0-6-540,0-4 1634,16-20-1184,-2-8 180,5-12-90,4-1-90,-13 5 90,20-11 90,-13 12 90,5-8-360,-10 25 180,3 1 90,-6 11-90,4 18 0,-4-13 90,2 38-180,0-21-1080,3 43 361,0-21 809,-3-7 0,1 1 0,8 5 0,6 11 0</inkml:trace>
+  <inkml:trace contextRef="#ctx0" brushRef="#br0" timeOffset="85297">22015 12306 9512,'-20'-18'269,"15"4"541,-48 6-720,26 19-90,-27 15 270,23 22-360,4-5-416,17 1 416,2-14 180,8-3 0,0-1-90,21-4 0,-16-4 0,33-8 0,-16 3 0,17-11 89,-2-16-89,-3-15-89,-16-12 178,0 0-178,-17-7-91,4 12 0,-5-10 236,0 18-1045,0 4-1260,-17-4 2249,12 11 0,-13 3 0,18 9 0</inkml:trace>
+  <inkml:trace contextRef="#ctx0" brushRef="#br0" timeOffset="85685">22403 12298 9332,'-24'-9'989,"-12"7"-899,19-7-90,-14 9 90,15 22-90,-3-17 90,17 35-90,-6-15 0,8 8-180,0-1-180,0-11 180,23-3-179,-17-1-91,39-8 90,-15 4 180,9-11 90,0 4 180,-13-6-90,-2 0 0,-1-16 270,-5-5-90,0 1 539,-9-17-179,-1 15-450,-8-16-90,0 10 630,-14 12-630,10 23 0,-11 12 0,15 22-540,0-9-629,0 5-91,15-13 1260,6 9 0,-1-11 0,-3 5 0</inkml:trace>
+  <inkml:trace contextRef="#ctx0" brushRef="#br0" timeOffset="85898">23138 12221 9602,'-18'-3'2608,"-1"0"-2428,-3 19-90,-4 4-90,23 19 0,-9-7 0,12 2-360,0-8-449,0 0-1260,20 8 630,3-10 1439,25 9 0,-11-22 0,2 0 0</inkml:trace>
+  <inkml:trace contextRef="#ctx0" brushRef="#br0" timeOffset="86148">22040 11962 9332,'-5'30'449,"1"-2"-449,3-2 0,1-5 0,21-2-989,-16-1-1170,38 2 2159,-38 0 0,45 0 0,-16-1 0</inkml:trace>
+  <inkml:trace contextRef="#ctx0" brushRef="#br0" timeOffset="86326">22353 13262 10501,'49'0'0</inkml:trace>
+  <inkml:trace contextRef="#ctx0" brushRef="#br0" timeOffset="86718">24258 12136 9062,'-36'-2'719,"-2"1"-269,-20 16-450,11-12 45,7 20 0,1 2-45,-6-4 90,14 9 0,3 3-1461,3-1 1371,3 9 525,17-15-525,4-2 90,26-3-90,15-3 90,12-4-135,-10-10 0,-1-1 45,9 2 0,-8-12 0,-1-5 35,0-10 55,7-1-270,-33-13 180,5 32-2968,-18-33 2968,8 18 0,-10-2 0,0 6 0</inkml:trace>
+  <inkml:trace contextRef="#ctx0" brushRef="#br0" timeOffset="86897">24015 12885 10321,'34'0'-90,"-5"-14"-360,8 10-359,-3-24-1890,29 8 2699,-10 2 0,-15 1 0,0 0 0,19-5 0</inkml:trace>
+  <inkml:trace contextRef="#ctx0" brushRef="#br0" timeOffset="87133">25312 12186 10501,'-31'-14'1259,"-21"4"-1169,30 3 180,-23 4-180,14 2-90,1 1 90,1 0 90,-5 21-180,11 6 90,-1 24-180,16-11-630,23 11 91,-11-21-361,46 4-1079,-1-15 1574,-18-10 1,3-2 119,16-3 1,0-1-1,12 3 1,-20-6-1,0 0 1</inkml:trace>
+  <inkml:trace contextRef="#ctx0" brushRef="#br0" timeOffset="87514">25688 11624 11131,'0'-34'629,"0"5"810,-12 6-1349,10 38 0,6 44-90,-3-26 0,2 2-165,13 12 1,1 3 164,-16-1 0,2-1-208,12-10 1,2 0 207,-10 25 0,-2 0 0,4-27 0,0-2 0,0 20 0,-1-2 0,1 0 0,1 7 0,0-30-90,-9-6-180,4-7-899,-4-4 629,1-7 776,0-2-236,1-17 419,5-7-419,0 2-90,6-23 180,6 11-90,-1-11 179,13-4-89,-11 31 0,9-13 0,-13 26 0,7-7-90,-11 26-90,4-13 0,0 48-629,-2-30-541,-2 10 1,0 2-450,5 0 1709,8 10 0,-6-17 0,2-1 0</inkml:trace>
+  <inkml:trace contextRef="#ctx0" brushRef="#br0" timeOffset="87801">26648 12224 9781,'0'-23'900,"0"3"-270,-20 3-181,0 2-359,-22 8 0,5 1 90,2 45-180,5-17 45,20 11 0,4 1-45,-2-6 90,8 17 0,22-23-180,3 5 90,27-18 90,-6-1-90,0-30-90,-11-5-90,-16-24 0,-9 10-360,-10 0-449,0 12-270,-16 1-1,12 2-359,-13 2 1619,-1 2 0,13 4 0,-13 1 0</inkml:trace>
+  <inkml:trace contextRef="#ctx0" brushRef="#br0" timeOffset="88167">26947 12159 9961,'0'10'1439,"0"-1"-1259,0 0 0,0 1-180,0 2 0,0 17 90,0-10-90,0 13 0,0-16 0,0 2-90,13 5 0,-10-7 0,11 9 90,-7-16 0,-5 3 0,10-10 0,-7 0-90,6-2 90,9-19 0,-1 14 90,1-20 0,1-4 90,6 6-516,-6-4 1,-2 0 875,9-9-91,1-1-939,-3 3 580,1 1-429,-5 6 249,-5 3 90,0 3 0,-8 11 896,3 1-986,-6 9 459,-1 24-1089,1-18-33,-2 43-1046,2-26-450,-4 24 2249,1-8 0,-3 1 0,0 2 0</inkml:trace>
+  <inkml:trace contextRef="#ctx0" brushRef="#br0" timeOffset="88330">26563 12738 10861,'-12'2'-1529,"2"-1"1529,25-1 0,13 0 0,25 0 0</inkml:trace>
+  <inkml:trace contextRef="#ctx0" brushRef="#br0" timeOffset="88850">28073 12091 11400,'-19'-17'450,"14"5"-180,-14 2 180,2 7-540,-1 0 360,-2 35-270,-1-24 0,18 59-90,-5-47 90,8 27-180,17-23 180,-13-3-180,26-1 180,-12 1 0,13-7 90,-2-2-90,-6-7 0,-10-24 90,-2-6-180,-9-22 360,2 10 0,-4-1-1,0 14-269,0-7 0,-15 17 0,11-12 0,-10 40 0,14 5 90,0 20-90,8-5 0,1 1 0,-4 14 0,10-6 0,2 1 0,-2 11 0,-2-2 0,0-1 0,-1 1 45,-6-8 0,-3-2-45,-3-11 0,0 10 0,0-24 0,0-1-90,0-10-809,-20-3-2159,-2-1 89,-21-3 2969,8-14 0,14 10 0,7-10 0</inkml:trace>
+  <inkml:trace contextRef="#ctx0" brushRef="#br0" timeOffset="89048">28657 12194 10771,'3'-3'2069,"0"0"-2069,-3 16-810,0 0-1349,0 17-1798,0 0 3957,0 0 0,0-5 0,0-5 0</inkml:trace>
+  <inkml:trace contextRef="#ctx0" brushRef="#br0" timeOffset="89224">28885 11765 11580,'2'-17'-90,"0"2"0,-1 6 1,-1 2 89,1 4 0,-1 15 0,1 5 0</inkml:trace>
+  <inkml:trace contextRef="#ctx0" brushRef="#br0" timeOffset="89406">28877 11446 10591,'32'-5'450,"0"4"-360,-7-4-180,4 5 90,19 18-540,-10-13-1124,-5 19 0,-1 4 1664,3-1 0,-13 1 0,-2 2 0,4 11 0</inkml:trace>
+  <inkml:trace contextRef="#ctx0" brushRef="#br0" timeOffset="89564">29612 12447 12840,'11'7'0,"0"-2"-540,-1-3-360,2-2-1618,-2 0 2518,0 0 0,1 0 0,-1 0 0</inkml:trace>
+  <inkml:trace contextRef="#ctx0" brushRef="#br0" timeOffset="91264">29803 11429 10411,'-14'-10'2069,"10"3"-1529,-11-2-1,15 3 91,0-2 269,0 3-899,0 20 0,0 4 0,0 27 0,17-10-90,1 20-89,2-23-552,5 12 551,-22-18-157,19-2-113,-20-1-1079,8 5 180,-10-7-2429,0 14 3778,-25-15 0,19 8 0,-18-9 0</inkml:trace>
+  <inkml:trace contextRef="#ctx0" brushRef="#br0" timeOffset="173467">2965 14986 11041,'-18'23'809,"14"19"-449,-27-22-1519,27 24 1249,-9-9 90,2 4-180,8 2 0,-8 0 90,11 1-180,0-3 90,0-3-990,19 10-809,-15-14 1889,29 12 1,-12-23 0,15 3 0</inkml:trace>
+  <inkml:trace contextRef="#ctx0" brushRef="#br0" timeOffset="173669">2963 14810 12300,'-21'-9'1349,"0"-1"-1439,10 2 90,-7-2-3508,12 6 3508,12-1 0,14 5 0,21 0 0</inkml:trace>
+  <inkml:trace contextRef="#ctx0" brushRef="#br0" timeOffset="174080">3375 15053 13020,'0'6'989,"0"0"-899,0 0 90,0 2-270,0 4 180,0 12-90,0-2 0,21 23 0,1-14-90,3 11-90,10 2-180,-14-9-269,15 17 269,-10-24-90,-1 10 0,-14-22-179,1 1-451,-7-12 1080,-3-20 0,-1-14 0,-1-28 0,-17 3 90,15 14 0,-1 0-69,-14-8 249,17-12 180,0 26-91,0 7 91,0 5 450,18 7-721,0 8-179,3 20 90,9-9 0,-8 56-90,8-30-675,-15 4 1,-2 2 584,6 11-270,0 4-539,-3 0-1233,-5-15 0,1 1 2132,4 17 0,-5-19 0,1-1 0,4 10 0</inkml:trace>
+  <inkml:trace contextRef="#ctx0" brushRef="#br0" timeOffset="174514">4150 15246 11311,'-20'21'1529,"3"4"-1529,17 13 90,0 0-90,0-8 0,0 3 0,0 2 0,20 16 0,-1-12-45,0-7 0,0 0 45,-2 3 0,8 19 0,-22-27-720,16 8 270,-17-21 180,7-25-269,-31-26 449,-5-18-842,15 21 1,-3 0 976,-8 3 0,1 0-90,12-3 0,2-1 45,-5-2 0,-1 0 45,-3-1 0,4-1-90,11 1 0,-1 1 135,-11 1 0,0-1-665,12-8 0,2 1 935,-11-18-377,22 21 0,2 4 287,-7 5 89,42 4-359,-16 22 270,12 23-180,-14 2 0,4 23-90,-28-2 0,11-4 0,2 1 1151,-7 22-1151,-3-6 0,-1-1 475,0 8-790,-7-21 0,-2-1-764,1 6-720,0-5 90,0-7 1949,0-7 0,0-6 0,0-4 0</inkml:trace>
+  <inkml:trace contextRef="#ctx0" brushRef="#br0" timeOffset="175118">4552 15132 11580,'0'37'630,"0"2"-630,15-9 0,-11 0 90,31-2-90,-30-7-90,44 3-90,-28-8-539,43-8 359,-27-1-90,13-7 0,2-20 450,-15-10 45,-8 2 0,-3-2 45,-1-22 270,-9 16 0,-3-1 20,-5-10 70,-1-12-90,-7 20-1,0 4-269,0 6 0,-16 0 540,13 13-630,-13 19 0,16 22 0,0 13 0,22 5 0,-16-8 0,36 2-450,-14 13 90,11-13-90,-12-11 1,0-1-181,8-3-269,11-3 89,-12-14 610,1-5-160,-2 0 0,12-39 360,-15 11 45,-7-14 0,-5-5 135,-1-7-258,-8 1 1,-2-1 347,-5 20 0,-1 0 359,2-25 1,-5 0-360,-9 25 0,1 1-46,7-9 1,1 1-272,-19-22 47,6 21-11,11-6 820,-10 31-809,14 27 90,16 20-180,-12 17 135,11-11 0,3 1-45,3 13-45,-3-4 0,0 1 802,3 10-1297,-2-9 0,0 0-212,-7 8 257,2-22 1,2 0-586,-2 10-89,-2-6-90,-1-4 1259,-3 5 0,-3-12 0,-3 4 0</inkml:trace>
+  <inkml:trace contextRef="#ctx0" brushRef="#br0" timeOffset="175247">5335 15155 10951,'-27'-38'1259,"10"1"-1079,2 12-90,13-2-90,-4 2 0,32-4 0,-3 3-270,29-2-900,-16 9 1,3 0-1080,-7 6 0,1 0 2249,13-6 0,0 3 0,-10 6 0,-2 1 0,2 0 0,0-1 0</inkml:trace>
+  <inkml:trace contextRef="#ctx0" brushRef="#br0" timeOffset="175701">7205 14332 12030,'-10'-13'720,"1"3"-1,-3 5-539,5 3-180,1 1 90,4 20-90,1-1 0,1 20 90,0-2-180,0 5 180,15 5-135,-14-9 0,2 0-315,28 19-135,-29-8 1,0-1-316,28 5-179,-23-11 0,-3-1-91,12 2-89,-8 8-180,-8-21 1349,0-5 0,0-5 0,0-2 0</inkml:trace>
+  <inkml:trace contextRef="#ctx0" brushRef="#br0" timeOffset="175847">7007 14884 10681,'-29'-34'719,"4"1"-359,4-4-270,10 12-90,5-9 0,35 19 0,-5-2-450,12 12 1,3 3-631,13-4-44,-3 5 0,2-1-405,14 1 1164,-22 0 1,-1 2 0,19-1 0,-2 0 0</inkml:trace>
+  <inkml:trace contextRef="#ctx0" brushRef="#br0" timeOffset="176264">7763 14698 11940,'-14'13'360,"11"7"-450,-11-3 180,14 4-90,0 5 0,20 6-180,3-7-450,3 7-449,27-3 539,-30-9 90,9-8 1,2-1 179,1-2 360,18-3-90,-26-5 1259,12-40-629,-27 17 44,-3-11 1,-4-2-225,-5 6 180,-19-21-630,14 22 359,-27 4-359,29 36 360,-9 28-270,12 16-728,10-7 1,2 2 637,-10-14 0,1 0 0,9 8 0,4 5 0,-1-4 0,-3-2 0,0 0 0,-1 14 0,3 2 45,10-2 0,-2-2-90,-19-13 0,0 0 45,9 0 0,4 3 0,-4-5 0,0 24-270,-2-19 1,0-3-960,0-6 509,-5 1-1349,-5-27 810,0-23 180,-19 9 179,14-46 828,-28 21 1,29-33-1,-10 11 1</inkml:trace>
+  <inkml:trace contextRef="#ctx0" brushRef="#br0" timeOffset="176701">8322 14992 9602,'16'13'1798,"-1"3"-1798,-4 0 360,2 22-270,-5-19-90,8 36 0,-4-21 45,-3-2 0,0 0-45,5 9 0,-3-5 0,-2 0 90,4 6-180,2 11 180,-4-9-90,-4-17 0,1 9-270,-6-24 180,0-18-180,-18-23 270,12-13-90,-13 4 1,-3-1 179,0-19-846,0 0 0,1-3 756,9 23 0,1-2 0,-2-15 0,-1-8 0,4 6 0,6 12 0,0 0 59,-3-7 1,-2-5 0,3 8 300,4-11-225,11 19 0,1 3-45,-7 6-11,33 2 191,-34 22-90,28 5-90,-16 2 0,24 19-90,-15 13 0,4 29-90,-8-4 90,-16-16 0,0 0-302,5 9 212,-10 14-810,0-22-359,0-4-270,-21-2 1529,16 4 0,-32-14 0,17 3 0</inkml:trace>
+  <inkml:trace contextRef="#ctx0" brushRef="#br0" timeOffset="177001">8737 14976 10141,'30'0'1259,"1"0"-1169,1 0 180,16 0-180,-10 0-90,28 0 0,-25 0 0,-8 2 0,1-4-90,5-19 90,10 15 0,-28-20 0,-1-3-90,9 6 45,-10-7 0,-3-3 135,-3 0-90,-4-23 0,-7 26 90,-26 0 0,-6 2 0,1 3 0,-13 5 0,-1 4 270,10 8-180,-12 2 0,30 23-180,1 12 0,14 11 0,18 7-405,-3-17 0,4 0-1214,26 17 1619,-6-6 0,2-2 0,-13-15 0,1-2 0,11 6 0,-1 0 0</inkml:trace>
+  <inkml:trace contextRef="#ctx0" brushRef="#br0" timeOffset="177263">10017 14645 13110,'-21'0'809,"4"0"-1259,27 0-179,15 0-451,14 0-1978,22 0 989,-23 12 2069,15-9 0,-19 9 0,0-12 0</inkml:trace>
+  <inkml:trace contextRef="#ctx0" brushRef="#br0" timeOffset="177398">10180 15063 11760,'0'7'1260,"0"0"-1530,28-5-810,10-20-899,18 13-232,-27-12 0,0 0 2211,20 14 0,2-29 0,2 10 0</inkml:trace>
+  <inkml:trace contextRef="#ctx0" brushRef="#br0" timeOffset="177730">11238 13866 12120,'0'-19'450,"0"4"-180,0 2 89,0 8-448,0 21 89,0 10-1440,0 25 181,0-9-90,0-1 0,0-14-91,0-3 1440,0-4 0,14-9 0,4-4 0</inkml:trace>
+  <inkml:trace contextRef="#ctx0" brushRef="#br0" timeOffset="177864">11340 13984 11670,'0'1'450,"0"21"-1349,0 20-1828,0-2 0,0 2 2727,0 16 0,0-17 0,0 1 0,0 19 0</inkml:trace>
+  <inkml:trace contextRef="#ctx0" brushRef="#br0" timeOffset="178533">12097 13926 12030,'-5'-9'180,"1"3"180,1 3-180,2 25 180,0-1-91,1 23-89,0-1 0,0 7-135,0-10 0,0 2-280,0-10 1,0 2 234,-1 22 0,2-1-597,13 9 597,-13-24 0,1-2-180,11 11 90,-13-5-360,0-3-719,9 2 719,-7-14-449,13 3-271,-11-21 990,4-2 180,-3-8 329,-2-1-150,3-20 91,-2-6 630,4-22-271,-1 13 559,7-2-1008,-4 25 90,21 0-90,-13 35-180,26 8 0,-20 12-1651,-2-12 0,2-1 1651,4 5-90,10 12-123,-11-17 33,0-6-180,-1-4-989,14-3 989,-11-9 90,22-1 270,-23-30 90,8 17 0,-14-41-90,-3 27 180,-6-21 360,-1 8 269,-7-1-179,-1 2-91,-3-11-449,-1 16 0,0-10 90,-16 25-180,12 20-180,-11 20-1709,15 24 180,17-9 1709,-13 8 0,29-25 0,-14 5 0</inkml:trace>
+  <inkml:trace contextRef="#ctx0" brushRef="#br0" timeOffset="178697">12742 14333 10771,'-11'-10'-1169,"8"3"-1530,-8 24 2699,33 10 0,-17 10 0,18 0 0</inkml:trace>
+  <inkml:trace contextRef="#ctx0" brushRef="#br0" timeOffset="179085">13308 14565 11760,'-59'-11'2159,"-3"8"-1799,15-9-270,1 12 0,14 19-90,4-14 0,1 36 0,6-21 90,9 21-90,-2-7 0,12 0-90,-4 0 180,6 0-180,21-2-360,9 5 180,12-11-758,1 0 759,-10-15-1,0-6 90,1-3-90,14-24 180,-13 17 90,-6-25 0,-3-5 0,1 6 0,-9-13 0,-3-4-581,-4-5 626,-5 17 0,-2-2 0,-2-3 0,-4 0 135,-18-22 269,8 9 1,-1 0-90,-12-6-180,5 14 0,1 3-90,0 3 630,-12-10-810,14 50 90,32 27-360,-9 15-212,15-12 0,0 0-328,-16 13-269,32 2-630,-32-1 1663,18-13 0,2-1 0,-9 14 0,4-17 0,0 1 0</inkml:trace>
+  <inkml:trace contextRef="#ctx0" brushRef="#br0" timeOffset="179714">13792 14716 11311,'0'-8'449,"-13"2"-359,10 3-180,-10 1 180,13 0 90,0 0-90,0 1 90,0-1-180,0 0 0,0 0 0,0 0 0,0-2 0,0 0-90,0-6 90,0 3 0,0-3 0,-11 1 0,8 1 0,-8 0 0,1-1 0,7 3 180,-14 1-180,7 4 90,-10 18-90,4-12 0,-4 53 90,13-36-90,-1 43 0,8-36 0,0 5 0,21-13 0,-15-5-180,32-6 0,-10-4 0,8-6 90,3-15 0,-9 11 90,-2-35 0,12 5 0,-13-12 45,-7 13 0,-2 0-292,-2-7 247,-3-15 90,-10 15 0,-3-1 0,0-3 179,-19-1 181,14-1-180,-37-1 90,27 16 0,2 0-180,-16-14-91,8 13 1,1 1 90,3 5 270,-5 0-450,10 38 0,12 19-270,9 0 0,3 3-719,11 26-2203,-1-17 1,0 0 403,1 10 2788,-3-19 0,-1-2 0,-4 10 0,17-2 0</inkml:trace>
+  <inkml:trace contextRef="#ctx0" brushRef="#br0" timeOffset="180047">14207 14806 11760,'9'0'1080,"1"0"-990,3 0 0,2-15 0,2 11-90,1-11 0,1 0 89,9-1-89,-6-2 0,13-13 0,-14 19-89,9-22 178,-16 15-89,2-5 0,-12-2 0,-2 4 450,-21-15-90,15 13 0,-30-13-360,14 20 0,-13-11-90,13 42-270,7 4-719,31 35 89,-13-12-89,28 0-2429,-11-6 3508,-2-11 0,18-2 0,-13-15 0</inkml:trace>
+  <inkml:trace contextRef="#ctx0" brushRef="#br0" timeOffset="180369">14687 14516 11670,'14'-10'450,"-11"13"-360,24 0-90,-24 22 0,22-22 0,-22 21 0,22-21 0,-22 22 0,18-21 0,-14 18 0,11-13 90,-10 1-90,4 0 0,-8-9 180,1 2 0,1-24 0,-2 16 449,6-48-359,-4 29 90,7-37-270,-6 29 180,8-11-270,-7 21-90,10 4-90,-9 11-1259,16 26 179,-10 9-3507,17 28 4767,-10-9 0,6 5 0,-6-15 0</inkml:trace>
+  <inkml:trace contextRef="#ctx0" brushRef="#br0" timeOffset="180715">15440 13901 12570,'40'-1'360,"1"20"-360,-8 3 0,-13 12 0,5-3-270,-22-6-180,8 1-270,-4-2-1708,-5 10 1258,4-13 1170,-6 6 0,0-13 0,0-2 0</inkml:trace>
+  <inkml:trace contextRef="#ctx0" brushRef="#br0" timeOffset="180830">15778 13926 11490,'27'-10'90,"0"2"-90,-4 8-180,-2 0-2158,-3 32-181,-4-6 2519,-7 32 0,-2-10 0,-5 4 0</inkml:trace>
+  <inkml:trace contextRef="#ctx0" brushRef="#br0" timeOffset="181830">2232 14500 10771,'-19'39'450,"15"-5"-450,-28-3 0,28-5 0,-28 3 0,17 0 0,-17-1 0,-2 11 0,9-10 90,-8 6-180,5-8 180,9-10-180,-8 5 0,16-11 90,-1-2 269,6-3-269,3-2-89,0 5 178,3 2-89,22 12 0,-17-2 90,37 10-180,-16 16 90,13-6-500,-11-3 1,0 1 499,9 12 0,-2-5 0,2 0-270,-15-17 0,1 0-135,7 9 0,3 2-809,2 0 0,0-2 1214,-6-8 0,0 0 0,9 9 0,1-1 0,-11-13 0,1 1 0</inkml:trace>
+  <inkml:trace contextRef="#ctx0" brushRef="#br0" timeOffset="183267">16897 13549 12840,'0'-9'1349,"-14"2"-899,11 2-181,-10 1-89,13 2 630,-6-1-810,5 17 0,11 2 0,8 19 0,1-9 90,16 3-90,-4 1-90,11-6-939,5 6 1029,-9-8 90,1 0-180,1 1 90,-9-7 0,0 0 0,14 8 45,-5-5 0,-1 0-135,4 2-1481,-9-6 1,-1 1 1570,0 1 0,7 3 0,-20-4 0,-2-2 90,-8 3-180,-4 12 90,-5-4 0,-20 0 0,-6 0 0,-7 12-586,-17-3 1,-6 2 585,23-12 0,0-1-90,-16 9 0,0 0 772,11-7 0,2-2-907,-3 1 0,-1 0-90,2-1 1,-2 2-586,-16 10 1,0 0-46,15-9 1,-2 1 944,0 2 0,-2 2 0,3-2 0,8-4 0,1-1 0,-8 7 0,-1 0 0</inkml:trace>
+  <inkml:trace contextRef="#ctx0" brushRef="#br0" timeOffset="184037">16582 13429 12390,'0'-17'1979,"0"-3"-1709,10 8-180,-7 0 539,7 8-629,-10 18 0,0 3 0,-18 24 0,6-4 0,-1 4-90,-5-5 0,-1 3-1701,-1 12 1,0 7 0,1-2 1115,-3 2 1,0 1-76,2-5 1,-2 3 0,1-2-937,3-11 0,1-1 1,0-1 1685,-2 3 0,0 0 0,0 1 0,-1 1 0,0 1 0,0 0 0,0 0 0,-1 1 0,0 0 0</inkml:trace>
+  <inkml:trace contextRef="#ctx0" brushRef="#br0" timeOffset="190925">18327 14353 13379,'0'7'112,"0"-1"1,0-4-1,0-2 1</inkml:trace>
+  <inkml:trace contextRef="#ctx0" brushRef="#br0" timeOffset="191075">18137 14691 11670,'-12'3'540,"3"0"-540,-2-3 0,7 0 0,0 0 0</inkml:trace>
+  <inkml:trace contextRef="#ctx0" brushRef="#br0" timeOffset="192647">18835 14525 11221,'15'-47'0,"-12"0"0,35 8 0,-32-6-328,17 21 1,3-2 372,-8-14 0,0-2-1171,6 10 0,0-1 1306,-1-10 0,-2-3 44,-3 2 1,-3 1 207,-7 11 0,0-1-252,6-17 0,-2 2-180,-10 1-90,7-12 269,-9 38-179,0 19 0,-16 55 0,-1-1 0,3 4 0,0 2-85,6-25 1,1-1 129,1 13 0,3 0 628,3 16-673,0-3 0,0-2-90,0-4-582,0-2 582,16-5-180,7 8 0,-3-17-225,9-12 1,1-3-136,-6-5 180,35-1-178,-26-13 628,1-1 397,-1-1-397,7-21 0,-12-2 1319,6-23-689,-21 23-271,-2-14 578,-8 20-577,-3-10 367,0 34-727,0 7 90,15 28-90,0-22 0,19 15 0,-8-19-90,13 8 0,-13-11-90,20-7 180,-20-6 0,9 0 0,-16-19 0,-1 15 0,-4-30 90,-1 14-90,-6 1 90,-1-11-90,-5 16 0,-1 11 0,19 11 0,2 9 0,2 6-809,28-21 359,-29 13 0,41-13 450,-31 4 0,17-21 90,-25 11 90,7-26 720,-22 15-900,0-13 809,-9 4-809,0 32 90,0 3-90,0 30 0,17-22 0,-13 13 0,28-17 0,-9 2 0,19 1-90,-7-17 90,11 6 0,-19-7 90,6 0-90,-14-18 0,-3 14 0,-3-32 450,-4 14-270,-4-17 0,-2 7-270,-3 30 90,0 12-540,20 11-809,-15 12-990,29-28 2339,-31 27 0,28-28 0,-11 11 0</inkml:trace>
+  <inkml:trace contextRef="#ctx0" brushRef="#br0" timeOffset="192914">19995 14054 10861,'36'-2'450,"-15"15"-540,2-10 90,-20 26-1260,7-16-629,-10 13 1889,0-5 0,0 1 0,0 1 0</inkml:trace>
+  <inkml:trace contextRef="#ctx0" brushRef="#br0" timeOffset="193247">21187 13973 11311,'0'-17'989,"0"3"-719,-17 3 270,12 4-451,-20 24-178,23 15 178,-6 15-465,8 6 286,0-7 0,0 2-270,0-12 1,0 1-541,0 16-764,0-10 0,0 0-135,0 2 1799,0 9 0,0-24 0,0-2 0</inkml:trace>
+  <inkml:trace contextRef="#ctx0" brushRef="#br0" timeOffset="193530">20965 14328 8882,'0'-26'450,"0"4"-180,0 1-181,0 3 1,0 1 90,24 0-270,1 7 270,26 2-90,-12 7 90,11 20-180,-20-15-359,8 35 359,-16-34 0,1 38 90,-6-26-180,3 31 90,-9-21 90,2 11 180,-8-25 179,-2 10-359,-1-21-180,-1 6 1,2-26-181,3-11-360,-1-11-360,1 7 1,1 0-180,2-11 1183,7-16 1,-3 19 0,1 1-1</inkml:trace>
+  <inkml:trace contextRef="#ctx0" brushRef="#br0" timeOffset="193930">21723 14307 9781,'3'6'900,"0"0"-91,-2-2-629,1 0-180,-1 5 90,2-1-90,3 12 0,1-5 0,1 8 0,3 3-90,-1-5 90,6 13 0,-3-14 0,4 2-180,-1-9-449,1-4-91,3-2 91,1-4 89,1-2 270,2-1 180,8-14 180,-8-8 180,8-22 0,-17 7 269,-3-4 181,-8 13-180,-4 2-270,0 0-181,0 6-178,0 3 89,-17 9 269,13-4-269,-13 30 0,17-2-180,17 8-3957,1 23 4137,19-25 0,-19 11 0,-1-18 0</inkml:trace>
+  <inkml:trace contextRef="#ctx0" brushRef="#br0" timeOffset="194180">22142 14210 8162,'0'13'0,"0"-3"-90,0-2-719,14-3-360,-10-2 1169,11 0 0,-15-1 0,0 0 0</inkml:trace>
+  <inkml:trace contextRef="#ctx0" brushRef="#br0" timeOffset="194497">22057 14049 9332,'-2'-5'2068,"0"1"-1978,2 0 450,16-1-360,2 0-180,1 0 90,11 3 90,-12 1-90,12 0-90,-8 1 0,-10 16-450,-5 5-2068,-26 13 988,15-2 1,-29-15 1529,30 2 0,-25-17 0,10 6 0</inkml:trace>
+  <inkml:trace contextRef="#ctx0" brushRef="#br0" timeOffset="194715">22300 13859 9242,'13'-2'2069,"3"0"-1710,-4 2-89,4 14-180,-5-10-90,5 27 0,-5-27 90,2 25-90,-3-26 0,0 19-180,0-20-2698,11 15 359,-4-15 2519,9 6 0,-4-8 0,1 0 0</inkml:trace>
+  <inkml:trace contextRef="#ctx0" brushRef="#br0" timeOffset="195297">23107 14230 9871,'-18'-14'90,"-1"2"180,0 6 0,-3-2-90,0 7-90,-2-3 0,-1 4-90,0 21 90,-10 8 0,11 11 180,-10 17-181,23-22-578,0 10 579,11-17-190,0-4 100,26-2 90,5-6-90,16-7 0,12-4 0,-21-5 0,24-19 0,-26-12 0,6-9 0,-24 9 0,-4 0 0,6-9-45,-9 3 0,-2-2 135,-4-8-1210,-1-17 1120,-4 18 0,0-1 180,-17 0 104,13-16-194,-29 19-90,29-17 539,-22 38-92,24-1-447,-9 45 270,11-1-180,0 30-90,0-4 45,9-6 0,0 1-45,-7-7 0,1 1 0,15 24 0,0 1 25,-16-24 1,0-1-71,16 10 0,1-1-495,-5 12-270,17-4-179,-7-6-360,2-6-91,0-8-89,1-5 1681,1-10 1,-1-6 0,-1-5 0</inkml:trace>
+  <inkml:trace contextRef="#ctx0" brushRef="#br0" timeOffset="195631">23633 14326 10411,'0'-18'2429,"0"5"-2339,0 26 0,0 8-90,18 6-90,-13 15 90,25-27 90,-13 29-180,16-18-180,2 1 180,-3-14-270,10-7 180,-16-6 180,20-21 90,-22-4-90,12-27 90,-21 11 45,-6 7 0,-2 1-135,-3 1 809,-1-19-809,-3 56 0,0 11 0,0 20-90,14 21 1,-10-22-2160,22 25 270,-8-29 1979,17 11 0,-4-28 0,1 0 0</inkml:trace>
+  <inkml:trace contextRef="#ctx0" brushRef="#br0" timeOffset="195851">24055 13938 10501,'-21'15'1439,"8"5"-1439,7 19 0,6-7 0,0 2 0,0-9-90,0-1 90,0-2-360,0-2-719,0-2-450,0 0 1529,0-6 0,0-1 0,0-4 0</inkml:trace>
+  <inkml:trace contextRef="#ctx0" brushRef="#br0" timeOffset="196049">24222 13549 10681,'21'0'1979,"-2"25"-1529,7 7-361,-7 12-44,1-10 0,1-2-45,1-1-989,20 17-720,-18-26 1709,19-11 0,-12-1 0,12-10 0</inkml:trace>
+  <inkml:trace contextRef="#ctx0" brushRef="#br0" timeOffset="196630">24742 14610 9781,'25'-26'0,"-19"-21"0,47 23 0,-34-8 0,0-5-704,5 12 0,2 1 704,-1-9 0,-1-2-45,-3-4 0,-2 1 45,-4 8 0,-1-1 224,4-23 1,-2-1 45,-5-8-90,-5 20 0,-2 1 0,-4-11-90,0 4-180,0 7 394,0 0 506,-17 17-435,-3 23-106,-1 37-269,-6 14-636,25-16 0,1 1 816,-10 26-180,11 5 0,0-31 0,0 1 0,0 14 0,0 1 0,-1-13 0,2 0 0,10 21 0,0-1 0,-6 6-135,12-18 0,4-3-315,2 2-179,-3 2 361,18-25-541,-23-7 179,18-7-180,0-3 810,-7-22 90,13-7 180,-17-11 989,7-11-629,-15 18-270,0-6-270,-7 22 210,-4-9-120,2 19 719,-2-16-899,-1 34 1492,-1 0-2662,18 26-2399,-2-1 3569,21-4 0,-21-14 0,-1-10 0</inkml:trace>
+  <inkml:trace contextRef="#ctx0" brushRef="#br0" timeOffset="196801">25528 13957 9512,'18'22'-135,"-13"11"0,27-11 0,-13 17 0</inkml:trace>
+  <inkml:trace contextRef="#ctx0" brushRef="#br0" timeOffset="197146">25750 14414 9332,'0'8'1349,"0"-1"-1259,0-2-90,0-1 90,21-2-90,0-1 0,24-1 0,-24-15 0,17 11 0,-19-27-90,10 14 90,-13-11 0,-9 5 0,-7-3 0,0 7-90,-20-5 90,16 11-90,-30 2 180,30 4 270,-27 3-1,15 2-269,-3 20-90,-4-14 0,21 44 0,-9-29 0,11 26-90,20-6 1,-15-12-1620,32 16 629,-13-22-1169,21 3 2249,-8-16 0,0-2 0,-13-6 0</inkml:trace>
+  <inkml:trace contextRef="#ctx0" brushRef="#br0" timeOffset="197455">26180 14308 10501,'1'-20'1799,"0"27"-1799,14 9 0,-11 24 0,29-20 0,-29 10 0,26-27-90,-27 23 90,23-23 0,-22 14-270,29-16 180,-21 6 0,14-7 180,-13 0-90,-2-15-90,-1 12 180,-1-28-90,-2 27 90,-2-34 180,-2 22-180,-2-24 180,0 14-270,-1 26-90,20 13-810,-2 34-269,5-10-2879,5 9 4048,-11-21 0,1 4 0,-4-11 0</inkml:trace>
+  <inkml:trace contextRef="#ctx0" brushRef="#br0" timeOffset="197698">25647 13932 10411,'0'-10'1439,"26"-1"-1079,-19 3-315,26 0 0,7 2-45,-12-2 0,12 1 0,2 2-90,-3 1 0,8 1-2069,-13 3 180,-18 19 1979,10-15 0,-24 39 0,6-14 0</inkml:trace>
+  <inkml:trace contextRef="#ctx0" brushRef="#br0" timeOffset="197837">25758 14793 10951,'-2'15'899,"2"-2"-1349,-3-3-3957,25-4 4407,8-20 0,13 10 0,1-12 0</inkml:trace>
+  <inkml:trace contextRef="#ctx0" brushRef="#br0" timeOffset="198219">27185 13998 11490,'0'-13'1080,"0"1"-451,0-3-359,28 3-90,7-4-90,14 8 0,-2 1 0,-15 5 0,2 1-90,-2 1 180,9 16-90,-13-12 90,5 40-270,-17-24 180,-7 42-90,-3-26-282,-34 16 282,21-14-259,-22-18 0,-2 0 259,5 19 45,-8-13 0,-3 0-135,-4 13-90,16-10 0,0-1-270,-4 1-1673,15 12 684,2-23-360,12 3 1799,28-14 0,4-2 0,28-4 0</inkml:trace>
+  <inkml:trace contextRef="#ctx0" brushRef="#br0" timeOffset="198433">27318 14209 11850,'-13'-5'3598,"22"2"-3508,17 35-90,26-24 0,-10 43-135,-12-35 0,0-2-584,5 24-271,-5-9 1,0-1-720,3 7 1709,-7-4 0,0 1 0,-1 4 0,8 11 0</inkml:trace>
+  <inkml:trace contextRef="#ctx0" brushRef="#br0" timeOffset="198697">28470 14143 13110,'0'-6'989,"-15"2"-989,-3 23 0,-10 11-90,10 13-90,-1 4-450,17-9-989,-13 14-90,14-13 1709,-5 15 0,31-30 0,5 4 0</inkml:trace>
+  <inkml:trace contextRef="#ctx0" brushRef="#br0" timeOffset="198980">28695 14259 11400,'-18'-14'2609,"-3"6"-2429,-11 20-180,12 12 0,9 22 90,11-9 0,23 9-90,10-29-45,-3-1 0,3-2 45,23-11 45,-18 3 0,-1-1-1189,7-5 1054,10-19-117,-13-6 207,-16 1-180,-2-31-180,-18 34-989,-5-41-90,-25 35-810,19-11-449,-47 15 2698,31 0 0,-23 1 0,13 1 0</inkml:trace>
+  <inkml:trace contextRef="#ctx0" brushRef="#br0" timeOffset="199147">29375 13262 12210,'5'17'720,"-2"14"-720,-20 13 90,12 11-3144,-13-5 2425,1 4-1170,13 7 1799,-10-15 0,1 1 0,10-11 0,3 0 0,-5 12 0,0 1 0</inkml:trace>
+  <inkml:trace contextRef="#ctx0" brushRef="#br0" timeOffset="199403">29747 14132 13379,'23'44'90,"-17"-7"-90,39 0-90,-40-6 90,37-2-629,-15 12-91,11-12-809,5 13 360,-22-23 1169,5 5 0,-18-15 0,-2 1 0</inkml:trace>
+  <inkml:trace contextRef="#ctx0" brushRef="#br0" timeOffset="199821">29833 13636 11580,'-4'15'3598,"0"10"-3508,4 15 90,15 6-180,-11-1 0,10 6-2416,-14 4 2416,0 4 0,0 1 0,0 1-90,0 0-89,0-2-541,0-4-180,0-19 1,0-1-270,0 17-1260,0-13 0,0-3 2429,0 0 0,0 5 0,0-20 0</inkml:trace>
+  <inkml:trace contextRef="#ctx0" brushRef="#br0" timeOffset="199999">29720 14240 12480,'0'-8'270,"21"0"-270,-15 3-45,26-3 0,8 1-135,-8-2-1080,13-2 1,3-1-360,0-1 910,-6 1 1,0-1-1,7-4 1,-16 4-1,1 0 1</inkml:trace>
+  <inkml:trace contextRef="#ctx0" brushRef="#br0" timeOffset="200551">30365 13493 10681,'-17'23'2518,"-3"-3"-2248,18 24-90,-6-4-90,8-2 0,0 1-90,-3 26 0,2-3 0,1 1-535,-2-24 0,0-1 535,2 28 0,0-1 0,-1-28 0,2-1-45,7 31 0,1-2 45,-5-8-135,12-9 0,-1-4-495,-12-17-1517,10 4 1967,-13-40 372,0-11-102,0-17-90,0-2 449,0-9 1,17 13 629,-13-22-719,33 31-90,-16-2-270,22 19 90,-13 25 508,1-11-508,-8 39-90,12-9 0,-8 12 0,-4-17 0,1-1 0,3 3-270,17 5 180,-19-13-360,16-14 180,-18 1 180,23-28 90,-28-9 0,13-26 0,-25 6 90,0-20 270,-6 26-761,0-12 491,0 21-314,-16 2 404,12 8 360,-13 4-630,17 23 90,0 32 0,0 3-90,0 20-720,18-24-179,-13-2-720,28-1 1709,-12 4 0,-1-13 0,-3 3 0</inkml:trace>
+  <inkml:trace contextRef="#ctx0" brushRef="#br0" timeOffset="200765">30922 13402 12480,'17'-7'270,"-12"24"-360,30-11 0,-31 37-810,25-25-989,-26 20 1889,17 5 0,-18-12 0,6 11 0</inkml:trace>
+  <inkml:trace contextRef="#ctx0" brushRef="#br0" timeOffset="200946">31510 13300 13020,'23'-7'809,"-3"2"-809,-4 5 90,-2 21-180,-8-1-1169,0 45-1350,-33-16 2314,15-12 0,-2 1 0,-12-7 1,-4 0-1,6 1 0,0 1 0</inkml:trace>
+  <inkml:trace contextRef="#ctx0" brushRef="#br0" timeOffset="202298">3055 17069 11670,'-23'-12'630,"17"0"-360,-40 1-90,27 1-180,-22 3 90,7 2-90,-2 3 0,-4 1 0,-17 17 0,13-12 0,11 11 0,3 3 0,0 4-90,2 21 90,20-9 0,5-1-90,23-5 90,14-10 0,30-1 0,-9-12 0,-17-3 0,-1-4-209,3-13 209,9 12 90,-18-32 89,-16 8 271,-2-21-270,-13 9 90,0-3-270,-23 27 90,18-10-90,-37 23 0,38 9 0,-29 11 0,29 18 0,-10 25 0,14-8-739,0-15 0,0 1 739,0 20 0,0 3 0,0-5 0,0-17 0,0-1 0,0 17 0,0-12 0,0-2-90,0 1-458,-21 16-171,15-34-299,-31 3-421,33-19-1440,-28-4 2879,18-20 0,-4 11 0,9-13 0</inkml:trace>
+  <inkml:trace contextRef="#ctx0" brushRef="#br0" timeOffset="202847">3140 17044 9512,'9'0'2968,"-2"17"-2518,-1 7-91,-2 11-179,6 20-180,-3-17 45,-1-3 0,1 1-45,2 7-1184,3 12 1184,-3-19 0,-1-4 283,4-2-283,-3-5 0,4-4-90,-2-6-270,9-2 0,-5-7 0,17-2 360,-13-26 812,9 17-812,-9-42 0,1 26 0,-2-25 0,4-7 0,-8 10 45,-5 9 0,0 1 45,-2-3 90,1-13 0,-6 28 90,0 3-181,0 13-89,1 5 90,0 25-90,1 8 0,5 33 0,0-13 45,-1-17 0,1-3-45,4 6 0,11 15 0,-8-29 0,21 2 0,-19-18-90,20-21 90,-20 7 0,10-45 0,-15 28 90,3-28-90,-9 19 0,-4 0 180,-1 2 0,-2-10-180,0 12 90,0-7 540,-16 23-630,12 26 0,-12 17-90,33 29-360,1-12-540,0-18 1,0-2-900,-1 3-539,14 5 2428,-17-18 0,14-9 0,-8-4 0</inkml:trace>
+  <inkml:trace contextRef="#ctx0" brushRef="#br0" timeOffset="203043">4082 17048 11311,'0'-5'0,"0"0"0,0 3 0,0 0 0</inkml:trace>
+  <inkml:trace contextRef="#ctx0" brushRef="#br0" timeOffset="203297">3397 16808 10951,'0'-15'1799,"0"2"-1170,26 0-359,2 6-180,23 1-90,-7 26 0,-11 6 0,-13 12-360,-11 11-359,-9-18-2519,0 19 1169,0-23 2069,-19 3 0,14-18 0,-14-6 0</inkml:trace>
+  <inkml:trace contextRef="#ctx0" brushRef="#br0" timeOffset="203480">3565 16513 10231,'21'-14'1349,"-16"4"-899,34 4-180,-26 5-180,19 1-180,-15 25 90,6 12-90,-14 15-720,-2-10 1,-2 0-2571,-4 16 3380,1-18 0,0 0 0,-1 19 0,0-2 0</inkml:trace>
+  <inkml:trace contextRef="#ctx0" brushRef="#br0" timeOffset="203930">4635 17203 10951,'-34'0'629,"-3"0"-539,3 20 0,-15 6 0,16 12-90,9-13 0,4 1 0,5 8 0,1 19 0,14-25 0,19 4-90,12-15 0,10-8-269,21-2 179,-22-24 90,-6 4 0,-2-3 180,4-23-90,-6-3 0,-3-2-90,-9-11 180,-3-3 0,-2-2-350,-12-6 665,3 6 0,-4 0-428,-9 23 1,-2 1 292,1-24-1,0 2-944,-2 25 0,0 3 675,5-7 0,0 2 804,-9-8-174,13 20-428,-13 25-112,16 37-90,22 15-497,-20-19 1,2 0 496,16-4 0,-1 0 0,-15 35 458,12-32 0,2 2-1268,-6 13 0,-2 0 225,-1-12 1,3 0-1620,10 19 1,-1-2 2002,-4 1 1,2-22-1,1-3 1,5 5-1</inkml:trace>
+  <inkml:trace contextRef="#ctx0" brushRef="#br0" timeOffset="204281">5208 17199 11311,'-35'0'2248,"0"16"-2158,4 6-90,13 10 0,-2 0 0,18-6 90,-5-1-90,7-1 90,0-2-270,18 4 0,4-8 0,22-3 90,2-8 90,-8-28 0,-3 16-89,-5-54 178,-10 33-89,-4-13 0,-4-3 90,-4-4 90,-2 6 0,0 1-90,-6-5 0,2-7-90,-2 25 540,0 5-540,0 33 90,0 1-90,0 30-90,18 12-90,4-10-1709,3 3 0,4-1-360,9 0 2100,-13-12 0,1-4 1,6-7-1,3-3 0</inkml:trace>
+  <inkml:trace contextRef="#ctx0" brushRef="#br0" timeOffset="204537">6152 16686 12030,'-14'-24'2968,"10"4"-2428,-20 11 90,21 18-450,-7 25-90,10 32-90,9-34 0,0 3-504,-8 17 0,3 0 459,14-19 0,1 1-180,-9 22 0,-2 0-45,2-22 1,2-3-91,2 9 0,-3-2-269,-8 10-1,18-5-180,-19-6-1618,7 1 989,-9-13-1260,0 0 2699,-17-17 0,12-3 0,-12-5 0</inkml:trace>
+  <inkml:trace contextRef="#ctx0" brushRef="#br0" timeOffset="204697">5833 17150 11760,'0'-27'900,"0"1"-810,22 3-90,-17 3 0,27 10 0,7 3 0,-6-1-90,15 3 0,3 3-360,3 2-809,5 19 0,1 3 27,0-12 197,-3 18 1,-2 2-253,-6-12 1287,11 2 0,-21-6 0,-2-14 0</inkml:trace>
+  <inkml:trace contextRef="#ctx0" brushRef="#br0" timeOffset="205030">6792 17124 10591,'1'-26'1889,"-18"11"-1349,12-3-361,-33 16-89,19 10-90,-15 18 90,18 8-90,5 5 0,5-8 90,4 0-90,-5-2 0,7-2-90,20-4 90,-15-3-90,35-10-89,-36 4 179,37-12-180,-24 5 180,32-7 0,-21-20 0,9 15 0,-16-38 0,0 25 0,-12-22 90,7-10 0,-11 11 89,0 5 1,-1 1-90,-1-2-90,-3-15 270,0 28-180,-13 4-90,10 29 0,-11 20-90,14 10-270,7-5 1,3 2-541,9 12-2203,4 3 0,3 0 3103,9-1 0,-12-13 0,0-2 0,8-5 0</inkml:trace>
+  <inkml:trace contextRef="#ctx0" brushRef="#br0" timeOffset="206063">8025 17058 11041,'-46'-1'1529,"-1"1"-1439,1 0-180,20 14 180,-6-10-90,28 25 0,-20-26 0,22 30 180,-8-18-180,10 24 0,20-15 0,11 9 0,12-22 0,6 8 90,9-17 0,-16 4 0,23-6-1,-35-14 1,5-5-180,-25-14 90,-22-3-89,-15 2-181,-12 14-450,0-4-1978,-6 16 1079,11-3 1619,-9 3 0,17 7 0,3-2 0</inkml:trace>
+  <inkml:trace contextRef="#ctx0" brushRef="#br0" timeOffset="206280">7943 16668 10591,'0'-14'989,"5"1"-629,-4 7-270,6 2 0,-4 2-180,2 2 90,1 0 0,3 19 90,2 1-180,3 3 90,-3 13-270,-2-21-809,0 18-2699,-1 0 3778,-4-10 0,-1 7 0,-3-13 0</inkml:trace>
+  <inkml:trace contextRef="#ctx0" brushRef="#br0" timeOffset="206767">9110 16629 13559,'0'-16'1260,"0"2"539,0 6-1799,0 25 89,0 1-89,0 26 0,-6-11 0,-1 2 0,4 25-777,-3-2 0,0 2 552,5-21 0,2-1-90,-5 12 1,0-1-46,3-15 0,0-1-539,-6 29-721,5-13 1,0-2 0,1 9 612,-2-16 0,0-4 1007,2-11 0,-4-7 0,0-5 0</inkml:trace>
+  <inkml:trace contextRef="#ctx0" brushRef="#br0" timeOffset="206899">8765 17223 10951,'-4'-34'719,"1"0"-719,23 4 0,18-12 90,9 14-405,-7 6 1,2 2-1036,12 1 1350,-8 7 0,1 1 0,10 1 0,-22 5 0,1-1 0</inkml:trace>
+  <inkml:trace contextRef="#ctx0" brushRef="#br0" timeOffset="207130">9623 16616 11221,'3'-6'2428,"-1"2"-1798,2 2-270,-1 2 359,1 49-629,-2-17-90,0 16 0,-1 3 0,-1 7-45,1-6 0,-1 0-818,0 13 53,0-11 1,0-1-1316,0 6 1450,0-22 1,0-2-1395,0 8-588,0-7 2657,-11-5 0,8-5 0,-8-3 0</inkml:trace>
+  <inkml:trace contextRef="#ctx0" brushRef="#br0" timeOffset="207280">9380 17155 11131,'0'-26'719,"0"1"-629,21 3-90,-16 3-90,42 2 90,-25 2-90,25 2-719,-11 2-2250,18 2 3059,-12 4 0,9 3 0,-16 2 0</inkml:trace>
+  <inkml:trace contextRef="#ctx0" brushRef="#br0" timeOffset="207447">10032 17018 10321,'6'18'1439,"2"12"-1169,2-26 0,4 39-270,-1-26-180,4 34 180,-9-28-360,2 10-1169,-5-13-540,0 2 2069,0-2 0,-2-2 0,1-1 0</inkml:trace>
+  <inkml:trace contextRef="#ctx0" brushRef="#br0" timeOffset="207930">10082 16706 10141,'0'-20'180,"0"0"-270,0 11-539,20 1 89,2 7 90,2 19 90,12-14 90,-12 29 270,10-12 90,5 17 0,-17-5 450,6 0 449,-6 8-539,-6-9 630,6 29-721,-12-24-543,3 12 453,-6-16 1,0-2 180,1 10-360,-3-13 0,1 4-90,-4-8 90,-1-9 270,1 3-450,-2-13 724,1-1-544,2-4-90,-1 0 0,6-22-90,0-2 90,10-30 0,-3 12 0,14-18 0,-11 22-582,8-7 852,-11 17-383,1 5 292,-2 4-179,5 10 0,-3 4 0,8 25 0,-10-14 0,10 51-90,-10-35-359,2 30 303,-5-24-1023,-1-4-59,0-10-2280,1 7 3508,-2-12 0,1 5 0,-1-8 0</inkml:trace>
+  <inkml:trace contextRef="#ctx0" brushRef="#br0" timeOffset="208289">10933 16485 10501,'0'-25'4048,"0"6"-3599,16 52 1,2 19-360,-9-2-2007,5 1 0,4 12 1,-3-7 1961,-8-15 0,-2-3-90,1 16 0,2-1-449,3-17 0,-2-2 494,-7 31 347,10-26 1,1-1-348,-5 14-90,12 5-214,-6-24-56,-4-16-90,9-2 360,-4-12 2107,6-28-2107,-3 19 90,1-48 0,2 28 2702,3-29-2702,0 11 803,-1-1-714,3-14-89,-6 19 472,2-11-472,-11 35 90,-1 1-180,-7 36 445,0 10-535,-3 12-1529,0 15 539,0-23 1170,0 19 0,-12-26 0,-3 7 0</inkml:trace>
+  <inkml:trace contextRef="#ctx0" brushRef="#br0" timeOffset="208480">10742 15867 11580,'-33'-5'0,"-14"0"0,12 31-989,6-7 0,0 4-1800,-3 35 2109,11-24 0,1 1 0,-5 22 0,1 4 0</inkml:trace>
+  <inkml:trace contextRef="#ctx0" brushRef="#br0" timeOffset="208835">12157 16890 14819,'9'-8'0,"-2"1"0,1 7 0,0 0 89,5 36-89,-2-11 0,4 32 0,1 2 0,0-12 45,-3-8 0,0-2 45,7 4-545,4 6 455,-5-24 90,-3-5-90,1-9-90,6-4 90,-6-5-990,16-20 181,-15-12-1,-2 2 1,-1-3-631,0-21-1151,4-5 523,-8 19 2068,-1 1 0,1 3 0,-1 0 0</inkml:trace>
+  <inkml:trace contextRef="#ctx0" brushRef="#br0" timeOffset="209185">13062 16918 12390,'-23'-14'1619,"18"-9"-1259,-34 20-360,15-8 90,-17 11-90,6 21 0,-1 6 0,23 14 0,0-2 0,13-10-180,0-2 0,0-1-270,19 4 270,-15-9-539,54 2 629,-30-15 180,15-20-180,-9 9 270,-20-33 0,4 8-90,-7-9-90,-7 1 0,-3 8 0,4 6-90,-5 28-270,0 18-900,0 20-359,0 4-795,16-10 2414,-12 2 0,27-4 0,-12 0 0</inkml:trace>
+  <inkml:trace contextRef="#ctx0" brushRef="#br0" timeOffset="209834">13535 17203 11850,'16'-27'1349,"1"-2"-989,2-5-180,2-3-90,-5 6 0,0-2-90,11-21-1192,-5 3 0,0-1 1147,-8 18 0,-2 0 90,7-25 0,-1-1 0,-9 23 0,-2 0-45,3-10 0,-3-1 90,-4 1 0,-2 2-90,2 11 0,-4 0 89,-10-19 1,-2 2-90,7 0 0,-13 15 0,-2 4 180,5 7 660,-13 4-750,15 36-90,3 5 0,2 23 0,6 1 0,-6 11 0,8-10 0,2 2-82,-2-8 0,2 1 82,3 4 0,3 4 0,-1-4 0,-5-3 0,2 0-90,11 24 0,4-1-90,-7-28 1,-1-3-432,-2 10 0,3-2 521,23 3 0,-29-6 995,30-8-1085,-14-5 90,8-11 0,8-4 90,-18-9 568,14-20-568,-17-4 270,6-23-270,-13 3 1277,-1 3-1187,-8 44-90,0 4 0,0 39 0,0-10-776,0 4 686,17-1-269,2 14 179,1-17-565,11 13 475,-12-34-360,17 9 540,-9-23 90,-3 6 90,-8-28-90,-3 16 0,0-38 180,-2 7 90,-4-9-500,0-5 680,-5 13-90,0 2 0,-2-11-180,0 15 530,0-4-440,0 19-244,0 21-296,0 16-270,15 10-269,-11 5-1620,28 3 990,-28-9 1439,22 14 0,-15-28 0,8 1 0</inkml:trace>
+  <inkml:trace contextRef="#ctx0" brushRef="#br0" timeOffset="210101">14460 17111 12120,'8'0'1349,"1"-12"-989,2 9-90,2-16 180,19 1-450,-9 0 0,24-15 0,-21 17 0,18-13 90,-17 11-180,4-4 90,-10 6-90,-7 0 90,-1 1-90,-8-9 90,-2 7 0,-30-13 0,20 13 90,-45-4-90,30 11 90,-21 3 0,12 3 90,4 3-180,-2 16-90,15 12 90,1 9-1170,30 26 91,-12-21-294,14-12 0,1 1-1056,-14 11 2429,43-2 0,-25 0 0,26-2 0</inkml:trace>
+  <inkml:trace contextRef="#ctx0" brushRef="#br0" timeOffset="210830">15943 16893 10141,'23'-39'990,"-3"-3"-541,21-5-2921,-6-4 2652,1-3 0,0-2-135,-14 16 0,0-1 45,-8 10 0,-1-1 45,5-17 0,-4 0 114,-5-6-204,-6 21 0,0 0 45,-3-4 0,0 2 0,-21 7 195,16 1-195,-35 11-90,24 4 0,-5 25 0,-14 19 0,30 11 905,-32 11-905,27-2 0,-12 3-179,15 6-541,3-16 0,2 1 90,1-11 1,2 0-765,8 21 0,2 0 1394,-6 1 0,14-20 0,4-2 0,5 5 0</inkml:trace>
+  <inkml:trace contextRef="#ctx0" brushRef="#br0" timeOffset="211131">16342 16798 13469,'46'-17'90,"-6"-8"-180,-1 22 180,-8-17-90,0 17 0,9-20 0,-12 8-180,3-15 180,-15 7-90,-9-3 90,-1 9-90,-6-3 90,0 7 0,-23 1-89,18 2 178,-37 3-89,26 4 0,-7 23 0,1 10 0,19 12 0,-8 4-179,11-9-451,0 3-90,20 1-1528,4 15 718,1-16 1530,2-11 0,0-3 0,-6-3 0,30 1 0</inkml:trace>
+  <inkml:trace contextRef="#ctx0" brushRef="#br0" timeOffset="211481">16865 16674 9691,'0'15'1440,"0"10"-1350,0 16-90,16 3 0,-13 9 90,29-11-1174,-28 11 1084,13-19 0,-8-4 239,-6-6-149,6-2 0,-9-6-90,0-4-360,6-6 360,-5-20 0,4-29 0,-5-2 312,0-18-222,20 20 0,-15-1 90,15 2 359,-1-11-269,-15 18-90,30-2-180,-21 22 0,14 8 0,-15 20 0,5-10 0,-10 35 0,5-20-90,-2 23-1529,0 6-90,-4-9 1709,3 21 0,-7-27 0,1 5 0</inkml:trace>
+  <inkml:trace contextRef="#ctx0" brushRef="#br0" timeOffset="211699">16552 16365 9871,'0'-13'1260,"30"2"-1080,-7 3-180,29 1 0,-11 2 0,-1 1-90,13-1-315,0 2 0,-1 1-584,-6 2 989,-8 8 0,-2 5 0,3 11 0,9 21 0</inkml:trace>
+  <inkml:trace contextRef="#ctx0" brushRef="#br0" timeOffset="212267">17992 16486 11670,'0'-21'1170,"0"2"-900,-21 8-91,16-7-269,-32 15 180,33-13-180,-30 14 270,11-4-270,-9 6 90,12 15-90,-3-12 180,20 46-90,-10-25 0,9 11 0,8 3 0,16 5 0,-6-4 0,1-1-90,12 7 90,-4-9 0,-1-1 0,-2 1 0,5 11-89,-11-28 89,-14 0-630,0-13-270,-22-4 361,-7-1 89,-12-17-360,2-3 631,5 0 179,17-14-90,-1 19 180,18-16-90,0 9 0,23-3 0,14 4 0,13 6 0,4 2 89,4 12 91,-13-3 45,-10 2 0,-1 2-45,4-1-90,5 0 270,-10 0-450,-12 0 270,6-15-90,-16-3 90,-2-17-180,-6 7 179,-3-7 91,-17 14-90,-2-5 0,-19 11-180,3 4 90,1 22-90,5 14 0,14 9-90,7 6 180,8-9-540,0 4-269,24 0-271,-18 0-269,39-3 1259,-14 8 0,10-16 0,1 4 0</inkml:trace>
+  <inkml:trace contextRef="#ctx0" brushRef="#br0" timeOffset="212583">18457 16511 10141,'0'-10'2069,"0"2"-1619,0 21-450,0 12 90,14 13 0,-11 24-180,22-18 90,-22-5 0,-3 0 0,11 8 45,-7-10 0,-1-1-45,-1 2 90,4 5-90,-6-22 180,0-5-270,0-6 180,0-24-180,0-17 90,8-1 0,1-2 0,-5-30-816,11 28 1,1 1 725,-12-19-180,27 0-268,-26 3-542,10 18 1,2 1-450,1-11 1529,13-13 0,-9 34 0,-5-2 0</inkml:trace>
+  <inkml:trace contextRef="#ctx0" brushRef="#br0" timeOffset="213170">18840 16511 11670,'-11'15'990,"2"14"-900,9 7-180,0 10 90,0 12 0,0-13-2126,8-5 0,0-2 1587,-4 3 89,25 11 914,-27-23-1184,24-4 91,-13-4-271,23-8 630,-13-6 90,19-4 90,-20-26 180,13-8-90,-20-11 180,1-1 0,-12 11 0,-2 0 270,-2-1 179,0-9-629,0 12 630,-17-9-450,13 20-90,-13 26 0,51 9 3284,-25 24-3329,24-22 0,2-3-135,-16 4 0,41 1 90,-31-18-90,10 5 0,-14-7 90,-2 0 90,-3-20-126,0-4 36,-7 0 0,-4-28 0,-6 33 0,-3-28 90,-17 16-90,12 9 270,-33-6 179,22 20-359,-15-1-90,18 28 0,5 10 0,8 12 0,0 23 0,19-22-495,-9-4 1,1-1-586,12 4-918,8 8 559,-27-19 1439,29-9 0,-20-3 0,16-4 0</inkml:trace>
+  <inkml:trace contextRef="#ctx0" brushRef="#br0" timeOffset="213463">19617 16654 10051,'0'-13'2069,"0"26"-2069,17-12 90,-13 58-90,24-35-45,-25 13 0,-3 3 135,19-1-180,-17 13 90,6-19 0,-2-2 0,-4-4 90,7 0-90,-9-9-180,6-3 90,-4-11-90,11-39 180,-4 10-45,3-14 0,2-2-314,4-10-136,0 4 0,0 0-570,5-11-150,-3 12 1,1 2 1214,1-3 0,6-5 0,-10 22 0</inkml:trace>
+  <inkml:trace contextRef="#ctx0" brushRef="#br0" timeOffset="214583">20635 16084 10591,'-18'-14'2159,"4"0"-1889,14 4-180,-9 2-180,6 2 1619,-6 1-1439,9 28 0,0-4 0,0 27-90,0-6-447,17 8 537,-12 6-831,13 6 741,-5 4-808,-10 2 808,4-32 0,0 1 0,-6 0 0,-2 1-45,1 0 0,0-1-315,0 0 1,0 3-766,0 13 1,0 1-1,0-14 1,0 1 1124,0 21 0,0-2 0,0-1 0,0-23 0,0 1 0</inkml:trace>
+  <inkml:trace contextRef="#ctx0" brushRef="#br0" timeOffset="215849">21433 16391 12210,'0'-18'1349,"0"4"-989,0-1-270,0 7-180,0 1 540,0 3-360,0 16-180,0 13 90,0 10 0,0 6-90,0-4-90,0 4-360,0 3-86,0 1 176,0-1 0,0-1-989,10 13 360,-8-16-630,8 16 1169,-10-31 360,0 1 90,0-16 180,-20-6 90,-5-2 360,0-18-1,-16 11 91,13-45-90,-8 28-226,13-14 1,5-2 45,4 4-90,-3-25-270,17 37 0,26-12-90,12 19 90,-3 4 0,2 1-90,26 1-492,3 0 492,-17 7 0,-2 1 0,0 1 90,10 0 0,-18 17 0,9 0 0,-28 3 0,-2 9 0,-12-10 0,-5 10 0,-1-4 0,0-8 0,0 2 579,-14-7-399,10 1-180,-10-6-630,37-3 271,2-1 89,2-22 90,27-2 270,-35-1 90,35-13 90,-39 16 359,11-12 1,-24 8-540,7 26 0,-9 9 90,0 33-180,0-15-90,0 17 0,0-27-990,20 4 361,8-11 89,11-6 180,-1-2 180,-8-5 181,-2-20-1,0 15 180,-2-35 89,-4 23 361,-3-31-90,-5 20 359,-6-19-719,-3 25-270,-5-6 180,0 13 540,-15 7-450,11 19-180,-11 17 180,15 29-180,0-8 135,9-13 0,1 0-1008,-6 8 963,31 10-360,-32-19-587,29-5 587,-19-3-599,21 1 689,-13-12-180,9-2 450,-13-11 0,0-3 90,-7-22 815,-2 17-635,-3-36 0,-2 25 443,-2-17-444,-1 10 174,0 0-353,0 1 0,0 3 90,0-5-180,-15 14-180,11-8 1079,-10 28-899,14-6 0,-11 12 90,9-5-360,-16-7-2338,12-1 1259,-4-3 1349,5 0 0,1 0 0,1 0 0</inkml:trace>
+  <inkml:trace contextRef="#ctx0" brushRef="#br0" timeOffset="216247">22555 16654 8522,'-18'12'2789,"4"5"-2610,14 18 1,-8-2 0,6 6-180,-6-3 0,8 5 90,0 1-463,-4 5 373,3-1 0,-2 3 90,3-1-90,0 1 92,0-3-92,0 21 0,0-18-1560,0-11 1,0-2 1559,0 4 90,0 3-177,0-18 177,0-6 185,0-4-275,-16-4-90,12-4-359,-29-4 3347,13-1-4877,-16-27 719,10-9 1260,12-1 0,4-4 0,1-24 0,5 26 0,1 0 0</inkml:trace>
+  <inkml:trace contextRef="#ctx0" brushRef="#br0" timeOffset="216663">22910 16671 12750,'0'37'449,"0"-4"-359,0 7-90,0-5 0,0 2 0,0 2 0,0 0 0,0-2-90,0-2-89,10 5-271,-7-11 90,7 1 180,-3-15-450,-5-5 1,4-3 89,1-4 360,-2-2 90,6-1-90,1-22 180,-1-13 0,0 2 0,-1-2 90,5-27-148,-6 29 1,0-2 417,-1-1 0,0 1-180,4-16 135,-3 13 0,0 2 44,0 2-89,4 2-90,-7 23 0,6 21-180,-6-8 205,5 40-205,0-2-90,1 13-225,-3-15 0,0-1-584,4 5-630,0-10 0,0-1-360,8-3 1889,8-4 0,-4-13 0,1-7 0</inkml:trace>
+  <inkml:trace contextRef="#ctx0" brushRef="#br0" timeOffset="217203">23527 16189 9691,'0'11'2969,"0"16"-2699,0 13-180,0 12-923,18-4 923,-13 6-764,13 3 674,-4 6 0,-10-1 45,8-17 0,0 1-45,-9 21 0,6-16 0,0-1 0,-7-2 90,9 14-180,-5-40 394,2-2-574,6-16 90,-2-20 180,14-14 0,-7-9 0,-1 5 0,0 1 478,4-11-478,0-3 0,-1 1 0,-1 3 45,-2 7 0,-2 5 45,-3 16 815,9 1-905,-10 14 179,11 21-179,-10 12 0,7 11 0,-11-11 0,-1 0 0,7 7 45,-4-6 0,0-1-45,3 1 0,10 12 0,-9-32 0,7 7 0,-6-20 0,3 5 0,-1-6-90,8-23 180,-7-8 0,7-28 90,-13 10 0,1-10-180,-11 26-90,0-2 360,-3 15-270,0 27 0,0 10-90,0 18-1079,0 21 89,0-19 1080,6 1 0,4-2 0,9-1 0,15 15 0</inkml:trace>
+  <inkml:trace contextRef="#ctx0" brushRef="#br0" timeOffset="217380">24330 16342 11311,'-14'-23'-90,"3"4"90,2 4-2159,7 5-90,-7 26 2249,28-15 0,-15 38 0,15-15 0</inkml:trace>
+  <inkml:trace contextRef="#ctx0" brushRef="#br0" timeOffset="217649">24578 16874 10501,'9'6'1619,"3"0"-1349,1-5 90,12 0-360,-5-18 90,7 13 0,-10-31-180,1 30 180,-6-36-90,0 24 0,-6-19 0,-1 10-180,-4-11 180,-1 11-90,-18-12 90,14 21-90,-32 2 180,21 10-180,-6 20 0,1 13-90,18 8-180,-7 7-269,9-9-1170,20 19 719,-15-14 1080,13-9 0,3-1 0,5 0 0,19 4 0</inkml:trace>
+  <inkml:trace contextRef="#ctx0" brushRef="#br0" timeOffset="217997">24993 16637 10591,'0'10'1169,"15"-10"-1079,-11 30-90,24-3 0,-25 6 0,11 5 0,-1-12 0,-10 0 0,11-4 90,-6-1-90,-2-3-90,6-8 90,-7-2 0,1-8 90,2-21-90,2 16 0,13-55 0,-7 34 0,9-34 360,2 10-180,-6 13 270,8-13-450,-14 34 0,5-7 90,-11 21-90,4-3 0,-8 25 90,2-15-180,-1 41-180,1-8-180,-3 14-495,-2-17 1,-1-1-765,-1 10 1709,0 19 0,0-30 0,0 5 0</inkml:trace>
+  <inkml:trace contextRef="#ctx0" brushRef="#br0" timeOffset="218196">24613 16175 11850,'28'-14'-90,"-21"4"90,50 4-90,-32 3 0,27 3-719,-15 0-1350,-2 23 2159,-1-17 0,-3 44 0,-2-15 0</inkml:trace>
+  <inkml:trace contextRef="#ctx0" brushRef="#br0" timeOffset="218463">26527 16456 13559,'-29'-16'180,"2"3"-90,12 5-90,-11 4 90,22 22-90,-10 16-540,12-2 1,4 3-541,-2 26-449,0-14 0,0-1-917,0 10 2446,9-19 0,0-1 0,-4 9 0,13-3 0</inkml:trace>
+  <inkml:trace contextRef="#ctx0" brushRef="#br0" timeOffset="218619">26345 16840 10681,'0'-30'0,"28"0"0,-5-2 0,12 8 0,3 1-982,12-14 307,-4 7 1,3 0 314,-20 12 0,1 0 360,7-3 0,5-4 0,-6 3 0,18-13 0,-14 9 0,0-1 0</inkml:trace>
+  <inkml:trace contextRef="#ctx0" brushRef="#br0" timeOffset="219117">26992 16147 9512,'-21'-12'2788,"5"4"-2428,16 24-180,0 12-90,0 16 0,0 3-1289,0-6 1199,0 3 0,0 2 90,0 2-180,0-1 90,13 1 0,-9-2 90,9-2-180,-5 16 90,-6-18 0,6 9-131,-8-14 221,0-14-1079,0 1 899,0-32 90,0-23 0,0-5 0,0-26 90,23 28 180,-2-16-180,6 25 871,1 3-961,-10 15 458,21 22-368,-10-11-90,13 30 0,-18-7 90,14 17-180,-13-8 90,6-14-90,2-3-90,-10-16-180,15 7 360,-18-10-180,9-21 180,-16-8 90,-1-26-90,-9 11 90,-2-1 0,-1 2-180,-18 13 90,14-9 180,-27 23-270,27 18 90,-9 20 0,13 14-1709,23 21 90,-17-18 1619,10-5 0,3-1 0,3 4 0,14 8 0</inkml:trace>
+  <inkml:trace contextRef="#ctx0" brushRef="#br0" timeOffset="219335">27583 16024 10501,'30'-24'899,"-23"3"-809,55 6-90,-19 6 0,12 5-135,-21 8 1,-3 6-1306,3 17 1440,-5 26 0,-17-3 0,-12 6 0</inkml:trace>
+  <inkml:trace contextRef="#ctx0" brushRef="#br0" timeOffset="220282">28352 16359 11760,'-15'-28'1170,"-7"3"-990,20 7 89,-14 1 271,14 8-360,-5 17-90,24 32-90,-13 2 0,11-2 0,0 1 0,-11 7 0,3-6 0,0 0-353,-7 8 263,0 10-180,9-15 90,-7-16-1169,7 3 1349,-3-24-90,-2-17 90,6 6 0,1-29 0,-2-8 90,5 6-90,1-15 0,0-1 90,-1 3-45,-3 11 0,-1 1-45,-1 0-90,2-9 270,-7 30-180,2 1 0,-4 13 353,0 0-263,2 0-180,-1 19 90,5-15 0,-2 35-90,10-8-270,-4 9-1799,15 15 810,-10-24 0,10 7 1349,-6-19 0,3-8 0,1-5 0</inkml:trace>
+  <inkml:trace contextRef="#ctx0" brushRef="#br0" timeOffset="221031">28940 16411 10231,'0'-25'1169,"0"4"-809,0 4-270,0 4 360,-19 1-450,2 7 90,-4 15 0,-2 13-90,20 22 90,-13 9-90,15-9-90,-4 9 0,22-28-90,3 5-180,1-16 180,12-7 180,-8-3 0,-3-27-90,15-5 90,-19-13 90,8-8 0,-11 19-90,-9-14 0,-6 17 0,0 24 0,0 15 90,20 33-180,-15-10-359,29 2-811,-11-7 721,7-9-271,13 4 630,-15-18 0,15-2 270,-18-6 0,3-20 360,-11-4-180,-7-1 269,-2-25-359,-5 32 180,-3-24-360,0 16 0,-17 14-90,12-11 90,-12 17 0,17 14 0,15 5 1439,-2 6-629,5-19-360,-9-16-450,-9 22 0,0 0 0,0 35 0,0-8 0,16 6 0,-12 4 0,10-10 0,-1 2 90,-10 19-1,9-8 1,-1 0 0,-8 5-90,3-10 0,-1 0 90,-5 0 0,0 8-90,0-16 90,0-12-270,-15 3-989,-5-17 90,-19-1-1,7-28-2068,-15-10 3148,19-15 0,-10-5 0,12 7 0</inkml:trace>
+  <inkml:trace contextRef="#ctx0" brushRef="#br0" timeOffset="221197">28735 15996 11580,'60'13'90,"-8"-10"-270,-17 3 1,1 1-2644,26 7 1788,-28-13 1,1 2 771,2 10 0,-1 1 1,2-8-1,-1-1 1,1 7-1,0 0 0</inkml:trace>
+  <inkml:trace contextRef="#ctx0" brushRef="#br0" timeOffset="221814">30380 16296 11760,'5'-17'1529,"-1"2"-1349,-3-3-90,-1 5-90,0 1 0,-17 5 0,-6 4 0,-21 0 0,8 3 0,-1 21 0,13-16 0,2 34 0,2 3-90,9-2-90,18-7 1,3-1 179,-4-1 0,17-6 0,4-2 0,5 0 0,20 9 0,-22-19 89,2-1-898,-29-6 449,-8-5-449,-17-12 359,0-3 540,-5-2-90,25-2 0,13 15 90,18-5-180,15 8 180,1-5-180,-7 4 180,0-5-90,0 2 0,-1-3 0,-2-2 0,-1-1 90,5-10-90,-11 5 270,9-19-270,-21 13 629,-1-29-359,-11 25 0,-4-18-270,-17 27 180,12 0-180,-33 11 90,19 2 0,-4 19-90,-1 6 0,22 10-90,-8 2-990,10 7 91,0-10-2069,24 19 3058,3-24 0,3 3 0,-9-13 0</inkml:trace>
+  <inkml:trace contextRef="#ctx0" brushRef="#br0" timeOffset="222063">30780 15956 9871,'0'16'2969,"18"-14"-2879,-14 32 0,27-31-90,-12 28 90,-2-14-180,26 14-360,-25-15-3418,46 1 1979,-32-16 1889,17 5 0,-20-6 0,-1 0 0</inkml:trace>
+  <inkml:trace contextRef="#ctx0" brushRef="#br0" timeOffset="222846">20548 17979 10591,'-48'0'1169,"-16"17"-1079,27 10 45,4-5 0,3 4 45,9 19-45,2-13 0,3-1-45,13 6-90,15 11 0,13-22-795,26-4 884,3-10-985,9 1 851,-28-12 0,0-1 45,2 3 0,1-1 0,17-8 0,-1-5 0,-14-1 0,0-2 0,20-9 0,-2-4 0,-30 5 0,-2 0 0,4-1 0,-3 0-29,-5-11 29,-13-1-90,-3 1 90,-34-12-360,20 13-899,-27 7 0,-7 4-1264,11 1 2523,-4 9 0,-2 3 0,-4 3 0,1 3 0</inkml:trace>
+  <inkml:trace contextRef="#ctx0" brushRef="#br0" timeOffset="223047">20478 18705 11940,'27'-19'540,"16"15"-540,-23-33-731,11 22 1,4 1 550,15-23-989,1 7 0,3 3 134,-18 9 1,-1 2 1034,14-7 0,0 0 0,-12 8 0,-2 1 0,1 0 0,0 0 0</inkml:trace>
+  <inkml:trace contextRef="#ctx0" brushRef="#br0" timeOffset="223613">21727 17703 11311,'-21'-15'1169,"-6"4"-629,17 5-450,-7 3-1,6 28 91,7-5 0,1 26-180,3-8-1053,-1 6 1053,1 6 0,0-12 0,0 2 0,0 19 0,0-9 0,0 0 0,0 5 0,7-10 0,0-1-90,-4 2 0,10 9-640,-13-18 370,0-14-1349,8 3 1619,-3-19-270,10-16 360,-6-18-89,11-24 268,-5 6 1,14-13 180,-11 26-180,4 5 952,-9 6-1042,-2 18 22,-2-8-112,-2 11 0,1 0 0,-1 14 0,5 9-90,-2 8-2249,11 18 360,-7-17 1853,9 9 1,-4-14 0,1-2-1</inkml:trace>
+  <inkml:trace contextRef="#ctx0" brushRef="#br0" timeOffset="223819">22423 18003 11221,'0'-20'719,"0"3"-89,0 7-270,-14 3-360,11 23 0,-11 10-90,14 12 0,0 7 0,-8-7-1709,6 20 360,-5-14 89,7 12 1350,0-7 0,0-17 0,0 7 0</inkml:trace>
+  <inkml:trace contextRef="#ctx0" brushRef="#br0" timeOffset="224480">22210 18304 10771,'0'-23'989,"0"-2"-809,21 1-90,13-13-90,12 9-2517,7-9 2517,-9 14-90,2 3-526,2 0 166,-4 4-387,1 0 298,-4 4-679,12-6 859,-15 6-181,13-5 540,-29 6 1155,2-3-795,-15 4 978,-3 0-1068,-3 0 1203,-3-4-1293,0 3 321,0-3 848,0 9-539,-14 0-540,11 25-180,-11 8 180,14 27-270,0-9-833,0 5 833,0-14 0,0 3 0,15 0-428,-11 14 518,22-11-180,-23 20-90,19-29-90,-12 11 90,4-27-629,15 1 629,-17-29 180,28-10 0,-20-13 180,15-20 270,-15 18 44,-3 0 1,0 1-405,-4 3 1154,6-14-1154,-13 35 376,-1 1-286,-2 9-90,0 14 0,0-10-180,3 28 180,2-27-90,5 47 0,-2-31 0,8 40 0,-6-32 0,10 12 0,-8-21-90,5 1 0,1-14 90,-2-2-90,11-26 90,-12 16 0,3-35 0,-9 22 180,-1-5 0,-3-9-90,-3 12-90,-1-3 0,-3-1 90,1 22-90,0-7 0,4 24 0,-1 7 0,2 11-1349,4 14 179,-1-16-2158,7 18 1349,-5-23 1979,4 4 0,-5-19 0,1-5 0</inkml:trace>
+  <inkml:trace contextRef="#ctx0" brushRef="#br0" timeOffset="224648">23547 17958 11311,'-13'-22'269,"2"-2"-359,11 13-2248,17 22-181,-13 17 2519,27 13 0,-27 1 0,10-9 0</inkml:trace>
+  <inkml:trace contextRef="#ctx0" brushRef="#br0" timeOffset="224802">23590 18713 9961,'25'-17'-360,"6"-12"0,25 10 1</inkml:trace>
+  <inkml:trace contextRef="#ctx0" brushRef="#br0" timeOffset="225114">24402 18184 10861,'-29'-8'1979,"5"2"-1440,-25 3 181,-3 1-360,14 2 0,-18 16-181,28 3-89,-2 18 0,21-8-90,2 1 0,37-3 0,-7-7-90,11-6 0,4-3 90,8-3-1175,18 4 1175,-20-11 0,-3 2-461,-7-3 371,-5 0 0,-5-20-180,-12-1-90,-3-22-180,-29 12-89,14-2-1980,-36 2 810,12 7 151,-10-5 1648,1 9 0,14 1 0,1 0 0</inkml:trace>
+  <inkml:trace contextRef="#ctx0" brushRef="#br0" timeOffset="225313">24360 17812 10501,'35'-17'1979,"1"-1"-1349,19 1-451,-14 4-89,10 1 0,-21 8-90,-5 2 0,0 16 0,-10-10-539,-4 43-451,-8-24-1529,-15 11 1,-2 2 2518,8 7 0,-16-13 0,-3-2 0,-3 14 0</inkml:trace>
+  <inkml:trace contextRef="#ctx0" brushRef="#br0" timeOffset="225668">25530 17868 12480,'-5'-12'2249,"1"5"-2159,-1 17-90,2 15 0,3 10 0,0 7-90,18 20-540,-13-11-764,10 7 0,0 2-315,-12 3 77,3-15 0,1-1 1632,2-2 0,-7-7 0,7-2 0</inkml:trace>
+  <inkml:trace contextRef="#ctx0" brushRef="#br0" timeOffset="225980">25395 18225 10681,'0'-26'630,"0"2"-451,0 6-89,24-3 0,-18 9-90,40-1 0,-16 10 0,12 2 0,14 18 0,-23-13 0,20 30 0,-26-10 0,-3 0 0,-1 2 180,-5 9 180,8 8 0,-20-31-270,-1 6-90,-4-33 0,1-16 0,-2-8-180,6 6 0,3 0-270,9-3-539,1-10-1,11 17-269,-26 0-630,23 5 1889,-24 1 0,19 5 0,-9 2 0</inkml:trace>
+  <inkml:trace contextRef="#ctx0" brushRef="#br0" timeOffset="226497">26165 18203 11490,'4'-6'1530,"-1"-3"-1440,-1 7-90,0-2 0,1 4 0,0 23 89,2-18-178,5 53-1,0-34-1033,3 30 224,-2-23-180,0-1-181,-2-4-1348,5 3 2608,-4-11 0,3-2 0,-6-11 0</inkml:trace>
+  <inkml:trace contextRef="#ctx0" brushRef="#br0" timeOffset="226664">26307 17854 9961,'0'-11'-1889,"0"24"1889,19 4 0,-2 21 0,17-5 0</inkml:trace>
+  <inkml:trace contextRef="#ctx0" brushRef="#br0" timeOffset="226979">26517 18109 9961,'0'17'1529,"2"2"-989,-1-1-90,2 10-450,-2-6 0,1 4 0,-1-8 90,1 0-90,1-2 0,0-1 0,0-1 0,-1-3-180,2 1 90,-2-4-360,3-2 360,-2-4 90,9-17 0,-3 11 0,14-27 0,-7 7 270,11-15-90,-10 15 540,5-8-630,-11 23-90,4-6 0,-7 9 0,4 6 0,0 17-90,-2 2-810,11 18 91,-8-18-2160,11 11 1260,-9-15 1709,5 3 0,-3-7 0,0-11 0</inkml:trace>
+  <inkml:trace contextRef="#ctx0" brushRef="#br0" timeOffset="227330">27035 17821 11311,'0'-20'2338,"0"5"-1798,0 23-450,0 17 0,0 13-90,0 7 0,13-8 90,-10 20-90,21-13-45,-17-9 0,-1 0-45,8 2-90,5 8 90,-12-21 0,8-4 90,-3-6-90,0-7 90,2 0 0,2-6-90,13 1 180,-6-22-90,22-2 180,-18-3-90,9-8 0,-10 19 0,-9-5-90,4 8 90,-15 11-180,3 0 90,-3 20-1439,2 6 269,-4 22-3057,0 2 4227,-4-12 0,0-13 0,0-16 0</inkml:trace>
+  <inkml:trace contextRef="#ctx0" brushRef="#br0" timeOffset="227513">26697 17578 10771,'41'0'-1889,"1"22"450,2-17 878,-1 44 0,1-26 0,-2 25 0</inkml:trace>
+  <inkml:trace contextRef="#ctx0" brushRef="#br0" timeOffset="229183">28528 18051 12390,'-54'0'1079,"-1"0"-809,12 0-2018,-2 0 1838,-1 20-90,2-15 0,3 35 90,3-23-90,0 34 0,19-18 0,1 12 46,18-16-226,0-1 267,0-3-357,22-2 91,-17-5-1,43-8-270,-14 0 270,13-9-90,13-17 90,-24 10 135,-4-28 0,-3-7-45,-1 10 90,-5-17 0,-5-3 90,-9 1-90,-4 5 0,-1-1 270,-4-9-1459,1 9 1,-2 1 1278,-17-4-90,13-9 758,-12 27-39,5 8 283,9 9-912,-9 23-90,12 21 0,0 12 0,0-4 0,0 1 0,0 14-45,0-6 0,0 1-485,0 8-505,15-5 1,1-1 315,-8-3-136,13-9 1,4-4 224,-4-12-89,15-2 719,-4-15 3751,8-19-3481,-16 10 450,7-31-1,-12 30 1,-3-35 89,-2 35 271,-2-33-900,-5 19 629,-2-10-719,-4 29-90,-1 16 0,0 29 0,19-7-629,-3 9 359,6-21-540,16 10 360,-21-23-269,34 6 539,-24-17 180,9 3-180,0-26 180,-10 16 180,12-50 90,-20 35 629,2-41-629,-15 32-90,1-16 90,-5 22-270,0 18 90,-1 16-90,0 27-180,15-17 0,-11 15-90,22-32-359,-9 27 179,-1-20-90,21 4 270,-22-7 180,27-8 90,-22-15 0,4 11 0,-8-26 180,-2 27 180,-1-26-90,1 13-270,-6-2 719,1-1-629,-5 17 90,0-5-90,1 7 0,2 0 0,3 15 0,2 4-90,8 14 0,-6-14 0,14 10-90,-11-16-180,29 9 180,-24-11 0,25-5-89,-29-6 179,8-20 0,-14-1 89,3-20-89,-8 11 180,-2 0 180,-2 1-90,-2 8-270,-1-3 900,0 10-900,0 64 0,0-26 44,0 23 1,0 3-45,0-9 0,0 16 0,0-2 0,0-15 0,-14 19 0,10-30 0,-24 4-89,12-12 89,0-8-540,-22 0 180,25-9-180,-27-1 270,26-3 270,-1-15 0,12-1 0,22-15 0,12 16 90,28-10-1576,-6 12 1397,6-2-91,-26 2 0,-2 0-219,19 4 129,-8-6 0,-1-3 180,5-2-1021,13-10 931,-23 3 0,-1-2 0,-3-3 180,7-22 0,-11 11 45,-10 5 0,-4-1 1454,-2-9-1005,-6 9 1,-2-1 135,-3-4-361,-10 5 1,-1 2-360,5 5 940,-28-14-580,21 53 918,-3 12-1188,6 18 0,9 6 0,0-9 0,0 2 90,0 0-180,19 11 90,4-13-180,21 15-90,-9-27-464,0 3 644,-10-18-90,0-2 0,1-5 0,-1 0 90,-2 0 0,-2-21 0,2-8 180,-6-11-90,-1-17 0,-11 20 360,-3 3 0,-1 1 90,-1-9-226,0 5 1,0 1-225,0 4 990,0-11-900,-12 50-90,9 35 0,-9 2-1152,12 22 1062,0-23 90,0 1 307,0 0-577,0-2-450,0-2-89,0-1-1620,0 4 900,0-12 1529,0 4 0,0-22 0,0-1 0</inkml:trace>
+  <inkml:trace contextRef="#ctx0" brushRef="#br0" timeOffset="229321">30482 18088 11400,'0'-18'630,"0"1"-540,18 2-90,5-2 0,0 5-540,29 0-539,-30 9-1889,42 1 2968,-33 2 0,8 0 0,-15 0 0</inkml:trace>
+  <inkml:trace contextRef="#ctx0" brushRef="#br0" timeOffset="229567">30108 17635 11670,'0'-32'2159,"28"-10"-1799,7 9-225,-4 9 0,3 1-713,16-2 488,-3-1 189,-18 13-279,-3 4-720,-5 4-1792,4 3 2692,-7 23 0,-3 12 0,-9 22 0</inkml:trace>
+  <inkml:trace contextRef="#ctx0" brushRef="#br0" timeOffset="229714">30227 18578 13469,'15'3'-4587,"0"-1"4587,17-15 0,-18 10 0,0-10 0</inkml:trace>
+</inkml:ink>
+</file>
+
 <file path=ppt/slideLayouts/slideLayout1.xml><?xml version="1.0" encoding="utf-8"?>
 <p:sldLayout xmlns:a="http://schemas.openxmlformats.org/drawingml/2006/main" xmlns:r="http://schemas.openxmlformats.org/officeDocument/2006/relationships" xmlns:p="http://schemas.openxmlformats.org/presentationml/2006/main" type="title" preserve="1">
   <p:cSld name="Title Slide">
@@ -4983,6 +5947,57 @@
           <a:chExt cx="0" cy="0"/>
         </a:xfrm>
       </p:grpSpPr>
+      <mc:AlternateContent xmlns:mc="http://schemas.openxmlformats.org/markup-compatibility/2006">
+        <mc:Choice xmlns:p14="http://schemas.microsoft.com/office/powerpoint/2010/main" Requires="p14">
+          <p:contentPart p14:bwMode="auto" r:id="rId2">
+            <p14:nvContentPartPr>
+              <p14:cNvPr id="2" name="Ink 1">
+                <a:extLst>
+                  <a:ext uri="{FF2B5EF4-FFF2-40B4-BE49-F238E27FC236}">
+                    <a16:creationId xmlns:a16="http://schemas.microsoft.com/office/drawing/2014/main" id="{4FC28AE6-B276-E44D-962B-C30A35370143}"/>
+                  </a:ext>
+                </a:extLst>
+              </p14:cNvPr>
+              <p14:cNvContentPartPr/>
+              <p14:nvPr/>
+            </p14:nvContentPartPr>
+            <p14:xfrm>
+              <a:off x="1407600" y="219240"/>
+              <a:ext cx="8362440" cy="5616000"/>
+            </p14:xfrm>
+          </p:contentPart>
+        </mc:Choice>
+        <mc:Fallback>
+          <p:pic>
+            <p:nvPicPr>
+              <p:cNvPr id="2" name="Ink 1">
+                <a:extLst>
+                  <a:ext uri="{FF2B5EF4-FFF2-40B4-BE49-F238E27FC236}">
+                    <a16:creationId xmlns:a16="http://schemas.microsoft.com/office/drawing/2014/main" id="{4FC28AE6-B276-E44D-962B-C30A35370143}"/>
+                  </a:ext>
+                </a:extLst>
+              </p:cNvPr>
+              <p:cNvPicPr/>
+              <p:nvPr/>
+            </p:nvPicPr>
+            <p:blipFill>
+              <a:blip r:embed="rId3"/>
+              <a:stretch>
+                <a:fillRect/>
+              </a:stretch>
+            </p:blipFill>
+            <p:spPr>
+              <a:xfrm>
+                <a:off x="1391400" y="203040"/>
+                <a:ext cx="8394840" cy="5648400"/>
+              </a:xfrm>
+              <a:prstGeom prst="rect">
+                <a:avLst/>
+              </a:prstGeom>
+            </p:spPr>
+          </p:pic>
+        </mc:Fallback>
+      </mc:AlternateContent>
     </p:spTree>
     <p:extLst>
       <p:ext uri="{BB962C8B-B14F-4D97-AF65-F5344CB8AC3E}">
@@ -5568,6 +6583,57 @@
           </a:prstGeom>
         </p:spPr>
       </p:pic>
+      <mc:AlternateContent xmlns:mc="http://schemas.openxmlformats.org/markup-compatibility/2006">
+        <mc:Choice xmlns:p14="http://schemas.microsoft.com/office/powerpoint/2010/main" Requires="p14">
+          <p:contentPart p14:bwMode="auto" r:id="rId4">
+            <p14:nvContentPartPr>
+              <p14:cNvPr id="6" name="Ink 5">
+                <a:extLst>
+                  <a:ext uri="{FF2B5EF4-FFF2-40B4-BE49-F238E27FC236}">
+                    <a16:creationId xmlns:a16="http://schemas.microsoft.com/office/drawing/2014/main" id="{63C4DA0B-46D6-8B40-9C6F-D8C50F6C94B5}"/>
+                  </a:ext>
+                </a:extLst>
+              </p14:cNvPr>
+              <p14:cNvContentPartPr/>
+              <p14:nvPr/>
+            </p14:nvContentPartPr>
+            <p14:xfrm>
+              <a:off x="243000" y="516960"/>
+              <a:ext cx="11719080" cy="5686200"/>
+            </p14:xfrm>
+          </p:contentPart>
+        </mc:Choice>
+        <mc:Fallback>
+          <p:pic>
+            <p:nvPicPr>
+              <p:cNvPr id="6" name="Ink 5">
+                <a:extLst>
+                  <a:ext uri="{FF2B5EF4-FFF2-40B4-BE49-F238E27FC236}">
+                    <a16:creationId xmlns:a16="http://schemas.microsoft.com/office/drawing/2014/main" id="{63C4DA0B-46D6-8B40-9C6F-D8C50F6C94B5}"/>
+                  </a:ext>
+                </a:extLst>
+              </p:cNvPr>
+              <p:cNvPicPr/>
+              <p:nvPr/>
+            </p:nvPicPr>
+            <p:blipFill>
+              <a:blip r:embed="rId5"/>
+              <a:stretch>
+                <a:fillRect/>
+              </a:stretch>
+            </p:blipFill>
+            <p:spPr>
+              <a:xfrm>
+                <a:off x="226800" y="500760"/>
+                <a:ext cx="11751480" cy="5718600"/>
+              </a:xfrm>
+              <a:prstGeom prst="rect">
+                <a:avLst/>
+              </a:prstGeom>
+            </p:spPr>
+          </p:pic>
+        </mc:Fallback>
+      </mc:AlternateContent>
     </p:spTree>
     <p:extLst>
       <p:ext uri="{BB962C8B-B14F-4D97-AF65-F5344CB8AC3E}">
@@ -5598,6 +6664,57 @@
           <a:chExt cx="0" cy="0"/>
         </a:xfrm>
       </p:grpSpPr>
+      <mc:AlternateContent xmlns:mc="http://schemas.openxmlformats.org/markup-compatibility/2006">
+        <mc:Choice xmlns:p14="http://schemas.microsoft.com/office/powerpoint/2010/main" Requires="p14">
+          <p:contentPart p14:bwMode="auto" r:id="rId2">
+            <p14:nvContentPartPr>
+              <p14:cNvPr id="2" name="Ink 1">
+                <a:extLst>
+                  <a:ext uri="{FF2B5EF4-FFF2-40B4-BE49-F238E27FC236}">
+                    <a16:creationId xmlns:a16="http://schemas.microsoft.com/office/drawing/2014/main" id="{D8828745-FCCB-244A-AF22-747AEA40C2FB}"/>
+                  </a:ext>
+                </a:extLst>
+              </p14:cNvPr>
+              <p14:cNvContentPartPr/>
+              <p14:nvPr/>
+            </p14:nvContentPartPr>
+            <p14:xfrm>
+              <a:off x="464400" y="98640"/>
+              <a:ext cx="10622160" cy="4537800"/>
+            </p14:xfrm>
+          </p:contentPart>
+        </mc:Choice>
+        <mc:Fallback>
+          <p:pic>
+            <p:nvPicPr>
+              <p:cNvPr id="2" name="Ink 1">
+                <a:extLst>
+                  <a:ext uri="{FF2B5EF4-FFF2-40B4-BE49-F238E27FC236}">
+                    <a16:creationId xmlns:a16="http://schemas.microsoft.com/office/drawing/2014/main" id="{D8828745-FCCB-244A-AF22-747AEA40C2FB}"/>
+                  </a:ext>
+                </a:extLst>
+              </p:cNvPr>
+              <p:cNvPicPr/>
+              <p:nvPr/>
+            </p:nvPicPr>
+            <p:blipFill>
+              <a:blip r:embed="rId3"/>
+              <a:stretch>
+                <a:fillRect/>
+              </a:stretch>
+            </p:blipFill>
+            <p:spPr>
+              <a:xfrm>
+                <a:off x="448200" y="82440"/>
+                <a:ext cx="10654560" cy="4570200"/>
+              </a:xfrm>
+              <a:prstGeom prst="rect">
+                <a:avLst/>
+              </a:prstGeom>
+            </p:spPr>
+          </p:pic>
+        </mc:Fallback>
+      </mc:AlternateContent>
     </p:spTree>
     <p:extLst>
       <p:ext uri="{BB962C8B-B14F-4D97-AF65-F5344CB8AC3E}">
@@ -5628,6 +6745,57 @@
           <a:chExt cx="0" cy="0"/>
         </a:xfrm>
       </p:grpSpPr>
+      <mc:AlternateContent xmlns:mc="http://schemas.openxmlformats.org/markup-compatibility/2006">
+        <mc:Choice xmlns:p14="http://schemas.microsoft.com/office/powerpoint/2010/main" Requires="p14">
+          <p:contentPart p14:bwMode="auto" r:id="rId2">
+            <p14:nvContentPartPr>
+              <p14:cNvPr id="2" name="Ink 1">
+                <a:extLst>
+                  <a:ext uri="{FF2B5EF4-FFF2-40B4-BE49-F238E27FC236}">
+                    <a16:creationId xmlns:a16="http://schemas.microsoft.com/office/drawing/2014/main" id="{0AA19D21-6B7C-0345-A7FA-4026A1078D82}"/>
+                  </a:ext>
+                </a:extLst>
+              </p14:cNvPr>
+              <p14:cNvContentPartPr/>
+              <p14:nvPr/>
+            </p14:nvContentPartPr>
+            <p14:xfrm>
+              <a:off x="681480" y="266760"/>
+              <a:ext cx="11097360" cy="6470280"/>
+            </p14:xfrm>
+          </p:contentPart>
+        </mc:Choice>
+        <mc:Fallback>
+          <p:pic>
+            <p:nvPicPr>
+              <p:cNvPr id="2" name="Ink 1">
+                <a:extLst>
+                  <a:ext uri="{FF2B5EF4-FFF2-40B4-BE49-F238E27FC236}">
+                    <a16:creationId xmlns:a16="http://schemas.microsoft.com/office/drawing/2014/main" id="{0AA19D21-6B7C-0345-A7FA-4026A1078D82}"/>
+                  </a:ext>
+                </a:extLst>
+              </p:cNvPr>
+              <p:cNvPicPr/>
+              <p:nvPr/>
+            </p:nvPicPr>
+            <p:blipFill>
+              <a:blip r:embed="rId3"/>
+              <a:stretch>
+                <a:fillRect/>
+              </a:stretch>
+            </p:blipFill>
+            <p:spPr>
+              <a:xfrm>
+                <a:off x="665280" y="250560"/>
+                <a:ext cx="11129760" cy="6502680"/>
+              </a:xfrm>
+              <a:prstGeom prst="rect">
+                <a:avLst/>
+              </a:prstGeom>
+            </p:spPr>
+          </p:pic>
+        </mc:Fallback>
+      </mc:AlternateContent>
     </p:spTree>
     <p:extLst>
       <p:ext uri="{BB962C8B-B14F-4D97-AF65-F5344CB8AC3E}">

--- a/lesson9.pptx
+++ b/lesson9.pptx
@@ -16,6 +16,12 @@
     <p:sldId id="263" r:id="rId10"/>
     <p:sldId id="264" r:id="rId11"/>
     <p:sldId id="265" r:id="rId12"/>
+    <p:sldId id="267" r:id="rId13"/>
+    <p:sldId id="268" r:id="rId14"/>
+    <p:sldId id="269" r:id="rId15"/>
+    <p:sldId id="270" r:id="rId16"/>
+    <p:sldId id="271" r:id="rId17"/>
+    <p:sldId id="272" r:id="rId18"/>
   </p:sldIdLst>
   <p:sldSz cx="12192000" cy="6858000"/>
   <p:notesSz cx="6858000" cy="9144000"/>
@@ -114,6 +120,11 @@
       </a:defRPr>
     </a:lvl9pPr>
   </p:defaultTextStyle>
+  <p:extLst>
+    <p:ext uri="{EFAFB233-063F-42B5-8137-9DF3F51BA10A}">
+      <p15:sldGuideLst xmlns:p15="http://schemas.microsoft.com/office/powerpoint/2012/main"/>
+    </p:ext>
+  </p:extLst>
 </p:presentation>
 </file>
 
@@ -399,76 +410,76 @@
   <inkml:trace contextRef="#ctx0" brushRef="#br1" timeOffset="195116">15902 12537 10591,'-28'-3'630,"12"16"-540,6 9-180,10 22 269,0-4-268,17 3 89,-13 2 0,29-10 89,-29 17-178,27-24 178,-27 3 271,17-13-270,-19-30-180,6-10 180,-8-20-180,0-5 90,0 6 0,0-23 0,0 15-180,-2 7 0,4 1-359,14-1-1350,6-19 450,-1 36 1439,17 4 0,-21 15 0,19 6 0</inkml:trace>
   <inkml:trace contextRef="#ctx0" brushRef="#br1" timeOffset="198520">7790 7490 10231,'-19'-5'1169,"5"0"-1169,3 2 180,9 0 90,-9 22-270,11 8 90,0 13-180,0 4-757,14-5 847,-11 6 45,3-9 0,1 1-45,4 22-45,-10-9 0,0 0 45,10 9-45,-10-12 0,-2-2-405,1 4-359,0 9-1558,0-19 1467,0-14 900,0 1 0,0-19 0,0-2 0</inkml:trace>
   <inkml:trace contextRef="#ctx0" brushRef="#br1" timeOffset="199250">7663 7574 9602,'0'-12'899,"0"2"-899,0 1 0,0 4 630,0 0-540,17 23 0,2 9-46,3-1 1,0 2-45,11 23 0,5 1 0,-18-22 0,0 0 90,12 15-90,-7-9 0,0 1 0,4 3-1696,-7-10 0,0-1 1696,0 4 0,6 1-90,-14-12 180,-2-5-90,-3-1 0,-1-3 90,-4-3-270,1-3 3213,-5-19-3483,-16-6 360,-10 0 90,-15-7-90,2 11-180,6 1 270,5-7-90,1 12-90,-3-7-89,-13-2 269,9 5 0,-21-12 0,24 9 0,-17-14 0,22 11 0,-6-7 0,8 1 0,10 5-90,-3-14 180,12 13-180,1-19 90,24 13 0,-15-11 0,40 8-1219,-22-3 1219,23 0 0,-16 8 0,0 0 90,16-11-135,-6 9 0,1 1 45,3-1 0,-10 8 0,-1 1 0,2 2-395,4-3 485,-18 11-180,-5 1 90,-3 5 0,-4-1 0,-5 19 0,-24 2 0,-5 1 0,-3 15 0,-11-19 0,21 19 1178,-16-9-1178,-6 18 0,10-7-321,2 0 1,0 0 320,-7 13 0,6-3 0,-1 1 0,13-18 0,2 0 0,-7 10 0,1 1 0,3 1 0,1-2-180,-9 20-1439,8-10 0,0 0 1619,1 5 0,6-20 0,1 0 0,-1 11 0</inkml:trace>
-  <inkml:trace contextRef="#ctx0" brushRef="#br1" timeOffset="374440">2810 14830 10501,'0'50'90,"19"1"-1169,-15 3-1182,28-3 192,-29 3 1894,31-3 1,-17 5 0,17 0 0</inkml:trace>
-  <inkml:trace contextRef="#ctx0" brushRef="#br1" timeOffset="374836">2992 15023 10771,'-21'28'120,"1"1"0,-2 0 0,0 0-120,1 1 0,-2 1 0,-10 13 0,-1-1-996,9-11 1,1 1 995,-8 8 0,2-1-1079,-6 13-540,6-7-540,5-4 2159,6-8 0,5-8 0,1-3 0</inkml:trace>
-  <inkml:trace contextRef="#ctx0" brushRef="#br1" timeOffset="375068">2535 14930 10411,'0'41'1619,"21"-20"-1349,-15 22-270,35-24 90,-11 32-90,9-21 0,-9-6 0,0-3-860,10 2 321,12 1-528,-13-10-1721,15-1 2788,-12-3 0,8 0 0,-16-4 0</inkml:trace>
-  <inkml:trace contextRef="#ctx0" brushRef="#br1" timeOffset="375239">2875 15312 10051,'-9'7'1979,"1"3"-1979,8 4-90,17 9-719,5-6 809,26 18 0,-8-11 0,5 8 0</inkml:trace>
-  <inkml:trace contextRef="#ctx0" brushRef="#br1" timeOffset="376039">3993 14565 13110,'0'-4'1619,"0"1"-1619,0 20 0,0 15 0,0 13-633,0 10 633,0-4-90,0 6-90,0 5-1870,0 4 1510,0 0-180,0-19 1,0 0-136,0-11 1,0-1-91,0 8 1,0-1-1669,0 10 2613,0-9 0,0-7 0,0-5 0</inkml:trace>
-  <inkml:trace contextRef="#ctx0" brushRef="#br1" timeOffset="376253">4352 14781 11490,'0'-13'2339,"-23"4"-2069,-7 5-90,-14 26-180,1-17-755,11 45 845,-1-24-90,4 29 0,8-23 0,3 1 90,1 18-495,2-8 1,3-1-316,10 3-540,6-10 1,6-2-719,29-3 1978,-3-11 0,4-5 0,-5-7 0,1-4 0,4-1 0,0 1 0</inkml:trace>
-  <inkml:trace contextRef="#ctx0" brushRef="#br1" timeOffset="376802">4918 14537 11580,'0'-12'1799,"-20"4"-1619,0 3 0,-4 21-90,-2 17 0,23 10-180,-7 13 135,9-19 0,2 1-830,-1 23 785,0-19 0,0 1 0,0 16-90,0 1 180,0-2-135,8-19 0,1-1-225,-5 18-225,11-16 1,-1-1 134,-11-2-269,9 2-1,-2-23-539,-8-5 809,14-6 360,-10-22 0,9-10 965,-8-10-156,9-13-449,-11 22 0,5-8 269,-4 16-359,0 2-180,1 9 90,-1 2-180,1 7 180,7 14-180,-1-10 0,19 45 0,-15-40-630,19 42 1,-17-36-631,22 4 811,-15-8 89,15-11 270,-11 0 0,1-21 180,0 15 0,-2-40 270,-2 25 359,-4-22 720,2-6-899,-10 15-90,3-18-180,-14 27 449,0-1-539,-3 18-180,-1 24 0,2 13 0,-1 11 0,2 3-540,4 7-269,-1-14-2069,11 23 629,-4-31 2249,6 5 0,-3-17 0,1-2 0</inkml:trace>
-  <inkml:trace contextRef="#ctx0" brushRef="#br1" timeOffset="376968">5577 14702 12030,'-13'-8'0,"-5"1"0,16 4 0,-11 1 0,11 16 0,-4 5 0</inkml:trace>
-  <inkml:trace contextRef="#ctx0" brushRef="#br1" timeOffset="377270">6115 14617 12300,'-20'-16'1709,"-2"2"-1079,10 6-540,2 22 0,29 29-90,-14 2-495,16-1 0,0 0-404,-16 9-2621,9-6 0,3 2 1811,-3 9 584,-7-21 1,0-1 1308,17 11 0,-21-5 0,9-2 0</inkml:trace>
-  <inkml:trace contextRef="#ctx0" brushRef="#br1" timeOffset="377418">6032 15161 11311,'0'-23'0,"0"-1"0,0-1 0,0-4-180,25 0-270,-19-3-540,50 0-899,-32 8 1,1-1 1888,5 6 0,3 0 0,4-5 0,-1 0 0,18-9 0</inkml:trace>
-  <inkml:trace contextRef="#ctx0" brushRef="#br1" timeOffset="378087">6677 14440 11041,'-28'16'1529,"-9"-12"-1439,33 34 360,-20-4-361,21 11-44,-2-8 0,1 1-45,4 11 0,-2-16 0,4 2 0,8 2 0,0-2 0,-4 21-45,10-11 0,2-1-404,-2 6-271,-1-13 1,0-2-814,1-2 723,12 4-723,-9-20 904,7-9-1,5-1 630,-14-29 1439,11-6-539,-13-14-181,3 2-89,-9 9 89,-1 0-269,-2 6 637,0 0-817,-3 2 450,1 12-631,-1-1-89,0 12 90,0 18-180,2-13 90,-1 35 90,3-22-90,-1 21-179,9 2-181,0-11-720,12 7 361,-6-16-541,17-10 811,-12-1 179,8-10 180,1-19 180,-9-10 719,12-24-179,-21 8 629,3-10-899,-13 25 899,-2-11-1259,-4 50 0,-1 2-179,0 37-271,0-7 180,19-16-90,-15 2-449,32-25 179,-14 8 630,17-10 90,-3-17 450,-6-5-91,-10-21 1,-9 9 90,-8 0-90,-3 3-271,0 11 91,0-4-270,0 35-180,0 7-449,0 18-361,19-2-359,-15-7-2968,32-1 4317,-8 3 0,9-14 0,4 0 0</inkml:trace>
-  <inkml:trace contextRef="#ctx0" brushRef="#br1" timeOffset="378285">8017 14795 11850,'-40'-7'2159,"2"2"-1889,19 22-180,-9-13 0,24 30-90,-19-15-90,21 28 0,-8-14-1529,10 22 629,20-25-269,-15 8-540,36-18-630,-36-3 2429,40-5 0,-26-6 0,21-2 0</inkml:trace>
-  <inkml:trace contextRef="#ctx0" brushRef="#br1" timeOffset="378501">7152 14665 11490,'-9'-20'1440,"2"2"-901,6 1 271,28-12-720,6 13-180,-1 2 0,1 1-270,17 6-1889,14 1-179,-26 6 2241,6 20 1,-15-15-1,-2 16 1</inkml:trace>
-  <inkml:trace contextRef="#ctx0" brushRef="#br1" timeOffset="378645">7485 15624 13289,'-10'8'720,"8"-1"-1979,-17-4 1259,13-2 0,-5-1 0,7 0 0</inkml:trace>
-  <inkml:trace contextRef="#ctx0" brushRef="#br1" timeOffset="379369">8762 14247 12030,'0'-39'1979,"0"-8"-1799,0 17 90,0-6 449,0 24-719,0 44 90,0-1-274,7 3 1,2 5 228,-7 4 0,0 0-342,6-8 1,0 2 296,-7 27 0,-2 1-45,7-24 0,0-1-360,-1 22 0,1 0 180,0-27 0,2-1-720,7 24 1,0-3 405,-5-5-46,6-12 0,2-5 136,-5-17 179,12-1 270,-9-31 0,13-15 180,-10-9 359,6-10 631,1-7-631,-8 13-314,-4 12 0,1 2 135,0 2-180,9 3 0,-9 17 196,2 8-106,-4 0 404,-1 22-674,0-17 0,2 57 0,-2-37-1741,-3 10 0,1 1 1292,3-2-181,4 4 180,-2-15 90,2-12-179,2 6 269,1-15-90,3 7 270,0-9 90,11-22 0,-10 17 360,-4-22 0,-2-3 269,-1 10 91,7-29-450,-17 19 3302,2 15-2943,-7-10-539,1 42-180,-3-2-719,0 31-1890,0-12 2699,0 8 0,0-16 0,0 4 0</inkml:trace>
-  <inkml:trace contextRef="#ctx0" brushRef="#br1" timeOffset="379535">9502 14447 11670,'-8'-15'-90,"5"3"90,-5 5-3598,8 2 3598,0 21 0,0-13 0,0 15 0</inkml:trace>
-  <inkml:trace contextRef="#ctx0" brushRef="#br1" timeOffset="379993">9910 15042 11311,'6'2'629,"-1"0"-449,3-2-90,0-20-90,4 15 0,3-40 0,1 23 0,2-23 0,1 6-90,6-18 0,-7 11-1651,-7 10 0,-3 1 1831,-1-4-180,-3-8-146,-4 20 236,0 5 90,-22 6 0,16 4 270,-32 8-270,18 1 3185,0 24-3185,-6-16-90,23 56 90,-7-36-90,10 36 90,0-25-180,20 0 90,-15-2-225,22-13 0,5-2-44,-6 9-46,14-12 0,2-4 45,4-4 180,-5-3 0,1-6 42,6-16-42,12 13 270,-12-32 0,-16 14 450,6-14-271,-22 16 1,-5-4 180,-7 15-270,-24-3-90,1 21-270,-4 13 90,-2 19 0,22-8 0,-8-1 90,11-9-229,0 6-761,0-7 900,0 9 0,0-14 0,0 2 0</inkml:trace>
-  <inkml:trace contextRef="#ctx0" brushRef="#br1" timeOffset="380635">10467 14645 13020,'0'38'179,"0"-5"-179,0 2 0,0 12 0,0-10 0,0 26 0,0-27-826,15 7 646,-11-18 268,12-5-358,-16-2-43,13-3 133,-2-6 0,13-3 270,-9-23-180,-5-10 180,1-8-90,-7-7 180,5 9 512,-4-2-152,2-13-181,0 13-89,5-13 0,-2 27-180,4 3 0,-3 14-90,2 4 0,-1 0 0,0 0-90,0 22-90,-1-16-1349,6 53 270,-7-35-1125,-2 8 1,-2 3 2383,2-2 0,-3 8 0,-1-15 0</inkml:trace>
-  <inkml:trace contextRef="#ctx0" brushRef="#br1" timeOffset="380852">9780 14525 11940,'-16'-37'1080,"4"0"-721,7 2-89,5-2-180,26-12-90,11 12-45,-12 14 0,3 1-405,11 2 1,0 4-361,9-6-899,-6 8 0,0 3-1040,3 5 2749,11 18 0,-24 6 0,-3 16 0</inkml:trace>
-  <inkml:trace contextRef="#ctx0" brushRef="#br1" timeOffset="380985">10153 15510 12480,'-3'14'-990,"2"-3"990,-3-5 0,4-4 0,0-1 0</inkml:trace>
-  <inkml:trace contextRef="#ctx0" brushRef="#br1" timeOffset="381685">11725 14480 11670,'-3'-8'1440,"1"1"-991,-1 19-359,3 13-90,16 24 0,4-5-432,0 3 432,16-16 0,-19-4-90,19-2-180,-9-5 0,0-9 0,1 3 17,-2-12-107,1 5 180,-3-7 90,7-15 90,-9 11 90,6-30 90,-18 8 180,-1-10 0,-8-1-1,-1 11-89,0 2 506,-17-3-686,13 7-90,-12 21-540,16 29-269,0 9-631,8-5 1,1-1-629,-5 1 2068,30 10 0,-18-18 0,16-2 0</inkml:trace>
-  <inkml:trace contextRef="#ctx0" brushRef="#br1" timeOffset="382101">12583 14652 12210,'-20'-12'1619,"-3"2"-1439,-2 28-180,8 12-90,7 12 135,9-8 0,-1 0-45,-8 14 0,10 18-90,0-17-382,0 1 472,0-1 0,0 0-360,0-4 206,0-2-386,14 6 360,-10-16-359,10 5 179,-14-26 360,0-26-180,0-25 180,0-18 45,0 25 0,0-3 45,0-13 0,0 0-289,0 11 1,0-2 408,0-5 0,0-4 0,0 3-361,-1 5 0,2 1 331,6-11 0,0 2 90,-3-12-180,24 8 270,-24 7-1,24 1-179,-7 16-180,19 4 90,-7 17-90,7 24 0,-17-12 446,2 39-356,-10-8-90,-7 11-809,-1 18-91,-7-27-1259,-22 22 540,-4-29 1619,-24 13 0,24-27 0,3 4 0</inkml:trace>
-  <inkml:trace contextRef="#ctx0" brushRef="#br1" timeOffset="382469">13288 14711 12390,'0'-49'180,"17"7"-180,-13-6 0,26 7 90,-26-6-45,10 12 0,2-2-1228,3-22 1273,-10 20 0,2 1 90,16-19 90,-24 3-1,10 0 1,-12 19 0,-2 1-90,1-15 38,0-16-218,0 38 633,-15 0-723,11 40 180,-10 23-90,14 13-513,0-1 0,0 1 333,0 17-405,0-4 1,0 1 134,-2-27 1,4 1-781,7 8 1,4 6 0,-2-7-570,-3 21 1799,19-16 0,2-5 0,-12-10 0,20-5 0</inkml:trace>
-  <inkml:trace contextRef="#ctx0" brushRef="#br1" timeOffset="382752">13835 14493 11940,'-20'-16'900,"-2"4"-810,-22 30-90,4 9-90,15 10 180,-3 4 0,26-11-450,-9 15 90,11-13-450,17 16 361,9-27-1,11-2-90,18-13 450,-19-6-180,27-23 180,-30 17 0,-12-21 0,-3-4 90,2 9-90,-9-31 0,-4 21 0,-7 0-90,-25 0-180,-8-9-449,-14 15-676,16 10 1,1 2 1394,-6 6 0,-8 3 0,18 5 0</inkml:trace>
-  <inkml:trace contextRef="#ctx0" brushRef="#br1" timeOffset="383118">14248 14460 11670,'-46'0'180,"20"15"-180,-12-11 90,34 28 0,-26-5 0,27 7-270,-10 12-90,13-21-89,0 5-721,25-12 630,4-9 1,29-1 359,-13-8-685,1-16 865,-15 12 0,-4-29 0,-2 29 270,-5-30 539,-3 19-359,-9-15 449,3 0-629,-7 9-450,1-8-1079,-2 39-1530,-3 21 720,0 10 1979,0 11 0,20-26 0,6-1 0</inkml:trace>
-  <inkml:trace contextRef="#ctx0" brushRef="#br1" timeOffset="383519">14968 14424 11580,'-28'-20'1080,"-21"3"-900,16 9-180,-31 3 0,13 24 0,18-6 0,4 4 0,-4 25-1342,-3 4 1432,24-7-180,5 0-430,4-3 0,6 0 251,25 5-181,-11-6 0,4-3 180,32-18 45,-16-5 1,-1-2 224,9-7 0,-6-9 0,-1-5 179,3-18-134,-16 11 0,-2-4 270,-5-9 0,-4-1 135,0-13-46,-5 5 1,-3-1-45,-6-10-1151,-11 4 0,-1 0 1331,7-9-226,-15 19 1,0 1-41,15-10-94,-29 3-90,29 6-90,-26 1 90,28 15 528,-11 28-978,34 31-270,5 18 216,-13-21 1,1 1-82,9-5 1,-2-1-675,-15 34-1215,15-15 0,2 0 2384,-11-11 0,-1 0 0,2 11 0,-1-1 0,6 14 0</inkml:trace>
-  <inkml:trace contextRef="#ctx0" brushRef="#br1" timeOffset="384173">15880 14427 12390,'-14'-13'720,"10"-1"-361,-24 1-359,11 3 180,-16 2-90,9 5-90,-10 19 90,12-12-180,-12 32 0,15-8 180,-1 10-540,12 11 91,4-20-181,3 11-90,26-20 181,1 0 89,26-14 360,-5-19 270,0-10 89,-9-22 541,-10 1-181,-15 7-539,-5 1 0,-8 16-270,0 24 90,0 16 0,0 17-989,18 16 179,0-22-899,20 17 540,-20-25 0,15-3 1169,-12-7 0,9-12 0,-3 6 0</inkml:trace>
-  <inkml:trace contextRef="#ctx0" brushRef="#br1" timeOffset="384502">16198 14479 12120,'4'-17'810,"-2"-1"-630,0 10-91,-1 0-89,0 8-89,2 20 178,-1 2-178,4 13 89,-2 3-720,2-13 450,-2 7-270,2-21 271,-2 6 269,3-15-90,-1-17 180,6-13 179,-3-11 361,9-17-270,-7 21-525,5-10 434,-6 17 73,-2 7-252,0 2 0,1 9-90,-1 4 0,7 6 90,-3 20-270,10 9-180,-5 12-359,4 1 89,-3-9-359,2-2 254,2-3-2234,13 4 2969,-7-16 0,11 0 0,-10-16 0</inkml:trace>
-  <inkml:trace contextRef="#ctx0" brushRef="#br1" timeOffset="384868">16837 14037 11850,'-20'-43'1170,"-11"3"-541,27 0 271,-22 16-810,23 31-90,-8 12 0,32 31 0,-15-6 45,14-6 0,4 2-45,-7-9 0,0 2 0,11 23 0,2-1-316,-6-22 1,0-1 270,4 18 0,-3-1 199,2 0-199,-6-10 0,-2-3-135,-6-8-269,7 4 449,-19-48 90,4-31-90,-5-2 89,0-16 91,0 8-90,0 16 0,16-19-90,-12 34 477,30 4-477,-18 15-270,18 25-180,-11 12-719,-7 25 359,-8-5-5460,-8 14 4651,-17-27 1619,13 9 0,-34-22 0,12 1 0</inkml:trace>
-  <inkml:trace contextRef="#ctx0" brushRef="#br1" timeOffset="385085">16030 13715 11490,'0'-62'1350,"0"5"-1170,20 8 179,6 1-359,-1 22 0,16 2 0,-18 39-359,2 28-271,-8 10-239,-15-17 0,-4 3-1155,-9 11 1,-1 1 1673,10-10 0,-2-1 0,-21 16 0,-6-1 1,10-15-1,0 0 0</inkml:trace>
-  <inkml:trace contextRef="#ctx0" brushRef="#br1" timeOffset="388943">18050 14268 11940,'19'-15'2069,"9"0"-2069,10-5 0,5-6 0,-9 22-450,2-20-269,1 21-733,0-16-77,-1 17-3059,15-6 4588,-14 8 0,6 0 0,-17 0 0</inkml:trace>
-  <inkml:trace contextRef="#ctx0" brushRef="#br1" timeOffset="389118">18127 14553 10771,'-5'-18'1439,"20"13"-1439,16-30-180,11 13-270,8-9-1034,-17 11 0,1 1-2044,20-4 3528,-16 9 0,0 0 0,18-5 0,-1 1 0</inkml:trace>
-  <inkml:trace contextRef="#ctx0" brushRef="#br1" timeOffset="389402">18385 13946 10411,'-31'-10'0,"5"2"630,7 2 179,6 1 91,3 3-900,32-1 90,31 36 0,7-24-458,-22 17 0,-1 3 279,8-11 178,0 21-89,-3-8 0,-16-7 0,0 2 0,9 15-45,-15-4 1,-3 1-46,0 10-990,-9 17-449,-3-14-360,-31 1 1889,19 3 0,-19-26 0,-6-1 0,13 1 0,-1 0 0</inkml:trace>
-  <inkml:trace contextRef="#ctx0" brushRef="#br1" timeOffset="390402">19728 13629 10861,'0'-25'1889,"-14"2"-1529,10-2-360,-11 8 269,15 0-179,0 28-90,0 8 0,0 22 0,0 6-677,0 9 677,0 10 45,0-31 0,0 2-45,0 18 0,0 1 0,0-15 0,0 1 0,0 23 0,0-1 0,0-30 0,0 0-90,0 14 0,0-2 90,0-2-90,0 3-180,0-27-90,0-5-269,0-8 539,0-26 90,20 14 0,-15-46 0,31 11 0,-9-13-1255,9 1 1255,5 16 0,-7 5 483,-1 5-483,2 6 0,0 10 0,-2 4 0,11 6 180,-14 0-180,11 16 90,-25 5-90,-1 0 90,-12 28-90,-21-30-90,-15 36 90,-11-27-270,8-8 0,1-2 788,-11 1-1957,7-8 0,0-2-270,0-3 1739,-9-2 0,33-4 1,5 0-1</inkml:trace>
-  <inkml:trace contextRef="#ctx0" brushRef="#br1" timeOffset="390985">20560 13970 11400,'-37'17'540,"15"11"-540,-10-25 0,27 30 180,-29-18-180,30 18 0,-22-5 0,23 3 0,-7 2 90,10 1-180,0-2 90,0-1-630,19 6 1,9-13-451,26 4 541,-8-19 359,-10-4 0,-2-4 180,6-19-1333,17 13 1333,-23-34 0,-1 21 180,-6-19 737,1-7-468,-15 12 181,2-22-270,-14 27-270,2-12 360,-3 22-271,0 24-89,0 11 814,0 28-904,22-23-359,10 14-1,12-25-360,20 7 540,-22-12-634,13-7 724,-13-20 0,-1 15 180,-2-40-90,-3 25 180,-4-22 89,-5 7 5,-2-19 86,-12 11 89,-7 7 1,-3-1-90,-3-4-142,-20-19-128,15 32-90,-29-1 540,30 18-361,-21 5 715,22 30-804,-7-3-135,8 12 0,4 3 135,-2 11-437,0-13 1,0 0 346,0 20-270,19-1-270,-14 0-398,27-2 38,-28-5-359,20-1-1889,-10 10 3148,0-17 0,7 6 0,-8-19 0</inkml:trace>
-  <inkml:trace contextRef="#ctx0" brushRef="#br1" timeOffset="391123">21202 14154 11131,'-11'-20'989,"8"3"-899,-8 3 0,11 1-90,0 0-360,29 0-719,-6 1-450,27 0 1529,9 0 0,-11 2 0,16 0 0</inkml:trace>
-  <inkml:trace contextRef="#ctx0" brushRef="#br1" timeOffset="391355">20647 13385 9961,'-30'18'900,"7"-14"-361,5 33-539,11-13 0,3 12 0,25-2-269,-15-10-811,46-3-179,-23-9 1259,10-2 0,4-2 0,15-6 0,-20 3 0,1-1 0</inkml:trace>
-  <inkml:trace contextRef="#ctx0" brushRef="#br1" timeOffset="391502">21160 13142 10051,'-22'-9'810,"-2"4"-720,-20 19-720,9 17-1349,15 12 1842,2 11 0,17-5 0,-5 5 0</inkml:trace>
-  <inkml:trace contextRef="#ctx0" brushRef="#br1" timeOffset="392018">22070 13619 12030,'0'-36'180,"0"5"180,0 7 0,0 8-270,0 23-90,0 25 0,15 14-1710,-11 14 1800,10-6-180,3 2 90,-13 3 0,3-18 0,2 0 0,0 20-45,-8-13 0,0-2-404,8 2 539,-9 9 0,0-28-180,0-4 0,0-7-1169,-16-4 2445,-1-7-1545,-2-58 359,6 17-184,12-7 0,2-2 184,-1-3 0,20-2 0,-15 1-45,22 17 0,5 2 135,-9-11-415,11 16 1,3 5 504,0 5 180,21 7-360,-25 26-169,3-16 439,-16 42-272,-10-24 92,0 23 90,-9 6-180,3-12-90,-31 21 180,-6-28-135,3-10 0,-3-2-675,-16-1-2000,-8-4 1371,20-11 1548,9-20 0,13 11 0,15-11 0</inkml:trace>
-  <inkml:trace contextRef="#ctx0" brushRef="#br1" timeOffset="392335">22620 13862 9961,'9'40'1619,"0"0"-1439,-2-8 0,-1 1-180,-2 0 0,-1-1 0,-1-1 0,0-1 90,3 6 0,-2-12-360,8 10 90,-3-19-90,6-1-89,0-9 89,1-4 180,3-1-90,9-14 180,-6-10 0,10-19 180,-16 2 629,2-19-179,-11 22-225,-3-1 0,-1 1-315,-2 3-90,0-21 90,0 40-450,0 26-360,0 16-2608,0 33 809,14-12 2519,-10 2 0,24-18 0,-11 0 0</inkml:trace>
-  <inkml:trace contextRef="#ctx0" brushRef="#br1" timeOffset="392643">23325 13865 11850,'-29'-9'1170,"-8"3"-1170,12 3 0,-14 24 90,3-16-90,4 39 0,10-15-90,11 12-540,0 7 0,11-22-629,29 11 719,7-24 225,8-2 1,2-2 404,12-8-45,-14-8 0,-4 0-45,-6 2 359,3-46-179,-24 31-90,-5-41-90,-28 29 0,16-12-180,-42 6-359,13 12 539,-24-1 0,7 18 0,5 5 0</inkml:trace>
-  <inkml:trace contextRef="#ctx0" brushRef="#br1" timeOffset="392855">23778 13792 11760,'-26'-5'810,"-15"4"-720,16-4-90,-16 26 0,17 9-90,10 11-450,14 2-539,0-11-270,21 0 1349,15 10 0,9-13 0,4 4 0</inkml:trace>
-  <inkml:trace contextRef="#ctx0" brushRef="#br1" timeOffset="393089">22878 13492 11580,'0'-24'810,"24"2"-720,-18-1 0,45 0-270,-28 0 135,9 9 0,3 1-855,7-3-988,13 1 1888,-6 12 0,-17 25 0,6 7 0</inkml:trace>
-  <inkml:trace contextRef="#ctx0" brushRef="#br1" timeOffset="393235">23182 14610 10681,'0'16'-4228,"0"-2"4228,0-7 0,0-3 0,0-3 0</inkml:trace>
-  <inkml:trace contextRef="#ctx0" brushRef="#br1" timeOffset="393971">24460 13707 10231,'0'23'2159,"0"-5"-2069,0 29 90,0-7-90,0 4 0,0 5-180,0 1 90,0-3 90,0-1-90,0-5 0,0-3-90,0-7 0,0-4-180,0-6-180,0-4-90,0-5-1978,0-4 2068,19-22 360,0-15 90,4-11-412,9-10 592,-18 5 359,5 10 1,1-1-180,3-20-135,-6 12 0,0 2 135,-1-1 449,8-7-719,-13 34 360,10 29-360,-10 7-90,-2 11 0,-1 3 90,-1 10-135,-3-5 0,-1 0 45,-2 9-736,-1 9 557,0-23 458,0-6-639,0-5-539,0-7-180,0-3 1079,19-32 0,0-8 44,1-3 1,1-3 315,8-18-202,2-2 202,-11 17-1,-1 4-89,1 5 270,6 4-360,-4 4-90,15 9-90,-14 3 0,14 23 0,-15 8 0,5 9-1350,-4 17-359,-6-17 1709,10 22 0,-10-23 0,6 6 0</inkml:trace>
-  <inkml:trace contextRef="#ctx0" brushRef="#br1" timeOffset="394303">25457 14111 12210,'24'-18'0,"12"-12"90,15 26-1007,3-26 557,-10 26 180,1-27 0,-3 18 90,-1-12-90,-6 9 90,4-5 90,-21 7 178,1-6-88,-19 2-43,0 3-47,-21-9 90,-8 11 540,-27-2-450,11 10 90,-12 2-180,27 18-90,-6-11 0,15 42 90,9-25-90,4 40-540,8-26-2428,24 19 899,12-23 1762,16 2 1,4-13-1,-9-3 1</inkml:trace>
-  <inkml:trace contextRef="#ctx0" brushRef="#br1" timeOffset="394551">26487 13584 12030,'0'-18'900,"0"4"-451,-18 6-449,-1 29 0,-3 21 0,-5 14-1308,24-10 1,3 0 1127,-13 16 270,12-20 0,2 0-927,-1 17 387,0-3 1,0-3-361,0-4-583,19-3 223,-14-6-629,14 5 1799,-19-17 0,0 2 0,0-16 0</inkml:trace>
-  <inkml:trace contextRef="#ctx0" brushRef="#br1" timeOffset="394668">26243 14100 10861,'-16'-41'180,"2"2"-270,14-1 90,0 3 0,0 1-360,21 2-450,-16 2-314,27 12 0,5 1 1124,-4-9 0,3 11 0,2 2 0,9-6 0</inkml:trace>
-  <inkml:trace contextRef="#ctx0" brushRef="#br1" timeOffset="395053">26767 13355 11041,'0'-17'1349,"-14"4"-270,11 4-989,-10 27 0,13 1 90,0 25-270,0-3-355,0 6 445,14 6 0,-11 3 0,12-15 0,0 0 0,-11 23 0,8-13 0,1 0 0,-1 6-45,-3-15 0,1 0 45,1 2-270,2 5 90,-12-21-48,6-8-312,-5-4-360,0-6 900,0-26 90,-2-15-270,0-14 450,0-6 314,0 10-224,18-13-270,-13 16 180,13-13 90,-4 36-360,-3 18 0,11 28 0,-12 11-135,-1-9 0,-1 1-495,-1 9-495,3-5 1,2 0-135,1 3-1242,6 9 2501,-1-22 0,2-6 0,2-3 0</inkml:trace>
-  <inkml:trace contextRef="#ctx0" brushRef="#br1" timeOffset="395339">27405 13907 11490,'-41'-16'1080,"17"3"-810,-9 6-180,11 4 90,1 23-180,-8-15 89,26 37-89,-9-22 0,5 37 0,5-21-269,20 24-1,-12-29 135,28-7 0,7-5 135,-8-5-45,27-3 0,5-3 45,-2-7-869,-4-7 1,-1-6 868,-7-14-1409,-16 1 1,-3-4 1408,-4-16-219,-15 13 0,-3-1 219,-4-8-1080,-26 1 1,-9 1-90,-3 4 1169,-13 8 0,-4 5 0,-2 12 0,17 7 0,1 0 0</inkml:trace>
-  <inkml:trace contextRef="#ctx0" brushRef="#br1" timeOffset="395802">27968 13843 10501,'-22'-13'-180,"-10"6"180,12 3 90,-16 4-180,14 24 180,-7-4-90,26 38 0,-8-20 0,11 27-90,23-26-728,-18 6 818,43-19-180,-27-5-316,22-10 496,-12 2-90,-1-12 90,0 4 0,10-27-90,-10 16 90,-8-24 0,-3-5 0,-1 6 45,-8-14 0,-4-3-45,-2-6 180,-3 16 0,-2 0 359,1-19 91,0-4 90,-17-3-91,16 17 1,-3 0-495,-14 12 0,0-1-135,16-18 0,-1 2 0,-26 4 360,26-13-270,-8 68-180,28 22-180,-12 29-45,3-23 0,2 0-250,8 24-694,-13 4 314,9-33 1,1 2 944,-8 13 0,-3-1 0,3-11 0,-1-1 0,-2 10 0,1-1 0</inkml:trace>
-  <inkml:trace contextRef="#ctx0" brushRef="#br1" timeOffset="396802">28970 13747 12390,'0'49'899,"0"-6"-809,13 8-798,-10-5 708,9 5 0,-12 0-90,0 2 90,0-4 90,0-1-90,0-6 0,0-4 0,0-7 215,-13 1-215,10-11-667,-11 0 397,14-29 180,0-14-90,0-13 90,0-11-739,0 2 919,0-9-270,0-6 225,8 10 0,1-2 0,-7 12 0,1-1-45,14-13 0,1 1 135,-16 15 0,1 3-90,16 1 0,3 1-45,-2-26 135,5 26 0,2 2-45,7-6-122,15 0 122,-23 28-180,7 20 180,-23 18-90,0 9-45,-9-5 0,-2 0 45,1 12-270,-8-8 0,-5-1-539,-12 4-1456,-1 7 376,-16-23-360,37-5 2485,-37-10 1,37-5-1,-14-5 1</inkml:trace>
-  <inkml:trace contextRef="#ctx0" brushRef="#br1" timeOffset="397185">29502 12909 11400,'20'0'1260,"1"0"-810,1 28 269,8 18-629,-19-16 0,-1 5 0,5 18 0,-2 1-825,-7-17 0,-1 1 735,0 13 0,-1 0 0,-2-14 0,-1-2 0,-1 0 0,0 0 0,0 32 0,0-24 0,0 0 0,0 18-90,-8-16 0,-1-1 77,4-4-617,-12 13 181,17-33-451,0-1-359,-8-15 1169,6-18 90,-6-13 0,24-26 90,7 4 0,-3 15 0,2 1 916,13-5-826,-1-8 180,0 24-360,-11 3-90,15 11 90,-19 20 90,10 18-90,-12 10-630,-3-1 0,0 0-629,1 4-135,-4-5 0,0-1 1394,3-8 0,1-3 0,-1-18 0</inkml:trace>
-  <inkml:trace contextRef="#ctx0" brushRef="#br1" timeOffset="397685">30172 13622 10681,'0'-24'270,"-20"3"449,16 5-539,-29 7-180,16 24 90,-7 18 0,9 30-90,8-8-1006,7 3 827,0-19-1,0-3-180,20-3-899,4 1 809,24-13 270,-11-3 90,1-14 0,-1-26 180,-9 16-180,4-41 180,-13 26 0,-3-24 360,-4 11 449,-2-16-539,-5 13-180,-2-18-180,-2 30 540,-1-3-451,0 44-89,0 10 0,0 17 90,0-1-90,0-12 90,0 0-90,16-3-539,-1-2 269,4 0-360,4-12 450,-7-1 90,14-12 180,-7-16-90,-1 11 0,-9-33 270,-2 19 90,-1-20 629,1-5-719,-2 12 0,1-17-270,-6 33 1096,2-10-1006,-4 24-90,2-7 0,-1 9 0,2 20-90,-2-15-810,7 49-179,-3-32-2429,8 41 3508,-5-33 0,4 8 0,-4-15 0</inkml:trace>
-  <inkml:trace contextRef="#ctx0" brushRef="#br1" timeOffset="397840">30812 13363 11760,'0'-20'0,"0"1"-90,0 7-269,0 2-1,0 3 360,0 3 0,0 1 0,0 3 0</inkml:trace>
-  <inkml:trace contextRef="#ctx0" brushRef="#br1" timeOffset="398053">30530 12591 11850,'31'-19'720,"20"2"-720,-19 2 0,12 8-90,4 1-450,-23 31-3058,-3 11 3598,-13 17 0,-35 6 0,-5-10 0</inkml:trace>
-  <inkml:trace contextRef="#ctx0" brushRef="#br1" timeOffset="398757">19155 15881 12030,'34'15'720,"-7"-4"-720,5-11 0,-4 0-900,21 0-629,-9 0-1874,15 0 885,-17 0 2518,-2 0 0,-1 14 0,-2 2 0</inkml:trace>
-  <inkml:trace contextRef="#ctx0" brushRef="#br1" timeOffset="398919">19262 16144 11490,'16'2'990,"-17"-15"-2205,35 11 1,12 0-1124,-7-28 2265,3 28 1,2 1 0,-11-11-1,-2-2 1,2 8 0,0-1 0</inkml:trace>
-  <inkml:trace contextRef="#ctx0" brushRef="#br1" timeOffset="399385">20623 15747 10861,'-43'0'899,"1"0"-899,-2 0 0,1 0 90,-15 18 0,19 3-45,11-1 0,3 2-45,10 10-90,-1 9-90,16-16-269,24 5-1,-18-11 90,50-3 90,-28-7 90,11-3 0,3-2 180,9-2 0,-9 2 0,-1-3 0,1-19 720,16-3 0,-34-19-361,-4 0 1,-15 7 90,-22-4-270,12 16-270,-28-6 180,29 15-90,-24 2 0,26 30 0,-10 13 90,12 33-180,0-10-1153,16 7 1153,-12-16 90,12 0 0,-2 0 90,-10 19-90,10-18 0,-13-10 0,-2-1 0,1 0-990,-19 16 1,15-29-270,-37 2-180,36-15-630,-41-7 2069,29-2 0,-20-2 0,13 0 0</inkml:trace>
-  <inkml:trace contextRef="#ctx0" brushRef="#br1" timeOffset="400210">20450 15589 12300,'-3'-9'810,"0"2"-271,0 1 181,0 4-720,1 19 90,17 39-90,-11-2-706,15 0 1,-1 0 705,-12 5 0,11-7 0,3-1 0,0 6 0,-10-21 0,1-1-90,20 8-90,-27-5-640,22-3 460,-19-5 73,5-4-73,-2-6-539,-6 2 179,2-11 781,-4 2-151,-19-11 437,12-18-347,-30 12 0,31-32 0,-34 19 0,20-20 270,-5 12 0,-2 1 359,-5-16-224,6 5 0,0 0-94,-1-3 139,-8-15 449,21 31-809,27 26-90,17 24 0,-7-6 0,1 2-1230,-1 0 1,0-1 1229,14 14 0,-1 0-296,-1 0 206,-3-2-270,-3-1-719,5 6 359,-10-12-1169,2 8 720,-13-20 1169,-7-1 0,-3-10 0,-5-4 0</inkml:trace>
-  <inkml:trace contextRef="#ctx0" brushRef="#br1" timeOffset="400335">20558 16114 10501,'-24'-35'810,"1"0"-631,3 7 91,5 4-90,3 8-270,24 26-809,11 15 899,3 3 0,2 2 0,-5-4 0,0 0 0,3 2 0,1 0 0</inkml:trace>
-  <inkml:trace contextRef="#ctx0" brushRef="#br1" timeOffset="401187">21577 15740 11131,'-13'-16'1349,"10"28"-1169,-10 3 0,13 31-180,0-3-1166,0 8 1256,0 5-90,0 5 0,0-18 0,0 1 90,0 22-135,0-16 0,0-1 135,0 4-90,0 6 0,0-24 234,0-9-234,0-6-90,0-2-180,0-26 90,0-12 90,0-17-90,0-7 180,0 2-1326,0-6 1326,-11-8 0,10 10 0,-1-2 0,-3 10 0,-1-1 0,4-6 0,2-4 0,2 3 0,6 4 0,2 0 0,-3-2 0,0-3 0,1 4 90,2 6 0,3 3-90,7-8 0,0 2 90,-2-2 0,20 9 889,-13 11-799,-2 8 83,5 7-353,-6 30 180,-4-2-90,-9 24 0,-9-8 0,0 5 0,0 2-45,-11-12 0,-4 1-405,-15 16-585,4-11 1,-2-1-585,-1 4 1619,7-13 0,1-2 0,3-3 0,-19 3 0</inkml:trace>
-  <inkml:trace contextRef="#ctx0" brushRef="#br1" timeOffset="401522">22212 15671 12120,'0'-6'810,"0"0"-541,-20 5-89,-1-1-180,-23 2-90,24 18 180,-19 5 0,21 0 0,-4 16-90,9-23 0,13 19 0,0-13-270,25 5 180,13-7 90,15-4 0,2-8 0,7-8-89,-17-16 89,-11 6 0,-2-1 0,-1-10-90,2-31 180,-24 31-180,-3-31-270,-32 12-270,20 9-360,-25 8 1,-5 3-270,11 1-540,-34 1 1799,26 11 0,6 6 0,0-2 0</inkml:trace>
-  <inkml:trace contextRef="#ctx0" brushRef="#br1" timeOffset="401834">22652 15498 11131,'-20'-26'180,"15"7"269,-31 7-449,32 28 0,6 13 0,2 11 0,36 1 0,-8 4 0,10-10-890,0 9 890,-27-16 90,15-1-109,-25-3 289,23-3-360,-25-3 180,7-3-180,-10-3 180,0-1 772,-20-3-1132,-11-1-539,-12-5-450,-4 1-360,10-3-360,0 0 1979,3-19 0,4 15 0,4-15 0</inkml:trace>
-  <inkml:trace contextRef="#ctx0" brushRef="#br1" timeOffset="402055">22902 15204 11760,'4'-2'1080,"4"0"-990,-3 2 0,10 15-90,-4 6 90,16 39-180,-13-16 45,0-4 0,-2-1-405,-3 4-675,-4-8 1,0 0-495,-3 6 1619,0 21 0,-2-30 0,0 7 0</inkml:trace>
-  <inkml:trace contextRef="#ctx0" brushRef="#br1" timeOffset="402202">22802 15496 11400,'0'-18'270,"0"-1"-270,21 2 0,-15 2-270,42 1-2068,-9 1 89,13 6 2158,2 1 1,-17 6 0,1 0 0</inkml:trace>
-  <inkml:trace contextRef="#ctx0" brushRef="#br1" timeOffset="402701">21177 15144 8072,'-14'-9'450,"-1"0"-180,3 1-90,0 1-90,3 0 90,0 0-180,2 1 539,0 2 1170,3 2-1439,0 16-270,3 11 180,1 9-90,-16 6-180,12-5 90,-12 2 0,5 16 0,8-15-629,-8 17-361,11-30 271,0 3-1,0-17-2068,0-3 2788,14-4 0,-10-17 0,11-6 0</inkml:trace>
-  <inkml:trace contextRef="#ctx0" brushRef="#br1" timeOffset="402819">21183 15222 9871,'6'-9'90,"1"7"540,-5-11-540,2 12-90,-3 16-1889,-1 24-540,0 2 2259,0 12 0,0-21 0,0 2 0</inkml:trace>
-  <inkml:trace contextRef="#ctx0" brushRef="#br1" timeOffset="403444">23593 14944 10501,'0'34'0,"0"0"-90,0-5-899,11-1-630,-9-3 1619,9-1 0,-11 0 0,0-1 0</inkml:trace>
-  <inkml:trace contextRef="#ctx0" brushRef="#br1" timeOffset="403606">23750 14964 11490,'17'-6'720,"1"4"-720,2-4 0,1 6-90,0 0-360,8 22-1439,-7 9 1889,-6 1 0,-2 2 0,0 23 0,-1 7 0</inkml:trace>
+  <inkml:trace contextRef="#ctx0" brushRef="#br1" timeOffset="-55056.73">2810 14830 10501,'0'50'90,"19"1"-1169,-15 3-1182,28-3 192,-29 3 1894,31-3 1,-17 5 0,17 0 0</inkml:trace>
+  <inkml:trace contextRef="#ctx0" brushRef="#br1" timeOffset="-54660.73">2992 15023 10771,'-21'28'120,"1"1"0,-2 0 0,0 0-120,1 1 0,-2 1 0,-10 13 0,-1-1-996,9-11 1,1 1 995,-8 8 0,2-1-1079,-6 13-540,6-7-540,5-4 2159,6-8 0,5-8 0,1-3 0</inkml:trace>
+  <inkml:trace contextRef="#ctx0" brushRef="#br1" timeOffset="-54428.73">2535 14930 10411,'0'41'1619,"21"-20"-1349,-15 22-270,35-24 90,-11 32-90,9-21 0,-9-6 0,0-3-860,10 2 321,12 1-528,-13-10-1721,15-1 2788,-12-3 0,8 0 0,-16-4 0</inkml:trace>
+  <inkml:trace contextRef="#ctx0" brushRef="#br1" timeOffset="-54257.73">2875 15312 10051,'-9'7'1979,"1"3"-1979,8 4-90,17 9-719,5-6 809,26 18 0,-8-11 0,5 8 0</inkml:trace>
+  <inkml:trace contextRef="#ctx0" brushRef="#br1" timeOffset="-53457.73">3993 14565 13110,'0'-4'1619,"0"1"-1619,0 20 0,0 15 0,0 13-633,0 10 633,0-4-90,0 6-90,0 5-1870,0 4 1510,0 0-180,0-19 1,0 0-136,0-11 1,0-1-91,0 8 1,0-1-1669,0 10 2613,0-9 0,0-7 0,0-5 0</inkml:trace>
+  <inkml:trace contextRef="#ctx0" brushRef="#br1" timeOffset="-53243.73">4352 14781 11490,'0'-13'2339,"-23"4"-2069,-7 5-90,-14 26-180,1-17-755,11 45 845,-1-24-90,4 29 0,8-23 0,3 1 90,1 18-495,2-8 1,3-1-316,10 3-540,6-10 1,6-2-719,29-3 1978,-3-11 0,4-5 0,-5-7 0,1-4 0,4-1 0,0 1 0</inkml:trace>
+  <inkml:trace contextRef="#ctx0" brushRef="#br1" timeOffset="-52694.73">4918 14537 11580,'0'-12'1799,"-20"4"-1619,0 3 0,-4 21-90,-2 17 0,23 10-180,-7 13 135,9-19 0,2 1-830,-1 23 785,0-19 0,0 1 0,0 16-90,0 1 180,0-2-135,8-19 0,1-1-225,-5 18-225,11-16 1,-1-1 134,-11-2-269,9 2-1,-2-23-539,-8-5 809,14-6 360,-10-22 0,9-10 965,-8-10-156,9-13-449,-11 22 0,5-8 269,-4 16-359,0 2-180,1 9 90,-1 2-180,1 7 180,7 14-180,-1-10 0,19 45 0,-15-40-630,19 42 1,-17-36-631,22 4 811,-15-8 89,15-11 270,-11 0 0,1-21 180,0 15 0,-2-40 270,-2 25 359,-4-22 720,2-6-899,-10 15-90,3-18-180,-14 27 449,0-1-539,-3 18-180,-1 24 0,2 13 0,-1 11 0,2 3-540,4 7-269,-1-14-2069,11 23 629,-4-31 2249,6 5 0,-3-17 0,1-2 0</inkml:trace>
+  <inkml:trace contextRef="#ctx0" brushRef="#br1" timeOffset="-52528.73">5577 14702 12030,'-13'-8'0,"-5"1"0,16 4 0,-11 1 0,11 16 0,-4 5 0</inkml:trace>
+  <inkml:trace contextRef="#ctx0" brushRef="#br1" timeOffset="-52226.73">6115 14617 12300,'-20'-16'1709,"-2"2"-1079,10 6-540,2 22 0,29 29-90,-14 2-495,16-1 0,0 0-404,-16 9-2621,9-6 0,3 2 1811,-3 9 584,-7-21 1,0-1 1308,17 11 0,-21-5 0,9-2 0</inkml:trace>
+  <inkml:trace contextRef="#ctx0" brushRef="#br1" timeOffset="-52078.73">6032 15161 11311,'0'-23'0,"0"-1"0,0-1 0,0-4-180,25 0-270,-19-3-540,50 0-899,-32 8 1,1-1 1888,5 6 0,3 0 0,4-5 0,-1 0 0,18-9 0</inkml:trace>
+  <inkml:trace contextRef="#ctx0" brushRef="#br1" timeOffset="-51409.73">6677 14440 11041,'-28'16'1529,"-9"-12"-1439,33 34 360,-20-4-361,21 11-44,-2-8 0,1 1-45,4 11 0,-2-16 0,4 2 0,8 2 0,0-2 0,-4 21-45,10-11 0,2-1-404,-2 6-271,-1-13 1,0-2-814,1-2 723,12 4-723,-9-20 904,7-9-1,5-1 630,-14-29 1439,11-6-539,-13-14-181,3 2-89,-9 9 89,-1 0-269,-2 6 637,0 0-817,-3 2 450,1 12-631,-1-1-89,0 12 90,0 18-180,2-13 90,-1 35 90,3-22-90,-1 21-179,9 2-181,0-11-720,12 7 361,-6-16-541,17-10 811,-12-1 179,8-10 180,1-19 180,-9-10 719,12-24-179,-21 8 629,3-10-899,-13 25 899,-2-11-1259,-4 50 0,-1 2-179,0 37-271,0-7 180,19-16-90,-15 2-449,32-25 179,-14 8 630,17-10 90,-3-17 450,-6-5-91,-10-21 1,-9 9 90,-8 0-90,-3 3-271,0 11 91,0-4-270,0 35-180,0 7-449,0 18-361,19-2-359,-15-7-2968,32-1 4317,-8 3 0,9-14 0,4 0 0</inkml:trace>
+  <inkml:trace contextRef="#ctx0" brushRef="#br1" timeOffset="-51211.73">8017 14795 11850,'-40'-7'2159,"2"2"-1889,19 22-180,-9-13 0,24 30-90,-19-15-90,21 28 0,-8-14-1529,10 22 629,20-25-269,-15 8-540,36-18-630,-36-3 2429,40-5 0,-26-6 0,21-2 0</inkml:trace>
+  <inkml:trace contextRef="#ctx0" brushRef="#br1" timeOffset="-50995.73">7152 14665 11490,'-9'-20'1440,"2"2"-901,6 1 271,28-12-720,6 13-180,-1 2 0,1 1-270,17 6-1889,14 1-179,-26 6 2241,6 20 1,-15-15-1,-2 16 1</inkml:trace>
+  <inkml:trace contextRef="#ctx0" brushRef="#br1" timeOffset="-50851.73">7485 15624 13289,'-10'8'720,"8"-1"-1979,-17-4 1259,13-2 0,-5-1 0,7 0 0</inkml:trace>
+  <inkml:trace contextRef="#ctx0" brushRef="#br1" timeOffset="-50127.73">8762 14247 12030,'0'-39'1979,"0"-8"-1799,0 17 90,0-6 449,0 24-719,0 44 90,0-1-274,7 3 1,2 5 228,-7 4 0,0 0-342,6-8 1,0 2 296,-7 27 0,-2 1-45,7-24 0,0-1-360,-1 22 0,1 0 180,0-27 0,2-1-720,7 24 1,0-3 405,-5-5-46,6-12 0,2-5 136,-5-17 179,12-1 270,-9-31 0,13-15 180,-10-9 359,6-10 631,1-7-631,-8 13-314,-4 12 0,1 2 135,0 2-180,9 3 0,-9 17 196,2 8-106,-4 0 404,-1 22-674,0-17 0,2 57 0,-2-37-1741,-3 10 0,1 1 1292,3-2-181,4 4 180,-2-15 90,2-12-179,2 6 269,1-15-90,3 7 270,0-9 90,11-22 0,-10 17 360,-4-22 0,-2-3 269,-1 10 91,7-29-450,-17 19 3302,2 15-2943,-7-10-539,1 42-180,-3-2-719,0 31-1890,0-12 2699,0 8 0,0-16 0,0 4 0</inkml:trace>
+  <inkml:trace contextRef="#ctx0" brushRef="#br1" timeOffset="-49961.73">9502 14447 11670,'-8'-15'-90,"5"3"90,-5 5-3598,8 2 3598,0 21 0,0-13 0,0 15 0</inkml:trace>
+  <inkml:trace contextRef="#ctx0" brushRef="#br1" timeOffset="-49503.73">9910 15042 11311,'6'2'629,"-1"0"-449,3-2-90,0-20-90,4 15 0,3-40 0,1 23 0,2-23 0,1 6-90,6-18 0,-7 11-1651,-7 10 0,-3 1 1831,-1-4-180,-3-8-146,-4 20 236,0 5 90,-22 6 0,16 4 270,-32 8-270,18 1 3185,0 24-3185,-6-16-90,23 56 90,-7-36-90,10 36 90,0-25-180,20 0 90,-15-2-225,22-13 0,5-2-44,-6 9-46,14-12 0,2-4 45,4-4 180,-5-3 0,1-6 42,6-16-42,12 13 270,-12-32 0,-16 14 450,6-14-271,-22 16 1,-5-4 180,-7 15-270,-24-3-90,1 21-270,-4 13 90,-2 19 0,22-8 0,-8-1 90,11-9-229,0 6-761,0-7 900,0 9 0,0-14 0,0 2 0</inkml:trace>
+  <inkml:trace contextRef="#ctx0" brushRef="#br1" timeOffset="-48861.73">10467 14645 13020,'0'38'179,"0"-5"-179,0 2 0,0 12 0,0-10 0,0 26 0,0-27-826,15 7 646,-11-18 268,12-5-358,-16-2-43,13-3 133,-2-6 0,13-3 270,-9-23-180,-5-10 180,1-8-90,-7-7 180,5 9 512,-4-2-152,2-13-181,0 13-89,5-13 0,-2 27-180,4 3 0,-3 14-90,2 4 0,-1 0 0,0 0-90,0 22-90,-1-16-1349,6 53 270,-7-35-1125,-2 8 1,-2 3 2383,2-2 0,-3 8 0,-1-15 0</inkml:trace>
+  <inkml:trace contextRef="#ctx0" brushRef="#br1" timeOffset="-48644.73">9780 14525 11940,'-16'-37'1080,"4"0"-721,7 2-89,5-2-180,26-12-90,11 12-45,-12 14 0,3 1-405,11 2 1,0 4-361,9-6-899,-6 8 0,0 3-1040,3 5 2749,11 18 0,-24 6 0,-3 16 0</inkml:trace>
+  <inkml:trace contextRef="#ctx0" brushRef="#br1" timeOffset="-48511.73">10153 15510 12480,'-3'14'-990,"2"-3"990,-3-5 0,4-4 0,0-1 0</inkml:trace>
+  <inkml:trace contextRef="#ctx0" brushRef="#br1" timeOffset="-47811.73">11725 14480 11670,'-3'-8'1440,"1"1"-991,-1 19-359,3 13-90,16 24 0,4-5-432,0 3 432,16-16 0,-19-4-90,19-2-180,-9-5 0,0-9 0,1 3 17,-2-12-107,1 5 180,-3-7 90,7-15 90,-9 11 90,6-30 90,-18 8 180,-1-10 0,-8-1-1,-1 11-89,0 2 506,-17-3-686,13 7-90,-12 21-540,16 29-269,0 9-631,8-5 1,1-1-629,-5 1 2068,30 10 0,-18-18 0,16-2 0</inkml:trace>
+  <inkml:trace contextRef="#ctx0" brushRef="#br1" timeOffset="-47395.73">12583 14652 12210,'-20'-12'1619,"-3"2"-1439,-2 28-180,8 12-90,7 12 135,9-8 0,-1 0-45,-8 14 0,10 18-90,0-17-382,0 1 472,0-1 0,0 0-360,0-4 206,0-2-386,14 6 360,-10-16-359,10 5 179,-14-26 360,0-26-180,0-25 180,0-18 45,0 25 0,0-3 45,0-13 0,0 0-289,0 11 1,0-2 408,0-5 0,0-4 0,0 3-361,-1 5 0,2 1 331,6-11 0,0 2 90,-3-12-180,24 8 270,-24 7-1,24 1-179,-7 16-180,19 4 90,-7 17-90,7 24 0,-17-12 446,2 39-356,-10-8-90,-7 11-809,-1 18-91,-7-27-1259,-22 22 540,-4-29 1619,-24 13 0,24-27 0,3 4 0</inkml:trace>
+  <inkml:trace contextRef="#ctx0" brushRef="#br1" timeOffset="-47027.73">13288 14711 12390,'0'-49'180,"17"7"-180,-13-6 0,26 7 90,-26-6-45,10 12 0,2-2-1228,3-22 1273,-10 20 0,2 1 90,16-19 90,-24 3-1,10 0 1,-12 19 0,-2 1-90,1-15 38,0-16-218,0 38 633,-15 0-723,11 40 180,-10 23-90,14 13-513,0-1 0,0 1 333,0 17-405,0-4 1,0 1 134,-2-27 1,4 1-781,7 8 1,4 6 0,-2-7-570,-3 21 1799,19-16 0,2-5 0,-12-10 0,20-5 0</inkml:trace>
+  <inkml:trace contextRef="#ctx0" brushRef="#br1" timeOffset="-46744.73">13835 14493 11940,'-20'-16'900,"-2"4"-810,-22 30-90,4 9-90,15 10 180,-3 4 0,26-11-450,-9 15 90,11-13-450,17 16 361,9-27-1,11-2-90,18-13 450,-19-6-180,27-23 180,-30 17 0,-12-21 0,-3-4 90,2 9-90,-9-31 0,-4 21 0,-7 0-90,-25 0-180,-8-9-449,-14 15-676,16 10 1,1 2 1394,-6 6 0,-8 3 0,18 5 0</inkml:trace>
+  <inkml:trace contextRef="#ctx0" brushRef="#br1" timeOffset="-46378.73">14248 14460 11670,'-46'0'180,"20"15"-180,-12-11 90,34 28 0,-26-5 0,27 7-270,-10 12-90,13-21-89,0 5-721,25-12 630,4-9 1,29-1 359,-13-8-685,1-16 865,-15 12 0,-4-29 0,-2 29 270,-5-30 539,-3 19-359,-9-15 449,3 0-629,-7 9-450,1-8-1079,-2 39-1530,-3 21 720,0 10 1979,0 11 0,20-26 0,6-1 0</inkml:trace>
+  <inkml:trace contextRef="#ctx0" brushRef="#br1" timeOffset="-45977.73">14968 14424 11580,'-28'-20'1080,"-21"3"-900,16 9-180,-31 3 0,13 24 0,18-6 0,4 4 0,-4 25-1342,-3 4 1432,24-7-180,5 0-430,4-3 0,6 0 251,25 5-181,-11-6 0,4-3 180,32-18 45,-16-5 1,-1-2 224,9-7 0,-6-9 0,-1-5 179,3-18-134,-16 11 0,-2-4 270,-5-9 0,-4-1 135,0-13-46,-5 5 1,-3-1-45,-6-10-1151,-11 4 0,-1 0 1331,7-9-226,-15 19 1,0 1-41,15-10-94,-29 3-90,29 6-90,-26 1 90,28 15 528,-11 28-978,34 31-270,5 18 216,-13-21 1,1 1-82,9-5 1,-2-1-675,-15 34-1215,15-15 0,2 0 2384,-11-11 0,-1 0 0,2 11 0,-1-1 0,6 14 0</inkml:trace>
+  <inkml:trace contextRef="#ctx0" brushRef="#br1" timeOffset="-45323.73">15880 14427 12390,'-14'-13'720,"10"-1"-361,-24 1-359,11 3 180,-16 2-90,9 5-90,-10 19 90,12-12-180,-12 32 0,15-8 180,-1 10-540,12 11 91,4-20-181,3 11-90,26-20 181,1 0 89,26-14 360,-5-19 270,0-10 89,-9-22 541,-10 1-181,-15 7-539,-5 1 0,-8 16-270,0 24 90,0 16 0,0 17-989,18 16 179,0-22-899,20 17 540,-20-25 0,15-3 1169,-12-7 0,9-12 0,-3 6 0</inkml:trace>
+  <inkml:trace contextRef="#ctx0" brushRef="#br1" timeOffset="-44994.73">16198 14479 12120,'4'-17'810,"-2"-1"-630,0 10-91,-1 0-89,0 8-89,2 20 178,-1 2-178,4 13 89,-2 3-720,2-13 450,-2 7-270,2-21 271,-2 6 269,3-15-90,-1-17 180,6-13 179,-3-11 361,9-17-270,-7 21-525,5-10 434,-6 17 73,-2 7-252,0 2 0,1 9-90,-1 4 0,7 6 90,-3 20-270,10 9-180,-5 12-359,4 1 89,-3-9-359,2-2 254,2-3-2234,13 4 2969,-7-16 0,11 0 0,-10-16 0</inkml:trace>
+  <inkml:trace contextRef="#ctx0" brushRef="#br1" timeOffset="-44628.73">16837 14037 11850,'-20'-43'1170,"-11"3"-541,27 0 271,-22 16-810,23 31-90,-8 12 0,32 31 0,-15-6 45,14-6 0,4 2-45,-7-9 0,0 2 0,11 23 0,2-1-316,-6-22 1,0-1 270,4 18 0,-3-1 199,2 0-199,-6-10 0,-2-3-135,-6-8-269,7 4 449,-19-48 90,4-31-90,-5-2 89,0-16 91,0 8-90,0 16 0,16-19-90,-12 34 477,30 4-477,-18 15-270,18 25-180,-11 12-719,-7 25 359,-8-5-5460,-8 14 4651,-17-27 1619,13 9 0,-34-22 0,12 1 0</inkml:trace>
+  <inkml:trace contextRef="#ctx0" brushRef="#br1" timeOffset="-44411.73">16030 13715 11490,'0'-62'1350,"0"5"-1170,20 8 179,6 1-359,-1 22 0,16 2 0,-18 39-359,2 28-271,-8 10-239,-15-17 0,-4 3-1155,-9 11 1,-1 1 1673,10-10 0,-2-1 0,-21 16 0,-6-1 1,10-15-1,0 0 0</inkml:trace>
+  <inkml:trace contextRef="#ctx0" brushRef="#br1" timeOffset="-40553.73">18050 14268 11940,'19'-15'2069,"9"0"-2069,10-5 0,5-6 0,-9 22-450,2-20-269,1 21-733,0-16-77,-1 17-3059,15-6 4588,-14 8 0,6 0 0,-17 0 0</inkml:trace>
+  <inkml:trace contextRef="#ctx0" brushRef="#br1" timeOffset="-40378.73">18127 14553 10771,'-5'-18'1439,"20"13"-1439,16-30-180,11 13-270,8-9-1034,-17 11 0,1 1-2044,20-4 3528,-16 9 0,0 0 0,18-5 0,-1 1 0</inkml:trace>
+  <inkml:trace contextRef="#ctx0" brushRef="#br1" timeOffset="-40094.73">18385 13946 10411,'-31'-10'0,"5"2"630,7 2 179,6 1 91,3 3-900,32-1 90,31 36 0,7-24-458,-22 17 0,-1 3 279,8-11 178,0 21-89,-3-8 0,-16-7 0,0 2 0,9 15-45,-15-4 1,-3 1-46,0 10-990,-9 17-449,-3-14-360,-31 1 1889,19 3 0,-19-26 0,-6-1 0,13 1 0,-1 0 0</inkml:trace>
+  <inkml:trace contextRef="#ctx0" brushRef="#br1" timeOffset="-39094.73">19728 13629 10861,'0'-25'1889,"-14"2"-1529,10-2-360,-11 8 269,15 0-179,0 28-90,0 8 0,0 22 0,0 6-677,0 9 677,0 10 45,0-31 0,0 2-45,0 18 0,0 1 0,0-15 0,0 1 0,0 23 0,0-1 0,0-30 0,0 0-90,0 14 0,0-2 90,0-2-90,0 3-180,0-27-90,0-5-269,0-8 539,0-26 90,20 14 0,-15-46 0,31 11 0,-9-13-1255,9 1 1255,5 16 0,-7 5 483,-1 5-483,2 6 0,0 10 0,-2 4 0,11 6 180,-14 0-180,11 16 90,-25 5-90,-1 0 90,-12 28-90,-21-30-90,-15 36 90,-11-27-270,8-8 0,1-2 788,-11 1-1957,7-8 0,0-2-270,0-3 1739,-9-2 0,33-4 1,5 0-1</inkml:trace>
+  <inkml:trace contextRef="#ctx0" brushRef="#br1" timeOffset="-38511.73">20560 13970 11400,'-37'17'540,"15"11"-540,-10-25 0,27 30 180,-29-18-180,30 18 0,-22-5 0,23 3 0,-7 2 90,10 1-180,0-2 90,0-1-630,19 6 1,9-13-451,26 4 541,-8-19 359,-10-4 0,-2-4 180,6-19-1333,17 13 1333,-23-34 0,-1 21 180,-6-19 737,1-7-468,-15 12 181,2-22-270,-14 27-270,2-12 360,-3 22-271,0 24-89,0 11 814,0 28-904,22-23-359,10 14-1,12-25-360,20 7 540,-22-12-634,13-7 724,-13-20 0,-1 15 180,-2-40-90,-3 25 180,-4-22 89,-5 7 5,-2-19 86,-12 11 89,-7 7 1,-3-1-90,-3-4-142,-20-19-128,15 32-90,-29-1 540,30 18-361,-21 5 715,22 30-804,-7-3-135,8 12 0,4 3 135,-2 11-437,0-13 1,0 0 346,0 20-270,19-1-270,-14 0-398,27-2 38,-28-5-359,20-1-1889,-10 10 3148,0-17 0,7 6 0,-8-19 0</inkml:trace>
+  <inkml:trace contextRef="#ctx0" brushRef="#br1" timeOffset="-38373.73">21202 14154 11131,'-11'-20'989,"8"3"-899,-8 3 0,11 1-90,0 0-360,29 0-719,-6 1-450,27 0 1529,9 0 0,-11 2 0,16 0 0</inkml:trace>
+  <inkml:trace contextRef="#ctx0" brushRef="#br1" timeOffset="-38141.73">20647 13385 9961,'-30'18'900,"7"-14"-361,5 33-539,11-13 0,3 12 0,25-2-269,-15-10-811,46-3-179,-23-9 1259,10-2 0,4-2 0,15-6 0,-20 3 0,1-1 0</inkml:trace>
+  <inkml:trace contextRef="#ctx0" brushRef="#br1" timeOffset="-37994.73">21160 13142 10051,'-22'-9'810,"-2"4"-720,-20 19-720,9 17-1349,15 12 1842,2 11 0,17-5 0,-5 5 0</inkml:trace>
+  <inkml:trace contextRef="#ctx0" brushRef="#br1" timeOffset="-37478.73">22070 13619 12030,'0'-36'180,"0"5"180,0 7 0,0 8-270,0 23-90,0 25 0,15 14-1710,-11 14 1800,10-6-180,3 2 90,-13 3 0,3-18 0,2 0 0,0 20-45,-8-13 0,0-2-404,8 2 539,-9 9 0,0-28-180,0-4 0,0-7-1169,-16-4 2445,-1-7-1545,-2-58 359,6 17-184,12-7 0,2-2 184,-1-3 0,20-2 0,-15 1-45,22 17 0,5 2 135,-9-11-415,11 16 1,3 5 504,0 5 180,21 7-360,-25 26-169,3-16 439,-16 42-272,-10-24 92,0 23 90,-9 6-180,3-12-90,-31 21 180,-6-28-135,3-10 0,-3-2-675,-16-1-2000,-8-4 1371,20-11 1548,9-20 0,13 11 0,15-11 0</inkml:trace>
+  <inkml:trace contextRef="#ctx0" brushRef="#br1" timeOffset="-37161.73">22620 13862 9961,'9'40'1619,"0"0"-1439,-2-8 0,-1 1-180,-2 0 0,-1-1 0,-1-1 0,0-1 90,3 6 0,-2-12-360,8 10 90,-3-19-90,6-1-89,0-9 89,1-4 180,3-1-90,9-14 180,-6-10 0,10-19 180,-16 2 629,2-19-179,-11 22-225,-3-1 0,-1 1-315,-2 3-90,0-21 90,0 40-450,0 26-360,0 16-2608,0 33 809,14-12 2519,-10 2 0,24-18 0,-11 0 0</inkml:trace>
+  <inkml:trace contextRef="#ctx0" brushRef="#br1" timeOffset="-36853.73">23325 13865 11850,'-29'-9'1170,"-8"3"-1170,12 3 0,-14 24 90,3-16-90,4 39 0,10-15-90,11 12-540,0 7 0,11-22-629,29 11 719,7-24 225,8-2 1,2-2 404,12-8-45,-14-8 0,-4 0-45,-6 2 359,3-46-179,-24 31-90,-5-41-90,-28 29 0,16-12-180,-42 6-359,13 12 539,-24-1 0,7 18 0,5 5 0</inkml:trace>
+  <inkml:trace contextRef="#ctx0" brushRef="#br1" timeOffset="-36641.73">23778 13792 11760,'-26'-5'810,"-15"4"-720,16-4-90,-16 26 0,17 9-90,10 11-450,14 2-539,0-11-270,21 0 1349,15 10 0,9-13 0,4 4 0</inkml:trace>
+  <inkml:trace contextRef="#ctx0" brushRef="#br1" timeOffset="-36407.73">22878 13492 11580,'0'-24'810,"24"2"-720,-18-1 0,45 0-270,-28 0 135,9 9 0,3 1-855,7-3-988,13 1 1888,-6 12 0,-17 25 0,6 7 0</inkml:trace>
+  <inkml:trace contextRef="#ctx0" brushRef="#br1" timeOffset="-36261.73">23182 14610 10681,'0'16'-4228,"0"-2"4228,0-7 0,0-3 0,0-3 0</inkml:trace>
+  <inkml:trace contextRef="#ctx0" brushRef="#br1" timeOffset="-35525.73">24460 13707 10231,'0'23'2159,"0"-5"-2069,0 29 90,0-7-90,0 4 0,0 5-180,0 1 90,0-3 90,0-1-90,0-5 0,0-3-90,0-7 0,0-4-180,0-6-180,0-4-90,0-5-1978,0-4 2068,19-22 360,0-15 90,4-11-412,9-10 592,-18 5 359,5 10 1,1-1-180,3-20-135,-6 12 0,0 2 135,-1-1 449,8-7-719,-13 34 360,10 29-360,-10 7-90,-2 11 0,-1 3 90,-1 10-135,-3-5 0,-1 0 45,-2 9-736,-1 9 557,0-23 458,0-6-639,0-5-539,0-7-180,0-3 1079,19-32 0,0-8 44,1-3 1,1-3 315,8-18-202,2-2 202,-11 17-1,-1 4-89,1 5 270,6 4-360,-4 4-90,15 9-90,-14 3 0,14 23 0,-15 8 0,5 9-1350,-4 17-359,-6-17 1709,10 22 0,-10-23 0,6 6 0</inkml:trace>
+  <inkml:trace contextRef="#ctx0" brushRef="#br1" timeOffset="-35193.73">25457 14111 12210,'24'-18'0,"12"-12"90,15 26-1007,3-26 557,-10 26 180,1-27 0,-3 18 90,-1-12-90,-6 9 90,4-5 90,-21 7 178,1-6-88,-19 2-43,0 3-47,-21-9 90,-8 11 540,-27-2-450,11 10 90,-12 2-180,27 18-90,-6-11 0,15 42 90,9-25-90,4 40-540,8-26-2428,24 19 899,12-23 1762,16 2 1,4-13-1,-9-3 1</inkml:trace>
+  <inkml:trace contextRef="#ctx0" brushRef="#br1" timeOffset="-34945.73">26487 13584 12030,'0'-18'900,"0"4"-451,-18 6-449,-1 29 0,-3 21 0,-5 14-1308,24-10 1,3 0 1127,-13 16 270,12-20 0,2 0-927,-1 17 387,0-3 1,0-3-361,0-4-583,19-3 223,-14-6-629,14 5 1799,-19-17 0,0 2 0,0-16 0</inkml:trace>
+  <inkml:trace contextRef="#ctx0" brushRef="#br1" timeOffset="-34828.73">26243 14100 10861,'-16'-41'180,"2"2"-270,14-1 90,0 3 0,0 1-360,21 2-450,-16 2-314,27 12 0,5 1 1124,-4-9 0,3 11 0,2 2 0,9-6 0</inkml:trace>
+  <inkml:trace contextRef="#ctx0" brushRef="#br1" timeOffset="-34443.73">26767 13355 11041,'0'-17'1349,"-14"4"-270,11 4-989,-10 27 0,13 1 90,0 25-270,0-3-355,0 6 445,14 6 0,-11 3 0,12-15 0,0 0 0,-11 23 0,8-13 0,1 0 0,-1 6-45,-3-15 0,1 0 45,1 2-270,2 5 90,-12-21-48,6-8-312,-5-4-360,0-6 900,0-26 90,-2-15-270,0-14 450,0-6 314,0 10-224,18-13-270,-13 16 180,13-13 90,-4 36-360,-3 18 0,11 28 0,-12 11-135,-1-9 0,-1 1-495,-1 9-495,3-5 1,2 0-135,1 3-1242,6 9 2501,-1-22 0,2-6 0,2-3 0</inkml:trace>
+  <inkml:trace contextRef="#ctx0" brushRef="#br1" timeOffset="-34157.73">27405 13907 11490,'-41'-16'1080,"17"3"-810,-9 6-180,11 4 90,1 23-180,-8-15 89,26 37-89,-9-22 0,5 37 0,5-21-269,20 24-1,-12-29 135,28-7 0,7-5 135,-8-5-45,27-3 0,5-3 45,-2-7-869,-4-7 1,-1-6 868,-7-14-1409,-16 1 1,-3-4 1408,-4-16-219,-15 13 0,-3-1 219,-4-8-1080,-26 1 1,-9 1-90,-3 4 1169,-13 8 0,-4 5 0,-2 12 0,17 7 0,1 0 0</inkml:trace>
+  <inkml:trace contextRef="#ctx0" brushRef="#br1" timeOffset="-33694.73">27968 13843 10501,'-22'-13'-180,"-10"6"180,12 3 90,-16 4-180,14 24 180,-7-4-90,26 38 0,-8-20 0,11 27-90,23-26-728,-18 6 818,43-19-180,-27-5-316,22-10 496,-12 2-90,-1-12 90,0 4 0,10-27-90,-10 16 90,-8-24 0,-3-5 0,-1 6 45,-8-14 0,-4-3-45,-2-6 180,-3 16 0,-2 0 359,1-19 91,0-4 90,-17-3-91,16 17 1,-3 0-495,-14 12 0,0-1-135,16-18 0,-1 2 0,-26 4 360,26-13-270,-8 68-180,28 22-180,-12 29-45,3-23 0,2 0-250,8 24-694,-13 4 314,9-33 1,1 2 944,-8 13 0,-3-1 0,3-11 0,-1-1 0,-2 10 0,1-1 0</inkml:trace>
+  <inkml:trace contextRef="#ctx0" brushRef="#br1" timeOffset="-32694.73">28970 13747 12390,'0'49'899,"0"-6"-809,13 8-798,-10-5 708,9 5 0,-12 0-90,0 2 90,0-4 90,0-1-90,0-6 0,0-4 0,0-7 215,-13 1-215,10-11-667,-11 0 397,14-29 180,0-14-90,0-13 90,0-11-739,0 2 919,0-9-270,0-6 225,8 10 0,1-2 0,-7 12 0,1-1-45,14-13 0,1 1 135,-16 15 0,1 3-90,16 1 0,3 1-45,-2-26 135,5 26 0,2 2-45,7-6-122,15 0 122,-23 28-180,7 20 180,-23 18-90,0 9-45,-9-5 0,-2 0 45,1 12-270,-8-8 0,-5-1-539,-12 4-1456,-1 7 376,-16-23-360,37-5 2485,-37-10 1,37-5-1,-14-5 1</inkml:trace>
+  <inkml:trace contextRef="#ctx0" brushRef="#br1" timeOffset="-32311.73">29502 12909 11400,'20'0'1260,"1"0"-810,1 28 269,8 18-629,-19-16 0,-1 5 0,5 18 0,-2 1-825,-7-17 0,-1 1 735,0 13 0,-1 0 0,-2-14 0,-1-2 0,-1 0 0,0 0 0,0 32 0,0-24 0,0 0 0,0 18-90,-8-16 0,-1-1 77,4-4-617,-12 13 181,17-33-451,0-1-359,-8-15 1169,6-18 90,-6-13 0,24-26 90,7 4 0,-3 15 0,2 1 916,13-5-826,-1-8 180,0 24-360,-11 3-90,15 11 90,-19 20 90,10 18-90,-12 10-630,-3-1 0,0 0-629,1 4-135,-4-5 0,0-1 1394,3-8 0,1-3 0,-1-18 0</inkml:trace>
+  <inkml:trace contextRef="#ctx0" brushRef="#br1" timeOffset="-31811.73">30172 13622 10681,'0'-24'270,"-20"3"449,16 5-539,-29 7-180,16 24 90,-7 18 0,9 30-90,8-8-1006,7 3 827,0-19-1,0-3-180,20-3-899,4 1 809,24-13 270,-11-3 90,1-14 0,-1-26 180,-9 16-180,4-41 180,-13 26 0,-3-24 360,-4 11 449,-2-16-539,-5 13-180,-2-18-180,-2 30 540,-1-3-451,0 44-89,0 10 0,0 17 90,0-1-90,0-12 90,0 0-90,16-3-539,-1-2 269,4 0-360,4-12 450,-7-1 90,14-12 180,-7-16-90,-1 11 0,-9-33 270,-2 19 90,-1-20 629,1-5-719,-2 12 0,1-17-270,-6 33 1096,2-10-1006,-4 24-90,2-7 0,-1 9 0,2 20-90,-2-15-810,7 49-179,-3-32-2429,8 41 3508,-5-33 0,4 8 0,-4-15 0</inkml:trace>
+  <inkml:trace contextRef="#ctx0" brushRef="#br1" timeOffset="-31656.73">30812 13363 11760,'0'-20'0,"0"1"-90,0 7-269,0 2-1,0 3 360,0 3 0,0 1 0,0 3 0</inkml:trace>
+  <inkml:trace contextRef="#ctx0" brushRef="#br1" timeOffset="-31443.73">30530 12591 11850,'31'-19'720,"20"2"-720,-19 2 0,12 8-90,4 1-450,-23 31-3058,-3 11 3598,-13 17 0,-35 6 0,-5-10 0</inkml:trace>
+  <inkml:trace contextRef="#ctx0" brushRef="#br1" timeOffset="-30739.73">19155 15881 12030,'34'15'720,"-7"-4"-720,5-11 0,-4 0-900,21 0-629,-9 0-1874,15 0 885,-17 0 2518,-2 0 0,-1 14 0,-2 2 0</inkml:trace>
+  <inkml:trace contextRef="#ctx0" brushRef="#br1" timeOffset="-30577.73">19262 16144 11490,'16'2'990,"-17"-15"-2205,35 11 1,12 0-1124,-7-28 2265,3 28 1,2 1 0,-11-11-1,-2-2 1,2 8 0,0-1 0</inkml:trace>
+  <inkml:trace contextRef="#ctx0" brushRef="#br1" timeOffset="-30111.73">20623 15747 10861,'-43'0'899,"1"0"-899,-2 0 0,1 0 90,-15 18 0,19 3-45,11-1 0,3 2-45,10 10-90,-1 9-90,16-16-269,24 5-1,-18-11 90,50-3 90,-28-7 90,11-3 0,3-2 180,9-2 0,-9 2 0,-1-3 0,1-19 720,16-3 0,-34-19-361,-4 0 1,-15 7 90,-22-4-270,12 16-270,-28-6 180,29 15-90,-24 2 0,26 30 0,-10 13 90,12 33-180,0-10-1153,16 7 1153,-12-16 90,12 0 0,-2 0 90,-10 19-90,10-18 0,-13-10 0,-2-1 0,1 0-990,-19 16 1,15-29-270,-37 2-180,36-15-630,-41-7 2069,29-2 0,-20-2 0,13 0 0</inkml:trace>
+  <inkml:trace contextRef="#ctx0" brushRef="#br1" timeOffset="-29286.73">20450 15589 12300,'-3'-9'810,"0"2"-271,0 1 181,0 4-720,1 19 90,17 39-90,-11-2-706,15 0 1,-1 0 705,-12 5 0,11-7 0,3-1 0,0 6 0,-10-21 0,1-1-90,20 8-90,-27-5-640,22-3 460,-19-5 73,5-4-73,-2-6-539,-6 2 179,2-11 781,-4 2-151,-19-11 437,12-18-347,-30 12 0,31-32 0,-34 19 0,20-20 270,-5 12 0,-2 1 359,-5-16-224,6 5 0,0 0-94,-1-3 139,-8-15 449,21 31-809,27 26-90,17 24 0,-7-6 0,1 2-1230,-1 0 1,0-1 1229,14 14 0,-1 0-296,-1 0 206,-3-2-270,-3-1-719,5 6 359,-10-12-1169,2 8 720,-13-20 1169,-7-1 0,-3-10 0,-5-4 0</inkml:trace>
+  <inkml:trace contextRef="#ctx0" brushRef="#br1" timeOffset="-29161.73">20558 16114 10501,'-24'-35'810,"1"0"-631,3 7 91,5 4-90,3 8-270,24 26-809,11 15 899,3 3 0,2 2 0,-5-4 0,0 0 0,3 2 0,1 0 0</inkml:trace>
+  <inkml:trace contextRef="#ctx0" brushRef="#br1" timeOffset="-28309.73">21577 15740 11131,'-13'-16'1349,"10"28"-1169,-10 3 0,13 31-180,0-3-1166,0 8 1256,0 5-90,0 5 0,0-18 0,0 1 90,0 22-135,0-16 0,0-1 135,0 4-90,0 6 0,0-24 234,0-9-234,0-6-90,0-2-180,0-26 90,0-12 90,0-17-90,0-7 180,0 2-1326,0-6 1326,-11-8 0,10 10 0,-1-2 0,-3 10 0,-1-1 0,4-6 0,2-4 0,2 3 0,6 4 0,2 0 0,-3-2 0,0-3 0,1 4 90,2 6 0,3 3-90,7-8 0,0 2 90,-2-2 0,20 9 889,-13 11-799,-2 8 83,5 7-353,-6 30 180,-4-2-90,-9 24 0,-9-8 0,0 5 0,0 2-45,-11-12 0,-4 1-405,-15 16-585,4-11 1,-2-1-585,-1 4 1619,7-13 0,1-2 0,3-3 0,-19 3 0</inkml:trace>
+  <inkml:trace contextRef="#ctx0" brushRef="#br1" timeOffset="-27974.73">22212 15671 12120,'0'-6'810,"0"0"-541,-20 5-89,-1-1-180,-23 2-90,24 18 180,-19 5 0,21 0 0,-4 16-90,9-23 0,13 19 0,0-13-270,25 5 180,13-7 90,15-4 0,2-8 0,7-8-89,-17-16 89,-11 6 0,-2-1 0,-1-10-90,2-31 180,-24 31-180,-3-31-270,-32 12-270,20 9-360,-25 8 1,-5 3-270,11 1-540,-34 1 1799,26 11 0,6 6 0,0-2 0</inkml:trace>
+  <inkml:trace contextRef="#ctx0" brushRef="#br1" timeOffset="-27662.73">22652 15498 11131,'-20'-26'180,"15"7"269,-31 7-449,32 28 0,6 13 0,2 11 0,36 1 0,-8 4 0,10-10-890,0 9 890,-27-16 90,15-1-109,-25-3 289,23-3-360,-25-3 180,7-3-180,-10-3 180,0-1 772,-20-3-1132,-11-1-539,-12-5-450,-4 1-360,10-3-360,0 0 1979,3-19 0,4 15 0,4-15 0</inkml:trace>
+  <inkml:trace contextRef="#ctx0" brushRef="#br1" timeOffset="-27441.73">22902 15204 11760,'4'-2'1080,"4"0"-990,-3 2 0,10 15-90,-4 6 90,16 39-180,-13-16 45,0-4 0,-2-1-405,-3 4-675,-4-8 1,0 0-495,-3 6 1619,0 21 0,-2-30 0,0 7 0</inkml:trace>
+  <inkml:trace contextRef="#ctx0" brushRef="#br1" timeOffset="-27294.73">22802 15496 11400,'0'-18'270,"0"-1"-270,21 2 0,-15 2-270,42 1-2068,-9 1 89,13 6 2158,2 1 1,-17 6 0,1 0 0</inkml:trace>
+  <inkml:trace contextRef="#ctx0" brushRef="#br1" timeOffset="-26795.73">21177 15144 8072,'-14'-9'450,"-1"0"-180,3 1-90,0 1-90,3 0 90,0 0-180,2 1 539,0 2 1170,3 2-1439,0 16-270,3 11 180,1 9-90,-16 6-180,12-5 90,-12 2 0,5 16 0,8-15-629,-8 17-361,11-30 271,0 3-1,0-17-2068,0-3 2788,14-4 0,-10-17 0,11-6 0</inkml:trace>
+  <inkml:trace contextRef="#ctx0" brushRef="#br1" timeOffset="-26677.73">21183 15222 9871,'6'-9'90,"1"7"540,-5-11-540,2 12-90,-3 16-1889,-1 24-540,0 2 2259,0 12 0,0-21 0,0 2 0</inkml:trace>
+  <inkml:trace contextRef="#ctx0" brushRef="#br1" timeOffset="-26052.73">23593 14944 10501,'0'34'0,"0"0"-90,0-5-899,11-1-630,-9-3 1619,9-1 0,-11 0 0,0-1 0</inkml:trace>
+  <inkml:trace contextRef="#ctx0" brushRef="#br1" timeOffset="-25890.73">23750 14964 11490,'17'-6'720,"1"4"-720,2-4 0,1 6-90,0 0-360,8 22-1439,-7 9 1889,-6 1 0,-2 2 0,0 23 0,-1 7 0</inkml:trace>
 </inkml:ink>
 </file>
 
@@ -1288,7 +1299,7 @@
   <inkml:trace contextRef="#ctx0" brushRef="#br0" timeOffset="53503">13523 9394 10501,'-6'-24'-90,"4"5"180,-5 6-720,7 5-269,0 21-450,16-12 1349,-12 37 0,31-20 0,-11 19 0</inkml:trace>
   <inkml:trace contextRef="#ctx0" brushRef="#br0" timeOffset="53820">14025 10085 10051,'5'3'900,"0"-1"-361,8-19-359,-2 12 0,13-55-180,-6 29-626,-3-15 1,-1-4 715,4-7-45,-5 4 0,-1-1 45,0-8-45,-6 21 0,-1-2 135,-3 4 0,-1 2 90,0-22-1390,-10 15 1,-2 0 1299,6-3-163,-12 14 1,0 2-198,13 3 180,-24-2 90,24 20-90,-11 23-90,15 34-360,0 4 83,8-14 0,1 0-263,-5 13-89,28 5-451,-28 0 225,16-14 1,1 0-315,-6 18 1259,3-21 0,1-1 0,-1 7 0,1-2 0</inkml:trace>
   <inkml:trace contextRef="#ctx0" brushRef="#br0" timeOffset="54120">14382 9883 11760,'7'0'540,"0"-11"-450,0 8-90,-1-8 90,1 2-90,-1 6 0,8-21 0,-1 12 0,19-23-90,-6 13 90,-1 0 0,3 0 0,9-5-1109,12-10 1109,-13 11-90,-3 1 0,-2 1 90,2-7-90,-13 8 180,0-11-90,-16 16 0,-24-14 180,-5 19 1109,-26-5-1019,6 14-270,2 21 0,20 7 90,9 12-90,14 0-450,0 11-450,23-8-584,-7-5 0,2-1-945,31 6 2290,-22-14 0,0-1 0,19 4 1,4-2-1</inkml:trace>
-  <inkml:trace contextRef="#ctx0" brushRef="#br1" timeOffset="1.541E6">13984 12998 24575,'0'0'0</inkml:trace>
+  <inkml:trace contextRef="#ctx0" brushRef="#br1" timeOffset="-176986.92">13984 12998 24575,'0'0'0</inkml:trace>
 </inkml:ink>
 </file>
 
@@ -1964,48 +1975,48 @@
   <inkml:trace contextRef="#ctx0" brushRef="#br0" timeOffset="214071">10000 13947 9242,'0'-36'449,"0"-7"-449,0 5-495,0-5 585,0 8-180,0-1 180,0-2-180,0-2 180,-11-18-90,8 17 0,-7 7 0,1 2 0,7 0 0,-12-11 0,6 27 133,1 0-313,-4 13-472,8 1 652,-4 17 0,4-11 0,1 11 0</inkml:trace>
   <inkml:trace contextRef="#ctx0" brushRef="#br0" timeOffset="214301">10022 13843 9512,'0'-34'90,"0"5"-270,0-2 0,0 6-360,0-1-539,0 0-720,0-1 1799,17 2 0,-13 1 0,13 1 0</inkml:trace>
   <inkml:trace contextRef="#ctx0" brushRef="#br0" timeOffset="214620">9707 12979 10231,'-6'0'2519,"1"0"-2429,19 0 0,5 0-180,1 13 90,19 7-90,-25 9 135,7-4 0,2 2-45,-1 13-720,1 12 0,-1 3-899,0 7 1100,-2-1 1,-1 0 0,-1-2-1,-7-21 1,-1 0 0</inkml:trace>
-  <inkml:trace contextRef="#ctx0" brushRef="#br0" timeOffset="215984">9542 13560 9512,'14'-20'0,"-3"-4"0,-11-2 179,7-7-89,-5-3 90,11-3-319,-11-2 318,7-1 91,-6 2 0,2 0 90,-2 3-90,-1 4 0,-2 4-91,0 4 136,0 6-225,0 4-22,0 4 832,0 4-900,23 3 0,2 2 89,16 15-89,-4-10 0,-6 9-89,2-3-1,18-7-270,-11 16-180,-5-13 0,-1 1-449,5 10-1440,21 9 451,-29-7 1901,5 11 1,-16-6 0,-4 2 0</inkml:trace>
-  <inkml:trace contextRef="#ctx0" brushRef="#br0" timeOffset="216901">6182 12373 9691,'-23'-2'900,"-9"1"-540,11 0-90,4 15-91,-18-10-179,20 29 0,-13-16 0,2 32 0,10-16 90,-3 23-90,13-24 0,2 6-90,4-17 180,0-3-180,24-5-89,3-6 89,16-2 0,8-5 90,-19-21 0,22-6 0,-25-12-729,6 1 729,-15 12 124,-6 0 56,-6 3 359,0 1-269,-7-1-270,3 5 0,-18 5 806,10 21-806,-10 16-90,33 8 339,-15 5-2228,32 9 360,-8-10-410,8 9 2029,4-16 0,-9-6 0,0-1 0</inkml:trace>
-  <inkml:trace contextRef="#ctx0" brushRef="#br0" timeOffset="217267">6720 12446 10141,'0'9'1080,"0"9"-1080,0 13 90,0 6-180,0-7 180,15 3-90,-11 1 0,25 0 0,-25-1-920,25-1 920,-26-4 150,23-2 29,-23-6-13,16 2-166,-17-9 0,6-2 0,-26-26 0,-4-26-90,-21-2 90,19 4 0,1 1-146,-15-6 146,19 15 0,1-1 90,-12-27-180,8 18-67,-2-19 67,10 33-4228,7-4 4318,20 37 0,-9-10 0,14 19 0</inkml:trace>
-  <inkml:trace contextRef="#ctx0" brushRef="#br0" timeOffset="217890">5860 12317 9152,'-19'-8'719,"-1"0"-449,4 2 90,-1-1 90,2 2-90,1 2-360,2 1 269,5 2 91,0 0-180,5 14-90,-1 8 0,3 9 0,0 7-90,23-4 90,-1 23 0,4-10-90,-8-9 0,-1-1 0,9 5 0,-5-13 0,2-1 90,12 1-90,-2 1 0,-2-11 90,-8-8-90,15-2-90,-18-7-90,12-19 180,-17 13-90,7-45 90,-14 26 90,0-26-180,-5 3 180,-3 11 0,-18-21 90,13 25-180,-12-8 0,3 20 180,11 3-90,-10 24-90,33 8 0,6 2-180,-2 4 0,3 0-540,13-4-719,2 24-2968,6-8 4407,-11-9 0,12 6 0,-16-10 0</inkml:trace>
-  <inkml:trace contextRef="#ctx0" brushRef="#br0" timeOffset="218405">6652 12471 9781,'17'23'360,"-12"15"-360,28-20 360,-10 37-360,-3-18 0,4-3 0,-2 1-549,-5 5 639,23 13-180,-13-6 90,-9-14 0,8 15 180,-16-25 224,2 5-314,-9-16-180,0-1 90,-23-30 0,-5-18-90,-22-9-599,28 18 1,0 0 688,-20-12 90,9-5 214,3-3-349,7 13 0,1-1 135,-6-22-90,6 14 0,3-1 0,1-2-332,4-7 422,7 27 0,4 6 270,17 7 983,5 5-1253,21 21 0,-21 15 0,19 25-180,-18-4-565,2 3 655,4-15-90,-27 0 549,17-3-2348,-14 9 270,3-14 1619,-2 10 0,-6-21 0,3 1 0</inkml:trace>
-  <inkml:trace contextRef="#ctx0" brushRef="#br0" timeOffset="218751">7085 12576 10681,'5'0'270,"-1"-22"-180,1-8 0,-2-14 90,3-18-91,-3 21 46,-1-4 0,-1 0 135,0-1-135,1 2 0,-4 2 45,-19 6 0,16-15-90,-34 26-90,34-2 180,-27 19-180,29 23 90,-10 43-90,13 1-825,-2-17 1,4-1 824,19 15-90,-15 1-45,14-28 1,2-1-586,-4 26-1285,20-4 746,-7-4-181,-7-18 1,2-3 1439,13 10 0,15 2 0,-15-20 0</inkml:trace>
-  <inkml:trace contextRef="#ctx0" brushRef="#br0" timeOffset="219038">7593 12352 10501,'-15'-7'1349,"-3"17"-1349,-1 13 0,-4-2 0,21 22 90,-7-25 0,9 44-90,20-31-180,6 21 0,22-34 90,-1-2 90,-9-11-90,1-25 180,-16-3-180,-6-22 90,-9 1-90,-33 9 1,-6-6-91,-16 20-1014,3-4 384,11 12-179,2 6-1530,3-2 2519,-3 8 0,16-4 0,0 5 0</inkml:trace>
-  <inkml:trace contextRef="#ctx0" brushRef="#br0" timeOffset="219434">7942 12217 10231,'-39'0'450,"18"18"-450,-15 6 90,20 9 0,-4 12-90,8-17 0,12 19 0,0-21 0,23 11-450,5-20 180,25-4 90,-12-8 90,-1-5 90,-2-22 0,-12 17 90,7-35-90,-15 14 180,-8-8 180,-3 1 180,-7 11 89,0 1 1,0-6-630,-18 9 90,14-6-90,-26 17 0,27 20-540,11 23-629,-4 4-1620,30 16 653,-8-30 2004,6 6 0,5-21 0,-10-3 0</inkml:trace>
-  <inkml:trace contextRef="#ctx0" brushRef="#br0" timeOffset="220172">8550 12129 9332,'-42'0'899,"-4"19"-719,16-14-90,-1 36-180,12-23 180,3 20-90,3-9 90,6 1-90,3-1 0,4 9 0,0-11 90,24 8-180,7-24-270,28 4 180,-12-14-782,1 2 872,-15-24 90,-2 15 0,-1-39-409,3 11 409,-11-12 0,-12 13 0,-2-1 0,-3-8 45,-2 4 0,-6 0 45,-16-7 90,14-15 269,-14 31 1,-5 1 180,-8-14-361,4 8 1,-1 2-270,-15 0-208,5-11 388,15 28 0,12 0-90,1 27-90,11 15 0,25 9 0,-12-3 0,2 0-90,29 13-856,-16-5 0,-2 1-314,9 7 540,-13-18 1,1 0 719,22 18 0,-10-16 0,9 7 0</inkml:trace>
-  <inkml:trace contextRef="#ctx0" brushRef="#br0" timeOffset="220490">9040 12014 11311,'-14'12'269,"10"2"-359,-10 15 180,14-3-90,0 8 0,0-8 0,0 8 0,0-11-90,19-2 90,-15-1 0,29 4 180,-29-8-270,19 6 90,-20-12 0,6 2 90,-9-6-180,0 0 90,0 0-90,0 2 180,0-1-809,-19 5-540,14-4-1890,-30 4 3149,20-5 0,-3 1 0,7-3 0</inkml:trace>
-  <inkml:trace contextRef="#ctx0" brushRef="#br0" timeOffset="220801">9440 11547 11850,'3'-3'90,"0"0"-90,-1 3 270,-1 20-180,0 10 0,-1 33-90,0-5-1134,-10-12 1,0 2 1133,5 13 0,-13-18 0,1 0-683,13 19 548,-13-30 0,-2 0-270,11 0 1,0 2-1260,-16 11 0,-2 1 1664,10-12 0,2 0 0,-6 9 0,1-1 0,-6 13 0</inkml:trace>
-  <inkml:trace contextRef="#ctx0" brushRef="#br0" timeOffset="222085">9980 11850 10141,'-12'-6'720,"-7"1"-810,17 1 90,-15 2 360,11-1-180,-9 3-180,5-1 0,-1 1-90,-4 0 180,4 18-90,-4-13-90,7 29 90,1-20 90,3 15-90,2 6 0,1-8 0,19 17 0,-14-18-180,28 8 90,-14-17 0,0 0 90,10-10 0,-14-4 0,9-2 0,-10-16 0,0-4 0,-12-18 0,5 7 90,-6-1 180,0 10 89,0-6-359,0 7-90,0-6 180,0 14-90,0 22 0,18 26 0,-13 6-945,10-9 1,4-1-225,4 1-360,8 9 1529,0-18 0,-11-4 0,0-3 0</inkml:trace>
-  <inkml:trace contextRef="#ctx0" brushRef="#br0" timeOffset="222367">10243 11843 10141,'18'39'540,"-13"-6"-540,31 14 0,-11-15 0,-3-3 0,1-1 90,14 4 360,6 16-181,-19-25 181,15 5-450,-23-20 0,8-16-90,-17 4-270,3-49-269,-5 26-1001,1-35 731,-5 22-181,0-2-269,-1 2 1248,0 3 1,0 2 0,0 1 0</inkml:trace>
-  <inkml:trace contextRef="#ctx0" brushRef="#br0" timeOffset="222784">10978 11762 9961,'-47'0'810,"9"0"-810,-3 0 180,14 0-180,-9 0 0,12 0 90,-5 18 0,14-13-90,7 47 0,2-32-90,6 30 90,24-13 0,8-10-225,-3-7 0,1-2 45,18-6 90,12 5 90,-26-16 0,25-12 0,-39-9 540,13-17 89,-32-1-359,5 2-270,-23 8-90,12 32-180,-13 15-719,36 18-90,-13 2-181,29-11-359,-29-1 1619,32-2 0,-32-4 0,15-1 0</inkml:trace>
-  <inkml:trace contextRef="#ctx0" brushRef="#br0" timeOffset="223136">11330 11237 11580,'6'18'1350,"3"12"-1081,-3-26-269,4 31 90,0-18-90,8 35 0,-2-19 0,-3 0 0,1-1-90,5 8 45,-3-6 1,1 1-406,4 6-585,1-2 1,0 1 134,0-2 45,-4-3 1,0-1 45,-5-5 809,-1 13 0,-8-22 0,-3 3 0</inkml:trace>
-  <inkml:trace contextRef="#ctx0" brushRef="#br0" timeOffset="223274">11427 11888 10231,'-11'-18'360,"8"-11"-270,-8 10-180,11-8 180,0-5-270,17 12-989,9-6 359,12 14-89,1 1-271,-6 7 1170,0 1 0,2 1 0,0 0 0</inkml:trace>
-  <inkml:trace contextRef="#ctx0" brushRef="#br0" timeOffset="223635">11882 11639 10141,'-44'0'1619,"8"0"-1619,5 15 0,16 3 90,-1 1-180,14 15 180,-4-17-90,6 30 0,0-17-90,23 17-90,1-22-179,3 4 89,11-15 90,-34-4-180,34-4 270,-18-3 0,14-21 180,-16-6 0,-8-26-90,-10 10 90,0-2 180,0 11 270,-18 2-181,13 1 1,-30-5-270,31 9-90,-12-5-90,6 18 0,7 0-450,-7 29-3057,27 2 1618,8 25 1979,-3-14 0,16-9 0,-17-12 0</inkml:trace>
-  <inkml:trace contextRef="#ctx0" brushRef="#br0" timeOffset="223986">12083 11511 9422,'-9'13'1169,"2"1"-1169,21 4 270,-11 11-180,11-16 0,2 14 180,-12-7-91,23 0 1,-13 12-270,1-10 270,12 17-180,-19-19 540,16 10-180,-15-17 0,1 1-91,-6-8-359,-2-23 1,-2-6-1261,-15-41 811,0 19-271,5 8 1,1 1-181,-2-2 990,3-22 0,6 29 0,-6-10 0</inkml:trace>
-  <inkml:trace contextRef="#ctx0" brushRef="#br0" timeOffset="224952">12763 11375 11311,'-25'0'629,"5"0"-629,5 0 0,6 0 0,2 0 90,3 0-180,1 0 0,1 0-180,0 0 1,-2 0 179,-1 0-90,-2 0-90,1-11-180,-9 1 270,6-4 180,-7-3-180,7 8 180,-1-8-90,4 3 90,0-10 0,4 7 0,-1-15 90,3 16 180,17-7-90,-13 13 90,33 2-180,-17 6-90,23 21 0,-14-14 0,-2 36 0,-9-8 90,1 12-90,-5 19 0,-4-23 90,-6 11-180,-4 0 180,-16-14 0,-2 19-180,-2-28 90,-8 7 0,12-21 0,-9-3 0,4-28 0,10-7 0,4-23 0,30 10 0,-18-1 0,39 13 0,-13 0 90,28 6-180,-8 4-270,-16 10 0,-1 2-809,10 2-687,11 0 1856,-16 17 0,-3-13 0,0 13 0</inkml:trace>
-  <inkml:trace contextRef="#ctx0" brushRef="#br0" timeOffset="225154">13360 11449 10861,'-7'-5'-690,"1"2"0,6 1 1</inkml:trace>
-  <inkml:trace contextRef="#ctx0" brushRef="#br0" timeOffset="225767">13450 11079 11940,'0'26'1799,"6"-10"-1709,0 6 0,6-12-90,-1 15 0,3-4 0,2 6 0,17 24 0,-5-8 0,-2-4 0,2 1 0,5 9 0,-6-8 0,-1-1-380,2 4 380,4 9 0,-16-22 0,-4-6 0,-2-4-1169,-3-2 809,-23-31 270,-7-12 0,-2-21 45,-6 9 0,0-1-346,5-14 346,-13 0 0,-1-1-109,19 19 1,1 0 153,-3-6 0,-1-4 0,3 3-45,3 5 0,1-2 45,-2-9 0,0-5 0,3 5 45,7 12 0,1 0-90,-4-23 0,3 5 45,8 15 90,22-4-90,4 28 0,20 3 0,-3 31 0,-4 6 0,-18 12 0,2 10 0,-20-18-2159,5 20 360,-7-22 1799,0 4 0,0-15 0,0-3 0</inkml:trace>
-  <inkml:trace contextRef="#ctx0" brushRef="#br0" timeOffset="226167">13818 10789 10411,'8'0'1169,"5"13"-989,-2-10 0,12 35-180,-8-22 0,8 23 0,-1-3-90,-3-7 180,7 20-90,-11-25 0,3 13 0,-10-23 0,2 3-180,-7-13 180,1-1-90,-1-40 180,0 15-90,-2-11 0,0-3 270,2 2 0,-1-14 0,1 18-90,-1 2 0,1 4 89,-1 5 1,1 9-270,0-2 0,4 11 0,0-5 90,7 6-90,-4 20-270,5-15-269,-3 32-451,1-33-539,-1 31-2608,6-10 4137,-6 7 0,6-3 0,-6-12 0</inkml:trace>
-  <inkml:trace contextRef="#ctx0" brushRef="#br0" timeOffset="226567">14347 10774 10591,'-18'15'1259,"23"0"-1259,13 17-90,4-10 90,2-1 0,-21-6 0,17-2 0,-17 0 0,6-2 0,-2-2-90,-5-1 0,4-20 90,-6-5 0,-15-26 0,11 9-3392,-22-16 3392,23 20 0,-7-7 91,10 13-1,0 3 90,0 3 0,0 4-90,0 4 0,18 2 3258,5 5-3348,16 0 0,-16 19 133,6-12-223,-16 27-630,11-28-179,-6 29-1979,7-11 2878,-7 1 0,7 9 0,-10-13 0</inkml:trace>
-  <inkml:trace contextRef="#ctx0" brushRef="#br0" timeOffset="227167">14807 10508 9691,'-21'-14'270,"-11"1"-90,18 2-90,-13 0-90,-2-1 90,10 5 90,-14 0-90,14 7-90,-3 0 90,7 15-90,0-12 270,0 27 90,-3-7-181,4 7-89,-4 11-90,8-16 180,-1 18-90,4-17-90,2 7 0,3-10 0,1-1 0,1 1 0,0 6 0,18-7 90,-14 12-90,33-18-90,-17 6 90,12-13-90,-5-1-90,-7-6 90,2-2-89,0 0 179,10-20-90,-7 15 180,11-31-1,-17 14-89,4-18 0,-15 7 180,-2 0 270,-5-1-270,-18 9 450,-2-16-540,-2 19 179,-12-8-358,12 17 89,0 1 179,-7 8-179,17 2 90,-3 21-90,5 5 0,9 13 0,0-1 45,22-4 0,4 1-135,0 12 90,13 1 0,2 0-270,-5 1 270,-6-8 0,-1 0 90,3 5-90,-8-11 0,-2-1 90,-1 1-180,1 3 90,-15-14 0,-4-8-719,-26 1-91,18-9-539,-52 2-630,26-6-1279,-35 2 3258,9-2 0,-9 1 0,32-3 0,0 1 0</inkml:trace>
-  <inkml:trace contextRef="#ctx0" brushRef="#br0" timeOffset="231668">803 13907 8882,'0'-4'1169,"-15"1"-1259,-5 3 90,1 15 0,-7-11 90,23 26-90,-15-26 0,11 40 0,-3-26-90,3 39 180,6-30-90,-1 9 90,2-6 0,16-10 0,-13 8-90,30-15 0,-29-2 0,28-6 0,-12-4 0,17-18 0,-7 13 0,-2-33 0,-3 6-90,-9-8-450,1-17 181,-11 24-91,-3-8-989,-21 5 359,14 11 1080,-35-4 0,33 14 0,-15 1 0</inkml:trace>
-  <inkml:trace contextRef="#ctx0" brushRef="#br0" timeOffset="238002">12293 15136 8702,'-2'-3'989,"-1"1"361,2 1-1440,1 13 90,14-10 90,-10 19-90,26-19 0,-26 12 0,22-12 0,-23 9 0,23-10 0,-15 10 0,23-6-540,-12 4-989,22 1 539,-18-5 990,22 6 0,-21-6 0,7 4 0</inkml:trace>
-  <inkml:trace contextRef="#ctx0" brushRef="#br0" timeOffset="238235">12470 15453 8972,'-6'0'270,"22"0"-2159,5-11 345,26 8 1544,-14-8 0,1 2 0,-11-2 0</inkml:trace>
-  <inkml:trace contextRef="#ctx0" brushRef="#br0" timeOffset="238574">12577 15070 9602,'-21'-6'1349,"5"2"-1079,5 1-1,4 3 1,2 0 0,1 0-270,2 13 0,21 1 0,0 1 0,5 7 0,20-7 0,-25 6-3392,37 10 3482,-28-11-180,6 10 166,-12-7-76,-4 3 0,-3 1-90,-6 22 90,-5-11-360,-1 0 1,-5 1-721,-21 9-269,10-5 0,-2 1 1266,-13 7 1,6-18 0,-1 0 0,-4 10 0</inkml:trace>
-  <inkml:trace contextRef="#ctx0" brushRef="#br0" timeOffset="240286">13990 14997 9422,'-9'-5'1439,"7"1"-989,-7-1-181,2 2-89,6-2 0,-6 3-180,7-2 0,-3 3 0,2 16 0,-2 11 0,20 26 0,-12-7 0,9-13 0,3-1 0,1 5 0,0 8-270,16-15 90,-20-15-179,26 7 179,-21-20-90,12 5 180,-15-27 0,7-3 90,-13-13 0,1 3 0,-5-4 90,-4 8-90,0-17 270,-2 21 90,0-12-270,-16 20-90,12-3-180,-13 10 270,17 4-90,0 25 0,0 9 0,18 12 0,-13 1 0,26-9-1530,-12 13 271,-1-11 1259,22 16 0,-25-23 0,19 4 0</inkml:trace>
-  <inkml:trace contextRef="#ctx0" brushRef="#br0" timeOffset="240722">14545 15020 9152,'-19'16'899,"5"7"-899,14 13 0,0 2 0,19-3 0,-14 1 0,27 2 0,-29-1 0,23-2 0,-23-1 0,22-2 90,-15 7-180,3-14 180,-2 8-90,-6-20-90,0 1-90,-21-29 180,-3-27 0,-19-6 0,21 6 0,3-2-1548,-6-8 1593,7 18 0,2-1-90,6-1 0,1 1 135,-9-15 0,9 11 0,2 2 180,2 3-180,20-12-1,-15 30 91,30 0-180,-13 13 1639,13 2-1639,-12 20 0,6-14 0,-16 31 0,2-9-450,0 19-809,-14-5-90,5-1-360,-6-10 1709,0 0 0,-23 0 0,-6 0 0</inkml:trace>
-  <inkml:trace contextRef="#ctx0" brushRef="#br0" timeOffset="241118">14932 15020 9422,'4'0'719,"1"0"-629,-3 0-90,0 0 0,3 0 0,-1-21 0,7-8 0,-4-13 0,3-17 0,-5 20 0,-1-12 0,-3 1 90,-1 12 720,-15-23-451,11 27-89,-27-12-270,27 24 180,-23-3-180,24 37 0,-8 10 0,11 17 0,17 3 0,-12-7 0,13 2 0,-1 0 0,4 17-270,9-15-540,-9-8 1,0-1-180,5 2 89,0-10 1,1-2-540,7-3 1439,13-1 0,-12-13 0,0-2 0</inkml:trace>
-  <inkml:trace contextRef="#ctx0" brushRef="#br0" timeOffset="241403">15483 14750 10501,'0'-13'989,"-19"5"-719,-6 2-360,-12 26 180,5 5-90,17 12 90,5 0-90,10-8 0,0 0 0,0-2 90,0-1-90,21-2 90,-16-3-90,34 1-90,-12-10 90,-3 1 90,28-12-90,-35 2 0,22-20 0,-19-4 0,-10-21 0,-2 8 0,-8 0-90,-18-1 0,-7 10-539,-23-11 89,9 19-1439,-11-4 360,23 15 1619,-8 0 0,24 6 0,0 0 0</inkml:trace>
-  <inkml:trace contextRef="#ctx0" brushRef="#br0" timeOffset="241784">15805 14677 9961,'-38'17'630,"17"5"-630,-8-1-90,25 15 180,-9-22-180,13 27 180,0-19-630,17 11-89,-13-17-361,30 1 181,-9-10 719,15-3 0,1-4 270,-8-19 719,-14 0-89,-9-21-271,-10 5 1,0 1-180,-16 5-360,12 10 0,-27 9 0,27 21 0,-11 6-450,15 21-539,16-20 89,-12 18 900,25-18 0,-7 2 0,16-6 0</inkml:trace>
-  <inkml:trace contextRef="#ctx0" brushRef="#br0" timeOffset="242200">16183 14630 9512,'-43'0'1439,"7"0"-1529,16 21 180,-3-16-90,14 50 0,-3-34 90,5 41 0,7-30 0,0 17-90,24-25 0,-18 5-90,34-20-90,-36 3 90,32-11-90,-15 3 90,3-21 180,8 12-90,-28-33 0,21 20 0,-17-34 0,4 17 0,-6-12 0,-6-6 0,0 13 225,-7 5 0,-2 1 224,-9-6-134,0 7 0,1 1-225,-1-2 0,-9-12-180,24 26 90,-20 2 0,20 11 0,-7 19 90,10 11-90,17 27 0,-12-4-315,14-11 0,0 0-584,-14 8-316,11-6 1,2-2-495,2 1 1555,7 9 0,-1-21 1,-8-3-1</inkml:trace>
-  <inkml:trace contextRef="#ctx0" brushRef="#br0" timeOffset="242504">16542 14632 9961,'-17'-3'630,"-2"-1"-630,-11 4 0,14 14 90,6 1-180,10 16 90,17-1 0,-13-5 90,13-1-180,3-9 90,-16 0 0,28-1 0,-29-1 0,20-2 90,-20-2 180,15 0-270,-16-1 90,5-2-180,-7-1 90,-22 0 0,16 0 0,-36 0-270,37 0-809,-36-3-181,36 2 1260,-33-3 0,20 1 0,-17-2 0</inkml:trace>
-  <inkml:trace contextRef="#ctx0" brushRef="#br0" timeOffset="242785">16662 14188 10861,'-11'-5'539,"9"1"-269,-9 23 0,26 12-360,-11 13 90,11 4 90,-3-5-90,-9 3-449,10 4 539,-3 2-180,-8 3-1169,6-6 0,2 2-810,-2 13 2069,-4-15 0,1-1 0,7-2 0,-6 0 0</inkml:trace>
-  <inkml:trace contextRef="#ctx0" brushRef="#br0" timeOffset="245284">17377 14319 10411,'14'-3'1079,"-11"-1"-899,11 1-180,-14-1 0,0-1 0,9-1 0,-7 1 0,15-1 90,-15 0-180,15 1 180,-11 1 0,11 2-90,-6 1 0,2-1 90,-1 2-180,1 0 90,0 0 0,3 17 90,-5-2-180,1 4 90,-7 8 0,-3-8 0,-1 14 0,-1-6 0,0 0 0,0-15 0,0 5 0,0-11 0,0 2 0,0-3 0,18 2 0,-13-2 0,30 5 0,-15-5 90,14 10 0,-2-8-90,-8 9 90,-11-8-90,-6 10-90,-7-6 90,0 14-180,-24-9-539,17 7-2070,-52 1 990,37-6 1799,-29 4 0,21-9 0,1 0 0</inkml:trace>
-  <inkml:trace contextRef="#ctx0" brushRef="#br0" timeOffset="245668">16997 14887 11131,'0'-11'1349,"0"1"-1349,15 1 180,-11 1-180,12 0 0,-4 1 0,6-5 0,-1 6-270,21-7-360,-22 10-3507,44-3 4137,-31 5 0,20 0 0,-23 1 0</inkml:trace>
-  <inkml:trace contextRef="#ctx0" brushRef="#br0" timeOffset="246079">18073 14553 11490,'0'0'0</inkml:trace>
-  <inkml:trace contextRef="#ctx0" brushRef="#br0" timeOffset="246535">18278 14343 10051,'-19'19'1349,"3"2"-1349,31 12 0,-11-3 0,25-5 0,-25 1 0,28 1 0,-28 1 0,30-1 0,-29-1 0,25-3 0,-27-1 90,21 2-90,-15-7 90,6 1-90,-25-29 0,9-10-90,-39-31 90,14 5-404,3 10 1,0-1 403,-1-14-45,7 17 0,1-1 45,8-3 0,2 1 90,-12-19 134,8 11 1,4 0-45,5-2-135,-2 14 0,1 1 45,2 2 0,17 1-90,-13 18 90,13 6-90,0 4 0,1 1 0,2 24-90,4 4 180,-10 13-360,6 10-539,-8-19-361,-5 10 1,-7-16-90,0 0 358,0-4 901,0-3 0,0-3 0,0-1 0</inkml:trace>
-  <inkml:trace contextRef="#ctx0" brushRef="#br0" timeOffset="246918">18482 14065 10141,'14'0'990,"-2"0"-990,-2 17 90,-2-13-180,-1 25 180,3-26-90,-1 24-90,3-23 180,-2 27-90,2-19 0,4 19 0,-4-14-360,8 7 270,-11-13 0,3 1 0,-6-8 90,-2-1-180,0-3 180,-1 0-90,-1 0 180,1-18 0,-1-3 270,-1-24 179,1 12 91,-2-3-450,1 10-90,-1 4-90,0 25 0,15-7-180,-11 37-1529,23-9 540,-10 6-1979,17 1 3148,-7-7 0,2-12 0,-7 1 0</inkml:trace>
-  <inkml:trace contextRef="#ctx0" brushRef="#br0" timeOffset="247339">18982 13977 10861,'-20'-10'539,"15"2"-269,-31 4-180,22 2-90,-12 2 0,13 15 90,5 2-90,8 17 0,16-2-360,8-2 270,18-6 90,4-11 90,-9-6-180,-6-7 90,-8 0 90,-12-13 90,-1-3 450,-10-16-270,-18 1-270,14 1-90,-32 13 0,32-2 0,-28 17 0,28 13 0,-10 17 90,37 12-180,-18 2-113,38-7 203,-38 1 0,41 1 0,-17 15 0,12-13 0,-19-10 0,-5 0 0,-3 0 0,7 9 0,-19-21-450,5 1-269,-7-8-181,-26-2-449,19-2 1349,-28-1 0,-6-3 0,10 1 0,-6-1 0,1 0 0</inkml:trace>
+  <inkml:trace contextRef="#ctx0" brushRef="#br0" timeOffset="-213512.73">9542 13560 9512,'14'-20'0,"-3"-4"0,-11-2 179,7-7-89,-5-3 90,11-3-319,-11-2 318,7-1 91,-6 2 0,2 0 90,-2 3-90,-1 4 0,-2 4-91,0 4 136,0 6-225,0 4-22,0 4 832,0 4-900,23 3 0,2 2 89,16 15-89,-4-10 0,-6 9-89,2-3-1,18-7-270,-11 16-180,-5-13 0,-1 1-449,5 10-1440,21 9 451,-29-7 1901,5 11 1,-16-6 0,-4 2 0</inkml:trace>
+  <inkml:trace contextRef="#ctx0" brushRef="#br0" timeOffset="-212595.73">6182 12373 9691,'-23'-2'900,"-9"1"-540,11 0-90,4 15-91,-18-10-179,20 29 0,-13-16 0,2 32 0,10-16 90,-3 23-90,13-24 0,2 6-90,4-17 180,0-3-180,24-5-89,3-6 89,16-2 0,8-5 90,-19-21 0,22-6 0,-25-12-729,6 1 729,-15 12 124,-6 0 56,-6 3 359,0 1-269,-7-1-270,3 5 0,-18 5 806,10 21-806,-10 16-90,33 8 339,-15 5-2228,32 9 360,-8-10-410,8 9 2029,4-16 0,-9-6 0,0-1 0</inkml:trace>
+  <inkml:trace contextRef="#ctx0" brushRef="#br0" timeOffset="-212229.73">6720 12446 10141,'0'9'1080,"0"9"-1080,0 13 90,0 6-180,0-7 180,15 3-90,-11 1 0,25 0 0,-25-1-920,25-1 920,-26-4 150,23-2 29,-23-6-13,16 2-166,-17-9 0,6-2 0,-26-26 0,-4-26-90,-21-2 90,19 4 0,1 1-146,-15-6 146,19 15 0,1-1 90,-12-27-180,8 18-67,-2-19 67,10 33-4228,7-4 4318,20 37 0,-9-10 0,14 19 0</inkml:trace>
+  <inkml:trace contextRef="#ctx0" brushRef="#br0" timeOffset="-211606.73">5860 12317 9152,'-19'-8'719,"-1"0"-449,4 2 90,-1-1 90,2 2-90,1 2-360,2 1 269,5 2 91,0 0-180,5 14-90,-1 8 0,3 9 0,0 7-90,23-4 90,-1 23 0,4-10-90,-8-9 0,-1-1 0,9 5 0,-5-13 0,2-1 90,12 1-90,-2 1 0,-2-11 90,-8-8-90,15-2-90,-18-7-90,12-19 180,-17 13-90,7-45 90,-14 26 90,0-26-180,-5 3 180,-3 11 0,-18-21 90,13 25-180,-12-8 0,3 20 180,11 3-90,-10 24-90,33 8 0,6 2-180,-2 4 0,3 0-540,13-4-719,2 24-2968,6-8 4407,-11-9 0,12 6 0,-16-10 0</inkml:trace>
+  <inkml:trace contextRef="#ctx0" brushRef="#br0" timeOffset="-211091.73">6652 12471 9781,'17'23'360,"-12"15"-360,28-20 360,-10 37-360,-3-18 0,4-3 0,-2 1-549,-5 5 639,23 13-180,-13-6 90,-9-14 0,8 15 180,-16-25 224,2 5-314,-9-16-180,0-1 90,-23-30 0,-5-18-90,-22-9-599,28 18 1,0 0 688,-20-12 90,9-5 214,3-3-349,7 13 0,1-1 135,-6-22-90,6 14 0,3-1 0,1-2-332,4-7 422,7 27 0,4 6 270,17 7 983,5 5-1253,21 21 0,-21 15 0,19 25-180,-18-4-565,2 3 655,4-15-90,-27 0 549,17-3-2348,-14 9 270,3-14 1619,-2 10 0,-6-21 0,3 1 0</inkml:trace>
+  <inkml:trace contextRef="#ctx0" brushRef="#br0" timeOffset="-210745.73">7085 12576 10681,'5'0'270,"-1"-22"-180,1-8 0,-2-14 90,3-18-91,-3 21 46,-1-4 0,-1 0 135,0-1-135,1 2 0,-4 2 45,-19 6 0,16-15-90,-34 26-90,34-2 180,-27 19-180,29 23 90,-10 43-90,13 1-825,-2-17 1,4-1 824,19 15-90,-15 1-45,14-28 1,2-1-586,-4 26-1285,20-4 746,-7-4-181,-7-18 1,2-3 1439,13 10 0,15 2 0,-15-20 0</inkml:trace>
+  <inkml:trace contextRef="#ctx0" brushRef="#br0" timeOffset="-210458.73">7593 12352 10501,'-15'-7'1349,"-3"17"-1349,-1 13 0,-4-2 0,21 22 90,-7-25 0,9 44-90,20-31-180,6 21 0,22-34 90,-1-2 90,-9-11-90,1-25 180,-16-3-180,-6-22 90,-9 1-90,-33 9 1,-6-6-91,-16 20-1014,3-4 384,11 12-179,2 6-1530,3-2 2519,-3 8 0,16-4 0,0 5 0</inkml:trace>
+  <inkml:trace contextRef="#ctx0" brushRef="#br0" timeOffset="-210062.73">7942 12217 10231,'-39'0'450,"18"18"-450,-15 6 90,20 9 0,-4 12-90,8-17 0,12 19 0,0-21 0,23 11-450,5-20 180,25-4 90,-12-8 90,-1-5 90,-2-22 0,-12 17 90,7-35-90,-15 14 180,-8-8 180,-3 1 180,-7 11 89,0 1 1,0-6-630,-18 9 90,14-6-90,-26 17 0,27 20-540,11 23-629,-4 4-1620,30 16 653,-8-30 2004,6 6 0,5-21 0,-10-3 0</inkml:trace>
+  <inkml:trace contextRef="#ctx0" brushRef="#br0" timeOffset="-209324.73">8550 12129 9332,'-42'0'899,"-4"19"-719,16-14-90,-1 36-180,12-23 180,3 20-90,3-9 90,6 1-90,3-1 0,4 9 0,0-11 90,24 8-180,7-24-270,28 4 180,-12-14-782,1 2 872,-15-24 90,-2 15 0,-1-39-409,3 11 409,-11-12 0,-12 13 0,-2-1 0,-3-8 45,-2 4 0,-6 0 45,-16-7 90,14-15 269,-14 31 1,-5 1 180,-8-14-361,4 8 1,-1 2-270,-15 0-208,5-11 388,15 28 0,12 0-90,1 27-90,11 15 0,25 9 0,-12-3 0,2 0-90,29 13-856,-16-5 0,-2 1-314,9 7 540,-13-18 1,1 0 719,22 18 0,-10-16 0,9 7 0</inkml:trace>
+  <inkml:trace contextRef="#ctx0" brushRef="#br0" timeOffset="-209006.73">9040 12014 11311,'-14'12'269,"10"2"-359,-10 15 180,14-3-90,0 8 0,0-8 0,0 8 0,0-11-90,19-2 90,-15-1 0,29 4 180,-29-8-270,19 6 90,-20-12 0,6 2 90,-9-6-180,0 0 90,0 0-90,0 2 180,0-1-809,-19 5-540,14-4-1890,-30 4 3149,20-5 0,-3 1 0,7-3 0</inkml:trace>
+  <inkml:trace contextRef="#ctx0" brushRef="#br0" timeOffset="-208695.73">9440 11547 11850,'3'-3'90,"0"0"-90,-1 3 270,-1 20-180,0 10 0,-1 33-90,0-5-1134,-10-12 1,0 2 1133,5 13 0,-13-18 0,1 0-683,13 19 548,-13-30 0,-2 0-270,11 0 1,0 2-1260,-16 11 0,-2 1 1664,10-12 0,2 0 0,-6 9 0,1-1 0,-6 13 0</inkml:trace>
+  <inkml:trace contextRef="#ctx0" brushRef="#br0" timeOffset="-207411.73">9980 11850 10141,'-12'-6'720,"-7"1"-810,17 1 90,-15 2 360,11-1-180,-9 3-180,5-1 0,-1 1-90,-4 0 180,4 18-90,-4-13-90,7 29 90,1-20 90,3 15-90,2 6 0,1-8 0,19 17 0,-14-18-180,28 8 90,-14-17 0,0 0 90,10-10 0,-14-4 0,9-2 0,-10-16 0,0-4 0,-12-18 0,5 7 90,-6-1 180,0 10 89,0-6-359,0 7-90,0-6 180,0 14-90,0 22 0,18 26 0,-13 6-945,10-9 1,4-1-225,4 1-360,8 9 1529,0-18 0,-11-4 0,0-3 0</inkml:trace>
+  <inkml:trace contextRef="#ctx0" brushRef="#br0" timeOffset="-207129.73">10243 11843 10141,'18'39'540,"-13"-6"-540,31 14 0,-11-15 0,-3-3 0,1-1 90,14 4 360,6 16-181,-19-25 181,15 5-450,-23-20 0,8-16-90,-17 4-270,3-49-269,-5 26-1001,1-35 731,-5 22-181,0-2-269,-1 2 1248,0 3 1,0 2 0,0 1 0</inkml:trace>
+  <inkml:trace contextRef="#ctx0" brushRef="#br0" timeOffset="-206712.73">10978 11762 9961,'-47'0'810,"9"0"-810,-3 0 180,14 0-180,-9 0 0,12 0 90,-5 18 0,14-13-90,7 47 0,2-32-90,6 30 90,24-13 0,8-10-225,-3-7 0,1-2 45,18-6 90,12 5 90,-26-16 0,25-12 0,-39-9 540,13-17 89,-32-1-359,5 2-270,-23 8-90,12 32-180,-13 15-719,36 18-90,-13 2-181,29-11-359,-29-1 1619,32-2 0,-32-4 0,15-1 0</inkml:trace>
+  <inkml:trace contextRef="#ctx0" brushRef="#br0" timeOffset="-206360.73">11330 11237 11580,'6'18'1350,"3"12"-1081,-3-26-269,4 31 90,0-18-90,8 35 0,-2-19 0,-3 0 0,1-1-90,5 8 45,-3-6 1,1 1-406,4 6-585,1-2 1,0 1 134,0-2 45,-4-3 1,0-1 45,-5-5 809,-1 13 0,-8-22 0,-3 3 0</inkml:trace>
+  <inkml:trace contextRef="#ctx0" brushRef="#br0" timeOffset="-206222.73">11427 11888 10231,'-11'-18'360,"8"-11"-270,-8 10-180,11-8 180,0-5-270,17 12-989,9-6 359,12 14-89,1 1-271,-6 7 1170,0 1 0,2 1 0,0 0 0</inkml:trace>
+  <inkml:trace contextRef="#ctx0" brushRef="#br0" timeOffset="-205861.73">11882 11639 10141,'-44'0'1619,"8"0"-1619,5 15 0,16 3 90,-1 1-180,14 15 180,-4-17-90,6 30 0,0-17-90,23 17-90,1-22-179,3 4 89,11-15 90,-34-4-180,34-4 270,-18-3 0,14-21 180,-16-6 0,-8-26-90,-10 10 90,0-2 180,0 11 270,-18 2-181,13 1 1,-30-5-270,31 9-90,-12-5-90,6 18 0,7 0-450,-7 29-3057,27 2 1618,8 25 1979,-3-14 0,16-9 0,-17-12 0</inkml:trace>
+  <inkml:trace contextRef="#ctx0" brushRef="#br0" timeOffset="-205510.73">12083 11511 9422,'-9'13'1169,"2"1"-1169,21 4 270,-11 11-180,11-16 0,2 14 180,-12-7-91,23 0 1,-13 12-270,1-10 270,12 17-180,-19-19 540,16 10-180,-15-17 0,1 1-91,-6-8-359,-2-23 1,-2-6-1261,-15-41 811,0 19-271,5 8 1,1 1-181,-2-2 990,3-22 0,6 29 0,-6-10 0</inkml:trace>
+  <inkml:trace contextRef="#ctx0" brushRef="#br0" timeOffset="-204544.73">12763 11375 11311,'-25'0'629,"5"0"-629,5 0 0,6 0 0,2 0 90,3 0-180,1 0 0,1 0-180,0 0 1,-2 0 179,-1 0-90,-2 0-90,1-11-180,-9 1 270,6-4 180,-7-3-180,7 8 180,-1-8-90,4 3 90,0-10 0,4 7 0,-1-15 90,3 16 180,17-7-90,-13 13 90,33 2-180,-17 6-90,23 21 0,-14-14 0,-2 36 0,-9-8 90,1 12-90,-5 19 0,-4-23 90,-6 11-180,-4 0 180,-16-14 0,-2 19-180,-2-28 90,-8 7 0,12-21 0,-9-3 0,4-28 0,10-7 0,4-23 0,30 10 0,-18-1 0,39 13 0,-13 0 90,28 6-180,-8 4-270,-16 10 0,-1 2-809,10 2-687,11 0 1856,-16 17 0,-3-13 0,0 13 0</inkml:trace>
+  <inkml:trace contextRef="#ctx0" brushRef="#br0" timeOffset="-204342.73">13360 11449 10861,'-7'-5'-690,"1"2"0,6 1 1</inkml:trace>
+  <inkml:trace contextRef="#ctx0" brushRef="#br0" timeOffset="-203729.73">13450 11079 11940,'0'26'1799,"6"-10"-1709,0 6 0,6-12-90,-1 15 0,3-4 0,2 6 0,17 24 0,-5-8 0,-2-4 0,2 1 0,5 9 0,-6-8 0,-1-1-380,2 4 380,4 9 0,-16-22 0,-4-6 0,-2-4-1169,-3-2 809,-23-31 270,-7-12 0,-2-21 45,-6 9 0,0-1-346,5-14 346,-13 0 0,-1-1-109,19 19 1,1 0 153,-3-6 0,-1-4 0,3 3-45,3 5 0,1-2 45,-2-9 0,0-5 0,3 5 45,7 12 0,1 0-90,-4-23 0,3 5 45,8 15 90,22-4-90,4 28 0,20 3 0,-3 31 0,-4 6 0,-18 12 0,2 10 0,-20-18-2159,5 20 360,-7-22 1799,0 4 0,0-15 0,0-3 0</inkml:trace>
+  <inkml:trace contextRef="#ctx0" brushRef="#br0" timeOffset="-203329.73">13818 10789 10411,'8'0'1169,"5"13"-989,-2-10 0,12 35-180,-8-22 0,8 23 0,-1-3-90,-3-7 180,7 20-90,-11-25 0,3 13 0,-10-23 0,2 3-180,-7-13 180,1-1-90,-1-40 180,0 15-90,-2-11 0,0-3 270,2 2 0,-1-14 0,1 18-90,-1 2 0,1 4 89,-1 5 1,1 9-270,0-2 0,4 11 0,0-5 90,7 6-90,-4 20-270,5-15-269,-3 32-451,1-33-539,-1 31-2608,6-10 4137,-6 7 0,6-3 0,-6-12 0</inkml:trace>
+  <inkml:trace contextRef="#ctx0" brushRef="#br0" timeOffset="-202929.73">14347 10774 10591,'-18'15'1259,"23"0"-1259,13 17-90,4-10 90,2-1 0,-21-6 0,17-2 0,-17 0 0,6-2 0,-2-2-90,-5-1 0,4-20 90,-6-5 0,-15-26 0,11 9-3392,-22-16 3392,23 20 0,-7-7 91,10 13-1,0 3 90,0 3 0,0 4-90,0 4 0,18 2 3258,5 5-3348,16 0 0,-16 19 133,6-12-223,-16 27-630,11-28-179,-6 29-1979,7-11 2878,-7 1 0,7 9 0,-10-13 0</inkml:trace>
+  <inkml:trace contextRef="#ctx0" brushRef="#br0" timeOffset="-202329.73">14807 10508 9691,'-21'-14'270,"-11"1"-90,18 2-90,-13 0-90,-2-1 90,10 5 90,-14 0-90,14 7-90,-3 0 90,7 15-90,0-12 270,0 27 90,-3-7-181,4 7-89,-4 11-90,8-16 180,-1 18-90,4-17-90,2 7 0,3-10 0,1-1 0,1 1 0,0 6 0,18-7 90,-14 12-90,33-18-90,-17 6 90,12-13-90,-5-1-90,-7-6 90,2-2-89,0 0 179,10-20-90,-7 15 180,11-31-1,-17 14-89,4-18 0,-15 7 180,-2 0 270,-5-1-270,-18 9 450,-2-16-540,-2 19 179,-12-8-358,12 17 89,0 1 179,-7 8-179,17 2 90,-3 21-90,5 5 0,9 13 0,0-1 45,22-4 0,4 1-135,0 12 90,13 1 0,2 0-270,-5 1 270,-6-8 0,-1 0 90,3 5-90,-8-11 0,-2-1 90,-1 1-180,1 3 90,-15-14 0,-4-8-719,-26 1-91,18-9-539,-52 2-630,26-6-1279,-35 2 3258,9-2 0,-9 1 0,32-3 0,0 1 0</inkml:trace>
+  <inkml:trace contextRef="#ctx0" brushRef="#br0" timeOffset="-197828.73">803 13907 8882,'0'-4'1169,"-15"1"-1259,-5 3 90,1 15 0,-7-11 90,23 26-90,-15-26 0,11 40 0,-3-26-90,3 39 180,6-30-90,-1 9 90,2-6 0,16-10 0,-13 8-90,30-15 0,-29-2 0,28-6 0,-12-4 0,17-18 0,-7 13 0,-2-33 0,-3 6-90,-9-8-450,1-17 181,-11 24-91,-3-8-989,-21 5 359,14 11 1080,-35-4 0,33 14 0,-15 1 0</inkml:trace>
+  <inkml:trace contextRef="#ctx0" brushRef="#br0" timeOffset="-191494.73">12293 15136 8702,'-2'-3'989,"-1"1"361,2 1-1440,1 13 90,14-10 90,-10 19-90,26-19 0,-26 12 0,22-12 0,-23 9 0,23-10 0,-15 10 0,23-6-540,-12 4-989,22 1 539,-18-5 990,22 6 0,-21-6 0,7 4 0</inkml:trace>
+  <inkml:trace contextRef="#ctx0" brushRef="#br0" timeOffset="-191261.73">12470 15453 8972,'-6'0'270,"22"0"-2159,5-11 345,26 8 1544,-14-8 0,1 2 0,-11-2 0</inkml:trace>
+  <inkml:trace contextRef="#ctx0" brushRef="#br0" timeOffset="-190922.73">12577 15070 9602,'-21'-6'1349,"5"2"-1079,5 1-1,4 3 1,2 0 0,1 0-270,2 13 0,21 1 0,0 1 0,5 7 0,20-7 0,-25 6-3392,37 10 3482,-28-11-180,6 10 166,-12-7-76,-4 3 0,-3 1-90,-6 22 90,-5-11-360,-1 0 1,-5 1-721,-21 9-269,10-5 0,-2 1 1266,-13 7 1,6-18 0,-1 0 0,-4 10 0</inkml:trace>
+  <inkml:trace contextRef="#ctx0" brushRef="#br0" timeOffset="-189210.73">13990 14997 9422,'-9'-5'1439,"7"1"-989,-7-1-181,2 2-89,6-2 0,-6 3-180,7-2 0,-3 3 0,2 16 0,-2 11 0,20 26 0,-12-7 0,9-13 0,3-1 0,1 5 0,0 8-270,16-15 90,-20-15-179,26 7 179,-21-20-90,12 5 180,-15-27 0,7-3 90,-13-13 0,1 3 0,-5-4 90,-4 8-90,0-17 270,-2 21 90,0-12-270,-16 20-90,12-3-180,-13 10 270,17 4-90,0 25 0,0 9 0,18 12 0,-13 1 0,26-9-1530,-12 13 271,-1-11 1259,22 16 0,-25-23 0,19 4 0</inkml:trace>
+  <inkml:trace contextRef="#ctx0" brushRef="#br0" timeOffset="-188774.73">14545 15020 9152,'-19'16'899,"5"7"-899,14 13 0,0 2 0,19-3 0,-14 1 0,27 2 0,-29-1 0,23-2 0,-23-1 0,22-2 90,-15 7-180,3-14 180,-2 8-90,-6-20-90,0 1-90,-21-29 180,-3-27 0,-19-6 0,21 6 0,3-2-1548,-6-8 1593,7 18 0,2-1-90,6-1 0,1 1 135,-9-15 0,9 11 0,2 2 180,2 3-180,20-12-1,-15 30 91,30 0-180,-13 13 1639,13 2-1639,-12 20 0,6-14 0,-16 31 0,2-9-450,0 19-809,-14-5-90,5-1-360,-6-10 1709,0 0 0,-23 0 0,-6 0 0</inkml:trace>
+  <inkml:trace contextRef="#ctx0" brushRef="#br0" timeOffset="-188378.73">14932 15020 9422,'4'0'719,"1"0"-629,-3 0-90,0 0 0,3 0 0,-1-21 0,7-8 0,-4-13 0,3-17 0,-5 20 0,-1-12 0,-3 1 90,-1 12 720,-15-23-451,11 27-89,-27-12-270,27 24 180,-23-3-180,24 37 0,-8 10 0,11 17 0,17 3 0,-12-7 0,13 2 0,-1 0 0,4 17-270,9-15-540,-9-8 1,0-1-180,5 2 89,0-10 1,1-2-540,7-3 1439,13-1 0,-12-13 0,0-2 0</inkml:trace>
+  <inkml:trace contextRef="#ctx0" brushRef="#br0" timeOffset="-188093.73">15483 14750 10501,'0'-13'989,"-19"5"-719,-6 2-360,-12 26 180,5 5-90,17 12 90,5 0-90,10-8 0,0 0 0,0-2 90,0-1-90,21-2 90,-16-3-90,34 1-90,-12-10 90,-3 1 90,28-12-90,-35 2 0,22-20 0,-19-4 0,-10-21 0,-2 8 0,-8 0-90,-18-1 0,-7 10-539,-23-11 89,9 19-1439,-11-4 360,23 15 1619,-8 0 0,24 6 0,0 0 0</inkml:trace>
+  <inkml:trace contextRef="#ctx0" brushRef="#br0" timeOffset="-187712.73">15805 14677 9961,'-38'17'630,"17"5"-630,-8-1-90,25 15 180,-9-22-180,13 27 180,0-19-630,17 11-89,-13-17-361,30 1 181,-9-10 719,15-3 0,1-4 270,-8-19 719,-14 0-89,-9-21-271,-10 5 1,0 1-180,-16 5-360,12 10 0,-27 9 0,27 21 0,-11 6-450,15 21-539,16-20 89,-12 18 900,25-18 0,-7 2 0,16-6 0</inkml:trace>
+  <inkml:trace contextRef="#ctx0" brushRef="#br0" timeOffset="-187296.73">16183 14630 9512,'-43'0'1439,"7"0"-1529,16 21 180,-3-16-90,14 50 0,-3-34 90,5 41 0,7-30 0,0 17-90,24-25 0,-18 5-90,34-20-90,-36 3 90,32-11-90,-15 3 90,3-21 180,8 12-90,-28-33 0,21 20 0,-17-34 0,4 17 0,-6-12 0,-6-6 0,0 13 225,-7 5 0,-2 1 224,-9-6-134,0 7 0,1 1-225,-1-2 0,-9-12-180,24 26 90,-20 2 0,20 11 0,-7 19 90,10 11-90,17 27 0,-12-4-315,14-11 0,0 0-584,-14 8-316,11-6 1,2-2-495,2 1 1555,7 9 0,-1-21 1,-8-3-1</inkml:trace>
+  <inkml:trace contextRef="#ctx0" brushRef="#br0" timeOffset="-186992.73">16542 14632 9961,'-17'-3'630,"-2"-1"-630,-11 4 0,14 14 90,6 1-180,10 16 90,17-1 0,-13-5 90,13-1-180,3-9 90,-16 0 0,28-1 0,-29-1 0,20-2 90,-20-2 180,15 0-270,-16-1 90,5-2-180,-7-1 90,-22 0 0,16 0 0,-36 0-270,37 0-809,-36-3-181,36 2 1260,-33-3 0,20 1 0,-17-2 0</inkml:trace>
+  <inkml:trace contextRef="#ctx0" brushRef="#br0" timeOffset="-186711.73">16662 14188 10861,'-11'-5'539,"9"1"-269,-9 23 0,26 12-360,-11 13 90,11 4 90,-3-5-90,-9 3-449,10 4 539,-3 2-180,-8 3-1169,6-6 0,2 2-810,-2 13 2069,-4-15 0,1-1 0,7-2 0,-6 0 0</inkml:trace>
+  <inkml:trace contextRef="#ctx0" brushRef="#br0" timeOffset="-184212.73">17377 14319 10411,'14'-3'1079,"-11"-1"-899,11 1-180,-14-1 0,0-1 0,9-1 0,-7 1 0,15-1 90,-15 0-180,15 1 180,-11 1 0,11 2-90,-6 1 0,2-1 90,-1 2-180,1 0 90,0 0 0,3 17 90,-5-2-180,1 4 90,-7 8 0,-3-8 0,-1 14 0,-1-6 0,0 0 0,0-15 0,0 5 0,0-11 0,0 2 0,0-3 0,18 2 0,-13-2 0,30 5 0,-15-5 90,14 10 0,-2-8-90,-8 9 90,-11-8-90,-6 10-90,-7-6 90,0 14-180,-24-9-539,17 7-2070,-52 1 990,37-6 1799,-29 4 0,21-9 0,1 0 0</inkml:trace>
+  <inkml:trace contextRef="#ctx0" brushRef="#br0" timeOffset="-183828.73">16997 14887 11131,'0'-11'1349,"0"1"-1349,15 1 180,-11 1-180,12 0 0,-4 1 0,6-5 0,-1 6-270,21-7-360,-22 10-3507,44-3 4137,-31 5 0,20 0 0,-23 1 0</inkml:trace>
+  <inkml:trace contextRef="#ctx0" brushRef="#br0" timeOffset="-183417.73">18073 14553 11490,'0'0'0</inkml:trace>
+  <inkml:trace contextRef="#ctx0" brushRef="#br0" timeOffset="-182961.73">18278 14343 10051,'-19'19'1349,"3"2"-1349,31 12 0,-11-3 0,25-5 0,-25 1 0,28 1 0,-28 1 0,30-1 0,-29-1 0,25-3 0,-27-1 90,21 2-90,-15-7 90,6 1-90,-25-29 0,9-10-90,-39-31 90,14 5-404,3 10 1,0-1 403,-1-14-45,7 17 0,1-1 45,8-3 0,2 1 90,-12-19 134,8 11 1,4 0-45,5-2-135,-2 14 0,1 1 45,2 2 0,17 1-90,-13 18 90,13 6-90,0 4 0,1 1 0,2 24-90,4 4 180,-10 13-360,6 10-539,-8-19-361,-5 10 1,-7-16-90,0 0 358,0-4 901,0-3 0,0-3 0,0-1 0</inkml:trace>
+  <inkml:trace contextRef="#ctx0" brushRef="#br0" timeOffset="-182578.73">18482 14065 10141,'14'0'990,"-2"0"-990,-2 17 90,-2-13-180,-1 25 180,3-26-90,-1 24-90,3-23 180,-2 27-90,2-19 0,4 19 0,-4-14-360,8 7 270,-11-13 0,3 1 0,-6-8 90,-2-1-180,0-3 180,-1 0-90,-1 0 180,1-18 0,-1-3 270,-1-24 179,1 12 91,-2-3-450,1 10-90,-1 4-90,0 25 0,15-7-180,-11 37-1529,23-9 540,-10 6-1979,17 1 3148,-7-7 0,2-12 0,-7 1 0</inkml:trace>
+  <inkml:trace contextRef="#ctx0" brushRef="#br0" timeOffset="-182157.73">18982 13977 10861,'-20'-10'539,"15"2"-269,-31 4-180,22 2-90,-12 2 0,13 15 90,5 2-90,8 17 0,16-2-360,8-2 270,18-6 90,4-11 90,-9-6-180,-6-7 90,-8 0 90,-12-13 90,-1-3 450,-10-16-270,-18 1-270,14 1-90,-32 13 0,32-2 0,-28 17 0,28 13 0,-10 17 90,37 12-180,-18 2-113,38-7 203,-38 1 0,41 1 0,-17 15 0,12-13 0,-19-10 0,-5 0 0,-3 0 0,7 9 0,-19-21-450,5 1-269,-7-8-181,-26-2-449,19-2 1349,-28-1 0,-6-3 0,10 1 0,-6-1 0,1 0 0</inkml:trace>
 </inkml:ink>
 </file>
 
@@ -2591,43 +2602,43 @@
   <inkml:trace contextRef="#ctx0" brushRef="#br0" timeOffset="213170">18840 16511 11670,'-11'15'990,"2"14"-900,9 7-180,0 10 90,0 12 0,0-13-2126,8-5 0,0-2 1587,-4 3 89,25 11 914,-27-23-1184,24-4 91,-13-4-271,23-8 630,-13-6 90,19-4 90,-20-26 180,13-8-90,-20-11 180,1-1 0,-12 11 0,-2 0 270,-2-1 179,0-9-629,0 12 630,-17-9-450,13 20-90,-13 26 0,51 9 3284,-25 24-3329,24-22 0,2-3-135,-16 4 0,41 1 90,-31-18-90,10 5 0,-14-7 90,-2 0 90,-3-20-126,0-4 36,-7 0 0,-4-28 0,-6 33 0,-3-28 90,-17 16-90,12 9 270,-33-6 179,22 20-359,-15-1-90,18 28 0,5 10 0,8 12 0,0 23 0,19-22-495,-9-4 1,1-1-586,12 4-918,8 8 559,-27-19 1439,29-9 0,-20-3 0,16-4 0</inkml:trace>
   <inkml:trace contextRef="#ctx0" brushRef="#br0" timeOffset="213463">19617 16654 10051,'0'-13'2069,"0"26"-2069,17-12 90,-13 58-90,24-35-45,-25 13 0,-3 3 135,19-1-180,-17 13 90,6-19 0,-2-2 0,-4-4 90,7 0-90,-9-9-180,6-3 90,-4-11-90,11-39 180,-4 10-45,3-14 0,2-2-314,4-10-136,0 4 0,0 0-570,5-11-150,-3 12 1,1 2 1214,1-3 0,6-5 0,-10 22 0</inkml:trace>
   <inkml:trace contextRef="#ctx0" brushRef="#br0" timeOffset="214583">20635 16084 10591,'-18'-14'2159,"4"0"-1889,14 4-180,-9 2-180,6 2 1619,-6 1-1439,9 28 0,0-4 0,0 27-90,0-6-447,17 8 537,-12 6-831,13 6 741,-5 4-808,-10 2 808,4-32 0,0 1 0,-6 0 0,-2 1-45,1 0 0,0-1-315,0 0 1,0 3-766,0 13 1,0 1-1,0-14 1,0 1 1124,0 21 0,0-2 0,0-1 0,0-23 0,0 1 0</inkml:trace>
-  <inkml:trace contextRef="#ctx0" brushRef="#br0" timeOffset="215849">21433 16391 12210,'0'-18'1349,"0"4"-989,0-1-270,0 7-180,0 1 540,0 3-360,0 16-180,0 13 90,0 10 0,0 6-90,0-4-90,0 4-360,0 3-86,0 1 176,0-1 0,0-1-989,10 13 360,-8-16-630,8 16 1169,-10-31 360,0 1 90,0-16 180,-20-6 90,-5-2 360,0-18-1,-16 11 91,13-45-90,-8 28-226,13-14 1,5-2 45,4 4-90,-3-25-270,17 37 0,26-12-90,12 19 90,-3 4 0,2 1-90,26 1-492,3 0 492,-17 7 0,-2 1 0,0 1 90,10 0 0,-18 17 0,9 0 0,-28 3 0,-2 9 0,-12-10 0,-5 10 0,-1-4 0,0-8 0,0 2 579,-14-7-399,10 1-180,-10-6-630,37-3 271,2-1 89,2-22 90,27-2 270,-35-1 90,35-13 90,-39 16 359,11-12 1,-24 8-540,7 26 0,-9 9 90,0 33-180,0-15-90,0 17 0,0-27-990,20 4 361,8-11 89,11-6 180,-1-2 180,-8-5 181,-2-20-1,0 15 180,-2-35 89,-4 23 361,-3-31-90,-5 20 359,-6-19-719,-3 25-270,-5-6 180,0 13 540,-15 7-450,11 19-180,-11 17 180,15 29-180,0-8 135,9-13 0,1 0-1008,-6 8 963,31 10-360,-32-19-587,29-5 587,-19-3-599,21 1 689,-13-12-180,9-2 450,-13-11 0,0-3 90,-7-22 815,-2 17-635,-3-36 0,-2 25 443,-2-17-444,-1 10 174,0 0-353,0 1 0,0 3 90,0-5-180,-15 14-180,11-8 1079,-10 28-899,14-6 0,-11 12 90,9-5-360,-16-7-2338,12-1 1259,-4-3 1349,5 0 0,1 0 0,1 0 0</inkml:trace>
-  <inkml:trace contextRef="#ctx0" brushRef="#br0" timeOffset="216247">22555 16654 8522,'-18'12'2789,"4"5"-2610,14 18 1,-8-2 0,6 6-180,-6-3 0,8 5 90,0 1-463,-4 5 373,3-1 0,-2 3 90,3-1-90,0 1 92,0-3-92,0 21 0,0-18-1560,0-11 1,0-2 1559,0 4 90,0 3-177,0-18 177,0-6 185,0-4-275,-16-4-90,12-4-359,-29-4 3347,13-1-4877,-16-27 719,10-9 1260,12-1 0,4-4 0,1-24 0,5 26 0,1 0 0</inkml:trace>
-  <inkml:trace contextRef="#ctx0" brushRef="#br0" timeOffset="216663">22910 16671 12750,'0'37'449,"0"-4"-359,0 7-90,0-5 0,0 2 0,0 2 0,0 0 0,0-2-90,0-2-89,10 5-271,-7-11 90,7 1 180,-3-15-450,-5-5 1,4-3 89,1-4 360,-2-2 90,6-1-90,1-22 180,-1-13 0,0 2 0,-1-2 90,5-27-148,-6 29 1,0-2 417,-1-1 0,0 1-180,4-16 135,-3 13 0,0 2 44,0 2-89,4 2-90,-7 23 0,6 21-180,-6-8 205,5 40-205,0-2-90,1 13-225,-3-15 0,0-1-584,4 5-630,0-10 0,0-1-360,8-3 1889,8-4 0,-4-13 0,1-7 0</inkml:trace>
-  <inkml:trace contextRef="#ctx0" brushRef="#br0" timeOffset="217203">23527 16189 9691,'0'11'2969,"0"16"-2699,0 13-180,0 12-923,18-4 923,-13 6-764,13 3 674,-4 6 0,-10-1 45,8-17 0,0 1-45,-9 21 0,6-16 0,0-1 0,-7-2 90,9 14-180,-5-40 394,2-2-574,6-16 90,-2-20 180,14-14 0,-7-9 0,-1 5 0,0 1 478,4-11-478,0-3 0,-1 1 0,-1 3 45,-2 7 0,-2 5 45,-3 16 815,9 1-905,-10 14 179,11 21-179,-10 12 0,7 11 0,-11-11 0,-1 0 0,7 7 45,-4-6 0,0-1-45,3 1 0,10 12 0,-9-32 0,7 7 0,-6-20 0,3 5 0,-1-6-90,8-23 180,-7-8 0,7-28 90,-13 10 0,1-10-180,-11 26-90,0-2 360,-3 15-270,0 27 0,0 10-90,0 18-1079,0 21 89,0-19 1080,6 1 0,4-2 0,9-1 0,15 15 0</inkml:trace>
-  <inkml:trace contextRef="#ctx0" brushRef="#br0" timeOffset="217380">24330 16342 11311,'-14'-23'-90,"3"4"90,2 4-2159,7 5-90,-7 26 2249,28-15 0,-15 38 0,15-15 0</inkml:trace>
-  <inkml:trace contextRef="#ctx0" brushRef="#br0" timeOffset="217649">24578 16874 10501,'9'6'1619,"3"0"-1349,1-5 90,12 0-360,-5-18 90,7 13 0,-10-31-180,1 30 180,-6-36-90,0 24 0,-6-19 0,-1 10-180,-4-11 180,-1 11-90,-18-12 90,14 21-90,-32 2 180,21 10-180,-6 20 0,1 13-90,18 8-180,-7 7-269,9-9-1170,20 19 719,-15-14 1080,13-9 0,3-1 0,5 0 0,19 4 0</inkml:trace>
-  <inkml:trace contextRef="#ctx0" brushRef="#br0" timeOffset="217997">24993 16637 10591,'0'10'1169,"15"-10"-1079,-11 30-90,24-3 0,-25 6 0,11 5 0,-1-12 0,-10 0 0,11-4 90,-6-1-90,-2-3-90,6-8 90,-7-2 0,1-8 90,2-21-90,2 16 0,13-55 0,-7 34 0,9-34 360,2 10-180,-6 13 270,8-13-450,-14 34 0,5-7 90,-11 21-90,4-3 0,-8 25 90,2-15-180,-1 41-180,1-8-180,-3 14-495,-2-17 1,-1-1-765,-1 10 1709,0 19 0,0-30 0,0 5 0</inkml:trace>
-  <inkml:trace contextRef="#ctx0" brushRef="#br0" timeOffset="218196">24613 16175 11850,'28'-14'-90,"-21"4"90,50 4-90,-32 3 0,27 3-719,-15 0-1350,-2 23 2159,-1-17 0,-3 44 0,-2-15 0</inkml:trace>
-  <inkml:trace contextRef="#ctx0" brushRef="#br0" timeOffset="218463">26527 16456 13559,'-29'-16'180,"2"3"-90,12 5-90,-11 4 90,22 22-90,-10 16-540,12-2 1,4 3-541,-2 26-449,0-14 0,0-1-917,0 10 2446,9-19 0,0-1 0,-4 9 0,13-3 0</inkml:trace>
-  <inkml:trace contextRef="#ctx0" brushRef="#br0" timeOffset="218619">26345 16840 10681,'0'-30'0,"28"0"0,-5-2 0,12 8 0,3 1-982,12-14 307,-4 7 1,3 0 314,-20 12 0,1 0 360,7-3 0,5-4 0,-6 3 0,18-13 0,-14 9 0,0-1 0</inkml:trace>
-  <inkml:trace contextRef="#ctx0" brushRef="#br0" timeOffset="219117">26992 16147 9512,'-21'-12'2788,"5"4"-2428,16 24-180,0 12-90,0 16 0,0 3-1289,0-6 1199,0 3 0,0 2 90,0 2-180,0-1 90,13 1 0,-9-2 90,9-2-180,-5 16 90,-6-18 0,6 9-131,-8-14 221,0-14-1079,0 1 899,0-32 90,0-23 0,0-5 0,0-26 90,23 28 180,-2-16-180,6 25 871,1 3-961,-10 15 458,21 22-368,-10-11-90,13 30 0,-18-7 90,14 17-180,-13-8 90,6-14-90,2-3-90,-10-16-180,15 7 360,-18-10-180,9-21 180,-16-8 90,-1-26-90,-9 11 90,-2-1 0,-1 2-180,-18 13 90,14-9 180,-27 23-270,27 18 90,-9 20 0,13 14-1709,23 21 90,-17-18 1619,10-5 0,3-1 0,3 4 0,14 8 0</inkml:trace>
-  <inkml:trace contextRef="#ctx0" brushRef="#br0" timeOffset="219335">27583 16024 10501,'30'-24'899,"-23"3"-809,55 6-90,-19 6 0,12 5-135,-21 8 1,-3 6-1306,3 17 1440,-5 26 0,-17-3 0,-12 6 0</inkml:trace>
-  <inkml:trace contextRef="#ctx0" brushRef="#br0" timeOffset="220282">28352 16359 11760,'-15'-28'1170,"-7"3"-990,20 7 89,-14 1 271,14 8-360,-5 17-90,24 32-90,-13 2 0,11-2 0,0 1 0,-11 7 0,3-6 0,0 0-353,-7 8 263,0 10-180,9-15 90,-7-16-1169,7 3 1349,-3-24-90,-2-17 90,6 6 0,1-29 0,-2-8 90,5 6-90,1-15 0,0-1 90,-1 3-45,-3 11 0,-1 1-45,-1 0-90,2-9 270,-7 30-180,2 1 0,-4 13 353,0 0-263,2 0-180,-1 19 90,5-15 0,-2 35-90,10-8-270,-4 9-1799,15 15 810,-10-24 0,10 7 1349,-6-19 0,3-8 0,1-5 0</inkml:trace>
-  <inkml:trace contextRef="#ctx0" brushRef="#br0" timeOffset="221031">28940 16411 10231,'0'-25'1169,"0"4"-809,0 4-270,0 4 360,-19 1-450,2 7 90,-4 15 0,-2 13-90,20 22 90,-13 9-90,15-9-90,-4 9 0,22-28-90,3 5-180,1-16 180,12-7 180,-8-3 0,-3-27-90,15-5 90,-19-13 90,8-8 0,-11 19-90,-9-14 0,-6 17 0,0 24 0,0 15 90,20 33-180,-15-10-359,29 2-811,-11-7 721,7-9-271,13 4 630,-15-18 0,15-2 270,-18-6 0,3-20 360,-11-4-180,-7-1 269,-2-25-359,-5 32 180,-3-24-360,0 16 0,-17 14-90,12-11 90,-12 17 0,17 14 0,15 5 1439,-2 6-629,5-19-360,-9-16-450,-9 22 0,0 0 0,0 35 0,0-8 0,16 6 0,-12 4 0,10-10 0,-1 2 90,-10 19-1,9-8 1,-1 0 0,-8 5-90,3-10 0,-1 0 90,-5 0 0,0 8-90,0-16 90,0-12-270,-15 3-989,-5-17 90,-19-1-1,7-28-2068,-15-10 3148,19-15 0,-10-5 0,12 7 0</inkml:trace>
-  <inkml:trace contextRef="#ctx0" brushRef="#br0" timeOffset="221197">28735 15996 11580,'60'13'90,"-8"-10"-270,-17 3 1,1 1-2644,26 7 1788,-28-13 1,1 2 771,2 10 0,-1 1 1,2-8-1,-1-1 1,1 7-1,0 0 0</inkml:trace>
-  <inkml:trace contextRef="#ctx0" brushRef="#br0" timeOffset="221814">30380 16296 11760,'5'-17'1529,"-1"2"-1349,-3-3-90,-1 5-90,0 1 0,-17 5 0,-6 4 0,-21 0 0,8 3 0,-1 21 0,13-16 0,2 34 0,2 3-90,9-2-90,18-7 1,3-1 179,-4-1 0,17-6 0,4-2 0,5 0 0,20 9 0,-22-19 89,2-1-898,-29-6 449,-8-5-449,-17-12 359,0-3 540,-5-2-90,25-2 0,13 15 90,18-5-180,15 8 180,1-5-180,-7 4 180,0-5-90,0 2 0,-1-3 0,-2-2 0,-1-1 90,5-10-90,-11 5 270,9-19-270,-21 13 629,-1-29-359,-11 25 0,-4-18-270,-17 27 180,12 0-180,-33 11 90,19 2 0,-4 19-90,-1 6 0,22 10-90,-8 2-990,10 7 91,0-10-2069,24 19 3058,3-24 0,3 3 0,-9-13 0</inkml:trace>
-  <inkml:trace contextRef="#ctx0" brushRef="#br0" timeOffset="222063">30780 15956 9871,'0'16'2969,"18"-14"-2879,-14 32 0,27-31-90,-12 28 90,-2-14-180,26 14-360,-25-15-3418,46 1 1979,-32-16 1889,17 5 0,-20-6 0,-1 0 0</inkml:trace>
-  <inkml:trace contextRef="#ctx0" brushRef="#br0" timeOffset="222846">20548 17979 10591,'-48'0'1169,"-16"17"-1079,27 10 45,4-5 0,3 4 45,9 19-45,2-13 0,3-1-45,13 6-90,15 11 0,13-22-795,26-4 884,3-10-985,9 1 851,-28-12 0,0-1 45,2 3 0,1-1 0,17-8 0,-1-5 0,-14-1 0,0-2 0,20-9 0,-2-4 0,-30 5 0,-2 0 0,4-1 0,-3 0-29,-5-11 29,-13-1-90,-3 1 90,-34-12-360,20 13-899,-27 7 0,-7 4-1264,11 1 2523,-4 9 0,-2 3 0,-4 3 0,1 3 0</inkml:trace>
-  <inkml:trace contextRef="#ctx0" brushRef="#br0" timeOffset="223047">20478 18705 11940,'27'-19'540,"16"15"-540,-23-33-731,11 22 1,4 1 550,15-23-989,1 7 0,3 3 134,-18 9 1,-1 2 1034,14-7 0,0 0 0,-12 8 0,-2 1 0,1 0 0,0 0 0</inkml:trace>
-  <inkml:trace contextRef="#ctx0" brushRef="#br0" timeOffset="223613">21727 17703 11311,'-21'-15'1169,"-6"4"-629,17 5-450,-7 3-1,6 28 91,7-5 0,1 26-180,3-8-1053,-1 6 1053,1 6 0,0-12 0,0 2 0,0 19 0,0-9 0,0 0 0,0 5 0,7-10 0,0-1-90,-4 2 0,10 9-640,-13-18 370,0-14-1349,8 3 1619,-3-19-270,10-16 360,-6-18-89,11-24 268,-5 6 1,14-13 180,-11 26-180,4 5 952,-9 6-1042,-2 18 22,-2-8-112,-2 11 0,1 0 0,-1 14 0,5 9-90,-2 8-2249,11 18 360,-7-17 1853,9 9 1,-4-14 0,1-2-1</inkml:trace>
-  <inkml:trace contextRef="#ctx0" brushRef="#br0" timeOffset="223819">22423 18003 11221,'0'-20'719,"0"3"-89,0 7-270,-14 3-360,11 23 0,-11 10-90,14 12 0,0 7 0,-8-7-1709,6 20 360,-5-14 89,7 12 1350,0-7 0,0-17 0,0 7 0</inkml:trace>
-  <inkml:trace contextRef="#ctx0" brushRef="#br0" timeOffset="224480">22210 18304 10771,'0'-23'989,"0"-2"-809,21 1-90,13-13-90,12 9-2517,7-9 2517,-9 14-90,2 3-526,2 0 166,-4 4-387,1 0 298,-4 4-679,12-6 859,-15 6-181,13-5 540,-29 6 1155,2-3-795,-15 4 978,-3 0-1068,-3 0 1203,-3-4-1293,0 3 321,0-3 848,0 9-539,-14 0-540,11 25-180,-11 8 180,14 27-270,0-9-833,0 5 833,0-14 0,0 3 0,15 0-428,-11 14 518,22-11-180,-23 20-90,19-29-90,-12 11 90,4-27-629,15 1 629,-17-29 180,28-10 0,-20-13 180,15-20 270,-15 18 44,-3 0 1,0 1-405,-4 3 1154,6-14-1154,-13 35 376,-1 1-286,-2 9-90,0 14 0,0-10-180,3 28 180,2-27-90,5 47 0,-2-31 0,8 40 0,-6-32 0,10 12 0,-8-21-90,5 1 0,1-14 90,-2-2-90,11-26 90,-12 16 0,3-35 0,-9 22 180,-1-5 0,-3-9-90,-3 12-90,-1-3 0,-3-1 90,1 22-90,0-7 0,4 24 0,-1 7 0,2 11-1349,4 14 179,-1-16-2158,7 18 1349,-5-23 1979,4 4 0,-5-19 0,1-5 0</inkml:trace>
-  <inkml:trace contextRef="#ctx0" brushRef="#br0" timeOffset="224648">23547 17958 11311,'-13'-22'269,"2"-2"-359,11 13-2248,17 22-181,-13 17 2519,27 13 0,-27 1 0,10-9 0</inkml:trace>
-  <inkml:trace contextRef="#ctx0" brushRef="#br0" timeOffset="224802">23590 18713 9961,'25'-17'-360,"6"-12"0,25 10 1</inkml:trace>
-  <inkml:trace contextRef="#ctx0" brushRef="#br0" timeOffset="225114">24402 18184 10861,'-29'-8'1979,"5"2"-1440,-25 3 181,-3 1-360,14 2 0,-18 16-181,28 3-89,-2 18 0,21-8-90,2 1 0,37-3 0,-7-7-90,11-6 0,4-3 90,8-3-1175,18 4 1175,-20-11 0,-3 2-461,-7-3 371,-5 0 0,-5-20-180,-12-1-90,-3-22-180,-29 12-89,14-2-1980,-36 2 810,12 7 151,-10-5 1648,1 9 0,14 1 0,1 0 0</inkml:trace>
-  <inkml:trace contextRef="#ctx0" brushRef="#br0" timeOffset="225313">24360 17812 10501,'35'-17'1979,"1"-1"-1349,19 1-451,-14 4-89,10 1 0,-21 8-90,-5 2 0,0 16 0,-10-10-539,-4 43-451,-8-24-1529,-15 11 1,-2 2 2518,8 7 0,-16-13 0,-3-2 0,-3 14 0</inkml:trace>
-  <inkml:trace contextRef="#ctx0" brushRef="#br0" timeOffset="225668">25530 17868 12480,'-5'-12'2249,"1"5"-2159,-1 17-90,2 15 0,3 10 0,0 7-90,18 20-540,-13-11-764,10 7 0,0 2-315,-12 3 77,3-15 0,1-1 1632,2-2 0,-7-7 0,7-2 0</inkml:trace>
-  <inkml:trace contextRef="#ctx0" brushRef="#br0" timeOffset="225980">25395 18225 10681,'0'-26'630,"0"2"-451,0 6-89,24-3 0,-18 9-90,40-1 0,-16 10 0,12 2 0,14 18 0,-23-13 0,20 30 0,-26-10 0,-3 0 0,-1 2 180,-5 9 180,8 8 0,-20-31-270,-1 6-90,-4-33 0,1-16 0,-2-8-180,6 6 0,3 0-270,9-3-539,1-10-1,11 17-269,-26 0-630,23 5 1889,-24 1 0,19 5 0,-9 2 0</inkml:trace>
-  <inkml:trace contextRef="#ctx0" brushRef="#br0" timeOffset="226497">26165 18203 11490,'4'-6'1530,"-1"-3"-1440,-1 7-90,0-2 0,1 4 0,0 23 89,2-18-178,5 53-1,0-34-1033,3 30 224,-2-23-180,0-1-181,-2-4-1348,5 3 2608,-4-11 0,3-2 0,-6-11 0</inkml:trace>
-  <inkml:trace contextRef="#ctx0" brushRef="#br0" timeOffset="226664">26307 17854 9961,'0'-11'-1889,"0"24"1889,19 4 0,-2 21 0,17-5 0</inkml:trace>
-  <inkml:trace contextRef="#ctx0" brushRef="#br0" timeOffset="226979">26517 18109 9961,'0'17'1529,"2"2"-989,-1-1-90,2 10-450,-2-6 0,1 4 0,-1-8 90,1 0-90,1-2 0,0-1 0,0-1 0,-1-3-180,2 1 90,-2-4-360,3-2 360,-2-4 90,9-17 0,-3 11 0,14-27 0,-7 7 270,11-15-90,-10 15 540,5-8-630,-11 23-90,4-6 0,-7 9 0,4 6 0,0 17-90,-2 2-810,11 18 91,-8-18-2160,11 11 1260,-9-15 1709,5 3 0,-3-7 0,0-11 0</inkml:trace>
-  <inkml:trace contextRef="#ctx0" brushRef="#br0" timeOffset="227330">27035 17821 11311,'0'-20'2338,"0"5"-1798,0 23-450,0 17 0,0 13-90,0 7 0,13-8 90,-10 20-90,21-13-45,-17-9 0,-1 0-45,8 2-90,5 8 90,-12-21 0,8-4 90,-3-6-90,0-7 90,2 0 0,2-6-90,13 1 180,-6-22-90,22-2 180,-18-3-90,9-8 0,-10 19 0,-9-5-90,4 8 90,-15 11-180,3 0 90,-3 20-1439,2 6 269,-4 22-3057,0 2 4227,-4-12 0,0-13 0,0-16 0</inkml:trace>
-  <inkml:trace contextRef="#ctx0" brushRef="#br0" timeOffset="227513">26697 17578 10771,'41'0'-1889,"1"22"450,2-17 878,-1 44 0,1-26 0,-2 25 0</inkml:trace>
-  <inkml:trace contextRef="#ctx0" brushRef="#br0" timeOffset="229183">28528 18051 12390,'-54'0'1079,"-1"0"-809,12 0-2018,-2 0 1838,-1 20-90,2-15 0,3 35 90,3-23-90,0 34 0,19-18 0,1 12 46,18-16-226,0-1 267,0-3-357,22-2 91,-17-5-1,43-8-270,-14 0 270,13-9-90,13-17 90,-24 10 135,-4-28 0,-3-7-45,-1 10 90,-5-17 0,-5-3 90,-9 1-90,-4 5 0,-1-1 270,-4-9-1459,1 9 1,-2 1 1278,-17-4-90,13-9 758,-12 27-39,5 8 283,9 9-912,-9 23-90,12 21 0,0 12 0,0-4 0,0 1 0,0 14-45,0-6 0,0 1-485,0 8-505,15-5 1,1-1 315,-8-3-136,13-9 1,4-4 224,-4-12-89,15-2 719,-4-15 3751,8-19-3481,-16 10 450,7-31-1,-12 30 1,-3-35 89,-2 35 271,-2-33-900,-5 19 629,-2-10-719,-4 29-90,-1 16 0,0 29 0,19-7-629,-3 9 359,6-21-540,16 10 360,-21-23-269,34 6 539,-24-17 180,9 3-180,0-26 180,-10 16 180,12-50 90,-20 35 629,2-41-629,-15 32-90,1-16 90,-5 22-270,0 18 90,-1 16-90,0 27-180,15-17 0,-11 15-90,22-32-359,-9 27 179,-1-20-90,21 4 270,-22-7 180,27-8 90,-22-15 0,4 11 0,-8-26 180,-2 27 180,-1-26-90,1 13-270,-6-2 719,1-1-629,-5 17 90,0-5-90,1 7 0,2 0 0,3 15 0,2 4-90,8 14 0,-6-14 0,14 10-90,-11-16-180,29 9 180,-24-11 0,25-5-89,-29-6 179,8-20 0,-14-1 89,3-20-89,-8 11 180,-2 0 180,-2 1-90,-2 8-270,-1-3 900,0 10-900,0 64 0,0-26 44,0 23 1,0 3-45,0-9 0,0 16 0,0-2 0,0-15 0,-14 19 0,10-30 0,-24 4-89,12-12 89,0-8-540,-22 0 180,25-9-180,-27-1 270,26-3 270,-1-15 0,12-1 0,22-15 0,12 16 90,28-10-1576,-6 12 1397,6-2-91,-26 2 0,-2 0-219,19 4 129,-8-6 0,-1-3 180,5-2-1021,13-10 931,-23 3 0,-1-2 0,-3-3 180,7-22 0,-11 11 45,-10 5 0,-4-1 1454,-2-9-1005,-6 9 1,-2-1 135,-3-4-361,-10 5 1,-1 2-360,5 5 940,-28-14-580,21 53 918,-3 12-1188,6 18 0,9 6 0,0-9 0,0 2 90,0 0-180,19 11 90,4-13-180,21 15-90,-9-27-464,0 3 644,-10-18-90,0-2 0,1-5 0,-1 0 90,-2 0 0,-2-21 0,2-8 180,-6-11-90,-1-17 0,-11 20 360,-3 3 0,-1 1 90,-1-9-226,0 5 1,0 1-225,0 4 990,0-11-900,-12 50-90,9 35 0,-9 2-1152,12 22 1062,0-23 90,0 1 307,0 0-577,0-2-450,0-2-89,0-1-1620,0 4 900,0-12 1529,0 4 0,0-22 0,0-1 0</inkml:trace>
-  <inkml:trace contextRef="#ctx0" brushRef="#br0" timeOffset="229321">30482 18088 11400,'0'-18'630,"0"1"-540,18 2-90,5-2 0,0 5-540,29 0-539,-30 9-1889,42 1 2968,-33 2 0,8 0 0,-15 0 0</inkml:trace>
-  <inkml:trace contextRef="#ctx0" brushRef="#br0" timeOffset="229567">30108 17635 11670,'0'-32'2159,"28"-10"-1799,7 9-225,-4 9 0,3 1-713,16-2 488,-3-1 189,-18 13-279,-3 4-720,-5 4-1792,4 3 2692,-7 23 0,-3 12 0,-9 22 0</inkml:trace>
-  <inkml:trace contextRef="#ctx0" brushRef="#br0" timeOffset="229714">30227 18578 13469,'15'3'-4587,"0"-1"4587,17-15 0,-18 10 0,0-10 0</inkml:trace>
+  <inkml:trace contextRef="#ctx0" brushRef="#br0" timeOffset="-213647.73">21433 16391 12210,'0'-18'1349,"0"4"-989,0-1-270,0 7-180,0 1 540,0 3-360,0 16-180,0 13 90,0 10 0,0 6-90,0-4-90,0 4-360,0 3-86,0 1 176,0-1 0,0-1-989,10 13 360,-8-16-630,8 16 1169,-10-31 360,0 1 90,0-16 180,-20-6 90,-5-2 360,0-18-1,-16 11 91,13-45-90,-8 28-226,13-14 1,5-2 45,4 4-90,-3-25-270,17 37 0,26-12-90,12 19 90,-3 4 0,2 1-90,26 1-492,3 0 492,-17 7 0,-2 1 0,0 1 90,10 0 0,-18 17 0,9 0 0,-28 3 0,-2 9 0,-12-10 0,-5 10 0,-1-4 0,0-8 0,0 2 579,-14-7-399,10 1-180,-10-6-630,37-3 271,2-1 89,2-22 90,27-2 270,-35-1 90,35-13 90,-39 16 359,11-12 1,-24 8-540,7 26 0,-9 9 90,0 33-180,0-15-90,0 17 0,0-27-990,20 4 361,8-11 89,11-6 180,-1-2 180,-8-5 181,-2-20-1,0 15 180,-2-35 89,-4 23 361,-3-31-90,-5 20 359,-6-19-719,-3 25-270,-5-6 180,0 13 540,-15 7-450,11 19-180,-11 17 180,15 29-180,0-8 135,9-13 0,1 0-1008,-6 8 963,31 10-360,-32-19-587,29-5 587,-19-3-599,21 1 689,-13-12-180,9-2 450,-13-11 0,0-3 90,-7-22 815,-2 17-635,-3-36 0,-2 25 443,-2-17-444,-1 10 174,0 0-353,0 1 0,0 3 90,0-5-180,-15 14-180,11-8 1079,-10 28-899,14-6 0,-11 12 90,9-5-360,-16-7-2338,12-1 1259,-4-3 1349,5 0 0,1 0 0,1 0 0</inkml:trace>
+  <inkml:trace contextRef="#ctx0" brushRef="#br0" timeOffset="-213249.73">22555 16654 8522,'-18'12'2789,"4"5"-2610,14 18 1,-8-2 0,6 6-180,-6-3 0,8 5 90,0 1-463,-4 5 373,3-1 0,-2 3 90,3-1-90,0 1 92,0-3-92,0 21 0,0-18-1560,0-11 1,0-2 1559,0 4 90,0 3-177,0-18 177,0-6 185,0-4-275,-16-4-90,12-4-359,-29-4 3347,13-1-4877,-16-27 719,10-9 1260,12-1 0,4-4 0,1-24 0,5 26 0,1 0 0</inkml:trace>
+  <inkml:trace contextRef="#ctx0" brushRef="#br0" timeOffset="-212833.73">22910 16671 12750,'0'37'449,"0"-4"-359,0 7-90,0-5 0,0 2 0,0 2 0,0 0 0,0-2-90,0-2-89,10 5-271,-7-11 90,7 1 180,-3-15-450,-5-5 1,4-3 89,1-4 360,-2-2 90,6-1-90,1-22 180,-1-13 0,0 2 0,-1-2 90,5-27-148,-6 29 1,0-2 417,-1-1 0,0 1-180,4-16 135,-3 13 0,0 2 44,0 2-89,4 2-90,-7 23 0,6 21-180,-6-8 205,5 40-205,0-2-90,1 13-225,-3-15 0,0-1-584,4 5-630,0-10 0,0-1-360,8-3 1889,8-4 0,-4-13 0,1-7 0</inkml:trace>
+  <inkml:trace contextRef="#ctx0" brushRef="#br0" timeOffset="-212293.73">23527 16189 9691,'0'11'2969,"0"16"-2699,0 13-180,0 12-923,18-4 923,-13 6-764,13 3 674,-4 6 0,-10-1 45,8-17 0,0 1-45,-9 21 0,6-16 0,0-1 0,-7-2 90,9 14-180,-5-40 394,2-2-574,6-16 90,-2-20 180,14-14 0,-7-9 0,-1 5 0,0 1 478,4-11-478,0-3 0,-1 1 0,-1 3 45,-2 7 0,-2 5 45,-3 16 815,9 1-905,-10 14 179,11 21-179,-10 12 0,7 11 0,-11-11 0,-1 0 0,7 7 45,-4-6 0,0-1-45,3 1 0,10 12 0,-9-32 0,7 7 0,-6-20 0,3 5 0,-1-6-90,8-23 180,-7-8 0,7-28 90,-13 10 0,1-10-180,-11 26-90,0-2 360,-3 15-270,0 27 0,0 10-90,0 18-1079,0 21 89,0-19 1080,6 1 0,4-2 0,9-1 0,15 15 0</inkml:trace>
+  <inkml:trace contextRef="#ctx0" brushRef="#br0" timeOffset="-212116.73">24330 16342 11311,'-14'-23'-90,"3"4"90,2 4-2159,7 5-90,-7 26 2249,28-15 0,-15 38 0,15-15 0</inkml:trace>
+  <inkml:trace contextRef="#ctx0" brushRef="#br0" timeOffset="-211847.73">24578 16874 10501,'9'6'1619,"3"0"-1349,1-5 90,12 0-360,-5-18 90,7 13 0,-10-31-180,1 30 180,-6-36-90,0 24 0,-6-19 0,-1 10-180,-4-11 180,-1 11-90,-18-12 90,14 21-90,-32 2 180,21 10-180,-6 20 0,1 13-90,18 8-180,-7 7-269,9-9-1170,20 19 719,-15-14 1080,13-9 0,3-1 0,5 0 0,19 4 0</inkml:trace>
+  <inkml:trace contextRef="#ctx0" brushRef="#br0" timeOffset="-211499.73">24993 16637 10591,'0'10'1169,"15"-10"-1079,-11 30-90,24-3 0,-25 6 0,11 5 0,-1-12 0,-10 0 0,11-4 90,-6-1-90,-2-3-90,6-8 90,-7-2 0,1-8 90,2-21-90,2 16 0,13-55 0,-7 34 0,9-34 360,2 10-180,-6 13 270,8-13-450,-14 34 0,5-7 90,-11 21-90,4-3 0,-8 25 90,2-15-180,-1 41-180,1-8-180,-3 14-495,-2-17 1,-1-1-765,-1 10 1709,0 19 0,0-30 0,0 5 0</inkml:trace>
+  <inkml:trace contextRef="#ctx0" brushRef="#br0" timeOffset="-211300.73">24613 16175 11850,'28'-14'-90,"-21"4"90,50 4-90,-32 3 0,27 3-719,-15 0-1350,-2 23 2159,-1-17 0,-3 44 0,-2-15 0</inkml:trace>
+  <inkml:trace contextRef="#ctx0" brushRef="#br0" timeOffset="-211033.73">26527 16456 13559,'-29'-16'180,"2"3"-90,12 5-90,-11 4 90,22 22-90,-10 16-540,12-2 1,4 3-541,-2 26-449,0-14 0,0-1-917,0 10 2446,9-19 0,0-1 0,-4 9 0,13-3 0</inkml:trace>
+  <inkml:trace contextRef="#ctx0" brushRef="#br0" timeOffset="-210877.73">26345 16840 10681,'0'-30'0,"28"0"0,-5-2 0,12 8 0,3 1-982,12-14 307,-4 7 1,3 0 314,-20 12 0,1 0 360,7-3 0,5-4 0,-6 3 0,18-13 0,-14 9 0,0-1 0</inkml:trace>
+  <inkml:trace contextRef="#ctx0" brushRef="#br0" timeOffset="-210379.73">26992 16147 9512,'-21'-12'2788,"5"4"-2428,16 24-180,0 12-90,0 16 0,0 3-1289,0-6 1199,0 3 0,0 2 90,0 2-180,0-1 90,13 1 0,-9-2 90,9-2-180,-5 16 90,-6-18 0,6 9-131,-8-14 221,0-14-1079,0 1 899,0-32 90,0-23 0,0-5 0,0-26 90,23 28 180,-2-16-180,6 25 871,1 3-961,-10 15 458,21 22-368,-10-11-90,13 30 0,-18-7 90,14 17-180,-13-8 90,6-14-90,2-3-90,-10-16-180,15 7 360,-18-10-180,9-21 180,-16-8 90,-1-26-90,-9 11 90,-2-1 0,-1 2-180,-18 13 90,14-9 180,-27 23-270,27 18 90,-9 20 0,13 14-1709,23 21 90,-17-18 1619,10-5 0,3-1 0,3 4 0,14 8 0</inkml:trace>
+  <inkml:trace contextRef="#ctx0" brushRef="#br0" timeOffset="-210161.73">27583 16024 10501,'30'-24'899,"-23"3"-809,55 6-90,-19 6 0,12 5-135,-21 8 1,-3 6-1306,3 17 1440,-5 26 0,-17-3 0,-12 6 0</inkml:trace>
+  <inkml:trace contextRef="#ctx0" brushRef="#br0" timeOffset="-209214.73">28352 16359 11760,'-15'-28'1170,"-7"3"-990,20 7 89,-14 1 271,14 8-360,-5 17-90,24 32-90,-13 2 0,11-2 0,0 1 0,-11 7 0,3-6 0,0 0-353,-7 8 263,0 10-180,9-15 90,-7-16-1169,7 3 1349,-3-24-90,-2-17 90,6 6 0,1-29 0,-2-8 90,5 6-90,1-15 0,0-1 90,-1 3-45,-3 11 0,-1 1-45,-1 0-90,2-9 270,-7 30-180,2 1 0,-4 13 353,0 0-263,2 0-180,-1 19 90,5-15 0,-2 35-90,10-8-270,-4 9-1799,15 15 810,-10-24 0,10 7 1349,-6-19 0,3-8 0,1-5 0</inkml:trace>
+  <inkml:trace contextRef="#ctx0" brushRef="#br0" timeOffset="-208465.73">28940 16411 10231,'0'-25'1169,"0"4"-809,0 4-270,0 4 360,-19 1-450,2 7 90,-4 15 0,-2 13-90,20 22 90,-13 9-90,15-9-90,-4 9 0,22-28-90,3 5-180,1-16 180,12-7 180,-8-3 0,-3-27-90,15-5 90,-19-13 90,8-8 0,-11 19-90,-9-14 0,-6 17 0,0 24 0,0 15 90,20 33-180,-15-10-359,29 2-811,-11-7 721,7-9-271,13 4 630,-15-18 0,15-2 270,-18-6 0,3-20 360,-11-4-180,-7-1 269,-2-25-359,-5 32 180,-3-24-360,0 16 0,-17 14-90,12-11 90,-12 17 0,17 14 0,15 5 1439,-2 6-629,5-19-360,-9-16-450,-9 22 0,0 0 0,0 35 0,0-8 0,16 6 0,-12 4 0,10-10 0,-1 2 90,-10 19-1,9-8 1,-1 0 0,-8 5-90,3-10 0,-1 0 90,-5 0 0,0 8-90,0-16 90,0-12-270,-15 3-989,-5-17 90,-19-1-1,7-28-2068,-15-10 3148,19-15 0,-10-5 0,12 7 0</inkml:trace>
+  <inkml:trace contextRef="#ctx0" brushRef="#br0" timeOffset="-208299.73">28735 15996 11580,'60'13'90,"-8"-10"-270,-17 3 1,1 1-2644,26 7 1788,-28-13 1,1 2 771,2 10 0,-1 1 1,2-8-1,-1-1 1,1 7-1,0 0 0</inkml:trace>
+  <inkml:trace contextRef="#ctx0" brushRef="#br0" timeOffset="-207682.73">30380 16296 11760,'5'-17'1529,"-1"2"-1349,-3-3-90,-1 5-90,0 1 0,-17 5 0,-6 4 0,-21 0 0,8 3 0,-1 21 0,13-16 0,2 34 0,2 3-90,9-2-90,18-7 1,3-1 179,-4-1 0,17-6 0,4-2 0,5 0 0,20 9 0,-22-19 89,2-1-898,-29-6 449,-8-5-449,-17-12 359,0-3 540,-5-2-90,25-2 0,13 15 90,18-5-180,15 8 180,1-5-180,-7 4 180,0-5-90,0 2 0,-1-3 0,-2-2 0,-1-1 90,5-10-90,-11 5 270,9-19-270,-21 13 629,-1-29-359,-11 25 0,-4-18-270,-17 27 180,12 0-180,-33 11 90,19 2 0,-4 19-90,-1 6 0,22 10-90,-8 2-990,10 7 91,0-10-2069,24 19 3058,3-24 0,3 3 0,-9-13 0</inkml:trace>
+  <inkml:trace contextRef="#ctx0" brushRef="#br0" timeOffset="-207433.73">30780 15956 9871,'0'16'2969,"18"-14"-2879,-14 32 0,27-31-90,-12 28 90,-2-14-180,26 14-360,-25-15-3418,46 1 1979,-32-16 1889,17 5 0,-20-6 0,-1 0 0</inkml:trace>
+  <inkml:trace contextRef="#ctx0" brushRef="#br0" timeOffset="-206650.73">20548 17979 10591,'-48'0'1169,"-16"17"-1079,27 10 45,4-5 0,3 4 45,9 19-45,2-13 0,3-1-45,13 6-90,15 11 0,13-22-795,26-4 884,3-10-985,9 1 851,-28-12 0,0-1 45,2 3 0,1-1 0,17-8 0,-1-5 0,-14-1 0,0-2 0,20-9 0,-2-4 0,-30 5 0,-2 0 0,4-1 0,-3 0-29,-5-11 29,-13-1-90,-3 1 90,-34-12-360,20 13-899,-27 7 0,-7 4-1264,11 1 2523,-4 9 0,-2 3 0,-4 3 0,1 3 0</inkml:trace>
+  <inkml:trace contextRef="#ctx0" brushRef="#br0" timeOffset="-206449.73">20478 18705 11940,'27'-19'540,"16"15"-540,-23-33-731,11 22 1,4 1 550,15-23-989,1 7 0,3 3 134,-18 9 1,-1 2 1034,14-7 0,0 0 0,-12 8 0,-2 1 0,1 0 0,0 0 0</inkml:trace>
+  <inkml:trace contextRef="#ctx0" brushRef="#br0" timeOffset="-205883.73">21727 17703 11311,'-21'-15'1169,"-6"4"-629,17 5-450,-7 3-1,6 28 91,7-5 0,1 26-180,3-8-1053,-1 6 1053,1 6 0,0-12 0,0 2 0,0 19 0,0-9 0,0 0 0,0 5 0,7-10 0,0-1-90,-4 2 0,10 9-640,-13-18 370,0-14-1349,8 3 1619,-3-19-270,10-16 360,-6-18-89,11-24 268,-5 6 1,14-13 180,-11 26-180,4 5 952,-9 6-1042,-2 18 22,-2-8-112,-2 11 0,1 0 0,-1 14 0,5 9-90,-2 8-2249,11 18 360,-7-17 1853,9 9 1,-4-14 0,1-2-1</inkml:trace>
+  <inkml:trace contextRef="#ctx0" brushRef="#br0" timeOffset="-205677.73">22423 18003 11221,'0'-20'719,"0"3"-89,0 7-270,-14 3-360,11 23 0,-11 10-90,14 12 0,0 7 0,-8-7-1709,6 20 360,-5-14 89,7 12 1350,0-7 0,0-17 0,0 7 0</inkml:trace>
+  <inkml:trace contextRef="#ctx0" brushRef="#br0" timeOffset="-205016.73">22210 18304 10771,'0'-23'989,"0"-2"-809,21 1-90,13-13-90,12 9-2517,7-9 2517,-9 14-90,2 3-526,2 0 166,-4 4-387,1 0 298,-4 4-679,12-6 859,-15 6-181,13-5 540,-29 6 1155,2-3-795,-15 4 978,-3 0-1068,-3 0 1203,-3-4-1293,0 3 321,0-3 848,0 9-539,-14 0-540,11 25-180,-11 8 180,14 27-270,0-9-833,0 5 833,0-14 0,0 3 0,15 0-428,-11 14 518,22-11-180,-23 20-90,19-29-90,-12 11 90,4-27-629,15 1 629,-17-29 180,28-10 0,-20-13 180,15-20 270,-15 18 44,-3 0 1,0 1-405,-4 3 1154,6-14-1154,-13 35 376,-1 1-286,-2 9-90,0 14 0,0-10-180,3 28 180,2-27-90,5 47 0,-2-31 0,8 40 0,-6-32 0,10 12 0,-8-21-90,5 1 0,1-14 90,-2-2-90,11-26 90,-12 16 0,3-35 0,-9 22 180,-1-5 0,-3-9-90,-3 12-90,-1-3 0,-3-1 90,1 22-90,0-7 0,4 24 0,-1 7 0,2 11-1349,4 14 179,-1-16-2158,7 18 1349,-5-23 1979,4 4 0,-5-19 0,1-5 0</inkml:trace>
+  <inkml:trace contextRef="#ctx0" brushRef="#br0" timeOffset="-204848.73">23547 17958 11311,'-13'-22'269,"2"-2"-359,11 13-2248,17 22-181,-13 17 2519,27 13 0,-27 1 0,10-9 0</inkml:trace>
+  <inkml:trace contextRef="#ctx0" brushRef="#br0" timeOffset="-204694.73">23590 18713 9961,'25'-17'-360,"6"-12"0,25 10 1</inkml:trace>
+  <inkml:trace contextRef="#ctx0" brushRef="#br0" timeOffset="-204382.73">24402 18184 10861,'-29'-8'1979,"5"2"-1440,-25 3 181,-3 1-360,14 2 0,-18 16-181,28 3-89,-2 18 0,21-8-90,2 1 0,37-3 0,-7-7-90,11-6 0,4-3 90,8-3-1175,18 4 1175,-20-11 0,-3 2-461,-7-3 371,-5 0 0,-5-20-180,-12-1-90,-3-22-180,-29 12-89,14-2-1980,-36 2 810,12 7 151,-10-5 1648,1 9 0,14 1 0,1 0 0</inkml:trace>
+  <inkml:trace contextRef="#ctx0" brushRef="#br0" timeOffset="-204183.73">24360 17812 10501,'35'-17'1979,"1"-1"-1349,19 1-451,-14 4-89,10 1 0,-21 8-90,-5 2 0,0 16 0,-10-10-539,-4 43-451,-8-24-1529,-15 11 1,-2 2 2518,8 7 0,-16-13 0,-3-2 0,-3 14 0</inkml:trace>
+  <inkml:trace contextRef="#ctx0" brushRef="#br0" timeOffset="-203828.73">25530 17868 12480,'-5'-12'2249,"1"5"-2159,-1 17-90,2 15 0,3 10 0,0 7-90,18 20-540,-13-11-764,10 7 0,0 2-315,-12 3 77,3-15 0,1-1 1632,2-2 0,-7-7 0,7-2 0</inkml:trace>
+  <inkml:trace contextRef="#ctx0" brushRef="#br0" timeOffset="-203516.73">25395 18225 10681,'0'-26'630,"0"2"-451,0 6-89,24-3 0,-18 9-90,40-1 0,-16 10 0,12 2 0,14 18 0,-23-13 0,20 30 0,-26-10 0,-3 0 0,-1 2 180,-5 9 180,8 8 0,-20-31-270,-1 6-90,-4-33 0,1-16 0,-2-8-180,6 6 0,3 0-270,9-3-539,1-10-1,11 17-269,-26 0-630,23 5 1889,-24 1 0,19 5 0,-9 2 0</inkml:trace>
+  <inkml:trace contextRef="#ctx0" brushRef="#br0" timeOffset="-202999.73">26165 18203 11490,'4'-6'1530,"-1"-3"-1440,-1 7-90,0-2 0,1 4 0,0 23 89,2-18-178,5 53-1,0-34-1033,3 30 224,-2-23-180,0-1-181,-2-4-1348,5 3 2608,-4-11 0,3-2 0,-6-11 0</inkml:trace>
+  <inkml:trace contextRef="#ctx0" brushRef="#br0" timeOffset="-202832.73">26307 17854 9961,'0'-11'-1889,"0"24"1889,19 4 0,-2 21 0,17-5 0</inkml:trace>
+  <inkml:trace contextRef="#ctx0" brushRef="#br0" timeOffset="-202517.73">26517 18109 9961,'0'17'1529,"2"2"-989,-1-1-90,2 10-450,-2-6 0,1 4 0,-1-8 90,1 0-90,1-2 0,0-1 0,0-1 0,-1-3-180,2 1 90,-2-4-360,3-2 360,-2-4 90,9-17 0,-3 11 0,14-27 0,-7 7 270,11-15-90,-10 15 540,5-8-630,-11 23-90,4-6 0,-7 9 0,4 6 0,0 17-90,-2 2-810,11 18 91,-8-18-2160,11 11 1260,-9-15 1709,5 3 0,-3-7 0,0-11 0</inkml:trace>
+  <inkml:trace contextRef="#ctx0" brushRef="#br0" timeOffset="-202166.73">27035 17821 11311,'0'-20'2338,"0"5"-1798,0 23-450,0 17 0,0 13-90,0 7 0,13-8 90,-10 20-90,21-13-45,-17-9 0,-1 0-45,8 2-90,5 8 90,-12-21 0,8-4 90,-3-6-90,0-7 90,2 0 0,2-6-90,13 1 180,-6-22-90,22-2 180,-18-3-90,9-8 0,-10 19 0,-9-5-90,4 8 90,-15 11-180,3 0 90,-3 20-1439,2 6 269,-4 22-3057,0 2 4227,-4-12 0,0-13 0,0-16 0</inkml:trace>
+  <inkml:trace contextRef="#ctx0" brushRef="#br0" timeOffset="-201983.73">26697 17578 10771,'41'0'-1889,"1"22"450,2-17 878,-1 44 0,1-26 0,-2 25 0</inkml:trace>
+  <inkml:trace contextRef="#ctx0" brushRef="#br0" timeOffset="-200313.73">28528 18051 12390,'-54'0'1079,"-1"0"-809,12 0-2018,-2 0 1838,-1 20-90,2-15 0,3 35 90,3-23-90,0 34 0,19-18 0,1 12 46,18-16-226,0-1 267,0-3-357,22-2 91,-17-5-1,43-8-270,-14 0 270,13-9-90,13-17 90,-24 10 135,-4-28 0,-3-7-45,-1 10 90,-5-17 0,-5-3 90,-9 1-90,-4 5 0,-1-1 270,-4-9-1459,1 9 1,-2 1 1278,-17-4-90,13-9 758,-12 27-39,5 8 283,9 9-912,-9 23-90,12 21 0,0 12 0,0-4 0,0 1 0,0 14-45,0-6 0,0 1-485,0 8-505,15-5 1,1-1 315,-8-3-136,13-9 1,4-4 224,-4-12-89,15-2 719,-4-15 3751,8-19-3481,-16 10 450,7-31-1,-12 30 1,-3-35 89,-2 35 271,-2-33-900,-5 19 629,-2-10-719,-4 29-90,-1 16 0,0 29 0,19-7-629,-3 9 359,6-21-540,16 10 360,-21-23-269,34 6 539,-24-17 180,9 3-180,0-26 180,-10 16 180,12-50 90,-20 35 629,2-41-629,-15 32-90,1-16 90,-5 22-270,0 18 90,-1 16-90,0 27-180,15-17 0,-11 15-90,22-32-359,-9 27 179,-1-20-90,21 4 270,-22-7 180,27-8 90,-22-15 0,4 11 0,-8-26 180,-2 27 180,-1-26-90,1 13-270,-6-2 719,1-1-629,-5 17 90,0-5-90,1 7 0,2 0 0,3 15 0,2 4-90,8 14 0,-6-14 0,14 10-90,-11-16-180,29 9 180,-24-11 0,25-5-89,-29-6 179,8-20 0,-14-1 89,3-20-89,-8 11 180,-2 0 180,-2 1-90,-2 8-270,-1-3 900,0 10-900,0 64 0,0-26 44,0 23 1,0 3-45,0-9 0,0 16 0,0-2 0,0-15 0,-14 19 0,10-30 0,-24 4-89,12-12 89,0-8-540,-22 0 180,25-9-180,-27-1 270,26-3 270,-1-15 0,12-1 0,22-15 0,12 16 90,28-10-1576,-6 12 1397,6-2-91,-26 2 0,-2 0-219,19 4 129,-8-6 0,-1-3 180,5-2-1021,13-10 931,-23 3 0,-1-2 0,-3-3 180,7-22 0,-11 11 45,-10 5 0,-4-1 1454,-2-9-1005,-6 9 1,-2-1 135,-3-4-361,-10 5 1,-1 2-360,5 5 940,-28-14-580,21 53 918,-3 12-1188,6 18 0,9 6 0,0-9 0,0 2 90,0 0-180,19 11 90,4-13-180,21 15-90,-9-27-464,0 3 644,-10-18-90,0-2 0,1-5 0,-1 0 90,-2 0 0,-2-21 0,2-8 180,-6-11-90,-1-17 0,-11 20 360,-3 3 0,-1 1 90,-1-9-226,0 5 1,0 1-225,0 4 990,0-11-900,-12 50-90,9 35 0,-9 2-1152,12 22 1062,0-23 90,0 1 307,0 0-577,0-2-450,0-2-89,0-1-1620,0 4 900,0-12 1529,0 4 0,0-22 0,0-1 0</inkml:trace>
+  <inkml:trace contextRef="#ctx0" brushRef="#br0" timeOffset="-200175.73">30482 18088 11400,'0'-18'630,"0"1"-540,18 2-90,5-2 0,0 5-540,29 0-539,-30 9-1889,42 1 2968,-33 2 0,8 0 0,-15 0 0</inkml:trace>
+  <inkml:trace contextRef="#ctx0" brushRef="#br0" timeOffset="-199929.73">30108 17635 11670,'0'-32'2159,"28"-10"-1799,7 9-225,-4 9 0,3 1-713,16-2 488,-3-1 189,-18 13-279,-3 4-720,-5 4-1792,4 3 2692,-7 23 0,-3 12 0,-9 22 0</inkml:trace>
+  <inkml:trace contextRef="#ctx0" brushRef="#br0" timeOffset="-199782.73">30227 18578 13469,'15'3'-4587,"0"-1"4587,17-15 0,-18 10 0,0-10 0</inkml:trace>
 </inkml:ink>
 </file>
 
@@ -2780,7 +2791,7 @@
           <a:p>
             <a:fld id="{46B3C308-D3E2-504D-BE77-D3D4732D279A}" type="datetimeFigureOut">
               <a:rPr lang="en-VN" smtClean="0"/>
-              <a:t>23/07/2021</a:t>
+              <a:t>26/07/2021</a:t>
             </a:fld>
             <a:endParaRPr lang="en-VN"/>
           </a:p>
@@ -2980,7 +2991,7 @@
           <a:p>
             <a:fld id="{46B3C308-D3E2-504D-BE77-D3D4732D279A}" type="datetimeFigureOut">
               <a:rPr lang="en-VN" smtClean="0"/>
-              <a:t>23/07/2021</a:t>
+              <a:t>26/07/2021</a:t>
             </a:fld>
             <a:endParaRPr lang="en-VN"/>
           </a:p>
@@ -3190,7 +3201,7 @@
           <a:p>
             <a:fld id="{46B3C308-D3E2-504D-BE77-D3D4732D279A}" type="datetimeFigureOut">
               <a:rPr lang="en-VN" smtClean="0"/>
-              <a:t>23/07/2021</a:t>
+              <a:t>26/07/2021</a:t>
             </a:fld>
             <a:endParaRPr lang="en-VN"/>
           </a:p>
@@ -3390,7 +3401,7 @@
           <a:p>
             <a:fld id="{46B3C308-D3E2-504D-BE77-D3D4732D279A}" type="datetimeFigureOut">
               <a:rPr lang="en-VN" smtClean="0"/>
-              <a:t>23/07/2021</a:t>
+              <a:t>26/07/2021</a:t>
             </a:fld>
             <a:endParaRPr lang="en-VN"/>
           </a:p>
@@ -3666,7 +3677,7 @@
           <a:p>
             <a:fld id="{46B3C308-D3E2-504D-BE77-D3D4732D279A}" type="datetimeFigureOut">
               <a:rPr lang="en-VN" smtClean="0"/>
-              <a:t>23/07/2021</a:t>
+              <a:t>26/07/2021</a:t>
             </a:fld>
             <a:endParaRPr lang="en-VN"/>
           </a:p>
@@ -3934,7 +3945,7 @@
           <a:p>
             <a:fld id="{46B3C308-D3E2-504D-BE77-D3D4732D279A}" type="datetimeFigureOut">
               <a:rPr lang="en-VN" smtClean="0"/>
-              <a:t>23/07/2021</a:t>
+              <a:t>26/07/2021</a:t>
             </a:fld>
             <a:endParaRPr lang="en-VN"/>
           </a:p>
@@ -4349,7 +4360,7 @@
           <a:p>
             <a:fld id="{46B3C308-D3E2-504D-BE77-D3D4732D279A}" type="datetimeFigureOut">
               <a:rPr lang="en-VN" smtClean="0"/>
-              <a:t>23/07/2021</a:t>
+              <a:t>26/07/2021</a:t>
             </a:fld>
             <a:endParaRPr lang="en-VN"/>
           </a:p>
@@ -4491,7 +4502,7 @@
           <a:p>
             <a:fld id="{46B3C308-D3E2-504D-BE77-D3D4732D279A}" type="datetimeFigureOut">
               <a:rPr lang="en-VN" smtClean="0"/>
-              <a:t>23/07/2021</a:t>
+              <a:t>26/07/2021</a:t>
             </a:fld>
             <a:endParaRPr lang="en-VN"/>
           </a:p>
@@ -4604,7 +4615,7 @@
           <a:p>
             <a:fld id="{46B3C308-D3E2-504D-BE77-D3D4732D279A}" type="datetimeFigureOut">
               <a:rPr lang="en-VN" smtClean="0"/>
-              <a:t>23/07/2021</a:t>
+              <a:t>26/07/2021</a:t>
             </a:fld>
             <a:endParaRPr lang="en-VN"/>
           </a:p>
@@ -4917,7 +4928,7 @@
           <a:p>
             <a:fld id="{46B3C308-D3E2-504D-BE77-D3D4732D279A}" type="datetimeFigureOut">
               <a:rPr lang="en-VN" smtClean="0"/>
-              <a:t>23/07/2021</a:t>
+              <a:t>26/07/2021</a:t>
             </a:fld>
             <a:endParaRPr lang="en-VN"/>
           </a:p>
@@ -5206,7 +5217,7 @@
           <a:p>
             <a:fld id="{46B3C308-D3E2-504D-BE77-D3D4732D279A}" type="datetimeFigureOut">
               <a:rPr lang="en-VN" smtClean="0"/>
-              <a:t>23/07/2021</a:t>
+              <a:t>26/07/2021</a:t>
             </a:fld>
             <a:endParaRPr lang="en-VN"/>
           </a:p>
@@ -5449,7 +5460,7 @@
           <a:p>
             <a:fld id="{46B3C308-D3E2-504D-BE77-D3D4732D279A}" type="datetimeFigureOut">
               <a:rPr lang="en-VN" smtClean="0"/>
-              <a:t>23/07/2021</a:t>
+              <a:t>26/07/2021</a:t>
             </a:fld>
             <a:endParaRPr lang="en-VN"/>
           </a:p>
@@ -5866,8 +5877,8 @@
           <a:chExt cx="0" cy="0"/>
         </a:xfrm>
       </p:grpSpPr>
-      <mc:AlternateContent xmlns:mc="http://schemas.openxmlformats.org/markup-compatibility/2006">
-        <mc:Choice xmlns:p14="http://schemas.microsoft.com/office/powerpoint/2010/main" Requires="p14">
+      <mc:AlternateContent xmlns:mc="http://schemas.openxmlformats.org/markup-compatibility/2006" xmlns:p14="http://schemas.microsoft.com/office/powerpoint/2010/main">
+        <mc:Choice Requires="p14">
           <p:contentPart p14:bwMode="auto" r:id="rId2">
             <p14:nvContentPartPr>
               <p14:cNvPr id="4" name="Ink 3">
@@ -5886,7 +5897,7 @@
             </p14:xfrm>
           </p:contentPart>
         </mc:Choice>
-        <mc:Fallback>
+        <mc:Fallback xmlns="">
           <p:pic>
             <p:nvPicPr>
               <p:cNvPr id="4" name="Ink 3">
@@ -5947,8 +5958,8 @@
           <a:chExt cx="0" cy="0"/>
         </a:xfrm>
       </p:grpSpPr>
-      <mc:AlternateContent xmlns:mc="http://schemas.openxmlformats.org/markup-compatibility/2006">
-        <mc:Choice xmlns:p14="http://schemas.microsoft.com/office/powerpoint/2010/main" Requires="p14">
+      <mc:AlternateContent xmlns:mc="http://schemas.openxmlformats.org/markup-compatibility/2006" xmlns:p14="http://schemas.microsoft.com/office/powerpoint/2010/main">
+        <mc:Choice Requires="p14">
           <p:contentPart p14:bwMode="auto" r:id="rId2">
             <p14:nvContentPartPr>
               <p14:cNvPr id="2" name="Ink 1">
@@ -5967,7 +5978,7 @@
             </p14:xfrm>
           </p:contentPart>
         </mc:Choice>
-        <mc:Fallback>
+        <mc:Fallback xmlns="">
           <p:pic>
             <p:nvPicPr>
               <p:cNvPr id="2" name="Ink 1">
@@ -6041,6 +6052,186 @@
 </p:sld>
 </file>
 
+<file path=ppt/slides/slide12.xml><?xml version="1.0" encoding="utf-8"?>
+<p:sld xmlns:a="http://schemas.openxmlformats.org/drawingml/2006/main" xmlns:r="http://schemas.openxmlformats.org/officeDocument/2006/relationships" xmlns:p="http://schemas.openxmlformats.org/presentationml/2006/main">
+  <p:cSld>
+    <p:spTree>
+      <p:nvGrpSpPr>
+        <p:cNvPr id="1" name=""/>
+        <p:cNvGrpSpPr/>
+        <p:nvPr/>
+      </p:nvGrpSpPr>
+      <p:grpSpPr>
+        <a:xfrm>
+          <a:off x="0" y="0"/>
+          <a:ext cx="0" cy="0"/>
+          <a:chOff x="0" y="0"/>
+          <a:chExt cx="0" cy="0"/>
+        </a:xfrm>
+      </p:grpSpPr>
+    </p:spTree>
+    <p:extLst>
+      <p:ext uri="{BB962C8B-B14F-4D97-AF65-F5344CB8AC3E}">
+        <p14:creationId xmlns:p14="http://schemas.microsoft.com/office/powerpoint/2010/main" val="3565311130"/>
+      </p:ext>
+    </p:extLst>
+  </p:cSld>
+  <p:clrMapOvr>
+    <a:masterClrMapping/>
+  </p:clrMapOvr>
+</p:sld>
+</file>
+
+<file path=ppt/slides/slide13.xml><?xml version="1.0" encoding="utf-8"?>
+<p:sld xmlns:a="http://schemas.openxmlformats.org/drawingml/2006/main" xmlns:r="http://schemas.openxmlformats.org/officeDocument/2006/relationships" xmlns:p="http://schemas.openxmlformats.org/presentationml/2006/main">
+  <p:cSld>
+    <p:spTree>
+      <p:nvGrpSpPr>
+        <p:cNvPr id="1" name=""/>
+        <p:cNvGrpSpPr/>
+        <p:nvPr/>
+      </p:nvGrpSpPr>
+      <p:grpSpPr>
+        <a:xfrm>
+          <a:off x="0" y="0"/>
+          <a:ext cx="0" cy="0"/>
+          <a:chOff x="0" y="0"/>
+          <a:chExt cx="0" cy="0"/>
+        </a:xfrm>
+      </p:grpSpPr>
+    </p:spTree>
+    <p:extLst>
+      <p:ext uri="{BB962C8B-B14F-4D97-AF65-F5344CB8AC3E}">
+        <p14:creationId xmlns:p14="http://schemas.microsoft.com/office/powerpoint/2010/main" val="2168747173"/>
+      </p:ext>
+    </p:extLst>
+  </p:cSld>
+  <p:clrMapOvr>
+    <a:masterClrMapping/>
+  </p:clrMapOvr>
+</p:sld>
+</file>
+
+<file path=ppt/slides/slide14.xml><?xml version="1.0" encoding="utf-8"?>
+<p:sld xmlns:a="http://schemas.openxmlformats.org/drawingml/2006/main" xmlns:r="http://schemas.openxmlformats.org/officeDocument/2006/relationships" xmlns:p="http://schemas.openxmlformats.org/presentationml/2006/main">
+  <p:cSld>
+    <p:spTree>
+      <p:nvGrpSpPr>
+        <p:cNvPr id="1" name=""/>
+        <p:cNvGrpSpPr/>
+        <p:nvPr/>
+      </p:nvGrpSpPr>
+      <p:grpSpPr>
+        <a:xfrm>
+          <a:off x="0" y="0"/>
+          <a:ext cx="0" cy="0"/>
+          <a:chOff x="0" y="0"/>
+          <a:chExt cx="0" cy="0"/>
+        </a:xfrm>
+      </p:grpSpPr>
+    </p:spTree>
+    <p:extLst>
+      <p:ext uri="{BB962C8B-B14F-4D97-AF65-F5344CB8AC3E}">
+        <p14:creationId xmlns:p14="http://schemas.microsoft.com/office/powerpoint/2010/main" val="3499348013"/>
+      </p:ext>
+    </p:extLst>
+  </p:cSld>
+  <p:clrMapOvr>
+    <a:masterClrMapping/>
+  </p:clrMapOvr>
+</p:sld>
+</file>
+
+<file path=ppt/slides/slide15.xml><?xml version="1.0" encoding="utf-8"?>
+<p:sld xmlns:a="http://schemas.openxmlformats.org/drawingml/2006/main" xmlns:r="http://schemas.openxmlformats.org/officeDocument/2006/relationships" xmlns:p="http://schemas.openxmlformats.org/presentationml/2006/main">
+  <p:cSld>
+    <p:spTree>
+      <p:nvGrpSpPr>
+        <p:cNvPr id="1" name=""/>
+        <p:cNvGrpSpPr/>
+        <p:nvPr/>
+      </p:nvGrpSpPr>
+      <p:grpSpPr>
+        <a:xfrm>
+          <a:off x="0" y="0"/>
+          <a:ext cx="0" cy="0"/>
+          <a:chOff x="0" y="0"/>
+          <a:chExt cx="0" cy="0"/>
+        </a:xfrm>
+      </p:grpSpPr>
+    </p:spTree>
+    <p:extLst>
+      <p:ext uri="{BB962C8B-B14F-4D97-AF65-F5344CB8AC3E}">
+        <p14:creationId xmlns:p14="http://schemas.microsoft.com/office/powerpoint/2010/main" val="3647005628"/>
+      </p:ext>
+    </p:extLst>
+  </p:cSld>
+  <p:clrMapOvr>
+    <a:masterClrMapping/>
+  </p:clrMapOvr>
+</p:sld>
+</file>
+
+<file path=ppt/slides/slide16.xml><?xml version="1.0" encoding="utf-8"?>
+<p:sld xmlns:a="http://schemas.openxmlformats.org/drawingml/2006/main" xmlns:r="http://schemas.openxmlformats.org/officeDocument/2006/relationships" xmlns:p="http://schemas.openxmlformats.org/presentationml/2006/main">
+  <p:cSld>
+    <p:spTree>
+      <p:nvGrpSpPr>
+        <p:cNvPr id="1" name=""/>
+        <p:cNvGrpSpPr/>
+        <p:nvPr/>
+      </p:nvGrpSpPr>
+      <p:grpSpPr>
+        <a:xfrm>
+          <a:off x="0" y="0"/>
+          <a:ext cx="0" cy="0"/>
+          <a:chOff x="0" y="0"/>
+          <a:chExt cx="0" cy="0"/>
+        </a:xfrm>
+      </p:grpSpPr>
+    </p:spTree>
+    <p:extLst>
+      <p:ext uri="{BB962C8B-B14F-4D97-AF65-F5344CB8AC3E}">
+        <p14:creationId xmlns:p14="http://schemas.microsoft.com/office/powerpoint/2010/main" val="1267466016"/>
+      </p:ext>
+    </p:extLst>
+  </p:cSld>
+  <p:clrMapOvr>
+    <a:masterClrMapping/>
+  </p:clrMapOvr>
+</p:sld>
+</file>
+
+<file path=ppt/slides/slide17.xml><?xml version="1.0" encoding="utf-8"?>
+<p:sld xmlns:a="http://schemas.openxmlformats.org/drawingml/2006/main" xmlns:r="http://schemas.openxmlformats.org/officeDocument/2006/relationships" xmlns:p="http://schemas.openxmlformats.org/presentationml/2006/main">
+  <p:cSld>
+    <p:spTree>
+      <p:nvGrpSpPr>
+        <p:cNvPr id="1" name=""/>
+        <p:cNvGrpSpPr/>
+        <p:nvPr/>
+      </p:nvGrpSpPr>
+      <p:grpSpPr>
+        <a:xfrm>
+          <a:off x="0" y="0"/>
+          <a:ext cx="0" cy="0"/>
+          <a:chOff x="0" y="0"/>
+          <a:chExt cx="0" cy="0"/>
+        </a:xfrm>
+      </p:grpSpPr>
+    </p:spTree>
+    <p:extLst>
+      <p:ext uri="{BB962C8B-B14F-4D97-AF65-F5344CB8AC3E}">
+        <p14:creationId xmlns:p14="http://schemas.microsoft.com/office/powerpoint/2010/main" val="3883269546"/>
+      </p:ext>
+    </p:extLst>
+  </p:cSld>
+  <p:clrMapOvr>
+    <a:masterClrMapping/>
+  </p:clrMapOvr>
+</p:sld>
+</file>
+
 <file path=ppt/slides/slide2.xml><?xml version="1.0" encoding="utf-8"?>
 <p:sld xmlns:a="http://schemas.openxmlformats.org/drawingml/2006/main" xmlns:r="http://schemas.openxmlformats.org/officeDocument/2006/relationships" xmlns:p="http://schemas.openxmlformats.org/presentationml/2006/main">
   <p:cSld>
@@ -6058,8 +6249,8 @@
           <a:chExt cx="0" cy="0"/>
         </a:xfrm>
       </p:grpSpPr>
-      <mc:AlternateContent xmlns:mc="http://schemas.openxmlformats.org/markup-compatibility/2006">
-        <mc:Choice xmlns:p14="http://schemas.microsoft.com/office/powerpoint/2010/main" Requires="p14">
+      <mc:AlternateContent xmlns:mc="http://schemas.openxmlformats.org/markup-compatibility/2006" xmlns:p14="http://schemas.microsoft.com/office/powerpoint/2010/main">
+        <mc:Choice Requires="p14">
           <p:contentPart p14:bwMode="auto" r:id="rId2">
             <p14:nvContentPartPr>
               <p14:cNvPr id="2" name="Ink 1">
@@ -6078,7 +6269,7 @@
             </p14:xfrm>
           </p:contentPart>
         </mc:Choice>
-        <mc:Fallback>
+        <mc:Fallback xmlns="">
           <p:pic>
             <p:nvPicPr>
               <p:cNvPr id="2" name="Ink 1">
@@ -6139,8 +6330,8 @@
           <a:chExt cx="0" cy="0"/>
         </a:xfrm>
       </p:grpSpPr>
-      <mc:AlternateContent xmlns:mc="http://schemas.openxmlformats.org/markup-compatibility/2006">
-        <mc:Choice xmlns:p14="http://schemas.microsoft.com/office/powerpoint/2010/main" Requires="p14">
+      <mc:AlternateContent xmlns:mc="http://schemas.openxmlformats.org/markup-compatibility/2006" xmlns:p14="http://schemas.microsoft.com/office/powerpoint/2010/main">
+        <mc:Choice Requires="p14">
           <p:contentPart p14:bwMode="auto" r:id="rId2">
             <p14:nvContentPartPr>
               <p14:cNvPr id="2" name="Ink 1">
@@ -6159,7 +6350,7 @@
             </p14:xfrm>
           </p:contentPart>
         </mc:Choice>
-        <mc:Fallback>
+        <mc:Fallback xmlns="">
           <p:pic>
             <p:nvPicPr>
               <p:cNvPr id="2" name="Ink 1">
@@ -6250,8 +6441,8 @@
           </a:prstGeom>
         </p:spPr>
       </p:pic>
-      <mc:AlternateContent xmlns:mc="http://schemas.openxmlformats.org/markup-compatibility/2006">
-        <mc:Choice xmlns:p14="http://schemas.microsoft.com/office/powerpoint/2010/main" Requires="p14">
+      <mc:AlternateContent xmlns:mc="http://schemas.openxmlformats.org/markup-compatibility/2006" xmlns:p14="http://schemas.microsoft.com/office/powerpoint/2010/main">
+        <mc:Choice Requires="p14">
           <p:contentPart p14:bwMode="auto" r:id="rId3">
             <p14:nvContentPartPr>
               <p14:cNvPr id="3" name="Ink 2">
@@ -6270,7 +6461,7 @@
             </p14:xfrm>
           </p:contentPart>
         </mc:Choice>
-        <mc:Fallback>
+        <mc:Fallback xmlns="">
           <p:pic>
             <p:nvPicPr>
               <p:cNvPr id="3" name="Ink 2">
@@ -6331,8 +6522,8 @@
           <a:chExt cx="0" cy="0"/>
         </a:xfrm>
       </p:grpSpPr>
-      <mc:AlternateContent xmlns:mc="http://schemas.openxmlformats.org/markup-compatibility/2006">
-        <mc:Choice xmlns:p14="http://schemas.microsoft.com/office/powerpoint/2010/main" Requires="p14">
+      <mc:AlternateContent xmlns:mc="http://schemas.openxmlformats.org/markup-compatibility/2006" xmlns:p14="http://schemas.microsoft.com/office/powerpoint/2010/main">
+        <mc:Choice Requires="p14">
           <p:contentPart p14:bwMode="auto" r:id="rId2">
             <p14:nvContentPartPr>
               <p14:cNvPr id="2" name="Ink 1">
@@ -6351,7 +6542,7 @@
             </p14:xfrm>
           </p:contentPart>
         </mc:Choice>
-        <mc:Fallback>
+        <mc:Fallback xmlns="">
           <p:pic>
             <p:nvPicPr>
               <p:cNvPr id="2" name="Ink 1">
@@ -6442,8 +6633,8 @@
           </a:prstGeom>
         </p:spPr>
       </p:pic>
-      <mc:AlternateContent xmlns:mc="http://schemas.openxmlformats.org/markup-compatibility/2006">
-        <mc:Choice xmlns:p14="http://schemas.microsoft.com/office/powerpoint/2010/main" Requires="p14">
+      <mc:AlternateContent xmlns:mc="http://schemas.openxmlformats.org/markup-compatibility/2006" xmlns:p14="http://schemas.microsoft.com/office/powerpoint/2010/main">
+        <mc:Choice Requires="p14">
           <p:contentPart p14:bwMode="auto" r:id="rId3">
             <p14:nvContentPartPr>
               <p14:cNvPr id="3" name="Ink 2">
@@ -6462,7 +6653,7 @@
             </p14:xfrm>
           </p:contentPart>
         </mc:Choice>
-        <mc:Fallback>
+        <mc:Fallback xmlns="">
           <p:pic>
             <p:nvPicPr>
               <p:cNvPr id="3" name="Ink 2">
@@ -6583,8 +6774,8 @@
           </a:prstGeom>
         </p:spPr>
       </p:pic>
-      <mc:AlternateContent xmlns:mc="http://schemas.openxmlformats.org/markup-compatibility/2006">
-        <mc:Choice xmlns:p14="http://schemas.microsoft.com/office/powerpoint/2010/main" Requires="p14">
+      <mc:AlternateContent xmlns:mc="http://schemas.openxmlformats.org/markup-compatibility/2006" xmlns:p14="http://schemas.microsoft.com/office/powerpoint/2010/main">
+        <mc:Choice Requires="p14">
           <p:contentPart p14:bwMode="auto" r:id="rId4">
             <p14:nvContentPartPr>
               <p14:cNvPr id="6" name="Ink 5">
@@ -6603,7 +6794,7 @@
             </p14:xfrm>
           </p:contentPart>
         </mc:Choice>
-        <mc:Fallback>
+        <mc:Fallback xmlns="">
           <p:pic>
             <p:nvPicPr>
               <p:cNvPr id="6" name="Ink 5">
@@ -6664,8 +6855,8 @@
           <a:chExt cx="0" cy="0"/>
         </a:xfrm>
       </p:grpSpPr>
-      <mc:AlternateContent xmlns:mc="http://schemas.openxmlformats.org/markup-compatibility/2006">
-        <mc:Choice xmlns:p14="http://schemas.microsoft.com/office/powerpoint/2010/main" Requires="p14">
+      <mc:AlternateContent xmlns:mc="http://schemas.openxmlformats.org/markup-compatibility/2006" xmlns:p14="http://schemas.microsoft.com/office/powerpoint/2010/main">
+        <mc:Choice Requires="p14">
           <p:contentPart p14:bwMode="auto" r:id="rId2">
             <p14:nvContentPartPr>
               <p14:cNvPr id="2" name="Ink 1">
@@ -6684,7 +6875,7 @@
             </p14:xfrm>
           </p:contentPart>
         </mc:Choice>
-        <mc:Fallback>
+        <mc:Fallback xmlns="">
           <p:pic>
             <p:nvPicPr>
               <p:cNvPr id="2" name="Ink 1">
@@ -6745,8 +6936,8 @@
           <a:chExt cx="0" cy="0"/>
         </a:xfrm>
       </p:grpSpPr>
-      <mc:AlternateContent xmlns:mc="http://schemas.openxmlformats.org/markup-compatibility/2006">
-        <mc:Choice xmlns:p14="http://schemas.microsoft.com/office/powerpoint/2010/main" Requires="p14">
+      <mc:AlternateContent xmlns:mc="http://schemas.openxmlformats.org/markup-compatibility/2006" xmlns:p14="http://schemas.microsoft.com/office/powerpoint/2010/main">
+        <mc:Choice Requires="p14">
           <p:contentPart p14:bwMode="auto" r:id="rId2">
             <p14:nvContentPartPr>
               <p14:cNvPr id="2" name="Ink 1">
@@ -6765,7 +6956,7 @@
             </p14:xfrm>
           </p:contentPart>
         </mc:Choice>
-        <mc:Fallback>
+        <mc:Fallback xmlns="">
           <p:pic>
             <p:nvPicPr>
               <p:cNvPr id="2" name="Ink 1">

--- a/lesson9.pptx
+++ b/lesson9.pptx
@@ -586,6 +586,228 @@
   <inkml:trace contextRef="#ctx0" brushRef="#br0" timeOffset="121733">20465 7112 10051,'-18'-1'-675,"6"13"1,7-8-1,5 9 1</inkml:trace>
   <inkml:trace contextRef="#ctx0" brushRef="#br0" timeOffset="122264">20748 7312 9152,'0'7'989,"0"1"-899,0-1 0,0 2-90,0 0 90,0 2-180,0 2 90,16 2 90,-12 9-180,11-6 0,-2 15 90,-10-14 0,20 5-270,-20-9-89,14-3-1,-16-2 0,12-2 90,-9-4 90,6-1 180,-5-23 0,1-5 0,0-13 90,3-9 0,-2 17 180,6-15-90,-4 29 719,7-12-719,-6 26 90,14-8-180,-10 25-90,14 6 0,-14-1 0,7 27 0,-9-40 0,2 41-90,-5-43 90,-1 24-90,-1-26-180,3 15 180,-1-16 90,9 5 90,-6-21-90,7-7 0,-6 2 90,1-20 0,-6 23 0,-1-18-90,-1 20 180,0-10-90,-1 11 450,-2-3-630,0 6 180,3 10-90,-3 15-90,5-11-720,4 27-359,0-10-1440,17 18 2609,-8-17 0,13 11 0,-7-16 0</inkml:trace>
   <inkml:trace contextRef="#ctx0" brushRef="#br0" timeOffset="122666">21790 7319 10501,'-39'-13'1259,"-1"2"-1169,2 11-180,3 19 90,7 3 90,12 19-180,9-10-90,7 6-359,19-17 179,5 8 180,22-15 360,-2-2-180,-1-7 180,-20-22 180,0 14 179,-21-30-179,5 10 90,-7-8 90,0 1-540,0 4-90,-20 14 180,15-10-90,-26 21 0,28 11 0,-8 16 0,11 11 0,19 19 0,-15-19 0,13-5 0,-2 0-180,-11 6-360,9 19 270,-13-24-1079,-24 16 629,1-21-269,-25 3-495,13-18 0,-1-3 1484,-22 0 0,16-4 0,0-1 0,-18-3 0</inkml:trace>
+</inkml:ink>
+</file>
+
+<file path=ppt/ink/ink11.xml><?xml version="1.0" encoding="utf-8"?>
+<inkml:ink xmlns:inkml="http://www.w3.org/2003/InkML">
+  <inkml:definitions>
+    <inkml:context xml:id="ctx0">
+      <inkml:inkSource xml:id="inkSrc0">
+        <inkml:traceFormat>
+          <inkml:channel name="X" type="integer" min="-2.14748E9" max="2.14748E9" units="cm"/>
+          <inkml:channel name="Y" type="integer" min="-2.14748E9" max="2.14748E9" units="cm"/>
+          <inkml:channel name="F" type="integer" max="32767" units="dev"/>
+        </inkml:traceFormat>
+        <inkml:channelProperties>
+          <inkml:channelProperty channel="X" name="resolution" value="1000" units="1/cm"/>
+          <inkml:channelProperty channel="Y" name="resolution" value="1000" units="1/cm"/>
+          <inkml:channelProperty channel="F" name="resolution" value="0" units="1/dev"/>
+        </inkml:channelProperties>
+      </inkml:inkSource>
+      <inkml:timestamp xml:id="ts0" timeString="2021-07-26T05:58:47.342"/>
+    </inkml:context>
+    <inkml:brush xml:id="br0">
+      <inkml:brushProperty name="width" value="0.09071" units="cm"/>
+      <inkml:brushProperty name="height" value="0.09071" units="cm"/>
+      <inkml:brushProperty name="color" value="#FF0000"/>
+    </inkml:brush>
+  </inkml:definitions>
+  <inkml:trace contextRef="#ctx0" brushRef="#br0">2018 1904 8252,'17'-20'1260,"-13"-8"-991,27 6-179,-27-7 270,24-7-90,-24 4-180,15 4 0,3 0-90,-4-19-254,1 16 0,2-2 344,-3-5 0,-2 1-90,11-23 0,-6 6 0,0-1-212,-9 21 0,-1 0 212,6-25 0,-3 0-45,-6 25 0,-1-2 45,-2-7 0,-1-5 0,-1 5 90,2-20-135,-2 9 0,-5 3-135,-17 13 0,15-9 180,-31 27-360,20 2 270,-17 14 325,5 1-325,3 26 0,-2 11 90,10 14 0,-2 8-45,12-17 0,2 1 45,1-6 0,0 2 0,1 6 0,0 5 0,1-3-106,0-1 1,2 0 105,4 6 0,1 5 0,2-4-1251,2-4 0,0-2 1161,1 13 0,0 2-45,5-5 0,0-2-39,-4-14 1,1 1-232,8 20 1,2-2 134,-5-26 0,1-1-360,6 14 1,0-1 629,6-2 0,11 7 0,-12-22 0</inkml:trace>
+  <inkml:trace contextRef="#ctx0" brushRef="#br0" timeOffset="742">2785 1635 8252,'0'-8'-180,"0"2"180,0 3 360,-10 1-360,7 19 0,-7 8 0,30 12 0,-15 2 0,29-4 0,-31 0 0,28 2-180,-9 10 0,8-12-359,9 15 269,-16-29 90,6 4 0,-8-19-90,0-2 180,-2-4 90,9-24 90,-9 18 180,-3-23 0,-3-6 180,-1 8-226,-5-10 1,-2-3 225,-3 2-180,-1-8 270,-1 10-720,-17 13 360,13-5-90,-12 42-90,16 8 0,22 35 0,2-10-135,-1-16 0,2-2-225,10 6 90,-12-10 0,1-2 90,6-2 0,9 2-179,4-17 269,-13-2 180,20-28-90,-26 18 269,-5-23 1,-4-4 180,-3 9 0,-1-32 90,-9 24-181,-1 3 91,-1 3-180,0-3-540,-17 10 450,13 19-540,4 12-359,18 23 539,20-3 180,-8-12-90,2 2 0,-6-20 90,0 6 0,2-8 90,8 0-90,-10-15 270,8-4 179,-20 0 631,-2-16-720,-10 15-630,-2-14 180,-14 15-1349,26 28 539,-8 15-1259,33 22 2159,-7-14 0,3-1 0,-6-11 0</inkml:trace>
+  <inkml:trace contextRef="#ctx0" brushRef="#br0" timeOffset="966">3160 1240 7713,'-3'-7'0,"1"0"90,2 2-1,23 3-808,-3 15-540,6 18 1259,-12 11 0,-14 16 0,0-4 0</inkml:trace>
+  <inkml:trace contextRef="#ctx0" brushRef="#br0" timeOffset="1758">4545 1366 8792,'21'20'630,"13"-15"-450,-30 38-1,23-22-179,-24 23 0,21-8 90,-21 4-90,20 1 0,-13 16 0,6-13-180,-7-11 1,-2 0-91,3 2-180,4 15 270,-7-29-180,2 3-179,-6-17 269,1-3 90,-2-3 270,3-19 0,-3-15 180,3-31-91,-3 3-690,-1 19 1,1 1 780,-2-7-181,0-8-503,0 17 684,0 21 90,3-7-270,0 23 180,8-5-181,-1 24-89,19 5 90,-11 21-90,17 2 0,-20-8 1487,7-5-1577,-13-10 220,5-6-130,-9-4-180,6-6 90,-7-6 90,8-23 0,-5-10 0,5-15-250,-3-1 340,1 9 0,-1 1 0,5-9-90,-6 16 360,6-4-271,-7 25-89,2 2 90,-1 9-90,2 0 0,0 23 250,4-17-250,1 42-90,3-26-765,-4 7 1,0 4-315,9 7 1085,7 14 1,-4-18-1,0-1 1</inkml:trace>
+  <inkml:trace contextRef="#ctx0" brushRef="#br0" timeOffset="2030">5733 933 10771,'-16'-3'180,"2"21"-180,14 14 0,0 14 0,0 10 45,-1-17 0,2 0-2361,7-6 0,-1 0 2226,-5 12 0,0 0-45,5-12 0,1-1 556,5 32-781,-10-3-180,20-3-135,-18-23 1,-1 0-46,7 13 720,3 16 0,-7-39 0,6 4 0</inkml:trace>
+  <inkml:trace contextRef="#ctx0" brushRef="#br0" timeOffset="2225">6000 1222 10501,'0'-9'1529,"0"24"-1529,-16-13 0,12 55-90,-13-33 0,17 33-809,0-3 269,0-12-180,12-7 1,0 1-270,-6 2 792,19-12 1,5-2 0,-2 5 0,29-2 0</inkml:trace>
+  <inkml:trace contextRef="#ctx0" brushRef="#br0" timeOffset="3425">7767 1365 9781,'16'18'180,"6"7"-270,25-14-269,-5 0-1108,7 10 388,-7-13-91,3 12 1170,2-4 0,1 0 0,0 1 0</inkml:trace>
+  <inkml:trace contextRef="#ctx0" brushRef="#br0" timeOffset="3609">8025 1734 9512,'-9'-17'719,"1"1"-629,8-17-90,25 18-360,-19-14-89,46 18-1350,-8-24 809,14 17 631,-25 5 1,1 0 0,18-2 0,3-1 0</inkml:trace>
+  <inkml:trace contextRef="#ctx0" brushRef="#br0" timeOffset="3862">8327 1322 9512,'-36'-12'1079,"-1"-5"-1079,18 4 0,-5-7 180,22 9-180,-5-4 0,28 9 0,27-2 0,4 6 45,-10 8 0,0 2-45,3-4 0,-8 21 0,-1 5-563,1-3 563,-14 2 0,-3 3-90,0 10-90,-9 4-270,-1 2-225,-9-12 1,-1 0-316,5 17 990,-13-10 0,-1-2 0,4 3 0,-12 9 0</inkml:trace>
+  <inkml:trace contextRef="#ctx0" brushRef="#br0" timeOffset="4264">9478 1189 10411,'-39'0'540,"16"13"-630,-5-9 90,25 21 90,-9-6-180,12 6 90,0 12-270,18-13-90,5 17 270,-1-20-180,30 10 180,-33-17 90,28-2-179,-13-9 268,-7-2-89,9-16 90,-17-6 90,2-18 180,-12 7-90,-4-8-360,-3 16 90,-2 0 90,0 30-270,0 14-989,0 32 359,0-10 1,19 5 809,6-5 0,14-11 0,-1 6 0</inkml:trace>
+  <inkml:trace contextRef="#ctx0" brushRef="#br0" timeOffset="4810">10343 1075 9602,'-26'-17'719,"-15"0"-629,12 9 0,-9 0-90,-10 8 0,15 15 0,8 8 0,-2-3 0,24 37 0,-8-33-135,9 10 0,4 3-45,-2 0-90,21 25 270,-1-28-535,5 9 445,-11-18-90,0-3-90,-11-3-90,11 1 270,-14-8-90,-18 2 0,-3-10 716,-17-1-626,18-17 90,-9 10 90,25-22-180,12 10 180,21-7-90,15 9 0,0-3 0,-6 14 0,-1-15 0,22 7 90,-15-4-135,-9 4 0,-1 2 225,4-4-180,13-11 90,-29 8 0,2-4 360,-18-7-1,-1 8 91,-22-18-180,12 15-90,-29-5-180,30 10 180,-30 2-630,16-3 450,-13 10 0,15 16-360,23 15-90,-3 24 0,27-7-629,-10 16 359,8-23-449,12 19 359,-15-27 720,15 9 0,-18-25 0,7 2 0</inkml:trace>
+  <inkml:trace contextRef="#ctx0" brushRef="#br0" timeOffset="5092">10743 1215 8792,'0'7'630,"14"8"-630,-10 25 0,26-7 0,-26 0 0,22-10 90,-24-2 269,15-2 91,-15 0-90,11-6-450,-9-3 90,5-25 0,6-33 0,-3-2-503,2 3 0,2 1 233,5-6-450,6 0 1,2 1 179,3 4-135,0 8 1,0 4 674,-2 12 0,8 1 0,-14 13 0</inkml:trace>
+  <inkml:trace contextRef="#ctx0" brushRef="#br0" timeOffset="5258">11650 1326 9961,'4'5'-23,"-2"-1"1,0-2 0,-2-1-1</inkml:trace>
+  <inkml:trace contextRef="#ctx0" brushRef="#br0" timeOffset="5675">11885 940 11311,'-16'-18'0,"1"0"0,-1 1 0,3 4-90,-12 4 0,10 6 90,-8 17 0,7-10-90,-2 35 0,2-18-90,1 23 0,4-6 90,5 1-90,2 23 90,3-16 0,8-8 0,4-1 180,12 3-135,0-10 0,2-2 45,13 1 90,5 4 0,-3-10 360,-11-7-180,6 5-270,-18-13 0,-8 5-450,-2-7-449,-38 3-1530,-15 5 2429,-18-1 0,27-5 0,1 1 0,-24 3 0</inkml:trace>
+  <inkml:trace contextRef="#ctx0" brushRef="#br0" timeOffset="8625">2372 4438 7263,'0'-37'719,"13"0"-539,-10-2-951,11-3 1221,-3-4 362,-8-1-362,14 0 0,-15 3-1,8 3-89,-9 4 97,3 1-457,-2 8 0,-1 4-90,1 8 90,-2 5 941,0 4-1031,1 5 180,1 18-90,2-11 0,1 53 90,0-30-1213,1 38 943,0-22-450,0 4-449,1 0-571,-1-13 0,0 1 1650,4 17 0,-3-18 0,0 0 0,5 11 0</inkml:trace>
+  <inkml:trace contextRef="#ctx0" brushRef="#br0" timeOffset="9176">3282 3996 9332,'-17'16'899,"-5"-4"-989,-14-12 90,3 0-90,9 0-90,5-15 180,6 11-90,2-21 0,1 23 1,2-21 89,1 20-90,4-25 0,1 10 90,2-6 0,0 3 0,17 10-90,-13 2 180,33 4-90,-18 3 0,16 19 0,-18 10 90,4 25-90,-19-8-227,7 6 227,-9-15 0,0 3 0,0-2-90,-17 16 0,-3-15-45,1-8 0,0-2-45,-2-1-809,-11 5 989,17-21 0,-12-1-90,8-27 0,8-3 270,5-20 180,25 3-270,5 6 316,23 13-316,2 10 0,-8 9-90,13 0 0,-22 17-630,24 3-89,-23 1-500,10 12 1219,-12-20 0,-1 14 0,1-8 0</inkml:trace>
+  <inkml:trace contextRef="#ctx0" brushRef="#br0" timeOffset="9598">3740 3907 9242,'-11'-2'-90,"2"1"180,9-1 0,0 0-180,21-1 270,-1 2-270,24 0 90,-7 1 0,-13 16-180,8-12-270,-19 24 180,4-9-180,-8 19 271,-9-4-91,-17 13 180,13-20 90,-12 8-90,4-8 90,9-7 0,-9 5 90,12-13 0,16 4 90,-12-7 89,25 4 181,-25-4 0,10 2 90,-3 2-450,-8-3 0,8 14-90,-11-8 0,-16 9-180,12-4-270,-32 1-180,31 2-179,-33-2-361,34-2 1170,-32-3 0,32-4 0,-13-3 0</inkml:trace>
+  <inkml:trace contextRef="#ctx0" brushRef="#br0" timeOffset="9960">4660 3729 9781,'-21'-1'450,"-7"0"-360,25 16 0,-8 7-180,11 23 90,0-6 0,0-4 0,0 1 0,0 2 0,0 29 0,0-41-90,0 8 270,0-18-270,0 1 90,0-10-90,0-1-270,20-3-89,0-1-1,15-1-630,4-1 361,-11-14-1,9 10 720,-10-10 0,-1-1 0,-2-4 0</inkml:trace>
+  <inkml:trace contextRef="#ctx0" brushRef="#br0" timeOffset="10142">4920 3985 8792,'-17'10'1439,"4"1"-1439,13 14 0,0-6-180,0 5-180,0-4-179,0 3-181,0 1-539,19 10 180,-14-8 1079,29 6 0,-20-15 0,14-1 0</inkml:trace>
+  <inkml:trace contextRef="#ctx0" brushRef="#br0" timeOffset="10542">5398 3933 10681,'-19'-6'809,"14"1"-899,-14 2 90,6 2 0,10 15 0,-9 5 0,32 20 0,-14-10 0,28 3 90,-31-10-180,22 8 90,-12-10-269,1 11 89,-4-16-1169,-10 5 629,0-11-809,0-2 719,-23-4 450,-3-22 450,-14 14 270,15-20 0,1-4 0,-7 5-180,6-11 0,2-2-1,-1-4 181,-3-12 450,19 4-540,2 15-90,6-16-270,0 26 270,21-7-270,3 17-270,24-1-180,-13 9-180,3 3-1168,5 3 1888,-8 0 0,10 15 0,-12 5 0</inkml:trace>
+  <inkml:trace contextRef="#ctx0" brushRef="#br0" timeOffset="10864">5922 3728 10501,'-39'-8'450,"4"2"-450,14 25 0,-5-14 0,24 36-90,-19-24 90,19 21-90,-7-8-360,9 14 180,0-9-269,23 20 449,7-24 90,0 5-135,3-22 0,0-2 135,-7 5 0,12-8 0,3-3 0,-2-1 90,21-4-90,-31-15 539,1-7-449,-20-9-180,-25 10 0,-20 10 90,-14 10-539,-5 0-541,20 7 1,1 1 875,-16-4 1,16 13-1,2 3 1,-10 6 0</inkml:trace>
+  <inkml:trace contextRef="#ctx0" brushRef="#br0" timeOffset="12786">7908 3681 9332,'-49'0'809,"8"-1"-449,-4 1-90,7 0-90,0 17-641,-2-12 371,2 30 0,1-30 90,5 33 152,3-22-242,8 16 0,8-9 180,6 6-90,7-8 76,19 10 14,16-17-90,9 3 0,-6-14 0,0-2 90,10 1 0,-8-9 0,-1-2-90,2 5-810,10-28-846,-34 17 1656,-2-15 0,-34 6 0,-4 0 0</inkml:trace>
+  <inkml:trace contextRef="#ctx0" brushRef="#br0" timeOffset="12975">7687 4320 9242,'14'5'1709,"0"-2"-1709,15-1 0,-7-19 0,-1 13-90,-1-27-540,4 28-1349,20-45 630,-5 26 1287,-11-1 0,0-2 1,18-6-1,3 2 1</inkml:trace>
+  <inkml:trace contextRef="#ctx0" brushRef="#br0" timeOffset="14109">8993 3886 7713,'15'-22'719,"-11"-15"-359,43-1-180,-28-8-304,3 17 0,3 0 214,-6-7 0,-2-1 90,11-22-45,-8 5 0,-3 0-135,-2-10 315,-7 10 0,-3 0 95,-2-4-455,-9 7 0,-5 2-45,-9 8 71,-17-14 19,0 45 0,17 27 0,-9 4 0,25 26 0,-9-2-1175,13 6 1175,0 7 0,-2-13 0,4 1 0,10-13 0,3 1-135,1 24 0,3-1-45,5-26 0,2-2 90,-1 9 0,-1-2-270,12 8 91,0-8-901,2-5 1080,-1-7-707,-1-7 258,1-5-254,14-7 793,-12-4 0,22-24 90,-29-6 135,-9 3 0,-1-3 135,-2-12 179,2 1 1,-14 17 961,-4 2-1591,-2 1 952,-2 29-773,0 7-89,0 28-179,18-10 572,4 3-573,22-17 0,-9-4-89,2-9-91,16-7 270,-21-21 90,18 16 0,-27-32 180,3 14 0,-10 2 269,4-13-359,-15 21 495,3-4-585,-7 25 90,1 15-90,16 21 0,-13-10 90,27 1-90,-29-14 0,29-2-90,-18-9 0,29 5-90,-15-13 90,20 6 90,-18-26 0,13-7 0,-20-10 90,2-1 360,-13-5 89,-7 12 181,-1-18-720,-4 24-180,-15-7 180,11 18 0,-11 17-90,15 8 180,21 5-90,-16 12 0,31-26-360,-13 28 270,5-18-270,15 8 271,-19-10-181,19-7 90,-20-5 270,6 0-90,-10 0-90,-2-17 90,1 13 90,1-29-90,-6 16 90,4-11-90,-11 12 0,2 5 90,-6 11-90,0 0 0,0 0 0,1 0 0,0 0-180,1 20-1529,7 4 539,0 0 1170,5 15 0,-1-34 0,1 15 0</inkml:trace>
+  <inkml:trace contextRef="#ctx0" brushRef="#br0" timeOffset="14358">9953 3386 9062,'0'-9'0,"0"-1"0,28-4 0,-1 3 90,27-2-1439,-12 8 179,-17 27 1170,-9-1 0,-16 25 0,0-8 0</inkml:trace>
+  <inkml:trace contextRef="#ctx0" brushRef="#br0" timeOffset="15228">11420 3173 10951,'-19'-17'-360,"4"3"450,5 4 90,3 2-180,4 26 90,25-15-90,-16 43-360,34-4-90,-14 12-1577,-3 8 1308,16-18 179,-35 1 0,28-1-179,-22 11 629,5-16-270,-8 15 450,-7-30-90,0 2 270,0-16 539,-24-4-89,4-3 1307,-24-19-1847,15-3-180,10-20 0,8 8 0,11-2 0,0 7-90,19-2 0,-15 0-90,40-2-284,-23 1 194,25 0-90,-9 1-45,-8 9 0,1 0 46,15-10 224,-6 6 0,-1 1 135,3-4 135,-10 6 0,0 1 134,0-1 1,2-4 810,-15 5-720,-9 7 719,-2-5-629,-6 9-91,-1-1-359,0 5 375,0 15-375,0 25 0,0 3 0,0 15-237,13-15 237,-10 1-180,11 1-449,1 15 359,2-15-45,-3-8 0,2-3 135,6 1 90,-4 4-90,-4-17 1,-1-5-91,2-3-90,6-6 270,-4-2 327,12-19-327,-10-12 269,11-24-89,-13 7-737,6-2 737,-11 20-90,1 1 180,-5 14 270,3-8-360,-6 19 0,6-9 0,-7 11-180,9 21 90,-4 7 0,4 14 0,1-2-270,-1-7 737,5-2-1456,13 10 359,-3-13 630,28 4 0,-18-16 0,11-2 0</inkml:trace>
+  <inkml:trace contextRef="#ctx0" brushRef="#br0" timeOffset="15562">12892 3403 9242,'-53'-11'989,"-1"3"-899,13 8-90,2 15 90,13-12-180,12 28 90,-9-27-90,13 47-90,-4-34-269,8 36 269,28-34-810,6 7 630,27-18 91,-11 1 89,0-9 180,8-20 0,-30-5 449,26-21-89,-41 10 1259,8-7-1529,-11 16-180,-4 1 630,-14 13-630,11 28-450,-11 6 91,34 22-271,-15-11 90,27-1 1,-30-10 629,37-3 0,-22 1 0,23-1 0</inkml:trace>
+  <inkml:trace contextRef="#ctx0" brushRef="#br0" timeOffset="15912">13292 3353 10141,'-14'24'180,"10"11"-180,-10-11 90,14 15-180,0-5-360,0 3 181,0-17 89,0 2 90,0-9-900,14-7 810,1 0 180,10-23-90,-11-8 180,12-25 0,-17 10 270,20-13-270,-19 27 90,4 1 360,-9 7-271,1 15 1,-3-7-90,2 10-180,-3 0 0,3 21 0,-2 7 0,3 10-180,0 1-269,3-11-181,2 0 90,3-2-89,2-2-1,4-5 630,19 1 0,-7-11 0,13-1 0</inkml:trace>
+  <inkml:trace contextRef="#ctx0" brushRef="#br0" timeOffset="16242">13823 3344 9871,'-36'-6'270,"14"16"-270,10 10-180,12 18 0,0-6-89,17 7-1,-13-16 180,28-3 0,-29-2 90,31-15-180,-30 13 180,30-15 0,-19 5 180,5-20 539,-3-8-89,-15-18 90,5 5-271,-7 1-359,0 12 0,-18-1-180,13 27 90,-12 15 90,17 21-180,0 11-359,0-7-136,0-11 0,0 1-134,0 16-226,6-11 1,1-2-136,-4 3 1080,11 2 0,-2-18 0,2-4 0</inkml:trace>
+  <inkml:trace contextRef="#ctx0" brushRef="#br0" timeOffset="16476">12523 2817 8162,'-12'11'630,"4"3"-540,25 11-270,31-1 0,2-1-270,-6-13 1,0-1-91,6 5 540,-7-8 0,-1-1 0,5 1 0,12 0 0</inkml:trace>
+  <inkml:trace contextRef="#ctx0" brushRef="#br0" timeOffset="16644">12920 2785 8162,'18'-5'1799,"1"0"-1889,3 19 90,15-11-539,-19 10-271,22-2 810,4-8 0,-6 18 0,11-9 0</inkml:trace>
+  <inkml:trace contextRef="#ctx0" brushRef="#br0" timeOffset="17525">13007 2799 8882,'-5'-3'540,"0"1"-360,3 0-1,-1 0 91,3-1-90,0-1 0,0 0 0,20-1-270,-14 1 90,34-2 90,-10 4 90,18-1-180,-2 3-1439,-14 16 179,-16 8-179,-9 12 1439,-30 5 0,18-2 0,-17 3 0</inkml:trace>
+  <inkml:trace contextRef="#ctx0" brushRef="#br0" timeOffset="17979">15250 3203 10141,'-50'14'0,"1"-11"0,19 10 0,0 2 0,-13 4 0,13-1 0,3 3 0,3 11-180,3 17 90,16-20-179,20 9-811,19-8 361,10-10 719,-4-9 0,2-3 0,12-2 0,-15-5 0,0-1 0</inkml:trace>
+  <inkml:trace contextRef="#ctx0" brushRef="#br0" timeOffset="18713">15508 2499 10321,'-17'-15'-90,"13"3"450,-24 6-180,25 31-90,-8-1 90,11 30-737,0-6 647,0 11-90,0 6-437,11-30 0,0 1 482,-9 2 0,2-1-90,17 0 0,-1 0 45,-17-1 0,-1 3 45,21 11 0,2 0-45,-16-13 0,-1 0 0,11 8 0,2-2-270,-2 9-90,-3-9 1,-1-6-91,-2-5 90,0-13-629,-3-4 1275,0-11-376,-2-22 90,0 14 0,0-41 1144,1 23-1144,-1-10 0,0-3 180,5-8 90,-3 7 0,-1 0-270,3 0 450,1-10-181,-6 32-179,1 0 180,-3 14-270,2 0 180,4 15-270,-2 8 90,4-4 90,-2 24-90,2-26 90,6 33-90,-1-21-360,4 6 0,5-9 181,-6-14-361,17 5 270,-14-15 270,15-18-90,-16 11 180,2-37-90,-10 25 90,-4-19 90,-2 10 629,-2-6-359,-4 4-360,-1 25-90,-2 16 0,0 37 0,0-10-360,18 13 180,4-26-89,1 6-91,16-22-180,-23 5 0,22-14-449,1 6 719,-7-8-90,18-22 360,-22-7 315,-7 2 0,-3-3 135,-2-15 179,0-1 631,-13 2-721,-2 14-269,-1-10 0,0 22 0,-15 3-360,11 32 90,-12 21-450,16 4-359,0 17 89,20-28 0,-16 6-269,35-13 989,-34-5 0,36-3 0,-13-3 0</inkml:trace>
+  <inkml:trace contextRef="#ctx0" brushRef="#br0" timeOffset="18994">16935 3070 9871,'-42'-8'720,"2"1"-630,15 22 90,-7-11-90,28 29 0,-17-6-90,19 9-360,-5 13 360,7-20-180,24 6 90,-18-13-90,45-5 90,-28-1-180,37-9 90,-22-2-89,18-5 89,-35-15-270,12-8 360,-31-19-360,-9-5 90,-23 9 45,4 16 1,-4 4-46,-20 4 360,17 1 0,3 2 0,6 9 0,-4-6 0</inkml:trace>
+  <inkml:trace contextRef="#ctx0" brushRef="#br0" timeOffset="19208">17347 3097 10321,'2'33'-809,"-1"4"179,-1-11-1259,0 11 1889,0-15 0,14 6 0,4-10 0</inkml:trace>
+  <inkml:trace contextRef="#ctx0" brushRef="#br0" timeOffset="19375">17730 2975 10411,'0'-6'-809,"-14"1"-1080,10 19 1889,-23 3 0,12 17 0,-13-1 0</inkml:trace>
+  <inkml:trace contextRef="#ctx0" brushRef="#br0" timeOffset="19610">16840 2597 9781,'0'-22'810,"-1"0"-270,0 8-181,0 0-269,17 10-180,2 1-989,19 23 449,-19 2-989,18 21 720,-14-10 899,18 10 0,-12-18 0,-2 7 0</inkml:trace>
+  <inkml:trace contextRef="#ctx0" brushRef="#br0" timeOffset="19797">17328 2451 8702,'8'-8'720,"0"1"-451,-2 7-89,6 0-180,-1 0 90,12 15-90,-6 1-539,20 14-181,-12-14-1888,32-4 2608,-20-12 0,19 0 0,-16 0 0</inkml:trace>
+  <inkml:trace contextRef="#ctx0" brushRef="#br0" timeOffset="20208">18490 2880 10321,'17'9'1439,"-13"10"-1259,27 17 0,-27 5-180,20-7 0,-21 2 90,20 0-90,-20-3 180,22-2-90,-16-5-90,13-4 90,3-4-90,-3-9-540,16-4-90,-12-21-449,7 12 0,-9-40-91,0 16-372,0-26 1542,0 6 0,1-2 0,0-2 0</inkml:trace>
+  <inkml:trace contextRef="#ctx0" brushRef="#br0" timeOffset="20609">19502 2817 9332,'2'13'1529,"-21"-6"-1169,-10 5-181,-12-7-134,10 6 0,0 2-45,-10 4 0,6 3 0,0 2 0,-4 8-2097,-7 13 2007,21-10-90,7 0 736,8 0-1005,4 12 359,6-15-450,28 16 180,-20-27 180,52 2 0,-32-15 152,29-3-242,-10-3 270,-4 0 0,1-20 90,-4 15 0,-16-20 0,0-3-90,6 7 720,3-37-451,-20 29-269,-6-11 0,-3 17 1075,-22 6-1345,0 26-539,-4 15-271,9 19 361,13 0-181,21-18 900,-15 8 0,42-29 0,-13 11 0</inkml:trace>
+  <inkml:trace contextRef="#ctx0" brushRef="#br0" timeOffset="20842">20017 2989 10681,'-43'-7'270,"3"0"-90,8 7-180,15 17-270,5-2 180,12 15-90,26-16 90,-20 6 0,43-18 90,-43 13 0,43-14-630,-22 6-359,19-7-180,-21-18 539,-10-2-269,-38-1 899,18-17 0,-48 19 0,15-19 0</inkml:trace>
+  <inkml:trace contextRef="#ctx0" brushRef="#br0" timeOffset="20974">19273 2392 9422,'38'8'-1170,"-1"-1"1,24-4 1169,-17 5 0,2-1 0,-11-7 0,-1 0 0,4 0 0,-1 0 0</inkml:trace>
+  <inkml:trace contextRef="#ctx0" brushRef="#br0" timeOffset="21712">21837 2641 7713,'9'0'2248,"-2"0"-1888,-1 0 540,-3 0-900,-22 0-90,-6 0 90,-29 0 0,10 22 0,13-7 0,3 3-386,-7 26 296,-3 2-90,19 5 0,9-14-643,4 22 464,34-33-451,17 6 360,13-24 180,9-2-45,-30-16 1,0-4 134,20-5 180,-11-8 0,-2-4-180,1-7 225,-14 3 0,-3-1-461,-5-10 686,-4-14-180,-14 19 180,-5 1-180,0 2 270,-20-12-90,-5 14-91,2 9 1,0 2 90,-2-3-92,-14-9-358,22 18 452,-5-1-182,10 10 552,4 5-732,6 27 90,13-17 90,-7 47-90,14-28 0,3 28-109,-16-10-161,31 4-90,-32 0-360,26-2-359,-27 1 1079,32 11 0,-24-15 0,17 9 0</inkml:trace>
+  <inkml:trace contextRef="#ctx0" brushRef="#br0" timeOffset="22325">22565 2103 8972,'0'22'1439,"0"4"-1349,0-4 90,0 7 0,0 2 0,0 4-90,0 7 0,0 5-45,0-10 0,0 2-457,0 22 412,0-9 0,0-1-686,0 9 686,0-23 0,0-1 0,0 25 0,0-20 284,0 14-284,0-31-1260,0 3 1080,0-34 90,0-12 90,0-15 0,0-24-89,19 19 133,-9 0 1,4 2 135,31 2 540,1-11-360,-9 37 90,3 3-181,-19 6 328,4 20-237,-13-15 487,-2 31-847,-5 0-90,-2-1-450,-29 22-180,-12-30-1319,-18 6 150,-1-13-360,10-3 2249,0-3 0,2-7 0,2-4 0</inkml:trace>
+  <inkml:trace contextRef="#ctx0" brushRef="#br0" timeOffset="22462">23247 2668 11760,'18'23'-1709,"-1"14"270,-6-32 1439,-5 24 0,-3-26 0,-3 7 0</inkml:trace>
+  <inkml:trace contextRef="#ctx0" brushRef="#br0" timeOffset="25892">2323 5319 6993,'21'3'720,"-3"-1"-541,-1 0 91,2-2 0,6 0 0,8 0 180,7 0-1781,6 0 1421,6-13-90,4 10 90,6-8 0,3-2-90,-22 7 0,2 1 30,14-2 0,7-2 0,-6 2-30,-11 2 0,0-1 0,8-2 0,5-1 0,-4 2 0,-5 3 0,3-1 22,-1-2 1,8-2-1,1-1 1,-7 2-23,8 0 0,1-1-652,-6 1 0,9-1 0,-1-1 1,-7 1 651,4-1 0,0-1 0,-11 2 0,5-1 0,0 0 0,-5 1-459,-8 0 0,-3 1 0,1 0 459,13-3 0,3 0 0,-4 1 0,2-2 0,-3 0 0,-1 1 0,-1 1-45,-4 0 0,2 0-45,12-3 0,-1 1-87,-18 5 0,-1 0-3,22-4 1,-4 2 179,-4 4-45,-16 2 0,-3 1 45,-2 2 407,3 0-407,-19 0 2421,-4 0-2421,-3 14 1942,1-10-2032,-4 10 195,5-5-195,-6-7-106,11 14-254,-8-15-180,9 6 630,-6-7 0,2 0 0,0 0 0</inkml:trace>
+  <inkml:trace contextRef="#ctx0" brushRef="#br0" timeOffset="27158">4297 5903 8612,'-9'2'630,"2"0"-181,2-1-89,3 3-90,1 0-180,1 3 90,0 5 0,0 3-90,17 7-90,-13 5 90,12 7-90,0 5-233,-13 6 233,13 2 0,-3 3 0,-12-16 0,2-1 0,18 19-45,-17-16 0,-1 0 135,6 0-270,-1 6 0,-4-25 90,3-2 0,-2-11-89,0-2-91,0-2 0,3-20 270,1 2 0,9-42-90,-3 16 135,0-1 0,0-1-516,5-11 381,-7 19 1,0 2 179,7-7-180,-2 7 180,1 8-90,3 8 0,-5 10 89,9 5 91,-12 22 0,8 13-90,-9 9-865,1 11 775,-5-9 0,-2 4 0,-2 0 221,1 15-221,-2-19-130,2 18 40,-3-36-180,1 4 90,-2-20 619,1-2-798,1-5 722,1-25-363,5-13 0,-2-16 0,1 15 0,0-2 0,-2 7 0,1-1-45,1-3 0,0 1 180,5-14 315,-3 21-450,-7 22 0,4 2 90,-3 21-90,5 8 0,-1 10 0,3 3-450,6 10-90,-3-7 90,0-7 1,1 0-181,7 6 422,10 5 0,-5-19 0,3-3 1</inkml:trace>
+  <inkml:trace contextRef="#ctx0" brushRef="#br0" timeOffset="27492">5490 6067 9871,'-20'-8'270,"-2"-5"-270,-22 11-90,3 16 180,2 9-90,16 13 0,1-4-90,19 2 90,-5-9-180,8 15 90,19-18-269,3 8 269,21-16 90,1-2 0,-9-9 0,6-22 0,-19-7 449,3-23 1,-12 10 270,-7-7-990,-1 19-809,-5 19-181,0 18 541,0 29-181,0-5 900,0 2 0,15-10 0,4-1 0</inkml:trace>
+  <inkml:trace contextRef="#ctx0" brushRef="#br0" timeOffset="27742">5318 5692 7173,'33'0'899,"-2"0"-809,-8 15-90,2 0 0,-6 4 0,0 4 0,-4-20-180,1 21-629,10-15 89,-4 4 720,8-7 0,-6-6 0,2 0 0</inkml:trace>
+  <inkml:trace contextRef="#ctx0" brushRef="#br0" timeOffset="28225">6182 5692 10141,'-20'-9'450,"5"30"-450,15-12 0,0 34 0,0-7 90,0 6-135,6-6 0,2 1 45,-5 23-950,10-7 1,0 0 949,-10 8-45,9-12 0,1-2 45,-4 3 0,6 8 526,-3-27-796,-10-8 505,4-5-1404,-2-4 989,-1-7 0,4-17 1138,-2 6-1048,10-58 90,-1 27 0,-4-1 0,1-3 45,3 0 0,0 3-45,7-18 45,-4 13 0,0 1 135,1 3 450,5 1-450,-12 20-1,5 9-89,-8 24-90,7 11-90,-6 14-449,8 17 179,-4-19-1317,6 13 1137,0-17-179,5-4-619,7-4 1338,4-8 0,8-9 0,0-5 0</inkml:trace>
+  <inkml:trace contextRef="#ctx0" brushRef="#br0" timeOffset="28494">7150 5871 9152,'-20'-5'719,"-12"1"-539,-22 28-90,6 7-90,21-2 0,3 2 0,-2 16 0,3 16 90,15-28-270,8 6 90,0-16-180,21-4 181,-16-2-91,57-5 180,-38-6 0,12-4 0,0-4 0,-4-15-180,8-9 180,-18-9 90,-10-2-540,-3-6 180,-9 10-629,-23-18 179,-3 23 720,-20-10 0,21 19 0,6-2 0</inkml:trace>
+  <inkml:trace contextRef="#ctx0" brushRef="#br0" timeOffset="28858">7578 5957 9871,'-16'12'810,"12"-3"-900,-12 0 90,-5-1 0,16 1 0,-29 0 0,31 2-180,-9 1 0,2 0 0,8 0-90,-8 1 91,10-2-181,0 3 180,24 0 0,-18-2 0,37 0 90,-14-8 90,33-2 0,-19-21 360,13 2 90,-37-5 449,5-2-899,-14 11-360,-3 13-269,-5 13-721,-2 29 451,0-6 899,18 0 0,-14-23 0,14-2 0</inkml:trace>
+  <inkml:trace contextRef="#ctx0" brushRef="#br0" timeOffset="29042">7967 5187 11131,'-37'-1'0,"-15"21"-180,20-15-450,3 22 0,0 4-2692,-4-6 2602,11 3 1,3 2 719,-4 7 0,4 1 0,4 0 0</inkml:trace>
+  <inkml:trace contextRef="#ctx0" brushRef="#br0" timeOffset="31927">8705 6027 7982,'-19'-3'1889,"25"1"-1799,26 2 0,14 0-2421,9 0 2331,-3 0 90,13 0-135,-31 0 0,1 0 90,3 0 0,3 0-45,20 0 0,3 0 45,-15 0 0,3 0-45,6 0 0,5 0 0,-4 0 0,-3 0 0,-3 0-866,-5 0 1,1 0 0,-2 0 910,5 1 0,-3-2-135,2-5 0,0-1 319,-2 6 1,3-1-200,-6-4 0,4-3 0,-3 2-75,7 5 0,1 1 45,3-4 0,5-2 0,-5 0-90,-8 2 0,-1-1-60,3 0 0,3-1 1,-5 1-31,-7 1 0,-2 0 0,9-2 0,-1 1-315,-10 4 0,-3 0-44,13-4 525,14 4 1,-38 1 0,2 1 0</inkml:trace>
+  <inkml:trace contextRef="#ctx0" brushRef="#br0" timeOffset="38674">12093 5415 8882,'15'-20'809,"-3"1"-809,-12 4 0,5 1 270,-4 5 0,5 1 0,-3 5-90,0 2-180,5 38 0,-1-12 0,-3 14 0,0 3 0,0 6 45,0 8 0,-2 2-45,0 1 0,-1-3 0,1-3-90,-1-10 180,0 18-90,2-33-90,-1 0-90,-1-16-1079,1-6 1259,-2-19-180,1-12 180,-1-13-90,0-4 90,0 4 0,0-2-90,0 0 0,19-2 180,-14 3-180,25 3 0,-16-5 180,0 15-90,5-1 0,-9 19 90,7 3 0,-5 5 0,-2 21-90,-4-16 0,-1 38 90,1-25-90,-1 33 0,-2-21 0,1 16-90,-4-24 90,1-2-360,0-5 180,2-13 0,-2 6 90,4-8 0,5-21 90,2 16 90,13-56-90,-6 36 0,8-33 0,1 10 0,-6 14 360,8-10 0,-16 29-180,4-4-90,-10 18 0,6 10 0,-8 13-90,7 23 0,-9-5-630,8 18-180,-5-21-508,6 10 779,-1-16-91,6-3 630,3-3 0,5-3 0,3-2 0</inkml:trace>
+  <inkml:trace contextRef="#ctx0" brushRef="#br0" timeOffset="39107">13325 5615 8612,'-22'-8'1169,"-7"2"-1079,-25 6 0,-4 17-180,12-12 90,-6 27 0,35-10 0,-14 7 0,28 0 0,-8-7 0,11-3-180,0 9 180,20-10-269,3 9 269,2-16-180,12-1 180,-10-8 0,10-2-180,7-18 180,-21-9-90,13-26 90,-25 4-45,-1 13 0,-1 0 45,-7-14 315,1-6 0,0-1-46,-3-4 1,-8 4 0,-1 3-180,4 8-135,-10 15 0,0 2-45,12 5 360,-11 0-180,14 43-90,0 29 90,15 6-358,-13-20 0,0 0 178,13 10 90,-3 1-180,-9 0-180,10-1-629,-4-2 269,-7-1-1390,13 10 2110,-5-14 0,3 6 0,3-16 0</inkml:trace>
+  <inkml:trace contextRef="#ctx0" brushRef="#br0" timeOffset="39391">13785 5432 9242,'-26'-2'270,"-9"0"-270,15 2-90,-11 0 90,12 13 0,-2-10 0,19 22 0,-7-5 90,9 15-90,17-3 90,7 22-180,19-23 90,-19-3 0,-1-1 90,3-2-1,10 12-89,-24-19-89,5 4-181,-8-11 90,-9-2-270,0 0-629,-23 1 179,18-2 900,-43-1 0,27-5 0,-22-1 0</inkml:trace>
+  <inkml:trace contextRef="#ctx0" brushRef="#br0" timeOffset="39531">13595 5393 7533,'33'-15'0,"16"-5"-180,-12 5-540,-4 4 1,-1 1 719,4 0 0,12 0 0,-18 7 0</inkml:trace>
+  <inkml:trace contextRef="#ctx0" brushRef="#br0" timeOffset="40149">14835 5168 9871,'-37'0'-90,"9"0"180,-11 20-90,19 9 0,3 0 0,3 3 0,0 21 45,6-12 0,1-1-2606,4 12 2111,2 14-1102,18-6 922,13-16 0,-3-11 1,3-2 629,23 2 0,-24-15 0,1-1 0,15 3 0</inkml:trace>
+  <inkml:trace contextRef="#ctx0" brushRef="#br0" timeOffset="40357">15555 5237 8432,'20'-23'450,"-1"2"-270,5 2-90,-8 8 180,4 2-90,-7 7-1,-1 2 1,-1 0 0,3 16-180,-5 11 0,0 28-360,-8-4-360,-10-9 1,-1 1-1060,5 15 1329,-17-17 1,-3 0 449,-1 19 0,1-27 0,-3-2 0,6 1 0,-1 0 0</inkml:trace>
+  <inkml:trace contextRef="#ctx0" brushRef="#br0" timeOffset="41258">8605 6162 8072,'-6'-7'900,"1"2"-630,0 0-180,1 2-180,1-1 0,2 1 1079,0 0-899,25 18-90,3 4 0,2 3 45,2 0 0,1 1-1183,10 9 0,1 1 1138,-11-9 0,0 0 45,4 2 0,0 0-45,1 2 0,3 1 0,-1-1 0,3 2 0,-1-2-520,7 6 1,3 0 541,-10-6 1,6 2 0,-1 0-1,-3-2-701,12 6 1,0-1 648,-7-4 0,2 1 0,-2-3 30,6 3 0,-2-2 0,1 0 0,0 0 45,0-1 0,1 1-90,0-2 0,0 1 90,0-1 0,1 0-90,-2-1 0,3 1-165,-5-3 0,3 2 0,-3-1 30,7 3 1,2 1-46,-14-7 0,5 2 0,0-1 0,-6-1 0,10 5 0,-3-2 105,-7-4 0,2 1 0,-4-1-150,1 0 1,-3-1-1,-1 0 0,-1-1-457,-2-1 0,0-1 727,-2-1 0,-1-1 0,-1-1 0,0 0 0,-2-1 0,1 0 0</inkml:trace>
+  <inkml:trace contextRef="#ctx0" brushRef="#br0" timeOffset="42007">12720 7277 9332,'11'-17'719,"-3"2"-539,-5 1 0,-3-2-180,-21 4 0,-1-4-180,-26 9 90,2 1 90,7 6-90,-8 14 90,31 5 0,-14-1 0,27 16 0,-7-17 0,10 18 0,27 8-90,-4-10 90,10-1 0,4-2-405,10 4 450,-4-4 0,1-2-745,9 1 700,-19-10 0,-2-1 270,6-1 269,-7-1 91,-8-5-630,-11 0-90,-6-6 563,-6 3-923,-26-7-179,-8 1-271,-17-2-376,-2 0 197,12-16-1,-1 12 1019,4-31 1,3 17 0,4-18 0</inkml:trace>
+  <inkml:trace contextRef="#ctx0" brushRef="#br0" timeOffset="42408">13123 6910 8612,'7'15'1979,"-2"8"-1889,-5 12 0,14 3-180,-10-3 90,10 2 90,-2 2-90,-9 18 0,21-15 0,-21 14 0,15-7-90,-17-13-180,9 18 0,-8-28-359,4 8 359,-3-18 270,-1-2-90,1-9 0,-1-3 90,1-2 0,8-18-90,-3 14 180,16-35-90,-7 11 0,7-9 0,-6 12 90,-2-2-90,-2 23 270,-3-20-180,-2 22 0,-2-6-1,0 8-89,-3 0 0,6 21 0,-6-15-359,4 37-541,-2-24-89,2 19-1,0-7 990,3 1 0,1 1 0,2-1 0</inkml:trace>
+  <inkml:trace contextRef="#ctx0" brushRef="#br0" timeOffset="43108">14210 7357 9062,'-21'-16'899,"15"-4"-539,-33 18-270,13-6 90,-11 8-180,-1 0 0,7 0 0,0 15 0,-11 8 0,12-2-799,-5 21 799,19-24-143,4 19 53,7-12-180,2 8 90,22-10-38,8 4 128,13-12 0,19-9 0,-18 0-591,13-23 681,-15 13 0,-2-31 0,-2 18 353,5-31 6,-14 17 451,5-21-270,-19 24 52,-2-13-592,-8 20-52,-2 1-398,0 29 549,0 11-1809,0 25 811,0-9-180,0 2 1156,0-14 1,16-1-1,5-2 1</inkml:trace>
+  <inkml:trace contextRef="#ctx0" brushRef="#br0" timeOffset="43424">14788 7353 8972,'0'-15'360,"0"-2"-1,0-3 361,0-18-450,0 6-90,0-13 180,0-4-91,0 11-89,0-25 90,0 16-90,0 1-360,0 9 180,-14 18-90,11 5 0,-11 4 180,14 4 0,0 22-180,0 13 90,0 15-270,0 7-1379,0-8 750,0 6 224,7-14 1,0 2-328,-3 19 57,9-10 1,1-1 944,-4 6 0,4 11 0,-7-21 0</inkml:trace>
+  <inkml:trace contextRef="#ctx0" brushRef="#br0" timeOffset="43577">14705 7678 9242,'24'-18'-90,"12"-10"0,14 6-450,-11 3 0,1-3-269,12-14 809,-4 11 0,2 1 0,7-5 0,-18 11 0,-1-1 0</inkml:trace>
+  <inkml:trace contextRef="#ctx0" brushRef="#br0" timeOffset="43897">15830 6585 9332,'-45'21'1169,"-7"9"-899,12 13-2773,-5 5 2683,11-5-270,0 6 90,2 3 90,3 3-90,4 2 0,7 0 89,8 2-358,6-2-1,1-15 0,6 0 242,10-10 0,5-1-332,3 21 0,5-2 0,5-21 0,3-3-289,3 8 0,-1-2 289,-6-12 1,0-3 359,2-1 0,2-1 0,1-3 0,0-1 0,1 0 0,1-1 0</inkml:trace>
+  <inkml:trace contextRef="#ctx0" brushRef="#br0" timeOffset="45791">16860 6599 8972,'27'-4'270,"-3"2"0,-2 1 89,-3 1-89,-3 0-270,2 24 90,0-4 90,-4 11 0,-3 3 0,4 15-660,-7-14 0,-1 2 480,-4 26 45,-2-29 0,-2 2-45,-6 21 0,-5 1-180,-3-12 0,-4 1-1014,-2 7 0,-3 4 1,-1-4 608,-7-4 0,-2-1 585,0 5 0,-3 5 0,2-5 0,1-5 0,-1-3 0,5-6 0,-1 1 0,1-1 0</inkml:trace>
+  <inkml:trace contextRef="#ctx0" brushRef="#br0" timeOffset="48141">17770 4987 7713,'0'-9'90,"0"1"269,0-1 1,0 1 0,0-1-90,0 0-90,0 1 0,14 0-90,-10 1-1,10 2 361,-14-1-360,0 20-90,0 13 0,0 38 0,0-2-1125,0-7 0,0 1 1080,0-19 0,0 1 90,1 14 0,-2-1-391,-6-13 1,0-2 345,5 0 0,0 0 0,-5-3 0,0 2 0,6 11 0,2 0 0,-2-14 0,2 1-90,8 21 0,6-2-90,16 3 135,-9-19 0,1-2-314,21 7 179,-9-4 90,2-7-180,17-2 270,-12-13-90,-8-8 0,0-3 0,2-3 133,17-17-43,-31-6 0,2 2 180,-16-18-180,-4 14 90,-3-18-90,-23 18 2392,-6 0-2302,-26 21-90,11 19-364,-1 7 364,11 29 44,11-9 1,1 2-45,5-7 0,1 3 0,-1 10 0,-1 6 0,3-4 0,2-1 0,1 2 0,0 7 0,-2 5 0,3-5-848,1-3 1,2-2 787,0-8 0,0 1 0,0-2-255,1 4 0,1-3-135,-1 0 1,-1 0-46,2-1 0,-1 0 495,0-1 0,0 0 0,0-1 0,0 0 0,0-1 0,0 1 0</inkml:trace>
+  <inkml:trace contextRef="#ctx0" brushRef="#br0" timeOffset="49157">18973 5837 8702,'16'-1'270,"-4"20"-270,-1-14 0,-4 40 90,0-22 90,-1 26 0,0 13-180,-2-12-1423,-1 15 1333,-3-23 90,0-4 536,0-5-536,-14-1-90,10-12-810,-10-2 810,14-33-89,0-31 179,0-6 0,7 6 0,4 1 0,8-8 0,1 10 0,0 2-868,-1-4 778,15-6 1464,-21 20-1284,20 16 270,-9 1-270,-3 14 180,2 23-180,-12-17 0,4 40 0,-8-24-90,2 20 0,-6-8 0,3 14 0,-4-12 775,2 16-865,-3-26 55,1 0 35,-1-14-180,1-7 90,2-1 0,2-4 90,5-25-90,11-6 90,-1-16 45,-1 14 0,0 0-45,7-8 90,-6 6 0,-1 2-90,2 0 0,2-3 450,-11 18-181,-4 9-89,0 4 360,0 5-450,-2 0-90,5 15 0,-4 12 0,2 5 0,-1 3 0,1 17-270,0-8 0,0 0-449,1-1 269,-1-9 0,1-1 90,7 1-809,17 8 539,-10-28 630,12-2 0,-10-12 0,3 0 0</inkml:trace>
+  <inkml:trace contextRef="#ctx0" brushRef="#br0" timeOffset="49483">20065 5937 9242,'0'-28'989,"-22"9"-719,-1 3-180,-23 11-90,7 27 0,2 4-90,16 13 270,-2-2-360,21 5 270,-7-13-90,9 19-360,19-25 360,-15 4 0,32-18-90,-32 1 0,33-9 0,-12 4 90,-1-24 0,12-7 0,-20-11 90,12-13 180,-14 19-90,-1-7-180,-9 15-90,1 0 90,-2 6 0,-2 25-180,2 15-270,-1 15-719,4 16 449,-1-20-719,3 20 1439,-2-27 0,-1 5 0,-2-14 0</inkml:trace>
+  <inkml:trace contextRef="#ctx0" brushRef="#br0" timeOffset="49741">19805 5334 7982,'21'-18'540,"-15"5"-360,35 2 630,-20 5-451,15 3-359,-10 1 0,-5 2 0,-8 16 0,8 0 0,-6 3-449,17 6 179,-11-8-990,23 10 451,-13-11-450,11 0 1259,-9-15 0,3 4 0,1-5 0</inkml:trace>
+  <inkml:trace contextRef="#ctx0" brushRef="#br0" timeOffset="50193">20848 5230 8702,'0'18'1259,"0"-1"-809,0 3-90,0 3 0,0 24-270,0-5-45,0 1 0,0 2-2116,0 12 2071,1-18 0,-2 2 0,-5 0 0,0-2 363,3 24-408,-4-11 0,1 1 45,6 7-270,0-13 0,0-1 0,0 2-179,0 9 269,0-29 0,0-6 0,0-7-630,0-8 2435,0-25-1715,0 0 90,19-40 0,-14 18-511,28-16 511,-30 13 180,25 4-180,-24 5 450,21 0 0,-16 18-270,8 1-90,-6 31-90,-3-12 0,-2 37-180,-1-2-90,0 11-450,-1-13 1,0-1-1,4 8 720,2-9 0,2-1 0,7 0 0,11 7 0</inkml:trace>
+  <inkml:trace contextRef="#ctx0" brushRef="#br0" timeOffset="50496">21560 5865 8462,'-55'-5'450,"10"0"-270,5 5-180,8 18 0,1-14 0,2 30 180,2-10-180,-2-3 90,15 17-90,-1-25 0,15 16 65,0-10-425,26 0 360,12-9-180,13-1 236,3-9-56,0-22 0,-14 17-90,6-38 90,-30 26 74,3-19-164,-17 10 90,7 1-90,-9 1 0,-19 2 45,-7 1-315,1 1-359,-19 10-1,16 1 720,-14 9 0,17 0 0,11 0 0</inkml:trace>
+  <inkml:trace contextRef="#ctx0" brushRef="#br0" timeOffset="50874">21882 5848 9871,'-41'17'450,"1"3"-360,8 17-90,12-9 0,8 0-90,4-9 90,6 2-180,-5-2 0,7-3-359,18 4 449,7-9-180,22 0 180,-6-9-90,1 0 90,-12-18 0,-4 11 90,-2-27 0,-4 9 0,-1-8 540,-9-13-90,0 17-1,-10-7-179,0 11 180,0 6-450,0 0 0,0 5 0,-15 5 0,-1 2 90,-10 27-180,12 3-450,-1 26 0,13-13-179,-5-1-630,7-5 179,0-10 1170,0 3 0,17-16 0,6-4 0</inkml:trace>
+  <inkml:trace contextRef="#ctx0" brushRef="#br0" timeOffset="51059">22323 5141 9871,'-43'-2'450,"-2"23"-450,11-16-90,0 41-771,9-25 501,0 23-540,2-6-179,3 2 1079,2 21 0,5-15 0,2 16 0</inkml:trace>
+  <inkml:trace contextRef="#ctx0" brushRef="#br0" timeOffset="51430">22917 5988 9422,'-25'-20'719,"-7"15"1,29-48-450,-9 31 89,12-45-269,0 27-90,-1 4 0,2 0-1908,15-11 2088,-13-14 0,13 16 90,-16 2-180,0 0 177,0-11-267,0 16 111,0-9-111,0 30 90,0 1-180,0 34 90,0 16-90,0 15-315,0-9 0,0 1 543,0 16-1038,7-5 1,2 1-127,-6 9 576,6-20 1,-2-1-451,-7 14 900,11 0 0,-8-3 0,8 0 0</inkml:trace>
+  <inkml:trace contextRef="#ctx0" brushRef="#br0" timeOffset="51574">22777 6318 10591,'-10'3'180,"27"-1"-720,-10-19-179,49 12-91,-28-31-2535,32 19 1906,-9-16 1439,4 6 0,5 0 0,-1 0 0</inkml:trace>
+  <inkml:trace contextRef="#ctx0" brushRef="#br0" timeOffset="51857">24235 5570 11131,'-24'-7'269,"18"2"-269,-45 2 90,30 2 90,-25 0 0,11 1-180,1 0 0,0 17 0,3-13-90,4 29 90,-3-11-270,16 10-359,0 7-810,37-10 719,15 1-225,10-18 1,4-8 674,-13-8 0,-1-3-28,15 7 0,-3-5 0,-18-14 0,-4-4 1,31-8-1</inkml:trace>
+  <inkml:trace contextRef="#ctx0" brushRef="#br0" timeOffset="52524">24570 5018 10591,'-19'-31'270,"14"4"180,-14 9-91,19 8-269,-11 5 180,8 25 0,-8 21-180,11 13-616,0-6 0,0 1 526,0-15 0,0 0 0,0 12 0,0 3 0,-1 1 0,2-1 45,6-12 0,0 1-45,-6 22 0,2-2-45,12-26 0,1-2-360,-9 15 1,-2-2 44,13 0-211,-1 2 481,-15-23 90,12-6-180,-12-6-360,7-3 540,-3-4 1081,6-25-1081,-1 16 180,8-49 0,-6 35-180,4-16 0,-6 7 452,-2 25-362,-3-24 90,1 26-90,0-8 0,1 10-90,0 0 90,6 19-90,-3 1-90,3 2 180,-1 13-90,0-30-360,3 30 0,9-22 0,-3 5-359,20-8 539,-15-10 180,20-22-90,-19 16 180,4-36 180,-6 15 89,-11-9 181,6-2-360,-15 24 989,2-10-1079,-6 22-90,1 9-90,1 15 180,1-2-270,5 29 0,-2-42-359,3 41 269,-2-43 0,1 26-270,4-28-539,8 18 539,-2-20 91,16 6 449,-13-24-90,7 12 90,-10-32 90,-2 20 179,-3-19 271,-3 10 180,-3-1-181,-1 3 271,-3 2-810,-1-1-180,-2 8-809,-1 17-810,-1 9 1799,0 20 0,0-3 0,0 2 0</inkml:trace>
+  <inkml:trace contextRef="#ctx0" brushRef="#br0" timeOffset="53157">25483 5745 7443,'20'8'0,"9"-1"0,-25-1 0,43-3 0,-29 0-90,33-23 0,-31 15-270,6-30 270,-15 13 0,0-9 90,-8 0 90,-3 7 90,0 1 450,-20-10-361,-5 10-89,-22-9-90,22 18 360,-18 1 0,21 9-540,-13 3 180,16 22 90,3-16-90,15 34-90,-4-13 90,5 19 0,19-8-630,7 6 270,12-20-909,2 5 729,-7-12-179,2-4-1,0-1 519,1-5 0,-1-2 1,0-2-1</inkml:trace>
+  <inkml:trace contextRef="#ctx0" brushRef="#br0" timeOffset="53524">25977 5632 9512,'0'5'1529,"0"5"-1529,0 23-270,17-4 270,-2 0 90,17-14-90,-18 3 0,9-17-90,-15 6 90,9-7 0,-5 0 0,-2-16 0,1 12 0,-3-29-90,1 17 180,0-16 629,0-5-449,-2 9 90,1-12-450,-5 26 450,1-8-450,-2 20 180,0-5-90,0 25 0,4 7 0,-2 12-360,7 15-180,-2-16-680,3 9 320,-2-13 1,0-5 89,-1-2-1259,4 2 2069,-5-9 0,0-3 0,-4-10 0</inkml:trace>
+  <inkml:trace contextRef="#ctx0" brushRef="#br0" timeOffset="53774">25643 5154 10051,'-11'-7'0,"2"1"90,5 2 450,2-2-360,2 4 90,22-3-270,3 4 0,28-1-90,-13 2-90,5 0-90,-14 0-180,0 13-989,11-10 809,-12 26-989,15-12 1619,-22 2 0,5 8 0,-12-9 0</inkml:trace>
+  <inkml:trace contextRef="#ctx0" brushRef="#br0" timeOffset="53925">26478 5054 9781,'19'-6'90,"-2"5"-90,-4-6-180,1 7 1,-3 0-1441,9 0 1620,-11 15 0,4 1 0,-12 13 0</inkml:trace>
+  <inkml:trace contextRef="#ctx0" brushRef="#br0" timeOffset="56980">18713 8175 10591,'0'-5'899,"0"1"-809,0 1-90,0 0 0,13-3 0,-10-11 0,27-1 0,-5-27 0,9 10-1696,-10 1 0,-1 0 1696,6-10 0,9-10-131,-16 19 220,-3 4-178,-6 4 178,-1-3-89,-6 10 0,-2-3 0,-4 15 3327,0 1-3327,0 28-90,-15 38 0,11 0-1090,-11 0 1,-1 1 729,8-26 1,2 0-631,-4 26 1,1-1 1079,3-24 0,2-2 0,3 8 0,2-1 0,-1 12 0</inkml:trace>
+  <inkml:trace contextRef="#ctx0" brushRef="#br0" timeOffset="57374">19545 7743 7353,'19'-10'1079,"-14"0"-899,34 2 630,-6-1-91,3 5-539,10 0-90,-33 21 90,11 11-90,-22 12-45,5-4 0,-4 1 135,-28 19-504,24-17 1,-4 1 278,-29 4 0,-4-2 0,25-10 0,0 1-360,-19 18 0,-1-3 46,-2 0-541,17 15 91,1-37-156,17 0 965,18-18 0,-13-5 0,12-3 0</inkml:trace>
+  <inkml:trace contextRef="#ctx0" brushRef="#br0" timeOffset="57775">20133 7659 8702,'0'-4'720,"18"2"-630,1 1 0,19 1 179,-6 12-269,-4-9 0,-12 21 0,-8-7 90,-8 7-180,0 1-179,-22 6 179,17-6-180,-30 16 360,32-19-90,-11 15-90,14-19 180,27 6-180,-20-10 180,45 0-180,-31 1 180,35 6 90,-23-5 719,7 12-449,-12-13 0,-14 14-450,0-11 89,-14 8-89,0-7 0,-27 3 0,4 2-135,-10-5 1,-3-1-406,-9 10-540,6-6 1,-1 0-180,-4-1 1259,-8 6 0,23-16 0,4-1 0</inkml:trace>
+  <inkml:trace contextRef="#ctx0" brushRef="#br0" timeOffset="58326">21058 7595 10141,'0'-4'990,"0"1"-631,0 20-269,0 7-90,-17 12-90,12 19 90,-33-20 0,20 27-90,-6-28-526,11 9 256,2-19 241,8-2-151,-8-4 0,11-2-90,0-1 0,0-2-809,24-2 1096,8-5-737,33-3 450,-11-17-982,4 10 1073,-16-29 269,-3 28-9,-4-32 459,-6 32 0,-5-30 179,-8 31 181,-6-25 0,-6 18-91,-20-9-269,-2 11 879,-16 4-1149,1 23-180,15 4 0,-9 25-90,14-10-450,-8 22-89,10-22-410,5 13 409,6-16 91,0-2-181,0-2 720,24 5 0,4-13 0,24 3 0</inkml:trace>
+  <inkml:trace contextRef="#ctx0" brushRef="#br0" timeOffset="58561">21587 7894 10231,'-17'-6'180,"12"-4"-270,-12 5 360,17-2 180,-10 4-360,7 16-90,-7 8 0,10 9 0,16 17 90,-12-15-180,13 24 90,-7-23-180,-7 7-90,7-14-180,-10-4-269,0-3 89,0-2-90,0-4-89,-17-2 809,-3-3 0,-1-4 0,6-2 0</inkml:trace>
+  <inkml:trace contextRef="#ctx0" brushRef="#br0" timeOffset="58690">21543 7660 8342,'57'-28'0,"0"2"-90,2 5-573,-1 3 213,-20 10 0,1 2-1423,16-1 1873,12 2 0,-29 5 0,-4 0 0</inkml:trace>
+  <inkml:trace contextRef="#ctx0" brushRef="#br0" timeOffset="59124">22800 8210 8432,'40'0'0,"2"0"90,-2 0-2451,8 0 2001,9 0-90,6 0 180,-28-7 0,1 1-225,0 4 1,0 0 494,2-3 0,-1-3 0,1 2 0,-1-2 0,1-1 0,-1 0 0</inkml:trace>
+  <inkml:trace contextRef="#ctx0" brushRef="#br0" timeOffset="59557">23183 7818 8882,'24'9'540,"-5"0"-360,24-2 269,8 6-359,-6-1 0,-5 1 0,-1 2-2061,10 6 2061,-19-7 0,1 3-90,18 25 760,-16-7-760,-12-1 0,-4 2 90,-6 11-985,-1 18 715,-10-14-449,-24 1-451,17 5 279,-21-29 0,-4 0-368,1 30 1169,-1-29 0,-3-1 0,8 0 0,1 0 0,-1 0 0,-1 0 0</inkml:trace>
+  <inkml:trace contextRef="#ctx0" brushRef="#br0" timeOffset="61174">25683 7776 8342,'0'-13'1979,"-17"5"-1709,0-1-270,-4 7 90,-21-4-180,22 5 90,-41 17 0,27 8 0,5 0 0,0 2 90,-1 17-135,7-5 0,3 1 45,6 0-180,3-5 0,8-3 0,23-7-90,13 0 91,11-17 179,6-3-363,-8-4 183,3-21 270,3 15-135,-15-23 0,0-5 45,13 7 90,-11-11 0,-4-2 359,-3 1 271,1-21-450,-19 30-180,-6-2 0,-2 17 0,-2 5-90,0 42 0,0-12-180,0 39-270,0-22-989,0 20 719,0-13-315,6-8 1,5-2 1034,16 3 0,8 6 0,3-19 0</inkml:trace>
+  <inkml:trace contextRef="#ctx0" brushRef="#br0" timeOffset="61692">26808 7733 9242,'-46'-14'1079,"7"3"-1079,0 11 0,-7 0 0,7 0-90,-21 17 0,27 8 0,-4 10-180,19 17-89,9-16-541,4 23 181,22-25 719,20 11 0,9-26 0,12 0 0</inkml:trace>
+  <inkml:trace contextRef="#ctx0" brushRef="#br0" timeOffset="62040">27208 7747 8072,'0'-5'360,"-17"-1"-360,12 2 360,-27 1-90,17 1-180,-14 1 90,9 21-180,-3 5 0,13 12 0,-2-2-90,7-9 90,3 0 90,1 0-90,1-2-180,0-2 180,17-5 90,-13 2-180,33-10-270,-16 0 180,19-9-90,-20-16-90,9 13 181,-26-33-631,21 6 540,-14-10-629,2-14 899,-4 20 0,-8-7 0,0 13 0</inkml:trace>
+  <inkml:trace contextRef="#ctx0" brushRef="#br0" timeOffset="62593">27197 7357 9062,'-14'17'1349,"2"7"-1079,2 13-90,1 5-90,1-7 0,1 5-585,1 1 585,0 2-90,0 2 0,3 3-365,-3 1 365,4 3 0,-1 1-90,1-1 135,0-17 0,0 0-45,0 17-135,0-15 0,-1-3-45,-1-1 319,2-1-319,-1-19-1709,2-6 1440,0-19 507,0-14-58,23-12 0,-10 4 0,3 0 0,25-13 0,-20 15 0,-1-1 45,3 2 0,1 3 617,12-13-392,-8 13 0,1 3 0,2 9 90,14-1-270,-22 17 89,2 0 451,-4 18-540,-6 7 270,5 22-270,-10-7-90,0 9 90,-6-19-180,-2 7-90,-1-15-90,-18-1-270,13-4-899,-34 3 540,9-8 899,-22-1 0,8-9 0,2-2 0</inkml:trace>
+  <inkml:trace contextRef="#ctx0" brushRef="#br0" timeOffset="63074">28160 7655 9242,'-46'-9'449,"-4"2"-359,11 7 90,0 0-90,12 25 0,3-19-90,6 31 0,5 6 0,-2-14 45,5 14 0,3 1-135,7-10 90,21 15 0,-15-28 0,35 4 0,-13-19 90,13-1-180,10-25 180,-18 15-135,-7-24 0,-3-6 135,2 7-713,-9-6 0,-3-1 533,0-10 90,-6-3-146,-2 13 1,-1 0 504,-3-19 271,2 3 0,0 1-630,-3 4-45,0 9 0,0 4 315,0 15-270,0 20 90,0 27-270,12 14-270,-12-5 0,2 1-359,20 15-1035,-14-3 1,-3 1 854,8 10 404,-1-20 0,0-1 748,0 13 1,12-4 0,-5-2 0</inkml:trace>
+  <inkml:trace contextRef="#ctx0" brushRef="#br0" timeOffset="63408">28703 7803 10681,'9'0'630,"-2"0"-271,5 0-179,-1 0-90,15 0 0,-7 0-90,9 0 90,2 0 0,-6-17 0,14 1-180,-18-4 0,7-20 0,-16 24-90,-2-47 180,-6 34 0,-25-22 0,-7 33-90,-23 0 180,9 14-180,15 19 180,-4 16-90,17 9-90,4-5 0,1 0-539,0 14-451,19-6 1,3 1-1825,-7 8 2094,19-17 1,5-2 809,-1 9 0,1-22 0,2-2 0,19 18 0</inkml:trace>
+  <inkml:trace contextRef="#ctx0" brushRef="#br0" timeOffset="63528">29715 7993 11490,'-25'-13'-2518,"19"-9"1079,-43 11-287,29-12 1726,-22 3 0,8-3 0,0 1 0</inkml:trace>
+  <inkml:trace contextRef="#ctx0" brushRef="#br0" timeOffset="74096">8660 6241 7982,'0'17'720,"0"-3"-720,0-2 90,13 1 0,-9 4 0,9 4 0,1 6-90,-10 7 90,23 7-360,-14 8 360,4-6 0,2 2-300,-5-9 1,-1 4 209,3 8 0,2 6 0,-1-4-584,0 0 1,0 1 583,-3-6 0,2 5 0,1 1 0,-3-4-791,5 13 1,-1-1 790,-1-5 0,1 3 0,-1-3 45,1 7 0,0-2-45,1 3 0,1 0 0,-6-20 0,0 0 0,1 2 0,1 2 0,3 2 0,-1 1 0,1-3 30,1 3 0,-1-3 0,3 5-30,0-4 0,2 4 0,1 2 0,1-2 0,-3-5 0,4 4 0,-1-5 0,2 2-422,-2-2 0,3 2 0,-1 0 0,0-4 362,0-1 0,0-4 0,-1 1-90,2-1 0,0 0 1,0 0 59,-1-1 0,1-1 0,1 2-424,10 13 0,3 3 0,-2-3 394,-10-12 0,-2-2 1,3 4-61,3 6 0,4 6 0,-1-1 0,-3-5-32,-7-7 0,-2-4 1,1 3 153,3 7 0,3 4 0,-1 1 0,-3-6 58,5 11 0,-2-3 0,-6-8 0,2 1 0,-3-2 0,0 0 0,-1 0 0</inkml:trace>
+  <inkml:trace contextRef="#ctx0" brushRef="#br0" timeOffset="79877">11935 9966 9062,'0'-32'809,"0"5"-539,0 2 0,0 4 0,0 5-270,0 3 719,0 4-719,0 25 0,0 3 90,0 25-90,0-6 0,0 2 0,0-6 0,0 2-510,0 16 0,0 0 555,0-10 0,0 0-45,0-1 0,0 3 0,0 16 0,0 0-45,1-16 0,-2 0 45,-3 0 0,-2 5 0,1-6 0,4-8 0,-2-1-45,-9 8 0,-1-2-341,2 19 386,-2-20-810,-2 7 540,8-31 180,-5-2 90,3-11-450,-2-56 450,6 19-45,0-20 1,1-5-144,3 27 1,1-1 187,-1-9 0,-1-5 0,4 3 43,5 0 0,3 0-73,-3-6 0,0-6 0,1 4-1007,1 5 0,3 1 992,9-14 0,2-1 45,-5 6 0,2 5-56,3 13 0,3 1 101,7-16 0,-2 5 315,5 4-225,-9 19 0,-1 4-45,-1 8 279,3 3-369,-17 10 751,-3 25-661,-5-5-90,-2 44 0,-22-20 410,7-2 1,-2 1-681,-25 9 0,20-17 1,0-1-1194,-11 10 653,0-3-711,4-7 892,2-3 587,12-7 1,-6-4-1,7-3 1</inkml:trace>
+  <inkml:trace contextRef="#ctx0" brushRef="#br0" timeOffset="80278">12710 9936 8792,'-63'20'1079,"12"-15"-809,3 32-852,11-22 582,-1 15 89,3-4-178,1 1 178,6-2-89,2 3 98,6 5-98,2-7-180,9 12 0,3-19 98,6 3-548,23-7 450,1-9 90,26 1 0,-13-28 90,1 16 0,-12-41 0,9 11 90,-10-11 475,3-1 155,-7 4-270,-12 13-90,7-4-360,-15 14 182,4 8-92,-5 18-90,0 32-360,0 3-495,0-1 1,0 0-45,0 5-865,0 15 668,0-22 1096,22-3 0,-16-3 0,16-3 0</inkml:trace>
+  <inkml:trace contextRef="#ctx0" brushRef="#br0" timeOffset="80557">13360 9950 9422,'0'-9'180,"0"1"-180,0 3 89,-19 1-89,-2 3 0,-2 18 0,-6-12 0,25 30 0,-19-8 0,21 20 0,-7-6 0,9 9 90,-4-21-90,3 8-90,-9-7-89,4-8-451,-13 8 0,5-16 91,-6 3-1,5-11-270,-2 1 810,3-5 0,1-1 0,3-1 0</inkml:trace>
+  <inkml:trace contextRef="#ctx0" brushRef="#br0" timeOffset="80873">13712 9844 9602,'-29'17'89,"-8"0"-89,20 3 0,0 5 0,-9-8-89,24 15 178,-10-7-89,12 1 0,0 0 0,15-4 0,-11 14 0,25-15 90,-26 6 0,11-11 0,-14-2-90,0-1 90,0 3-90,0-3 90,-16 6-270,12-7-359,-34 5-181,8-8 90,-11 1-1079,-11-5 1709,26-3 0,0 0 0,17-2 0</inkml:trace>
+  <inkml:trace contextRef="#ctx0" brushRef="#br0" timeOffset="81110">13897 9920 9062,'0'-5'360,"0"1"-360,0 19 0,0 5 0,13 0-360,-10 19-90,11-21-90,-3 21-89,-8-10 89,17 1 540,-8 9 0,6-11 0,1 7 0</inkml:trace>
+  <inkml:trace contextRef="#ctx0" brushRef="#br0" timeOffset="81326">14387 9839 9691,'-21'48'90,"16"-5"-90,-32-1-465,34-5 465,-28-1-269,13 18-271,0-15-270,-1-2 1,3-1 179,11-4 630,-27 14 0,26-34 0,-10-2 0</inkml:trace>
+  <inkml:trace contextRef="#ctx0" brushRef="#br0" timeOffset="81508">14213 9857 7713,'11'-7'1079,"-8"-2"-539,22 8-270,-10-2-270,8 3 0,-2 17 0,-4-13 0,0 28 179,1-28-448,-1 32-1,0-19-1169,6 32 629,-5-17 810,14 21 0,-12-22 0,7 7 0</inkml:trace>
+  <inkml:trace contextRef="#ctx0" brushRef="#br0" timeOffset="81706">14917 9935 9242,'-23'15'270,"-13"-11"-180,20 27-90,-15-27 0,4 34-90,-7-6-270,8 10-180,7-12 0,1-1-269,2 5-91,0 9 900,9-15 0,6-3 0,-1-1 0</inkml:trace>
+  <inkml:trace contextRef="#ctx0" brushRef="#br0" timeOffset="82029">15210 10048 9062,'-24'-6'360,"17"1"89,-33 2-359,17 2 90,-9 1-180,0 15-90,-2 3 90,12 0-90,-7 11 90,14-10-359,7 15 179,2-9 90,6-2-180,21-8 90,-16-1 90,36 0-90,-14-1 180,11-6-90,8-2 0,-20-4 0,6-19-90,-22-3 0,-1-19-269,-35 1-451,-2 4 900,-24 8 0,10 12 0,2 7 0</inkml:trace>
+  <inkml:trace contextRef="#ctx0" brushRef="#br0" timeOffset="82357">15402 10080 7982,'0'27'270,"0"3"-270,0-8 0,0 2 0,0-3 90,0 1-90,0 1-90,0 1 90,0 9 0,0-8 0,0 6 90,0-15-90,0-2 0,0-4 90,0-2-180,9-5 90,-6-21 0,21-16 0,-14-12-1373,13-7 1373,-9 9-180,0-5-658,-1 0 298,-1 1-180,0 4 720,-2 3 0,2 3 0,0 2 0</inkml:trace>
+  <inkml:trace contextRef="#ctx0" brushRef="#br0" timeOffset="82774">15903 9857 8162,'-42'0'720,"1"0"-720,-5 20 0,15-15-90,1 36 90,20-22 0,-8 21 0,15 6 90,-7-9-270,10 24 90,15-26-90,5 14 180,0-25 0,15 4 0,-11-19-180,10-1 90,8-24 90,-18 12 0,9-51 0,-18 27 90,-7-12 0,-3-3-326,0-8 415,-5 17 1,0-1 180,0-16 270,0 2 0,0 0-91,-19-7-629,15 17-281,-27-6 461,28 29 0,-9 23-90,12 26-180,0 14-764,7-5 0,3 2-740,6 17 1684,1-2 0,-1 0 0,-7-22 0,-2-1 0,0 13 0,-1 0 0</inkml:trace>
+  <inkml:trace contextRef="#ctx0" brushRef="#br0" timeOffset="83210">16370 10329 9242,'52'0'180,"-5"0"-540,-7 0 0,1 0-1148,18 0 1508,-2 0 0,1 0 0,-21 0 0,0 0 0,12 0 0,1 0 0</inkml:trace>
+  <inkml:trace contextRef="#ctx0" brushRef="#br0" timeOffset="83674">17512 9345 9512,'-15'16'269,"4"14"-89,2 14-1867,1 13 1687,1-3 0,1-9 0,0 2 45,2-10 0,0 1-45,-2 28 0,1 0 45,2-27 0,1-1-90,0 11 0,0-2 135,1 12-180,1-4-90,-1-9-147,1 5 57,0-19 328,0 3-418,0-24-360,13-2 271,0-23 449,19-14 0,-7-9 0,8-10 0,-13 18 0,0-1 90,12-15 179,-5 9 1,0 1 828,1 0-468,15-3-360,-21 20 49,2 9-139,-7 2-180,-5 24 0,6 10 90,-9 10-360,3 25-180,-6-21-360,2 4 1,3 1 89,3-2 720,-2-9 0,2-4 0,10-8 0,3-3 0</inkml:trace>
+  <inkml:trace contextRef="#ctx0" brushRef="#br0" timeOffset="84045">18443 9974 8882,'-27'-5'1169,"-3"2"-989,-30 3-90,3 16 0,12 8-991,5 10 901,26 1 0,-10-7 128,20-2-38,-16 14-180,18-10-180,-5 15 90,27-21-90,4 8 180,0-18 504,19-2-414,-13-9-90,10-3 90,8-20 0,-25-9 0,9-26 90,-22 10 404,-2 8 1,-3 0-315,-4 2 0,3-24-270,-4 40 90,0-1-90,0 34-270,0 8-89,0 16-631,0 16 450,0-19-636,18 12 546,-14-17 720,32-4 0,-21-5 0,17-2 0</inkml:trace>
+  <inkml:trace contextRef="#ctx0" brushRef="#br0" timeOffset="84339">19030 9883 9242,'-21'-15'360,"16"2"-271,-34 3 1,34 1 0,-35 6-90,13 0 90,-17 22-90,6 7 90,18 10-270,9 0 360,11-7-180,0 3 0,0 1-90,21 18 180,-15-15-135,12-6 0,-1 0 225,-13 0-90,26 12-90,-27-24 0,13 1 0,-16-12 0,0 0-360,0-3-539,-19 0 539,14-2-899,-49 0 359,33-1 900,-29-1 0,25-20 0,-1-5 0</inkml:trace>
+  <inkml:trace contextRef="#ctx0" brushRef="#br0" timeOffset="84757">19187 9525 8342,'4'-3'2159,"0"14"-2249,-4 12 180,0 9-90,0 8 0,0-2 90,0 25-90,13-12-252,-11-17 1,0-1 161,11 12 90,-13-1 90,0-4-180,10-1 0,-7-5-90,7-2-540,-5 1 450,-4-9 270,7 1 0,-5-17-90,4-1 1,0-7 592,2 0-503,4-21 0,3 16 90,6-38-90,1 25 450,14-30-361,-7 21 361,14-11-90,-23 26-90,3-1 180,-13 13-181,0 0-269,-1 0 0,0 19 0,-3-15-179,1 52-361,-4-30-270,0 31-359,-3-19 90,0-2-91,0 0 1170,1-3 0,2-3 0,1-3 0</inkml:trace>
+  <inkml:trace contextRef="#ctx0" brushRef="#br0" timeOffset="84892">20097 10230 11221,'6'0'-585,"-3"12"0,0-9 1,-2 9-1</inkml:trace>
+  <inkml:trace contextRef="#ctx0" brushRef="#br0" timeOffset="85711">20747 9124 8162,'-37'14'180,"2"-10"90,9 29-609,-4-14 519,-3 22 0,0 1-969,-1 10 834,18-23 0,0 4-45,-5 20 0,2 3 0,5-13 0,2 3 0,3 6 0,0 5 0,3-3-90,-1-5 0,7 1-248,9-2 1,6 6 0,2 0 0,-1-6 22,1 3 0,4-1 315,4-8 0,6 6 0,2-3 0,-3-7 0,4-5 0,-1-4 0,13 8 0,0 0 0</inkml:trace>
+  <inkml:trace contextRef="#ctx0" brushRef="#br0" timeOffset="86006">22120 9002 9422,'47'-6'719,"2"2"-449,-1 2-704,-2 2 614,0 0 180,-2 16-1,0-12-179,-3 35 0,8 1-180,-17 13 0,-15-7 0,-4 3-614,-8-15 1,-2 1 523,1 16 0,-5 0-180,-12-9 0,-3 0-225,4 4 1,-2 0-514,-13 2 1,-2 1 377,3 1 1,-1 0-1210,-2 2 0,-3 0 1839,-2 0 0,-3 0 0,-1 0 0,-1 1 0,-2-1 0,0 0 0</inkml:trace>
+  <inkml:trace contextRef="#ctx0" brushRef="#br0" timeOffset="87507">15580 12256 8792,'-4'11'630,"1"-2"-630,2-22 90,1-10-90,17-14-90,-13-2 90,13 6 0,-1-3 180,-13 1-91,23 3 181,-24-6-360,16 14 630,-16-2-540,10 38-90,-8 14-180,4 34-449,-2-5-495,0 6 225,-1-12-1,0-2 990,1-1 0,2-3 0,0-2 0</inkml:trace>
+  <inkml:trace contextRef="#ctx0" brushRef="#br0" timeOffset="87823">16225 11831 7803,'2'-4'359,"0"1"-89,-1 0 90,6 2-270,-3 1 450,9 0-271,-6 0 91,7 12-90,-7 4-90,3 22-90,-7-6 0,0 9-90,-3 15 0,-18-10-45,9-5 0,-1 1-135,-12 7-270,7-10 1,4-1-181,8 1 180,-9 7-989,12-14 1439,0-12 0,0-1 0,0-12 0</inkml:trace>
+  <inkml:trace contextRef="#ctx0" brushRef="#br0" timeOffset="88240">16790 11790 8702,'18'14'360,"11"-1"-360,-25 21 90,12-11-180,-16 5 90,0-5-90,0 0-180,0 4 0,0-2-90,-17 0 91,12-1 89,-12-2 90,3 2 90,10-6 0,-11 5 0,15-12 90,16 3 0,-12-6 89,29 3 1,-29 0 180,30 7-180,-13-3 90,12 13 0,-14-9-270,-1 6 180,-16 3-270,6-6-90,-25 15-180,12-15-989,-31 13 449,8-17 900,3 2 0,-15-11 0,17-1 0</inkml:trace>
+  <inkml:trace contextRef="#ctx0" brushRef="#br0" timeOffset="88539">17378 11831 8792,'6'-1'2159,"-2"0"-2249,-3 19 90,0 2 90,-1 11-90,-13-2-90,9-4 90,-9 2-90,13 1 90,0-1 180,0 0-360,0-3 180,0 1-180,0-4-90,17-1-270,5 1 91,0-8-631,27-1 541,-28-9-1,29-2 0,-19-15-89,0 10 629,0-25 0,0 25 0,-1-10 0</inkml:trace>
+  <inkml:trace contextRef="#ctx0" brushRef="#br0" timeOffset="88739">17777 11999 8612,'-15'-4'1799,"4"13"-1709,-11 11-180,9 13 180,5-2-90,2-1-180,1-5-180,-2 14 1,3-7-271,0 9-180,3-2 361,0-11-541,1 13 181,0-22 809,17 2 0,-13-14 0,13-2 0</inkml:trace>
+  <inkml:trace contextRef="#ctx0" brushRef="#br0" timeOffset="89073">18138 11952 10771,'0'31'0,"-12"-14"0,10 17 0,-10-17 0,12 18 0,0-9 0,0 0 0,0 0-90,21 0 90,-15-2 90,31 8-90,-18-10 0,14 10 90,-15-17-90,-6 3 90,-3-7-90,-7-5-1260,7 0 1,-29-4 540,-1-1-811,-25-14 1530,15-3 0,-2-1 0,9 4 0</inkml:trace>
+  <inkml:trace contextRef="#ctx0" brushRef="#br0" timeOffset="89206">18135 11875 9152,'36'-21'539,"4"2"-449,21-2-180,-12 6-2266,14 0 2266,-18 7-450,-3 4 449,0 1-1978,9 3 2069,-15 0 0,6 0 0,-17 0 0</inkml:trace>
+  <inkml:trace contextRef="#ctx0" brushRef="#br0" timeOffset="89495">19460 12328 10771,'-16'7'180,"4"-1"0,12-2-450,24-2 180,12-1-630,-1 0 1,2-2-271,25-14-179,-15 14 0,-1-2 1037,12-24 1,-21 25 0,0 1 0,14-11-1</inkml:trace>
+  <inkml:trace contextRef="#ctx0" brushRef="#br0" timeOffset="89756">19797 12106 9422,'-10'-4'449,"0"0"-179,9 1 0,-2 1 0,3-2 0,22-2-180,11 1-90,10 0 90,22 1 90,-25 3-180,24 0 89,-30 15 1,11 7-90,-27 21-90,-1-4 1,-13 8-541,-26-7-540,4-6 1,-3 0 584,-3-7 1,-3 0 451,-4 9 0,1 1 0,5-10 0,1-2 0,-2 1 1,1 0-1</inkml:trace>
+  <inkml:trace contextRef="#ctx0" brushRef="#br0" timeOffset="91643">21815 11576 11490,'0'-22'-90,"0"-2"1,13 6-1,-10-4 90,9 5 0,-12-2 90,10-1-180,-8 1 90,12-6 0,-9 8 0,1-1-180,-3 10 0,-3 2-90,0 20-180,0 8-269,0 13 89,0 3 90,0-7-179,0 4-1,0-1-179,0 0 899,0-2 0,0-4 0,0-2 0</inkml:trace>
+  <inkml:trace contextRef="#ctx0" brushRef="#br0" timeOffset="91972">22178 11241 7533,'1'-9'-90,"1"2"180,-2 2 90,1 3-90,3 0-90,-1 2 0,5 14 0,-2 3 0,1 1 0,-1 15 0,-1-17 0,0 40 0,-2-26 0,-2 26 89,-1-31-178,0 10 89,0-16 89,0 0-178,0-6 89,0-5 0,0 1 89,-12 1-89,9-1-89,-9 6-91,3-3-540,-5 9-89,-5-6 809,0 4 0,3-5 0,0-1 0</inkml:trace>
+  <inkml:trace contextRef="#ctx0" brushRef="#br0" timeOffset="92323">22497 11232 8072,'-14'12'0,"-5"4"0,17 10 0,-5-4 0,7-2 0,0 2 0,18-6 90,-14 12-180,31-13 90,-20 7 0,5-10 0,-9 1 0,0-5 90,-9-2-90,9 0 90,-11-2-90,0 0 0,0 1-90,0 0-899,0 3 89,0-1 900,-14 2 0,11-3 0,-10 0 0</inkml:trace>
+  <inkml:trace contextRef="#ctx0" brushRef="#br0" timeOffset="92856">22863 11414 8612,'0'-5'810,"0"0"-91,-14 0-629,10 1-90,-11 0-90,2 1 90,-4 2 0,-8 0-90,3 20 90,12 2 0,0 21-90,9-3 90,13-2 90,-8-9-180,28-4 90,-7-16 90,10-1-180,0-7 90,-8 0 0,-1 0 0,9-20 0,-9-5-90,9-24-90,-20 8-179,1-12-1,-12 21 90,-1-9-180,-3 18 1,0 0-1,-19 6-1079,15-3 1529,-32 10 0,32 0 0,-13 8 0</inkml:trace>
+  <inkml:trace contextRef="#ctx0" brushRef="#br0" timeOffset="93190">23312 11306 9062,'-41'0'809,"-3"0"-809,10 0-90,0 0 180,14 13-180,4-10 90,15 24 0,-4-11 0,28 12 90,10-13-180,14 2 45,-10-15 0,0-2-44,14 7 133,-4-16 1,1-3-134,7 7 44,-14-12 0,-1-4-350,-2-4 125,1 3-629,-27-19 539,-5 21-360,-26-11-89,-20 6 809,-10 16 0,-17 2 0,10 7 0</inkml:trace>
+  <inkml:trace contextRef="#ctx0" brushRef="#br0" timeOffset="94490">22425 11107 7533,'-4'-1'1079,"0"14"-1079,4 2 90,0 15-90,0 0 0,0-1 90,0-3 0,0-7-90,0-6 0,0-5 0,0 10 0,0-1 0,0 10 90,0-4 360,0-4-2699,0-19 1709,0-7 180,0-9 360,0 3 0,0 6 0,0 1 0</inkml:trace>
+  <inkml:trace contextRef="#ctx0" brushRef="#br0" timeOffset="95406">22440 11158 9152,'0'27'809,"0"4"-809,16-3 0,-12 2 0,13-5 90,-17 1-90,0 2 0,9 0-90,-7 11 180,7-9-180,-9 19 180,0-28 0,0 8-1079,0-23 899,0-37 90,0 12-180,13-39 180,-10 33 0,22-4-90,-22 8 180,20 12-90,-11-4 0,8 12 90,0-4 90,-5 5-90,5 18-90,-8 0 0,0 2 0,-4 9-270,-2-25-180,-1 27-989,-1-14 360,0 9 1079,-1-6 0,0-6 0,1-1 0</inkml:trace>
+  <inkml:trace contextRef="#ctx0" brushRef="#br0" timeOffset="96506">22643 12401 7623,'12'-9'1349,"-2"-1"-1079,-10 1 90,0 1 359,4-1-89,-2 1-91,2 0-269,-4 0 0,0 2-180,0 0-180,0 0-90,-18 3 0,14 13-90,-30-7 91,30 22-1,-21-22-90,23 23 0,-6-8-180,8 14 360,0-8 0,0-4-90,18-13 91,-14 3-1,33-9 90,-9 4 0,9-5 0,12-18 179,-21-4-89,10-20 180,-24 10 180,7 10 0,-19-3-360,5 12-360,-7-10 90,0 33-360,0 14 1,0 17-181,0 0-809,19 7 180,1-12 1141,14 10 1,-5-19 0,-4-3-1</inkml:trace>
+  <inkml:trace contextRef="#ctx0" brushRef="#br0" timeOffset="96961">23697 12033 10321,'0'-5'270,"0"0"-180,0 20-180,0 6 180,0 14-90,0 28 0,0-25-135,-1-3 0,2 0-45,8-3-539,-6 13 449,6-24 90,-9 3-90,0-15-1169,0-2 1349,8-3-90,7-25 180,6-10 0,0 2 0,1-2 0,9-18-602,-8 23 0,0 1 872,11-5 0,-1 2-308,-3 14 218,-1-6 45,-5 18 45,-2-8 270,4 10-180,-10 20 179,8 6-359,-14 12-90,-1-1 180,-6 5-270,-3-10 0,-22 22 0,17-25-180,-37 12-270,15-21-629,-21 4 359,9-15-179,2-1 1203,7-7 0,11-1 0,-4 0 1</inkml:trace>
+  <inkml:trace contextRef="#ctx0" brushRef="#br0" timeOffset="97206">24737 12070 9062,'-27'15'1619,"20"8"-1349,-45-21-90,30 17-270,-21-11 90,10 8 0,4-3-90,0 1 90,15 0-90,-12 3-180,22-1 0,-10 2-899,14 9 539,0-5-809,17 13 180,17-18 1021,10 3 1,11-13-1,-9-1 1</inkml:trace>
+  <inkml:trace contextRef="#ctx0" brushRef="#br0" timeOffset="97706">25107 12077 8522,'-14'15'810,"-7"-11"-630,13 24-1,-15-13-89,9 8-90,-11 8-90,12-11 180,-4 8-180,9-8 180,3 3-180,2-2 1,2 9-91,1-9-180,19 8 180,9-19 0,26 1 90,-8-10-931,3-1 931,-13-23 90,0 17 0,-3-40-90,7 14 90,-12-13-209,-10 14 1,-3 0 208,-5-9 0,-4-4 0,-2-1 90,-4-3 0,-8 2 0,0 0 89,4 4 46,-3 8 0,-1 1-225,-6 0-180,11-12 270,-10 27 900,13 1-990,0 38 90,0-2-90,0 29 90,0-10 406,0 10-496,0 2 0,-1-11 0,2-1-179,9 21 221,-9-22 1,1 0-1303,8 29 541,-10-21-900,8 20 1619,-6-34 0,14 2 0,-7-13 0</inkml:trace>
+  <inkml:trace contextRef="#ctx0" brushRef="#br0" timeOffset="98009">25648 12324 9781,'16'0'720,"12"0"-810,-7 0-180,15-6 0,5-5 90,8-7 90,4-1 1,0-1-1028,-2-8 1072,-17 12 0,-2 1 45,4-7 226,-6 2-226,-4-9 90,-13 9 0,-2-3 449,-11 6-89,-23 8-360,-5 0 0,-25 24-90,11-11-90,14 32 180,-1-20 621,24 18-711,-20-6-270,23 0-899,-6 13 179,8-11-179,25 9 1169,-19-16 0,53-3 0,-17-1 0</inkml:trace>
+  <inkml:trace contextRef="#ctx0" brushRef="#br0" timeOffset="98141">26747 12277 10861,'3'13'-30,"0"-10"0,-3 10 0</inkml:trace>
+  <inkml:trace contextRef="#ctx0" brushRef="#br0" timeOffset="99689">21708 13682 10051,'0'-26'0,"14"3"0,-10 1 0,21 0 0,-22-2 0,25-4 0,-16-1 0,16-1 0,-9 2 0,-1 0 90,2-6-90,-7 8 0,2-2 0,-11 13 180,1 1-270,-3 5 180,0 1 0,-2 22-180,0 11-270,0 34-179,0-6-361,0-13 1,0 0-1,0 10 626,0 13 0,0-24 0,0-2 1</inkml:trace>
+  <inkml:trace contextRef="#ctx0" brushRef="#br0" timeOffset="100139">22288 13155 7892,'35'0'450,"-9"0"-450,-1 0 0,-10 0 270,2 0 0,-6 10-180,1-7-180,-9 17 90,-19 2-90,12 2-540,-29 16 450,14-19 90,-12 15 90,13-20 0,7 6 0,11-10 0,0 1 0,0-1 0,18 2 0,-14 0 90,32 1 90,-13 12 90,0-5 540,12 20-540,-21-15-1,4 18-269,-7-19 90,-11 8-90,0-12 0,-23-1 0,18 0-180,-24-6 1,-4-1-271,8 5-225,-10-3 1,-2-3-226,3-1 900,-8 1 0,19-10 0,2-1 0</inkml:trace>
+  <inkml:trace contextRef="#ctx0" brushRef="#br0" timeOffset="100935">23033 13262 8972,'0'-6'630,"-17"2"-541,-7 3 91,-14 43-180,-4-19 0,24 12 0,4 1 0,-7-5 0,2 21 0,17-24 0,-4 6 0,6-13 90,0-4-90,22-2 0,4-4-90,26-5 90,-13-3-90,2-21 0,-13 13-179,0-34 89,-5 22 90,-2-21 90,-10 9-90,4-1-180,-13-1-360,6-9 271,-8 12-541,0-12 900,-18 23 0,13-1 0,-13 10 0</inkml:trace>
+  <inkml:trace contextRef="#ctx0" brushRef="#br0" timeOffset="101273">23633 13225 9422,'-14'-6'719,"11"20"-809,-11 9 180,14 11-90,0-2-90,0-5 180,0-1-90,0-2 0,0-1-90,19 4 90,1-9-90,23 3 90,-13-15 0,14-1 0,-19-5-90,7-21 0,-14 16-179,-4-35 89,-7 23-180,-3-29-90,-4 16-719,-20-20 539,14 22 630,-36-16 0,10 24 0,-23-7 0</inkml:trace>
+  <inkml:trace contextRef="#ctx0" brushRef="#br0" timeOffset="101923">22712 13493 9062,'0'-9'719,"0"-6"-719,0-12-359,10 5-811,-7 2-269,7 8 1439,-10 2 0,0 5 0,0 3 0</inkml:trace>
+  <inkml:trace contextRef="#ctx0" brushRef="#br0" timeOffset="102153">22810 13815 8432,'0'0'0</inkml:trace>
+  <inkml:trace contextRef="#ctx0" brushRef="#br0" timeOffset="102756">23828 13610 8882,'-2'6'1709,"1"-2"-1709,0-2-270,0-18 0,0-3 0,1-13 91,0 2 179,0 2-270,0-1 180,15-4 0,-11 0 0,12-3 0,-16-2 90,0 2-90,0-2 180,0 2-90,0-13 0,0 12 180,-14-16-90,10 28 90,-22-4-180,23 17 90,-9 1 179,12 5 631,-8 3-720,6 17-90,-12-11 180,13 33-1,-12 1-179,9 12-90,-6 9 0,7-24 0,0 0 90,-1 19-270,1-9 1,1 0-451,1 6-360,0-10 1,0 0-825,1 2 734,0 10 1080,0-21 0,0-3 0,0-2 0</inkml:trace>
+  <inkml:trace contextRef="#ctx0" brushRef="#br0" timeOffset="103573">23428 13592 8162,'27'-21'315,"-1"0"0,18-15-225,6-1-985,-9 6 895,4-4 90,-1 0-90,-1-1 0,-4 0 90,-2 2 539,7-15-269,-15 13 450,11-17-451,-25 26-89,2-2 165,-12 15-435,-1 3 268,-4 4-268,0 2 0,0 25 0,0 7 0,-17 17 0,13 1-90,-13-5 552,4-1-2081,10 22 540,-9-16-46,11-8 1,2 0 928,-1 4 1,0 10 0,0-18-1</inkml:trace>
+  <inkml:trace contextRef="#ctx0" brushRef="#br0" timeOffset="103843">24343 13715 8882,'-8'0'0,"1"0"0</inkml:trace>
+  <inkml:trace contextRef="#ctx0" brushRef="#br0" timeOffset="105029">24330 13437 10411,'17'-8'-2159,"-4"0"2159,-6-1 0,2 3 0,7 6 0</inkml:trace>
+  <inkml:trace contextRef="#ctx0" brushRef="#br0" timeOffset="105613">24900 13585 8972,'6'-15'809,"0"11"-719,1-29 0,3 17 90,0-18-90,2 4-90,5-17 0,-4 11 90,6-28 90,-10 27 269,-3 0 1,0 1-180,-2 2-90,-1-25-180,-3 39-180,0-3 360,0 14-90,0 23-90,0 6 0,0 22 90,-11-4-90,8-8 0,-8-4 0,11-9 0,0 0 0,0 3 0,-6 10 0,4-5 0,-9 19 0,10-16 0,-6 8 0,6-11 0,-2-1 0,2 0-90,0-1-90,1-2-269,0 0-1081,0 3 721,0-6-1080,0 4 1889,0-10 0,0 0 0,0-5 0</inkml:trace>
+  <inkml:trace contextRef="#ctx0" brushRef="#br0" timeOffset="106206">24595 13241 9242,'0'36'539,"0"7"-539,0-9 0,0 4 0,0-12 0,0 9 0,0-9 90,0 5 0,18-7-180,-14-9 180,32 3-180,-15-13 90,9-1-90,-5-21-179,7-23 179,-14 0 0,-2 3 0,-3 0 0,-7-3-135,-2 4 0,-2 1-45,-2-4-809,0-21 359,-16 33 720,12-6 0,-13 19 0,17 2 0</inkml:trace>
+  <inkml:trace contextRef="#ctx0" brushRef="#br0" timeOffset="107211">22790 14747 7533,'14'-17'719,"-2"3"-359,-6 2 0,-1 9 449,-3-19-269,-1 9-270,-1-8 90,0 3-180,0 4-180,-16 0 90,13 5-180,-29-2 0,9 7 90,-8 1 0,-1 26 0,7-18 0,1 39 0,0-25-90,3 19 90,-2 4 0,9-10 0,3 19-90,8-25-180,3 7 180,23-12-90,6-10 0,29-2 270,-9-9-135,-16-7 0,-2-5 135,7-15-45,-9 5 0,-3-3-45,2-13 90,-5 2 450,-7 6-360,-11 15-180,4-13 90,-6 19 0,-3 10-180,0 31-180,0 6-405,9-1 1,2 0-316,7 4-583,5 14 674,7-20 899,-16-2 0,16-5 0,-6-3 0</inkml:trace>
+  <inkml:trace contextRef="#ctx0" brushRef="#br0" timeOffset="107655">23425 14512 8342,'0'-4'2069,"0"16"-1889,0 11-90,0 9 0,0 6 0,13-5-90,-10 21 0,9-11 0,-11-7 0,-2 1 0,1 3-135,0-2 0,0-2-45,0-5-180,0 16-359,0-35-451,0-1 1080,0-26 0,-10 12 0,7-35 90,-7 4 0,10-10 0,8 11 0,3 1 90,12-6 180,-2 9 0,0 1-90,1 2 180,16-2-180,-15 20 90,9 3-1,2 5-179,-18 16 0,8 5 0,-15 0-90,0 29 0,-7-27-270,-2 29-89,-24-22-361,18 2-90,-38-2-719,24 9 1529,-3-13 0,7 4 0,16-14 0</inkml:trace>
+  <inkml:trace contextRef="#ctx0" brushRef="#br0" timeOffset="107891">24275 14718 10951,'-44'-2'1079,"-5"14"-1079,13-9 0,-4 26 0,13-15 0,-7 30-90,11-14-90,3 14-899,9 4 449,9-11-899,18 22 630,-11-28 899,22-8 0,5-4 0,-8-1 0,33 2 0</inkml:trace>
+  <inkml:trace contextRef="#ctx0" brushRef="#br0" timeOffset="109260">24822 15081 8432,'-8'9'810,"3"-2"809,0 0-1169,26-25-361,2-6 91,4-14-90,13-2-529,-24 9 619,8 0-14,3-12 104,-13 14 89,5-22-359,-9 30 0,-10-9-179,0 22 179,0 0-90,0 5 180,0 20-180,0 15 0,0 12 409,0 9-678,0-7 44,0-10 0,0 1-225,0 22 0,0-11 1,0 1-1,0 6 45,0-11 1,0-1 134,0 4 135,-8-7 0,0-1 225,4-3 0,-33 15 90,9-37 540,-23-2-450,9-10 237,-8-23-58,24 15 181,-3-33-450,14 12-90,8-10-90,20-16 90,-9 18-495,28 3 1,7 1-719,-2-8 448,18 5 1,5 1 466,-26 13 0,-1 2 0,14-7 0,1 2 1,-13 8-1,0 0 0</inkml:trace>
+  <inkml:trace contextRef="#ctx0" brushRef="#br0" timeOffset="109709">25763 14762 9422,'-17'-4'1169,"13"1"-719,-30 0-360,12 2 90,-9 0-180,2 1 0,4 19-90,7-15 0,3 28-180,3-11-90,11 13 180,-4-4 180,5-4-270,21-8 0,6-2 270,25-7 90,-11-1-180,-1-8 90,-2-19 90,-13 14-180,7-30 180,-22 14 360,-1-17-180,-9 3-360,-16 5 360,13 11-180,-26 8-90,25 29 0,-9 11 90,13 14-90,0 2 0,0-10 0,0 2 0,0 0 0,17 13 0,-13-13 0,28 20-90,-28-30 90,11 6-450,-15-19-359,0-3-2430,0-4 3239,-15-19 0,11 10 0,-11-14 0</inkml:trace>
+  <inkml:trace contextRef="#ctx0" brushRef="#br0" timeOffset="110213">26388 14332 8792,'2'8'2429,"0"-3"-2250,0 0-89,0-1 0,0 4 0,-1 4 90,1 4 0,-2 3-90,1 19-90,-1-6 0,0 25 0,0-21-90,0 9 90,-12 5-450,9-11 1,-9 6-91,12-21 540,0-13-90,0-2-180,0-2 270,21-3-90,1-18 180,24-6 180,-12 0 0,0-13 0,-12 28 539,-3-24-539,0 26-270,-2-9 0,-4 12 0,-1 0 0,-4 0-540,7 14-629,-5 5-2159,11 18 3328,-5-6 0,5 0 0,-3-8 0</inkml:trace>
+  <inkml:trace contextRef="#ctx0" brushRef="#br0" timeOffset="110345">27387 14792 13199,'8'0'-1439,"-2"0"-630,0 0 2069,-4-17 0,1 0 0,-3-15 0</inkml:trace>
+  <inkml:trace contextRef="#ctx0" brushRef="#br0" timeOffset="126371">24770 7047 8972,'0'39'809,"0"-3"-539,0 8-820,0 2 640,0 5 0,0 8-2027,0 6 1982,0-31 0,0 1-45,0 2 0,0 0 0,0 1 0,0 0 45,0 1 0,0 1-45,0-1 0,0 1-45,0 0 0,0-1 90,0 1 0,0 0-135,0-1 0,0 0 0,0-1 0,0-1-135,0-2 0,0 2-675,0 9 1,0-1-948,0 19 1847,0-25 0,0-2 0,0 2 0,0-4 0</inkml:trace>
+  <inkml:trace contextRef="#ctx0" brushRef="#br0" timeOffset="127272">24777 6928 8432,'32'-25'900,"-10"8"-721,13 4 1,3 1-90,11 0-1130,3 4 1,4 1 1129,-17 4 0,2 1-536,17-1 1,3 1 535,-11 1 0,0 1-135,7 0 0,0 0 90,3-1 0,5 2-45,-16 2 0,4 2 0,0 0 0,-1-1-30,3-2 0,-1-2 0,5 3-307,-1 2 1,5 3 0,4 0 0,-3 0 0,-5-3 336,9-2 0,-6-3 0,4 2-335,-15 2 1,3 3-1,1 0 1,-1-1-1,-3-1 365,16-3 0,-4-3 0,0 3-53,-13 3 1,0 2 0,0 0-1,0-2 23,-1-2 0,0-1 0,2 0 0,2 1-161,2 2 0,4 1 1,2 0-1,-2 0 0,-2 0 138,-1-2 1,-3 1 0,1-1-1,4 0-65,-2 1 1,4 0 0,3 1 0,0-1-1,-3 0 1,-6 0 87,13 1 0,-5-1 0,3 2 13,-8-2 1,5 2 0,1-1-1,-3 1 1,-6-1 16,0 0 0,-6-1 0,5 2-30,-2-1 0,7 2 0,2-1 0,-3 1 0,-7-1-45,15 2 0,-1 0 67,-11-2 1,6 1-1,0 1 1,-10-2 452,-3-1 1,-3 0-506,1 1 0,4-1 0,-6 0 75,-6-1 0,-3 0-45,10 1 0,-3 0 180,10 1-180,-5 0 0,-4 2 180,-4-2 180,-3 3-270,-3-1 180,5 8-90,-10-2 1294,9 16-1384,-20-8-90,7 22 180,-13-15-180,0 15 90,-4-12-90,-3 2 2082,0 3-2082,-2 20 0,0-10 45,0-5 0,0 1 2878,0 12-2923,-9-5 0,-2 0-242,6 13 242,-11-22 0,-2 1 0,7 0 0,2 0 0,-10 21 0,3-13 0,-1-1 0,0 6 0,3-14 0,-1-3 0,-4 4 0,8 6-214,-2-11 214,8-11 90,-10 8-180,8-19 254,-10 4-254,-1-12 922,-10 3-832,-7-7-180,-10 1-1218,-13 0 1398,23-3 0,-1 1-45,-5-1 0,-1 0 45,-3 0 0,-4 0-120,1 0 0,-5 1 0,1-1 30,-9 0 0,-4 0 0,12 1 0,-7-1 0,1 1 0,4-1 0,6 0 0,4 0 1,-4 0-781,-12 0 1,-6 0-1,0 1 1,5-1 749,6-1 0,4 0 0,-2 0 52,2 0 1,-2 0-1,-1 0 1,0 0-634,-4-1 0,-2 0 0,2 0 0,1 0 671,-3 1 0,2-1 0,-5-1-279,3-1 0,-5-1 0,-3-1 1,2 0-1,5 2 309,-5 1 0,5 0 0,-5-1-73,14-1 1,-5-2 0,-2 1 0,0-2 0,2 1-1,5 1 118,-2-1 0,6 1 0,-1-1 0,-5 1-30,-1-1 0,-5 0 0,-3 0 0,-1-1 0,4 1 0,4-1-15,0-1 0,6 0 0,-1 0 0,-7 0 0,2 0 0,-6 0 0,-5 0 0,-1 0 0,1 0 0,4 0 0,7 1 0,-2-1 0,7 1 0,0 0 0,-6-1 15,-3-1 0,-6-1 0,-3-1 0,1 0 0,5 1 0,8 1 15,0-1 0,7 1 0,0 0 110,-12-3 0,-2-1 0,6 1-140,4 1 0,4 0-45,4 0 0,-1 0-465,-6 0 0,2-1 510,16 4 0,1 0 0,-5-1 0,4 0 0,5 1 0,7 0 0</inkml:trace>
+  <inkml:trace contextRef="#ctx0" brushRef="#br0" timeOffset="129396">24572 7063 7173,'-4'-4'180,"0"-1"-90,1-1 0,-1 0 0,-1 0-90,0-1 0,-1 1 90,1 0 0,-3 0-1,2 0 1,-4 1-90,3-1 0,-4 0 90,3 0 0,-1 0-90,-1 0 90,0-1 0,-2 0 0,2-1-90,-9-5 90,3 2 0,-15-9-180,9 7 90,-7-5 90,5 5-90,0-2 0,-5-1 0,2 0 0,-4-2 0,0 2 0,-22-10 0,11 7 45,3 3 0,-2 1-775,-12-4 775,17 9 0,0 1-1326,-22-4 1371,-2 5-90,-5 1 0,30 5 0,0 0 0,0 1 0,0 1 0,-1 0 0,-3-1-45,-14 0 0,-1 2 90,14 6 0,-1 2-45,-4-3 0,-3-1 0,5 1 0,5 3 0,2 1 0,-11 5 0,-1 0-446,7-5 0,1 1 536,-18 17-90,11-9 0,3-1 0,-3 3-45,9-2 0,1 0 45,-3 4 0,8-4 0,1 1 0,-2 2 417,-8 7-597,10-2 90,9-7-359,-10 9 89,17-13 519,-4 4-159,10-11 0,0 1 0,4-7 0</inkml:trace>
+  <inkml:trace contextRef="#ctx0" brushRef="#br0" timeOffset="129922">22613 6570 7982,'-7'0'270,"-1"12"-360,-10 5 180,2 8 0,-24 16-90,12-11-1175,-12 11 1175,8-8 0,0 0 0,-2 1 45,10-8 0,-1-1-45,-12 13 0,7-6 0,0 1 370,-1 1-370,7-6 0,2 0 0,1-1 0,1 6 180,12-14-90,5-3 0,2-3-180,1 0-90,32-4-180,-5-2-270,15-4 1,4-2-1608,15 2 2237,-15-3 0,0 0 0,-10 0 0,-1 0 0,3 0 0,-1 0 0</inkml:trace>
+  <inkml:trace contextRef="#ctx0" brushRef="#br0" timeOffset="188453">22265 15421 7982,'-3'-5'270,"1"2"-180,2 0 180,0 1-180,0-3 0,24 0-90,-18-3 90,40 0-90,-25-2 90,20 1-250,-3-2 250,2 2-1,5 2-89,5 2 270,4 1-1743,2 4 1563,7-1-45,-29 1 0,1 0-90,3 0 0,1 0 90,4-1 0,1 2-45,4 6 0,3 1 0,4-5 0,2-2-1130,6 7 1,3 0 1159,-19-3 0,2 0 0,0-1-721,3-3 0,1 0 0,1 0 691,4 3 0,0 1 0,2 0 0,1-1 0,2-1 0,0 0-416,1-2 1,2-1 0,0 1 437,-16 1 1,1 1 0,1-1-1,-1 1-22,1-1 0,1 1 0,-1-1 0,1 0 0,0-1 0,0-1 0,0 0 0,0 1 0,0 1 0,0 0 0,1 1 0,3-1 0,2-1 0,4 0 0,2 0 0,-1-1 0,-4 1 0,0 0 0,-2-1 0,-1 1 0,6 0 15,-2 0 0,5 0 0,3 0 0,-1 0 0,-2 1 0,-7-1-38,-2-1 1,-6 1 0,-1 0-1,6-1 41,7 1 0,5 0 0,2 1 0,-2-1 0,-8 0-18,-1 0 0,-6 0 0,4 0 0,3 0 0,5 1 0,-1 0 0,-7 0-45,6 1 0,-5-1 45,-10 0 0,0 1 0,-4-1 149,-4 0 1,-4 0-150,-1 1 0,-2-1 0,24 1 1091,7 1-1001,-25-3 2099,9 1-4527,-31-1 3542,-27 0-1204,-19-1 0,-17-12 0,-1-2 0</inkml:trace>
+  <inkml:trace contextRef="#ctx0" brushRef="#br0" timeOffset="189262">15392 13005 7353,'30'5'539,"-1"2"-269,36-5-2197,0 2 2016,-25-3 1,2 0-1255,5-1 0,3 0 1210,5 0 0,2 0-45,5 1 0,2-2 30,-18-4 0,1-2 0,0 1-30,3 5 0,1 1 0,0-3 30,4-7 0,0-2 0,1 2-60,1 7 0,1 4 0,4-2-229,-10-3 1,3-2 0,3 0-1,-1 0 1,-3 1 280,1 1 1,-2 1-1,-1-1 1,4 1-316,-1 0 0,4 0 0,0 0 1,-1 0-1,-4 0 263,14-1 0,-4 1 0,0 0-191,-1 0 0,0 0 0,0 1 191,-4 1 0,-1 1 0,3-1-127,-5 0 1,2-2 0,0 1 0,-4 1 126,0 0 0,-3 1 0,3 1 20,4 2 0,4 1 0,-1 1 0,-7-2 219,7-2 0,-3 2-329,-2 7 0,4 2 0,-6-3 91,-11-7 0,-3 0 29,8 12 0,-3-1 0,16-10 932,-26 19-932,1-13 0,-28 8 0,-4-7 0</inkml:trace>
+  <inkml:trace contextRef="#ctx0" brushRef="#br0" timeOffset="190406">18897 11445 7803,'0'11'1529,"0"11"-1529,0 15 90,0 8-2293,0 2 2203,-11 9 90,8 6-90,-2-27 0,-1 0 45,0 2 0,2 0-45,3 1 0,0 2 45,-6 16 0,-1 1-45,4-15 0,1 2 30,-1 3 0,-1 5 0,0-6-75,0-4 0,0-1 15,0 3 0,1 4 0,1-5-105,0-5 0,0-1-45,-1 9 1,1 1-406,2-6 0,-1-1-224,1 19 809,1-13 0,0-2 0,0 3 0,0 10 0</inkml:trace>
+  <inkml:trace contextRef="#ctx0" brushRef="#br0" timeOffset="191553">18857 12991 8252,'-18'-5'360,"13"2"-270,-22 1-90,25 20 90,-18-13 0,18 38-90,-17-19 90,12 25-887,-10 0 887,5 8-669,-2 8 579,8-29 0,-1 1-433,0 3 1,0 0 432,-1 4 0,0 0-497,0 2 0,0 2 497,-1 1 0,1 1 45,-2 1 0,1 1-45,0 2 0,0 0-385,-2 1 0,1 0 340,1 1 0,-1 1 90,1 0 0,-1 0-45,2-1 0,0 3 30,3-4 0,-1 3 0,2-2-30,1-11 0,1-2 0,-1 3 0,0 9 0,-1 4 0,5-1 0,5 1 0,5 0 0,0-3 0,-3-12 0,0-2 0,4 3 45,6 7 0,5 5 0,3-2 0,-2-5-373,0-8 0,1-5 0,2 2 358,9 9 0,4 2 0,0-5 0,-5-13 0,0-5 0,2 0-30,1 0 0,2-1 0,3-1 22,4 0 1,5-1-1,2 0 1,-4-2-23,6 2 0,-2-3 0,3 1 22,-4-2 1,4 0-1,1-1 1,1-1-23,1-1 0,1-3 0,0 0 0,-3-1-30,4 2 0,-2-2 0,5 0 30,-6-3 0,6 1 0,2 0 0,-2-1 0,-6-1-366,4-1 1,-4-1 0,2 0 365,-3-1 0,2-1 0,1 0 0,-5-1-60,0-2 0,-4 0 0,0-1-60,0 0 0,0 0 0,-1 0 0,0-1 0,0 0 0,-1 0 0,-1 1 0,-1 0 0,0-3 30,-1-5 0,-1-2 0,-1 2-45,20 6 1,0-3-46,-10-13 0,0-5 0,-2 3 132,5 8 1,0-2-73,-2-8 0,2-6 0,-6 2 75,-11 5 0,-2-2 15,-1-3 0,1-3 0,-5 1-15,-7 1 0,-4 0 45,6-7 0,-4-4-135,-8 1 1,-5-1-140,3-19 274,-7 20 0,-3 1 0,-3-10 0,-2 2 0</inkml:trace>
+  <inkml:trace contextRef="#ctx0" brushRef="#br0" timeOffset="192036">21935 15134 7353,'-6'0'539,"3"13"-359,0 4 0,26 0 0,-17 15 0,54-5-180,-34 7 0,12-8 0,3-3-565,5 7 700,-15-10 0,0 0 44,14 9 1,-1 2 0,-14-8 0,0 1-90,10 13-45,-14-13 0,-2 2 135,7 31-180,-13-12 0,-9-3 0,-2 1 0,-4 9 0,-10-4 0,-6 1-1094,-20 8 914,13-19 0,-2-2-135,-3-9 0,0-3-494,-13 25-181,-2-1 990,2-2 0,3-3 0,1-1 0</inkml:trace>
+  <inkml:trace contextRef="#ctx0" brushRef="#br0" timeOffset="195770">8600 14862 8072,'-7'-5'990,"-1"1"-720,4-2-180,-2 2-90,2 0-90,-1 1 90,1 1 449,0 2-359,2 0 0,0 17-90,1 2 90,1 22 0,0 4-90,0-2 0,0 4-214,0-11 0,0 4 214,0 7 0,0 5 0,0-4-45,0-3 0,0 0 75,0 2 0,0 4 0,0-4-30,0-9 0,0 0 0,0 18 0,0-2 0,0 0 180,0 7-180,0-22-90,0-15-1169,0 1 1079,0-34 90,-15-21 0,13-5 0,0-4 45,-13 2 0,-1-3-614,12-5 0,6-4 0,-4 2 659,-10-1 0,-1-3 0,11-7 0,2-7 0,0 5-45,-4 4 0,-1 2 75,4 7 0,0-1 0,3 3-30,7-1 0,0 4-45,-8 1 0,3 3 37,14 2 0,5 2 8,-5-4 0,0 2 45,4 11 0,3 2-45,8-6 0,0 4 0,5 7 90,20 3 90,-28 13-90,2 20 0,-14-13 0,-6 34-90,-1-21 0,-6 34 0,-2-15-450,-1-3 0,-4 1-359,-17 10-447,14 13 1256,-29-16 0,30-3 0,-10 0 0</inkml:trace>
+  <inkml:trace contextRef="#ctx0" brushRef="#br0" timeOffset="196170">9377 14754 8702,'-42'20'270,"-1"2"-360,2 21 90,18-11-180,-11-2 90,31-5-90,-11-3 90,14 1-90,0-7 0,21-8 90,0-4 180,20-25 90,-6-4 180,-5-24-180,-5 4-180,-13 4-90,-6 12 90,-2 14 0,-2 21 90,5-3-180,-1 24 180,1-23-270,1 29-180,3-16-1079,10 31 1439,-3-16 0,8 9 0,-6-13 0</inkml:trace>
+  <inkml:trace contextRef="#ctx0" brushRef="#br0" timeOffset="196454">9818 14690 9062,'-25'-13'90,"-9"4"-90,31 1 0,-27 5 0,14 1 0,-2 20 0,6 4 90,12 11-90,0-1-90,0-5 180,23 17-90,-17-11 0,12-4 0,4-1 0,-2 3 90,0 7 180,6-10-181,-23-10-89,7 4-89,-10-13-451,-17 4 0,-13-9-539,-25 4 449,8-7 630,-1 1 0,18-2 0,2 0 0</inkml:trace>
+  <inkml:trace contextRef="#ctx0" brushRef="#br0" timeOffset="196753">10055 14632 9242,'-43'20'-90,"17"11"0,-2-27 180,25 23 0,-9-13-180,12 11 90,0-1 90,0-6-180,20 5 90,2-10 0,17 4 90,-19-7 359,6 3-449,-23-8 0,7 3 90,-10-4-90,-26 4-90,20-1-1439,-57 8 450,40-3 1079,-28 2 0,24-3 0,3-1 0</inkml:trace>
+  <inkml:trace contextRef="#ctx0" brushRef="#br0" timeOffset="197019">10423 14729 9062,'-17'-1'-90,"3"20"90,28 2 90,-11 11-90,25 0-90,-24-6-360,26 4-90,-26-1-1079,35 16 1619,-25-13 0,15 11 0,-14-16 0</inkml:trace>
+  <inkml:trace contextRef="#ctx0" brushRef="#br0" timeOffset="197224">10898 14618 8702,'-42'20'360,"1"6"-360,19 13 0,-14 1 0,21-8 0,-26 16-180,18-12-1748,-5 8 1388,14-18 504,3-4-504,3-4 593,3-3 1,1-8-1,1-2 1</inkml:trace>
+  <inkml:trace contextRef="#ctx0" brushRef="#br0" timeOffset="197391">10670 14563 7713,'0'-12'0,"10"6"449,-7-1-449,13 7 0,-9-2 90,5 2-90,0 16 0,8 4 0,-3 0 90,19 32-180,-14-30-449,9 30-271,-7-22 810,0 1 0,3-3 0,-1 0 0</inkml:trace>
+  <inkml:trace contextRef="#ctx0" brushRef="#br0" timeOffset="197588">11427 14621 9332,'-24'-4'0,"3"1"0,-27 22 0,17-14 0,-6 34 0,11-22 0,-3 21-274,3-9-265,2 2-1,5-1-270,10 0 810,-2 10 0,10-11 0,-3 7 0</inkml:trace>
+  <inkml:trace contextRef="#ctx0" brushRef="#br0" timeOffset="197924">11678 14698 9512,'-20'-4'359,"-12"0"-449,11 4 180,-11 19-180,0 1 180,9 20-180,9-11 180,7 0-180,7-8 180,0 7-90,0-8 0,14 10 0,-10-16-90,30-2 0,-18-7 90,14-27 0,-16-6-89,-5-12-1,-9 2 0,0-4-90,-20 11-630,-3-18 91,-2 26-1,-6-4 720,28 11 0,-23 8 0,11 0 0</inkml:trace>
+  <inkml:trace contextRef="#ctx0" brushRef="#br0" timeOffset="198241">11842 14672 8162,'0'29'270,"0"5"-180,0-3-90,0 13 0,0-17 0,0 17 0,0-21 90,0 7 0,0-16 0,0-2-90,0-8 0,0-27 0,6-29-90,-5-6 45,2 10 0,0 1-405,-3-5 450,3 4 0,1 0 0,1 4 0,6-20 0</inkml:trace>
+  <inkml:trace contextRef="#ctx0" brushRef="#br0" timeOffset="198707">12250 14578 8792,'-33'0'180,"2"0"-270,7 0 180,0 19-90,5 5 90,7 12 0,4-4-90,7-6 90,0-3-90,1 1 0,0-3 90,16-2-90,-12-2 0,26-2 0,-9-5 0,17-4 0,-8-3 90,1-21-90,-4-12 0,-7-10 0,-6 6 0,-2-1 0,-3-14 0,-2 2 0,-1-2 180,-5-16 239,-4 21 1,-2-7 0,1 6-364,2 8 0,0 0-11,-4-28 0,-3 3-45,-7 14 90,12-8 270,-11 36-270,15 23-90,16 29 0,-12 14-1655,14-5 0,0 2 1655,-14 15-45,12-16 0,0 1-813,-13 19 363,10-30 1,-1 1-855,-9 30 333,8-31 0,2-1 1016,-2 31 0,10-2 0,-4 0 0</inkml:trace>
+  <inkml:trace contextRef="#ctx0" brushRef="#br0" timeOffset="198952">13090 14940 8792,'0'-14'0,"0"0"0,19 2-90,-14 0-360,36 2-1349,-9-4 1799,10 5 0,0 0 0,-13 5 0</inkml:trace>
+  <inkml:trace contextRef="#ctx0" brushRef="#br0" timeOffset="199385">13870 14356 7803,'-4'18'1169,"1"2"-1169,3 25 0,15-10 0,-11 4 90,11-8-90,-5 1 90,-7 1-90,7-2 90,2-1 90,-9-3 89,17-4 1,-18-3-90,18-4-180,-11-8 0,17-3 0,-9-28 0,8 18 0,-7-49-517,2 27-203,0-30 0,0 8-179,-4-3-181,-1-2 1080,-4 1 0,-4 2 0,-1 3 0</inkml:trace>
+  <inkml:trace contextRef="#ctx0" brushRef="#br0" timeOffset="199720">14382 14637 7173,'8'19'1079,"6"0"-899,-1-8 90,11-2-360,-9-9 180,15-17-90,-11 13-90,14-32 270,-16 8-180,5-33 180,-14 18 360,-1-17-450,-7 36-90,-22-10 0,1 20 0,-18 2 0,7 8 0,6 18 89,11 8-178,6 21 178,9-3-178,0 18-1,0-22-892,22 11 172,-17-17 0,34-3-232,-34-2 1042,37-6 0,-22-3 0,21-4 0</inkml:trace>
+  <inkml:trace contextRef="#ctx0" brushRef="#br0" timeOffset="200020">14833 14312 9152,'-17'-8'719,"12"23"-719,-13 7 180,38 14-90,-16 13-90,33-16-90,-19 24 90,3-25 0,3 18 0,-12-26 270,5 13-270,-4-24-90,-8 3 90,-1-33-450,-4-30 91,17-3-192,-15 15 1,1 1-80,28-13-89,-28 1-181,11 2 900,2 2 0,-12 6 0,11 1 0</inkml:trace>
+  <inkml:trace contextRef="#ctx0" brushRef="#br0" timeOffset="200269">15322 14409 9691,'0'28'0,"0"7"90,0-6-90,0 4-179,0-8-271,0 1-270,0-3-1349,10 8 2069,-7-10 0,14 3 0,-9-11 0</inkml:trace>
+  <inkml:trace contextRef="#ctx0" brushRef="#br0" timeOffset="200436">15265 13977 9332,'-7'-9'-2519,"6"3"2519,-6 24 0,7-14 0,0 17 0</inkml:trace>
+  <inkml:trace contextRef="#ctx0" brushRef="#br0" timeOffset="200774">15737 14772 7803,'11'0'269,"9"-17"1,-1-10 360,13-26-540,-9 5 135,-9 12 0,0 1-1857,0-9 1722,-2-16 424,-9 3-155,-2 13-134,1 10 0,-4 1-225,-17-1 374,14-13-464,-14 30 180,6-2 0,10 31-90,-10 18-90,5 33 90,6 0-146,-2-14 0,0 0-304,4 17 135,0-22 0,0-1-404,0 18-91,17-2 1,-13-1 809,4-19 0,1 0 0,5 20 0,-6-23 0,0 1 0</inkml:trace>
+  <inkml:trace contextRef="#ctx0" brushRef="#br0" timeOffset="200906">15813 14990 8522,'0'-39'-90,"0"1"0,0-4 90,0 1-315,12 9 1,4 0-226,15-15 540,-3 8 0,3 2 0,11-3 0,-3-10 0</inkml:trace>
+  <inkml:trace contextRef="#ctx0" brushRef="#br0" timeOffset="201085">16213 14349 7353,'6'13'0,"0"-9"0,2 25 0,-2-25 0,9 23 90,-4-10-90,5 5-90,-1 1-450,2-10 540,3 0 0,2-2 0,1 0 0</inkml:trace>
+  <inkml:trace contextRef="#ctx0" brushRef="#br0" timeOffset="201572">16558 14241 9871,'-21'-6'810,"4"0"-810,17 17 0,0 6 0,0 25 0,0-6 90,0 8-90,13 7 0,1-11 0,0-6 0,2-1 0,6 5 0,12 19 0,-11-28-549,8 5 459,-8-17 123,0-3-123,-1-5 90,7-4 90,-10-3-90,9-1-90,-16-17 727,-1 12-637,-7-27 59,-4 10-59,0-15 0,0 1 90,0 7-180,-17 13 90,13-3-90,-13 9 90,7-8 0,7 7-90,-7 4 90,5 4-90,4 14-1799,-3 1 0,4 12 1889,0-8 0,0-5 0,0-7 0</inkml:trace>
+  <inkml:trace contextRef="#ctx0" brushRef="#br0" timeOffset="202003">16570 14270 8432,'-8'-1'180,"3"0"270,2 21-180,10 11 0,2 5-181,-5 21 1,10-14 0,2 4-90,-8 5 0,1-2 45,6-16 0,2 1-440,-5 9 1,-2 5-1,1-5 350,3-9 0,0-3 90,-1 12 0,0 0-45,5 14 0,0-2-42,-1-3 42,-8-20 0,0-1 0,2 13 90,0 14-90,-9-32-90,-17 4-180,10-20-899,-27-3 0,-7-8-91,8-20 1216,-7 12 0,0-3 0,-3-30 0,0 6 0</inkml:trace>
+  <inkml:trace contextRef="#ctx0" brushRef="#br0" timeOffset="202386">16350 14119 9152,'0'-5'989,"-9"16"-899,-1 14-180,-6 10 90,3 8 180,2-5-180,3 1 0,0 22 0,5-17-45,10-9 0,2-1-405,-5 1-584,22-9 0,5-4-496,-2-2 1443,3-10 0,1-3 0,13-3 1,2-4-1</inkml:trace>
+  <inkml:trace contextRef="#ctx0" brushRef="#br0" timeOffset="202836">17132 13801 8162,'-21'15'990,"0"-11"-990,3 42 0,1-19 90,1 30-90,9-21 0,1 0 90,-1 24-135,3-10 0,2 1 45,2 7-630,11-13 0,6-2-449,21 1 692,-14-17 0,3-3 0,28 4 1,-13-3-1</inkml:trace>
+  <inkml:trace contextRef="#ctx0" brushRef="#br0" timeOffset="203052">17665 13840 9332,'21'-6'629,"-5"1"1,31 19-270,-19-10-91,-4 21 1,-1 4-180,1-1-749,-12 3 0,-1 2 659,2 14 0,-11 5-89,4 5-1081,-14-11 1,-6 0 179,-4-8 1,-4-1 721,-3 14 0,-3-1 0,-6-12 0,0-2 0,5 1 1,1 0-1</inkml:trace>
 </inkml:ink>
 </file>
 
@@ -6039,6 +6261,57 @@
           <a:chExt cx="0" cy="0"/>
         </a:xfrm>
       </p:grpSpPr>
+      <mc:AlternateContent xmlns:mc="http://schemas.openxmlformats.org/markup-compatibility/2006">
+        <mc:Choice xmlns:p14="http://schemas.microsoft.com/office/powerpoint/2010/main" Requires="p14">
+          <p:contentPart p14:bwMode="auto" r:id="rId2">
+            <p14:nvContentPartPr>
+              <p14:cNvPr id="2" name="Ink 1">
+                <a:extLst>
+                  <a:ext uri="{FF2B5EF4-FFF2-40B4-BE49-F238E27FC236}">
+                    <a16:creationId xmlns:a16="http://schemas.microsoft.com/office/drawing/2014/main" id="{B11C4734-912C-F945-9234-31C48FBB2DE5}"/>
+                  </a:ext>
+                </a:extLst>
+              </p14:cNvPr>
+              <p14:cNvContentPartPr/>
+              <p14:nvPr/>
+            </p14:nvContentPartPr>
+            <p14:xfrm>
+              <a:off x="726480" y="229680"/>
+              <a:ext cx="10164960" cy="5650560"/>
+            </p14:xfrm>
+          </p:contentPart>
+        </mc:Choice>
+        <mc:Fallback>
+          <p:pic>
+            <p:nvPicPr>
+              <p:cNvPr id="2" name="Ink 1">
+                <a:extLst>
+                  <a:ext uri="{FF2B5EF4-FFF2-40B4-BE49-F238E27FC236}">
+                    <a16:creationId xmlns:a16="http://schemas.microsoft.com/office/drawing/2014/main" id="{B11C4734-912C-F945-9234-31C48FBB2DE5}"/>
+                  </a:ext>
+                </a:extLst>
+              </p:cNvPr>
+              <p:cNvPicPr/>
+              <p:nvPr/>
+            </p:nvPicPr>
+            <p:blipFill>
+              <a:blip r:embed="rId3"/>
+              <a:stretch>
+                <a:fillRect/>
+              </a:stretch>
+            </p:blipFill>
+            <p:spPr>
+              <a:xfrm>
+                <a:off x="710280" y="213480"/>
+                <a:ext cx="10197360" cy="5682960"/>
+              </a:xfrm>
+              <a:prstGeom prst="rect">
+                <a:avLst/>
+              </a:prstGeom>
+            </p:spPr>
+          </p:pic>
+        </mc:Fallback>
+      </mc:AlternateContent>
     </p:spTree>
     <p:extLst>
       <p:ext uri="{BB962C8B-B14F-4D97-AF65-F5344CB8AC3E}">
